--- a/trunk/Docs/Medias2012.pptx
+++ b/trunk/Docs/Medias2012.pptx
@@ -9,10 +9,17 @@
     <p:sldId id="260" r:id="rId3"/>
     <p:sldId id="265" r:id="rId4"/>
     <p:sldId id="261" r:id="rId5"/>
-    <p:sldId id="262" r:id="rId6"/>
-    <p:sldId id="263" r:id="rId7"/>
-    <p:sldId id="264" r:id="rId8"/>
-    <p:sldId id="259" r:id="rId9"/>
+    <p:sldId id="263" r:id="rId6"/>
+    <p:sldId id="264" r:id="rId7"/>
+    <p:sldId id="266" r:id="rId8"/>
+    <p:sldId id="267" r:id="rId9"/>
+    <p:sldId id="270" r:id="rId10"/>
+    <p:sldId id="262" r:id="rId11"/>
+    <p:sldId id="272" r:id="rId12"/>
+    <p:sldId id="273" r:id="rId13"/>
+    <p:sldId id="274" r:id="rId14"/>
+    <p:sldId id="268" r:id="rId15"/>
+    <p:sldId id="259" r:id="rId16"/>
   </p:sldIdLst>
   <p:sldSz cx="9144000" cy="6858000" type="screen4x3"/>
   <p:notesSz cx="6858000" cy="9144000"/>
@@ -151,7 +158,7 @@
             <a:fld id="{5B106E36-FD25-4E2D-B0AA-010F637433A0}" type="datetimeFigureOut">
               <a:rPr lang="ru-RU" smtClean="0"/>
               <a:pPr/>
-              <a:t>08.05.2012</a:t>
+              <a:t>09.05.2012</a:t>
             </a:fld>
             <a:endParaRPr lang="ru-RU"/>
           </a:p>
@@ -870,7 +877,7 @@
             <a:fld id="{5B106E36-FD25-4E2D-B0AA-010F637433A0}" type="datetimeFigureOut">
               <a:rPr lang="ru-RU" smtClean="0"/>
               <a:pPr/>
-              <a:t>08.05.2012</a:t>
+              <a:t>09.05.2012</a:t>
             </a:fld>
             <a:endParaRPr lang="ru-RU"/>
           </a:p>
@@ -1057,7 +1064,7 @@
             <a:fld id="{5B106E36-FD25-4E2D-B0AA-010F637433A0}" type="datetimeFigureOut">
               <a:rPr lang="ru-RU" smtClean="0"/>
               <a:pPr/>
-              <a:t>08.05.2012</a:t>
+              <a:t>09.05.2012</a:t>
             </a:fld>
             <a:endParaRPr lang="ru-RU"/>
           </a:p>
@@ -1234,7 +1241,7 @@
             <a:fld id="{5B106E36-FD25-4E2D-B0AA-010F637433A0}" type="datetimeFigureOut">
               <a:rPr lang="ru-RU" smtClean="0"/>
               <a:pPr/>
-              <a:t>08.05.2012</a:t>
+              <a:t>09.05.2012</a:t>
             </a:fld>
             <a:endParaRPr lang="ru-RU"/>
           </a:p>
@@ -2719,7 +2726,7 @@
             <a:fld id="{5B106E36-FD25-4E2D-B0AA-010F637433A0}" type="datetimeFigureOut">
               <a:rPr lang="ru-RU" smtClean="0"/>
               <a:pPr/>
-              <a:t>08.05.2012</a:t>
+              <a:t>09.05.2012</a:t>
             </a:fld>
             <a:endParaRPr lang="ru-RU"/>
           </a:p>
@@ -3321,7 +3328,7 @@
             <a:fld id="{5B106E36-FD25-4E2D-B0AA-010F637433A0}" type="datetimeFigureOut">
               <a:rPr lang="ru-RU" smtClean="0"/>
               <a:pPr/>
-              <a:t>08.05.2012</a:t>
+              <a:t>09.05.2012</a:t>
             </a:fld>
             <a:endParaRPr lang="ru-RU"/>
           </a:p>
@@ -3760,7 +3767,7 @@
             <a:fld id="{5B106E36-FD25-4E2D-B0AA-010F637433A0}" type="datetimeFigureOut">
               <a:rPr lang="ru-RU" smtClean="0"/>
               <a:pPr/>
-              <a:t>08.05.2012</a:t>
+              <a:t>09.05.2012</a:t>
             </a:fld>
             <a:endParaRPr lang="ru-RU"/>
           </a:p>
@@ -4323,7 +4330,7 @@
             <a:fld id="{5B106E36-FD25-4E2D-B0AA-010F637433A0}" type="datetimeFigureOut">
               <a:rPr lang="ru-RU" smtClean="0"/>
               <a:pPr/>
-              <a:t>08.05.2012</a:t>
+              <a:t>09.05.2012</a:t>
             </a:fld>
             <a:endParaRPr lang="ru-RU"/>
           </a:p>
@@ -4421,7 +4428,7 @@
             <a:fld id="{5B106E36-FD25-4E2D-B0AA-010F637433A0}" type="datetimeFigureOut">
               <a:rPr lang="ru-RU" smtClean="0"/>
               <a:pPr/>
-              <a:t>08.05.2012</a:t>
+              <a:t>09.05.2012</a:t>
             </a:fld>
             <a:endParaRPr lang="ru-RU"/>
           </a:p>
@@ -4677,7 +4684,7 @@
             <a:fld id="{5B106E36-FD25-4E2D-B0AA-010F637433A0}" type="datetimeFigureOut">
               <a:rPr lang="ru-RU" smtClean="0"/>
               <a:pPr/>
-              <a:t>08.05.2012</a:t>
+              <a:t>09.05.2012</a:t>
             </a:fld>
             <a:endParaRPr lang="ru-RU"/>
           </a:p>
@@ -5400,7 +5407,7 @@
             <a:fld id="{5B106E36-FD25-4E2D-B0AA-010F637433A0}" type="datetimeFigureOut">
               <a:rPr lang="ru-RU" smtClean="0"/>
               <a:pPr/>
-              <a:t>08.05.2012</a:t>
+              <a:t>09.05.2012</a:t>
             </a:fld>
             <a:endParaRPr lang="ru-RU"/>
           </a:p>
@@ -6075,7 +6082,7 @@
             <a:fld id="{5B106E36-FD25-4E2D-B0AA-010F637433A0}" type="datetimeFigureOut">
               <a:rPr lang="ru-RU" smtClean="0"/>
               <a:pPr/>
-              <a:t>08.05.2012</a:t>
+              <a:t>09.05.2012</a:t>
             </a:fld>
             <a:endParaRPr lang="ru-RU"/>
           </a:p>
@@ -6537,7 +6544,46 @@
                   <a:reflection blurRad="12700" stA="34000" endA="740" endPos="53000" dir="5400000" sy="-100000" algn="bl" rotWithShape="0"/>
                 </a:effectLst>
               </a:rPr>
-              <a:t>применение В задачах навигации БПЛА В закрытых помещениях</a:t>
+              <a:t>применение В задачах навигации БПЛА </a:t>
+            </a:r>
+            <a:r>
+              <a:rPr lang="ru-RU" sz="2800" cap="none" dirty="0" smtClean="0">
+                <a:effectLst>
+                  <a:outerShdw blurRad="38100" dist="38100" dir="2700000" algn="tl">
+                    <a:srgbClr val="000000">
+                      <a:alpha val="43137"/>
+                    </a:srgbClr>
+                  </a:outerShdw>
+                  <a:reflection blurRad="12700" stA="34000" endA="740" endPos="53000" dir="5400000" sy="-100000" algn="bl" rotWithShape="0"/>
+                </a:effectLst>
+              </a:rPr>
+              <a:t>в</a:t>
+            </a:r>
+            <a:r>
+              <a:rPr lang="ru-RU" sz="2800" cap="none" dirty="0" smtClean="0">
+                <a:effectLst>
+                  <a:outerShdw blurRad="38100" dist="38100" dir="2700000" algn="tl">
+                    <a:srgbClr val="000000">
+                      <a:alpha val="43137"/>
+                    </a:srgbClr>
+                  </a:outerShdw>
+                  <a:reflection blurRad="12700" stA="34000" endA="740" endPos="53000" dir="5400000" sy="-100000" algn="bl" rotWithShape="0"/>
+                </a:effectLst>
+              </a:rPr>
+              <a:t> </a:t>
+            </a:r>
+            <a:r>
+              <a:rPr lang="ru-RU" sz="2800" cap="none" dirty="0" smtClean="0">
+                <a:effectLst>
+                  <a:outerShdw blurRad="38100" dist="38100" dir="2700000" algn="tl">
+                    <a:srgbClr val="000000">
+                      <a:alpha val="43137"/>
+                    </a:srgbClr>
+                  </a:outerShdw>
+                  <a:reflection blurRad="12700" stA="34000" endA="740" endPos="53000" dir="5400000" sy="-100000" algn="bl" rotWithShape="0"/>
+                </a:effectLst>
+              </a:rPr>
+              <a:t>закрытых помещениях</a:t>
             </a:r>
             <a:endParaRPr lang="ru-RU" sz="2800" cap="none" dirty="0">
               <a:effectLst>
@@ -6582,6 +6628,1440 @@
               <a:t>, к.т.н., НИИ НКТ СПб НИУ ИТМО</a:t>
             </a:r>
             <a:endParaRPr lang="ru-RU" dirty="0"/>
+          </a:p>
+        </p:txBody>
+      </p:sp>
+    </p:spTree>
+  </p:cSld>
+  <p:clrMapOvr>
+    <a:masterClrMapping/>
+  </p:clrMapOvr>
+  <p:timing>
+    <p:tnLst>
+      <p:par>
+        <p:cTn id="1" dur="indefinite" restart="never" nodeType="tmRoot"/>
+      </p:par>
+    </p:tnLst>
+  </p:timing>
+</p:sld>
+</file>
+
+<file path=ppt/slides/slide10.xml><?xml version="1.0" encoding="utf-8"?>
+<p:sld xmlns:a="http://schemas.openxmlformats.org/drawingml/2006/main" xmlns:r="http://schemas.openxmlformats.org/officeDocument/2006/relationships" xmlns:p="http://schemas.openxmlformats.org/presentationml/2006/main">
+  <p:cSld>
+    <p:spTree>
+      <p:nvGrpSpPr>
+        <p:cNvPr id="1" name=""/>
+        <p:cNvGrpSpPr/>
+        <p:nvPr/>
+      </p:nvGrpSpPr>
+      <p:grpSpPr>
+        <a:xfrm>
+          <a:off x="0" y="0"/>
+          <a:ext cx="0" cy="0"/>
+          <a:chOff x="0" y="0"/>
+          <a:chExt cx="0" cy="0"/>
+        </a:xfrm>
+      </p:grpSpPr>
+      <p:sp>
+        <p:nvSpPr>
+          <p:cNvPr id="2" name="Заголовок 1"/>
+          <p:cNvSpPr>
+            <a:spLocks noGrp="1"/>
+          </p:cNvSpPr>
+          <p:nvPr>
+            <p:ph type="title"/>
+          </p:nvPr>
+        </p:nvSpPr>
+        <p:spPr/>
+        <p:txBody>
+          <a:bodyPr>
+            <a:normAutofit fontScale="90000"/>
+          </a:bodyPr>
+          <a:lstStyle/>
+          <a:p>
+            <a:r>
+              <a:rPr lang="ru-RU" dirty="0" smtClean="0"/>
+              <a:t>Особенности постановки задачи ВП</a:t>
+            </a:r>
+            <a:r>
+              <a:rPr lang="en-US" dirty="0" smtClean="0"/>
+              <a:t> </a:t>
+            </a:r>
+            <a:r>
+              <a:rPr lang="en-US" dirty="0" err="1" smtClean="0"/>
+              <a:t>QuadroX</a:t>
+            </a:r>
+            <a:r>
+              <a:rPr lang="en-US" dirty="0" smtClean="0"/>
+              <a:t>-DS</a:t>
+            </a:r>
+            <a:r>
+              <a:rPr lang="ru-RU" dirty="0" smtClean="0"/>
+              <a:t> </a:t>
+            </a:r>
+            <a:endParaRPr lang="ru-RU" dirty="0"/>
+          </a:p>
+        </p:txBody>
+      </p:sp>
+      <p:sp>
+        <p:nvSpPr>
+          <p:cNvPr id="3" name="Содержимое 2"/>
+          <p:cNvSpPr>
+            <a:spLocks noGrp="1"/>
+          </p:cNvSpPr>
+          <p:nvPr>
+            <p:ph idx="1"/>
+          </p:nvPr>
+        </p:nvSpPr>
+        <p:spPr/>
+        <p:txBody>
+          <a:bodyPr>
+            <a:normAutofit fontScale="77500" lnSpcReduction="20000"/>
+          </a:bodyPr>
+          <a:lstStyle/>
+          <a:p>
+            <a:r>
+              <a:rPr lang="ru-RU" dirty="0" smtClean="0"/>
+              <a:t>Качественное воспроизведение аэродинамических эффектов взаимодействия групп БПЛА и окружения</a:t>
+            </a:r>
+          </a:p>
+          <a:p>
+            <a:r>
+              <a:rPr lang="ru-RU" dirty="0" smtClean="0"/>
+              <a:t>Моделирование инерциальных, барометрических и магнитометрических датчиков</a:t>
+            </a:r>
+          </a:p>
+          <a:p>
+            <a:r>
+              <a:rPr lang="ru-RU" dirty="0" smtClean="0"/>
+              <a:t>Синтез изображений формируемых камерами БПЛА</a:t>
+            </a:r>
+          </a:p>
+          <a:p>
+            <a:r>
+              <a:rPr lang="ru-RU" dirty="0" smtClean="0"/>
+              <a:t>Варьирование параметров БПЛА с целью поиска оптимальной конфигурации:</a:t>
+            </a:r>
+          </a:p>
+          <a:p>
+            <a:pPr lvl="1"/>
+            <a:r>
+              <a:rPr lang="ru-RU" dirty="0" smtClean="0"/>
+              <a:t>Длина плеча</a:t>
+            </a:r>
+          </a:p>
+          <a:p>
+            <a:pPr lvl="1"/>
+            <a:r>
+              <a:rPr lang="ru-RU" dirty="0" smtClean="0"/>
+              <a:t>Двигатели + </a:t>
+            </a:r>
+            <a:r>
+              <a:rPr lang="en-US" dirty="0" smtClean="0"/>
+              <a:t>ESC</a:t>
+            </a:r>
+            <a:r>
+              <a:rPr lang="ru-RU" dirty="0" smtClean="0"/>
+              <a:t> (по таблицам)</a:t>
+            </a:r>
+            <a:endParaRPr lang="en-US" dirty="0" smtClean="0"/>
+          </a:p>
+          <a:p>
+            <a:pPr lvl="1"/>
+            <a:r>
+              <a:rPr lang="ru-RU" dirty="0" smtClean="0"/>
+              <a:t>Пропеллеры и т.д. (по таблицам + опт. связь </a:t>
+            </a:r>
+            <a:r>
+              <a:rPr lang="en-US" dirty="0" smtClean="0"/>
+              <a:t>c</a:t>
+            </a:r>
+            <a:r>
+              <a:rPr lang="ru-RU" dirty="0" smtClean="0"/>
+              <a:t> пакетами </a:t>
+            </a:r>
+            <a:r>
+              <a:rPr lang="en-US" dirty="0" smtClean="0"/>
+              <a:t>CFD</a:t>
+            </a:r>
+            <a:r>
+              <a:rPr lang="ru-RU" dirty="0" smtClean="0"/>
+              <a:t>)</a:t>
+            </a:r>
+            <a:endParaRPr lang="en-US" dirty="0" smtClean="0"/>
+          </a:p>
+          <a:p>
+            <a:r>
+              <a:rPr lang="ru-RU" dirty="0" smtClean="0"/>
+              <a:t>Выбор окружения для моделирования</a:t>
+            </a:r>
+          </a:p>
+          <a:p>
+            <a:pPr>
+              <a:buNone/>
+            </a:pPr>
+            <a:endParaRPr lang="ru-RU" dirty="0"/>
+          </a:p>
+        </p:txBody>
+      </p:sp>
+    </p:spTree>
+  </p:cSld>
+  <p:clrMapOvr>
+    <a:masterClrMapping/>
+  </p:clrMapOvr>
+  <p:timing>
+    <p:tnLst>
+      <p:par>
+        <p:cTn id="1" dur="indefinite" restart="never" nodeType="tmRoot"/>
+      </p:par>
+    </p:tnLst>
+  </p:timing>
+</p:sld>
+</file>
+
+<file path=ppt/slides/slide11.xml><?xml version="1.0" encoding="utf-8"?>
+<p:sld xmlns:a="http://schemas.openxmlformats.org/drawingml/2006/main" xmlns:r="http://schemas.openxmlformats.org/officeDocument/2006/relationships" xmlns:p="http://schemas.openxmlformats.org/presentationml/2006/main">
+  <p:cSld>
+    <p:spTree>
+      <p:nvGrpSpPr>
+        <p:cNvPr id="1" name=""/>
+        <p:cNvGrpSpPr/>
+        <p:nvPr/>
+      </p:nvGrpSpPr>
+      <p:grpSpPr>
+        <a:xfrm>
+          <a:off x="0" y="0"/>
+          <a:ext cx="0" cy="0"/>
+          <a:chOff x="0" y="0"/>
+          <a:chExt cx="0" cy="0"/>
+        </a:xfrm>
+      </p:grpSpPr>
+      <p:sp>
+        <p:nvSpPr>
+          <p:cNvPr id="2" name="Заголовок 1"/>
+          <p:cNvSpPr>
+            <a:spLocks noGrp="1"/>
+          </p:cNvSpPr>
+          <p:nvPr>
+            <p:ph type="title"/>
+          </p:nvPr>
+        </p:nvSpPr>
+        <p:spPr/>
+        <p:txBody>
+          <a:bodyPr/>
+          <a:lstStyle/>
+          <a:p>
+            <a:r>
+              <a:rPr lang="ru-RU" sz="2800" dirty="0" smtClean="0"/>
+              <a:t>Модель </a:t>
+            </a:r>
+            <a:r>
+              <a:rPr lang="ru-RU" sz="2800" dirty="0" smtClean="0"/>
+              <a:t>4Р-БПЛА </a:t>
+            </a:r>
+            <a:r>
+              <a:rPr lang="ru-RU" sz="2800" dirty="0" smtClean="0"/>
+              <a:t>как твердого тела с 6 степенями свободы</a:t>
+            </a:r>
+            <a:endParaRPr lang="ru-RU" sz="2800" dirty="0"/>
+          </a:p>
+        </p:txBody>
+      </p:sp>
+      <p:sp>
+        <p:nvSpPr>
+          <p:cNvPr id="3" name="Объект 2"/>
+          <p:cNvSpPr>
+            <a:spLocks noGrp="1"/>
+          </p:cNvSpPr>
+          <p:nvPr>
+            <p:ph sz="quarter" idx="4294967295"/>
+          </p:nvPr>
+        </p:nvSpPr>
+        <p:spPr>
+          <a:xfrm>
+            <a:off x="609600" y="1600200"/>
+            <a:ext cx="7924800" cy="4114800"/>
+          </a:xfrm>
+          <a:prstGeom prst="rect">
+            <a:avLst/>
+          </a:prstGeom>
+        </p:spPr>
+        <p:txBody>
+          <a:bodyPr/>
+          <a:lstStyle/>
+          <a:p>
+            <a:endParaRPr lang="ru-RU" dirty="0"/>
+          </a:p>
+        </p:txBody>
+      </p:sp>
+    </p:spTree>
+    <p:extLst>
+      <p:ext uri="{BB962C8B-B14F-4D97-AF65-F5344CB8AC3E}">
+        <p14:creationId xmlns:p14="http://schemas.microsoft.com/office/powerpoint/2010/main" xmlns="" val="3609528446"/>
+      </p:ext>
+    </p:extLst>
+  </p:cSld>
+  <p:clrMapOvr>
+    <a:masterClrMapping/>
+  </p:clrMapOvr>
+  <p:timing>
+    <p:tnLst>
+      <p:par>
+        <p:cTn id="1" dur="indefinite" restart="never" nodeType="tmRoot"/>
+      </p:par>
+    </p:tnLst>
+  </p:timing>
+</p:sld>
+</file>
+
+<file path=ppt/slides/slide12.xml><?xml version="1.0" encoding="utf-8"?>
+<p:sld xmlns:a="http://schemas.openxmlformats.org/drawingml/2006/main" xmlns:r="http://schemas.openxmlformats.org/officeDocument/2006/relationships" xmlns:p="http://schemas.openxmlformats.org/presentationml/2006/main">
+  <p:cSld>
+    <p:spTree>
+      <p:nvGrpSpPr>
+        <p:cNvPr id="1" name=""/>
+        <p:cNvGrpSpPr/>
+        <p:nvPr/>
+      </p:nvGrpSpPr>
+      <p:grpSpPr>
+        <a:xfrm>
+          <a:off x="0" y="0"/>
+          <a:ext cx="0" cy="0"/>
+          <a:chOff x="0" y="0"/>
+          <a:chExt cx="0" cy="0"/>
+        </a:xfrm>
+      </p:grpSpPr>
+      <p:sp>
+        <p:nvSpPr>
+          <p:cNvPr id="2" name="Заголовок 1"/>
+          <p:cNvSpPr>
+            <a:spLocks noGrp="1"/>
+          </p:cNvSpPr>
+          <p:nvPr>
+            <p:ph type="title"/>
+          </p:nvPr>
+        </p:nvSpPr>
+        <p:spPr/>
+        <p:txBody>
+          <a:bodyPr/>
+          <a:lstStyle/>
+          <a:p>
+            <a:r>
+              <a:rPr lang="ru-RU" sz="3600" dirty="0" smtClean="0"/>
+              <a:t>Аэродинамическая модель </a:t>
+            </a:r>
+            <a:r>
+              <a:rPr lang="ru-RU" sz="3600" dirty="0" smtClean="0"/>
+              <a:t>4Р-БПЛА</a:t>
+            </a:r>
+            <a:endParaRPr lang="ru-RU" sz="3600" dirty="0"/>
+          </a:p>
+        </p:txBody>
+      </p:sp>
+      <p:sp>
+        <p:nvSpPr>
+          <p:cNvPr id="3" name="Объект 2"/>
+          <p:cNvSpPr>
+            <a:spLocks noGrp="1"/>
+          </p:cNvSpPr>
+          <p:nvPr>
+            <p:ph sz="quarter" idx="4294967295"/>
+          </p:nvPr>
+        </p:nvSpPr>
+        <p:spPr>
+          <a:xfrm>
+            <a:off x="609600" y="1600200"/>
+            <a:ext cx="7924800" cy="4114800"/>
+          </a:xfrm>
+          <a:prstGeom prst="rect">
+            <a:avLst/>
+          </a:prstGeom>
+        </p:spPr>
+        <p:txBody>
+          <a:bodyPr/>
+          <a:lstStyle/>
+          <a:p>
+            <a:endParaRPr lang="ru-RU"/>
+          </a:p>
+        </p:txBody>
+      </p:sp>
+    </p:spTree>
+    <p:extLst>
+      <p:ext uri="{BB962C8B-B14F-4D97-AF65-F5344CB8AC3E}">
+        <p14:creationId xmlns:p14="http://schemas.microsoft.com/office/powerpoint/2010/main" xmlns="" val="46958512"/>
+      </p:ext>
+    </p:extLst>
+  </p:cSld>
+  <p:clrMapOvr>
+    <a:masterClrMapping/>
+  </p:clrMapOvr>
+  <p:timing>
+    <p:tnLst>
+      <p:par>
+        <p:cTn id="1" dur="indefinite" restart="never" nodeType="tmRoot"/>
+      </p:par>
+    </p:tnLst>
+  </p:timing>
+</p:sld>
+</file>
+
+<file path=ppt/slides/slide13.xml><?xml version="1.0" encoding="utf-8"?>
+<p:sld xmlns:a="http://schemas.openxmlformats.org/drawingml/2006/main" xmlns:r="http://schemas.openxmlformats.org/officeDocument/2006/relationships" xmlns:p="http://schemas.openxmlformats.org/presentationml/2006/main">
+  <p:cSld>
+    <p:spTree>
+      <p:nvGrpSpPr>
+        <p:cNvPr id="1" name=""/>
+        <p:cNvGrpSpPr/>
+        <p:nvPr/>
+      </p:nvGrpSpPr>
+      <p:grpSpPr>
+        <a:xfrm>
+          <a:off x="0" y="0"/>
+          <a:ext cx="0" cy="0"/>
+          <a:chOff x="0" y="0"/>
+          <a:chExt cx="0" cy="0"/>
+        </a:xfrm>
+      </p:grpSpPr>
+      <p:sp>
+        <p:nvSpPr>
+          <p:cNvPr id="2" name="Заголовок 1"/>
+          <p:cNvSpPr>
+            <a:spLocks noGrp="1"/>
+          </p:cNvSpPr>
+          <p:nvPr>
+            <p:ph type="title"/>
+          </p:nvPr>
+        </p:nvSpPr>
+        <p:spPr/>
+        <p:txBody>
+          <a:bodyPr/>
+          <a:lstStyle/>
+          <a:p>
+            <a:r>
+              <a:rPr lang="ru-RU" sz="3200" dirty="0" smtClean="0"/>
+              <a:t>Архитектура виртуального полигона</a:t>
+            </a:r>
+            <a:endParaRPr lang="ru-RU" sz="3200" dirty="0"/>
+          </a:p>
+        </p:txBody>
+      </p:sp>
+      <p:sp>
+        <p:nvSpPr>
+          <p:cNvPr id="4" name="Прямоугольник 3"/>
+          <p:cNvSpPr/>
+          <p:nvPr/>
+        </p:nvSpPr>
+        <p:spPr>
+          <a:xfrm>
+            <a:off x="4355976" y="5589240"/>
+            <a:ext cx="2232248" cy="936104"/>
+          </a:xfrm>
+          <a:prstGeom prst="rect">
+            <a:avLst/>
+          </a:prstGeom>
+        </p:spPr>
+        <p:style>
+          <a:lnRef idx="3">
+            <a:schemeClr val="lt1"/>
+          </a:lnRef>
+          <a:fillRef idx="1">
+            <a:schemeClr val="accent1"/>
+          </a:fillRef>
+          <a:effectRef idx="1">
+            <a:schemeClr val="accent1"/>
+          </a:effectRef>
+          <a:fontRef idx="minor">
+            <a:schemeClr val="lt1"/>
+          </a:fontRef>
+        </p:style>
+        <p:txBody>
+          <a:bodyPr rtlCol="0" anchor="ctr"/>
+          <a:lstStyle/>
+          <a:p>
+            <a:pPr algn="ctr"/>
+            <a:r>
+              <a:rPr lang="ru-RU" dirty="0" smtClean="0">
+                <a:solidFill>
+                  <a:schemeClr val="bg1"/>
+                </a:solidFill>
+              </a:rPr>
+              <a:t>Модель аэродинамического взаимодействия</a:t>
+            </a:r>
+            <a:endParaRPr lang="ru-RU" dirty="0">
+              <a:solidFill>
+                <a:schemeClr val="bg1"/>
+              </a:solidFill>
+            </a:endParaRPr>
+          </a:p>
+        </p:txBody>
+      </p:sp>
+      <p:sp>
+        <p:nvSpPr>
+          <p:cNvPr id="5" name="Прямоугольник 4"/>
+          <p:cNvSpPr/>
+          <p:nvPr/>
+        </p:nvSpPr>
+        <p:spPr>
+          <a:xfrm>
+            <a:off x="6660232" y="5589240"/>
+            <a:ext cx="2232248" cy="936104"/>
+          </a:xfrm>
+          <a:prstGeom prst="rect">
+            <a:avLst/>
+          </a:prstGeom>
+        </p:spPr>
+        <p:style>
+          <a:lnRef idx="3">
+            <a:schemeClr val="lt1"/>
+          </a:lnRef>
+          <a:fillRef idx="1">
+            <a:schemeClr val="accent1"/>
+          </a:fillRef>
+          <a:effectRef idx="1">
+            <a:schemeClr val="accent1"/>
+          </a:effectRef>
+          <a:fontRef idx="minor">
+            <a:schemeClr val="lt1"/>
+          </a:fontRef>
+        </p:style>
+        <p:txBody>
+          <a:bodyPr rtlCol="0" anchor="ctr"/>
+          <a:lstStyle/>
+          <a:p>
+            <a:pPr algn="ctr"/>
+            <a:r>
+              <a:rPr lang="ru-RU" dirty="0" smtClean="0">
+                <a:solidFill>
+                  <a:schemeClr val="bg1"/>
+                </a:solidFill>
+              </a:rPr>
+              <a:t>Модель </a:t>
+            </a:r>
+            <a:r>
+              <a:rPr lang="ru-RU" dirty="0" err="1" smtClean="0">
+                <a:solidFill>
+                  <a:schemeClr val="bg1"/>
+                </a:solidFill>
+              </a:rPr>
+              <a:t>тв</a:t>
+            </a:r>
+            <a:r>
+              <a:rPr lang="ru-RU" dirty="0" smtClean="0">
+                <a:solidFill>
+                  <a:schemeClr val="bg1"/>
+                </a:solidFill>
+              </a:rPr>
+              <a:t>. </a:t>
+            </a:r>
+            <a:r>
+              <a:rPr lang="ru-RU" dirty="0" smtClean="0">
+                <a:solidFill>
+                  <a:schemeClr val="bg1"/>
+                </a:solidFill>
+              </a:rPr>
+              <a:t>т</a:t>
+            </a:r>
+            <a:r>
+              <a:rPr lang="ru-RU" dirty="0" smtClean="0">
+                <a:solidFill>
+                  <a:schemeClr val="bg1"/>
+                </a:solidFill>
+              </a:rPr>
+              <a:t>ела</a:t>
+            </a:r>
+          </a:p>
+          <a:p>
+            <a:pPr algn="ctr"/>
+            <a:r>
+              <a:rPr lang="ru-RU" dirty="0" smtClean="0">
+                <a:solidFill>
+                  <a:schemeClr val="bg1"/>
+                </a:solidFill>
+              </a:rPr>
+              <a:t>6-</a:t>
+            </a:r>
+            <a:r>
+              <a:rPr lang="en-US" dirty="0" smtClean="0">
+                <a:solidFill>
+                  <a:schemeClr val="bg1"/>
+                </a:solidFill>
+              </a:rPr>
+              <a:t>DOF</a:t>
+            </a:r>
+            <a:endParaRPr lang="ru-RU" dirty="0">
+              <a:solidFill>
+                <a:schemeClr val="bg1"/>
+              </a:solidFill>
+            </a:endParaRPr>
+          </a:p>
+        </p:txBody>
+      </p:sp>
+      <p:sp>
+        <p:nvSpPr>
+          <p:cNvPr id="6" name="Прямоугольник 5"/>
+          <p:cNvSpPr/>
+          <p:nvPr/>
+        </p:nvSpPr>
+        <p:spPr>
+          <a:xfrm>
+            <a:off x="611560" y="1268760"/>
+            <a:ext cx="1440160" cy="1440160"/>
+          </a:xfrm>
+          <a:prstGeom prst="rect">
+            <a:avLst/>
+          </a:prstGeom>
+        </p:spPr>
+        <p:style>
+          <a:lnRef idx="3">
+            <a:schemeClr val="lt1"/>
+          </a:lnRef>
+          <a:fillRef idx="1">
+            <a:schemeClr val="accent1"/>
+          </a:fillRef>
+          <a:effectRef idx="1">
+            <a:schemeClr val="accent1"/>
+          </a:effectRef>
+          <a:fontRef idx="minor">
+            <a:schemeClr val="lt1"/>
+          </a:fontRef>
+        </p:style>
+        <p:txBody>
+          <a:bodyPr rtlCol="0" anchor="ctr"/>
+          <a:lstStyle/>
+          <a:p>
+            <a:pPr algn="ctr"/>
+            <a:r>
+              <a:rPr lang="ru-RU" dirty="0" smtClean="0">
+                <a:solidFill>
+                  <a:schemeClr val="bg1"/>
+                </a:solidFill>
+              </a:rPr>
+              <a:t>Система </a:t>
+            </a:r>
+            <a:r>
+              <a:rPr lang="ru-RU" dirty="0" err="1" smtClean="0">
+                <a:solidFill>
+                  <a:schemeClr val="bg1"/>
+                </a:solidFill>
+              </a:rPr>
+              <a:t>оптическогозахвата</a:t>
+            </a:r>
+            <a:r>
+              <a:rPr lang="ru-RU" dirty="0" smtClean="0">
+                <a:solidFill>
+                  <a:schemeClr val="bg1"/>
+                </a:solidFill>
+              </a:rPr>
+              <a:t> движения</a:t>
+            </a:r>
+            <a:endParaRPr lang="ru-RU" dirty="0">
+              <a:solidFill>
+                <a:schemeClr val="bg1"/>
+              </a:solidFill>
+            </a:endParaRPr>
+          </a:p>
+        </p:txBody>
+      </p:sp>
+      <p:sp>
+        <p:nvSpPr>
+          <p:cNvPr id="7" name="Прямоугольник 6"/>
+          <p:cNvSpPr/>
+          <p:nvPr/>
+        </p:nvSpPr>
+        <p:spPr>
+          <a:xfrm>
+            <a:off x="4355976" y="4581128"/>
+            <a:ext cx="2232248" cy="936104"/>
+          </a:xfrm>
+          <a:prstGeom prst="rect">
+            <a:avLst/>
+          </a:prstGeom>
+        </p:spPr>
+        <p:style>
+          <a:lnRef idx="3">
+            <a:schemeClr val="lt1"/>
+          </a:lnRef>
+          <a:fillRef idx="1">
+            <a:schemeClr val="accent1"/>
+          </a:fillRef>
+          <a:effectRef idx="1">
+            <a:schemeClr val="accent1"/>
+          </a:effectRef>
+          <a:fontRef idx="minor">
+            <a:schemeClr val="lt1"/>
+          </a:fontRef>
+        </p:style>
+        <p:txBody>
+          <a:bodyPr rtlCol="0" anchor="ctr"/>
+          <a:lstStyle/>
+          <a:p>
+            <a:pPr algn="ctr"/>
+            <a:r>
+              <a:rPr lang="ru-RU" dirty="0" smtClean="0">
+                <a:solidFill>
+                  <a:schemeClr val="bg1"/>
+                </a:solidFill>
+              </a:rPr>
+              <a:t>Модель функционирования </a:t>
+            </a:r>
+            <a:r>
+              <a:rPr lang="en-US" dirty="0" smtClean="0">
+                <a:solidFill>
+                  <a:schemeClr val="bg1"/>
+                </a:solidFill>
+              </a:rPr>
+              <a:t>IMU </a:t>
+            </a:r>
+            <a:r>
+              <a:rPr lang="ru-RU" dirty="0" smtClean="0">
+                <a:solidFill>
+                  <a:schemeClr val="bg1"/>
+                </a:solidFill>
+              </a:rPr>
+              <a:t>сенсоров</a:t>
+            </a:r>
+            <a:endParaRPr lang="ru-RU" dirty="0">
+              <a:solidFill>
+                <a:schemeClr val="bg1"/>
+              </a:solidFill>
+            </a:endParaRPr>
+          </a:p>
+        </p:txBody>
+      </p:sp>
+      <p:sp>
+        <p:nvSpPr>
+          <p:cNvPr id="8" name="Прямоугольник 7"/>
+          <p:cNvSpPr/>
+          <p:nvPr/>
+        </p:nvSpPr>
+        <p:spPr>
+          <a:xfrm>
+            <a:off x="6660232" y="4581128"/>
+            <a:ext cx="2232248" cy="936104"/>
+          </a:xfrm>
+          <a:prstGeom prst="rect">
+            <a:avLst/>
+          </a:prstGeom>
+        </p:spPr>
+        <p:style>
+          <a:lnRef idx="3">
+            <a:schemeClr val="lt1"/>
+          </a:lnRef>
+          <a:fillRef idx="1">
+            <a:schemeClr val="accent1"/>
+          </a:fillRef>
+          <a:effectRef idx="1">
+            <a:schemeClr val="accent1"/>
+          </a:effectRef>
+          <a:fontRef idx="minor">
+            <a:schemeClr val="lt1"/>
+          </a:fontRef>
+        </p:style>
+        <p:txBody>
+          <a:bodyPr rtlCol="0" anchor="ctr"/>
+          <a:lstStyle/>
+          <a:p>
+            <a:pPr algn="ctr"/>
+            <a:r>
+              <a:rPr lang="ru-RU" dirty="0" smtClean="0">
+                <a:solidFill>
+                  <a:schemeClr val="bg1"/>
+                </a:solidFill>
+              </a:rPr>
+              <a:t>Модель</a:t>
+            </a:r>
+          </a:p>
+          <a:p>
+            <a:pPr algn="ctr"/>
+            <a:r>
+              <a:rPr lang="ru-RU" dirty="0" smtClean="0">
+                <a:solidFill>
+                  <a:schemeClr val="bg1"/>
+                </a:solidFill>
+              </a:rPr>
+              <a:t>аэродинамического</a:t>
+            </a:r>
+          </a:p>
+          <a:p>
+            <a:pPr algn="ctr"/>
+            <a:r>
+              <a:rPr lang="ru-RU" dirty="0" err="1" smtClean="0">
+                <a:solidFill>
+                  <a:schemeClr val="bg1"/>
+                </a:solidFill>
+              </a:rPr>
+              <a:t>движетеля</a:t>
+            </a:r>
+            <a:endParaRPr lang="ru-RU" dirty="0">
+              <a:solidFill>
+                <a:schemeClr val="bg1"/>
+              </a:solidFill>
+            </a:endParaRPr>
+          </a:p>
+        </p:txBody>
+      </p:sp>
+      <p:sp>
+        <p:nvSpPr>
+          <p:cNvPr id="9" name="Прямоугольник 8"/>
+          <p:cNvSpPr/>
+          <p:nvPr/>
+        </p:nvSpPr>
+        <p:spPr>
+          <a:xfrm>
+            <a:off x="6660232" y="3573016"/>
+            <a:ext cx="2232248" cy="936104"/>
+          </a:xfrm>
+          <a:prstGeom prst="rect">
+            <a:avLst/>
+          </a:prstGeom>
+        </p:spPr>
+        <p:style>
+          <a:lnRef idx="3">
+            <a:schemeClr val="lt1"/>
+          </a:lnRef>
+          <a:fillRef idx="1">
+            <a:schemeClr val="accent1"/>
+          </a:fillRef>
+          <a:effectRef idx="1">
+            <a:schemeClr val="accent1"/>
+          </a:effectRef>
+          <a:fontRef idx="minor">
+            <a:schemeClr val="lt1"/>
+          </a:fontRef>
+        </p:style>
+        <p:txBody>
+          <a:bodyPr rtlCol="0" anchor="ctr"/>
+          <a:lstStyle/>
+          <a:p>
+            <a:pPr algn="ctr"/>
+            <a:r>
+              <a:rPr lang="ru-RU" dirty="0" smtClean="0">
+                <a:solidFill>
+                  <a:schemeClr val="bg1"/>
+                </a:solidFill>
+              </a:rPr>
+              <a:t>Модель</a:t>
+            </a:r>
+          </a:p>
+          <a:p>
+            <a:pPr algn="ctr"/>
+            <a:r>
+              <a:rPr lang="ru-RU" dirty="0" smtClean="0">
+                <a:solidFill>
+                  <a:schemeClr val="bg1"/>
+                </a:solidFill>
+              </a:rPr>
+              <a:t>видеокамеры</a:t>
+            </a:r>
+            <a:endParaRPr lang="ru-RU" dirty="0">
+              <a:solidFill>
+                <a:schemeClr val="bg1"/>
+              </a:solidFill>
+            </a:endParaRPr>
+          </a:p>
+        </p:txBody>
+      </p:sp>
+      <p:sp>
+        <p:nvSpPr>
+          <p:cNvPr id="10" name="Прямоугольник 9"/>
+          <p:cNvSpPr/>
+          <p:nvPr/>
+        </p:nvSpPr>
+        <p:spPr>
+          <a:xfrm>
+            <a:off x="4355976" y="3573016"/>
+            <a:ext cx="2232248" cy="936104"/>
+          </a:xfrm>
+          <a:prstGeom prst="rect">
+            <a:avLst/>
+          </a:prstGeom>
+        </p:spPr>
+        <p:style>
+          <a:lnRef idx="3">
+            <a:schemeClr val="lt1"/>
+          </a:lnRef>
+          <a:fillRef idx="1">
+            <a:schemeClr val="accent1"/>
+          </a:fillRef>
+          <a:effectRef idx="1">
+            <a:schemeClr val="accent1"/>
+          </a:effectRef>
+          <a:fontRef idx="minor">
+            <a:schemeClr val="lt1"/>
+          </a:fontRef>
+        </p:style>
+        <p:txBody>
+          <a:bodyPr rtlCol="0" anchor="ctr"/>
+          <a:lstStyle/>
+          <a:p>
+            <a:pPr algn="ctr"/>
+            <a:r>
+              <a:rPr lang="ru-RU" dirty="0" smtClean="0">
+                <a:solidFill>
+                  <a:schemeClr val="bg1"/>
+                </a:solidFill>
+              </a:rPr>
+              <a:t>Модель</a:t>
+            </a:r>
+          </a:p>
+          <a:p>
+            <a:pPr algn="ctr"/>
+            <a:r>
+              <a:rPr lang="ru-RU" dirty="0" smtClean="0">
+                <a:solidFill>
+                  <a:schemeClr val="bg1"/>
+                </a:solidFill>
+              </a:rPr>
+              <a:t>с</a:t>
+            </a:r>
+            <a:r>
+              <a:rPr lang="ru-RU" dirty="0" smtClean="0">
+                <a:solidFill>
+                  <a:schemeClr val="bg1"/>
+                </a:solidFill>
+              </a:rPr>
+              <a:t>истемы стабилизации</a:t>
+            </a:r>
+            <a:endParaRPr lang="ru-RU" dirty="0">
+              <a:solidFill>
+                <a:schemeClr val="bg1"/>
+              </a:solidFill>
+            </a:endParaRPr>
+          </a:p>
+        </p:txBody>
+      </p:sp>
+      <p:sp>
+        <p:nvSpPr>
+          <p:cNvPr id="15" name="Прямоугольник 14"/>
+          <p:cNvSpPr/>
+          <p:nvPr/>
+        </p:nvSpPr>
+        <p:spPr>
+          <a:xfrm>
+            <a:off x="611560" y="2780928"/>
+            <a:ext cx="1440160" cy="1440160"/>
+          </a:xfrm>
+          <a:prstGeom prst="rect">
+            <a:avLst/>
+          </a:prstGeom>
+        </p:spPr>
+        <p:style>
+          <a:lnRef idx="3">
+            <a:schemeClr val="lt1"/>
+          </a:lnRef>
+          <a:fillRef idx="1">
+            <a:schemeClr val="accent1"/>
+          </a:fillRef>
+          <a:effectRef idx="1">
+            <a:schemeClr val="accent1"/>
+          </a:effectRef>
+          <a:fontRef idx="minor">
+            <a:schemeClr val="lt1"/>
+          </a:fontRef>
+        </p:style>
+        <p:txBody>
+          <a:bodyPr rtlCol="0" anchor="ctr"/>
+          <a:lstStyle/>
+          <a:p>
+            <a:pPr algn="ctr"/>
+            <a:r>
+              <a:rPr lang="ru-RU" dirty="0" smtClean="0">
+                <a:solidFill>
+                  <a:schemeClr val="bg1"/>
+                </a:solidFill>
+              </a:rPr>
+              <a:t>Телеметрия</a:t>
+            </a:r>
+          </a:p>
+          <a:p>
+            <a:pPr algn="ctr"/>
+            <a:r>
+              <a:rPr lang="ru-RU" dirty="0" smtClean="0">
+                <a:solidFill>
+                  <a:schemeClr val="bg1"/>
+                </a:solidFill>
+              </a:rPr>
+              <a:t>БПЛА</a:t>
+            </a:r>
+            <a:endParaRPr lang="ru-RU" dirty="0">
+              <a:solidFill>
+                <a:schemeClr val="bg1"/>
+              </a:solidFill>
+            </a:endParaRPr>
+          </a:p>
+        </p:txBody>
+      </p:sp>
+      <p:sp>
+        <p:nvSpPr>
+          <p:cNvPr id="16" name="Прямоугольник 15"/>
+          <p:cNvSpPr/>
+          <p:nvPr/>
+        </p:nvSpPr>
+        <p:spPr>
+          <a:xfrm>
+            <a:off x="6660232" y="1268760"/>
+            <a:ext cx="2232248" cy="936104"/>
+          </a:xfrm>
+          <a:prstGeom prst="rect">
+            <a:avLst/>
+          </a:prstGeom>
+        </p:spPr>
+        <p:style>
+          <a:lnRef idx="3">
+            <a:schemeClr val="lt1"/>
+          </a:lnRef>
+          <a:fillRef idx="1">
+            <a:schemeClr val="accent1"/>
+          </a:fillRef>
+          <a:effectRef idx="1">
+            <a:schemeClr val="accent1"/>
+          </a:effectRef>
+          <a:fontRef idx="minor">
+            <a:schemeClr val="lt1"/>
+          </a:fontRef>
+        </p:style>
+        <p:txBody>
+          <a:bodyPr rtlCol="0" anchor="ctr"/>
+          <a:lstStyle/>
+          <a:p>
+            <a:pPr algn="ctr"/>
+            <a:r>
+              <a:rPr lang="ru-RU" dirty="0" smtClean="0">
+                <a:solidFill>
+                  <a:schemeClr val="bg1"/>
+                </a:solidFill>
+              </a:rPr>
+              <a:t>Средства </a:t>
+            </a:r>
+          </a:p>
+          <a:p>
+            <a:pPr algn="ctr"/>
+            <a:r>
+              <a:rPr lang="ru-RU" dirty="0" err="1" smtClean="0">
+                <a:solidFill>
+                  <a:schemeClr val="bg1"/>
+                </a:solidFill>
+              </a:rPr>
+              <a:t>журналирования</a:t>
+            </a:r>
+            <a:r>
+              <a:rPr lang="ru-RU" dirty="0" smtClean="0">
+                <a:solidFill>
+                  <a:schemeClr val="bg1"/>
+                </a:solidFill>
+              </a:rPr>
+              <a:t> </a:t>
+            </a:r>
+          </a:p>
+          <a:p>
+            <a:pPr algn="ctr"/>
+            <a:r>
+              <a:rPr lang="ru-RU" dirty="0" smtClean="0">
+                <a:solidFill>
+                  <a:schemeClr val="bg1"/>
+                </a:solidFill>
+              </a:rPr>
+              <a:t>и анализа</a:t>
+            </a:r>
+            <a:endParaRPr lang="ru-RU" dirty="0">
+              <a:solidFill>
+                <a:schemeClr val="bg1"/>
+              </a:solidFill>
+            </a:endParaRPr>
+          </a:p>
+        </p:txBody>
+      </p:sp>
+      <p:sp>
+        <p:nvSpPr>
+          <p:cNvPr id="17" name="Прямоугольник 16"/>
+          <p:cNvSpPr/>
+          <p:nvPr/>
+        </p:nvSpPr>
+        <p:spPr>
+          <a:xfrm>
+            <a:off x="3131840" y="1268760"/>
+            <a:ext cx="2160240" cy="2016224"/>
+          </a:xfrm>
+          <a:prstGeom prst="rect">
+            <a:avLst/>
+          </a:prstGeom>
+        </p:spPr>
+        <p:style>
+          <a:lnRef idx="3">
+            <a:schemeClr val="lt1"/>
+          </a:lnRef>
+          <a:fillRef idx="1">
+            <a:schemeClr val="accent1"/>
+          </a:fillRef>
+          <a:effectRef idx="1">
+            <a:schemeClr val="accent1"/>
+          </a:effectRef>
+          <a:fontRef idx="minor">
+            <a:schemeClr val="lt1"/>
+          </a:fontRef>
+        </p:style>
+        <p:txBody>
+          <a:bodyPr rtlCol="0" anchor="ctr"/>
+          <a:lstStyle/>
+          <a:p>
+            <a:pPr algn="ctr"/>
+            <a:r>
+              <a:rPr lang="ru-RU" b="1" dirty="0" smtClean="0">
+                <a:solidFill>
+                  <a:schemeClr val="bg1"/>
+                </a:solidFill>
+              </a:rPr>
+              <a:t>Система управления</a:t>
+            </a:r>
+          </a:p>
+          <a:p>
+            <a:r>
+              <a:rPr lang="ru-RU" dirty="0" smtClean="0">
+                <a:solidFill>
+                  <a:schemeClr val="bg1"/>
+                </a:solidFill>
+              </a:rPr>
+              <a:t>	- ручное</a:t>
+            </a:r>
+          </a:p>
+          <a:p>
+            <a:r>
+              <a:rPr lang="ru-RU" dirty="0" smtClean="0">
+                <a:solidFill>
+                  <a:schemeClr val="bg1"/>
+                </a:solidFill>
+              </a:rPr>
+              <a:t>	- авто</a:t>
+            </a:r>
+          </a:p>
+          <a:p>
+            <a:r>
+              <a:rPr lang="ru-RU" dirty="0" smtClean="0">
+                <a:solidFill>
+                  <a:schemeClr val="bg1"/>
+                </a:solidFill>
+              </a:rPr>
+              <a:t>	</a:t>
+            </a:r>
+            <a:r>
+              <a:rPr lang="ru-RU" dirty="0" smtClean="0">
+                <a:solidFill>
+                  <a:schemeClr val="bg1"/>
+                </a:solidFill>
+              </a:rPr>
+              <a:t>- групп.</a:t>
+            </a:r>
+            <a:endParaRPr lang="ru-RU" dirty="0">
+              <a:solidFill>
+                <a:schemeClr val="bg1"/>
+              </a:solidFill>
+            </a:endParaRPr>
+          </a:p>
+        </p:txBody>
+      </p:sp>
+      <p:sp>
+        <p:nvSpPr>
+          <p:cNvPr id="41" name="Стрелка вправо 40"/>
+          <p:cNvSpPr/>
+          <p:nvPr/>
+        </p:nvSpPr>
+        <p:spPr>
+          <a:xfrm>
+            <a:off x="2123728" y="2060848"/>
+            <a:ext cx="936104" cy="216024"/>
+          </a:xfrm>
+          <a:prstGeom prst="rightArrow">
+            <a:avLst/>
+          </a:prstGeom>
+        </p:spPr>
+        <p:style>
+          <a:lnRef idx="3">
+            <a:schemeClr val="lt1"/>
+          </a:lnRef>
+          <a:fillRef idx="1">
+            <a:schemeClr val="accent1"/>
+          </a:fillRef>
+          <a:effectRef idx="1">
+            <a:schemeClr val="accent1"/>
+          </a:effectRef>
+          <a:fontRef idx="minor">
+            <a:schemeClr val="lt1"/>
+          </a:fontRef>
+        </p:style>
+        <p:txBody>
+          <a:bodyPr rtlCol="0" anchor="ctr"/>
+          <a:lstStyle/>
+          <a:p>
+            <a:pPr algn="ctr"/>
+            <a:endParaRPr lang="ru-RU"/>
+          </a:p>
+        </p:txBody>
+      </p:sp>
+      <p:sp>
+        <p:nvSpPr>
+          <p:cNvPr id="42" name="Стрелка вправо 41"/>
+          <p:cNvSpPr/>
+          <p:nvPr/>
+        </p:nvSpPr>
+        <p:spPr>
+          <a:xfrm>
+            <a:off x="2123728" y="2924944"/>
+            <a:ext cx="936104" cy="216024"/>
+          </a:xfrm>
+          <a:prstGeom prst="rightArrow">
+            <a:avLst/>
+          </a:prstGeom>
+        </p:spPr>
+        <p:style>
+          <a:lnRef idx="3">
+            <a:schemeClr val="lt1"/>
+          </a:lnRef>
+          <a:fillRef idx="1">
+            <a:schemeClr val="accent1"/>
+          </a:fillRef>
+          <a:effectRef idx="1">
+            <a:schemeClr val="accent1"/>
+          </a:effectRef>
+          <a:fontRef idx="minor">
+            <a:schemeClr val="lt1"/>
+          </a:fontRef>
+        </p:style>
+        <p:txBody>
+          <a:bodyPr rtlCol="0" anchor="ctr"/>
+          <a:lstStyle/>
+          <a:p>
+            <a:pPr algn="ctr"/>
+            <a:endParaRPr lang="ru-RU"/>
+          </a:p>
+        </p:txBody>
+      </p:sp>
+      <p:sp>
+        <p:nvSpPr>
+          <p:cNvPr id="43" name="Стрелка вправо 42"/>
+          <p:cNvSpPr/>
+          <p:nvPr/>
+        </p:nvSpPr>
+        <p:spPr>
+          <a:xfrm>
+            <a:off x="5364088" y="1628800"/>
+            <a:ext cx="1224136" cy="216024"/>
+          </a:xfrm>
+          <a:prstGeom prst="rightArrow">
+            <a:avLst/>
+          </a:prstGeom>
+        </p:spPr>
+        <p:style>
+          <a:lnRef idx="3">
+            <a:schemeClr val="lt1"/>
+          </a:lnRef>
+          <a:fillRef idx="1">
+            <a:schemeClr val="accent1"/>
+          </a:fillRef>
+          <a:effectRef idx="1">
+            <a:schemeClr val="accent1"/>
+          </a:effectRef>
+          <a:fontRef idx="minor">
+            <a:schemeClr val="lt1"/>
+          </a:fontRef>
+        </p:style>
+        <p:txBody>
+          <a:bodyPr rtlCol="0" anchor="ctr"/>
+          <a:lstStyle/>
+          <a:p>
+            <a:pPr algn="ctr"/>
+            <a:endParaRPr lang="ru-RU"/>
+          </a:p>
+        </p:txBody>
+      </p:sp>
+      <p:sp>
+        <p:nvSpPr>
+          <p:cNvPr id="44" name="Двойная стрелка влево/вверх 43"/>
+          <p:cNvSpPr/>
+          <p:nvPr/>
+        </p:nvSpPr>
+        <p:spPr>
+          <a:xfrm rot="16200000">
+            <a:off x="5220072" y="2420888"/>
+            <a:ext cx="1152128" cy="864096"/>
+          </a:xfrm>
+          <a:prstGeom prst="leftUpArrow">
+            <a:avLst>
+              <a:gd name="adj1" fmla="val 11980"/>
+              <a:gd name="adj2" fmla="val 11523"/>
+              <a:gd name="adj3" fmla="val 13020"/>
+            </a:avLst>
+          </a:prstGeom>
+        </p:spPr>
+        <p:style>
+          <a:lnRef idx="3">
+            <a:schemeClr val="lt1"/>
+          </a:lnRef>
+          <a:fillRef idx="1">
+            <a:schemeClr val="accent1"/>
+          </a:fillRef>
+          <a:effectRef idx="1">
+            <a:schemeClr val="accent1"/>
+          </a:effectRef>
+          <a:fontRef idx="minor">
+            <a:schemeClr val="lt1"/>
+          </a:fontRef>
+        </p:style>
+        <p:txBody>
+          <a:bodyPr rtlCol="0" anchor="ctr"/>
+          <a:lstStyle/>
+          <a:p>
+            <a:pPr algn="ctr"/>
+            <a:endParaRPr lang="ru-RU"/>
+          </a:p>
+        </p:txBody>
+      </p:sp>
+    </p:spTree>
+    <p:extLst>
+      <p:ext uri="{BB962C8B-B14F-4D97-AF65-F5344CB8AC3E}">
+        <p14:creationId xmlns:p14="http://schemas.microsoft.com/office/powerpoint/2010/main" xmlns="" val="1550165570"/>
+      </p:ext>
+    </p:extLst>
+  </p:cSld>
+  <p:clrMapOvr>
+    <a:masterClrMapping/>
+  </p:clrMapOvr>
+  <p:timing>
+    <p:tnLst>
+      <p:par>
+        <p:cTn id="1" dur="indefinite" restart="never" nodeType="tmRoot"/>
+      </p:par>
+    </p:tnLst>
+  </p:timing>
+</p:sld>
+</file>
+
+<file path=ppt/slides/slide14.xml><?xml version="1.0" encoding="utf-8"?>
+<p:sld xmlns:a="http://schemas.openxmlformats.org/drawingml/2006/main" xmlns:r="http://schemas.openxmlformats.org/officeDocument/2006/relationships" xmlns:p="http://schemas.openxmlformats.org/presentationml/2006/main">
+  <p:cSld>
+    <p:spTree>
+      <p:nvGrpSpPr>
+        <p:cNvPr id="1" name=""/>
+        <p:cNvGrpSpPr/>
+        <p:nvPr/>
+      </p:nvGrpSpPr>
+      <p:grpSpPr>
+        <a:xfrm>
+          <a:off x="0" y="0"/>
+          <a:ext cx="0" cy="0"/>
+          <a:chOff x="0" y="0"/>
+          <a:chExt cx="0" cy="0"/>
+        </a:xfrm>
+      </p:grpSpPr>
+      <p:sp>
+        <p:nvSpPr>
+          <p:cNvPr id="2" name="Заголовок 1"/>
+          <p:cNvSpPr>
+            <a:spLocks noGrp="1"/>
+          </p:cNvSpPr>
+          <p:nvPr>
+            <p:ph type="title"/>
+          </p:nvPr>
+        </p:nvSpPr>
+        <p:spPr/>
+        <p:txBody>
+          <a:bodyPr/>
+          <a:lstStyle/>
+          <a:p>
+            <a:endParaRPr lang="ru-RU"/>
+          </a:p>
+        </p:txBody>
+      </p:sp>
+      <p:sp>
+        <p:nvSpPr>
+          <p:cNvPr id="3" name="Содержимое 2"/>
+          <p:cNvSpPr>
+            <a:spLocks noGrp="1"/>
+          </p:cNvSpPr>
+          <p:nvPr>
+            <p:ph idx="1"/>
+          </p:nvPr>
+        </p:nvSpPr>
+        <p:spPr/>
+        <p:txBody>
+          <a:bodyPr/>
+          <a:lstStyle/>
+          <a:p>
+            <a:endParaRPr lang="ru-RU"/>
+          </a:p>
+        </p:txBody>
+      </p:sp>
+    </p:spTree>
+  </p:cSld>
+  <p:clrMapOvr>
+    <a:masterClrMapping/>
+  </p:clrMapOvr>
+  <p:timing>
+    <p:tnLst>
+      <p:par>
+        <p:cTn id="1" dur="indefinite" restart="never" nodeType="tmRoot"/>
+      </p:par>
+    </p:tnLst>
+  </p:timing>
+</p:sld>
+</file>
+
+<file path=ppt/slides/slide15.xml><?xml version="1.0" encoding="utf-8"?>
+<p:sld xmlns:a="http://schemas.openxmlformats.org/drawingml/2006/main" xmlns:r="http://schemas.openxmlformats.org/officeDocument/2006/relationships" xmlns:p="http://schemas.openxmlformats.org/presentationml/2006/main">
+  <p:cSld>
+    <p:spTree>
+      <p:nvGrpSpPr>
+        <p:cNvPr id="1" name=""/>
+        <p:cNvGrpSpPr/>
+        <p:nvPr/>
+      </p:nvGrpSpPr>
+      <p:grpSpPr>
+        <a:xfrm>
+          <a:off x="0" y="0"/>
+          <a:ext cx="0" cy="0"/>
+          <a:chOff x="0" y="0"/>
+          <a:chExt cx="0" cy="0"/>
+        </a:xfrm>
+      </p:grpSpPr>
+      <p:sp>
+        <p:nvSpPr>
+          <p:cNvPr id="2" name="Заголовок 1"/>
+          <p:cNvSpPr>
+            <a:spLocks noGrp="1"/>
+          </p:cNvSpPr>
+          <p:nvPr>
+            <p:ph type="title"/>
+          </p:nvPr>
+        </p:nvSpPr>
+        <p:spPr/>
+        <p:txBody>
+          <a:bodyPr/>
+          <a:lstStyle/>
+          <a:p>
+            <a:r>
+              <a:rPr lang="ru-RU" dirty="0" smtClean="0"/>
+              <a:t>Вопросы?</a:t>
+            </a:r>
+            <a:endParaRPr lang="ru-RU" dirty="0"/>
+          </a:p>
+        </p:txBody>
+      </p:sp>
+      <p:sp>
+        <p:nvSpPr>
+          <p:cNvPr id="3" name="Содержимое 2"/>
+          <p:cNvSpPr>
+            <a:spLocks noGrp="1"/>
+          </p:cNvSpPr>
+          <p:nvPr>
+            <p:ph idx="1"/>
+          </p:nvPr>
+        </p:nvSpPr>
+        <p:spPr/>
+        <p:txBody>
+          <a:bodyPr/>
+          <a:lstStyle/>
+          <a:p>
+            <a:endParaRPr lang="ru-RU"/>
           </a:p>
         </p:txBody>
       </p:sp>
@@ -6661,15 +8141,19 @@
             </a:r>
             <a:r>
               <a:rPr lang="en-US" dirty="0" err="1" smtClean="0"/>
-              <a:t>QuadroX</a:t>
+              <a:t>Quadro</a:t>
+            </a:r>
+            <a:r>
+              <a:rPr lang="en-US" sz="3600" i="1" dirty="0" err="1" smtClean="0">
+                <a:solidFill>
+                  <a:srgbClr val="FF0000"/>
+                </a:solidFill>
+              </a:rPr>
+              <a:t>X</a:t>
             </a:r>
             <a:r>
               <a:rPr lang="en-US" dirty="0" smtClean="0"/>
-              <a:t>-</a:t>
-            </a:r>
-            <a:r>
-              <a:rPr lang="en-US" dirty="0" smtClean="0"/>
-              <a:t>DS</a:t>
+              <a:t>-DS</a:t>
             </a:r>
             <a:r>
               <a:rPr lang="ru-RU" dirty="0" smtClean="0"/>
@@ -6983,136 +8467,53 @@
         </p:nvSpPr>
         <p:spPr/>
         <p:txBody>
-          <a:bodyPr>
-            <a:normAutofit fontScale="90000"/>
-          </a:bodyPr>
+          <a:bodyPr/>
           <a:lstStyle/>
           <a:p>
             <a:r>
               <a:rPr lang="ru-RU" dirty="0" smtClean="0"/>
-              <a:t>Особенности постановки задачи ВП</a:t>
-            </a:r>
-            <a:r>
-              <a:rPr lang="en-US" dirty="0" smtClean="0"/>
-              <a:t> </a:t>
-            </a:r>
-            <a:r>
-              <a:rPr lang="en-US" dirty="0" err="1" smtClean="0"/>
-              <a:t>QuadroX</a:t>
-            </a:r>
-            <a:r>
-              <a:rPr lang="en-US" dirty="0" smtClean="0"/>
-              <a:t>-DS</a:t>
-            </a:r>
-            <a:r>
-              <a:rPr lang="ru-RU" dirty="0" smtClean="0"/>
-              <a:t> </a:t>
+              <a:t>Устройство 4Р-БПЛА</a:t>
             </a:r>
             <a:endParaRPr lang="ru-RU" dirty="0"/>
           </a:p>
         </p:txBody>
       </p:sp>
-      <p:sp>
-        <p:nvSpPr>
-          <p:cNvPr id="3" name="Содержимое 2"/>
-          <p:cNvSpPr>
-            <a:spLocks noGrp="1"/>
-          </p:cNvSpPr>
+      <p:pic>
+        <p:nvPicPr>
+          <p:cNvPr id="4" name="Содержимое 3" descr="quadrotor.jpg"/>
+          <p:cNvPicPr>
+            <a:picLocks noGrp="1" noChangeAspect="1"/>
+          </p:cNvPicPr>
           <p:nvPr>
             <p:ph idx="1"/>
           </p:nvPr>
-        </p:nvSpPr>
-        <p:spPr/>
-        <p:txBody>
-          <a:bodyPr>
-            <a:normAutofit fontScale="77500" lnSpcReduction="20000"/>
-          </a:bodyPr>
-          <a:lstStyle/>
-          <a:p>
-            <a:r>
-              <a:rPr lang="ru-RU" dirty="0" smtClean="0"/>
-              <a:t>Качественное воспроизведение аэродинамических эффектов взаимодействия групп БПЛА и окружения</a:t>
-            </a:r>
-          </a:p>
-          <a:p>
-            <a:r>
-              <a:rPr lang="ru-RU" dirty="0" smtClean="0"/>
-              <a:t>Моделирование инерциальных, барометрических и магнитометрических датчиков</a:t>
-            </a:r>
-          </a:p>
-          <a:p>
-            <a:r>
-              <a:rPr lang="ru-RU" dirty="0" smtClean="0"/>
-              <a:t>Синтез изображений формируемых камерами БПЛА</a:t>
-            </a:r>
-          </a:p>
-          <a:p>
-            <a:r>
-              <a:rPr lang="ru-RU" dirty="0" smtClean="0"/>
-              <a:t>Варьирование параметров БПЛА с целью поиска оптимальной конфигурации:</a:t>
-            </a:r>
-          </a:p>
-          <a:p>
-            <a:pPr lvl="1"/>
-            <a:r>
-              <a:rPr lang="ru-RU" dirty="0" smtClean="0"/>
-              <a:t>Длина плеча</a:t>
-            </a:r>
-          </a:p>
-          <a:p>
-            <a:pPr lvl="1"/>
-            <a:r>
-              <a:rPr lang="ru-RU" dirty="0" smtClean="0"/>
-              <a:t>Двигатели + </a:t>
-            </a:r>
-            <a:r>
-              <a:rPr lang="en-US" dirty="0" smtClean="0"/>
-              <a:t>ESC</a:t>
-            </a:r>
-            <a:r>
-              <a:rPr lang="ru-RU" dirty="0" smtClean="0"/>
-              <a:t> (по таблицам)</a:t>
-            </a:r>
-            <a:endParaRPr lang="en-US" dirty="0" smtClean="0"/>
-          </a:p>
-          <a:p>
-            <a:pPr lvl="1"/>
-            <a:r>
-              <a:rPr lang="ru-RU" dirty="0" smtClean="0"/>
-              <a:t>Пропеллеры и т.д. (по таблицам + опт. связь </a:t>
-            </a:r>
-            <a:r>
-              <a:rPr lang="en-US" dirty="0" smtClean="0"/>
-              <a:t>c</a:t>
-            </a:r>
-            <a:r>
-              <a:rPr lang="ru-RU" dirty="0" smtClean="0"/>
-              <a:t> пакетами </a:t>
-            </a:r>
-            <a:r>
-              <a:rPr lang="en-US" dirty="0" smtClean="0"/>
-              <a:t>CFD</a:t>
-            </a:r>
-            <a:r>
-              <a:rPr lang="ru-RU" dirty="0" smtClean="0"/>
-              <a:t>)</a:t>
-            </a:r>
-            <a:endParaRPr lang="en-US" dirty="0" smtClean="0"/>
-          </a:p>
-          <a:p>
-            <a:r>
-              <a:rPr lang="ru-RU" dirty="0" smtClean="0"/>
-              <a:t>Выбор окружения для моделирования</a:t>
-            </a:r>
-          </a:p>
-          <a:p>
-            <a:pPr>
-              <a:buNone/>
-            </a:pPr>
-            <a:endParaRPr lang="ru-RU" dirty="0"/>
-          </a:p>
-        </p:txBody>
-      </p:sp>
+        </p:nvPicPr>
+        <p:blipFill>
+          <a:blip r:embed="rId2" cstate="print"/>
+          <a:stretch>
+            <a:fillRect/>
+          </a:stretch>
+        </p:blipFill>
+        <p:spPr>
+          <a:xfrm>
+            <a:off x="899592" y="1412776"/>
+            <a:ext cx="6964185" cy="4968552"/>
+          </a:xfrm>
+          <a:prstGeom prst="rect">
+            <a:avLst/>
+          </a:prstGeom>
+          <a:ln>
+            <a:noFill/>
+          </a:ln>
+          <a:effectLst>
+            <a:outerShdw blurRad="190500" algn="tl" rotWithShape="0">
+              <a:srgbClr val="000000">
+                <a:alpha val="70000"/>
+              </a:srgbClr>
+            </a:outerShdw>
+          </a:effectLst>
+        </p:spPr>
+      </p:pic>
     </p:spTree>
   </p:cSld>
   <p:clrMapOvr>
@@ -7157,53 +8558,1196 @@
         </p:nvSpPr>
         <p:spPr/>
         <p:txBody>
-          <a:bodyPr/>
+          <a:bodyPr>
+            <a:normAutofit/>
+          </a:bodyPr>
           <a:lstStyle/>
           <a:p>
             <a:r>
               <a:rPr lang="ru-RU" dirty="0" smtClean="0"/>
-              <a:t>Устройство 4Р-БПЛА</a:t>
+              <a:t>Функциональная схема 4Р-БПЛА</a:t>
             </a:r>
             <a:endParaRPr lang="ru-RU" dirty="0"/>
           </a:p>
         </p:txBody>
       </p:sp>
-      <p:pic>
-        <p:nvPicPr>
-          <p:cNvPr id="4" name="Содержимое 3" descr="quadrotor.jpg"/>
-          <p:cNvPicPr>
-            <a:picLocks noGrp="1" noChangeAspect="1"/>
-          </p:cNvPicPr>
-          <p:nvPr>
-            <p:ph idx="1"/>
-          </p:nvPr>
-        </p:nvPicPr>
-        <p:blipFill>
-          <a:blip r:embed="rId2" cstate="print"/>
-          <a:stretch>
-            <a:fillRect/>
-          </a:stretch>
-        </p:blipFill>
+      <p:sp>
+        <p:nvSpPr>
+          <p:cNvPr id="4" name="Прямоугольник 3"/>
+          <p:cNvSpPr/>
+          <p:nvPr/>
+        </p:nvSpPr>
         <p:spPr>
           <a:xfrm>
-            <a:off x="899592" y="1412776"/>
-            <a:ext cx="6964185" cy="4968552"/>
+            <a:off x="755576" y="1844824"/>
+            <a:ext cx="1008112" cy="1872208"/>
           </a:xfrm>
           <a:prstGeom prst="rect">
             <a:avLst/>
           </a:prstGeom>
-          <a:ln>
-            <a:noFill/>
+        </p:spPr>
+        <p:style>
+          <a:lnRef idx="3">
+            <a:schemeClr val="lt1"/>
+          </a:lnRef>
+          <a:fillRef idx="1">
+            <a:schemeClr val="accent1"/>
+          </a:fillRef>
+          <a:effectRef idx="1">
+            <a:schemeClr val="accent1"/>
+          </a:effectRef>
+          <a:fontRef idx="minor">
+            <a:schemeClr val="lt1"/>
+          </a:fontRef>
+        </p:style>
+        <p:txBody>
+          <a:bodyPr rtlCol="0" anchor="ctr"/>
+          <a:lstStyle/>
+          <a:p>
+            <a:pPr algn="ctr"/>
+            <a:r>
+              <a:rPr lang="en-US" dirty="0" smtClean="0">
+                <a:solidFill>
+                  <a:srgbClr val="002060"/>
+                </a:solidFill>
+              </a:rPr>
+              <a:t>PC</a:t>
+            </a:r>
+            <a:endParaRPr lang="ru-RU" dirty="0">
+              <a:solidFill>
+                <a:srgbClr val="002060"/>
+              </a:solidFill>
+            </a:endParaRPr>
+          </a:p>
+        </p:txBody>
+      </p:sp>
+      <p:sp>
+        <p:nvSpPr>
+          <p:cNvPr id="5" name="Прямоугольник 4"/>
+          <p:cNvSpPr/>
+          <p:nvPr/>
+        </p:nvSpPr>
+        <p:spPr>
+          <a:xfrm>
+            <a:off x="3923928" y="2780928"/>
+            <a:ext cx="1944216" cy="1080120"/>
+          </a:xfrm>
+          <a:prstGeom prst="rect">
+            <a:avLst/>
+          </a:prstGeom>
+        </p:spPr>
+        <p:style>
+          <a:lnRef idx="3">
+            <a:schemeClr val="lt1"/>
+          </a:lnRef>
+          <a:fillRef idx="1">
+            <a:schemeClr val="accent1"/>
+          </a:fillRef>
+          <a:effectRef idx="1">
+            <a:schemeClr val="accent1"/>
+          </a:effectRef>
+          <a:fontRef idx="minor">
+            <a:schemeClr val="lt1"/>
+          </a:fontRef>
+        </p:style>
+        <p:txBody>
+          <a:bodyPr rtlCol="0" anchor="ctr"/>
+          <a:lstStyle/>
+          <a:p>
+            <a:pPr algn="ctr"/>
+            <a:r>
+              <a:rPr lang="en-US" dirty="0" err="1" smtClean="0">
+                <a:solidFill>
+                  <a:srgbClr val="002060"/>
+                </a:solidFill>
+              </a:rPr>
+              <a:t>Arduino</a:t>
+            </a:r>
+            <a:endParaRPr lang="ru-RU" dirty="0">
+              <a:solidFill>
+                <a:srgbClr val="002060"/>
+              </a:solidFill>
+            </a:endParaRPr>
+          </a:p>
+        </p:txBody>
+      </p:sp>
+      <p:sp>
+        <p:nvSpPr>
+          <p:cNvPr id="7" name="Прямоугольник 6"/>
+          <p:cNvSpPr/>
+          <p:nvPr/>
+        </p:nvSpPr>
+        <p:spPr>
+          <a:xfrm>
+            <a:off x="6444208" y="1844824"/>
+            <a:ext cx="1440160" cy="432048"/>
+          </a:xfrm>
+          <a:prstGeom prst="rect">
+            <a:avLst/>
+          </a:prstGeom>
+        </p:spPr>
+        <p:style>
+          <a:lnRef idx="3">
+            <a:schemeClr val="lt1"/>
+          </a:lnRef>
+          <a:fillRef idx="1">
+            <a:schemeClr val="accent1"/>
+          </a:fillRef>
+          <a:effectRef idx="1">
+            <a:schemeClr val="accent1"/>
+          </a:effectRef>
+          <a:fontRef idx="minor">
+            <a:schemeClr val="lt1"/>
+          </a:fontRef>
+        </p:style>
+        <p:txBody>
+          <a:bodyPr rtlCol="0" anchor="ctr"/>
+          <a:lstStyle/>
+          <a:p>
+            <a:pPr algn="ctr"/>
+            <a:r>
+              <a:rPr lang="en-US" sz="1400" dirty="0" smtClean="0">
+                <a:solidFill>
+                  <a:srgbClr val="002060"/>
+                </a:solidFill>
+              </a:rPr>
+              <a:t>3-axis</a:t>
+            </a:r>
+          </a:p>
+          <a:p>
+            <a:pPr algn="ctr"/>
+            <a:r>
+              <a:rPr lang="en-US" sz="1400" dirty="0" smtClean="0">
+                <a:solidFill>
+                  <a:srgbClr val="002060"/>
+                </a:solidFill>
+              </a:rPr>
+              <a:t>gyroscope</a:t>
+            </a:r>
+          </a:p>
+        </p:txBody>
+      </p:sp>
+      <p:sp>
+        <p:nvSpPr>
+          <p:cNvPr id="8" name="Прямоугольник 7"/>
+          <p:cNvSpPr/>
+          <p:nvPr/>
+        </p:nvSpPr>
+        <p:spPr>
+          <a:xfrm>
+            <a:off x="6444208" y="2420888"/>
+            <a:ext cx="1440160" cy="432048"/>
+          </a:xfrm>
+          <a:prstGeom prst="rect">
+            <a:avLst/>
+          </a:prstGeom>
+        </p:spPr>
+        <p:style>
+          <a:lnRef idx="3">
+            <a:schemeClr val="lt1"/>
+          </a:lnRef>
+          <a:fillRef idx="1">
+            <a:schemeClr val="accent1"/>
+          </a:fillRef>
+          <a:effectRef idx="1">
+            <a:schemeClr val="accent1"/>
+          </a:effectRef>
+          <a:fontRef idx="minor">
+            <a:schemeClr val="lt1"/>
+          </a:fontRef>
+        </p:style>
+        <p:txBody>
+          <a:bodyPr rtlCol="0" anchor="ctr"/>
+          <a:lstStyle/>
+          <a:p>
+            <a:pPr algn="ctr"/>
+            <a:r>
+              <a:rPr lang="en-US" sz="1400" dirty="0" smtClean="0">
+                <a:solidFill>
+                  <a:srgbClr val="002060"/>
+                </a:solidFill>
+              </a:rPr>
+              <a:t>3-axis</a:t>
+            </a:r>
+          </a:p>
+          <a:p>
+            <a:pPr algn="ctr"/>
+            <a:r>
+              <a:rPr lang="en-US" sz="1400" dirty="0" smtClean="0">
+                <a:solidFill>
+                  <a:srgbClr val="002060"/>
+                </a:solidFill>
+              </a:rPr>
+              <a:t>Accelerometer</a:t>
+            </a:r>
+            <a:endParaRPr lang="ru-RU" sz="1400" dirty="0">
+              <a:solidFill>
+                <a:srgbClr val="002060"/>
+              </a:solidFill>
+            </a:endParaRPr>
+          </a:p>
+        </p:txBody>
+      </p:sp>
+      <p:sp>
+        <p:nvSpPr>
+          <p:cNvPr id="9" name="Прямоугольник 8"/>
+          <p:cNvSpPr/>
+          <p:nvPr/>
+        </p:nvSpPr>
+        <p:spPr>
+          <a:xfrm>
+            <a:off x="6444208" y="2996952"/>
+            <a:ext cx="1440160" cy="432048"/>
+          </a:xfrm>
+          <a:prstGeom prst="rect">
+            <a:avLst/>
+          </a:prstGeom>
+        </p:spPr>
+        <p:style>
+          <a:lnRef idx="3">
+            <a:schemeClr val="lt1"/>
+          </a:lnRef>
+          <a:fillRef idx="1">
+            <a:schemeClr val="accent1"/>
+          </a:fillRef>
+          <a:effectRef idx="1">
+            <a:schemeClr val="accent1"/>
+          </a:effectRef>
+          <a:fontRef idx="minor">
+            <a:schemeClr val="lt1"/>
+          </a:fontRef>
+        </p:style>
+        <p:txBody>
+          <a:bodyPr rtlCol="0" anchor="ctr"/>
+          <a:lstStyle/>
+          <a:p>
+            <a:pPr algn="ctr"/>
+            <a:r>
+              <a:rPr lang="en-US" sz="1400" dirty="0" smtClean="0">
+                <a:solidFill>
+                  <a:srgbClr val="002060"/>
+                </a:solidFill>
+              </a:rPr>
+              <a:t>Barometer</a:t>
+            </a:r>
+          </a:p>
+        </p:txBody>
+      </p:sp>
+      <p:sp>
+        <p:nvSpPr>
+          <p:cNvPr id="10" name="Прямоугольник 9"/>
+          <p:cNvSpPr/>
+          <p:nvPr/>
+        </p:nvSpPr>
+        <p:spPr>
+          <a:xfrm>
+            <a:off x="6444208" y="3573016"/>
+            <a:ext cx="1440160" cy="432048"/>
+          </a:xfrm>
+          <a:prstGeom prst="rect">
+            <a:avLst/>
+          </a:prstGeom>
+        </p:spPr>
+        <p:style>
+          <a:lnRef idx="3">
+            <a:schemeClr val="lt1"/>
+          </a:lnRef>
+          <a:fillRef idx="1">
+            <a:schemeClr val="accent1"/>
+          </a:fillRef>
+          <a:effectRef idx="1">
+            <a:schemeClr val="accent1"/>
+          </a:effectRef>
+          <a:fontRef idx="minor">
+            <a:schemeClr val="lt1"/>
+          </a:fontRef>
+        </p:style>
+        <p:txBody>
+          <a:bodyPr rtlCol="0" anchor="ctr"/>
+          <a:lstStyle/>
+          <a:p>
+            <a:pPr algn="ctr"/>
+            <a:r>
+              <a:rPr lang="en-US" sz="1400" dirty="0" smtClean="0">
+                <a:solidFill>
+                  <a:srgbClr val="002060"/>
+                </a:solidFill>
+              </a:rPr>
+              <a:t>Magnetometer</a:t>
+            </a:r>
+          </a:p>
+        </p:txBody>
+      </p:sp>
+      <p:sp>
+        <p:nvSpPr>
+          <p:cNvPr id="11" name="Прямоугольник 10"/>
+          <p:cNvSpPr/>
+          <p:nvPr/>
+        </p:nvSpPr>
+        <p:spPr>
+          <a:xfrm>
+            <a:off x="2555776" y="2060848"/>
+            <a:ext cx="1008112" cy="864096"/>
+          </a:xfrm>
+          <a:prstGeom prst="rect">
+            <a:avLst/>
+          </a:prstGeom>
+        </p:spPr>
+        <p:style>
+          <a:lnRef idx="3">
+            <a:schemeClr val="lt1"/>
+          </a:lnRef>
+          <a:fillRef idx="1">
+            <a:schemeClr val="accent1"/>
+          </a:fillRef>
+          <a:effectRef idx="1">
+            <a:schemeClr val="accent1"/>
+          </a:effectRef>
+          <a:fontRef idx="minor">
+            <a:schemeClr val="lt1"/>
+          </a:fontRef>
+        </p:style>
+        <p:txBody>
+          <a:bodyPr rtlCol="0" anchor="ctr"/>
+          <a:lstStyle/>
+          <a:p>
+            <a:pPr algn="ctr"/>
+            <a:r>
+              <a:rPr lang="en-US" dirty="0" err="1" smtClean="0">
+                <a:solidFill>
+                  <a:srgbClr val="002060"/>
+                </a:solidFill>
+              </a:rPr>
+              <a:t>XBee</a:t>
+            </a:r>
+            <a:endParaRPr lang="ru-RU" dirty="0">
+              <a:solidFill>
+                <a:srgbClr val="002060"/>
+              </a:solidFill>
+            </a:endParaRPr>
+          </a:p>
+        </p:txBody>
+      </p:sp>
+      <p:sp>
+        <p:nvSpPr>
+          <p:cNvPr id="12" name="Прямоугольник 11"/>
+          <p:cNvSpPr/>
+          <p:nvPr/>
+        </p:nvSpPr>
+        <p:spPr>
+          <a:xfrm>
+            <a:off x="6444208" y="4301722"/>
+            <a:ext cx="792088" cy="432048"/>
+          </a:xfrm>
+          <a:prstGeom prst="rect">
+            <a:avLst/>
+          </a:prstGeom>
+        </p:spPr>
+        <p:style>
+          <a:lnRef idx="3">
+            <a:schemeClr val="lt1"/>
+          </a:lnRef>
+          <a:fillRef idx="1">
+            <a:schemeClr val="accent1"/>
+          </a:fillRef>
+          <a:effectRef idx="1">
+            <a:schemeClr val="accent1"/>
+          </a:effectRef>
+          <a:fontRef idx="minor">
+            <a:schemeClr val="lt1"/>
+          </a:fontRef>
+        </p:style>
+        <p:txBody>
+          <a:bodyPr rtlCol="0" anchor="ctr"/>
+          <a:lstStyle/>
+          <a:p>
+            <a:pPr algn="ctr"/>
+            <a:r>
+              <a:rPr lang="en-US" sz="1400" dirty="0" smtClean="0">
+                <a:solidFill>
+                  <a:srgbClr val="002060"/>
+                </a:solidFill>
+              </a:rPr>
+              <a:t>ESC #1</a:t>
+            </a:r>
+          </a:p>
+        </p:txBody>
+      </p:sp>
+      <p:sp>
+        <p:nvSpPr>
+          <p:cNvPr id="13" name="Прямоугольник 12"/>
+          <p:cNvSpPr/>
+          <p:nvPr/>
+        </p:nvSpPr>
+        <p:spPr>
+          <a:xfrm>
+            <a:off x="7380312" y="4293096"/>
+            <a:ext cx="1224136" cy="432048"/>
+          </a:xfrm>
+          <a:prstGeom prst="rect">
+            <a:avLst/>
+          </a:prstGeom>
+        </p:spPr>
+        <p:style>
+          <a:lnRef idx="3">
+            <a:schemeClr val="lt1"/>
+          </a:lnRef>
+          <a:fillRef idx="1">
+            <a:schemeClr val="accent1"/>
+          </a:fillRef>
+          <a:effectRef idx="1">
+            <a:schemeClr val="accent1"/>
+          </a:effectRef>
+          <a:fontRef idx="minor">
+            <a:schemeClr val="lt1"/>
+          </a:fontRef>
+        </p:style>
+        <p:txBody>
+          <a:bodyPr rtlCol="0" anchor="ctr"/>
+          <a:lstStyle/>
+          <a:p>
+            <a:pPr algn="ctr"/>
+            <a:r>
+              <a:rPr lang="en-US" sz="1400" dirty="0" smtClean="0">
+                <a:solidFill>
+                  <a:srgbClr val="002060"/>
+                </a:solidFill>
+              </a:rPr>
+              <a:t>Brushless Motor</a:t>
+            </a:r>
+          </a:p>
+        </p:txBody>
+      </p:sp>
+      <p:sp>
+        <p:nvSpPr>
+          <p:cNvPr id="14" name="Прямоугольник 13"/>
+          <p:cNvSpPr/>
+          <p:nvPr/>
+        </p:nvSpPr>
+        <p:spPr>
+          <a:xfrm>
+            <a:off x="6444208" y="4869160"/>
+            <a:ext cx="792088" cy="432048"/>
+          </a:xfrm>
+          <a:prstGeom prst="rect">
+            <a:avLst/>
+          </a:prstGeom>
+        </p:spPr>
+        <p:style>
+          <a:lnRef idx="3">
+            <a:schemeClr val="lt1"/>
+          </a:lnRef>
+          <a:fillRef idx="1">
+            <a:schemeClr val="accent1"/>
+          </a:fillRef>
+          <a:effectRef idx="1">
+            <a:schemeClr val="accent1"/>
+          </a:effectRef>
+          <a:fontRef idx="minor">
+            <a:schemeClr val="lt1"/>
+          </a:fontRef>
+        </p:style>
+        <p:txBody>
+          <a:bodyPr rtlCol="0" anchor="ctr"/>
+          <a:lstStyle/>
+          <a:p>
+            <a:pPr algn="ctr"/>
+            <a:r>
+              <a:rPr lang="en-US" sz="1400" dirty="0" smtClean="0">
+                <a:solidFill>
+                  <a:srgbClr val="002060"/>
+                </a:solidFill>
+              </a:rPr>
+              <a:t>ESC #2</a:t>
+            </a:r>
+          </a:p>
+        </p:txBody>
+      </p:sp>
+      <p:sp>
+        <p:nvSpPr>
+          <p:cNvPr id="15" name="Прямоугольник 14"/>
+          <p:cNvSpPr/>
+          <p:nvPr/>
+        </p:nvSpPr>
+        <p:spPr>
+          <a:xfrm>
+            <a:off x="7380312" y="4860534"/>
+            <a:ext cx="1224136" cy="432048"/>
+          </a:xfrm>
+          <a:prstGeom prst="rect">
+            <a:avLst/>
+          </a:prstGeom>
+        </p:spPr>
+        <p:style>
+          <a:lnRef idx="3">
+            <a:schemeClr val="lt1"/>
+          </a:lnRef>
+          <a:fillRef idx="1">
+            <a:schemeClr val="accent1"/>
+          </a:fillRef>
+          <a:effectRef idx="1">
+            <a:schemeClr val="accent1"/>
+          </a:effectRef>
+          <a:fontRef idx="minor">
+            <a:schemeClr val="lt1"/>
+          </a:fontRef>
+        </p:style>
+        <p:txBody>
+          <a:bodyPr rtlCol="0" anchor="ctr"/>
+          <a:lstStyle/>
+          <a:p>
+            <a:pPr algn="ctr"/>
+            <a:r>
+              <a:rPr lang="en-US" sz="1400" dirty="0" smtClean="0">
+                <a:solidFill>
+                  <a:srgbClr val="002060"/>
+                </a:solidFill>
+              </a:rPr>
+              <a:t>Brushless Motor</a:t>
+            </a:r>
+          </a:p>
+        </p:txBody>
+      </p:sp>
+      <p:sp>
+        <p:nvSpPr>
+          <p:cNvPr id="16" name="Прямоугольник 15"/>
+          <p:cNvSpPr/>
+          <p:nvPr/>
+        </p:nvSpPr>
+        <p:spPr>
+          <a:xfrm>
+            <a:off x="6444208" y="5445224"/>
+            <a:ext cx="792088" cy="432048"/>
+          </a:xfrm>
+          <a:prstGeom prst="rect">
+            <a:avLst/>
+          </a:prstGeom>
+        </p:spPr>
+        <p:style>
+          <a:lnRef idx="3">
+            <a:schemeClr val="lt1"/>
+          </a:lnRef>
+          <a:fillRef idx="1">
+            <a:schemeClr val="accent1"/>
+          </a:fillRef>
+          <a:effectRef idx="1">
+            <a:schemeClr val="accent1"/>
+          </a:effectRef>
+          <a:fontRef idx="minor">
+            <a:schemeClr val="lt1"/>
+          </a:fontRef>
+        </p:style>
+        <p:txBody>
+          <a:bodyPr rtlCol="0" anchor="ctr"/>
+          <a:lstStyle/>
+          <a:p>
+            <a:pPr algn="ctr"/>
+            <a:r>
+              <a:rPr lang="en-US" sz="1400" dirty="0" smtClean="0">
+                <a:solidFill>
+                  <a:srgbClr val="002060"/>
+                </a:solidFill>
+              </a:rPr>
+              <a:t>ESC #3</a:t>
+            </a:r>
+          </a:p>
+        </p:txBody>
+      </p:sp>
+      <p:sp>
+        <p:nvSpPr>
+          <p:cNvPr id="17" name="Прямоугольник 16"/>
+          <p:cNvSpPr/>
+          <p:nvPr/>
+        </p:nvSpPr>
+        <p:spPr>
+          <a:xfrm>
+            <a:off x="7380312" y="5436598"/>
+            <a:ext cx="1224136" cy="432048"/>
+          </a:xfrm>
+          <a:prstGeom prst="rect">
+            <a:avLst/>
+          </a:prstGeom>
+        </p:spPr>
+        <p:style>
+          <a:lnRef idx="3">
+            <a:schemeClr val="lt1"/>
+          </a:lnRef>
+          <a:fillRef idx="1">
+            <a:schemeClr val="accent1"/>
+          </a:fillRef>
+          <a:effectRef idx="1">
+            <a:schemeClr val="accent1"/>
+          </a:effectRef>
+          <a:fontRef idx="minor">
+            <a:schemeClr val="lt1"/>
+          </a:fontRef>
+        </p:style>
+        <p:txBody>
+          <a:bodyPr rtlCol="0" anchor="ctr"/>
+          <a:lstStyle/>
+          <a:p>
+            <a:pPr algn="ctr"/>
+            <a:r>
+              <a:rPr lang="en-US" sz="1400" dirty="0" smtClean="0">
+                <a:solidFill>
+                  <a:srgbClr val="002060"/>
+                </a:solidFill>
+              </a:rPr>
+              <a:t>Brushless Motor</a:t>
+            </a:r>
+          </a:p>
+        </p:txBody>
+      </p:sp>
+      <p:sp>
+        <p:nvSpPr>
+          <p:cNvPr id="18" name="Прямоугольник 17"/>
+          <p:cNvSpPr/>
+          <p:nvPr/>
+        </p:nvSpPr>
+        <p:spPr>
+          <a:xfrm>
+            <a:off x="6444208" y="6021288"/>
+            <a:ext cx="792088" cy="432048"/>
+          </a:xfrm>
+          <a:prstGeom prst="rect">
+            <a:avLst/>
+          </a:prstGeom>
+        </p:spPr>
+        <p:style>
+          <a:lnRef idx="3">
+            <a:schemeClr val="lt1"/>
+          </a:lnRef>
+          <a:fillRef idx="1">
+            <a:schemeClr val="accent1"/>
+          </a:fillRef>
+          <a:effectRef idx="1">
+            <a:schemeClr val="accent1"/>
+          </a:effectRef>
+          <a:fontRef idx="minor">
+            <a:schemeClr val="lt1"/>
+          </a:fontRef>
+        </p:style>
+        <p:txBody>
+          <a:bodyPr rtlCol="0" anchor="ctr"/>
+          <a:lstStyle/>
+          <a:p>
+            <a:pPr algn="ctr"/>
+            <a:r>
+              <a:rPr lang="en-US" sz="1400" dirty="0" smtClean="0">
+                <a:solidFill>
+                  <a:srgbClr val="002060"/>
+                </a:solidFill>
+              </a:rPr>
+              <a:t>ESC #4</a:t>
+            </a:r>
+          </a:p>
+        </p:txBody>
+      </p:sp>
+      <p:sp>
+        <p:nvSpPr>
+          <p:cNvPr id="19" name="Прямоугольник 18"/>
+          <p:cNvSpPr/>
+          <p:nvPr/>
+        </p:nvSpPr>
+        <p:spPr>
+          <a:xfrm>
+            <a:off x="7380312" y="6012662"/>
+            <a:ext cx="1224136" cy="432048"/>
+          </a:xfrm>
+          <a:prstGeom prst="rect">
+            <a:avLst/>
+          </a:prstGeom>
+        </p:spPr>
+        <p:style>
+          <a:lnRef idx="3">
+            <a:schemeClr val="lt1"/>
+          </a:lnRef>
+          <a:fillRef idx="1">
+            <a:schemeClr val="accent1"/>
+          </a:fillRef>
+          <a:effectRef idx="1">
+            <a:schemeClr val="accent1"/>
+          </a:effectRef>
+          <a:fontRef idx="minor">
+            <a:schemeClr val="lt1"/>
+          </a:fontRef>
+        </p:style>
+        <p:txBody>
+          <a:bodyPr rtlCol="0" anchor="ctr"/>
+          <a:lstStyle/>
+          <a:p>
+            <a:pPr algn="ctr"/>
+            <a:r>
+              <a:rPr lang="en-US" sz="1400" dirty="0" smtClean="0">
+                <a:solidFill>
+                  <a:srgbClr val="002060"/>
+                </a:solidFill>
+              </a:rPr>
+              <a:t>Brushless Motor</a:t>
+            </a:r>
+          </a:p>
+        </p:txBody>
+      </p:sp>
+      <p:sp>
+        <p:nvSpPr>
+          <p:cNvPr id="20" name="Прямоугольник 19"/>
+          <p:cNvSpPr/>
+          <p:nvPr/>
+        </p:nvSpPr>
+        <p:spPr>
+          <a:xfrm>
+            <a:off x="2555776" y="4653136"/>
+            <a:ext cx="1008112" cy="936104"/>
+          </a:xfrm>
+          <a:prstGeom prst="rect">
+            <a:avLst/>
+          </a:prstGeom>
+        </p:spPr>
+        <p:style>
+          <a:lnRef idx="3">
+            <a:schemeClr val="lt1"/>
+          </a:lnRef>
+          <a:fillRef idx="1">
+            <a:schemeClr val="accent1"/>
+          </a:fillRef>
+          <a:effectRef idx="1">
+            <a:schemeClr val="accent1"/>
+          </a:effectRef>
+          <a:fontRef idx="minor">
+            <a:schemeClr val="lt1"/>
+          </a:fontRef>
+        </p:style>
+        <p:txBody>
+          <a:bodyPr rtlCol="0" anchor="ctr"/>
+          <a:lstStyle/>
+          <a:p>
+            <a:pPr algn="ctr"/>
+            <a:r>
+              <a:rPr lang="en-US" dirty="0" smtClean="0">
+                <a:solidFill>
+                  <a:srgbClr val="002060"/>
+                </a:solidFill>
+              </a:rPr>
+              <a:t>Camera</a:t>
+            </a:r>
+            <a:endParaRPr lang="ru-RU" dirty="0">
+              <a:solidFill>
+                <a:srgbClr val="002060"/>
+              </a:solidFill>
+            </a:endParaRPr>
+          </a:p>
+        </p:txBody>
+      </p:sp>
+      <p:cxnSp>
+        <p:nvCxnSpPr>
+          <p:cNvPr id="22" name="Соединительная линия уступом 21"/>
+          <p:cNvCxnSpPr>
+            <a:stCxn id="7" idx="1"/>
+            <a:endCxn id="5" idx="3"/>
+          </p:cNvCxnSpPr>
+          <p:nvPr/>
+        </p:nvCxnSpPr>
+        <p:spPr>
+          <a:xfrm rot="10800000" flipV="1">
+            <a:off x="5868144" y="2060848"/>
+            <a:ext cx="576064" cy="1260140"/>
+          </a:xfrm>
+          <a:prstGeom prst="bentConnector3">
+            <a:avLst>
+              <a:gd name="adj1" fmla="val 50000"/>
+            </a:avLst>
+          </a:prstGeom>
+          <a:ln w="19050">
+            <a:tailEnd type="arrow"/>
           </a:ln>
-          <a:effectLst>
-            <a:outerShdw blurRad="190500" algn="tl" rotWithShape="0">
-              <a:srgbClr val="000000">
-                <a:alpha val="70000"/>
-              </a:srgbClr>
-            </a:outerShdw>
-          </a:effectLst>
-        </p:spPr>
-      </p:pic>
+        </p:spPr>
+        <p:style>
+          <a:lnRef idx="1">
+            <a:schemeClr val="accent1"/>
+          </a:lnRef>
+          <a:fillRef idx="0">
+            <a:schemeClr val="accent1"/>
+          </a:fillRef>
+          <a:effectRef idx="0">
+            <a:schemeClr val="accent1"/>
+          </a:effectRef>
+          <a:fontRef idx="minor">
+            <a:schemeClr val="tx1"/>
+          </a:fontRef>
+        </p:style>
+      </p:cxnSp>
+      <p:cxnSp>
+        <p:nvCxnSpPr>
+          <p:cNvPr id="26" name="Соединительная линия уступом 25"/>
+          <p:cNvCxnSpPr>
+            <a:stCxn id="8" idx="1"/>
+            <a:endCxn id="5" idx="3"/>
+          </p:cNvCxnSpPr>
+          <p:nvPr/>
+        </p:nvCxnSpPr>
+        <p:spPr>
+          <a:xfrm rot="10800000" flipV="1">
+            <a:off x="5868144" y="2636912"/>
+            <a:ext cx="576064" cy="684076"/>
+          </a:xfrm>
+          <a:prstGeom prst="bentConnector3">
+            <a:avLst>
+              <a:gd name="adj1" fmla="val 50000"/>
+            </a:avLst>
+          </a:prstGeom>
+          <a:ln w="19050">
+            <a:tailEnd type="arrow"/>
+          </a:ln>
+        </p:spPr>
+        <p:style>
+          <a:lnRef idx="1">
+            <a:schemeClr val="accent1"/>
+          </a:lnRef>
+          <a:fillRef idx="0">
+            <a:schemeClr val="accent1"/>
+          </a:fillRef>
+          <a:effectRef idx="0">
+            <a:schemeClr val="accent1"/>
+          </a:effectRef>
+          <a:fontRef idx="minor">
+            <a:schemeClr val="tx1"/>
+          </a:fontRef>
+        </p:style>
+      </p:cxnSp>
+      <p:cxnSp>
+        <p:nvCxnSpPr>
+          <p:cNvPr id="28" name="Соединительная линия уступом 27"/>
+          <p:cNvCxnSpPr>
+            <a:stCxn id="9" idx="1"/>
+            <a:endCxn id="5" idx="3"/>
+          </p:cNvCxnSpPr>
+          <p:nvPr/>
+        </p:nvCxnSpPr>
+        <p:spPr>
+          <a:xfrm rot="10800000" flipV="1">
+            <a:off x="5868144" y="3212976"/>
+            <a:ext cx="576064" cy="108012"/>
+          </a:xfrm>
+          <a:prstGeom prst="bentConnector3">
+            <a:avLst>
+              <a:gd name="adj1" fmla="val 50000"/>
+            </a:avLst>
+          </a:prstGeom>
+          <a:ln w="19050">
+            <a:tailEnd type="arrow"/>
+          </a:ln>
+        </p:spPr>
+        <p:style>
+          <a:lnRef idx="1">
+            <a:schemeClr val="accent1"/>
+          </a:lnRef>
+          <a:fillRef idx="0">
+            <a:schemeClr val="accent1"/>
+          </a:fillRef>
+          <a:effectRef idx="0">
+            <a:schemeClr val="accent1"/>
+          </a:effectRef>
+          <a:fontRef idx="minor">
+            <a:schemeClr val="tx1"/>
+          </a:fontRef>
+        </p:style>
+      </p:cxnSp>
+      <p:cxnSp>
+        <p:nvCxnSpPr>
+          <p:cNvPr id="30" name="Соединительная линия уступом 29"/>
+          <p:cNvCxnSpPr>
+            <a:stCxn id="10" idx="1"/>
+            <a:endCxn id="5" idx="3"/>
+          </p:cNvCxnSpPr>
+          <p:nvPr/>
+        </p:nvCxnSpPr>
+        <p:spPr>
+          <a:xfrm rot="10800000">
+            <a:off x="5868144" y="3320988"/>
+            <a:ext cx="576064" cy="468052"/>
+          </a:xfrm>
+          <a:prstGeom prst="bentConnector3">
+            <a:avLst>
+              <a:gd name="adj1" fmla="val 50000"/>
+            </a:avLst>
+          </a:prstGeom>
+          <a:ln w="19050">
+            <a:tailEnd type="arrow"/>
+          </a:ln>
+        </p:spPr>
+        <p:style>
+          <a:lnRef idx="1">
+            <a:schemeClr val="accent1"/>
+          </a:lnRef>
+          <a:fillRef idx="0">
+            <a:schemeClr val="accent1"/>
+          </a:fillRef>
+          <a:effectRef idx="0">
+            <a:schemeClr val="accent1"/>
+          </a:effectRef>
+          <a:fontRef idx="minor">
+            <a:schemeClr val="tx1"/>
+          </a:fontRef>
+        </p:style>
+      </p:cxnSp>
+      <p:cxnSp>
+        <p:nvCxnSpPr>
+          <p:cNvPr id="34" name="Shape 33"/>
+          <p:cNvCxnSpPr>
+            <a:stCxn id="5" idx="2"/>
+            <a:endCxn id="12" idx="1"/>
+          </p:cNvCxnSpPr>
+          <p:nvPr/>
+        </p:nvCxnSpPr>
+        <p:spPr>
+          <a:xfrm rot="16200000" flipH="1">
+            <a:off x="5341773" y="3415311"/>
+            <a:ext cx="656698" cy="1548172"/>
+          </a:xfrm>
+          <a:prstGeom prst="bentConnector2">
+            <a:avLst/>
+          </a:prstGeom>
+          <a:ln w="19050">
+            <a:tailEnd type="arrow"/>
+          </a:ln>
+        </p:spPr>
+        <p:style>
+          <a:lnRef idx="1">
+            <a:schemeClr val="accent1"/>
+          </a:lnRef>
+          <a:fillRef idx="0">
+            <a:schemeClr val="accent1"/>
+          </a:fillRef>
+          <a:effectRef idx="0">
+            <a:schemeClr val="accent1"/>
+          </a:effectRef>
+          <a:fontRef idx="minor">
+            <a:schemeClr val="tx1"/>
+          </a:fontRef>
+        </p:style>
+      </p:cxnSp>
+      <p:cxnSp>
+        <p:nvCxnSpPr>
+          <p:cNvPr id="36" name="Shape 35"/>
+          <p:cNvCxnSpPr>
+            <a:stCxn id="5" idx="2"/>
+            <a:endCxn id="14" idx="1"/>
+          </p:cNvCxnSpPr>
+          <p:nvPr/>
+        </p:nvCxnSpPr>
+        <p:spPr>
+          <a:xfrm rot="16200000" flipH="1">
+            <a:off x="5058054" y="3699030"/>
+            <a:ext cx="1224136" cy="1548172"/>
+          </a:xfrm>
+          <a:prstGeom prst="bentConnector2">
+            <a:avLst/>
+          </a:prstGeom>
+          <a:ln w="19050">
+            <a:tailEnd type="arrow"/>
+          </a:ln>
+        </p:spPr>
+        <p:style>
+          <a:lnRef idx="1">
+            <a:schemeClr val="accent1"/>
+          </a:lnRef>
+          <a:fillRef idx="0">
+            <a:schemeClr val="accent1"/>
+          </a:fillRef>
+          <a:effectRef idx="0">
+            <a:schemeClr val="accent1"/>
+          </a:effectRef>
+          <a:fontRef idx="minor">
+            <a:schemeClr val="tx1"/>
+          </a:fontRef>
+        </p:style>
+      </p:cxnSp>
+      <p:cxnSp>
+        <p:nvCxnSpPr>
+          <p:cNvPr id="38" name="Shape 37"/>
+          <p:cNvCxnSpPr>
+            <a:stCxn id="5" idx="2"/>
+            <a:endCxn id="16" idx="1"/>
+          </p:cNvCxnSpPr>
+          <p:nvPr/>
+        </p:nvCxnSpPr>
+        <p:spPr>
+          <a:xfrm rot="16200000" flipH="1">
+            <a:off x="4770022" y="3987062"/>
+            <a:ext cx="1800200" cy="1548172"/>
+          </a:xfrm>
+          <a:prstGeom prst="bentConnector2">
+            <a:avLst/>
+          </a:prstGeom>
+          <a:ln w="19050">
+            <a:tailEnd type="arrow"/>
+          </a:ln>
+        </p:spPr>
+        <p:style>
+          <a:lnRef idx="1">
+            <a:schemeClr val="accent1"/>
+          </a:lnRef>
+          <a:fillRef idx="0">
+            <a:schemeClr val="accent1"/>
+          </a:fillRef>
+          <a:effectRef idx="0">
+            <a:schemeClr val="accent1"/>
+          </a:effectRef>
+          <a:fontRef idx="minor">
+            <a:schemeClr val="tx1"/>
+          </a:fontRef>
+        </p:style>
+      </p:cxnSp>
+      <p:cxnSp>
+        <p:nvCxnSpPr>
+          <p:cNvPr id="40" name="Shape 39"/>
+          <p:cNvCxnSpPr>
+            <a:stCxn id="5" idx="2"/>
+            <a:endCxn id="18" idx="1"/>
+          </p:cNvCxnSpPr>
+          <p:nvPr/>
+        </p:nvCxnSpPr>
+        <p:spPr>
+          <a:xfrm rot="16200000" flipH="1">
+            <a:off x="4481990" y="4275094"/>
+            <a:ext cx="2376264" cy="1548172"/>
+          </a:xfrm>
+          <a:prstGeom prst="bentConnector2">
+            <a:avLst/>
+          </a:prstGeom>
+          <a:ln w="19050">
+            <a:tailEnd type="arrow"/>
+          </a:ln>
+        </p:spPr>
+        <p:style>
+          <a:lnRef idx="1">
+            <a:schemeClr val="accent1"/>
+          </a:lnRef>
+          <a:fillRef idx="0">
+            <a:schemeClr val="accent1"/>
+          </a:fillRef>
+          <a:effectRef idx="0">
+            <a:schemeClr val="accent1"/>
+          </a:effectRef>
+          <a:fontRef idx="minor">
+            <a:schemeClr val="tx1"/>
+          </a:fontRef>
+        </p:style>
+      </p:cxnSp>
+      <p:cxnSp>
+        <p:nvCxnSpPr>
+          <p:cNvPr id="50" name="Соединительная линия уступом 49"/>
+          <p:cNvCxnSpPr>
+            <a:stCxn id="11" idx="3"/>
+            <a:endCxn id="5" idx="0"/>
+          </p:cNvCxnSpPr>
+          <p:nvPr/>
+        </p:nvCxnSpPr>
+        <p:spPr>
+          <a:xfrm>
+            <a:off x="3563888" y="2492896"/>
+            <a:ext cx="1332148" cy="288032"/>
+          </a:xfrm>
+          <a:prstGeom prst="bentConnector2">
+            <a:avLst/>
+          </a:prstGeom>
+          <a:ln w="19050">
+            <a:headEnd type="arrow"/>
+            <a:tailEnd type="arrow"/>
+          </a:ln>
+        </p:spPr>
+        <p:style>
+          <a:lnRef idx="1">
+            <a:schemeClr val="accent1"/>
+          </a:lnRef>
+          <a:fillRef idx="0">
+            <a:schemeClr val="accent1"/>
+          </a:fillRef>
+          <a:effectRef idx="0">
+            <a:schemeClr val="accent1"/>
+          </a:effectRef>
+          <a:fontRef idx="minor">
+            <a:schemeClr val="tx1"/>
+          </a:fontRef>
+        </p:style>
+      </p:cxnSp>
+      <p:cxnSp>
+        <p:nvCxnSpPr>
+          <p:cNvPr id="56" name="Соединительная линия уступом 55"/>
+          <p:cNvCxnSpPr>
+            <a:stCxn id="20" idx="3"/>
+            <a:endCxn id="5" idx="1"/>
+          </p:cNvCxnSpPr>
+          <p:nvPr/>
+        </p:nvCxnSpPr>
+        <p:spPr>
+          <a:xfrm flipV="1">
+            <a:off x="3563888" y="3320988"/>
+            <a:ext cx="360040" cy="1800200"/>
+          </a:xfrm>
+          <a:prstGeom prst="bentConnector3">
+            <a:avLst>
+              <a:gd name="adj1" fmla="val 50000"/>
+            </a:avLst>
+          </a:prstGeom>
+          <a:ln w="19050">
+            <a:tailEnd type="arrow"/>
+          </a:ln>
+        </p:spPr>
+        <p:style>
+          <a:lnRef idx="1">
+            <a:schemeClr val="accent1"/>
+          </a:lnRef>
+          <a:fillRef idx="0">
+            <a:schemeClr val="accent1"/>
+          </a:fillRef>
+          <a:effectRef idx="0">
+            <a:schemeClr val="accent1"/>
+          </a:effectRef>
+          <a:fontRef idx="minor">
+            <a:schemeClr val="tx1"/>
+          </a:fontRef>
+        </p:style>
+      </p:cxnSp>
+      <p:cxnSp>
+        <p:nvCxnSpPr>
+          <p:cNvPr id="129" name="Соединительная линия уступом 128"/>
+          <p:cNvCxnSpPr>
+            <a:stCxn id="4" idx="3"/>
+            <a:endCxn id="11" idx="1"/>
+          </p:cNvCxnSpPr>
+          <p:nvPr/>
+        </p:nvCxnSpPr>
+        <p:spPr>
+          <a:xfrm flipV="1">
+            <a:off x="1763688" y="2492896"/>
+            <a:ext cx="792088" cy="288032"/>
+          </a:xfrm>
+          <a:prstGeom prst="bentConnector3">
+            <a:avLst>
+              <a:gd name="adj1" fmla="val 50000"/>
+            </a:avLst>
+          </a:prstGeom>
+          <a:ln w="19050">
+            <a:headEnd type="arrow"/>
+            <a:tailEnd type="arrow"/>
+          </a:ln>
+        </p:spPr>
+        <p:style>
+          <a:lnRef idx="1">
+            <a:schemeClr val="accent1"/>
+          </a:lnRef>
+          <a:fillRef idx="0">
+            <a:schemeClr val="accent1"/>
+          </a:fillRef>
+          <a:effectRef idx="0">
+            <a:schemeClr val="accent1"/>
+          </a:effectRef>
+          <a:fontRef idx="minor">
+            <a:schemeClr val="tx1"/>
+          </a:fontRef>
+        </p:style>
+      </p:cxnSp>
     </p:spTree>
   </p:cSld>
   <p:clrMapOvr>
@@ -7248,1196 +9792,32 @@
         </p:nvSpPr>
         <p:spPr/>
         <p:txBody>
-          <a:bodyPr>
-            <a:normAutofit/>
-          </a:bodyPr>
+          <a:bodyPr/>
           <a:lstStyle/>
           <a:p>
-            <a:r>
-              <a:rPr lang="ru-RU" dirty="0" smtClean="0"/>
-              <a:t>Функциональная схема 4Р-БПЛА</a:t>
-            </a:r>
-            <a:endParaRPr lang="ru-RU" dirty="0"/>
-          </a:p>
-        </p:txBody>
-      </p:sp>
-      <p:sp>
-        <p:nvSpPr>
-          <p:cNvPr id="4" name="Прямоугольник 3"/>
-          <p:cNvSpPr/>
-          <p:nvPr/>
-        </p:nvSpPr>
-        <p:spPr>
-          <a:xfrm>
-            <a:off x="755576" y="1844824"/>
-            <a:ext cx="1008112" cy="1872208"/>
-          </a:xfrm>
-          <a:prstGeom prst="rect">
-            <a:avLst/>
-          </a:prstGeom>
-        </p:spPr>
-        <p:style>
-          <a:lnRef idx="3">
-            <a:schemeClr val="lt1"/>
-          </a:lnRef>
-          <a:fillRef idx="1">
-            <a:schemeClr val="accent1"/>
-          </a:fillRef>
-          <a:effectRef idx="1">
-            <a:schemeClr val="accent1"/>
-          </a:effectRef>
-          <a:fontRef idx="minor">
-            <a:schemeClr val="lt1"/>
-          </a:fontRef>
-        </p:style>
-        <p:txBody>
-          <a:bodyPr rtlCol="0" anchor="ctr"/>
+            <a:endParaRPr lang="ru-RU"/>
+          </a:p>
+        </p:txBody>
+      </p:sp>
+      <p:sp>
+        <p:nvSpPr>
+          <p:cNvPr id="3" name="Содержимое 2"/>
+          <p:cNvSpPr>
+            <a:spLocks noGrp="1"/>
+          </p:cNvSpPr>
+          <p:nvPr>
+            <p:ph idx="1"/>
+          </p:nvPr>
+        </p:nvSpPr>
+        <p:spPr/>
+        <p:txBody>
+          <a:bodyPr/>
           <a:lstStyle/>
           <a:p>
-            <a:pPr algn="ctr"/>
-            <a:r>
-              <a:rPr lang="en-US" dirty="0" smtClean="0">
-                <a:solidFill>
-                  <a:srgbClr val="002060"/>
-                </a:solidFill>
-              </a:rPr>
-              <a:t>PC</a:t>
-            </a:r>
-            <a:endParaRPr lang="ru-RU" dirty="0">
-              <a:solidFill>
-                <a:srgbClr val="002060"/>
-              </a:solidFill>
-            </a:endParaRPr>
-          </a:p>
-        </p:txBody>
-      </p:sp>
-      <p:sp>
-        <p:nvSpPr>
-          <p:cNvPr id="5" name="Прямоугольник 4"/>
-          <p:cNvSpPr/>
-          <p:nvPr/>
-        </p:nvSpPr>
-        <p:spPr>
-          <a:xfrm>
-            <a:off x="3923928" y="2780928"/>
-            <a:ext cx="1944216" cy="1080120"/>
-          </a:xfrm>
-          <a:prstGeom prst="rect">
-            <a:avLst/>
-          </a:prstGeom>
-        </p:spPr>
-        <p:style>
-          <a:lnRef idx="3">
-            <a:schemeClr val="lt1"/>
-          </a:lnRef>
-          <a:fillRef idx="1">
-            <a:schemeClr val="accent1"/>
-          </a:fillRef>
-          <a:effectRef idx="1">
-            <a:schemeClr val="accent1"/>
-          </a:effectRef>
-          <a:fontRef idx="minor">
-            <a:schemeClr val="lt1"/>
-          </a:fontRef>
-        </p:style>
-        <p:txBody>
-          <a:bodyPr rtlCol="0" anchor="ctr"/>
-          <a:lstStyle/>
-          <a:p>
-            <a:pPr algn="ctr"/>
-            <a:r>
-              <a:rPr lang="en-US" dirty="0" err="1" smtClean="0">
-                <a:solidFill>
-                  <a:srgbClr val="002060"/>
-                </a:solidFill>
-              </a:rPr>
-              <a:t>Arduino</a:t>
-            </a:r>
-            <a:endParaRPr lang="ru-RU" dirty="0">
-              <a:solidFill>
-                <a:srgbClr val="002060"/>
-              </a:solidFill>
-            </a:endParaRPr>
-          </a:p>
-        </p:txBody>
-      </p:sp>
-      <p:sp>
-        <p:nvSpPr>
-          <p:cNvPr id="7" name="Прямоугольник 6"/>
-          <p:cNvSpPr/>
-          <p:nvPr/>
-        </p:nvSpPr>
-        <p:spPr>
-          <a:xfrm>
-            <a:off x="6444208" y="1844824"/>
-            <a:ext cx="1440160" cy="432048"/>
-          </a:xfrm>
-          <a:prstGeom prst="rect">
-            <a:avLst/>
-          </a:prstGeom>
-        </p:spPr>
-        <p:style>
-          <a:lnRef idx="3">
-            <a:schemeClr val="lt1"/>
-          </a:lnRef>
-          <a:fillRef idx="1">
-            <a:schemeClr val="accent1"/>
-          </a:fillRef>
-          <a:effectRef idx="1">
-            <a:schemeClr val="accent1"/>
-          </a:effectRef>
-          <a:fontRef idx="minor">
-            <a:schemeClr val="lt1"/>
-          </a:fontRef>
-        </p:style>
-        <p:txBody>
-          <a:bodyPr rtlCol="0" anchor="ctr"/>
-          <a:lstStyle/>
-          <a:p>
-            <a:pPr algn="ctr"/>
-            <a:r>
-              <a:rPr lang="en-US" sz="1400" dirty="0" smtClean="0">
-                <a:solidFill>
-                  <a:srgbClr val="002060"/>
-                </a:solidFill>
-              </a:rPr>
-              <a:t>3-axis</a:t>
-            </a:r>
-          </a:p>
-          <a:p>
-            <a:pPr algn="ctr"/>
-            <a:r>
-              <a:rPr lang="en-US" sz="1400" dirty="0" smtClean="0">
-                <a:solidFill>
-                  <a:srgbClr val="002060"/>
-                </a:solidFill>
-              </a:rPr>
-              <a:t>gyroscope</a:t>
-            </a:r>
-          </a:p>
-        </p:txBody>
-      </p:sp>
-      <p:sp>
-        <p:nvSpPr>
-          <p:cNvPr id="8" name="Прямоугольник 7"/>
-          <p:cNvSpPr/>
-          <p:nvPr/>
-        </p:nvSpPr>
-        <p:spPr>
-          <a:xfrm>
-            <a:off x="6444208" y="2420888"/>
-            <a:ext cx="1440160" cy="432048"/>
-          </a:xfrm>
-          <a:prstGeom prst="rect">
-            <a:avLst/>
-          </a:prstGeom>
-        </p:spPr>
-        <p:style>
-          <a:lnRef idx="3">
-            <a:schemeClr val="lt1"/>
-          </a:lnRef>
-          <a:fillRef idx="1">
-            <a:schemeClr val="accent1"/>
-          </a:fillRef>
-          <a:effectRef idx="1">
-            <a:schemeClr val="accent1"/>
-          </a:effectRef>
-          <a:fontRef idx="minor">
-            <a:schemeClr val="lt1"/>
-          </a:fontRef>
-        </p:style>
-        <p:txBody>
-          <a:bodyPr rtlCol="0" anchor="ctr"/>
-          <a:lstStyle/>
-          <a:p>
-            <a:pPr algn="ctr"/>
-            <a:r>
-              <a:rPr lang="en-US" sz="1400" dirty="0" smtClean="0">
-                <a:solidFill>
-                  <a:srgbClr val="002060"/>
-                </a:solidFill>
-              </a:rPr>
-              <a:t>3-axis</a:t>
-            </a:r>
-          </a:p>
-          <a:p>
-            <a:pPr algn="ctr"/>
-            <a:r>
-              <a:rPr lang="en-US" sz="1400" dirty="0" smtClean="0">
-                <a:solidFill>
-                  <a:srgbClr val="002060"/>
-                </a:solidFill>
-              </a:rPr>
-              <a:t>Accelerometer</a:t>
-            </a:r>
-            <a:endParaRPr lang="ru-RU" sz="1400" dirty="0">
-              <a:solidFill>
-                <a:srgbClr val="002060"/>
-              </a:solidFill>
-            </a:endParaRPr>
-          </a:p>
-        </p:txBody>
-      </p:sp>
-      <p:sp>
-        <p:nvSpPr>
-          <p:cNvPr id="9" name="Прямоугольник 8"/>
-          <p:cNvSpPr/>
-          <p:nvPr/>
-        </p:nvSpPr>
-        <p:spPr>
-          <a:xfrm>
-            <a:off x="6444208" y="2996952"/>
-            <a:ext cx="1440160" cy="432048"/>
-          </a:xfrm>
-          <a:prstGeom prst="rect">
-            <a:avLst/>
-          </a:prstGeom>
-        </p:spPr>
-        <p:style>
-          <a:lnRef idx="3">
-            <a:schemeClr val="lt1"/>
-          </a:lnRef>
-          <a:fillRef idx="1">
-            <a:schemeClr val="accent1"/>
-          </a:fillRef>
-          <a:effectRef idx="1">
-            <a:schemeClr val="accent1"/>
-          </a:effectRef>
-          <a:fontRef idx="minor">
-            <a:schemeClr val="lt1"/>
-          </a:fontRef>
-        </p:style>
-        <p:txBody>
-          <a:bodyPr rtlCol="0" anchor="ctr"/>
-          <a:lstStyle/>
-          <a:p>
-            <a:pPr algn="ctr"/>
-            <a:r>
-              <a:rPr lang="en-US" sz="1400" dirty="0" smtClean="0">
-                <a:solidFill>
-                  <a:srgbClr val="002060"/>
-                </a:solidFill>
-              </a:rPr>
-              <a:t>Barometer</a:t>
-            </a:r>
-          </a:p>
-        </p:txBody>
-      </p:sp>
-      <p:sp>
-        <p:nvSpPr>
-          <p:cNvPr id="10" name="Прямоугольник 9"/>
-          <p:cNvSpPr/>
-          <p:nvPr/>
-        </p:nvSpPr>
-        <p:spPr>
-          <a:xfrm>
-            <a:off x="6444208" y="3573016"/>
-            <a:ext cx="1440160" cy="432048"/>
-          </a:xfrm>
-          <a:prstGeom prst="rect">
-            <a:avLst/>
-          </a:prstGeom>
-        </p:spPr>
-        <p:style>
-          <a:lnRef idx="3">
-            <a:schemeClr val="lt1"/>
-          </a:lnRef>
-          <a:fillRef idx="1">
-            <a:schemeClr val="accent1"/>
-          </a:fillRef>
-          <a:effectRef idx="1">
-            <a:schemeClr val="accent1"/>
-          </a:effectRef>
-          <a:fontRef idx="minor">
-            <a:schemeClr val="lt1"/>
-          </a:fontRef>
-        </p:style>
-        <p:txBody>
-          <a:bodyPr rtlCol="0" anchor="ctr"/>
-          <a:lstStyle/>
-          <a:p>
-            <a:pPr algn="ctr"/>
-            <a:r>
-              <a:rPr lang="en-US" sz="1400" dirty="0" smtClean="0">
-                <a:solidFill>
-                  <a:srgbClr val="002060"/>
-                </a:solidFill>
-              </a:rPr>
-              <a:t>Magnetometer</a:t>
-            </a:r>
-          </a:p>
-        </p:txBody>
-      </p:sp>
-      <p:sp>
-        <p:nvSpPr>
-          <p:cNvPr id="11" name="Прямоугольник 10"/>
-          <p:cNvSpPr/>
-          <p:nvPr/>
-        </p:nvSpPr>
-        <p:spPr>
-          <a:xfrm>
-            <a:off x="2555776" y="2060848"/>
-            <a:ext cx="1008112" cy="864096"/>
-          </a:xfrm>
-          <a:prstGeom prst="rect">
-            <a:avLst/>
-          </a:prstGeom>
-        </p:spPr>
-        <p:style>
-          <a:lnRef idx="3">
-            <a:schemeClr val="lt1"/>
-          </a:lnRef>
-          <a:fillRef idx="1">
-            <a:schemeClr val="accent1"/>
-          </a:fillRef>
-          <a:effectRef idx="1">
-            <a:schemeClr val="accent1"/>
-          </a:effectRef>
-          <a:fontRef idx="minor">
-            <a:schemeClr val="lt1"/>
-          </a:fontRef>
-        </p:style>
-        <p:txBody>
-          <a:bodyPr rtlCol="0" anchor="ctr"/>
-          <a:lstStyle/>
-          <a:p>
-            <a:pPr algn="ctr"/>
-            <a:r>
-              <a:rPr lang="en-US" dirty="0" err="1" smtClean="0">
-                <a:solidFill>
-                  <a:srgbClr val="002060"/>
-                </a:solidFill>
-              </a:rPr>
-              <a:t>XBee</a:t>
-            </a:r>
-            <a:endParaRPr lang="ru-RU" dirty="0">
-              <a:solidFill>
-                <a:srgbClr val="002060"/>
-              </a:solidFill>
-            </a:endParaRPr>
-          </a:p>
-        </p:txBody>
-      </p:sp>
-      <p:sp>
-        <p:nvSpPr>
-          <p:cNvPr id="12" name="Прямоугольник 11"/>
-          <p:cNvSpPr/>
-          <p:nvPr/>
-        </p:nvSpPr>
-        <p:spPr>
-          <a:xfrm>
-            <a:off x="6444208" y="4301722"/>
-            <a:ext cx="792088" cy="432048"/>
-          </a:xfrm>
-          <a:prstGeom prst="rect">
-            <a:avLst/>
-          </a:prstGeom>
-        </p:spPr>
-        <p:style>
-          <a:lnRef idx="3">
-            <a:schemeClr val="lt1"/>
-          </a:lnRef>
-          <a:fillRef idx="1">
-            <a:schemeClr val="accent1"/>
-          </a:fillRef>
-          <a:effectRef idx="1">
-            <a:schemeClr val="accent1"/>
-          </a:effectRef>
-          <a:fontRef idx="minor">
-            <a:schemeClr val="lt1"/>
-          </a:fontRef>
-        </p:style>
-        <p:txBody>
-          <a:bodyPr rtlCol="0" anchor="ctr"/>
-          <a:lstStyle/>
-          <a:p>
-            <a:pPr algn="ctr"/>
-            <a:r>
-              <a:rPr lang="en-US" sz="1400" dirty="0" smtClean="0">
-                <a:solidFill>
-                  <a:srgbClr val="002060"/>
-                </a:solidFill>
-              </a:rPr>
-              <a:t>ESC #1</a:t>
-            </a:r>
-          </a:p>
-        </p:txBody>
-      </p:sp>
-      <p:sp>
-        <p:nvSpPr>
-          <p:cNvPr id="13" name="Прямоугольник 12"/>
-          <p:cNvSpPr/>
-          <p:nvPr/>
-        </p:nvSpPr>
-        <p:spPr>
-          <a:xfrm>
-            <a:off x="7380312" y="4293096"/>
-            <a:ext cx="1224136" cy="432048"/>
-          </a:xfrm>
-          <a:prstGeom prst="rect">
-            <a:avLst/>
-          </a:prstGeom>
-        </p:spPr>
-        <p:style>
-          <a:lnRef idx="3">
-            <a:schemeClr val="lt1"/>
-          </a:lnRef>
-          <a:fillRef idx="1">
-            <a:schemeClr val="accent1"/>
-          </a:fillRef>
-          <a:effectRef idx="1">
-            <a:schemeClr val="accent1"/>
-          </a:effectRef>
-          <a:fontRef idx="minor">
-            <a:schemeClr val="lt1"/>
-          </a:fontRef>
-        </p:style>
-        <p:txBody>
-          <a:bodyPr rtlCol="0" anchor="ctr"/>
-          <a:lstStyle/>
-          <a:p>
-            <a:pPr algn="ctr"/>
-            <a:r>
-              <a:rPr lang="en-US" sz="1400" dirty="0" smtClean="0">
-                <a:solidFill>
-                  <a:srgbClr val="002060"/>
-                </a:solidFill>
-              </a:rPr>
-              <a:t>Brushless Motor</a:t>
-            </a:r>
-          </a:p>
-        </p:txBody>
-      </p:sp>
-      <p:sp>
-        <p:nvSpPr>
-          <p:cNvPr id="14" name="Прямоугольник 13"/>
-          <p:cNvSpPr/>
-          <p:nvPr/>
-        </p:nvSpPr>
-        <p:spPr>
-          <a:xfrm>
-            <a:off x="6444208" y="4869160"/>
-            <a:ext cx="792088" cy="432048"/>
-          </a:xfrm>
-          <a:prstGeom prst="rect">
-            <a:avLst/>
-          </a:prstGeom>
-        </p:spPr>
-        <p:style>
-          <a:lnRef idx="3">
-            <a:schemeClr val="lt1"/>
-          </a:lnRef>
-          <a:fillRef idx="1">
-            <a:schemeClr val="accent1"/>
-          </a:fillRef>
-          <a:effectRef idx="1">
-            <a:schemeClr val="accent1"/>
-          </a:effectRef>
-          <a:fontRef idx="minor">
-            <a:schemeClr val="lt1"/>
-          </a:fontRef>
-        </p:style>
-        <p:txBody>
-          <a:bodyPr rtlCol="0" anchor="ctr"/>
-          <a:lstStyle/>
-          <a:p>
-            <a:pPr algn="ctr"/>
-            <a:r>
-              <a:rPr lang="en-US" sz="1400" dirty="0" smtClean="0">
-                <a:solidFill>
-                  <a:srgbClr val="002060"/>
-                </a:solidFill>
-              </a:rPr>
-              <a:t>ESC #2</a:t>
-            </a:r>
-          </a:p>
-        </p:txBody>
-      </p:sp>
-      <p:sp>
-        <p:nvSpPr>
-          <p:cNvPr id="15" name="Прямоугольник 14"/>
-          <p:cNvSpPr/>
-          <p:nvPr/>
-        </p:nvSpPr>
-        <p:spPr>
-          <a:xfrm>
-            <a:off x="7380312" y="4860534"/>
-            <a:ext cx="1224136" cy="432048"/>
-          </a:xfrm>
-          <a:prstGeom prst="rect">
-            <a:avLst/>
-          </a:prstGeom>
-        </p:spPr>
-        <p:style>
-          <a:lnRef idx="3">
-            <a:schemeClr val="lt1"/>
-          </a:lnRef>
-          <a:fillRef idx="1">
-            <a:schemeClr val="accent1"/>
-          </a:fillRef>
-          <a:effectRef idx="1">
-            <a:schemeClr val="accent1"/>
-          </a:effectRef>
-          <a:fontRef idx="minor">
-            <a:schemeClr val="lt1"/>
-          </a:fontRef>
-        </p:style>
-        <p:txBody>
-          <a:bodyPr rtlCol="0" anchor="ctr"/>
-          <a:lstStyle/>
-          <a:p>
-            <a:pPr algn="ctr"/>
-            <a:r>
-              <a:rPr lang="en-US" sz="1400" dirty="0" smtClean="0">
-                <a:solidFill>
-                  <a:srgbClr val="002060"/>
-                </a:solidFill>
-              </a:rPr>
-              <a:t>Brushless Motor</a:t>
-            </a:r>
-          </a:p>
-        </p:txBody>
-      </p:sp>
-      <p:sp>
-        <p:nvSpPr>
-          <p:cNvPr id="16" name="Прямоугольник 15"/>
-          <p:cNvSpPr/>
-          <p:nvPr/>
-        </p:nvSpPr>
-        <p:spPr>
-          <a:xfrm>
-            <a:off x="6444208" y="5445224"/>
-            <a:ext cx="792088" cy="432048"/>
-          </a:xfrm>
-          <a:prstGeom prst="rect">
-            <a:avLst/>
-          </a:prstGeom>
-        </p:spPr>
-        <p:style>
-          <a:lnRef idx="3">
-            <a:schemeClr val="lt1"/>
-          </a:lnRef>
-          <a:fillRef idx="1">
-            <a:schemeClr val="accent1"/>
-          </a:fillRef>
-          <a:effectRef idx="1">
-            <a:schemeClr val="accent1"/>
-          </a:effectRef>
-          <a:fontRef idx="minor">
-            <a:schemeClr val="lt1"/>
-          </a:fontRef>
-        </p:style>
-        <p:txBody>
-          <a:bodyPr rtlCol="0" anchor="ctr"/>
-          <a:lstStyle/>
-          <a:p>
-            <a:pPr algn="ctr"/>
-            <a:r>
-              <a:rPr lang="en-US" sz="1400" dirty="0" smtClean="0">
-                <a:solidFill>
-                  <a:srgbClr val="002060"/>
-                </a:solidFill>
-              </a:rPr>
-              <a:t>ESC #3</a:t>
-            </a:r>
-          </a:p>
-        </p:txBody>
-      </p:sp>
-      <p:sp>
-        <p:nvSpPr>
-          <p:cNvPr id="17" name="Прямоугольник 16"/>
-          <p:cNvSpPr/>
-          <p:nvPr/>
-        </p:nvSpPr>
-        <p:spPr>
-          <a:xfrm>
-            <a:off x="7380312" y="5436598"/>
-            <a:ext cx="1224136" cy="432048"/>
-          </a:xfrm>
-          <a:prstGeom prst="rect">
-            <a:avLst/>
-          </a:prstGeom>
-        </p:spPr>
-        <p:style>
-          <a:lnRef idx="3">
-            <a:schemeClr val="lt1"/>
-          </a:lnRef>
-          <a:fillRef idx="1">
-            <a:schemeClr val="accent1"/>
-          </a:fillRef>
-          <a:effectRef idx="1">
-            <a:schemeClr val="accent1"/>
-          </a:effectRef>
-          <a:fontRef idx="minor">
-            <a:schemeClr val="lt1"/>
-          </a:fontRef>
-        </p:style>
-        <p:txBody>
-          <a:bodyPr rtlCol="0" anchor="ctr"/>
-          <a:lstStyle/>
-          <a:p>
-            <a:pPr algn="ctr"/>
-            <a:r>
-              <a:rPr lang="en-US" sz="1400" dirty="0" smtClean="0">
-                <a:solidFill>
-                  <a:srgbClr val="002060"/>
-                </a:solidFill>
-              </a:rPr>
-              <a:t>Brushless Motor</a:t>
-            </a:r>
-          </a:p>
-        </p:txBody>
-      </p:sp>
-      <p:sp>
-        <p:nvSpPr>
-          <p:cNvPr id="18" name="Прямоугольник 17"/>
-          <p:cNvSpPr/>
-          <p:nvPr/>
-        </p:nvSpPr>
-        <p:spPr>
-          <a:xfrm>
-            <a:off x="6444208" y="6021288"/>
-            <a:ext cx="792088" cy="432048"/>
-          </a:xfrm>
-          <a:prstGeom prst="rect">
-            <a:avLst/>
-          </a:prstGeom>
-        </p:spPr>
-        <p:style>
-          <a:lnRef idx="3">
-            <a:schemeClr val="lt1"/>
-          </a:lnRef>
-          <a:fillRef idx="1">
-            <a:schemeClr val="accent1"/>
-          </a:fillRef>
-          <a:effectRef idx="1">
-            <a:schemeClr val="accent1"/>
-          </a:effectRef>
-          <a:fontRef idx="minor">
-            <a:schemeClr val="lt1"/>
-          </a:fontRef>
-        </p:style>
-        <p:txBody>
-          <a:bodyPr rtlCol="0" anchor="ctr"/>
-          <a:lstStyle/>
-          <a:p>
-            <a:pPr algn="ctr"/>
-            <a:r>
-              <a:rPr lang="en-US" sz="1400" dirty="0" smtClean="0">
-                <a:solidFill>
-                  <a:srgbClr val="002060"/>
-                </a:solidFill>
-              </a:rPr>
-              <a:t>ESC #4</a:t>
-            </a:r>
-          </a:p>
-        </p:txBody>
-      </p:sp>
-      <p:sp>
-        <p:nvSpPr>
-          <p:cNvPr id="19" name="Прямоугольник 18"/>
-          <p:cNvSpPr/>
-          <p:nvPr/>
-        </p:nvSpPr>
-        <p:spPr>
-          <a:xfrm>
-            <a:off x="7380312" y="6012662"/>
-            <a:ext cx="1224136" cy="432048"/>
-          </a:xfrm>
-          <a:prstGeom prst="rect">
-            <a:avLst/>
-          </a:prstGeom>
-        </p:spPr>
-        <p:style>
-          <a:lnRef idx="3">
-            <a:schemeClr val="lt1"/>
-          </a:lnRef>
-          <a:fillRef idx="1">
-            <a:schemeClr val="accent1"/>
-          </a:fillRef>
-          <a:effectRef idx="1">
-            <a:schemeClr val="accent1"/>
-          </a:effectRef>
-          <a:fontRef idx="minor">
-            <a:schemeClr val="lt1"/>
-          </a:fontRef>
-        </p:style>
-        <p:txBody>
-          <a:bodyPr rtlCol="0" anchor="ctr"/>
-          <a:lstStyle/>
-          <a:p>
-            <a:pPr algn="ctr"/>
-            <a:r>
-              <a:rPr lang="en-US" sz="1400" dirty="0" smtClean="0">
-                <a:solidFill>
-                  <a:srgbClr val="002060"/>
-                </a:solidFill>
-              </a:rPr>
-              <a:t>Brushless Motor</a:t>
-            </a:r>
-          </a:p>
-        </p:txBody>
-      </p:sp>
-      <p:sp>
-        <p:nvSpPr>
-          <p:cNvPr id="20" name="Прямоугольник 19"/>
-          <p:cNvSpPr/>
-          <p:nvPr/>
-        </p:nvSpPr>
-        <p:spPr>
-          <a:xfrm>
-            <a:off x="2555776" y="4653136"/>
-            <a:ext cx="1008112" cy="936104"/>
-          </a:xfrm>
-          <a:prstGeom prst="rect">
-            <a:avLst/>
-          </a:prstGeom>
-        </p:spPr>
-        <p:style>
-          <a:lnRef idx="3">
-            <a:schemeClr val="lt1"/>
-          </a:lnRef>
-          <a:fillRef idx="1">
-            <a:schemeClr val="accent1"/>
-          </a:fillRef>
-          <a:effectRef idx="1">
-            <a:schemeClr val="accent1"/>
-          </a:effectRef>
-          <a:fontRef idx="minor">
-            <a:schemeClr val="lt1"/>
-          </a:fontRef>
-        </p:style>
-        <p:txBody>
-          <a:bodyPr rtlCol="0" anchor="ctr"/>
-          <a:lstStyle/>
-          <a:p>
-            <a:pPr algn="ctr"/>
-            <a:r>
-              <a:rPr lang="en-US" dirty="0" smtClean="0">
-                <a:solidFill>
-                  <a:srgbClr val="002060"/>
-                </a:solidFill>
-              </a:rPr>
-              <a:t>Camera</a:t>
-            </a:r>
-            <a:endParaRPr lang="ru-RU" dirty="0">
-              <a:solidFill>
-                <a:srgbClr val="002060"/>
-              </a:solidFill>
-            </a:endParaRPr>
-          </a:p>
-        </p:txBody>
-      </p:sp>
-      <p:cxnSp>
-        <p:nvCxnSpPr>
-          <p:cNvPr id="22" name="Соединительная линия уступом 21"/>
-          <p:cNvCxnSpPr>
-            <a:stCxn id="7" idx="1"/>
-            <a:endCxn id="5" idx="3"/>
-          </p:cNvCxnSpPr>
-          <p:nvPr/>
-        </p:nvCxnSpPr>
-        <p:spPr>
-          <a:xfrm rot="10800000" flipV="1">
-            <a:off x="5868144" y="2060848"/>
-            <a:ext cx="576064" cy="1260140"/>
-          </a:xfrm>
-          <a:prstGeom prst="bentConnector3">
-            <a:avLst>
-              <a:gd name="adj1" fmla="val 50000"/>
-            </a:avLst>
-          </a:prstGeom>
-          <a:ln w="19050">
-            <a:tailEnd type="arrow"/>
-          </a:ln>
-        </p:spPr>
-        <p:style>
-          <a:lnRef idx="1">
-            <a:schemeClr val="accent1"/>
-          </a:lnRef>
-          <a:fillRef idx="0">
-            <a:schemeClr val="accent1"/>
-          </a:fillRef>
-          <a:effectRef idx="0">
-            <a:schemeClr val="accent1"/>
-          </a:effectRef>
-          <a:fontRef idx="minor">
-            <a:schemeClr val="tx1"/>
-          </a:fontRef>
-        </p:style>
-      </p:cxnSp>
-      <p:cxnSp>
-        <p:nvCxnSpPr>
-          <p:cNvPr id="26" name="Соединительная линия уступом 25"/>
-          <p:cNvCxnSpPr>
-            <a:stCxn id="8" idx="1"/>
-            <a:endCxn id="5" idx="3"/>
-          </p:cNvCxnSpPr>
-          <p:nvPr/>
-        </p:nvCxnSpPr>
-        <p:spPr>
-          <a:xfrm rot="10800000" flipV="1">
-            <a:off x="5868144" y="2636912"/>
-            <a:ext cx="576064" cy="684076"/>
-          </a:xfrm>
-          <a:prstGeom prst="bentConnector3">
-            <a:avLst>
-              <a:gd name="adj1" fmla="val 50000"/>
-            </a:avLst>
-          </a:prstGeom>
-          <a:ln w="19050">
-            <a:tailEnd type="arrow"/>
-          </a:ln>
-        </p:spPr>
-        <p:style>
-          <a:lnRef idx="1">
-            <a:schemeClr val="accent1"/>
-          </a:lnRef>
-          <a:fillRef idx="0">
-            <a:schemeClr val="accent1"/>
-          </a:fillRef>
-          <a:effectRef idx="0">
-            <a:schemeClr val="accent1"/>
-          </a:effectRef>
-          <a:fontRef idx="minor">
-            <a:schemeClr val="tx1"/>
-          </a:fontRef>
-        </p:style>
-      </p:cxnSp>
-      <p:cxnSp>
-        <p:nvCxnSpPr>
-          <p:cNvPr id="28" name="Соединительная линия уступом 27"/>
-          <p:cNvCxnSpPr>
-            <a:stCxn id="9" idx="1"/>
-            <a:endCxn id="5" idx="3"/>
-          </p:cNvCxnSpPr>
-          <p:nvPr/>
-        </p:nvCxnSpPr>
-        <p:spPr>
-          <a:xfrm rot="10800000" flipV="1">
-            <a:off x="5868144" y="3212976"/>
-            <a:ext cx="576064" cy="108012"/>
-          </a:xfrm>
-          <a:prstGeom prst="bentConnector3">
-            <a:avLst>
-              <a:gd name="adj1" fmla="val 50000"/>
-            </a:avLst>
-          </a:prstGeom>
-          <a:ln w="19050">
-            <a:tailEnd type="arrow"/>
-          </a:ln>
-        </p:spPr>
-        <p:style>
-          <a:lnRef idx="1">
-            <a:schemeClr val="accent1"/>
-          </a:lnRef>
-          <a:fillRef idx="0">
-            <a:schemeClr val="accent1"/>
-          </a:fillRef>
-          <a:effectRef idx="0">
-            <a:schemeClr val="accent1"/>
-          </a:effectRef>
-          <a:fontRef idx="minor">
-            <a:schemeClr val="tx1"/>
-          </a:fontRef>
-        </p:style>
-      </p:cxnSp>
-      <p:cxnSp>
-        <p:nvCxnSpPr>
-          <p:cNvPr id="30" name="Соединительная линия уступом 29"/>
-          <p:cNvCxnSpPr>
-            <a:stCxn id="10" idx="1"/>
-            <a:endCxn id="5" idx="3"/>
-          </p:cNvCxnSpPr>
-          <p:nvPr/>
-        </p:nvCxnSpPr>
-        <p:spPr>
-          <a:xfrm rot="10800000">
-            <a:off x="5868144" y="3320988"/>
-            <a:ext cx="576064" cy="468052"/>
-          </a:xfrm>
-          <a:prstGeom prst="bentConnector3">
-            <a:avLst>
-              <a:gd name="adj1" fmla="val 50000"/>
-            </a:avLst>
-          </a:prstGeom>
-          <a:ln w="19050">
-            <a:tailEnd type="arrow"/>
-          </a:ln>
-        </p:spPr>
-        <p:style>
-          <a:lnRef idx="1">
-            <a:schemeClr val="accent1"/>
-          </a:lnRef>
-          <a:fillRef idx="0">
-            <a:schemeClr val="accent1"/>
-          </a:fillRef>
-          <a:effectRef idx="0">
-            <a:schemeClr val="accent1"/>
-          </a:effectRef>
-          <a:fontRef idx="minor">
-            <a:schemeClr val="tx1"/>
-          </a:fontRef>
-        </p:style>
-      </p:cxnSp>
-      <p:cxnSp>
-        <p:nvCxnSpPr>
-          <p:cNvPr id="34" name="Shape 33"/>
-          <p:cNvCxnSpPr>
-            <a:stCxn id="5" idx="2"/>
-            <a:endCxn id="12" idx="1"/>
-          </p:cNvCxnSpPr>
-          <p:nvPr/>
-        </p:nvCxnSpPr>
-        <p:spPr>
-          <a:xfrm rot="16200000" flipH="1">
-            <a:off x="5341773" y="3415311"/>
-            <a:ext cx="656698" cy="1548172"/>
-          </a:xfrm>
-          <a:prstGeom prst="bentConnector2">
-            <a:avLst/>
-          </a:prstGeom>
-          <a:ln w="19050">
-            <a:tailEnd type="arrow"/>
-          </a:ln>
-        </p:spPr>
-        <p:style>
-          <a:lnRef idx="1">
-            <a:schemeClr val="accent1"/>
-          </a:lnRef>
-          <a:fillRef idx="0">
-            <a:schemeClr val="accent1"/>
-          </a:fillRef>
-          <a:effectRef idx="0">
-            <a:schemeClr val="accent1"/>
-          </a:effectRef>
-          <a:fontRef idx="minor">
-            <a:schemeClr val="tx1"/>
-          </a:fontRef>
-        </p:style>
-      </p:cxnSp>
-      <p:cxnSp>
-        <p:nvCxnSpPr>
-          <p:cNvPr id="36" name="Shape 35"/>
-          <p:cNvCxnSpPr>
-            <a:stCxn id="5" idx="2"/>
-            <a:endCxn id="14" idx="1"/>
-          </p:cNvCxnSpPr>
-          <p:nvPr/>
-        </p:nvCxnSpPr>
-        <p:spPr>
-          <a:xfrm rot="16200000" flipH="1">
-            <a:off x="5058054" y="3699030"/>
-            <a:ext cx="1224136" cy="1548172"/>
-          </a:xfrm>
-          <a:prstGeom prst="bentConnector2">
-            <a:avLst/>
-          </a:prstGeom>
-          <a:ln w="19050">
-            <a:tailEnd type="arrow"/>
-          </a:ln>
-        </p:spPr>
-        <p:style>
-          <a:lnRef idx="1">
-            <a:schemeClr val="accent1"/>
-          </a:lnRef>
-          <a:fillRef idx="0">
-            <a:schemeClr val="accent1"/>
-          </a:fillRef>
-          <a:effectRef idx="0">
-            <a:schemeClr val="accent1"/>
-          </a:effectRef>
-          <a:fontRef idx="minor">
-            <a:schemeClr val="tx1"/>
-          </a:fontRef>
-        </p:style>
-      </p:cxnSp>
-      <p:cxnSp>
-        <p:nvCxnSpPr>
-          <p:cNvPr id="38" name="Shape 37"/>
-          <p:cNvCxnSpPr>
-            <a:stCxn id="5" idx="2"/>
-            <a:endCxn id="16" idx="1"/>
-          </p:cNvCxnSpPr>
-          <p:nvPr/>
-        </p:nvCxnSpPr>
-        <p:spPr>
-          <a:xfrm rot="16200000" flipH="1">
-            <a:off x="4770022" y="3987062"/>
-            <a:ext cx="1800200" cy="1548172"/>
-          </a:xfrm>
-          <a:prstGeom prst="bentConnector2">
-            <a:avLst/>
-          </a:prstGeom>
-          <a:ln w="19050">
-            <a:tailEnd type="arrow"/>
-          </a:ln>
-        </p:spPr>
-        <p:style>
-          <a:lnRef idx="1">
-            <a:schemeClr val="accent1"/>
-          </a:lnRef>
-          <a:fillRef idx="0">
-            <a:schemeClr val="accent1"/>
-          </a:fillRef>
-          <a:effectRef idx="0">
-            <a:schemeClr val="accent1"/>
-          </a:effectRef>
-          <a:fontRef idx="minor">
-            <a:schemeClr val="tx1"/>
-          </a:fontRef>
-        </p:style>
-      </p:cxnSp>
-      <p:cxnSp>
-        <p:nvCxnSpPr>
-          <p:cNvPr id="40" name="Shape 39"/>
-          <p:cNvCxnSpPr>
-            <a:stCxn id="5" idx="2"/>
-            <a:endCxn id="18" idx="1"/>
-          </p:cNvCxnSpPr>
-          <p:nvPr/>
-        </p:nvCxnSpPr>
-        <p:spPr>
-          <a:xfrm rot="16200000" flipH="1">
-            <a:off x="4481990" y="4275094"/>
-            <a:ext cx="2376264" cy="1548172"/>
-          </a:xfrm>
-          <a:prstGeom prst="bentConnector2">
-            <a:avLst/>
-          </a:prstGeom>
-          <a:ln w="19050">
-            <a:tailEnd type="arrow"/>
-          </a:ln>
-        </p:spPr>
-        <p:style>
-          <a:lnRef idx="1">
-            <a:schemeClr val="accent1"/>
-          </a:lnRef>
-          <a:fillRef idx="0">
-            <a:schemeClr val="accent1"/>
-          </a:fillRef>
-          <a:effectRef idx="0">
-            <a:schemeClr val="accent1"/>
-          </a:effectRef>
-          <a:fontRef idx="minor">
-            <a:schemeClr val="tx1"/>
-          </a:fontRef>
-        </p:style>
-      </p:cxnSp>
-      <p:cxnSp>
-        <p:nvCxnSpPr>
-          <p:cNvPr id="50" name="Соединительная линия уступом 49"/>
-          <p:cNvCxnSpPr>
-            <a:stCxn id="11" idx="3"/>
-            <a:endCxn id="5" idx="0"/>
-          </p:cNvCxnSpPr>
-          <p:nvPr/>
-        </p:nvCxnSpPr>
-        <p:spPr>
-          <a:xfrm>
-            <a:off x="3563888" y="2492896"/>
-            <a:ext cx="1332148" cy="288032"/>
-          </a:xfrm>
-          <a:prstGeom prst="bentConnector2">
-            <a:avLst/>
-          </a:prstGeom>
-          <a:ln w="19050">
-            <a:headEnd type="arrow"/>
-            <a:tailEnd type="arrow"/>
-          </a:ln>
-        </p:spPr>
-        <p:style>
-          <a:lnRef idx="1">
-            <a:schemeClr val="accent1"/>
-          </a:lnRef>
-          <a:fillRef idx="0">
-            <a:schemeClr val="accent1"/>
-          </a:fillRef>
-          <a:effectRef idx="0">
-            <a:schemeClr val="accent1"/>
-          </a:effectRef>
-          <a:fontRef idx="minor">
-            <a:schemeClr val="tx1"/>
-          </a:fontRef>
-        </p:style>
-      </p:cxnSp>
-      <p:cxnSp>
-        <p:nvCxnSpPr>
-          <p:cNvPr id="56" name="Соединительная линия уступом 55"/>
-          <p:cNvCxnSpPr>
-            <a:stCxn id="20" idx="3"/>
-            <a:endCxn id="5" idx="1"/>
-          </p:cNvCxnSpPr>
-          <p:nvPr/>
-        </p:nvCxnSpPr>
-        <p:spPr>
-          <a:xfrm flipV="1">
-            <a:off x="3563888" y="3320988"/>
-            <a:ext cx="360040" cy="1800200"/>
-          </a:xfrm>
-          <a:prstGeom prst="bentConnector3">
-            <a:avLst>
-              <a:gd name="adj1" fmla="val 50000"/>
-            </a:avLst>
-          </a:prstGeom>
-          <a:ln w="19050">
-            <a:tailEnd type="arrow"/>
-          </a:ln>
-        </p:spPr>
-        <p:style>
-          <a:lnRef idx="1">
-            <a:schemeClr val="accent1"/>
-          </a:lnRef>
-          <a:fillRef idx="0">
-            <a:schemeClr val="accent1"/>
-          </a:fillRef>
-          <a:effectRef idx="0">
-            <a:schemeClr val="accent1"/>
-          </a:effectRef>
-          <a:fontRef idx="minor">
-            <a:schemeClr val="tx1"/>
-          </a:fontRef>
-        </p:style>
-      </p:cxnSp>
-      <p:cxnSp>
-        <p:nvCxnSpPr>
-          <p:cNvPr id="129" name="Соединительная линия уступом 128"/>
-          <p:cNvCxnSpPr>
-            <a:stCxn id="4" idx="3"/>
-            <a:endCxn id="11" idx="1"/>
-          </p:cNvCxnSpPr>
-          <p:nvPr/>
-        </p:nvCxnSpPr>
-        <p:spPr>
-          <a:xfrm flipV="1">
-            <a:off x="1763688" y="2492896"/>
-            <a:ext cx="792088" cy="288032"/>
-          </a:xfrm>
-          <a:prstGeom prst="bentConnector3">
-            <a:avLst>
-              <a:gd name="adj1" fmla="val 50000"/>
-            </a:avLst>
-          </a:prstGeom>
-          <a:ln w="19050">
-            <a:headEnd type="arrow"/>
-            <a:tailEnd type="arrow"/>
-          </a:ln>
-        </p:spPr>
-        <p:style>
-          <a:lnRef idx="1">
-            <a:schemeClr val="accent1"/>
-          </a:lnRef>
-          <a:fillRef idx="0">
-            <a:schemeClr val="accent1"/>
-          </a:fillRef>
-          <a:effectRef idx="0">
-            <a:schemeClr val="accent1"/>
-          </a:effectRef>
-          <a:fontRef idx="minor">
-            <a:schemeClr val="tx1"/>
-          </a:fontRef>
-        </p:style>
-      </p:cxnSp>
+            <a:endParaRPr lang="ru-RU"/>
+          </a:p>
+        </p:txBody>
+      </p:sp>
     </p:spTree>
   </p:cSld>
   <p:clrMapOvr>
@@ -8485,11 +9865,7 @@
           <a:bodyPr/>
           <a:lstStyle/>
           <a:p>
-            <a:r>
-              <a:rPr lang="ru-RU" dirty="0" smtClean="0"/>
-              <a:t>Вопросы?</a:t>
-            </a:r>
-            <a:endParaRPr lang="ru-RU" dirty="0"/>
+            <a:endParaRPr lang="ru-RU"/>
           </a:p>
         </p:txBody>
       </p:sp>
@@ -8509,6 +9885,100 @@
           <a:lstStyle/>
           <a:p>
             <a:endParaRPr lang="ru-RU"/>
+          </a:p>
+        </p:txBody>
+      </p:sp>
+    </p:spTree>
+  </p:cSld>
+  <p:clrMapOvr>
+    <a:masterClrMapping/>
+  </p:clrMapOvr>
+  <p:timing>
+    <p:tnLst>
+      <p:par>
+        <p:cTn id="1" dur="indefinite" restart="never" nodeType="tmRoot"/>
+      </p:par>
+    </p:tnLst>
+  </p:timing>
+</p:sld>
+</file>
+
+<file path=ppt/slides/slide9.xml><?xml version="1.0" encoding="utf-8"?>
+<p:sld xmlns:a="http://schemas.openxmlformats.org/drawingml/2006/main" xmlns:r="http://schemas.openxmlformats.org/officeDocument/2006/relationships" xmlns:p="http://schemas.openxmlformats.org/presentationml/2006/main">
+  <p:cSld>
+    <p:spTree>
+      <p:nvGrpSpPr>
+        <p:cNvPr id="1" name=""/>
+        <p:cNvGrpSpPr/>
+        <p:nvPr/>
+      </p:nvGrpSpPr>
+      <p:grpSpPr>
+        <a:xfrm>
+          <a:off x="0" y="0"/>
+          <a:ext cx="0" cy="0"/>
+          <a:chOff x="0" y="0"/>
+          <a:chExt cx="0" cy="0"/>
+        </a:xfrm>
+      </p:grpSpPr>
+      <p:sp>
+        <p:nvSpPr>
+          <p:cNvPr id="4" name="Заголовок 3"/>
+          <p:cNvSpPr>
+            <a:spLocks noGrp="1"/>
+          </p:cNvSpPr>
+          <p:nvPr>
+            <p:ph type="ctrTitle"/>
+          </p:nvPr>
+        </p:nvSpPr>
+        <p:spPr/>
+        <p:txBody>
+          <a:bodyPr/>
+          <a:lstStyle/>
+          <a:p>
+            <a:r>
+              <a:rPr lang="ru-RU" sz="3600" cap="none" dirty="0" smtClean="0"/>
+              <a:t>Виртуальный полигон для исследования динамики </a:t>
+            </a:r>
+            <a:r>
+              <a:rPr lang="ru-RU" sz="3600" cap="none" dirty="0" err="1" smtClean="0"/>
+              <a:t>четырехроторных</a:t>
+            </a:r>
+            <a:r>
+              <a:rPr lang="ru-RU" sz="3600" cap="none" dirty="0" smtClean="0"/>
+              <a:t> БПЛА</a:t>
+            </a:r>
+            <a:endParaRPr lang="ru-RU" sz="3600" cap="none" dirty="0"/>
+          </a:p>
+        </p:txBody>
+      </p:sp>
+      <p:sp>
+        <p:nvSpPr>
+          <p:cNvPr id="5" name="Подзаголовок 4"/>
+          <p:cNvSpPr>
+            <a:spLocks noGrp="1"/>
+          </p:cNvSpPr>
+          <p:nvPr>
+            <p:ph type="subTitle" idx="1"/>
+          </p:nvPr>
+        </p:nvSpPr>
+        <p:spPr/>
+        <p:txBody>
+          <a:bodyPr/>
+          <a:lstStyle/>
+          <a:p>
+            <a:r>
+              <a:rPr lang="ru-RU" dirty="0" smtClean="0"/>
+              <a:t>Александр </a:t>
+            </a:r>
+            <a:r>
+              <a:rPr lang="ru-RU" dirty="0" err="1" smtClean="0"/>
+              <a:t>Загарских</a:t>
+            </a:r>
+            <a:r>
+              <a:rPr lang="ru-RU" dirty="0" smtClean="0"/>
+              <a:t>, студент СПб НИУ ИТМО</a:t>
+            </a:r>
+            <a:endParaRPr lang="ru-RU" dirty="0"/>
           </a:p>
         </p:txBody>
       </p:sp>

--- a/trunk/Docs/Medias2012.pptx
+++ b/trunk/Docs/Medias2012.pptx
@@ -15,11 +15,19 @@
     <p:sldId id="267" r:id="rId9"/>
     <p:sldId id="270" r:id="rId10"/>
     <p:sldId id="262" r:id="rId11"/>
-    <p:sldId id="272" r:id="rId12"/>
-    <p:sldId id="273" r:id="rId13"/>
-    <p:sldId id="274" r:id="rId14"/>
+    <p:sldId id="274" r:id="rId12"/>
+    <p:sldId id="272" r:id="rId13"/>
+    <p:sldId id="273" r:id="rId14"/>
     <p:sldId id="268" r:id="rId15"/>
-    <p:sldId id="259" r:id="rId16"/>
+    <p:sldId id="275" r:id="rId16"/>
+    <p:sldId id="276" r:id="rId17"/>
+    <p:sldId id="277" r:id="rId18"/>
+    <p:sldId id="279" r:id="rId19"/>
+    <p:sldId id="280" r:id="rId20"/>
+    <p:sldId id="281" r:id="rId21"/>
+    <p:sldId id="282" r:id="rId22"/>
+    <p:sldId id="278" r:id="rId23"/>
+    <p:sldId id="259" r:id="rId24"/>
   </p:sldIdLst>
   <p:sldSz cx="9144000" cy="6858000" type="screen4x3"/>
   <p:notesSz cx="6858000" cy="9144000"/>
@@ -6853,52 +6861,887 @@
           <a:lstStyle/>
           <a:p>
             <a:r>
-              <a:rPr lang="ru-RU" sz="2800" dirty="0" smtClean="0"/>
-              <a:t>Модель </a:t>
-            </a:r>
-            <a:r>
-              <a:rPr lang="ru-RU" sz="2800" dirty="0" smtClean="0"/>
-              <a:t>4Р-БПЛА </a:t>
-            </a:r>
-            <a:r>
-              <a:rPr lang="ru-RU" sz="2800" dirty="0" smtClean="0"/>
-              <a:t>как твердого тела с 6 степенями свободы</a:t>
-            </a:r>
-            <a:endParaRPr lang="ru-RU" sz="2800" dirty="0"/>
-          </a:p>
-        </p:txBody>
-      </p:sp>
-      <p:sp>
-        <p:nvSpPr>
-          <p:cNvPr id="3" name="Объект 2"/>
-          <p:cNvSpPr>
-            <a:spLocks noGrp="1"/>
-          </p:cNvSpPr>
-          <p:nvPr>
-            <p:ph sz="quarter" idx="4294967295"/>
-          </p:nvPr>
+              <a:rPr lang="ru-RU" sz="3200" dirty="0" smtClean="0"/>
+              <a:t>Архитектура виртуального полигона</a:t>
+            </a:r>
+            <a:endParaRPr lang="ru-RU" sz="3200" dirty="0"/>
+          </a:p>
+        </p:txBody>
+      </p:sp>
+      <p:sp>
+        <p:nvSpPr>
+          <p:cNvPr id="4" name="Прямоугольник 3"/>
+          <p:cNvSpPr/>
+          <p:nvPr/>
         </p:nvSpPr>
         <p:spPr>
           <a:xfrm>
-            <a:off x="609600" y="1600200"/>
-            <a:ext cx="7924800" cy="4114800"/>
+            <a:off x="4355976" y="5589240"/>
+            <a:ext cx="2232248" cy="936104"/>
           </a:xfrm>
           <a:prstGeom prst="rect">
             <a:avLst/>
           </a:prstGeom>
         </p:spPr>
-        <p:txBody>
-          <a:bodyPr/>
+        <p:style>
+          <a:lnRef idx="3">
+            <a:schemeClr val="lt1"/>
+          </a:lnRef>
+          <a:fillRef idx="1">
+            <a:schemeClr val="accent1"/>
+          </a:fillRef>
+          <a:effectRef idx="1">
+            <a:schemeClr val="accent1"/>
+          </a:effectRef>
+          <a:fontRef idx="minor">
+            <a:schemeClr val="lt1"/>
+          </a:fontRef>
+        </p:style>
+        <p:txBody>
+          <a:bodyPr rtlCol="0" anchor="ctr"/>
           <a:lstStyle/>
           <a:p>
-            <a:endParaRPr lang="ru-RU" dirty="0"/>
+            <a:pPr algn="ctr"/>
+            <a:r>
+              <a:rPr lang="ru-RU" dirty="0" smtClean="0">
+                <a:solidFill>
+                  <a:schemeClr val="bg1"/>
+                </a:solidFill>
+              </a:rPr>
+              <a:t>Модель аэродинамического взаимодействия</a:t>
+            </a:r>
+            <a:endParaRPr lang="ru-RU" dirty="0">
+              <a:solidFill>
+                <a:schemeClr val="bg1"/>
+              </a:solidFill>
+            </a:endParaRPr>
+          </a:p>
+        </p:txBody>
+      </p:sp>
+      <p:sp>
+        <p:nvSpPr>
+          <p:cNvPr id="5" name="Прямоугольник 4"/>
+          <p:cNvSpPr/>
+          <p:nvPr/>
+        </p:nvSpPr>
+        <p:spPr>
+          <a:xfrm>
+            <a:off x="6660232" y="5589240"/>
+            <a:ext cx="2232248" cy="936104"/>
+          </a:xfrm>
+          <a:prstGeom prst="rect">
+            <a:avLst/>
+          </a:prstGeom>
+        </p:spPr>
+        <p:style>
+          <a:lnRef idx="3">
+            <a:schemeClr val="lt1"/>
+          </a:lnRef>
+          <a:fillRef idx="1">
+            <a:schemeClr val="accent1"/>
+          </a:fillRef>
+          <a:effectRef idx="1">
+            <a:schemeClr val="accent1"/>
+          </a:effectRef>
+          <a:fontRef idx="minor">
+            <a:schemeClr val="lt1"/>
+          </a:fontRef>
+        </p:style>
+        <p:txBody>
+          <a:bodyPr rtlCol="0" anchor="ctr"/>
+          <a:lstStyle/>
+          <a:p>
+            <a:pPr algn="ctr"/>
+            <a:r>
+              <a:rPr lang="ru-RU" dirty="0" smtClean="0">
+                <a:solidFill>
+                  <a:schemeClr val="bg1"/>
+                </a:solidFill>
+              </a:rPr>
+              <a:t>Модель </a:t>
+            </a:r>
+            <a:r>
+              <a:rPr lang="ru-RU" dirty="0" err="1" smtClean="0">
+                <a:solidFill>
+                  <a:schemeClr val="bg1"/>
+                </a:solidFill>
+              </a:rPr>
+              <a:t>тв</a:t>
+            </a:r>
+            <a:r>
+              <a:rPr lang="ru-RU" dirty="0" smtClean="0">
+                <a:solidFill>
+                  <a:schemeClr val="bg1"/>
+                </a:solidFill>
+              </a:rPr>
+              <a:t>. </a:t>
+            </a:r>
+            <a:r>
+              <a:rPr lang="ru-RU" dirty="0" smtClean="0">
+                <a:solidFill>
+                  <a:schemeClr val="bg1"/>
+                </a:solidFill>
+              </a:rPr>
+              <a:t>т</a:t>
+            </a:r>
+            <a:r>
+              <a:rPr lang="ru-RU" dirty="0" smtClean="0">
+                <a:solidFill>
+                  <a:schemeClr val="bg1"/>
+                </a:solidFill>
+              </a:rPr>
+              <a:t>ела</a:t>
+            </a:r>
+          </a:p>
+          <a:p>
+            <a:pPr algn="ctr"/>
+            <a:r>
+              <a:rPr lang="ru-RU" dirty="0" smtClean="0">
+                <a:solidFill>
+                  <a:schemeClr val="bg1"/>
+                </a:solidFill>
+              </a:rPr>
+              <a:t>6-</a:t>
+            </a:r>
+            <a:r>
+              <a:rPr lang="en-US" dirty="0" smtClean="0">
+                <a:solidFill>
+                  <a:schemeClr val="bg1"/>
+                </a:solidFill>
+              </a:rPr>
+              <a:t>DOF</a:t>
+            </a:r>
+            <a:endParaRPr lang="ru-RU" dirty="0">
+              <a:solidFill>
+                <a:schemeClr val="bg1"/>
+              </a:solidFill>
+            </a:endParaRPr>
+          </a:p>
+        </p:txBody>
+      </p:sp>
+      <p:sp>
+        <p:nvSpPr>
+          <p:cNvPr id="6" name="Прямоугольник 5"/>
+          <p:cNvSpPr/>
+          <p:nvPr/>
+        </p:nvSpPr>
+        <p:spPr>
+          <a:xfrm>
+            <a:off x="611560" y="1268760"/>
+            <a:ext cx="1440160" cy="1440160"/>
+          </a:xfrm>
+          <a:prstGeom prst="rect">
+            <a:avLst/>
+          </a:prstGeom>
+        </p:spPr>
+        <p:style>
+          <a:lnRef idx="3">
+            <a:schemeClr val="lt1"/>
+          </a:lnRef>
+          <a:fillRef idx="1">
+            <a:schemeClr val="accent1"/>
+          </a:fillRef>
+          <a:effectRef idx="1">
+            <a:schemeClr val="accent1"/>
+          </a:effectRef>
+          <a:fontRef idx="minor">
+            <a:schemeClr val="lt1"/>
+          </a:fontRef>
+        </p:style>
+        <p:txBody>
+          <a:bodyPr rtlCol="0" anchor="ctr"/>
+          <a:lstStyle/>
+          <a:p>
+            <a:pPr algn="ctr"/>
+            <a:r>
+              <a:rPr lang="ru-RU" dirty="0" smtClean="0">
+                <a:solidFill>
+                  <a:schemeClr val="bg1"/>
+                </a:solidFill>
+              </a:rPr>
+              <a:t>Система </a:t>
+            </a:r>
+            <a:r>
+              <a:rPr lang="ru-RU" dirty="0" err="1" smtClean="0">
+                <a:solidFill>
+                  <a:schemeClr val="bg1"/>
+                </a:solidFill>
+              </a:rPr>
+              <a:t>оптическогозахвата</a:t>
+            </a:r>
+            <a:r>
+              <a:rPr lang="ru-RU" dirty="0" smtClean="0">
+                <a:solidFill>
+                  <a:schemeClr val="bg1"/>
+                </a:solidFill>
+              </a:rPr>
+              <a:t> движения</a:t>
+            </a:r>
+            <a:endParaRPr lang="ru-RU" dirty="0">
+              <a:solidFill>
+                <a:schemeClr val="bg1"/>
+              </a:solidFill>
+            </a:endParaRPr>
+          </a:p>
+        </p:txBody>
+      </p:sp>
+      <p:sp>
+        <p:nvSpPr>
+          <p:cNvPr id="7" name="Прямоугольник 6"/>
+          <p:cNvSpPr/>
+          <p:nvPr/>
+        </p:nvSpPr>
+        <p:spPr>
+          <a:xfrm>
+            <a:off x="4355976" y="4581128"/>
+            <a:ext cx="2232248" cy="936104"/>
+          </a:xfrm>
+          <a:prstGeom prst="rect">
+            <a:avLst/>
+          </a:prstGeom>
+        </p:spPr>
+        <p:style>
+          <a:lnRef idx="3">
+            <a:schemeClr val="lt1"/>
+          </a:lnRef>
+          <a:fillRef idx="1">
+            <a:schemeClr val="accent1"/>
+          </a:fillRef>
+          <a:effectRef idx="1">
+            <a:schemeClr val="accent1"/>
+          </a:effectRef>
+          <a:fontRef idx="minor">
+            <a:schemeClr val="lt1"/>
+          </a:fontRef>
+        </p:style>
+        <p:txBody>
+          <a:bodyPr rtlCol="0" anchor="ctr"/>
+          <a:lstStyle/>
+          <a:p>
+            <a:pPr algn="ctr"/>
+            <a:r>
+              <a:rPr lang="ru-RU" dirty="0" smtClean="0">
+                <a:solidFill>
+                  <a:schemeClr val="bg1"/>
+                </a:solidFill>
+              </a:rPr>
+              <a:t>Модель функционирования </a:t>
+            </a:r>
+            <a:r>
+              <a:rPr lang="en-US" dirty="0" smtClean="0">
+                <a:solidFill>
+                  <a:schemeClr val="bg1"/>
+                </a:solidFill>
+              </a:rPr>
+              <a:t>IMU </a:t>
+            </a:r>
+            <a:r>
+              <a:rPr lang="ru-RU" dirty="0" smtClean="0">
+                <a:solidFill>
+                  <a:schemeClr val="bg1"/>
+                </a:solidFill>
+              </a:rPr>
+              <a:t>сенсоров</a:t>
+            </a:r>
+            <a:endParaRPr lang="ru-RU" dirty="0">
+              <a:solidFill>
+                <a:schemeClr val="bg1"/>
+              </a:solidFill>
+            </a:endParaRPr>
+          </a:p>
+        </p:txBody>
+      </p:sp>
+      <p:sp>
+        <p:nvSpPr>
+          <p:cNvPr id="8" name="Прямоугольник 7"/>
+          <p:cNvSpPr/>
+          <p:nvPr/>
+        </p:nvSpPr>
+        <p:spPr>
+          <a:xfrm>
+            <a:off x="6660232" y="4581128"/>
+            <a:ext cx="2232248" cy="936104"/>
+          </a:xfrm>
+          <a:prstGeom prst="rect">
+            <a:avLst/>
+          </a:prstGeom>
+        </p:spPr>
+        <p:style>
+          <a:lnRef idx="3">
+            <a:schemeClr val="lt1"/>
+          </a:lnRef>
+          <a:fillRef idx="1">
+            <a:schemeClr val="accent1"/>
+          </a:fillRef>
+          <a:effectRef idx="1">
+            <a:schemeClr val="accent1"/>
+          </a:effectRef>
+          <a:fontRef idx="minor">
+            <a:schemeClr val="lt1"/>
+          </a:fontRef>
+        </p:style>
+        <p:txBody>
+          <a:bodyPr rtlCol="0" anchor="ctr"/>
+          <a:lstStyle/>
+          <a:p>
+            <a:pPr algn="ctr"/>
+            <a:r>
+              <a:rPr lang="ru-RU" dirty="0" smtClean="0">
+                <a:solidFill>
+                  <a:schemeClr val="bg1"/>
+                </a:solidFill>
+              </a:rPr>
+              <a:t>Модель</a:t>
+            </a:r>
+          </a:p>
+          <a:p>
+            <a:pPr algn="ctr"/>
+            <a:r>
+              <a:rPr lang="ru-RU" dirty="0" smtClean="0">
+                <a:solidFill>
+                  <a:schemeClr val="bg1"/>
+                </a:solidFill>
+              </a:rPr>
+              <a:t>аэродинамического</a:t>
+            </a:r>
+          </a:p>
+          <a:p>
+            <a:pPr algn="ctr"/>
+            <a:r>
+              <a:rPr lang="ru-RU" dirty="0" err="1" smtClean="0">
+                <a:solidFill>
+                  <a:schemeClr val="bg1"/>
+                </a:solidFill>
+              </a:rPr>
+              <a:t>движетеля</a:t>
+            </a:r>
+            <a:endParaRPr lang="ru-RU" dirty="0">
+              <a:solidFill>
+                <a:schemeClr val="bg1"/>
+              </a:solidFill>
+            </a:endParaRPr>
+          </a:p>
+        </p:txBody>
+      </p:sp>
+      <p:sp>
+        <p:nvSpPr>
+          <p:cNvPr id="9" name="Прямоугольник 8"/>
+          <p:cNvSpPr/>
+          <p:nvPr/>
+        </p:nvSpPr>
+        <p:spPr>
+          <a:xfrm>
+            <a:off x="6660232" y="3573016"/>
+            <a:ext cx="2232248" cy="936104"/>
+          </a:xfrm>
+          <a:prstGeom prst="rect">
+            <a:avLst/>
+          </a:prstGeom>
+        </p:spPr>
+        <p:style>
+          <a:lnRef idx="3">
+            <a:schemeClr val="lt1"/>
+          </a:lnRef>
+          <a:fillRef idx="1">
+            <a:schemeClr val="accent1"/>
+          </a:fillRef>
+          <a:effectRef idx="1">
+            <a:schemeClr val="accent1"/>
+          </a:effectRef>
+          <a:fontRef idx="minor">
+            <a:schemeClr val="lt1"/>
+          </a:fontRef>
+        </p:style>
+        <p:txBody>
+          <a:bodyPr rtlCol="0" anchor="ctr"/>
+          <a:lstStyle/>
+          <a:p>
+            <a:pPr algn="ctr"/>
+            <a:r>
+              <a:rPr lang="ru-RU" dirty="0" smtClean="0">
+                <a:solidFill>
+                  <a:schemeClr val="bg1"/>
+                </a:solidFill>
+              </a:rPr>
+              <a:t>Модель</a:t>
+            </a:r>
+          </a:p>
+          <a:p>
+            <a:pPr algn="ctr"/>
+            <a:r>
+              <a:rPr lang="ru-RU" dirty="0" smtClean="0">
+                <a:solidFill>
+                  <a:schemeClr val="bg1"/>
+                </a:solidFill>
+              </a:rPr>
+              <a:t>видеокамеры</a:t>
+            </a:r>
+            <a:endParaRPr lang="ru-RU" dirty="0">
+              <a:solidFill>
+                <a:schemeClr val="bg1"/>
+              </a:solidFill>
+            </a:endParaRPr>
+          </a:p>
+        </p:txBody>
+      </p:sp>
+      <p:sp>
+        <p:nvSpPr>
+          <p:cNvPr id="10" name="Прямоугольник 9"/>
+          <p:cNvSpPr/>
+          <p:nvPr/>
+        </p:nvSpPr>
+        <p:spPr>
+          <a:xfrm>
+            <a:off x="4355976" y="3573016"/>
+            <a:ext cx="2232248" cy="936104"/>
+          </a:xfrm>
+          <a:prstGeom prst="rect">
+            <a:avLst/>
+          </a:prstGeom>
+        </p:spPr>
+        <p:style>
+          <a:lnRef idx="3">
+            <a:schemeClr val="lt1"/>
+          </a:lnRef>
+          <a:fillRef idx="1">
+            <a:schemeClr val="accent1"/>
+          </a:fillRef>
+          <a:effectRef idx="1">
+            <a:schemeClr val="accent1"/>
+          </a:effectRef>
+          <a:fontRef idx="minor">
+            <a:schemeClr val="lt1"/>
+          </a:fontRef>
+        </p:style>
+        <p:txBody>
+          <a:bodyPr rtlCol="0" anchor="ctr"/>
+          <a:lstStyle/>
+          <a:p>
+            <a:pPr algn="ctr"/>
+            <a:r>
+              <a:rPr lang="ru-RU" dirty="0" smtClean="0">
+                <a:solidFill>
+                  <a:schemeClr val="bg1"/>
+                </a:solidFill>
+              </a:rPr>
+              <a:t>Модель</a:t>
+            </a:r>
+          </a:p>
+          <a:p>
+            <a:pPr algn="ctr"/>
+            <a:r>
+              <a:rPr lang="ru-RU" dirty="0" smtClean="0">
+                <a:solidFill>
+                  <a:schemeClr val="bg1"/>
+                </a:solidFill>
+              </a:rPr>
+              <a:t>с</a:t>
+            </a:r>
+            <a:r>
+              <a:rPr lang="ru-RU" dirty="0" smtClean="0">
+                <a:solidFill>
+                  <a:schemeClr val="bg1"/>
+                </a:solidFill>
+              </a:rPr>
+              <a:t>истемы стабилизации</a:t>
+            </a:r>
+            <a:endParaRPr lang="ru-RU" dirty="0">
+              <a:solidFill>
+                <a:schemeClr val="bg1"/>
+              </a:solidFill>
+            </a:endParaRPr>
+          </a:p>
+        </p:txBody>
+      </p:sp>
+      <p:sp>
+        <p:nvSpPr>
+          <p:cNvPr id="15" name="Прямоугольник 14"/>
+          <p:cNvSpPr/>
+          <p:nvPr/>
+        </p:nvSpPr>
+        <p:spPr>
+          <a:xfrm>
+            <a:off x="611560" y="2780928"/>
+            <a:ext cx="1440160" cy="1440160"/>
+          </a:xfrm>
+          <a:prstGeom prst="rect">
+            <a:avLst/>
+          </a:prstGeom>
+        </p:spPr>
+        <p:style>
+          <a:lnRef idx="3">
+            <a:schemeClr val="lt1"/>
+          </a:lnRef>
+          <a:fillRef idx="1">
+            <a:schemeClr val="accent1"/>
+          </a:fillRef>
+          <a:effectRef idx="1">
+            <a:schemeClr val="accent1"/>
+          </a:effectRef>
+          <a:fontRef idx="minor">
+            <a:schemeClr val="lt1"/>
+          </a:fontRef>
+        </p:style>
+        <p:txBody>
+          <a:bodyPr rtlCol="0" anchor="ctr"/>
+          <a:lstStyle/>
+          <a:p>
+            <a:pPr algn="ctr"/>
+            <a:r>
+              <a:rPr lang="ru-RU" dirty="0" smtClean="0">
+                <a:solidFill>
+                  <a:schemeClr val="bg1"/>
+                </a:solidFill>
+              </a:rPr>
+              <a:t>Телеметрия</a:t>
+            </a:r>
+          </a:p>
+          <a:p>
+            <a:pPr algn="ctr"/>
+            <a:r>
+              <a:rPr lang="ru-RU" dirty="0" smtClean="0">
+                <a:solidFill>
+                  <a:schemeClr val="bg1"/>
+                </a:solidFill>
+              </a:rPr>
+              <a:t>БПЛА</a:t>
+            </a:r>
+            <a:endParaRPr lang="ru-RU" dirty="0">
+              <a:solidFill>
+                <a:schemeClr val="bg1"/>
+              </a:solidFill>
+            </a:endParaRPr>
+          </a:p>
+        </p:txBody>
+      </p:sp>
+      <p:sp>
+        <p:nvSpPr>
+          <p:cNvPr id="16" name="Прямоугольник 15"/>
+          <p:cNvSpPr/>
+          <p:nvPr/>
+        </p:nvSpPr>
+        <p:spPr>
+          <a:xfrm>
+            <a:off x="6660232" y="1268760"/>
+            <a:ext cx="2232248" cy="936104"/>
+          </a:xfrm>
+          <a:prstGeom prst="rect">
+            <a:avLst/>
+          </a:prstGeom>
+        </p:spPr>
+        <p:style>
+          <a:lnRef idx="3">
+            <a:schemeClr val="lt1"/>
+          </a:lnRef>
+          <a:fillRef idx="1">
+            <a:schemeClr val="accent1"/>
+          </a:fillRef>
+          <a:effectRef idx="1">
+            <a:schemeClr val="accent1"/>
+          </a:effectRef>
+          <a:fontRef idx="minor">
+            <a:schemeClr val="lt1"/>
+          </a:fontRef>
+        </p:style>
+        <p:txBody>
+          <a:bodyPr rtlCol="0" anchor="ctr"/>
+          <a:lstStyle/>
+          <a:p>
+            <a:pPr algn="ctr"/>
+            <a:r>
+              <a:rPr lang="ru-RU" dirty="0" smtClean="0">
+                <a:solidFill>
+                  <a:schemeClr val="bg1"/>
+                </a:solidFill>
+              </a:rPr>
+              <a:t>Средства </a:t>
+            </a:r>
+          </a:p>
+          <a:p>
+            <a:pPr algn="ctr"/>
+            <a:r>
+              <a:rPr lang="ru-RU" dirty="0" err="1" smtClean="0">
+                <a:solidFill>
+                  <a:schemeClr val="bg1"/>
+                </a:solidFill>
+              </a:rPr>
+              <a:t>журналирования</a:t>
+            </a:r>
+            <a:r>
+              <a:rPr lang="ru-RU" dirty="0" smtClean="0">
+                <a:solidFill>
+                  <a:schemeClr val="bg1"/>
+                </a:solidFill>
+              </a:rPr>
+              <a:t> </a:t>
+            </a:r>
+          </a:p>
+          <a:p>
+            <a:pPr algn="ctr"/>
+            <a:r>
+              <a:rPr lang="ru-RU" dirty="0" smtClean="0">
+                <a:solidFill>
+                  <a:schemeClr val="bg1"/>
+                </a:solidFill>
+              </a:rPr>
+              <a:t>и анализа</a:t>
+            </a:r>
+            <a:endParaRPr lang="ru-RU" dirty="0">
+              <a:solidFill>
+                <a:schemeClr val="bg1"/>
+              </a:solidFill>
+            </a:endParaRPr>
+          </a:p>
+        </p:txBody>
+      </p:sp>
+      <p:sp>
+        <p:nvSpPr>
+          <p:cNvPr id="17" name="Прямоугольник 16"/>
+          <p:cNvSpPr/>
+          <p:nvPr/>
+        </p:nvSpPr>
+        <p:spPr>
+          <a:xfrm>
+            <a:off x="3131840" y="1268760"/>
+            <a:ext cx="2160240" cy="2016224"/>
+          </a:xfrm>
+          <a:prstGeom prst="rect">
+            <a:avLst/>
+          </a:prstGeom>
+        </p:spPr>
+        <p:style>
+          <a:lnRef idx="3">
+            <a:schemeClr val="lt1"/>
+          </a:lnRef>
+          <a:fillRef idx="1">
+            <a:schemeClr val="accent1"/>
+          </a:fillRef>
+          <a:effectRef idx="1">
+            <a:schemeClr val="accent1"/>
+          </a:effectRef>
+          <a:fontRef idx="minor">
+            <a:schemeClr val="lt1"/>
+          </a:fontRef>
+        </p:style>
+        <p:txBody>
+          <a:bodyPr rtlCol="0" anchor="ctr"/>
+          <a:lstStyle/>
+          <a:p>
+            <a:pPr algn="ctr"/>
+            <a:r>
+              <a:rPr lang="ru-RU" b="1" dirty="0" smtClean="0">
+                <a:solidFill>
+                  <a:schemeClr val="bg1"/>
+                </a:solidFill>
+              </a:rPr>
+              <a:t>Система управления</a:t>
+            </a:r>
+          </a:p>
+          <a:p>
+            <a:r>
+              <a:rPr lang="ru-RU" dirty="0" smtClean="0">
+                <a:solidFill>
+                  <a:schemeClr val="bg1"/>
+                </a:solidFill>
+              </a:rPr>
+              <a:t>	- ручное</a:t>
+            </a:r>
+          </a:p>
+          <a:p>
+            <a:r>
+              <a:rPr lang="ru-RU" dirty="0" smtClean="0">
+                <a:solidFill>
+                  <a:schemeClr val="bg1"/>
+                </a:solidFill>
+              </a:rPr>
+              <a:t>	- авто</a:t>
+            </a:r>
+          </a:p>
+          <a:p>
+            <a:r>
+              <a:rPr lang="ru-RU" dirty="0" smtClean="0">
+                <a:solidFill>
+                  <a:schemeClr val="bg1"/>
+                </a:solidFill>
+              </a:rPr>
+              <a:t>	</a:t>
+            </a:r>
+            <a:r>
+              <a:rPr lang="ru-RU" dirty="0" smtClean="0">
+                <a:solidFill>
+                  <a:schemeClr val="bg1"/>
+                </a:solidFill>
+              </a:rPr>
+              <a:t>- групп.</a:t>
+            </a:r>
+            <a:endParaRPr lang="ru-RU" dirty="0">
+              <a:solidFill>
+                <a:schemeClr val="bg1"/>
+              </a:solidFill>
+            </a:endParaRPr>
+          </a:p>
+        </p:txBody>
+      </p:sp>
+      <p:sp>
+        <p:nvSpPr>
+          <p:cNvPr id="41" name="Стрелка вправо 40"/>
+          <p:cNvSpPr/>
+          <p:nvPr/>
+        </p:nvSpPr>
+        <p:spPr>
+          <a:xfrm>
+            <a:off x="2123728" y="2060848"/>
+            <a:ext cx="936104" cy="216024"/>
+          </a:xfrm>
+          <a:prstGeom prst="rightArrow">
+            <a:avLst/>
+          </a:prstGeom>
+        </p:spPr>
+        <p:style>
+          <a:lnRef idx="3">
+            <a:schemeClr val="lt1"/>
+          </a:lnRef>
+          <a:fillRef idx="1">
+            <a:schemeClr val="accent1"/>
+          </a:fillRef>
+          <a:effectRef idx="1">
+            <a:schemeClr val="accent1"/>
+          </a:effectRef>
+          <a:fontRef idx="minor">
+            <a:schemeClr val="lt1"/>
+          </a:fontRef>
+        </p:style>
+        <p:txBody>
+          <a:bodyPr rtlCol="0" anchor="ctr"/>
+          <a:lstStyle/>
+          <a:p>
+            <a:pPr algn="ctr"/>
+            <a:endParaRPr lang="ru-RU"/>
+          </a:p>
+        </p:txBody>
+      </p:sp>
+      <p:sp>
+        <p:nvSpPr>
+          <p:cNvPr id="42" name="Стрелка вправо 41"/>
+          <p:cNvSpPr/>
+          <p:nvPr/>
+        </p:nvSpPr>
+        <p:spPr>
+          <a:xfrm>
+            <a:off x="2123728" y="2924944"/>
+            <a:ext cx="936104" cy="216024"/>
+          </a:xfrm>
+          <a:prstGeom prst="rightArrow">
+            <a:avLst/>
+          </a:prstGeom>
+        </p:spPr>
+        <p:style>
+          <a:lnRef idx="3">
+            <a:schemeClr val="lt1"/>
+          </a:lnRef>
+          <a:fillRef idx="1">
+            <a:schemeClr val="accent1"/>
+          </a:fillRef>
+          <a:effectRef idx="1">
+            <a:schemeClr val="accent1"/>
+          </a:effectRef>
+          <a:fontRef idx="minor">
+            <a:schemeClr val="lt1"/>
+          </a:fontRef>
+        </p:style>
+        <p:txBody>
+          <a:bodyPr rtlCol="0" anchor="ctr"/>
+          <a:lstStyle/>
+          <a:p>
+            <a:pPr algn="ctr"/>
+            <a:endParaRPr lang="ru-RU"/>
+          </a:p>
+        </p:txBody>
+      </p:sp>
+      <p:sp>
+        <p:nvSpPr>
+          <p:cNvPr id="43" name="Стрелка вправо 42"/>
+          <p:cNvSpPr/>
+          <p:nvPr/>
+        </p:nvSpPr>
+        <p:spPr>
+          <a:xfrm>
+            <a:off x="5364088" y="1628800"/>
+            <a:ext cx="1224136" cy="216024"/>
+          </a:xfrm>
+          <a:prstGeom prst="rightArrow">
+            <a:avLst/>
+          </a:prstGeom>
+        </p:spPr>
+        <p:style>
+          <a:lnRef idx="3">
+            <a:schemeClr val="lt1"/>
+          </a:lnRef>
+          <a:fillRef idx="1">
+            <a:schemeClr val="accent1"/>
+          </a:fillRef>
+          <a:effectRef idx="1">
+            <a:schemeClr val="accent1"/>
+          </a:effectRef>
+          <a:fontRef idx="minor">
+            <a:schemeClr val="lt1"/>
+          </a:fontRef>
+        </p:style>
+        <p:txBody>
+          <a:bodyPr rtlCol="0" anchor="ctr"/>
+          <a:lstStyle/>
+          <a:p>
+            <a:pPr algn="ctr"/>
+            <a:endParaRPr lang="ru-RU"/>
+          </a:p>
+        </p:txBody>
+      </p:sp>
+      <p:sp>
+        <p:nvSpPr>
+          <p:cNvPr id="44" name="Двойная стрелка влево/вверх 43"/>
+          <p:cNvSpPr/>
+          <p:nvPr/>
+        </p:nvSpPr>
+        <p:spPr>
+          <a:xfrm rot="16200000">
+            <a:off x="5220072" y="2420888"/>
+            <a:ext cx="1152128" cy="864096"/>
+          </a:xfrm>
+          <a:prstGeom prst="leftUpArrow">
+            <a:avLst>
+              <a:gd name="adj1" fmla="val 11980"/>
+              <a:gd name="adj2" fmla="val 11523"/>
+              <a:gd name="adj3" fmla="val 13020"/>
+            </a:avLst>
+          </a:prstGeom>
+        </p:spPr>
+        <p:style>
+          <a:lnRef idx="3">
+            <a:schemeClr val="lt1"/>
+          </a:lnRef>
+          <a:fillRef idx="1">
+            <a:schemeClr val="accent1"/>
+          </a:fillRef>
+          <a:effectRef idx="1">
+            <a:schemeClr val="accent1"/>
+          </a:effectRef>
+          <a:fontRef idx="minor">
+            <a:schemeClr val="lt1"/>
+          </a:fontRef>
+        </p:style>
+        <p:txBody>
+          <a:bodyPr rtlCol="0" anchor="ctr"/>
+          <a:lstStyle/>
+          <a:p>
+            <a:pPr algn="ctr"/>
+            <a:endParaRPr lang="ru-RU"/>
           </a:p>
         </p:txBody>
       </p:sp>
     </p:spTree>
     <p:extLst>
       <p:ext uri="{BB962C8B-B14F-4D97-AF65-F5344CB8AC3E}">
-        <p14:creationId xmlns:p14="http://schemas.microsoft.com/office/powerpoint/2010/main" xmlns="" val="3609528446"/>
+        <p14:creationId xmlns:p14="http://schemas.microsoft.com/office/powerpoint/2010/main" xmlns="" val="1550165570"/>
       </p:ext>
     </p:extLst>
   </p:cSld>
@@ -6948,14 +7791,18 @@
           <a:lstStyle/>
           <a:p>
             <a:r>
-              <a:rPr lang="ru-RU" sz="3600" dirty="0" smtClean="0"/>
-              <a:t>Аэродинамическая модель </a:t>
-            </a:r>
-            <a:r>
-              <a:rPr lang="ru-RU" sz="3600" dirty="0" smtClean="0"/>
-              <a:t>4Р-БПЛА</a:t>
-            </a:r>
-            <a:endParaRPr lang="ru-RU" sz="3600" dirty="0"/>
+              <a:rPr lang="ru-RU" sz="2800" dirty="0" smtClean="0"/>
+              <a:t>Модель </a:t>
+            </a:r>
+            <a:r>
+              <a:rPr lang="ru-RU" sz="2800" dirty="0" smtClean="0"/>
+              <a:t>4Р-БПЛА </a:t>
+            </a:r>
+            <a:r>
+              <a:rPr lang="ru-RU" sz="2800" dirty="0" smtClean="0"/>
+              <a:t>как твердого тела с 6 степенями свободы</a:t>
+            </a:r>
+            <a:endParaRPr lang="ru-RU" sz="2800" dirty="0"/>
           </a:p>
         </p:txBody>
       </p:sp>
@@ -6982,14 +7829,14 @@
           <a:bodyPr/>
           <a:lstStyle/>
           <a:p>
-            <a:endParaRPr lang="ru-RU"/>
+            <a:endParaRPr lang="ru-RU" dirty="0"/>
           </a:p>
         </p:txBody>
       </p:sp>
     </p:spTree>
     <p:extLst>
       <p:ext uri="{BB962C8B-B14F-4D97-AF65-F5344CB8AC3E}">
-        <p14:creationId xmlns:p14="http://schemas.microsoft.com/office/powerpoint/2010/main" xmlns="" val="46958512"/>
+        <p14:creationId xmlns:p14="http://schemas.microsoft.com/office/powerpoint/2010/main" xmlns="" val="3609528446"/>
       </p:ext>
     </p:extLst>
   </p:cSld>
@@ -7039,879 +7886,36 @@
           <a:lstStyle/>
           <a:p>
             <a:r>
-              <a:rPr lang="ru-RU" sz="3200" dirty="0" smtClean="0"/>
-              <a:t>Архитектура виртуального полигона</a:t>
-            </a:r>
-            <a:endParaRPr lang="ru-RU" sz="3200" dirty="0"/>
-          </a:p>
-        </p:txBody>
-      </p:sp>
-      <p:sp>
-        <p:nvSpPr>
-          <p:cNvPr id="4" name="Прямоугольник 3"/>
-          <p:cNvSpPr/>
-          <p:nvPr/>
+              <a:rPr lang="ru-RU" sz="3600" dirty="0" smtClean="0"/>
+              <a:t>Модель аэродинамического взаимодействия</a:t>
+            </a:r>
+            <a:endParaRPr lang="ru-RU" sz="3600" dirty="0"/>
+          </a:p>
+        </p:txBody>
+      </p:sp>
+      <p:sp>
+        <p:nvSpPr>
+          <p:cNvPr id="3" name="Объект 2"/>
+          <p:cNvSpPr>
+            <a:spLocks noGrp="1"/>
+          </p:cNvSpPr>
+          <p:nvPr>
+            <p:ph sz="quarter" idx="4294967295"/>
+          </p:nvPr>
         </p:nvSpPr>
         <p:spPr>
           <a:xfrm>
-            <a:off x="4355976" y="5589240"/>
-            <a:ext cx="2232248" cy="936104"/>
+            <a:off x="609600" y="1600200"/>
+            <a:ext cx="7924800" cy="4114800"/>
           </a:xfrm>
           <a:prstGeom prst="rect">
             <a:avLst/>
           </a:prstGeom>
         </p:spPr>
-        <p:style>
-          <a:lnRef idx="3">
-            <a:schemeClr val="lt1"/>
-          </a:lnRef>
-          <a:fillRef idx="1">
-            <a:schemeClr val="accent1"/>
-          </a:fillRef>
-          <a:effectRef idx="1">
-            <a:schemeClr val="accent1"/>
-          </a:effectRef>
-          <a:fontRef idx="minor">
-            <a:schemeClr val="lt1"/>
-          </a:fontRef>
-        </p:style>
-        <p:txBody>
-          <a:bodyPr rtlCol="0" anchor="ctr"/>
+        <p:txBody>
+          <a:bodyPr/>
           <a:lstStyle/>
           <a:p>
-            <a:pPr algn="ctr"/>
-            <a:r>
-              <a:rPr lang="ru-RU" dirty="0" smtClean="0">
-                <a:solidFill>
-                  <a:schemeClr val="bg1"/>
-                </a:solidFill>
-              </a:rPr>
-              <a:t>Модель аэродинамического взаимодействия</a:t>
-            </a:r>
-            <a:endParaRPr lang="ru-RU" dirty="0">
-              <a:solidFill>
-                <a:schemeClr val="bg1"/>
-              </a:solidFill>
-            </a:endParaRPr>
-          </a:p>
-        </p:txBody>
-      </p:sp>
-      <p:sp>
-        <p:nvSpPr>
-          <p:cNvPr id="5" name="Прямоугольник 4"/>
-          <p:cNvSpPr/>
-          <p:nvPr/>
-        </p:nvSpPr>
-        <p:spPr>
-          <a:xfrm>
-            <a:off x="6660232" y="5589240"/>
-            <a:ext cx="2232248" cy="936104"/>
-          </a:xfrm>
-          <a:prstGeom prst="rect">
-            <a:avLst/>
-          </a:prstGeom>
-        </p:spPr>
-        <p:style>
-          <a:lnRef idx="3">
-            <a:schemeClr val="lt1"/>
-          </a:lnRef>
-          <a:fillRef idx="1">
-            <a:schemeClr val="accent1"/>
-          </a:fillRef>
-          <a:effectRef idx="1">
-            <a:schemeClr val="accent1"/>
-          </a:effectRef>
-          <a:fontRef idx="minor">
-            <a:schemeClr val="lt1"/>
-          </a:fontRef>
-        </p:style>
-        <p:txBody>
-          <a:bodyPr rtlCol="0" anchor="ctr"/>
-          <a:lstStyle/>
-          <a:p>
-            <a:pPr algn="ctr"/>
-            <a:r>
-              <a:rPr lang="ru-RU" dirty="0" smtClean="0">
-                <a:solidFill>
-                  <a:schemeClr val="bg1"/>
-                </a:solidFill>
-              </a:rPr>
-              <a:t>Модель </a:t>
-            </a:r>
-            <a:r>
-              <a:rPr lang="ru-RU" dirty="0" err="1" smtClean="0">
-                <a:solidFill>
-                  <a:schemeClr val="bg1"/>
-                </a:solidFill>
-              </a:rPr>
-              <a:t>тв</a:t>
-            </a:r>
-            <a:r>
-              <a:rPr lang="ru-RU" dirty="0" smtClean="0">
-                <a:solidFill>
-                  <a:schemeClr val="bg1"/>
-                </a:solidFill>
-              </a:rPr>
-              <a:t>. </a:t>
-            </a:r>
-            <a:r>
-              <a:rPr lang="ru-RU" dirty="0" smtClean="0">
-                <a:solidFill>
-                  <a:schemeClr val="bg1"/>
-                </a:solidFill>
-              </a:rPr>
-              <a:t>т</a:t>
-            </a:r>
-            <a:r>
-              <a:rPr lang="ru-RU" dirty="0" smtClean="0">
-                <a:solidFill>
-                  <a:schemeClr val="bg1"/>
-                </a:solidFill>
-              </a:rPr>
-              <a:t>ела</a:t>
-            </a:r>
-          </a:p>
-          <a:p>
-            <a:pPr algn="ctr"/>
-            <a:r>
-              <a:rPr lang="ru-RU" dirty="0" smtClean="0">
-                <a:solidFill>
-                  <a:schemeClr val="bg1"/>
-                </a:solidFill>
-              </a:rPr>
-              <a:t>6-</a:t>
-            </a:r>
-            <a:r>
-              <a:rPr lang="en-US" dirty="0" smtClean="0">
-                <a:solidFill>
-                  <a:schemeClr val="bg1"/>
-                </a:solidFill>
-              </a:rPr>
-              <a:t>DOF</a:t>
-            </a:r>
-            <a:endParaRPr lang="ru-RU" dirty="0">
-              <a:solidFill>
-                <a:schemeClr val="bg1"/>
-              </a:solidFill>
-            </a:endParaRPr>
-          </a:p>
-        </p:txBody>
-      </p:sp>
-      <p:sp>
-        <p:nvSpPr>
-          <p:cNvPr id="6" name="Прямоугольник 5"/>
-          <p:cNvSpPr/>
-          <p:nvPr/>
-        </p:nvSpPr>
-        <p:spPr>
-          <a:xfrm>
-            <a:off x="611560" y="1268760"/>
-            <a:ext cx="1440160" cy="1440160"/>
-          </a:xfrm>
-          <a:prstGeom prst="rect">
-            <a:avLst/>
-          </a:prstGeom>
-        </p:spPr>
-        <p:style>
-          <a:lnRef idx="3">
-            <a:schemeClr val="lt1"/>
-          </a:lnRef>
-          <a:fillRef idx="1">
-            <a:schemeClr val="accent1"/>
-          </a:fillRef>
-          <a:effectRef idx="1">
-            <a:schemeClr val="accent1"/>
-          </a:effectRef>
-          <a:fontRef idx="minor">
-            <a:schemeClr val="lt1"/>
-          </a:fontRef>
-        </p:style>
-        <p:txBody>
-          <a:bodyPr rtlCol="0" anchor="ctr"/>
-          <a:lstStyle/>
-          <a:p>
-            <a:pPr algn="ctr"/>
-            <a:r>
-              <a:rPr lang="ru-RU" dirty="0" smtClean="0">
-                <a:solidFill>
-                  <a:schemeClr val="bg1"/>
-                </a:solidFill>
-              </a:rPr>
-              <a:t>Система </a:t>
-            </a:r>
-            <a:r>
-              <a:rPr lang="ru-RU" dirty="0" err="1" smtClean="0">
-                <a:solidFill>
-                  <a:schemeClr val="bg1"/>
-                </a:solidFill>
-              </a:rPr>
-              <a:t>оптическогозахвата</a:t>
-            </a:r>
-            <a:r>
-              <a:rPr lang="ru-RU" dirty="0" smtClean="0">
-                <a:solidFill>
-                  <a:schemeClr val="bg1"/>
-                </a:solidFill>
-              </a:rPr>
-              <a:t> движения</a:t>
-            </a:r>
-            <a:endParaRPr lang="ru-RU" dirty="0">
-              <a:solidFill>
-                <a:schemeClr val="bg1"/>
-              </a:solidFill>
-            </a:endParaRPr>
-          </a:p>
-        </p:txBody>
-      </p:sp>
-      <p:sp>
-        <p:nvSpPr>
-          <p:cNvPr id="7" name="Прямоугольник 6"/>
-          <p:cNvSpPr/>
-          <p:nvPr/>
-        </p:nvSpPr>
-        <p:spPr>
-          <a:xfrm>
-            <a:off x="4355976" y="4581128"/>
-            <a:ext cx="2232248" cy="936104"/>
-          </a:xfrm>
-          <a:prstGeom prst="rect">
-            <a:avLst/>
-          </a:prstGeom>
-        </p:spPr>
-        <p:style>
-          <a:lnRef idx="3">
-            <a:schemeClr val="lt1"/>
-          </a:lnRef>
-          <a:fillRef idx="1">
-            <a:schemeClr val="accent1"/>
-          </a:fillRef>
-          <a:effectRef idx="1">
-            <a:schemeClr val="accent1"/>
-          </a:effectRef>
-          <a:fontRef idx="minor">
-            <a:schemeClr val="lt1"/>
-          </a:fontRef>
-        </p:style>
-        <p:txBody>
-          <a:bodyPr rtlCol="0" anchor="ctr"/>
-          <a:lstStyle/>
-          <a:p>
-            <a:pPr algn="ctr"/>
-            <a:r>
-              <a:rPr lang="ru-RU" dirty="0" smtClean="0">
-                <a:solidFill>
-                  <a:schemeClr val="bg1"/>
-                </a:solidFill>
-              </a:rPr>
-              <a:t>Модель функционирования </a:t>
-            </a:r>
-            <a:r>
-              <a:rPr lang="en-US" dirty="0" smtClean="0">
-                <a:solidFill>
-                  <a:schemeClr val="bg1"/>
-                </a:solidFill>
-              </a:rPr>
-              <a:t>IMU </a:t>
-            </a:r>
-            <a:r>
-              <a:rPr lang="ru-RU" dirty="0" smtClean="0">
-                <a:solidFill>
-                  <a:schemeClr val="bg1"/>
-                </a:solidFill>
-              </a:rPr>
-              <a:t>сенсоров</a:t>
-            </a:r>
-            <a:endParaRPr lang="ru-RU" dirty="0">
-              <a:solidFill>
-                <a:schemeClr val="bg1"/>
-              </a:solidFill>
-            </a:endParaRPr>
-          </a:p>
-        </p:txBody>
-      </p:sp>
-      <p:sp>
-        <p:nvSpPr>
-          <p:cNvPr id="8" name="Прямоугольник 7"/>
-          <p:cNvSpPr/>
-          <p:nvPr/>
-        </p:nvSpPr>
-        <p:spPr>
-          <a:xfrm>
-            <a:off x="6660232" y="4581128"/>
-            <a:ext cx="2232248" cy="936104"/>
-          </a:xfrm>
-          <a:prstGeom prst="rect">
-            <a:avLst/>
-          </a:prstGeom>
-        </p:spPr>
-        <p:style>
-          <a:lnRef idx="3">
-            <a:schemeClr val="lt1"/>
-          </a:lnRef>
-          <a:fillRef idx="1">
-            <a:schemeClr val="accent1"/>
-          </a:fillRef>
-          <a:effectRef idx="1">
-            <a:schemeClr val="accent1"/>
-          </a:effectRef>
-          <a:fontRef idx="minor">
-            <a:schemeClr val="lt1"/>
-          </a:fontRef>
-        </p:style>
-        <p:txBody>
-          <a:bodyPr rtlCol="0" anchor="ctr"/>
-          <a:lstStyle/>
-          <a:p>
-            <a:pPr algn="ctr"/>
-            <a:r>
-              <a:rPr lang="ru-RU" dirty="0" smtClean="0">
-                <a:solidFill>
-                  <a:schemeClr val="bg1"/>
-                </a:solidFill>
-              </a:rPr>
-              <a:t>Модель</a:t>
-            </a:r>
-          </a:p>
-          <a:p>
-            <a:pPr algn="ctr"/>
-            <a:r>
-              <a:rPr lang="ru-RU" dirty="0" smtClean="0">
-                <a:solidFill>
-                  <a:schemeClr val="bg1"/>
-                </a:solidFill>
-              </a:rPr>
-              <a:t>аэродинамического</a:t>
-            </a:r>
-          </a:p>
-          <a:p>
-            <a:pPr algn="ctr"/>
-            <a:r>
-              <a:rPr lang="ru-RU" dirty="0" err="1" smtClean="0">
-                <a:solidFill>
-                  <a:schemeClr val="bg1"/>
-                </a:solidFill>
-              </a:rPr>
-              <a:t>движетеля</a:t>
-            </a:r>
-            <a:endParaRPr lang="ru-RU" dirty="0">
-              <a:solidFill>
-                <a:schemeClr val="bg1"/>
-              </a:solidFill>
-            </a:endParaRPr>
-          </a:p>
-        </p:txBody>
-      </p:sp>
-      <p:sp>
-        <p:nvSpPr>
-          <p:cNvPr id="9" name="Прямоугольник 8"/>
-          <p:cNvSpPr/>
-          <p:nvPr/>
-        </p:nvSpPr>
-        <p:spPr>
-          <a:xfrm>
-            <a:off x="6660232" y="3573016"/>
-            <a:ext cx="2232248" cy="936104"/>
-          </a:xfrm>
-          <a:prstGeom prst="rect">
-            <a:avLst/>
-          </a:prstGeom>
-        </p:spPr>
-        <p:style>
-          <a:lnRef idx="3">
-            <a:schemeClr val="lt1"/>
-          </a:lnRef>
-          <a:fillRef idx="1">
-            <a:schemeClr val="accent1"/>
-          </a:fillRef>
-          <a:effectRef idx="1">
-            <a:schemeClr val="accent1"/>
-          </a:effectRef>
-          <a:fontRef idx="minor">
-            <a:schemeClr val="lt1"/>
-          </a:fontRef>
-        </p:style>
-        <p:txBody>
-          <a:bodyPr rtlCol="0" anchor="ctr"/>
-          <a:lstStyle/>
-          <a:p>
-            <a:pPr algn="ctr"/>
-            <a:r>
-              <a:rPr lang="ru-RU" dirty="0" smtClean="0">
-                <a:solidFill>
-                  <a:schemeClr val="bg1"/>
-                </a:solidFill>
-              </a:rPr>
-              <a:t>Модель</a:t>
-            </a:r>
-          </a:p>
-          <a:p>
-            <a:pPr algn="ctr"/>
-            <a:r>
-              <a:rPr lang="ru-RU" dirty="0" smtClean="0">
-                <a:solidFill>
-                  <a:schemeClr val="bg1"/>
-                </a:solidFill>
-              </a:rPr>
-              <a:t>видеокамеры</a:t>
-            </a:r>
-            <a:endParaRPr lang="ru-RU" dirty="0">
-              <a:solidFill>
-                <a:schemeClr val="bg1"/>
-              </a:solidFill>
-            </a:endParaRPr>
-          </a:p>
-        </p:txBody>
-      </p:sp>
-      <p:sp>
-        <p:nvSpPr>
-          <p:cNvPr id="10" name="Прямоугольник 9"/>
-          <p:cNvSpPr/>
-          <p:nvPr/>
-        </p:nvSpPr>
-        <p:spPr>
-          <a:xfrm>
-            <a:off x="4355976" y="3573016"/>
-            <a:ext cx="2232248" cy="936104"/>
-          </a:xfrm>
-          <a:prstGeom prst="rect">
-            <a:avLst/>
-          </a:prstGeom>
-        </p:spPr>
-        <p:style>
-          <a:lnRef idx="3">
-            <a:schemeClr val="lt1"/>
-          </a:lnRef>
-          <a:fillRef idx="1">
-            <a:schemeClr val="accent1"/>
-          </a:fillRef>
-          <a:effectRef idx="1">
-            <a:schemeClr val="accent1"/>
-          </a:effectRef>
-          <a:fontRef idx="minor">
-            <a:schemeClr val="lt1"/>
-          </a:fontRef>
-        </p:style>
-        <p:txBody>
-          <a:bodyPr rtlCol="0" anchor="ctr"/>
-          <a:lstStyle/>
-          <a:p>
-            <a:pPr algn="ctr"/>
-            <a:r>
-              <a:rPr lang="ru-RU" dirty="0" smtClean="0">
-                <a:solidFill>
-                  <a:schemeClr val="bg1"/>
-                </a:solidFill>
-              </a:rPr>
-              <a:t>Модель</a:t>
-            </a:r>
-          </a:p>
-          <a:p>
-            <a:pPr algn="ctr"/>
-            <a:r>
-              <a:rPr lang="ru-RU" dirty="0" smtClean="0">
-                <a:solidFill>
-                  <a:schemeClr val="bg1"/>
-                </a:solidFill>
-              </a:rPr>
-              <a:t>с</a:t>
-            </a:r>
-            <a:r>
-              <a:rPr lang="ru-RU" dirty="0" smtClean="0">
-                <a:solidFill>
-                  <a:schemeClr val="bg1"/>
-                </a:solidFill>
-              </a:rPr>
-              <a:t>истемы стабилизации</a:t>
-            </a:r>
-            <a:endParaRPr lang="ru-RU" dirty="0">
-              <a:solidFill>
-                <a:schemeClr val="bg1"/>
-              </a:solidFill>
-            </a:endParaRPr>
-          </a:p>
-        </p:txBody>
-      </p:sp>
-      <p:sp>
-        <p:nvSpPr>
-          <p:cNvPr id="15" name="Прямоугольник 14"/>
-          <p:cNvSpPr/>
-          <p:nvPr/>
-        </p:nvSpPr>
-        <p:spPr>
-          <a:xfrm>
-            <a:off x="611560" y="2780928"/>
-            <a:ext cx="1440160" cy="1440160"/>
-          </a:xfrm>
-          <a:prstGeom prst="rect">
-            <a:avLst/>
-          </a:prstGeom>
-        </p:spPr>
-        <p:style>
-          <a:lnRef idx="3">
-            <a:schemeClr val="lt1"/>
-          </a:lnRef>
-          <a:fillRef idx="1">
-            <a:schemeClr val="accent1"/>
-          </a:fillRef>
-          <a:effectRef idx="1">
-            <a:schemeClr val="accent1"/>
-          </a:effectRef>
-          <a:fontRef idx="minor">
-            <a:schemeClr val="lt1"/>
-          </a:fontRef>
-        </p:style>
-        <p:txBody>
-          <a:bodyPr rtlCol="0" anchor="ctr"/>
-          <a:lstStyle/>
-          <a:p>
-            <a:pPr algn="ctr"/>
-            <a:r>
-              <a:rPr lang="ru-RU" dirty="0" smtClean="0">
-                <a:solidFill>
-                  <a:schemeClr val="bg1"/>
-                </a:solidFill>
-              </a:rPr>
-              <a:t>Телеметрия</a:t>
-            </a:r>
-          </a:p>
-          <a:p>
-            <a:pPr algn="ctr"/>
-            <a:r>
-              <a:rPr lang="ru-RU" dirty="0" smtClean="0">
-                <a:solidFill>
-                  <a:schemeClr val="bg1"/>
-                </a:solidFill>
-              </a:rPr>
-              <a:t>БПЛА</a:t>
-            </a:r>
-            <a:endParaRPr lang="ru-RU" dirty="0">
-              <a:solidFill>
-                <a:schemeClr val="bg1"/>
-              </a:solidFill>
-            </a:endParaRPr>
-          </a:p>
-        </p:txBody>
-      </p:sp>
-      <p:sp>
-        <p:nvSpPr>
-          <p:cNvPr id="16" name="Прямоугольник 15"/>
-          <p:cNvSpPr/>
-          <p:nvPr/>
-        </p:nvSpPr>
-        <p:spPr>
-          <a:xfrm>
-            <a:off x="6660232" y="1268760"/>
-            <a:ext cx="2232248" cy="936104"/>
-          </a:xfrm>
-          <a:prstGeom prst="rect">
-            <a:avLst/>
-          </a:prstGeom>
-        </p:spPr>
-        <p:style>
-          <a:lnRef idx="3">
-            <a:schemeClr val="lt1"/>
-          </a:lnRef>
-          <a:fillRef idx="1">
-            <a:schemeClr val="accent1"/>
-          </a:fillRef>
-          <a:effectRef idx="1">
-            <a:schemeClr val="accent1"/>
-          </a:effectRef>
-          <a:fontRef idx="minor">
-            <a:schemeClr val="lt1"/>
-          </a:fontRef>
-        </p:style>
-        <p:txBody>
-          <a:bodyPr rtlCol="0" anchor="ctr"/>
-          <a:lstStyle/>
-          <a:p>
-            <a:pPr algn="ctr"/>
-            <a:r>
-              <a:rPr lang="ru-RU" dirty="0" smtClean="0">
-                <a:solidFill>
-                  <a:schemeClr val="bg1"/>
-                </a:solidFill>
-              </a:rPr>
-              <a:t>Средства </a:t>
-            </a:r>
-          </a:p>
-          <a:p>
-            <a:pPr algn="ctr"/>
-            <a:r>
-              <a:rPr lang="ru-RU" dirty="0" err="1" smtClean="0">
-                <a:solidFill>
-                  <a:schemeClr val="bg1"/>
-                </a:solidFill>
-              </a:rPr>
-              <a:t>журналирования</a:t>
-            </a:r>
-            <a:r>
-              <a:rPr lang="ru-RU" dirty="0" smtClean="0">
-                <a:solidFill>
-                  <a:schemeClr val="bg1"/>
-                </a:solidFill>
-              </a:rPr>
-              <a:t> </a:t>
-            </a:r>
-          </a:p>
-          <a:p>
-            <a:pPr algn="ctr"/>
-            <a:r>
-              <a:rPr lang="ru-RU" dirty="0" smtClean="0">
-                <a:solidFill>
-                  <a:schemeClr val="bg1"/>
-                </a:solidFill>
-              </a:rPr>
-              <a:t>и анализа</a:t>
-            </a:r>
-            <a:endParaRPr lang="ru-RU" dirty="0">
-              <a:solidFill>
-                <a:schemeClr val="bg1"/>
-              </a:solidFill>
-            </a:endParaRPr>
-          </a:p>
-        </p:txBody>
-      </p:sp>
-      <p:sp>
-        <p:nvSpPr>
-          <p:cNvPr id="17" name="Прямоугольник 16"/>
-          <p:cNvSpPr/>
-          <p:nvPr/>
-        </p:nvSpPr>
-        <p:spPr>
-          <a:xfrm>
-            <a:off x="3131840" y="1268760"/>
-            <a:ext cx="2160240" cy="2016224"/>
-          </a:xfrm>
-          <a:prstGeom prst="rect">
-            <a:avLst/>
-          </a:prstGeom>
-        </p:spPr>
-        <p:style>
-          <a:lnRef idx="3">
-            <a:schemeClr val="lt1"/>
-          </a:lnRef>
-          <a:fillRef idx="1">
-            <a:schemeClr val="accent1"/>
-          </a:fillRef>
-          <a:effectRef idx="1">
-            <a:schemeClr val="accent1"/>
-          </a:effectRef>
-          <a:fontRef idx="minor">
-            <a:schemeClr val="lt1"/>
-          </a:fontRef>
-        </p:style>
-        <p:txBody>
-          <a:bodyPr rtlCol="0" anchor="ctr"/>
-          <a:lstStyle/>
-          <a:p>
-            <a:pPr algn="ctr"/>
-            <a:r>
-              <a:rPr lang="ru-RU" b="1" dirty="0" smtClean="0">
-                <a:solidFill>
-                  <a:schemeClr val="bg1"/>
-                </a:solidFill>
-              </a:rPr>
-              <a:t>Система управления</a:t>
-            </a:r>
-          </a:p>
-          <a:p>
-            <a:r>
-              <a:rPr lang="ru-RU" dirty="0" smtClean="0">
-                <a:solidFill>
-                  <a:schemeClr val="bg1"/>
-                </a:solidFill>
-              </a:rPr>
-              <a:t>	- ручное</a:t>
-            </a:r>
-          </a:p>
-          <a:p>
-            <a:r>
-              <a:rPr lang="ru-RU" dirty="0" smtClean="0">
-                <a:solidFill>
-                  <a:schemeClr val="bg1"/>
-                </a:solidFill>
-              </a:rPr>
-              <a:t>	- авто</a:t>
-            </a:r>
-          </a:p>
-          <a:p>
-            <a:r>
-              <a:rPr lang="ru-RU" dirty="0" smtClean="0">
-                <a:solidFill>
-                  <a:schemeClr val="bg1"/>
-                </a:solidFill>
-              </a:rPr>
-              <a:t>	</a:t>
-            </a:r>
-            <a:r>
-              <a:rPr lang="ru-RU" dirty="0" smtClean="0">
-                <a:solidFill>
-                  <a:schemeClr val="bg1"/>
-                </a:solidFill>
-              </a:rPr>
-              <a:t>- групп.</a:t>
-            </a:r>
-            <a:endParaRPr lang="ru-RU" dirty="0">
-              <a:solidFill>
-                <a:schemeClr val="bg1"/>
-              </a:solidFill>
-            </a:endParaRPr>
-          </a:p>
-        </p:txBody>
-      </p:sp>
-      <p:sp>
-        <p:nvSpPr>
-          <p:cNvPr id="41" name="Стрелка вправо 40"/>
-          <p:cNvSpPr/>
-          <p:nvPr/>
-        </p:nvSpPr>
-        <p:spPr>
-          <a:xfrm>
-            <a:off x="2123728" y="2060848"/>
-            <a:ext cx="936104" cy="216024"/>
-          </a:xfrm>
-          <a:prstGeom prst="rightArrow">
-            <a:avLst/>
-          </a:prstGeom>
-        </p:spPr>
-        <p:style>
-          <a:lnRef idx="3">
-            <a:schemeClr val="lt1"/>
-          </a:lnRef>
-          <a:fillRef idx="1">
-            <a:schemeClr val="accent1"/>
-          </a:fillRef>
-          <a:effectRef idx="1">
-            <a:schemeClr val="accent1"/>
-          </a:effectRef>
-          <a:fontRef idx="minor">
-            <a:schemeClr val="lt1"/>
-          </a:fontRef>
-        </p:style>
-        <p:txBody>
-          <a:bodyPr rtlCol="0" anchor="ctr"/>
-          <a:lstStyle/>
-          <a:p>
-            <a:pPr algn="ctr"/>
-            <a:endParaRPr lang="ru-RU"/>
-          </a:p>
-        </p:txBody>
-      </p:sp>
-      <p:sp>
-        <p:nvSpPr>
-          <p:cNvPr id="42" name="Стрелка вправо 41"/>
-          <p:cNvSpPr/>
-          <p:nvPr/>
-        </p:nvSpPr>
-        <p:spPr>
-          <a:xfrm>
-            <a:off x="2123728" y="2924944"/>
-            <a:ext cx="936104" cy="216024"/>
-          </a:xfrm>
-          <a:prstGeom prst="rightArrow">
-            <a:avLst/>
-          </a:prstGeom>
-        </p:spPr>
-        <p:style>
-          <a:lnRef idx="3">
-            <a:schemeClr val="lt1"/>
-          </a:lnRef>
-          <a:fillRef idx="1">
-            <a:schemeClr val="accent1"/>
-          </a:fillRef>
-          <a:effectRef idx="1">
-            <a:schemeClr val="accent1"/>
-          </a:effectRef>
-          <a:fontRef idx="minor">
-            <a:schemeClr val="lt1"/>
-          </a:fontRef>
-        </p:style>
-        <p:txBody>
-          <a:bodyPr rtlCol="0" anchor="ctr"/>
-          <a:lstStyle/>
-          <a:p>
-            <a:pPr algn="ctr"/>
-            <a:endParaRPr lang="ru-RU"/>
-          </a:p>
-        </p:txBody>
-      </p:sp>
-      <p:sp>
-        <p:nvSpPr>
-          <p:cNvPr id="43" name="Стрелка вправо 42"/>
-          <p:cNvSpPr/>
-          <p:nvPr/>
-        </p:nvSpPr>
-        <p:spPr>
-          <a:xfrm>
-            <a:off x="5364088" y="1628800"/>
-            <a:ext cx="1224136" cy="216024"/>
-          </a:xfrm>
-          <a:prstGeom prst="rightArrow">
-            <a:avLst/>
-          </a:prstGeom>
-        </p:spPr>
-        <p:style>
-          <a:lnRef idx="3">
-            <a:schemeClr val="lt1"/>
-          </a:lnRef>
-          <a:fillRef idx="1">
-            <a:schemeClr val="accent1"/>
-          </a:fillRef>
-          <a:effectRef idx="1">
-            <a:schemeClr val="accent1"/>
-          </a:effectRef>
-          <a:fontRef idx="minor">
-            <a:schemeClr val="lt1"/>
-          </a:fontRef>
-        </p:style>
-        <p:txBody>
-          <a:bodyPr rtlCol="0" anchor="ctr"/>
-          <a:lstStyle/>
-          <a:p>
-            <a:pPr algn="ctr"/>
-            <a:endParaRPr lang="ru-RU"/>
-          </a:p>
-        </p:txBody>
-      </p:sp>
-      <p:sp>
-        <p:nvSpPr>
-          <p:cNvPr id="44" name="Двойная стрелка влево/вверх 43"/>
-          <p:cNvSpPr/>
-          <p:nvPr/>
-        </p:nvSpPr>
-        <p:spPr>
-          <a:xfrm rot="16200000">
-            <a:off x="5220072" y="2420888"/>
-            <a:ext cx="1152128" cy="864096"/>
-          </a:xfrm>
-          <a:prstGeom prst="leftUpArrow">
-            <a:avLst>
-              <a:gd name="adj1" fmla="val 11980"/>
-              <a:gd name="adj2" fmla="val 11523"/>
-              <a:gd name="adj3" fmla="val 13020"/>
-            </a:avLst>
-          </a:prstGeom>
-        </p:spPr>
-        <p:style>
-          <a:lnRef idx="3">
-            <a:schemeClr val="lt1"/>
-          </a:lnRef>
-          <a:fillRef idx="1">
-            <a:schemeClr val="accent1"/>
-          </a:fillRef>
-          <a:effectRef idx="1">
-            <a:schemeClr val="accent1"/>
-          </a:effectRef>
-          <a:fontRef idx="minor">
-            <a:schemeClr val="lt1"/>
-          </a:fontRef>
-        </p:style>
-        <p:txBody>
-          <a:bodyPr rtlCol="0" anchor="ctr"/>
-          <a:lstStyle/>
-          <a:p>
-            <a:pPr algn="ctr"/>
             <a:endParaRPr lang="ru-RU"/>
           </a:p>
         </p:txBody>
@@ -7919,7 +7923,7 @@
     </p:spTree>
     <p:extLst>
       <p:ext uri="{BB962C8B-B14F-4D97-AF65-F5344CB8AC3E}">
-        <p14:creationId xmlns:p14="http://schemas.microsoft.com/office/powerpoint/2010/main" xmlns="" val="1550165570"/>
+        <p14:creationId xmlns:p14="http://schemas.microsoft.com/office/powerpoint/2010/main" xmlns="" val="46958512"/>
       </p:ext>
     </p:extLst>
   </p:cSld>
@@ -7968,7 +7972,15 @@
           <a:bodyPr/>
           <a:lstStyle/>
           <a:p>
-            <a:endParaRPr lang="ru-RU"/>
+            <a:r>
+              <a:rPr lang="ru-RU" dirty="0" smtClean="0"/>
+              <a:t>Модель аэродинамического </a:t>
+            </a:r>
+            <a:r>
+              <a:rPr lang="ru-RU" dirty="0" err="1" smtClean="0"/>
+              <a:t>движетеля</a:t>
+            </a:r>
+            <a:endParaRPr lang="ru-RU" dirty="0"/>
           </a:p>
         </p:txBody>
       </p:sp>
@@ -7987,7 +7999,34 @@
           <a:bodyPr/>
           <a:lstStyle/>
           <a:p>
-            <a:endParaRPr lang="ru-RU"/>
+            <a:r>
+              <a:rPr lang="en-US" dirty="0" smtClean="0"/>
+              <a:t>RPM</a:t>
+            </a:r>
+          </a:p>
+          <a:p>
+            <a:endParaRPr lang="en-US" dirty="0" smtClean="0"/>
+          </a:p>
+          <a:p>
+            <a:r>
+              <a:rPr lang="ru-RU" dirty="0" smtClean="0"/>
+              <a:t>График</a:t>
+            </a:r>
+          </a:p>
+          <a:p>
+            <a:r>
+              <a:rPr lang="ru-RU" dirty="0" smtClean="0"/>
+              <a:t>ШИМ </a:t>
+            </a:r>
+            <a:r>
+              <a:rPr lang="en-US" dirty="0" smtClean="0"/>
+              <a:t>-&gt; </a:t>
+            </a:r>
+            <a:r>
+              <a:rPr lang="ru-RU" dirty="0" smtClean="0"/>
+              <a:t>Тяга</a:t>
+            </a:r>
+            <a:endParaRPr lang="ru-RU" dirty="0"/>
           </a:p>
         </p:txBody>
       </p:sp>
@@ -8040,7 +8079,15 @@
           <a:p>
             <a:r>
               <a:rPr lang="ru-RU" dirty="0" smtClean="0"/>
-              <a:t>Вопросы?</a:t>
+              <a:t>Модель функционирования </a:t>
+            </a:r>
+            <a:r>
+              <a:rPr lang="en-US" dirty="0" smtClean="0"/>
+              <a:t>IMU </a:t>
+            </a:r>
+            <a:r>
+              <a:rPr lang="ru-RU" dirty="0" smtClean="0"/>
+              <a:t>сенсоров</a:t>
             </a:r>
             <a:endParaRPr lang="ru-RU" dirty="0"/>
           </a:p>
@@ -8061,7 +8108,57 @@
           <a:bodyPr/>
           <a:lstStyle/>
           <a:p>
-            <a:endParaRPr lang="ru-RU"/>
+            <a:r>
+              <a:rPr lang="ru-RU" dirty="0" smtClean="0"/>
+              <a:t>Типы сенсоров:</a:t>
+            </a:r>
+          </a:p>
+          <a:p>
+            <a:pPr lvl="1"/>
+            <a:r>
+              <a:rPr lang="ru-RU" dirty="0" smtClean="0"/>
+              <a:t>Гироскоп</a:t>
+            </a:r>
+          </a:p>
+          <a:p>
+            <a:pPr lvl="1"/>
+            <a:r>
+              <a:rPr lang="ru-RU" dirty="0" smtClean="0"/>
+              <a:t>Акселерометр</a:t>
+            </a:r>
+          </a:p>
+          <a:p>
+            <a:pPr lvl="1"/>
+            <a:r>
+              <a:rPr lang="ru-RU" dirty="0" smtClean="0"/>
+              <a:t>Барометр</a:t>
+            </a:r>
+          </a:p>
+          <a:p>
+            <a:pPr lvl="1"/>
+            <a:r>
+              <a:rPr lang="ru-RU" dirty="0" smtClean="0"/>
+              <a:t>Магнитометр</a:t>
+            </a:r>
+          </a:p>
+          <a:p>
+            <a:r>
+              <a:rPr lang="ru-RU" dirty="0" smtClean="0"/>
+              <a:t>Разные типы шумов</a:t>
+            </a:r>
+          </a:p>
+          <a:p>
+            <a:r>
+              <a:rPr lang="ru-RU" dirty="0" smtClean="0"/>
+              <a:t>Разрядность</a:t>
+            </a:r>
+          </a:p>
+          <a:p>
+            <a:r>
+              <a:rPr lang="ru-RU" dirty="0" smtClean="0"/>
+              <a:t>Период дискретизации</a:t>
+            </a:r>
+            <a:endParaRPr lang="ru-RU" dirty="0"/>
           </a:p>
         </p:txBody>
       </p:sp>
@@ -8070,13 +8167,313 @@
   <p:clrMapOvr>
     <a:masterClrMapping/>
   </p:clrMapOvr>
-  <p:timing>
-    <p:tnLst>
-      <p:par>
-        <p:cTn id="1" dur="indefinite" restart="never" nodeType="tmRoot"/>
-      </p:par>
-    </p:tnLst>
-  </p:timing>
+</p:sld>
+</file>
+
+<file path=ppt/slides/slide16.xml><?xml version="1.0" encoding="utf-8"?>
+<p:sld xmlns:a="http://schemas.openxmlformats.org/drawingml/2006/main" xmlns:r="http://schemas.openxmlformats.org/officeDocument/2006/relationships" xmlns:p="http://schemas.openxmlformats.org/presentationml/2006/main">
+  <p:cSld>
+    <p:spTree>
+      <p:nvGrpSpPr>
+        <p:cNvPr id="1" name=""/>
+        <p:cNvGrpSpPr/>
+        <p:nvPr/>
+      </p:nvGrpSpPr>
+      <p:grpSpPr>
+        <a:xfrm>
+          <a:off x="0" y="0"/>
+          <a:ext cx="0" cy="0"/>
+          <a:chOff x="0" y="0"/>
+          <a:chExt cx="0" cy="0"/>
+        </a:xfrm>
+      </p:grpSpPr>
+      <p:sp>
+        <p:nvSpPr>
+          <p:cNvPr id="2" name="Заголовок 1"/>
+          <p:cNvSpPr>
+            <a:spLocks noGrp="1"/>
+          </p:cNvSpPr>
+          <p:nvPr>
+            <p:ph type="title"/>
+          </p:nvPr>
+        </p:nvSpPr>
+        <p:spPr/>
+        <p:txBody>
+          <a:bodyPr/>
+          <a:lstStyle/>
+          <a:p>
+            <a:r>
+              <a:rPr lang="ru-RU" dirty="0" smtClean="0"/>
+              <a:t>Модель видеокамеры</a:t>
+            </a:r>
+            <a:endParaRPr lang="ru-RU" dirty="0"/>
+          </a:p>
+        </p:txBody>
+      </p:sp>
+      <p:sp>
+        <p:nvSpPr>
+          <p:cNvPr id="3" name="Содержимое 2"/>
+          <p:cNvSpPr>
+            <a:spLocks noGrp="1"/>
+          </p:cNvSpPr>
+          <p:nvPr>
+            <p:ph idx="1"/>
+          </p:nvPr>
+        </p:nvSpPr>
+        <p:spPr/>
+        <p:txBody>
+          <a:bodyPr/>
+          <a:lstStyle/>
+          <a:p>
+            <a:r>
+              <a:rPr lang="ru-RU" dirty="0" smtClean="0"/>
+              <a:t>Помехи</a:t>
+            </a:r>
+          </a:p>
+          <a:p>
+            <a:r>
+              <a:rPr lang="ru-RU" dirty="0" smtClean="0"/>
+              <a:t>Блики</a:t>
+            </a:r>
+          </a:p>
+          <a:p>
+            <a:r>
+              <a:rPr lang="en-US" dirty="0" smtClean="0"/>
+              <a:t>HDR </a:t>
+            </a:r>
+            <a:r>
+              <a:rPr lang="ru-RU" dirty="0" smtClean="0"/>
+              <a:t>адаптация</a:t>
+            </a:r>
+          </a:p>
+          <a:p>
+            <a:r>
+              <a:rPr lang="ru-RU" dirty="0" smtClean="0"/>
+              <a:t>Задержки</a:t>
+            </a:r>
+          </a:p>
+          <a:p>
+            <a:r>
+              <a:rPr lang="ru-RU" dirty="0" smtClean="0"/>
+              <a:t>Разные фокусные расстояния</a:t>
+            </a:r>
+          </a:p>
+        </p:txBody>
+      </p:sp>
+    </p:spTree>
+  </p:cSld>
+  <p:clrMapOvr>
+    <a:masterClrMapping/>
+  </p:clrMapOvr>
+</p:sld>
+</file>
+
+<file path=ppt/slides/slide17.xml><?xml version="1.0" encoding="utf-8"?>
+<p:sld xmlns:a="http://schemas.openxmlformats.org/drawingml/2006/main" xmlns:r="http://schemas.openxmlformats.org/officeDocument/2006/relationships" xmlns:p="http://schemas.openxmlformats.org/presentationml/2006/main">
+  <p:cSld>
+    <p:spTree>
+      <p:nvGrpSpPr>
+        <p:cNvPr id="1" name=""/>
+        <p:cNvGrpSpPr/>
+        <p:nvPr/>
+      </p:nvGrpSpPr>
+      <p:grpSpPr>
+        <a:xfrm>
+          <a:off x="0" y="0"/>
+          <a:ext cx="0" cy="0"/>
+          <a:chOff x="0" y="0"/>
+          <a:chExt cx="0" cy="0"/>
+        </a:xfrm>
+      </p:grpSpPr>
+      <p:sp>
+        <p:nvSpPr>
+          <p:cNvPr id="2" name="Заголовок 1"/>
+          <p:cNvSpPr>
+            <a:spLocks noGrp="1"/>
+          </p:cNvSpPr>
+          <p:nvPr>
+            <p:ph type="title"/>
+          </p:nvPr>
+        </p:nvSpPr>
+        <p:spPr/>
+        <p:txBody>
+          <a:bodyPr/>
+          <a:lstStyle/>
+          <a:p>
+            <a:r>
+              <a:rPr lang="ru-RU" dirty="0" smtClean="0"/>
+              <a:t>Модель системы стабилизации</a:t>
+            </a:r>
+            <a:endParaRPr lang="ru-RU" dirty="0"/>
+          </a:p>
+        </p:txBody>
+      </p:sp>
+      <p:sp>
+        <p:nvSpPr>
+          <p:cNvPr id="3" name="Содержимое 2"/>
+          <p:cNvSpPr>
+            <a:spLocks noGrp="1"/>
+          </p:cNvSpPr>
+          <p:nvPr>
+            <p:ph idx="1"/>
+          </p:nvPr>
+        </p:nvSpPr>
+        <p:spPr/>
+        <p:txBody>
+          <a:bodyPr/>
+          <a:lstStyle/>
+          <a:p>
+            <a:endParaRPr lang="ru-RU"/>
+          </a:p>
+        </p:txBody>
+      </p:sp>
+    </p:spTree>
+  </p:cSld>
+  <p:clrMapOvr>
+    <a:masterClrMapping/>
+  </p:clrMapOvr>
+</p:sld>
+</file>
+
+<file path=ppt/slides/slide18.xml><?xml version="1.0" encoding="utf-8"?>
+<p:sld xmlns:a="http://schemas.openxmlformats.org/drawingml/2006/main" xmlns:r="http://schemas.openxmlformats.org/officeDocument/2006/relationships" xmlns:p="http://schemas.openxmlformats.org/presentationml/2006/main">
+  <p:cSld>
+    <p:spTree>
+      <p:nvGrpSpPr>
+        <p:cNvPr id="1" name=""/>
+        <p:cNvGrpSpPr/>
+        <p:nvPr/>
+      </p:nvGrpSpPr>
+      <p:grpSpPr>
+        <a:xfrm>
+          <a:off x="0" y="0"/>
+          <a:ext cx="0" cy="0"/>
+          <a:chOff x="0" y="0"/>
+          <a:chExt cx="0" cy="0"/>
+        </a:xfrm>
+      </p:grpSpPr>
+      <p:sp>
+        <p:nvSpPr>
+          <p:cNvPr id="2" name="Заголовок 1"/>
+          <p:cNvSpPr>
+            <a:spLocks noGrp="1"/>
+          </p:cNvSpPr>
+          <p:nvPr>
+            <p:ph type="title"/>
+          </p:nvPr>
+        </p:nvSpPr>
+        <p:spPr/>
+        <p:txBody>
+          <a:bodyPr/>
+          <a:lstStyle/>
+          <a:p>
+            <a:r>
+              <a:rPr lang="ru-RU" dirty="0" smtClean="0"/>
+              <a:t>Средства </a:t>
+            </a:r>
+            <a:r>
+              <a:rPr lang="ru-RU" dirty="0" err="1" smtClean="0"/>
+              <a:t>журналирования</a:t>
+            </a:r>
+            <a:r>
+              <a:rPr lang="ru-RU" dirty="0" smtClean="0"/>
+              <a:t> и анализа</a:t>
+            </a:r>
+            <a:endParaRPr lang="ru-RU" dirty="0"/>
+          </a:p>
+        </p:txBody>
+      </p:sp>
+      <p:sp>
+        <p:nvSpPr>
+          <p:cNvPr id="3" name="Содержимое 2"/>
+          <p:cNvSpPr>
+            <a:spLocks noGrp="1"/>
+          </p:cNvSpPr>
+          <p:nvPr>
+            <p:ph idx="1"/>
+          </p:nvPr>
+        </p:nvSpPr>
+        <p:spPr/>
+        <p:txBody>
+          <a:bodyPr/>
+          <a:lstStyle/>
+          <a:p>
+            <a:endParaRPr lang="ru-RU"/>
+          </a:p>
+        </p:txBody>
+      </p:sp>
+    </p:spTree>
+  </p:cSld>
+  <p:clrMapOvr>
+    <a:masterClrMapping/>
+  </p:clrMapOvr>
+</p:sld>
+</file>
+
+<file path=ppt/slides/slide19.xml><?xml version="1.0" encoding="utf-8"?>
+<p:sld xmlns:a="http://schemas.openxmlformats.org/drawingml/2006/main" xmlns:r="http://schemas.openxmlformats.org/officeDocument/2006/relationships" xmlns:p="http://schemas.openxmlformats.org/presentationml/2006/main">
+  <p:cSld>
+    <p:spTree>
+      <p:nvGrpSpPr>
+        <p:cNvPr id="1" name=""/>
+        <p:cNvGrpSpPr/>
+        <p:nvPr/>
+      </p:nvGrpSpPr>
+      <p:grpSpPr>
+        <a:xfrm>
+          <a:off x="0" y="0"/>
+          <a:ext cx="0" cy="0"/>
+          <a:chOff x="0" y="0"/>
+          <a:chExt cx="0" cy="0"/>
+        </a:xfrm>
+      </p:grpSpPr>
+      <p:sp>
+        <p:nvSpPr>
+          <p:cNvPr id="2" name="Заголовок 1"/>
+          <p:cNvSpPr>
+            <a:spLocks noGrp="1"/>
+          </p:cNvSpPr>
+          <p:nvPr>
+            <p:ph type="title"/>
+          </p:nvPr>
+        </p:nvSpPr>
+        <p:spPr/>
+        <p:txBody>
+          <a:bodyPr/>
+          <a:lstStyle/>
+          <a:p>
+            <a:r>
+              <a:rPr lang="ru-RU" dirty="0" smtClean="0"/>
+              <a:t>Телеметрия БПЛА</a:t>
+            </a:r>
+            <a:endParaRPr lang="ru-RU" dirty="0"/>
+          </a:p>
+        </p:txBody>
+      </p:sp>
+      <p:sp>
+        <p:nvSpPr>
+          <p:cNvPr id="3" name="Содержимое 2"/>
+          <p:cNvSpPr>
+            <a:spLocks noGrp="1"/>
+          </p:cNvSpPr>
+          <p:nvPr>
+            <p:ph idx="1"/>
+          </p:nvPr>
+        </p:nvSpPr>
+        <p:spPr/>
+        <p:txBody>
+          <a:bodyPr/>
+          <a:lstStyle/>
+          <a:p>
+            <a:endParaRPr lang="ru-RU"/>
+          </a:p>
+        </p:txBody>
+      </p:sp>
+    </p:spTree>
+  </p:cSld>
+  <p:clrMapOvr>
+    <a:masterClrMapping/>
+  </p:clrMapOvr>
 </p:sld>
 </file>
 
@@ -8170,6 +8567,397 @@
               <a:t>Создание комплекса 4Р-БПЛА для реализации задачи навигации в закрытых помещениях (КНЗП)</a:t>
             </a:r>
             <a:endParaRPr lang="ru-RU" dirty="0"/>
+          </a:p>
+        </p:txBody>
+      </p:sp>
+    </p:spTree>
+  </p:cSld>
+  <p:clrMapOvr>
+    <a:masterClrMapping/>
+  </p:clrMapOvr>
+  <p:timing>
+    <p:tnLst>
+      <p:par>
+        <p:cTn id="1" dur="indefinite" restart="never" nodeType="tmRoot"/>
+      </p:par>
+    </p:tnLst>
+  </p:timing>
+</p:sld>
+</file>
+
+<file path=ppt/slides/slide20.xml><?xml version="1.0" encoding="utf-8"?>
+<p:sld xmlns:a="http://schemas.openxmlformats.org/drawingml/2006/main" xmlns:r="http://schemas.openxmlformats.org/officeDocument/2006/relationships" xmlns:p="http://schemas.openxmlformats.org/presentationml/2006/main">
+  <p:cSld>
+    <p:spTree>
+      <p:nvGrpSpPr>
+        <p:cNvPr id="1" name=""/>
+        <p:cNvGrpSpPr/>
+        <p:nvPr/>
+      </p:nvGrpSpPr>
+      <p:grpSpPr>
+        <a:xfrm>
+          <a:off x="0" y="0"/>
+          <a:ext cx="0" cy="0"/>
+          <a:chOff x="0" y="0"/>
+          <a:chExt cx="0" cy="0"/>
+        </a:xfrm>
+      </p:grpSpPr>
+      <p:sp>
+        <p:nvSpPr>
+          <p:cNvPr id="2" name="Заголовок 1"/>
+          <p:cNvSpPr>
+            <a:spLocks noGrp="1"/>
+          </p:cNvSpPr>
+          <p:nvPr>
+            <p:ph type="title"/>
+          </p:nvPr>
+        </p:nvSpPr>
+        <p:spPr/>
+        <p:txBody>
+          <a:bodyPr/>
+          <a:lstStyle/>
+          <a:p>
+            <a:r>
+              <a:rPr lang="ru-RU" dirty="0" smtClean="0"/>
+              <a:t>Система оптического захвата движения</a:t>
+            </a:r>
+            <a:endParaRPr lang="ru-RU" dirty="0"/>
+          </a:p>
+        </p:txBody>
+      </p:sp>
+      <p:sp>
+        <p:nvSpPr>
+          <p:cNvPr id="3" name="Содержимое 2"/>
+          <p:cNvSpPr>
+            <a:spLocks noGrp="1"/>
+          </p:cNvSpPr>
+          <p:nvPr>
+            <p:ph idx="1"/>
+          </p:nvPr>
+        </p:nvSpPr>
+        <p:spPr/>
+        <p:txBody>
+          <a:bodyPr/>
+          <a:lstStyle/>
+          <a:p>
+            <a:endParaRPr lang="ru-RU"/>
+          </a:p>
+        </p:txBody>
+      </p:sp>
+    </p:spTree>
+  </p:cSld>
+  <p:clrMapOvr>
+    <a:masterClrMapping/>
+  </p:clrMapOvr>
+</p:sld>
+</file>
+
+<file path=ppt/slides/slide21.xml><?xml version="1.0" encoding="utf-8"?>
+<p:sld xmlns:a="http://schemas.openxmlformats.org/drawingml/2006/main" xmlns:r="http://schemas.openxmlformats.org/officeDocument/2006/relationships" xmlns:p="http://schemas.openxmlformats.org/presentationml/2006/main">
+  <p:cSld>
+    <p:spTree>
+      <p:nvGrpSpPr>
+        <p:cNvPr id="1" name=""/>
+        <p:cNvGrpSpPr/>
+        <p:nvPr/>
+      </p:nvGrpSpPr>
+      <p:grpSpPr>
+        <a:xfrm>
+          <a:off x="0" y="0"/>
+          <a:ext cx="0" cy="0"/>
+          <a:chOff x="0" y="0"/>
+          <a:chExt cx="0" cy="0"/>
+        </a:xfrm>
+      </p:grpSpPr>
+      <p:sp>
+        <p:nvSpPr>
+          <p:cNvPr id="2" name="Заголовок 1"/>
+          <p:cNvSpPr>
+            <a:spLocks noGrp="1"/>
+          </p:cNvSpPr>
+          <p:nvPr>
+            <p:ph type="title"/>
+          </p:nvPr>
+        </p:nvSpPr>
+        <p:spPr/>
+        <p:txBody>
+          <a:bodyPr/>
+          <a:lstStyle/>
+          <a:p>
+            <a:r>
+              <a:rPr lang="ru-RU" dirty="0" smtClean="0"/>
+              <a:t>Система управления</a:t>
+            </a:r>
+            <a:endParaRPr lang="ru-RU" dirty="0"/>
+          </a:p>
+        </p:txBody>
+      </p:sp>
+      <p:sp>
+        <p:nvSpPr>
+          <p:cNvPr id="3" name="Содержимое 2"/>
+          <p:cNvSpPr>
+            <a:spLocks noGrp="1"/>
+          </p:cNvSpPr>
+          <p:nvPr>
+            <p:ph idx="1"/>
+          </p:nvPr>
+        </p:nvSpPr>
+        <p:spPr/>
+        <p:txBody>
+          <a:bodyPr>
+            <a:normAutofit/>
+          </a:bodyPr>
+          <a:lstStyle/>
+          <a:p>
+            <a:r>
+              <a:rPr lang="ru-RU" dirty="0" smtClean="0"/>
+              <a:t>Ручное</a:t>
+            </a:r>
+          </a:p>
+          <a:p>
+            <a:pPr lvl="1"/>
+            <a:r>
+              <a:rPr lang="ru-RU" dirty="0" smtClean="0"/>
+              <a:t>Клавиатура</a:t>
+            </a:r>
+          </a:p>
+          <a:p>
+            <a:pPr lvl="1"/>
+            <a:r>
+              <a:rPr lang="ru-RU" dirty="0" smtClean="0"/>
+              <a:t>Джойстик </a:t>
+            </a:r>
+            <a:r>
+              <a:rPr lang="en-US" dirty="0" smtClean="0"/>
+              <a:t>XBOX360</a:t>
+            </a:r>
+          </a:p>
+          <a:p>
+            <a:pPr lvl="1"/>
+            <a:r>
+              <a:rPr lang="en-US" dirty="0" smtClean="0"/>
+              <a:t>3D Mouse Space Pilot</a:t>
+            </a:r>
+            <a:endParaRPr lang="en-US" dirty="0" smtClean="0"/>
+          </a:p>
+          <a:p>
+            <a:r>
+              <a:rPr lang="ru-RU" dirty="0" smtClean="0"/>
+              <a:t>Автоматическое</a:t>
+            </a:r>
+          </a:p>
+          <a:p>
+            <a:pPr lvl="1"/>
+            <a:r>
+              <a:rPr lang="ru-RU" dirty="0" smtClean="0"/>
+              <a:t>Выполнение различных сценариев</a:t>
+            </a:r>
+          </a:p>
+          <a:p>
+            <a:r>
+              <a:rPr lang="ru-RU" dirty="0" smtClean="0"/>
+              <a:t>Групповое</a:t>
+            </a:r>
+          </a:p>
+          <a:p>
+            <a:pPr lvl="1"/>
+            <a:r>
+              <a:rPr lang="ru-RU" dirty="0" smtClean="0"/>
+              <a:t>Построение формаций</a:t>
+            </a:r>
+          </a:p>
+          <a:p>
+            <a:pPr lvl="1"/>
+            <a:r>
+              <a:rPr lang="ru-RU" dirty="0" smtClean="0"/>
+              <a:t>Выбор лидера</a:t>
+            </a:r>
+            <a:endParaRPr lang="en-US" dirty="0" smtClean="0"/>
+          </a:p>
+        </p:txBody>
+      </p:sp>
+    </p:spTree>
+  </p:cSld>
+  <p:clrMapOvr>
+    <a:masterClrMapping/>
+  </p:clrMapOvr>
+</p:sld>
+</file>
+
+<file path=ppt/slides/slide22.xml><?xml version="1.0" encoding="utf-8"?>
+<p:sld xmlns:a="http://schemas.openxmlformats.org/drawingml/2006/main" xmlns:r="http://schemas.openxmlformats.org/officeDocument/2006/relationships" xmlns:p="http://schemas.openxmlformats.org/presentationml/2006/main">
+  <p:cSld>
+    <p:spTree>
+      <p:nvGrpSpPr>
+        <p:cNvPr id="1" name=""/>
+        <p:cNvGrpSpPr/>
+        <p:nvPr/>
+      </p:nvGrpSpPr>
+      <p:grpSpPr>
+        <a:xfrm>
+          <a:off x="0" y="0"/>
+          <a:ext cx="0" cy="0"/>
+          <a:chOff x="0" y="0"/>
+          <a:chExt cx="0" cy="0"/>
+        </a:xfrm>
+      </p:grpSpPr>
+      <p:sp>
+        <p:nvSpPr>
+          <p:cNvPr id="2" name="Заголовок 1"/>
+          <p:cNvSpPr>
+            <a:spLocks noGrp="1"/>
+          </p:cNvSpPr>
+          <p:nvPr>
+            <p:ph type="title"/>
+          </p:nvPr>
+        </p:nvSpPr>
+        <p:spPr/>
+        <p:txBody>
+          <a:bodyPr/>
+          <a:lstStyle/>
+          <a:p>
+            <a:r>
+              <a:rPr lang="ru-RU" dirty="0" smtClean="0"/>
+              <a:t>Выбор аппаратной платформы для БПЛА</a:t>
+            </a:r>
+            <a:endParaRPr lang="ru-RU" dirty="0"/>
+          </a:p>
+        </p:txBody>
+      </p:sp>
+      <p:sp>
+        <p:nvSpPr>
+          <p:cNvPr id="3" name="Содержимое 2"/>
+          <p:cNvSpPr>
+            <a:spLocks noGrp="1"/>
+          </p:cNvSpPr>
+          <p:nvPr>
+            <p:ph idx="1"/>
+          </p:nvPr>
+        </p:nvSpPr>
+        <p:spPr/>
+        <p:txBody>
+          <a:bodyPr/>
+          <a:lstStyle/>
+          <a:p>
+            <a:r>
+              <a:rPr lang="ru-RU" dirty="0" smtClean="0"/>
+              <a:t>Контроллер:</a:t>
+            </a:r>
+            <a:endParaRPr lang="en-US" dirty="0" smtClean="0"/>
+          </a:p>
+          <a:p>
+            <a:pPr lvl="1"/>
+            <a:r>
+              <a:rPr lang="en-US" dirty="0" err="1" smtClean="0"/>
+              <a:t>Arduino</a:t>
+            </a:r>
+            <a:endParaRPr lang="en-US" dirty="0" smtClean="0"/>
+          </a:p>
+          <a:p>
+            <a:pPr lvl="1"/>
+            <a:r>
+              <a:rPr lang="en-US" dirty="0" err="1" smtClean="0"/>
+              <a:t>Netduino</a:t>
+            </a:r>
+            <a:endParaRPr lang="en-US" dirty="0" smtClean="0"/>
+          </a:p>
+          <a:p>
+            <a:r>
+              <a:rPr lang="ru-RU" dirty="0" smtClean="0"/>
+              <a:t>Коммуникационная система</a:t>
+            </a:r>
+            <a:endParaRPr lang="en-US" dirty="0" smtClean="0"/>
+          </a:p>
+          <a:p>
+            <a:pPr lvl="1"/>
+            <a:r>
+              <a:rPr lang="en-US" dirty="0" err="1" smtClean="0"/>
+              <a:t>WiFi</a:t>
+            </a:r>
+            <a:endParaRPr lang="en-US" dirty="0" smtClean="0"/>
+          </a:p>
+          <a:p>
+            <a:pPr lvl="1"/>
+            <a:r>
+              <a:rPr lang="en-US" dirty="0" err="1" smtClean="0"/>
+              <a:t>Xbee</a:t>
+            </a:r>
+            <a:endParaRPr lang="en-US" dirty="0" smtClean="0"/>
+          </a:p>
+          <a:p>
+            <a:pPr lvl="1"/>
+            <a:r>
+              <a:rPr lang="en-US" dirty="0" smtClean="0"/>
+              <a:t>Bluetooth</a:t>
+            </a:r>
+            <a:endParaRPr lang="ru-RU" dirty="0"/>
+          </a:p>
+        </p:txBody>
+      </p:sp>
+    </p:spTree>
+  </p:cSld>
+  <p:clrMapOvr>
+    <a:masterClrMapping/>
+  </p:clrMapOvr>
+</p:sld>
+</file>
+
+<file path=ppt/slides/slide23.xml><?xml version="1.0" encoding="utf-8"?>
+<p:sld xmlns:a="http://schemas.openxmlformats.org/drawingml/2006/main" xmlns:r="http://schemas.openxmlformats.org/officeDocument/2006/relationships" xmlns:p="http://schemas.openxmlformats.org/presentationml/2006/main">
+  <p:cSld>
+    <p:spTree>
+      <p:nvGrpSpPr>
+        <p:cNvPr id="1" name=""/>
+        <p:cNvGrpSpPr/>
+        <p:nvPr/>
+      </p:nvGrpSpPr>
+      <p:grpSpPr>
+        <a:xfrm>
+          <a:off x="0" y="0"/>
+          <a:ext cx="0" cy="0"/>
+          <a:chOff x="0" y="0"/>
+          <a:chExt cx="0" cy="0"/>
+        </a:xfrm>
+      </p:grpSpPr>
+      <p:sp>
+        <p:nvSpPr>
+          <p:cNvPr id="2" name="Заголовок 1"/>
+          <p:cNvSpPr>
+            <a:spLocks noGrp="1"/>
+          </p:cNvSpPr>
+          <p:nvPr>
+            <p:ph type="title"/>
+          </p:nvPr>
+        </p:nvSpPr>
+        <p:spPr/>
+        <p:txBody>
+          <a:bodyPr/>
+          <a:lstStyle/>
+          <a:p>
+            <a:r>
+              <a:rPr lang="ru-RU" dirty="0" smtClean="0"/>
+              <a:t>Вопросы?</a:t>
+            </a:r>
+            <a:endParaRPr lang="ru-RU" dirty="0"/>
+          </a:p>
+        </p:txBody>
+      </p:sp>
+      <p:sp>
+        <p:nvSpPr>
+          <p:cNvPr id="3" name="Содержимое 2"/>
+          <p:cNvSpPr>
+            <a:spLocks noGrp="1"/>
+          </p:cNvSpPr>
+          <p:nvPr>
+            <p:ph idx="1"/>
+          </p:nvPr>
+        </p:nvSpPr>
+        <p:spPr/>
+        <p:txBody>
+          <a:bodyPr/>
+          <a:lstStyle/>
+          <a:p>
+            <a:endParaRPr lang="ru-RU"/>
           </a:p>
         </p:txBody>
       </p:sp>
@@ -8565,7 +9353,11 @@
           <a:p>
             <a:r>
               <a:rPr lang="ru-RU" dirty="0" smtClean="0"/>
-              <a:t>Функциональная схема 4Р-БПЛА</a:t>
+              <a:t>Функциональная схема </a:t>
+            </a:r>
+            <a:r>
+              <a:rPr lang="ru-RU" dirty="0" smtClean="0"/>
+              <a:t>4Р-БПЛА</a:t>
             </a:r>
             <a:endParaRPr lang="ru-RU" dirty="0"/>
           </a:p>
@@ -8606,16 +9398,16 @@
           <a:p>
             <a:pPr algn="ctr"/>
             <a:r>
-              <a:rPr lang="en-US" dirty="0" smtClean="0">
+              <a:rPr lang="en-US" sz="2400" dirty="0" smtClean="0">
                 <a:solidFill>
-                  <a:srgbClr val="002060"/>
+                  <a:schemeClr val="bg1"/>
                 </a:solidFill>
               </a:rPr>
               <a:t>PC</a:t>
             </a:r>
-            <a:endParaRPr lang="ru-RU" dirty="0">
+            <a:endParaRPr lang="ru-RU" sz="2400" dirty="0">
               <a:solidFill>
-                <a:srgbClr val="002060"/>
+                <a:schemeClr val="bg1"/>
               </a:solidFill>
             </a:endParaRPr>
           </a:p>
@@ -8656,16 +9448,16 @@
           <a:p>
             <a:pPr algn="ctr"/>
             <a:r>
-              <a:rPr lang="en-US" dirty="0" err="1" smtClean="0">
+              <a:rPr lang="en-US" sz="2400" dirty="0" err="1" smtClean="0">
                 <a:solidFill>
-                  <a:srgbClr val="002060"/>
+                  <a:schemeClr val="bg1"/>
                 </a:solidFill>
               </a:rPr>
               <a:t>Arduino</a:t>
             </a:r>
-            <a:endParaRPr lang="ru-RU" dirty="0">
+            <a:endParaRPr lang="ru-RU" sz="2400" dirty="0">
               <a:solidFill>
-                <a:srgbClr val="002060"/>
+                <a:schemeClr val="bg1"/>
               </a:solidFill>
             </a:endParaRPr>
           </a:p>
@@ -8708,7 +9500,7 @@
             <a:r>
               <a:rPr lang="en-US" sz="1400" dirty="0" smtClean="0">
                 <a:solidFill>
-                  <a:srgbClr val="002060"/>
+                  <a:schemeClr val="bg1"/>
                 </a:solidFill>
               </a:rPr>
               <a:t>3-axis</a:t>
@@ -8719,7 +9511,7 @@
             <a:r>
               <a:rPr lang="en-US" sz="1400" dirty="0" smtClean="0">
                 <a:solidFill>
-                  <a:srgbClr val="002060"/>
+                  <a:schemeClr val="bg1"/>
                 </a:solidFill>
               </a:rPr>
               <a:t>gyroscope</a:t>
@@ -8764,7 +9556,7 @@
             <a:r>
               <a:rPr lang="en-US" sz="1400" dirty="0" smtClean="0">
                 <a:solidFill>
-                  <a:srgbClr val="002060"/>
+                  <a:schemeClr val="bg1"/>
                 </a:solidFill>
               </a:rPr>
               <a:t>3-axis</a:t>
@@ -8775,14 +9567,14 @@
             <a:r>
               <a:rPr lang="en-US" sz="1400" dirty="0" smtClean="0">
                 <a:solidFill>
-                  <a:srgbClr val="002060"/>
+                  <a:schemeClr val="bg1"/>
                 </a:solidFill>
               </a:rPr>
               <a:t>Accelerometer</a:t>
             </a:r>
             <a:endParaRPr lang="ru-RU" sz="1400" dirty="0">
               <a:solidFill>
-                <a:srgbClr val="002060"/>
+                <a:schemeClr val="bg1"/>
               </a:solidFill>
             </a:endParaRPr>
           </a:p>
@@ -8825,7 +9617,7 @@
             <a:r>
               <a:rPr lang="en-US" sz="1400" dirty="0" smtClean="0">
                 <a:solidFill>
-                  <a:srgbClr val="002060"/>
+                  <a:schemeClr val="bg1"/>
                 </a:solidFill>
               </a:rPr>
               <a:t>Barometer</a:t>
@@ -8870,7 +9662,7 @@
             <a:r>
               <a:rPr lang="en-US" sz="1400" dirty="0" smtClean="0">
                 <a:solidFill>
-                  <a:srgbClr val="002060"/>
+                  <a:schemeClr val="bg1"/>
                 </a:solidFill>
               </a:rPr>
               <a:t>Magnetometer</a:t>
@@ -8913,16 +9705,16 @@
           <a:p>
             <a:pPr algn="ctr"/>
             <a:r>
-              <a:rPr lang="en-US" dirty="0" err="1" smtClean="0">
+              <a:rPr lang="en-US" sz="2400" dirty="0" err="1" smtClean="0">
                 <a:solidFill>
-                  <a:srgbClr val="002060"/>
+                  <a:schemeClr val="bg1"/>
                 </a:solidFill>
               </a:rPr>
               <a:t>XBee</a:t>
             </a:r>
-            <a:endParaRPr lang="ru-RU" dirty="0">
+            <a:endParaRPr lang="ru-RU" sz="2400" dirty="0">
               <a:solidFill>
-                <a:srgbClr val="002060"/>
+                <a:schemeClr val="bg1"/>
               </a:solidFill>
             </a:endParaRPr>
           </a:p>
@@ -8965,7 +9757,7 @@
             <a:r>
               <a:rPr lang="en-US" sz="1400" dirty="0" smtClean="0">
                 <a:solidFill>
-                  <a:srgbClr val="002060"/>
+                  <a:schemeClr val="bg1"/>
                 </a:solidFill>
               </a:rPr>
               <a:t>ESC #1</a:t>
@@ -9010,7 +9802,7 @@
             <a:r>
               <a:rPr lang="en-US" sz="1400" dirty="0" smtClean="0">
                 <a:solidFill>
-                  <a:srgbClr val="002060"/>
+                  <a:schemeClr val="bg1"/>
                 </a:solidFill>
               </a:rPr>
               <a:t>Brushless Motor</a:t>
@@ -9055,7 +9847,7 @@
             <a:r>
               <a:rPr lang="en-US" sz="1400" dirty="0" smtClean="0">
                 <a:solidFill>
-                  <a:srgbClr val="002060"/>
+                  <a:schemeClr val="bg1"/>
                 </a:solidFill>
               </a:rPr>
               <a:t>ESC #2</a:t>
@@ -9100,7 +9892,7 @@
             <a:r>
               <a:rPr lang="en-US" sz="1400" dirty="0" smtClean="0">
                 <a:solidFill>
-                  <a:srgbClr val="002060"/>
+                  <a:schemeClr val="bg1"/>
                 </a:solidFill>
               </a:rPr>
               <a:t>Brushless Motor</a:t>
@@ -9145,7 +9937,7 @@
             <a:r>
               <a:rPr lang="en-US" sz="1400" dirty="0" smtClean="0">
                 <a:solidFill>
-                  <a:srgbClr val="002060"/>
+                  <a:schemeClr val="bg1"/>
                 </a:solidFill>
               </a:rPr>
               <a:t>ESC #3</a:t>
@@ -9190,7 +9982,7 @@
             <a:r>
               <a:rPr lang="en-US" sz="1400" dirty="0" smtClean="0">
                 <a:solidFill>
-                  <a:srgbClr val="002060"/>
+                  <a:schemeClr val="bg1"/>
                 </a:solidFill>
               </a:rPr>
               <a:t>Brushless Motor</a:t>
@@ -9235,7 +10027,7 @@
             <a:r>
               <a:rPr lang="en-US" sz="1400" dirty="0" smtClean="0">
                 <a:solidFill>
-                  <a:srgbClr val="002060"/>
+                  <a:schemeClr val="bg1"/>
                 </a:solidFill>
               </a:rPr>
               <a:t>ESC #4</a:t>
@@ -9280,7 +10072,7 @@
             <a:r>
               <a:rPr lang="en-US" sz="1400" dirty="0" smtClean="0">
                 <a:solidFill>
-                  <a:srgbClr val="002060"/>
+                  <a:schemeClr val="bg1"/>
                 </a:solidFill>
               </a:rPr>
               <a:t>Brushless Motor</a:t>
@@ -9296,8 +10088,8 @@
         </p:nvSpPr>
         <p:spPr>
           <a:xfrm>
-            <a:off x="2555776" y="4653136"/>
-            <a:ext cx="1008112" cy="936104"/>
+            <a:off x="2051720" y="4653136"/>
+            <a:ext cx="1512168" cy="936104"/>
           </a:xfrm>
           <a:prstGeom prst="rect">
             <a:avLst/>
@@ -9323,16 +10115,16 @@
           <a:p>
             <a:pPr algn="ctr"/>
             <a:r>
-              <a:rPr lang="en-US" dirty="0" smtClean="0">
+              <a:rPr lang="en-US" sz="2400" dirty="0" smtClean="0">
                 <a:solidFill>
-                  <a:srgbClr val="002060"/>
+                  <a:schemeClr val="bg1"/>
                 </a:solidFill>
               </a:rPr>
               <a:t>Camera</a:t>
             </a:r>
-            <a:endParaRPr lang="ru-RU" dirty="0">
+            <a:endParaRPr lang="ru-RU" sz="2400" dirty="0">
               <a:solidFill>
-                <a:srgbClr val="002060"/>
+                <a:schemeClr val="bg1"/>
               </a:solidFill>
             </a:endParaRPr>
           </a:p>

--- a/trunk/Docs/Medias2012.pptx
+++ b/trunk/Docs/Medias2012.pptx
@@ -16,17 +16,17 @@
     <p:sldId id="270" r:id="rId10"/>
     <p:sldId id="262" r:id="rId11"/>
     <p:sldId id="274" r:id="rId12"/>
-    <p:sldId id="272" r:id="rId13"/>
-    <p:sldId id="273" r:id="rId14"/>
-    <p:sldId id="268" r:id="rId15"/>
-    <p:sldId id="275" r:id="rId16"/>
-    <p:sldId id="276" r:id="rId17"/>
-    <p:sldId id="277" r:id="rId18"/>
-    <p:sldId id="279" r:id="rId19"/>
-    <p:sldId id="280" r:id="rId20"/>
-    <p:sldId id="281" r:id="rId21"/>
-    <p:sldId id="282" r:id="rId22"/>
-    <p:sldId id="278" r:id="rId23"/>
+    <p:sldId id="278" r:id="rId13"/>
+    <p:sldId id="272" r:id="rId14"/>
+    <p:sldId id="273" r:id="rId15"/>
+    <p:sldId id="268" r:id="rId16"/>
+    <p:sldId id="275" r:id="rId17"/>
+    <p:sldId id="276" r:id="rId18"/>
+    <p:sldId id="277" r:id="rId19"/>
+    <p:sldId id="279" r:id="rId20"/>
+    <p:sldId id="280" r:id="rId21"/>
+    <p:sldId id="281" r:id="rId22"/>
+    <p:sldId id="282" r:id="rId23"/>
     <p:sldId id="259" r:id="rId24"/>
   </p:sldIdLst>
   <p:sldSz cx="9144000" cy="6858000" type="screen4x3"/>
@@ -166,7 +166,7 @@
             <a:fld id="{5B106E36-FD25-4E2D-B0AA-010F637433A0}" type="datetimeFigureOut">
               <a:rPr lang="ru-RU" smtClean="0"/>
               <a:pPr/>
-              <a:t>09.05.2012</a:t>
+              <a:t>10.05.2012</a:t>
             </a:fld>
             <a:endParaRPr lang="ru-RU"/>
           </a:p>
@@ -885,7 +885,7 @@
             <a:fld id="{5B106E36-FD25-4E2D-B0AA-010F637433A0}" type="datetimeFigureOut">
               <a:rPr lang="ru-RU" smtClean="0"/>
               <a:pPr/>
-              <a:t>09.05.2012</a:t>
+              <a:t>10.05.2012</a:t>
             </a:fld>
             <a:endParaRPr lang="ru-RU"/>
           </a:p>
@@ -1072,7 +1072,7 @@
             <a:fld id="{5B106E36-FD25-4E2D-B0AA-010F637433A0}" type="datetimeFigureOut">
               <a:rPr lang="ru-RU" smtClean="0"/>
               <a:pPr/>
-              <a:t>09.05.2012</a:t>
+              <a:t>10.05.2012</a:t>
             </a:fld>
             <a:endParaRPr lang="ru-RU"/>
           </a:p>
@@ -1249,7 +1249,7 @@
             <a:fld id="{5B106E36-FD25-4E2D-B0AA-010F637433A0}" type="datetimeFigureOut">
               <a:rPr lang="ru-RU" smtClean="0"/>
               <a:pPr/>
-              <a:t>09.05.2012</a:t>
+              <a:t>10.05.2012</a:t>
             </a:fld>
             <a:endParaRPr lang="ru-RU"/>
           </a:p>
@@ -2734,7 +2734,7 @@
             <a:fld id="{5B106E36-FD25-4E2D-B0AA-010F637433A0}" type="datetimeFigureOut">
               <a:rPr lang="ru-RU" smtClean="0"/>
               <a:pPr/>
-              <a:t>09.05.2012</a:t>
+              <a:t>10.05.2012</a:t>
             </a:fld>
             <a:endParaRPr lang="ru-RU"/>
           </a:p>
@@ -3336,7 +3336,7 @@
             <a:fld id="{5B106E36-FD25-4E2D-B0AA-010F637433A0}" type="datetimeFigureOut">
               <a:rPr lang="ru-RU" smtClean="0"/>
               <a:pPr/>
-              <a:t>09.05.2012</a:t>
+              <a:t>10.05.2012</a:t>
             </a:fld>
             <a:endParaRPr lang="ru-RU"/>
           </a:p>
@@ -3775,7 +3775,7 @@
             <a:fld id="{5B106E36-FD25-4E2D-B0AA-010F637433A0}" type="datetimeFigureOut">
               <a:rPr lang="ru-RU" smtClean="0"/>
               <a:pPr/>
-              <a:t>09.05.2012</a:t>
+              <a:t>10.05.2012</a:t>
             </a:fld>
             <a:endParaRPr lang="ru-RU"/>
           </a:p>
@@ -4338,7 +4338,7 @@
             <a:fld id="{5B106E36-FD25-4E2D-B0AA-010F637433A0}" type="datetimeFigureOut">
               <a:rPr lang="ru-RU" smtClean="0"/>
               <a:pPr/>
-              <a:t>09.05.2012</a:t>
+              <a:t>10.05.2012</a:t>
             </a:fld>
             <a:endParaRPr lang="ru-RU"/>
           </a:p>
@@ -4436,7 +4436,7 @@
             <a:fld id="{5B106E36-FD25-4E2D-B0AA-010F637433A0}" type="datetimeFigureOut">
               <a:rPr lang="ru-RU" smtClean="0"/>
               <a:pPr/>
-              <a:t>09.05.2012</a:t>
+              <a:t>10.05.2012</a:t>
             </a:fld>
             <a:endParaRPr lang="ru-RU"/>
           </a:p>
@@ -4692,7 +4692,7 @@
             <a:fld id="{5B106E36-FD25-4E2D-B0AA-010F637433A0}" type="datetimeFigureOut">
               <a:rPr lang="ru-RU" smtClean="0"/>
               <a:pPr/>
-              <a:t>09.05.2012</a:t>
+              <a:t>10.05.2012</a:t>
             </a:fld>
             <a:endParaRPr lang="ru-RU"/>
           </a:p>
@@ -5415,7 +5415,7 @@
             <a:fld id="{5B106E36-FD25-4E2D-B0AA-010F637433A0}" type="datetimeFigureOut">
               <a:rPr lang="ru-RU" smtClean="0"/>
               <a:pPr/>
-              <a:t>09.05.2012</a:t>
+              <a:t>10.05.2012</a:t>
             </a:fld>
             <a:endParaRPr lang="ru-RU"/>
           </a:p>
@@ -6090,7 +6090,7 @@
             <a:fld id="{5B106E36-FD25-4E2D-B0AA-010F637433A0}" type="datetimeFigureOut">
               <a:rPr lang="ru-RU" smtClean="0"/>
               <a:pPr/>
-              <a:t>09.05.2012</a:t>
+              <a:t>10.05.2012</a:t>
             </a:fld>
             <a:endParaRPr lang="ru-RU"/>
           </a:p>
@@ -6552,46 +6552,7 @@
                   <a:reflection blurRad="12700" stA="34000" endA="740" endPos="53000" dir="5400000" sy="-100000" algn="bl" rotWithShape="0"/>
                 </a:effectLst>
               </a:rPr>
-              <a:t>применение В задачах навигации БПЛА </a:t>
-            </a:r>
-            <a:r>
-              <a:rPr lang="ru-RU" sz="2800" cap="none" dirty="0" smtClean="0">
-                <a:effectLst>
-                  <a:outerShdw blurRad="38100" dist="38100" dir="2700000" algn="tl">
-                    <a:srgbClr val="000000">
-                      <a:alpha val="43137"/>
-                    </a:srgbClr>
-                  </a:outerShdw>
-                  <a:reflection blurRad="12700" stA="34000" endA="740" endPos="53000" dir="5400000" sy="-100000" algn="bl" rotWithShape="0"/>
-                </a:effectLst>
-              </a:rPr>
-              <a:t>в</a:t>
-            </a:r>
-            <a:r>
-              <a:rPr lang="ru-RU" sz="2800" cap="none" dirty="0" smtClean="0">
-                <a:effectLst>
-                  <a:outerShdw blurRad="38100" dist="38100" dir="2700000" algn="tl">
-                    <a:srgbClr val="000000">
-                      <a:alpha val="43137"/>
-                    </a:srgbClr>
-                  </a:outerShdw>
-                  <a:reflection blurRad="12700" stA="34000" endA="740" endPos="53000" dir="5400000" sy="-100000" algn="bl" rotWithShape="0"/>
-                </a:effectLst>
-              </a:rPr>
-              <a:t> </a:t>
-            </a:r>
-            <a:r>
-              <a:rPr lang="ru-RU" sz="2800" cap="none" dirty="0" smtClean="0">
-                <a:effectLst>
-                  <a:outerShdw blurRad="38100" dist="38100" dir="2700000" algn="tl">
-                    <a:srgbClr val="000000">
-                      <a:alpha val="43137"/>
-                    </a:srgbClr>
-                  </a:outerShdw>
-                  <a:reflection blurRad="12700" stA="34000" endA="740" endPos="53000" dir="5400000" sy="-100000" algn="bl" rotWithShape="0"/>
-                </a:effectLst>
-              </a:rPr>
-              <a:t>закрытых помещениях</a:t>
+              <a:t>применение В задачах навигации БПЛА в закрытых помещениях</a:t>
             </a:r>
             <a:endParaRPr lang="ru-RU" sz="2800" cap="none" dirty="0">
               <a:effectLst>
@@ -6876,7 +6837,7 @@
         </p:nvSpPr>
         <p:spPr>
           <a:xfrm>
-            <a:off x="4355976" y="5589240"/>
+            <a:off x="4355976" y="5661248"/>
             <a:ext cx="2232248" cy="936104"/>
           </a:xfrm>
           <a:prstGeom prst="rect">
@@ -6926,7 +6887,7 @@
         </p:nvSpPr>
         <p:spPr>
           <a:xfrm>
-            <a:off x="6660232" y="5589240"/>
+            <a:off x="6660232" y="5661248"/>
             <a:ext cx="2232248" cy="936104"/>
           </a:xfrm>
           <a:prstGeom prst="rect">
@@ -6974,23 +6935,7 @@
                   <a:schemeClr val="bg1"/>
                 </a:solidFill>
               </a:rPr>
-              <a:t>. </a:t>
-            </a:r>
-            <a:r>
-              <a:rPr lang="ru-RU" dirty="0" smtClean="0">
-                <a:solidFill>
-                  <a:schemeClr val="bg1"/>
-                </a:solidFill>
-              </a:rPr>
-              <a:t>т</a:t>
-            </a:r>
-            <a:r>
-              <a:rPr lang="ru-RU" dirty="0" smtClean="0">
-                <a:solidFill>
-                  <a:schemeClr val="bg1"/>
-                </a:solidFill>
-              </a:rPr>
-              <a:t>ела</a:t>
+              <a:t>. тела</a:t>
             </a:r>
           </a:p>
           <a:p>
@@ -7027,7 +6972,7 @@
         </p:nvSpPr>
         <p:spPr>
           <a:xfrm>
-            <a:off x="611560" y="1268760"/>
+            <a:off x="611560" y="1340768"/>
             <a:ext cx="1440160" cy="1440160"/>
           </a:xfrm>
           <a:prstGeom prst="rect">
@@ -7093,7 +7038,7 @@
         </p:nvSpPr>
         <p:spPr>
           <a:xfrm>
-            <a:off x="4355976" y="4581128"/>
+            <a:off x="4355976" y="4653136"/>
             <a:ext cx="2232248" cy="936104"/>
           </a:xfrm>
           <a:prstGeom prst="rect">
@@ -7159,7 +7104,7 @@
         </p:nvSpPr>
         <p:spPr>
           <a:xfrm>
-            <a:off x="6660232" y="4581128"/>
+            <a:off x="6660232" y="4653136"/>
             <a:ext cx="2232248" cy="936104"/>
           </a:xfrm>
           <a:prstGeom prst="rect">
@@ -7231,7 +7176,7 @@
         </p:nvSpPr>
         <p:spPr>
           <a:xfrm>
-            <a:off x="6660232" y="3573016"/>
+            <a:off x="6660232" y="3645024"/>
             <a:ext cx="2232248" cy="936104"/>
           </a:xfrm>
           <a:prstGeom prst="rect">
@@ -7292,7 +7237,7 @@
         </p:nvSpPr>
         <p:spPr>
           <a:xfrm>
-            <a:off x="4355976" y="3573016"/>
+            <a:off x="4355976" y="3645024"/>
             <a:ext cx="2232248" cy="936104"/>
           </a:xfrm>
           <a:prstGeom prst="rect">
@@ -7335,15 +7280,7 @@
                   <a:schemeClr val="bg1"/>
                 </a:solidFill>
               </a:rPr>
-              <a:t>с</a:t>
-            </a:r>
-            <a:r>
-              <a:rPr lang="ru-RU" dirty="0" smtClean="0">
-                <a:solidFill>
-                  <a:schemeClr val="bg1"/>
-                </a:solidFill>
-              </a:rPr>
-              <a:t>истемы стабилизации</a:t>
+              <a:t>системы стабилизации</a:t>
             </a:r>
             <a:endParaRPr lang="ru-RU" dirty="0">
               <a:solidFill>
@@ -7361,7 +7298,7 @@
         </p:nvSpPr>
         <p:spPr>
           <a:xfrm>
-            <a:off x="611560" y="2780928"/>
+            <a:off x="611560" y="2852936"/>
             <a:ext cx="1440160" cy="1440160"/>
           </a:xfrm>
           <a:prstGeom prst="rect">
@@ -7422,7 +7359,7 @@
         </p:nvSpPr>
         <p:spPr>
           <a:xfrm>
-            <a:off x="6660232" y="1268760"/>
+            <a:off x="6660232" y="1340768"/>
             <a:ext cx="2232248" cy="936104"/>
           </a:xfrm>
           <a:prstGeom prst="rect">
@@ -7502,7 +7439,7 @@
         </p:nvSpPr>
         <p:spPr>
           <a:xfrm>
-            <a:off x="3131840" y="1268760"/>
+            <a:off x="3131840" y="1340768"/>
             <a:ext cx="2160240" cy="2016224"/>
           </a:xfrm>
           <a:prstGeom prst="rect">
@@ -7564,15 +7501,7 @@
                   <a:schemeClr val="bg1"/>
                 </a:solidFill>
               </a:rPr>
-              <a:t>	</a:t>
-            </a:r>
-            <a:r>
-              <a:rPr lang="ru-RU" dirty="0" smtClean="0">
-                <a:solidFill>
-                  <a:schemeClr val="bg1"/>
-                </a:solidFill>
-              </a:rPr>
-              <a:t>- групп.</a:t>
+              <a:t>	- групп.</a:t>
             </a:r>
             <a:endParaRPr lang="ru-RU" dirty="0">
               <a:solidFill>
@@ -7590,7 +7519,7 @@
         </p:nvSpPr>
         <p:spPr>
           <a:xfrm>
-            <a:off x="2123728" y="2060848"/>
+            <a:off x="2123728" y="2132856"/>
             <a:ext cx="936104" cy="216024"/>
           </a:xfrm>
           <a:prstGeom prst="rightArrow">
@@ -7628,7 +7557,7 @@
         </p:nvSpPr>
         <p:spPr>
           <a:xfrm>
-            <a:off x="2123728" y="2924944"/>
+            <a:off x="2123728" y="2996952"/>
             <a:ext cx="936104" cy="216024"/>
           </a:xfrm>
           <a:prstGeom prst="rightArrow">
@@ -7666,7 +7595,7 @@
         </p:nvSpPr>
         <p:spPr>
           <a:xfrm>
-            <a:off x="5364088" y="1628800"/>
+            <a:off x="5364088" y="1700808"/>
             <a:ext cx="1224136" cy="216024"/>
           </a:xfrm>
           <a:prstGeom prst="rightArrow">
@@ -7704,7 +7633,7 @@
         </p:nvSpPr>
         <p:spPr>
           <a:xfrm rot="16200000">
-            <a:off x="5220072" y="2420888"/>
+            <a:off x="5220072" y="2492896"/>
             <a:ext cx="1152128" cy="864096"/>
           </a:xfrm>
           <a:prstGeom prst="leftUpArrow">
@@ -7741,7 +7670,7 @@
     </p:spTree>
     <p:extLst>
       <p:ext uri="{BB962C8B-B14F-4D97-AF65-F5344CB8AC3E}">
-        <p14:creationId xmlns:p14="http://schemas.microsoft.com/office/powerpoint/2010/main" xmlns="" val="1550165570"/>
+        <p14:creationId xmlns="" xmlns:p14="http://schemas.microsoft.com/office/powerpoint/2010/main" val="1550165570"/>
       </p:ext>
     </p:extLst>
   </p:cSld>
@@ -7791,65 +7720,92 @@
           <a:lstStyle/>
           <a:p>
             <a:r>
-              <a:rPr lang="ru-RU" sz="2800" dirty="0" smtClean="0"/>
-              <a:t>Модель </a:t>
-            </a:r>
-            <a:r>
-              <a:rPr lang="ru-RU" sz="2800" dirty="0" smtClean="0"/>
-              <a:t>4Р-БПЛА </a:t>
-            </a:r>
-            <a:r>
-              <a:rPr lang="ru-RU" sz="2800" dirty="0" smtClean="0"/>
-              <a:t>как твердого тела с 6 степенями свободы</a:t>
-            </a:r>
-            <a:endParaRPr lang="ru-RU" sz="2800" dirty="0"/>
-          </a:p>
-        </p:txBody>
-      </p:sp>
-      <p:sp>
-        <p:nvSpPr>
-          <p:cNvPr id="3" name="Объект 2"/>
+              <a:rPr lang="ru-RU" dirty="0" smtClean="0"/>
+              <a:t>Выбор аппаратной платформы для БПЛА</a:t>
+            </a:r>
+            <a:endParaRPr lang="ru-RU" dirty="0"/>
+          </a:p>
+        </p:txBody>
+      </p:sp>
+      <p:sp>
+        <p:nvSpPr>
+          <p:cNvPr id="3" name="Содержимое 2"/>
           <p:cNvSpPr>
             <a:spLocks noGrp="1"/>
           </p:cNvSpPr>
           <p:nvPr>
-            <p:ph sz="quarter" idx="4294967295"/>
+            <p:ph idx="1"/>
           </p:nvPr>
         </p:nvSpPr>
-        <p:spPr>
-          <a:xfrm>
-            <a:off x="609600" y="1600200"/>
-            <a:ext cx="7924800" cy="4114800"/>
-          </a:xfrm>
-          <a:prstGeom prst="rect">
-            <a:avLst/>
-          </a:prstGeom>
-        </p:spPr>
+        <p:spPr/>
         <p:txBody>
           <a:bodyPr/>
           <a:lstStyle/>
           <a:p>
+            <a:r>
+              <a:rPr lang="ru-RU" dirty="0" smtClean="0"/>
+              <a:t>Контроллер:</a:t>
+            </a:r>
+            <a:endParaRPr lang="en-US" dirty="0" smtClean="0"/>
+          </a:p>
+          <a:p>
+            <a:pPr lvl="1"/>
+            <a:r>
+              <a:rPr lang="en-US" dirty="0" err="1" smtClean="0"/>
+              <a:t>Arduino</a:t>
+            </a:r>
+            <a:endParaRPr lang="en-US" dirty="0" smtClean="0"/>
+          </a:p>
+          <a:p>
+            <a:pPr lvl="1"/>
+            <a:r>
+              <a:rPr lang="en-US" dirty="0" err="1" smtClean="0"/>
+              <a:t>Netduino</a:t>
+            </a:r>
+            <a:endParaRPr lang="en-US" dirty="0" smtClean="0"/>
+          </a:p>
+          <a:p>
+            <a:r>
+              <a:rPr lang="ru-RU" dirty="0" smtClean="0"/>
+              <a:t>Коммуникационная система</a:t>
+            </a:r>
+            <a:endParaRPr lang="en-US" dirty="0" smtClean="0"/>
+          </a:p>
+          <a:p>
+            <a:pPr lvl="1"/>
+            <a:r>
+              <a:rPr lang="en-US" dirty="0" err="1" smtClean="0"/>
+              <a:t>WiFi</a:t>
+            </a:r>
+            <a:endParaRPr lang="en-US" dirty="0" smtClean="0"/>
+          </a:p>
+          <a:p>
+            <a:pPr lvl="1"/>
+            <a:r>
+              <a:rPr lang="en-US" smtClean="0"/>
+              <a:t>Zig</a:t>
+            </a:r>
+            <a:r>
+              <a:rPr lang="en-US" smtClean="0"/>
+              <a:t>Bee</a:t>
+            </a:r>
+            <a:endParaRPr lang="en-US" dirty="0" smtClean="0"/>
+          </a:p>
+          <a:p>
+            <a:pPr lvl="1"/>
+            <a:r>
+              <a:rPr lang="en-US" dirty="0" smtClean="0"/>
+              <a:t>Bluetooth</a:t>
+            </a:r>
             <a:endParaRPr lang="ru-RU" dirty="0"/>
           </a:p>
         </p:txBody>
       </p:sp>
     </p:spTree>
-    <p:extLst>
-      <p:ext uri="{BB962C8B-B14F-4D97-AF65-F5344CB8AC3E}">
-        <p14:creationId xmlns:p14="http://schemas.microsoft.com/office/powerpoint/2010/main" xmlns="" val="3609528446"/>
-      </p:ext>
-    </p:extLst>
   </p:cSld>
   <p:clrMapOvr>
     <a:masterClrMapping/>
   </p:clrMapOvr>
-  <p:timing>
-    <p:tnLst>
-      <p:par>
-        <p:cTn id="1" dur="indefinite" restart="never" nodeType="tmRoot"/>
-      </p:par>
-    </p:tnLst>
-  </p:timing>
 </p:sld>
 </file>
 
@@ -7886,10 +7842,10 @@
           <a:lstStyle/>
           <a:p>
             <a:r>
-              <a:rPr lang="ru-RU" sz="3600" dirty="0" smtClean="0"/>
-              <a:t>Модель аэродинамического взаимодействия</a:t>
-            </a:r>
-            <a:endParaRPr lang="ru-RU" sz="3600" dirty="0"/>
+              <a:rPr lang="ru-RU" sz="2800" dirty="0" smtClean="0"/>
+              <a:t>Модель 4Р-БПЛА как твердого тела с 6 степенями свободы</a:t>
+            </a:r>
+            <a:endParaRPr lang="ru-RU" sz="2800" dirty="0"/>
           </a:p>
         </p:txBody>
       </p:sp>
@@ -7916,14 +7872,14 @@
           <a:bodyPr/>
           <a:lstStyle/>
           <a:p>
-            <a:endParaRPr lang="ru-RU"/>
+            <a:endParaRPr lang="ru-RU" dirty="0"/>
           </a:p>
         </p:txBody>
       </p:sp>
     </p:spTree>
     <p:extLst>
       <p:ext uri="{BB962C8B-B14F-4D97-AF65-F5344CB8AC3E}">
-        <p14:creationId xmlns:p14="http://schemas.microsoft.com/office/powerpoint/2010/main" xmlns="" val="46958512"/>
+        <p14:creationId xmlns="" xmlns:p14="http://schemas.microsoft.com/office/powerpoint/2010/main" val="3609528446"/>
       </p:ext>
     </p:extLst>
   </p:cSld>
@@ -7973,64 +7929,46 @@
           <a:lstStyle/>
           <a:p>
             <a:r>
-              <a:rPr lang="ru-RU" dirty="0" smtClean="0"/>
-              <a:t>Модель аэродинамического </a:t>
-            </a:r>
-            <a:r>
-              <a:rPr lang="ru-RU" dirty="0" err="1" smtClean="0"/>
-              <a:t>движетеля</a:t>
-            </a:r>
-            <a:endParaRPr lang="ru-RU" dirty="0"/>
-          </a:p>
-        </p:txBody>
-      </p:sp>
-      <p:sp>
-        <p:nvSpPr>
-          <p:cNvPr id="3" name="Содержимое 2"/>
+              <a:rPr lang="ru-RU" sz="2800" dirty="0" smtClean="0"/>
+              <a:t>Модель аэродинамического взаимодействия</a:t>
+            </a:r>
+            <a:endParaRPr lang="ru-RU" sz="2800" dirty="0"/>
+          </a:p>
+        </p:txBody>
+      </p:sp>
+      <p:sp>
+        <p:nvSpPr>
+          <p:cNvPr id="3" name="Объект 2"/>
           <p:cNvSpPr>
             <a:spLocks noGrp="1"/>
           </p:cNvSpPr>
           <p:nvPr>
-            <p:ph idx="1"/>
+            <p:ph sz="quarter" idx="4294967295"/>
           </p:nvPr>
         </p:nvSpPr>
-        <p:spPr/>
+        <p:spPr>
+          <a:xfrm>
+            <a:off x="609600" y="1600200"/>
+            <a:ext cx="7924800" cy="4114800"/>
+          </a:xfrm>
+          <a:prstGeom prst="rect">
+            <a:avLst/>
+          </a:prstGeom>
+        </p:spPr>
         <p:txBody>
           <a:bodyPr/>
           <a:lstStyle/>
           <a:p>
-            <a:r>
-              <a:rPr lang="en-US" dirty="0" smtClean="0"/>
-              <a:t>RPM</a:t>
-            </a:r>
-          </a:p>
-          <a:p>
-            <a:endParaRPr lang="en-US" dirty="0" smtClean="0"/>
-          </a:p>
-          <a:p>
-            <a:r>
-              <a:rPr lang="ru-RU" dirty="0" smtClean="0"/>
-              <a:t>График</a:t>
-            </a:r>
-          </a:p>
-          <a:p>
-            <a:r>
-              <a:rPr lang="ru-RU" dirty="0" smtClean="0"/>
-              <a:t>ШИМ </a:t>
-            </a:r>
-            <a:r>
-              <a:rPr lang="en-US" dirty="0" smtClean="0"/>
-              <a:t>-&gt; </a:t>
-            </a:r>
-            <a:r>
-              <a:rPr lang="ru-RU" dirty="0" smtClean="0"/>
-              <a:t>Тяга</a:t>
-            </a:r>
-            <a:endParaRPr lang="ru-RU" dirty="0"/>
+            <a:endParaRPr lang="ru-RU"/>
           </a:p>
         </p:txBody>
       </p:sp>
     </p:spTree>
+    <p:extLst>
+      <p:ext uri="{BB962C8B-B14F-4D97-AF65-F5344CB8AC3E}">
+        <p14:creationId xmlns="" xmlns:p14="http://schemas.microsoft.com/office/powerpoint/2010/main" val="46958512"/>
+      </p:ext>
+    </p:extLst>
   </p:cSld>
   <p:clrMapOvr>
     <a:masterClrMapping/>
@@ -8079,15 +8017,11 @@
           <a:p>
             <a:r>
               <a:rPr lang="ru-RU" dirty="0" smtClean="0"/>
-              <a:t>Модель функционирования </a:t>
-            </a:r>
-            <a:r>
-              <a:rPr lang="en-US" dirty="0" smtClean="0"/>
-              <a:t>IMU </a:t>
-            </a:r>
-            <a:r>
-              <a:rPr lang="ru-RU" dirty="0" smtClean="0"/>
-              <a:t>сенсоров</a:t>
+              <a:t>Модель аэродинамического </a:t>
+            </a:r>
+            <a:r>
+              <a:rPr lang="ru-RU" dirty="0" err="1" smtClean="0"/>
+              <a:t>движетеля</a:t>
             </a:r>
             <a:endParaRPr lang="ru-RU" dirty="0"/>
           </a:p>
@@ -8109,54 +8043,31 @@
           <a:lstStyle/>
           <a:p>
             <a:r>
+              <a:rPr lang="en-US" dirty="0" smtClean="0"/>
+              <a:t>RPM</a:t>
+            </a:r>
+          </a:p>
+          <a:p>
+            <a:endParaRPr lang="en-US" dirty="0" smtClean="0"/>
+          </a:p>
+          <a:p>
+            <a:r>
               <a:rPr lang="ru-RU" dirty="0" smtClean="0"/>
-              <a:t>Типы сенсоров:</a:t>
-            </a:r>
-          </a:p>
-          <a:p>
-            <a:pPr lvl="1"/>
+              <a:t>График</a:t>
+            </a:r>
+          </a:p>
+          <a:p>
             <a:r>
               <a:rPr lang="ru-RU" dirty="0" smtClean="0"/>
-              <a:t>Гироскоп</a:t>
-            </a:r>
-          </a:p>
-          <a:p>
-            <a:pPr lvl="1"/>
+              <a:t>ШИМ </a:t>
+            </a:r>
+            <a:r>
+              <a:rPr lang="en-US" dirty="0" smtClean="0"/>
+              <a:t>-&gt; </a:t>
+            </a:r>
             <a:r>
               <a:rPr lang="ru-RU" dirty="0" smtClean="0"/>
-              <a:t>Акселерометр</a:t>
-            </a:r>
-          </a:p>
-          <a:p>
-            <a:pPr lvl="1"/>
-            <a:r>
-              <a:rPr lang="ru-RU" dirty="0" smtClean="0"/>
-              <a:t>Барометр</a:t>
-            </a:r>
-          </a:p>
-          <a:p>
-            <a:pPr lvl="1"/>
-            <a:r>
-              <a:rPr lang="ru-RU" dirty="0" smtClean="0"/>
-              <a:t>Магнитометр</a:t>
-            </a:r>
-          </a:p>
-          <a:p>
-            <a:r>
-              <a:rPr lang="ru-RU" dirty="0" smtClean="0"/>
-              <a:t>Разные типы шумов</a:t>
-            </a:r>
-          </a:p>
-          <a:p>
-            <a:r>
-              <a:rPr lang="ru-RU" dirty="0" smtClean="0"/>
-              <a:t>Разрядность</a:t>
-            </a:r>
-          </a:p>
-          <a:p>
-            <a:r>
-              <a:rPr lang="ru-RU" dirty="0" smtClean="0"/>
-              <a:t>Период дискретизации</a:t>
+              <a:t>Тяга</a:t>
             </a:r>
             <a:endParaRPr lang="ru-RU" dirty="0"/>
           </a:p>
@@ -8167,6 +8078,13 @@
   <p:clrMapOvr>
     <a:masterClrMapping/>
   </p:clrMapOvr>
+  <p:timing>
+    <p:tnLst>
+      <p:par>
+        <p:cTn id="1" dur="indefinite" restart="never" nodeType="tmRoot"/>
+      </p:par>
+    </p:tnLst>
+  </p:timing>
 </p:sld>
 </file>
 
@@ -8204,7 +8122,15 @@
           <a:p>
             <a:r>
               <a:rPr lang="ru-RU" dirty="0" smtClean="0"/>
-              <a:t>Модель видеокамеры</a:t>
+              <a:t>Модель функционирования </a:t>
+            </a:r>
+            <a:r>
+              <a:rPr lang="en-US" dirty="0" smtClean="0"/>
+              <a:t>IMU </a:t>
+            </a:r>
+            <a:r>
+              <a:rPr lang="ru-RU" dirty="0" smtClean="0"/>
+              <a:t>сенсоров</a:t>
             </a:r>
             <a:endParaRPr lang="ru-RU" dirty="0"/>
           </a:p>
@@ -8227,36 +8153,55 @@
           <a:p>
             <a:r>
               <a:rPr lang="ru-RU" dirty="0" smtClean="0"/>
-              <a:t>Помехи</a:t>
-            </a:r>
-          </a:p>
-          <a:p>
+              <a:t>Типы сенсоров:</a:t>
+            </a:r>
+          </a:p>
+          <a:p>
+            <a:pPr lvl="1"/>
             <a:r>
               <a:rPr lang="ru-RU" dirty="0" smtClean="0"/>
-              <a:t>Блики</a:t>
-            </a:r>
-          </a:p>
-          <a:p>
-            <a:r>
-              <a:rPr lang="en-US" dirty="0" smtClean="0"/>
-              <a:t>HDR </a:t>
-            </a:r>
+              <a:t>Гироскоп</a:t>
+            </a:r>
+          </a:p>
+          <a:p>
+            <a:pPr lvl="1"/>
             <a:r>
               <a:rPr lang="ru-RU" dirty="0" smtClean="0"/>
-              <a:t>адаптация</a:t>
-            </a:r>
-          </a:p>
-          <a:p>
+              <a:t>Акселерометр</a:t>
+            </a:r>
+          </a:p>
+          <a:p>
+            <a:pPr lvl="1"/>
             <a:r>
               <a:rPr lang="ru-RU" dirty="0" smtClean="0"/>
-              <a:t>Задержки</a:t>
-            </a:r>
-          </a:p>
-          <a:p>
+              <a:t>Барометр</a:t>
+            </a:r>
+          </a:p>
+          <a:p>
+            <a:pPr lvl="1"/>
             <a:r>
               <a:rPr lang="ru-RU" dirty="0" smtClean="0"/>
-              <a:t>Разные фокусные расстояния</a:t>
-            </a:r>
+              <a:t>Магнитометр</a:t>
+            </a:r>
+          </a:p>
+          <a:p>
+            <a:r>
+              <a:rPr lang="ru-RU" dirty="0" smtClean="0"/>
+              <a:t>Разные типы шумов</a:t>
+            </a:r>
+          </a:p>
+          <a:p>
+            <a:r>
+              <a:rPr lang="ru-RU" dirty="0" smtClean="0"/>
+              <a:t>Разрядность</a:t>
+            </a:r>
+          </a:p>
+          <a:p>
+            <a:r>
+              <a:rPr lang="ru-RU" dirty="0" smtClean="0"/>
+              <a:t>Период дискретизации</a:t>
+            </a:r>
+            <a:endParaRPr lang="ru-RU" dirty="0"/>
           </a:p>
         </p:txBody>
       </p:sp>
@@ -8302,7 +8247,7 @@
           <a:p>
             <a:r>
               <a:rPr lang="ru-RU" dirty="0" smtClean="0"/>
-              <a:t>Модель системы стабилизации</a:t>
+              <a:t>Модель видеокамеры</a:t>
             </a:r>
             <a:endParaRPr lang="ru-RU" dirty="0"/>
           </a:p>
@@ -8323,7 +8268,38 @@
           <a:bodyPr/>
           <a:lstStyle/>
           <a:p>
-            <a:endParaRPr lang="ru-RU"/>
+            <a:r>
+              <a:rPr lang="ru-RU" dirty="0" smtClean="0"/>
+              <a:t>Помехи</a:t>
+            </a:r>
+          </a:p>
+          <a:p>
+            <a:r>
+              <a:rPr lang="ru-RU" dirty="0" smtClean="0"/>
+              <a:t>Блики</a:t>
+            </a:r>
+          </a:p>
+          <a:p>
+            <a:r>
+              <a:rPr lang="en-US" dirty="0" smtClean="0"/>
+              <a:t>HDR </a:t>
+            </a:r>
+            <a:r>
+              <a:rPr lang="ru-RU" dirty="0" smtClean="0"/>
+              <a:t>адаптация</a:t>
+            </a:r>
+          </a:p>
+          <a:p>
+            <a:r>
+              <a:rPr lang="ru-RU" dirty="0" smtClean="0"/>
+              <a:t>Задержки</a:t>
+            </a:r>
+          </a:p>
+          <a:p>
+            <a:r>
+              <a:rPr lang="ru-RU" dirty="0" smtClean="0"/>
+              <a:t>Разные фокусные расстояния</a:t>
+            </a:r>
           </a:p>
         </p:txBody>
       </p:sp>
@@ -8369,15 +8345,7 @@
           <a:p>
             <a:r>
               <a:rPr lang="ru-RU" dirty="0" smtClean="0"/>
-              <a:t>Средства </a:t>
-            </a:r>
-            <a:r>
-              <a:rPr lang="ru-RU" dirty="0" err="1" smtClean="0"/>
-              <a:t>журналирования</a:t>
-            </a:r>
-            <a:r>
-              <a:rPr lang="ru-RU" dirty="0" smtClean="0"/>
-              <a:t> и анализа</a:t>
+              <a:t>Модель системы стабилизации</a:t>
             </a:r>
             <a:endParaRPr lang="ru-RU" dirty="0"/>
           </a:p>
@@ -8444,7 +8412,15 @@
           <a:p>
             <a:r>
               <a:rPr lang="ru-RU" dirty="0" smtClean="0"/>
-              <a:t>Телеметрия БПЛА</a:t>
+              <a:t>Средства </a:t>
+            </a:r>
+            <a:r>
+              <a:rPr lang="ru-RU" dirty="0" err="1" smtClean="0"/>
+              <a:t>журналирования</a:t>
+            </a:r>
+            <a:r>
+              <a:rPr lang="ru-RU" dirty="0" smtClean="0"/>
+              <a:t> и анализа</a:t>
             </a:r>
             <a:endParaRPr lang="ru-RU" dirty="0"/>
           </a:p>
@@ -8619,7 +8595,7 @@
           <a:p>
             <a:r>
               <a:rPr lang="ru-RU" dirty="0" smtClean="0"/>
-              <a:t>Система оптического захвата движения</a:t>
+              <a:t>Телеметрия БПЛА</a:t>
             </a:r>
             <a:endParaRPr lang="ru-RU" dirty="0"/>
           </a:p>
@@ -8686,7 +8662,7 @@
           <a:p>
             <a:r>
               <a:rPr lang="ru-RU" dirty="0" smtClean="0"/>
-              <a:t>Система управления</a:t>
+              <a:t>Система оптического захвата движения</a:t>
             </a:r>
             <a:endParaRPr lang="ru-RU" dirty="0"/>
           </a:p>
@@ -8704,75 +8680,10 @@
         </p:nvSpPr>
         <p:spPr/>
         <p:txBody>
-          <a:bodyPr>
-            <a:normAutofit/>
-          </a:bodyPr>
+          <a:bodyPr/>
           <a:lstStyle/>
           <a:p>
-            <a:r>
-              <a:rPr lang="ru-RU" dirty="0" smtClean="0"/>
-              <a:t>Ручное</a:t>
-            </a:r>
-          </a:p>
-          <a:p>
-            <a:pPr lvl="1"/>
-            <a:r>
-              <a:rPr lang="ru-RU" dirty="0" smtClean="0"/>
-              <a:t>Клавиатура</a:t>
-            </a:r>
-          </a:p>
-          <a:p>
-            <a:pPr lvl="1"/>
-            <a:r>
-              <a:rPr lang="ru-RU" dirty="0" smtClean="0"/>
-              <a:t>Джойстик </a:t>
-            </a:r>
-            <a:r>
-              <a:rPr lang="en-US" dirty="0" smtClean="0"/>
-              <a:t>XBOX360</a:t>
-            </a:r>
-          </a:p>
-          <a:p>
-            <a:pPr lvl="1"/>
-            <a:r>
-              <a:rPr lang="en-US" dirty="0" smtClean="0"/>
-              <a:t>3D Mouse Space Pilot</a:t>
-            </a:r>
-            <a:endParaRPr lang="en-US" dirty="0" smtClean="0"/>
-          </a:p>
-          <a:p>
-            <a:r>
-              <a:rPr lang="ru-RU" dirty="0" smtClean="0"/>
-              <a:t>Автоматическое</a:t>
-            </a:r>
-          </a:p>
-          <a:p>
-            <a:pPr lvl="1"/>
-            <a:r>
-              <a:rPr lang="ru-RU" dirty="0" smtClean="0"/>
-              <a:t>Выполнение различных сценариев</a:t>
-            </a:r>
-          </a:p>
-          <a:p>
-            <a:r>
-              <a:rPr lang="ru-RU" dirty="0" smtClean="0"/>
-              <a:t>Групповое</a:t>
-            </a:r>
-          </a:p>
-          <a:p>
-            <a:pPr lvl="1"/>
-            <a:r>
-              <a:rPr lang="ru-RU" dirty="0" smtClean="0"/>
-              <a:t>Построение формаций</a:t>
-            </a:r>
-          </a:p>
-          <a:p>
-            <a:pPr lvl="1"/>
-            <a:r>
-              <a:rPr lang="ru-RU" dirty="0" smtClean="0"/>
-              <a:t>Выбор лидера</a:t>
-            </a:r>
-            <a:endParaRPr lang="en-US" dirty="0" smtClean="0"/>
+            <a:endParaRPr lang="ru-RU"/>
           </a:p>
         </p:txBody>
       </p:sp>
@@ -8818,7 +8729,7 @@
           <a:p>
             <a:r>
               <a:rPr lang="ru-RU" dirty="0" smtClean="0"/>
-              <a:t>Выбор аппаратной платформы для БПЛА</a:t>
+              <a:t>Система управления</a:t>
             </a:r>
             <a:endParaRPr lang="ru-RU" dirty="0"/>
           </a:p>
@@ -8836,61 +8747,74 @@
         </p:nvSpPr>
         <p:spPr/>
         <p:txBody>
-          <a:bodyPr/>
+          <a:bodyPr>
+            <a:normAutofit/>
+          </a:bodyPr>
           <a:lstStyle/>
           <a:p>
             <a:r>
               <a:rPr lang="ru-RU" dirty="0" smtClean="0"/>
-              <a:t>Контроллер:</a:t>
+              <a:t>Ручное</a:t>
+            </a:r>
+          </a:p>
+          <a:p>
+            <a:pPr lvl="1"/>
+            <a:r>
+              <a:rPr lang="ru-RU" dirty="0" smtClean="0"/>
+              <a:t>Клавиатура</a:t>
+            </a:r>
+          </a:p>
+          <a:p>
+            <a:pPr lvl="1"/>
+            <a:r>
+              <a:rPr lang="ru-RU" dirty="0" smtClean="0"/>
+              <a:t>Джойстик </a:t>
+            </a:r>
+            <a:r>
+              <a:rPr lang="en-US" dirty="0" smtClean="0"/>
+              <a:t>XBOX360</a:t>
+            </a:r>
+          </a:p>
+          <a:p>
+            <a:pPr lvl="1"/>
+            <a:r>
+              <a:rPr lang="en-US" dirty="0" smtClean="0"/>
+              <a:t>3D Mouse Space Pilot</a:t>
+            </a:r>
+          </a:p>
+          <a:p>
+            <a:r>
+              <a:rPr lang="ru-RU" dirty="0" smtClean="0"/>
+              <a:t>Автоматическое</a:t>
+            </a:r>
+          </a:p>
+          <a:p>
+            <a:pPr lvl="1"/>
+            <a:r>
+              <a:rPr lang="ru-RU" dirty="0" smtClean="0"/>
+              <a:t>Выполнение различных сценариев</a:t>
+            </a:r>
+          </a:p>
+          <a:p>
+            <a:r>
+              <a:rPr lang="ru-RU" dirty="0" smtClean="0"/>
+              <a:t>Групповое</a:t>
+            </a:r>
+          </a:p>
+          <a:p>
+            <a:pPr lvl="1"/>
+            <a:r>
+              <a:rPr lang="ru-RU" dirty="0" smtClean="0"/>
+              <a:t>Построение формаций</a:t>
+            </a:r>
+          </a:p>
+          <a:p>
+            <a:pPr lvl="1"/>
+            <a:r>
+              <a:rPr lang="ru-RU" dirty="0" smtClean="0"/>
+              <a:t>Выбор лидера</a:t>
             </a:r>
             <a:endParaRPr lang="en-US" dirty="0" smtClean="0"/>
-          </a:p>
-          <a:p>
-            <a:pPr lvl="1"/>
-            <a:r>
-              <a:rPr lang="en-US" dirty="0" err="1" smtClean="0"/>
-              <a:t>Arduino</a:t>
-            </a:r>
-            <a:endParaRPr lang="en-US" dirty="0" smtClean="0"/>
-          </a:p>
-          <a:p>
-            <a:pPr lvl="1"/>
-            <a:r>
-              <a:rPr lang="en-US" dirty="0" err="1" smtClean="0"/>
-              <a:t>Netduino</a:t>
-            </a:r>
-            <a:endParaRPr lang="en-US" dirty="0" smtClean="0"/>
-          </a:p>
-          <a:p>
-            <a:r>
-              <a:rPr lang="ru-RU" dirty="0" smtClean="0"/>
-              <a:t>Коммуникационная система</a:t>
-            </a:r>
-            <a:endParaRPr lang="en-US" dirty="0" smtClean="0"/>
-          </a:p>
-          <a:p>
-            <a:pPr lvl="1"/>
-            <a:r>
-              <a:rPr lang="en-US" dirty="0" err="1" smtClean="0"/>
-              <a:t>WiFi</a:t>
-            </a:r>
-            <a:endParaRPr lang="en-US" dirty="0" smtClean="0"/>
-          </a:p>
-          <a:p>
-            <a:pPr lvl="1"/>
-            <a:r>
-              <a:rPr lang="en-US" dirty="0" err="1" smtClean="0"/>
-              <a:t>Xbee</a:t>
-            </a:r>
-            <a:endParaRPr lang="en-US" dirty="0" smtClean="0"/>
-          </a:p>
-          <a:p>
-            <a:pPr lvl="1"/>
-            <a:r>
-              <a:rPr lang="en-US" dirty="0" smtClean="0"/>
-              <a:t>Bluetooth</a:t>
-            </a:r>
-            <a:endParaRPr lang="ru-RU" dirty="0"/>
           </a:p>
         </p:txBody>
       </p:sp>
@@ -9353,11 +9277,7 @@
           <a:p>
             <a:r>
               <a:rPr lang="ru-RU" dirty="0" smtClean="0"/>
-              <a:t>Функциональная схема </a:t>
-            </a:r>
-            <a:r>
-              <a:rPr lang="ru-RU" dirty="0" smtClean="0"/>
-              <a:t>4Р-БПЛА</a:t>
+              <a:t>Функциональная схема 4Р-БПЛА</a:t>
             </a:r>
             <a:endParaRPr lang="ru-RU" dirty="0"/>
           </a:p>

--- a/trunk/Docs/Medias2012.pptx
+++ b/trunk/Docs/Medias2012.pptx
@@ -4,30 +4,26 @@
   <p:sldMasterIdLst>
     <p:sldMasterId id="2147483792" r:id="rId1"/>
   </p:sldMasterIdLst>
+  <p:notesMasterIdLst>
+    <p:notesMasterId r:id="rId18"/>
+  </p:notesMasterIdLst>
   <p:sldIdLst>
-    <p:sldId id="256" r:id="rId2"/>
-    <p:sldId id="260" r:id="rId3"/>
-    <p:sldId id="265" r:id="rId4"/>
-    <p:sldId id="261" r:id="rId5"/>
-    <p:sldId id="263" r:id="rId6"/>
-    <p:sldId id="264" r:id="rId7"/>
-    <p:sldId id="266" r:id="rId8"/>
-    <p:sldId id="267" r:id="rId9"/>
-    <p:sldId id="270" r:id="rId10"/>
-    <p:sldId id="262" r:id="rId11"/>
-    <p:sldId id="274" r:id="rId12"/>
-    <p:sldId id="278" r:id="rId13"/>
-    <p:sldId id="272" r:id="rId14"/>
-    <p:sldId id="273" r:id="rId15"/>
-    <p:sldId id="268" r:id="rId16"/>
-    <p:sldId id="275" r:id="rId17"/>
-    <p:sldId id="276" r:id="rId18"/>
-    <p:sldId id="277" r:id="rId19"/>
-    <p:sldId id="279" r:id="rId20"/>
-    <p:sldId id="280" r:id="rId21"/>
-    <p:sldId id="281" r:id="rId22"/>
-    <p:sldId id="282" r:id="rId23"/>
-    <p:sldId id="259" r:id="rId24"/>
+    <p:sldId id="270" r:id="rId2"/>
+    <p:sldId id="262" r:id="rId3"/>
+    <p:sldId id="274" r:id="rId4"/>
+    <p:sldId id="272" r:id="rId5"/>
+    <p:sldId id="273" r:id="rId6"/>
+    <p:sldId id="268" r:id="rId7"/>
+    <p:sldId id="275" r:id="rId8"/>
+    <p:sldId id="276" r:id="rId9"/>
+    <p:sldId id="277" r:id="rId10"/>
+    <p:sldId id="279" r:id="rId11"/>
+    <p:sldId id="280" r:id="rId12"/>
+    <p:sldId id="281" r:id="rId13"/>
+    <p:sldId id="283" r:id="rId14"/>
+    <p:sldId id="284" r:id="rId15"/>
+    <p:sldId id="282" r:id="rId16"/>
+    <p:sldId id="259" r:id="rId17"/>
   </p:sldIdLst>
   <p:sldSz cx="9144000" cy="6858000" type="screen4x3"/>
   <p:notesSz cx="6858000" cy="9144000"/>
@@ -129,6 +125,353 @@
 </p:presentation>
 </file>
 
+<file path=ppt/notesMasters/notesMaster1.xml><?xml version="1.0" encoding="utf-8"?>
+<p:notesMaster xmlns:a="http://schemas.openxmlformats.org/drawingml/2006/main" xmlns:r="http://schemas.openxmlformats.org/officeDocument/2006/relationships" xmlns:p="http://schemas.openxmlformats.org/presentationml/2006/main">
+  <p:cSld>
+    <p:bg>
+      <p:bgRef idx="1001">
+        <a:schemeClr val="bg1"/>
+      </p:bgRef>
+    </p:bg>
+    <p:spTree>
+      <p:nvGrpSpPr>
+        <p:cNvPr id="1" name=""/>
+        <p:cNvGrpSpPr/>
+        <p:nvPr/>
+      </p:nvGrpSpPr>
+      <p:grpSpPr>
+        <a:xfrm>
+          <a:off x="0" y="0"/>
+          <a:ext cx="0" cy="0"/>
+          <a:chOff x="0" y="0"/>
+          <a:chExt cx="0" cy="0"/>
+        </a:xfrm>
+      </p:grpSpPr>
+      <p:sp>
+        <p:nvSpPr>
+          <p:cNvPr id="2" name="Верхний колонтитул 1"/>
+          <p:cNvSpPr>
+            <a:spLocks noGrp="1"/>
+          </p:cNvSpPr>
+          <p:nvPr>
+            <p:ph type="hdr" sz="quarter"/>
+          </p:nvPr>
+        </p:nvSpPr>
+        <p:spPr>
+          <a:xfrm>
+            <a:off x="0" y="0"/>
+            <a:ext cx="2971800" cy="457200"/>
+          </a:xfrm>
+          <a:prstGeom prst="rect">
+            <a:avLst/>
+          </a:prstGeom>
+        </p:spPr>
+        <p:txBody>
+          <a:bodyPr vert="horz" lIns="91440" tIns="45720" rIns="91440" bIns="45720" rtlCol="0"/>
+          <a:lstStyle>
+            <a:lvl1pPr algn="l">
+              <a:defRPr sz="1200"/>
+            </a:lvl1pPr>
+          </a:lstStyle>
+          <a:p>
+            <a:endParaRPr lang="ru-RU"/>
+          </a:p>
+        </p:txBody>
+      </p:sp>
+      <p:sp>
+        <p:nvSpPr>
+          <p:cNvPr id="3" name="Дата 2"/>
+          <p:cNvSpPr>
+            <a:spLocks noGrp="1"/>
+          </p:cNvSpPr>
+          <p:nvPr>
+            <p:ph type="dt" idx="1"/>
+          </p:nvPr>
+        </p:nvSpPr>
+        <p:spPr>
+          <a:xfrm>
+            <a:off x="3884613" y="0"/>
+            <a:ext cx="2971800" cy="457200"/>
+          </a:xfrm>
+          <a:prstGeom prst="rect">
+            <a:avLst/>
+          </a:prstGeom>
+        </p:spPr>
+        <p:txBody>
+          <a:bodyPr vert="horz" lIns="91440" tIns="45720" rIns="91440" bIns="45720" rtlCol="0"/>
+          <a:lstStyle>
+            <a:lvl1pPr algn="r">
+              <a:defRPr sz="1200"/>
+            </a:lvl1pPr>
+          </a:lstStyle>
+          <a:p>
+            <a:fld id="{D5F21F59-A2F3-40A5-BC70-CC5334A638ED}" type="datetimeFigureOut">
+              <a:rPr lang="ru-RU" smtClean="0"/>
+              <a:t>10.05.2012</a:t>
+            </a:fld>
+            <a:endParaRPr lang="ru-RU"/>
+          </a:p>
+        </p:txBody>
+      </p:sp>
+      <p:sp>
+        <p:nvSpPr>
+          <p:cNvPr id="4" name="Образ слайда 3"/>
+          <p:cNvSpPr>
+            <a:spLocks noGrp="1" noRot="1" noChangeAspect="1"/>
+          </p:cNvSpPr>
+          <p:nvPr>
+            <p:ph type="sldImg" idx="2"/>
+          </p:nvPr>
+        </p:nvSpPr>
+        <p:spPr>
+          <a:xfrm>
+            <a:off x="1143000" y="685800"/>
+            <a:ext cx="4572000" cy="3429000"/>
+          </a:xfrm>
+          <a:prstGeom prst="rect">
+            <a:avLst/>
+          </a:prstGeom>
+          <a:noFill/>
+          <a:ln w="12700">
+            <a:solidFill>
+              <a:prstClr val="black"/>
+            </a:solidFill>
+          </a:ln>
+        </p:spPr>
+        <p:txBody>
+          <a:bodyPr vert="horz" lIns="91440" tIns="45720" rIns="91440" bIns="45720" rtlCol="0" anchor="ctr"/>
+          <a:lstStyle/>
+          <a:p>
+            <a:endParaRPr lang="ru-RU"/>
+          </a:p>
+        </p:txBody>
+      </p:sp>
+      <p:sp>
+        <p:nvSpPr>
+          <p:cNvPr id="5" name="Заметки 4"/>
+          <p:cNvSpPr>
+            <a:spLocks noGrp="1"/>
+          </p:cNvSpPr>
+          <p:nvPr>
+            <p:ph type="body" sz="quarter" idx="3"/>
+          </p:nvPr>
+        </p:nvSpPr>
+        <p:spPr>
+          <a:xfrm>
+            <a:off x="685800" y="4343400"/>
+            <a:ext cx="5486400" cy="4114800"/>
+          </a:xfrm>
+          <a:prstGeom prst="rect">
+            <a:avLst/>
+          </a:prstGeom>
+        </p:spPr>
+        <p:txBody>
+          <a:bodyPr vert="horz" lIns="91440" tIns="45720" rIns="91440" bIns="45720" rtlCol="0">
+            <a:normAutofit/>
+          </a:bodyPr>
+          <a:lstStyle/>
+          <a:p>
+            <a:pPr lvl="0"/>
+            <a:r>
+              <a:rPr lang="ru-RU" smtClean="0"/>
+              <a:t>Образец текста</a:t>
+            </a:r>
+          </a:p>
+          <a:p>
+            <a:pPr lvl="1"/>
+            <a:r>
+              <a:rPr lang="ru-RU" smtClean="0"/>
+              <a:t>Второй уровень</a:t>
+            </a:r>
+          </a:p>
+          <a:p>
+            <a:pPr lvl="2"/>
+            <a:r>
+              <a:rPr lang="ru-RU" smtClean="0"/>
+              <a:t>Третий уровень</a:t>
+            </a:r>
+          </a:p>
+          <a:p>
+            <a:pPr lvl="3"/>
+            <a:r>
+              <a:rPr lang="ru-RU" smtClean="0"/>
+              <a:t>Четвертый уровень</a:t>
+            </a:r>
+          </a:p>
+          <a:p>
+            <a:pPr lvl="4"/>
+            <a:r>
+              <a:rPr lang="ru-RU" smtClean="0"/>
+              <a:t>Пятый уровень</a:t>
+            </a:r>
+            <a:endParaRPr lang="ru-RU"/>
+          </a:p>
+        </p:txBody>
+      </p:sp>
+      <p:sp>
+        <p:nvSpPr>
+          <p:cNvPr id="6" name="Нижний колонтитул 5"/>
+          <p:cNvSpPr>
+            <a:spLocks noGrp="1"/>
+          </p:cNvSpPr>
+          <p:nvPr>
+            <p:ph type="ftr" sz="quarter" idx="4"/>
+          </p:nvPr>
+        </p:nvSpPr>
+        <p:spPr>
+          <a:xfrm>
+            <a:off x="0" y="8685213"/>
+            <a:ext cx="2971800" cy="457200"/>
+          </a:xfrm>
+          <a:prstGeom prst="rect">
+            <a:avLst/>
+          </a:prstGeom>
+        </p:spPr>
+        <p:txBody>
+          <a:bodyPr vert="horz" lIns="91440" tIns="45720" rIns="91440" bIns="45720" rtlCol="0" anchor="b"/>
+          <a:lstStyle>
+            <a:lvl1pPr algn="l">
+              <a:defRPr sz="1200"/>
+            </a:lvl1pPr>
+          </a:lstStyle>
+          <a:p>
+            <a:endParaRPr lang="ru-RU"/>
+          </a:p>
+        </p:txBody>
+      </p:sp>
+      <p:sp>
+        <p:nvSpPr>
+          <p:cNvPr id="7" name="Номер слайда 6"/>
+          <p:cNvSpPr>
+            <a:spLocks noGrp="1"/>
+          </p:cNvSpPr>
+          <p:nvPr>
+            <p:ph type="sldNum" sz="quarter" idx="5"/>
+          </p:nvPr>
+        </p:nvSpPr>
+        <p:spPr>
+          <a:xfrm>
+            <a:off x="3884613" y="8685213"/>
+            <a:ext cx="2971800" cy="457200"/>
+          </a:xfrm>
+          <a:prstGeom prst="rect">
+            <a:avLst/>
+          </a:prstGeom>
+        </p:spPr>
+        <p:txBody>
+          <a:bodyPr vert="horz" lIns="91440" tIns="45720" rIns="91440" bIns="45720" rtlCol="0" anchor="b"/>
+          <a:lstStyle>
+            <a:lvl1pPr algn="r">
+              <a:defRPr sz="1200"/>
+            </a:lvl1pPr>
+          </a:lstStyle>
+          <a:p>
+            <a:fld id="{9401EB68-DA19-48A2-B911-6AD702F2F582}" type="slidenum">
+              <a:rPr lang="ru-RU" smtClean="0"/>
+              <a:t>‹#›</a:t>
+            </a:fld>
+            <a:endParaRPr lang="ru-RU"/>
+          </a:p>
+        </p:txBody>
+      </p:sp>
+    </p:spTree>
+  </p:cSld>
+  <p:clrMap bg1="lt1" tx1="dk1" bg2="lt2" tx2="dk2" accent1="accent1" accent2="accent2" accent3="accent3" accent4="accent4" accent5="accent5" accent6="accent6" hlink="hlink" folHlink="folHlink"/>
+  <p:notesStyle>
+    <a:lvl1pPr marL="0" algn="l" defTabSz="914400" rtl="0" eaLnBrk="1" latinLnBrk="0" hangingPunct="1">
+      <a:defRPr sz="1200" kern="1200">
+        <a:solidFill>
+          <a:schemeClr val="tx1"/>
+        </a:solidFill>
+        <a:latin typeface="+mn-lt"/>
+        <a:ea typeface="+mn-ea"/>
+        <a:cs typeface="+mn-cs"/>
+      </a:defRPr>
+    </a:lvl1pPr>
+    <a:lvl2pPr marL="457200" algn="l" defTabSz="914400" rtl="0" eaLnBrk="1" latinLnBrk="0" hangingPunct="1">
+      <a:defRPr sz="1200" kern="1200">
+        <a:solidFill>
+          <a:schemeClr val="tx1"/>
+        </a:solidFill>
+        <a:latin typeface="+mn-lt"/>
+        <a:ea typeface="+mn-ea"/>
+        <a:cs typeface="+mn-cs"/>
+      </a:defRPr>
+    </a:lvl2pPr>
+    <a:lvl3pPr marL="914400" algn="l" defTabSz="914400" rtl="0" eaLnBrk="1" latinLnBrk="0" hangingPunct="1">
+      <a:defRPr sz="1200" kern="1200">
+        <a:solidFill>
+          <a:schemeClr val="tx1"/>
+        </a:solidFill>
+        <a:latin typeface="+mn-lt"/>
+        <a:ea typeface="+mn-ea"/>
+        <a:cs typeface="+mn-cs"/>
+      </a:defRPr>
+    </a:lvl3pPr>
+    <a:lvl4pPr marL="1371600" algn="l" defTabSz="914400" rtl="0" eaLnBrk="1" latinLnBrk="0" hangingPunct="1">
+      <a:defRPr sz="1200" kern="1200">
+        <a:solidFill>
+          <a:schemeClr val="tx1"/>
+        </a:solidFill>
+        <a:latin typeface="+mn-lt"/>
+        <a:ea typeface="+mn-ea"/>
+        <a:cs typeface="+mn-cs"/>
+      </a:defRPr>
+    </a:lvl4pPr>
+    <a:lvl5pPr marL="1828800" algn="l" defTabSz="914400" rtl="0" eaLnBrk="1" latinLnBrk="0" hangingPunct="1">
+      <a:defRPr sz="1200" kern="1200">
+        <a:solidFill>
+          <a:schemeClr val="tx1"/>
+        </a:solidFill>
+        <a:latin typeface="+mn-lt"/>
+        <a:ea typeface="+mn-ea"/>
+        <a:cs typeface="+mn-cs"/>
+      </a:defRPr>
+    </a:lvl5pPr>
+    <a:lvl6pPr marL="2286000" algn="l" defTabSz="914400" rtl="0" eaLnBrk="1" latinLnBrk="0" hangingPunct="1">
+      <a:defRPr sz="1200" kern="1200">
+        <a:solidFill>
+          <a:schemeClr val="tx1"/>
+        </a:solidFill>
+        <a:latin typeface="+mn-lt"/>
+        <a:ea typeface="+mn-ea"/>
+        <a:cs typeface="+mn-cs"/>
+      </a:defRPr>
+    </a:lvl6pPr>
+    <a:lvl7pPr marL="2743200" algn="l" defTabSz="914400" rtl="0" eaLnBrk="1" latinLnBrk="0" hangingPunct="1">
+      <a:defRPr sz="1200" kern="1200">
+        <a:solidFill>
+          <a:schemeClr val="tx1"/>
+        </a:solidFill>
+        <a:latin typeface="+mn-lt"/>
+        <a:ea typeface="+mn-ea"/>
+        <a:cs typeface="+mn-cs"/>
+      </a:defRPr>
+    </a:lvl7pPr>
+    <a:lvl8pPr marL="3200400" algn="l" defTabSz="914400" rtl="0" eaLnBrk="1" latinLnBrk="0" hangingPunct="1">
+      <a:defRPr sz="1200" kern="1200">
+        <a:solidFill>
+          <a:schemeClr val="tx1"/>
+        </a:solidFill>
+        <a:latin typeface="+mn-lt"/>
+        <a:ea typeface="+mn-ea"/>
+        <a:cs typeface="+mn-cs"/>
+      </a:defRPr>
+    </a:lvl8pPr>
+    <a:lvl9pPr marL="3657600" algn="l" defTabSz="914400" rtl="0" eaLnBrk="1" latinLnBrk="0" hangingPunct="1">
+      <a:defRPr sz="1200" kern="1200">
+        <a:solidFill>
+          <a:schemeClr val="tx1"/>
+        </a:solidFill>
+        <a:latin typeface="+mn-lt"/>
+        <a:ea typeface="+mn-ea"/>
+        <a:cs typeface="+mn-cs"/>
+      </a:defRPr>
+    </a:lvl9pPr>
+  </p:notesStyle>
+</p:notesMaster>
+</file>
+
 <file path=ppt/slideLayouts/slideLayout1.xml><?xml version="1.0" encoding="utf-8"?>
 <p:sldLayout xmlns:a="http://schemas.openxmlformats.org/drawingml/2006/main" xmlns:r="http://schemas.openxmlformats.org/officeDocument/2006/relationships" xmlns:p="http://schemas.openxmlformats.org/presentationml/2006/main" showMasterSp="0" type="title" preserve="1">
   <p:cSld name="Титульный слайд">
@@ -163,9 +506,8 @@
             <a:extLst/>
           </a:lstStyle>
           <a:p>
-            <a:fld id="{5B106E36-FD25-4E2D-B0AA-010F637433A0}" type="datetimeFigureOut">
+            <a:fld id="{E2B41AE0-3280-4107-AAF9-23CCED5B6FE9}" type="datetime1">
               <a:rPr lang="ru-RU" smtClean="0"/>
-              <a:pPr/>
               <a:t>10.05.2012</a:t>
             </a:fld>
             <a:endParaRPr lang="ru-RU"/>
@@ -882,9 +1224,8 @@
             <a:extLst/>
           </a:lstStyle>
           <a:p>
-            <a:fld id="{5B106E36-FD25-4E2D-B0AA-010F637433A0}" type="datetimeFigureOut">
+            <a:fld id="{CCCAC9CA-0366-4239-9AE2-8D59776CA729}" type="datetime1">
               <a:rPr lang="ru-RU" smtClean="0"/>
-              <a:pPr/>
               <a:t>10.05.2012</a:t>
             </a:fld>
             <a:endParaRPr lang="ru-RU"/>
@@ -1069,9 +1410,8 @@
             <a:extLst/>
           </a:lstStyle>
           <a:p>
-            <a:fld id="{5B106E36-FD25-4E2D-B0AA-010F637433A0}" type="datetimeFigureOut">
+            <a:fld id="{F7958F22-B389-4E3E-A84A-528307C4FDAC}" type="datetime1">
               <a:rPr lang="ru-RU" smtClean="0"/>
-              <a:pPr/>
               <a:t>10.05.2012</a:t>
             </a:fld>
             <a:endParaRPr lang="ru-RU"/>
@@ -1246,9 +1586,8 @@
             <a:extLst/>
           </a:lstStyle>
           <a:p>
-            <a:fld id="{5B106E36-FD25-4E2D-B0AA-010F637433A0}" type="datetimeFigureOut">
+            <a:fld id="{D58B9A2A-4767-4501-9E7A-4E4CB04CF059}" type="datetime1">
               <a:rPr lang="ru-RU" smtClean="0"/>
-              <a:pPr/>
               <a:t>10.05.2012</a:t>
             </a:fld>
             <a:endParaRPr lang="ru-RU"/>
@@ -2731,9 +3070,8 @@
             <a:extLst/>
           </a:lstStyle>
           <a:p>
-            <a:fld id="{5B106E36-FD25-4E2D-B0AA-010F637433A0}" type="datetimeFigureOut">
+            <a:fld id="{775B9AB2-84D9-4CC2-9EC0-A59D029FBE3E}" type="datetime1">
               <a:rPr lang="ru-RU" smtClean="0"/>
-              <a:pPr/>
               <a:t>10.05.2012</a:t>
             </a:fld>
             <a:endParaRPr lang="ru-RU"/>
@@ -3333,9 +3671,8 @@
             <a:extLst/>
           </a:lstStyle>
           <a:p>
-            <a:fld id="{5B106E36-FD25-4E2D-B0AA-010F637433A0}" type="datetimeFigureOut">
+            <a:fld id="{96598D1C-CF83-4A57-B5FA-160DA451E48F}" type="datetime1">
               <a:rPr lang="ru-RU" smtClean="0"/>
-              <a:pPr/>
               <a:t>10.05.2012</a:t>
             </a:fld>
             <a:endParaRPr lang="ru-RU"/>
@@ -3772,9 +4109,8 @@
             <a:extLst/>
           </a:lstStyle>
           <a:p>
-            <a:fld id="{5B106E36-FD25-4E2D-B0AA-010F637433A0}" type="datetimeFigureOut">
+            <a:fld id="{24FB2AA9-5C18-4C60-A838-A24BE9549475}" type="datetime1">
               <a:rPr lang="ru-RU" smtClean="0"/>
-              <a:pPr/>
               <a:t>10.05.2012</a:t>
             </a:fld>
             <a:endParaRPr lang="ru-RU"/>
@@ -4335,9 +4671,8 @@
             <a:extLst/>
           </a:lstStyle>
           <a:p>
-            <a:fld id="{5B106E36-FD25-4E2D-B0AA-010F637433A0}" type="datetimeFigureOut">
+            <a:fld id="{B67074EE-FDF4-4D72-A4BF-58B3BC26637B}" type="datetime1">
               <a:rPr lang="ru-RU" smtClean="0"/>
-              <a:pPr/>
               <a:t>10.05.2012</a:t>
             </a:fld>
             <a:endParaRPr lang="ru-RU"/>
@@ -4433,9 +4768,8 @@
             <a:extLst/>
           </a:lstStyle>
           <a:p>
-            <a:fld id="{5B106E36-FD25-4E2D-B0AA-010F637433A0}" type="datetimeFigureOut">
+            <a:fld id="{97E96698-1C36-4A1A-B25F-A551C7360DBE}" type="datetime1">
               <a:rPr lang="ru-RU" smtClean="0"/>
-              <a:pPr/>
               <a:t>10.05.2012</a:t>
             </a:fld>
             <a:endParaRPr lang="ru-RU"/>
@@ -4689,9 +5023,8 @@
             <a:extLst/>
           </a:lstStyle>
           <a:p>
-            <a:fld id="{5B106E36-FD25-4E2D-B0AA-010F637433A0}" type="datetimeFigureOut">
+            <a:fld id="{85AB3C28-C807-466B-82BB-4EBE6B4083B6}" type="datetime1">
               <a:rPr lang="ru-RU" smtClean="0"/>
-              <a:pPr/>
               <a:t>10.05.2012</a:t>
             </a:fld>
             <a:endParaRPr lang="ru-RU"/>
@@ -5412,9 +5745,8 @@
             <a:extLst/>
           </a:lstStyle>
           <a:p>
-            <a:fld id="{5B106E36-FD25-4E2D-B0AA-010F637433A0}" type="datetimeFigureOut">
+            <a:fld id="{22A2C5FB-1910-420D-990B-35B474D83D19}" type="datetime1">
               <a:rPr lang="ru-RU" smtClean="0"/>
-              <a:pPr/>
               <a:t>10.05.2012</a:t>
             </a:fld>
             <a:endParaRPr lang="ru-RU"/>
@@ -6087,9 +6419,8 @@
             <a:extLst/>
           </a:lstStyle>
           <a:p>
-            <a:fld id="{5B106E36-FD25-4E2D-B0AA-010F637433A0}" type="datetimeFigureOut">
+            <a:fld id="{AAE38AD9-EAA4-4E7E-B4CD-EC1C807156F4}" type="datetime1">
               <a:rPr lang="ru-RU" smtClean="0"/>
-              <a:pPr/>
               <a:t>10.05.2012</a:t>
             </a:fld>
             <a:endParaRPr lang="ru-RU"/>
@@ -6189,6 +6520,7 @@
     <p:sldLayoutId id="2147483802" r:id="rId10"/>
     <p:sldLayoutId id="2147483803" r:id="rId11"/>
   </p:sldLayoutIdLst>
+  <p:hf hdr="0" ftr="0" dt="0"/>
   <p:txStyles>
     <p:titleStyle>
       <a:lvl1pPr algn="l" rtl="0" eaLnBrk="1" latinLnBrk="0" hangingPunct="1">
@@ -6492,7 +6824,7 @@
       </p:grpSpPr>
       <p:sp>
         <p:nvSpPr>
-          <p:cNvPr id="2" name="Заголовок 1"/>
+          <p:cNvPr id="4" name="Заголовок 3"/>
           <p:cNvSpPr>
             <a:spLocks noGrp="1"/>
           </p:cNvSpPr>
@@ -6500,76 +6832,30 @@
             <p:ph type="ctrTitle"/>
           </p:nvPr>
         </p:nvSpPr>
-        <p:spPr>
-          <a:scene3d>
-            <a:camera prst="orthographicFront"/>
-            <a:lightRig rig="threePt" dir="t"/>
-          </a:scene3d>
-          <a:sp3d>
-            <a:bevelT/>
-          </a:sp3d>
-        </p:spPr>
-        <p:txBody>
-          <a:bodyPr>
-            <a:noAutofit/>
-          </a:bodyPr>
+        <p:spPr/>
+        <p:txBody>
+          <a:bodyPr/>
           <a:lstStyle/>
           <a:p>
             <a:r>
-              <a:rPr lang="ru-RU" sz="2800" cap="none" dirty="0" smtClean="0">
-                <a:effectLst>
-                  <a:outerShdw blurRad="38100" dist="38100" dir="2700000" algn="tl">
-                    <a:srgbClr val="000000">
-                      <a:alpha val="43137"/>
-                    </a:srgbClr>
-                  </a:outerShdw>
-                  <a:reflection blurRad="12700" stA="34000" endA="740" endPos="53000" dir="5400000" sy="-100000" algn="bl" rotWithShape="0"/>
-                </a:effectLst>
-              </a:rPr>
-              <a:t>Оптические системы захвата движения В науке И технике</a:t>
-            </a:r>
-            <a:r>
-              <a:rPr lang="en-US" sz="2800" cap="none" dirty="0" smtClean="0">
-                <a:effectLst>
-                  <a:outerShdw blurRad="38100" dist="38100" dir="2700000" algn="tl">
-                    <a:srgbClr val="000000">
-                      <a:alpha val="43137"/>
-                    </a:srgbClr>
-                  </a:outerShdw>
-                  <a:reflection blurRad="12700" stA="34000" endA="740" endPos="53000" dir="5400000" sy="-100000" algn="bl" rotWithShape="0"/>
-                </a:effectLst>
-              </a:rPr>
-              <a:t>: </a:t>
-            </a:r>
-            <a:r>
-              <a:rPr lang="ru-RU" sz="2800" cap="none" dirty="0" smtClean="0">
-                <a:effectLst>
-                  <a:outerShdw blurRad="38100" dist="38100" dir="2700000" algn="tl">
-                    <a:srgbClr val="000000">
-                      <a:alpha val="43137"/>
-                    </a:srgbClr>
-                  </a:outerShdw>
-                  <a:reflection blurRad="12700" stA="34000" endA="740" endPos="53000" dir="5400000" sy="-100000" algn="bl" rotWithShape="0"/>
-                </a:effectLst>
-              </a:rPr>
-              <a:t>применение В задачах навигации БПЛА в закрытых помещениях</a:t>
-            </a:r>
-            <a:endParaRPr lang="ru-RU" sz="2800" cap="none" dirty="0">
-              <a:effectLst>
-                <a:outerShdw blurRad="38100" dist="38100" dir="2700000" algn="tl">
-                  <a:srgbClr val="000000">
-                    <a:alpha val="43137"/>
-                  </a:srgbClr>
-                </a:outerShdw>
-                <a:reflection blurRad="12700" stA="34000" endA="740" endPos="53000" dir="5400000" sy="-100000" algn="bl" rotWithShape="0"/>
-              </a:effectLst>
-            </a:endParaRPr>
-          </a:p>
-        </p:txBody>
-      </p:sp>
-      <p:sp>
-        <p:nvSpPr>
-          <p:cNvPr id="3" name="Подзаголовок 2"/>
+              <a:rPr lang="ru-RU" sz="3600" cap="none" dirty="0" smtClean="0"/>
+              <a:t>Виртуальный полигон для исследования динамики </a:t>
+            </a:r>
+            <a:r>
+              <a:rPr lang="ru-RU" sz="3600" cap="none" dirty="0" err="1" smtClean="0"/>
+              <a:t>четырехроторных</a:t>
+            </a:r>
+            <a:r>
+              <a:rPr lang="ru-RU" sz="3600" cap="none" dirty="0" smtClean="0"/>
+              <a:t> БПЛА</a:t>
+            </a:r>
+            <a:endParaRPr lang="ru-RU" sz="3600" cap="none" dirty="0"/>
+          </a:p>
+        </p:txBody>
+      </p:sp>
+      <p:sp>
+        <p:nvSpPr>
+          <p:cNvPr id="5" name="Подзаголовок 4"/>
           <p:cNvSpPr>
             <a:spLocks noGrp="1"/>
           </p:cNvSpPr>
@@ -6579,22 +6865,20 @@
         </p:nvSpPr>
         <p:spPr/>
         <p:txBody>
-          <a:bodyPr>
-            <a:normAutofit/>
-          </a:bodyPr>
+          <a:bodyPr/>
           <a:lstStyle/>
           <a:p>
             <a:r>
               <a:rPr lang="ru-RU" dirty="0" smtClean="0"/>
-              <a:t>Алексей </a:t>
+              <a:t>Александр </a:t>
             </a:r>
             <a:r>
               <a:rPr lang="ru-RU" dirty="0" err="1" smtClean="0"/>
-              <a:t>Безгодов</a:t>
+              <a:t>Загарских</a:t>
             </a:r>
             <a:r>
               <a:rPr lang="ru-RU" dirty="0" smtClean="0"/>
-              <a:t>, к.т.н., НИИ НКТ СПб НИУ ИТМО</a:t>
+              <a:t>, студент СПб НИУ ИТМО</a:t>
             </a:r>
             <a:endParaRPr lang="ru-RU" dirty="0"/>
           </a:p>
@@ -6644,133 +6928,113 @@
         </p:nvSpPr>
         <p:spPr/>
         <p:txBody>
+          <a:bodyPr/>
+          <a:lstStyle/>
+          <a:p>
+            <a:r>
+              <a:rPr lang="ru-RU" sz="3600" dirty="0" smtClean="0"/>
+              <a:t>Средства </a:t>
+            </a:r>
+            <a:r>
+              <a:rPr lang="ru-RU" sz="3600" dirty="0" err="1" smtClean="0"/>
+              <a:t>журналирования</a:t>
+            </a:r>
+            <a:r>
+              <a:rPr lang="ru-RU" sz="3600" dirty="0" smtClean="0"/>
+              <a:t> и анализа</a:t>
+            </a:r>
+            <a:endParaRPr lang="ru-RU" sz="3600" dirty="0"/>
+          </a:p>
+        </p:txBody>
+      </p:sp>
+      <p:sp>
+        <p:nvSpPr>
+          <p:cNvPr id="3" name="Содержимое 2"/>
+          <p:cNvSpPr>
+            <a:spLocks noGrp="1"/>
+          </p:cNvSpPr>
+          <p:nvPr>
+            <p:ph idx="1"/>
+          </p:nvPr>
+        </p:nvSpPr>
+        <p:spPr/>
+        <p:txBody>
           <a:bodyPr>
-            <a:normAutofit fontScale="90000"/>
+            <a:normAutofit/>
           </a:bodyPr>
           <a:lstStyle/>
           <a:p>
             <a:r>
               <a:rPr lang="ru-RU" dirty="0" smtClean="0"/>
-              <a:t>Особенности постановки задачи ВП</a:t>
-            </a:r>
-            <a:r>
-              <a:rPr lang="en-US" dirty="0" smtClean="0"/>
-              <a:t> </a:t>
-            </a:r>
-            <a:r>
-              <a:rPr lang="en-US" dirty="0" err="1" smtClean="0"/>
-              <a:t>QuadroX</a:t>
-            </a:r>
-            <a:r>
-              <a:rPr lang="en-US" dirty="0" smtClean="0"/>
-              <a:t>-DS</a:t>
+              <a:t>Запись данных в файл для дальнейшей </a:t>
             </a:r>
             <a:r>
               <a:rPr lang="ru-RU" dirty="0" smtClean="0"/>
-              <a:t> </a:t>
-            </a:r>
+              <a:t>обработки в пакетах математического моделирования</a:t>
+            </a:r>
+            <a:endParaRPr lang="ru-RU" dirty="0" smtClean="0"/>
+          </a:p>
+          <a:p>
+            <a:r>
+              <a:rPr lang="ru-RU" dirty="0" smtClean="0"/>
+              <a:t>Вывод графиков в режиме реального времени</a:t>
+            </a:r>
+          </a:p>
+          <a:p>
+            <a:r>
+              <a:rPr lang="ru-RU" dirty="0" smtClean="0"/>
+              <a:t>Индикаторы:</a:t>
+            </a:r>
+          </a:p>
+          <a:p>
+            <a:pPr lvl="1"/>
+            <a:r>
+              <a:rPr lang="ru-RU" dirty="0" smtClean="0"/>
+              <a:t>Крена</a:t>
+            </a:r>
+          </a:p>
+          <a:p>
+            <a:pPr lvl="1"/>
+            <a:r>
+              <a:rPr lang="ru-RU" dirty="0" err="1" smtClean="0"/>
+              <a:t>Тангажа</a:t>
+            </a:r>
+            <a:endParaRPr lang="ru-RU" dirty="0" smtClean="0"/>
+          </a:p>
+          <a:p>
+            <a:pPr lvl="1"/>
+            <a:r>
+              <a:rPr lang="ru-RU" dirty="0" smtClean="0"/>
+              <a:t>Курса</a:t>
+            </a:r>
+          </a:p>
+          <a:p>
+            <a:pPr lvl="1"/>
             <a:endParaRPr lang="ru-RU" dirty="0"/>
           </a:p>
         </p:txBody>
       </p:sp>
       <p:sp>
         <p:nvSpPr>
-          <p:cNvPr id="3" name="Содержимое 2"/>
-          <p:cNvSpPr>
-            <a:spLocks noGrp="1"/>
-          </p:cNvSpPr>
-          <p:nvPr>
-            <p:ph idx="1"/>
+          <p:cNvPr id="10" name="Номер слайда 9"/>
+          <p:cNvSpPr>
+            <a:spLocks noGrp="1"/>
+          </p:cNvSpPr>
+          <p:nvPr>
+            <p:ph type="sldNum" sz="quarter" idx="12"/>
           </p:nvPr>
         </p:nvSpPr>
         <p:spPr/>
         <p:txBody>
-          <a:bodyPr>
-            <a:normAutofit fontScale="77500" lnSpcReduction="20000"/>
-          </a:bodyPr>
+          <a:bodyPr/>
           <a:lstStyle/>
           <a:p>
-            <a:r>
-              <a:rPr lang="ru-RU" dirty="0" smtClean="0"/>
-              <a:t>Качественное воспроизведение аэродинамических эффектов взаимодействия групп БПЛА и окружения</a:t>
-            </a:r>
-          </a:p>
-          <a:p>
-            <a:r>
-              <a:rPr lang="ru-RU" dirty="0" smtClean="0"/>
-              <a:t>Моделирование инерциальных, барометрических и магнитометрических датчиков</a:t>
-            </a:r>
-          </a:p>
-          <a:p>
-            <a:r>
-              <a:rPr lang="ru-RU" dirty="0" smtClean="0"/>
-              <a:t>Синтез изображений формируемых камерами БПЛА</a:t>
-            </a:r>
-          </a:p>
-          <a:p>
-            <a:r>
-              <a:rPr lang="ru-RU" dirty="0" smtClean="0"/>
-              <a:t>Варьирование параметров БПЛА с целью поиска оптимальной конфигурации:</a:t>
-            </a:r>
-          </a:p>
-          <a:p>
-            <a:pPr lvl="1"/>
-            <a:r>
-              <a:rPr lang="ru-RU" dirty="0" smtClean="0"/>
-              <a:t>Длина плеча</a:t>
-            </a:r>
-          </a:p>
-          <a:p>
-            <a:pPr lvl="1"/>
-            <a:r>
-              <a:rPr lang="ru-RU" dirty="0" smtClean="0"/>
-              <a:t>Двигатели + </a:t>
-            </a:r>
-            <a:r>
-              <a:rPr lang="en-US" dirty="0" smtClean="0"/>
-              <a:t>ESC</a:t>
-            </a:r>
-            <a:r>
-              <a:rPr lang="ru-RU" dirty="0" smtClean="0"/>
-              <a:t> (по таблицам)</a:t>
-            </a:r>
-            <a:endParaRPr lang="en-US" dirty="0" smtClean="0"/>
-          </a:p>
-          <a:p>
-            <a:pPr lvl="1"/>
-            <a:r>
-              <a:rPr lang="ru-RU" dirty="0" smtClean="0"/>
-              <a:t>Пропеллеры и т.д. (по таблицам + опт. связь </a:t>
-            </a:r>
-            <a:r>
-              <a:rPr lang="en-US" dirty="0" smtClean="0"/>
-              <a:t>c</a:t>
-            </a:r>
-            <a:r>
-              <a:rPr lang="ru-RU" dirty="0" smtClean="0"/>
-              <a:t> пакетами </a:t>
-            </a:r>
-            <a:r>
-              <a:rPr lang="en-US" dirty="0" smtClean="0"/>
-              <a:t>CFD</a:t>
-            </a:r>
-            <a:r>
-              <a:rPr lang="ru-RU" dirty="0" smtClean="0"/>
-              <a:t>)</a:t>
-            </a:r>
-            <a:endParaRPr lang="en-US" dirty="0" smtClean="0"/>
-          </a:p>
-          <a:p>
-            <a:r>
-              <a:rPr lang="ru-RU" dirty="0" smtClean="0"/>
-              <a:t>Выбор окружения для моделирования</a:t>
-            </a:r>
-          </a:p>
-          <a:p>
-            <a:pPr>
-              <a:buNone/>
-            </a:pPr>
-            <a:endParaRPr lang="ru-RU" dirty="0"/>
+            <a:fld id="{725C68B6-61C2-468F-89AB-4B9F7531AA68}" type="slidenum">
+              <a:rPr lang="ru-RU" smtClean="0"/>
+              <a:pPr/>
+              <a:t>10</a:t>
+            </a:fld>
+            <a:endParaRPr lang="ru-RU"/>
           </a:p>
         </p:txBody>
       </p:sp>
@@ -6822,857 +7086,108 @@
           <a:lstStyle/>
           <a:p>
             <a:r>
-              <a:rPr lang="ru-RU" sz="3200" dirty="0" smtClean="0"/>
-              <a:t>Архитектура виртуального полигона</a:t>
-            </a:r>
-            <a:endParaRPr lang="ru-RU" sz="3200" dirty="0"/>
-          </a:p>
-        </p:txBody>
-      </p:sp>
-      <p:sp>
-        <p:nvSpPr>
-          <p:cNvPr id="4" name="Прямоугольник 3"/>
-          <p:cNvSpPr/>
-          <p:nvPr/>
-        </p:nvSpPr>
+              <a:rPr lang="ru-RU" sz="3600" dirty="0" smtClean="0"/>
+              <a:t>Телеметрия БПЛА</a:t>
+            </a:r>
+            <a:endParaRPr lang="ru-RU" sz="3600" dirty="0"/>
+          </a:p>
+        </p:txBody>
+      </p:sp>
+      <p:sp>
+        <p:nvSpPr>
+          <p:cNvPr id="3" name="Содержимое 2"/>
+          <p:cNvSpPr>
+            <a:spLocks noGrp="1"/>
+          </p:cNvSpPr>
+          <p:nvPr>
+            <p:ph sz="half" idx="1"/>
+          </p:nvPr>
+        </p:nvSpPr>
+        <p:spPr/>
+        <p:txBody>
+          <a:bodyPr/>
+          <a:lstStyle/>
+          <a:p>
+            <a:r>
+              <a:rPr lang="ru-RU" dirty="0" smtClean="0"/>
+              <a:t>Акселерометр</a:t>
+            </a:r>
+          </a:p>
+          <a:p>
+            <a:r>
+              <a:rPr lang="ru-RU" dirty="0" smtClean="0"/>
+              <a:t>Гироскоп</a:t>
+            </a:r>
+          </a:p>
+          <a:p>
+            <a:r>
+              <a:rPr lang="ru-RU" dirty="0" smtClean="0"/>
+              <a:t>Барометр</a:t>
+            </a:r>
+          </a:p>
+          <a:p>
+            <a:r>
+              <a:rPr lang="ru-RU" dirty="0" smtClean="0"/>
+              <a:t>Магнитометр</a:t>
+            </a:r>
+          </a:p>
+          <a:p>
+            <a:r>
+              <a:rPr lang="ru-RU" dirty="0" smtClean="0"/>
+              <a:t>Сонар</a:t>
+            </a:r>
+            <a:endParaRPr lang="ru-RU" dirty="0"/>
+          </a:p>
+        </p:txBody>
+      </p:sp>
+      <p:sp>
+        <p:nvSpPr>
+          <p:cNvPr id="4" name="Номер слайда 3"/>
+          <p:cNvSpPr>
+            <a:spLocks noGrp="1"/>
+          </p:cNvSpPr>
+          <p:nvPr>
+            <p:ph type="sldNum" sz="quarter" idx="12"/>
+          </p:nvPr>
+        </p:nvSpPr>
+        <p:spPr/>
+        <p:txBody>
+          <a:bodyPr/>
+          <a:lstStyle/>
+          <a:p>
+            <a:fld id="{725C68B6-61C2-468F-89AB-4B9F7531AA68}" type="slidenum">
+              <a:rPr lang="ru-RU" smtClean="0"/>
+              <a:pPr/>
+              <a:t>11</a:t>
+            </a:fld>
+            <a:endParaRPr lang="ru-RU"/>
+          </a:p>
+        </p:txBody>
+      </p:sp>
+      <p:pic>
+        <p:nvPicPr>
+          <p:cNvPr id="8" name="Содержимое 7" descr="10121-01.jpg"/>
+          <p:cNvPicPr>
+            <a:picLocks noGrp="1" noChangeAspect="1"/>
+          </p:cNvPicPr>
+          <p:nvPr>
+            <p:ph sz="half" idx="2"/>
+          </p:nvPr>
+        </p:nvPicPr>
+        <p:blipFill>
+          <a:blip r:embed="rId2" cstate="print"/>
+          <a:stretch>
+            <a:fillRect/>
+          </a:stretch>
+        </p:blipFill>
         <p:spPr>
           <a:xfrm>
-            <a:off x="4355976" y="5661248"/>
-            <a:ext cx="2232248" cy="936104"/>
-          </a:xfrm>
-          <a:prstGeom prst="rect">
-            <a:avLst/>
-          </a:prstGeom>
-        </p:spPr>
-        <p:style>
-          <a:lnRef idx="3">
-            <a:schemeClr val="lt1"/>
-          </a:lnRef>
-          <a:fillRef idx="1">
-            <a:schemeClr val="accent1"/>
-          </a:fillRef>
-          <a:effectRef idx="1">
-            <a:schemeClr val="accent1"/>
-          </a:effectRef>
-          <a:fontRef idx="minor">
-            <a:schemeClr val="lt1"/>
-          </a:fontRef>
-        </p:style>
-        <p:txBody>
-          <a:bodyPr rtlCol="0" anchor="ctr"/>
-          <a:lstStyle/>
-          <a:p>
-            <a:pPr algn="ctr"/>
-            <a:r>
-              <a:rPr lang="ru-RU" dirty="0" smtClean="0">
-                <a:solidFill>
-                  <a:schemeClr val="bg1"/>
-                </a:solidFill>
-              </a:rPr>
-              <a:t>Модель аэродинамического взаимодействия</a:t>
-            </a:r>
-            <a:endParaRPr lang="ru-RU" dirty="0">
-              <a:solidFill>
-                <a:schemeClr val="bg1"/>
-              </a:solidFill>
-            </a:endParaRPr>
-          </a:p>
-        </p:txBody>
-      </p:sp>
-      <p:sp>
-        <p:nvSpPr>
-          <p:cNvPr id="5" name="Прямоугольник 4"/>
-          <p:cNvSpPr/>
-          <p:nvPr/>
-        </p:nvSpPr>
-        <p:spPr>
-          <a:xfrm>
-            <a:off x="6660232" y="5661248"/>
-            <a:ext cx="2232248" cy="936104"/>
-          </a:xfrm>
-          <a:prstGeom prst="rect">
-            <a:avLst/>
-          </a:prstGeom>
-        </p:spPr>
-        <p:style>
-          <a:lnRef idx="3">
-            <a:schemeClr val="lt1"/>
-          </a:lnRef>
-          <a:fillRef idx="1">
-            <a:schemeClr val="accent1"/>
-          </a:fillRef>
-          <a:effectRef idx="1">
-            <a:schemeClr val="accent1"/>
-          </a:effectRef>
-          <a:fontRef idx="minor">
-            <a:schemeClr val="lt1"/>
-          </a:fontRef>
-        </p:style>
-        <p:txBody>
-          <a:bodyPr rtlCol="0" anchor="ctr"/>
-          <a:lstStyle/>
-          <a:p>
-            <a:pPr algn="ctr"/>
-            <a:r>
-              <a:rPr lang="ru-RU" dirty="0" smtClean="0">
-                <a:solidFill>
-                  <a:schemeClr val="bg1"/>
-                </a:solidFill>
-              </a:rPr>
-              <a:t>Модель </a:t>
-            </a:r>
-            <a:r>
-              <a:rPr lang="ru-RU" dirty="0" err="1" smtClean="0">
-                <a:solidFill>
-                  <a:schemeClr val="bg1"/>
-                </a:solidFill>
-              </a:rPr>
-              <a:t>тв</a:t>
-            </a:r>
-            <a:r>
-              <a:rPr lang="ru-RU" dirty="0" smtClean="0">
-                <a:solidFill>
-                  <a:schemeClr val="bg1"/>
-                </a:solidFill>
-              </a:rPr>
-              <a:t>. тела</a:t>
-            </a:r>
-          </a:p>
-          <a:p>
-            <a:pPr algn="ctr"/>
-            <a:r>
-              <a:rPr lang="ru-RU" dirty="0" smtClean="0">
-                <a:solidFill>
-                  <a:schemeClr val="bg1"/>
-                </a:solidFill>
-              </a:rPr>
-              <a:t>6-</a:t>
-            </a:r>
-            <a:r>
-              <a:rPr lang="en-US" dirty="0" smtClean="0">
-                <a:solidFill>
-                  <a:schemeClr val="bg1"/>
-                </a:solidFill>
-              </a:rPr>
-              <a:t>DOF</a:t>
-            </a:r>
-            <a:endParaRPr lang="ru-RU" dirty="0">
-              <a:solidFill>
-                <a:schemeClr val="bg1"/>
-              </a:solidFill>
-            </a:endParaRPr>
-          </a:p>
-        </p:txBody>
-      </p:sp>
-      <p:sp>
-        <p:nvSpPr>
-          <p:cNvPr id="6" name="Прямоугольник 5"/>
-          <p:cNvSpPr/>
-          <p:nvPr/>
-        </p:nvSpPr>
-        <p:spPr>
-          <a:xfrm>
-            <a:off x="611560" y="1340768"/>
-            <a:ext cx="1440160" cy="1440160"/>
-          </a:xfrm>
-          <a:prstGeom prst="rect">
-            <a:avLst/>
-          </a:prstGeom>
-        </p:spPr>
-        <p:style>
-          <a:lnRef idx="3">
-            <a:schemeClr val="lt1"/>
-          </a:lnRef>
-          <a:fillRef idx="1">
-            <a:schemeClr val="accent1"/>
-          </a:fillRef>
-          <a:effectRef idx="1">
-            <a:schemeClr val="accent1"/>
-          </a:effectRef>
-          <a:fontRef idx="minor">
-            <a:schemeClr val="lt1"/>
-          </a:fontRef>
-        </p:style>
-        <p:txBody>
-          <a:bodyPr rtlCol="0" anchor="ctr"/>
-          <a:lstStyle/>
-          <a:p>
-            <a:pPr algn="ctr"/>
-            <a:r>
-              <a:rPr lang="ru-RU" dirty="0" smtClean="0">
-                <a:solidFill>
-                  <a:schemeClr val="bg1"/>
-                </a:solidFill>
-              </a:rPr>
-              <a:t>Система </a:t>
-            </a:r>
-            <a:r>
-              <a:rPr lang="ru-RU" dirty="0" err="1" smtClean="0">
-                <a:solidFill>
-                  <a:schemeClr val="bg1"/>
-                </a:solidFill>
-              </a:rPr>
-              <a:t>оптическогозахвата</a:t>
-            </a:r>
-            <a:r>
-              <a:rPr lang="ru-RU" dirty="0" smtClean="0">
-                <a:solidFill>
-                  <a:schemeClr val="bg1"/>
-                </a:solidFill>
-              </a:rPr>
-              <a:t> движения</a:t>
-            </a:r>
-            <a:endParaRPr lang="ru-RU" dirty="0">
-              <a:solidFill>
-                <a:schemeClr val="bg1"/>
-              </a:solidFill>
-            </a:endParaRPr>
-          </a:p>
-        </p:txBody>
-      </p:sp>
-      <p:sp>
-        <p:nvSpPr>
-          <p:cNvPr id="7" name="Прямоугольник 6"/>
-          <p:cNvSpPr/>
-          <p:nvPr/>
-        </p:nvSpPr>
-        <p:spPr>
-          <a:xfrm>
-            <a:off x="4355976" y="4653136"/>
-            <a:ext cx="2232248" cy="936104"/>
-          </a:xfrm>
-          <a:prstGeom prst="rect">
-            <a:avLst/>
-          </a:prstGeom>
-        </p:spPr>
-        <p:style>
-          <a:lnRef idx="3">
-            <a:schemeClr val="lt1"/>
-          </a:lnRef>
-          <a:fillRef idx="1">
-            <a:schemeClr val="accent1"/>
-          </a:fillRef>
-          <a:effectRef idx="1">
-            <a:schemeClr val="accent1"/>
-          </a:effectRef>
-          <a:fontRef idx="minor">
-            <a:schemeClr val="lt1"/>
-          </a:fontRef>
-        </p:style>
-        <p:txBody>
-          <a:bodyPr rtlCol="0" anchor="ctr"/>
-          <a:lstStyle/>
-          <a:p>
-            <a:pPr algn="ctr"/>
-            <a:r>
-              <a:rPr lang="ru-RU" dirty="0" smtClean="0">
-                <a:solidFill>
-                  <a:schemeClr val="bg1"/>
-                </a:solidFill>
-              </a:rPr>
-              <a:t>Модель функционирования </a:t>
-            </a:r>
-            <a:r>
-              <a:rPr lang="en-US" dirty="0" smtClean="0">
-                <a:solidFill>
-                  <a:schemeClr val="bg1"/>
-                </a:solidFill>
-              </a:rPr>
-              <a:t>IMU </a:t>
-            </a:r>
-            <a:r>
-              <a:rPr lang="ru-RU" dirty="0" smtClean="0">
-                <a:solidFill>
-                  <a:schemeClr val="bg1"/>
-                </a:solidFill>
-              </a:rPr>
-              <a:t>сенсоров</a:t>
-            </a:r>
-            <a:endParaRPr lang="ru-RU" dirty="0">
-              <a:solidFill>
-                <a:schemeClr val="bg1"/>
-              </a:solidFill>
-            </a:endParaRPr>
-          </a:p>
-        </p:txBody>
-      </p:sp>
-      <p:sp>
-        <p:nvSpPr>
-          <p:cNvPr id="8" name="Прямоугольник 7"/>
-          <p:cNvSpPr/>
-          <p:nvPr/>
-        </p:nvSpPr>
-        <p:spPr>
-          <a:xfrm>
-            <a:off x="6660232" y="4653136"/>
-            <a:ext cx="2232248" cy="936104"/>
-          </a:xfrm>
-          <a:prstGeom prst="rect">
-            <a:avLst/>
-          </a:prstGeom>
-        </p:spPr>
-        <p:style>
-          <a:lnRef idx="3">
-            <a:schemeClr val="lt1"/>
-          </a:lnRef>
-          <a:fillRef idx="1">
-            <a:schemeClr val="accent1"/>
-          </a:fillRef>
-          <a:effectRef idx="1">
-            <a:schemeClr val="accent1"/>
-          </a:effectRef>
-          <a:fontRef idx="minor">
-            <a:schemeClr val="lt1"/>
-          </a:fontRef>
-        </p:style>
-        <p:txBody>
-          <a:bodyPr rtlCol="0" anchor="ctr"/>
-          <a:lstStyle/>
-          <a:p>
-            <a:pPr algn="ctr"/>
-            <a:r>
-              <a:rPr lang="ru-RU" dirty="0" smtClean="0">
-                <a:solidFill>
-                  <a:schemeClr val="bg1"/>
-                </a:solidFill>
-              </a:rPr>
-              <a:t>Модель</a:t>
-            </a:r>
-          </a:p>
-          <a:p>
-            <a:pPr algn="ctr"/>
-            <a:r>
-              <a:rPr lang="ru-RU" dirty="0" smtClean="0">
-                <a:solidFill>
-                  <a:schemeClr val="bg1"/>
-                </a:solidFill>
-              </a:rPr>
-              <a:t>аэродинамического</a:t>
-            </a:r>
-          </a:p>
-          <a:p>
-            <a:pPr algn="ctr"/>
-            <a:r>
-              <a:rPr lang="ru-RU" dirty="0" err="1" smtClean="0">
-                <a:solidFill>
-                  <a:schemeClr val="bg1"/>
-                </a:solidFill>
-              </a:rPr>
-              <a:t>движетеля</a:t>
-            </a:r>
-            <a:endParaRPr lang="ru-RU" dirty="0">
-              <a:solidFill>
-                <a:schemeClr val="bg1"/>
-              </a:solidFill>
-            </a:endParaRPr>
-          </a:p>
-        </p:txBody>
-      </p:sp>
-      <p:sp>
-        <p:nvSpPr>
-          <p:cNvPr id="9" name="Прямоугольник 8"/>
-          <p:cNvSpPr/>
-          <p:nvPr/>
-        </p:nvSpPr>
-        <p:spPr>
-          <a:xfrm>
-            <a:off x="6660232" y="3645024"/>
-            <a:ext cx="2232248" cy="936104"/>
-          </a:xfrm>
-          <a:prstGeom prst="rect">
-            <a:avLst/>
-          </a:prstGeom>
-        </p:spPr>
-        <p:style>
-          <a:lnRef idx="3">
-            <a:schemeClr val="lt1"/>
-          </a:lnRef>
-          <a:fillRef idx="1">
-            <a:schemeClr val="accent1"/>
-          </a:fillRef>
-          <a:effectRef idx="1">
-            <a:schemeClr val="accent1"/>
-          </a:effectRef>
-          <a:fontRef idx="minor">
-            <a:schemeClr val="lt1"/>
-          </a:fontRef>
-        </p:style>
-        <p:txBody>
-          <a:bodyPr rtlCol="0" anchor="ctr"/>
-          <a:lstStyle/>
-          <a:p>
-            <a:pPr algn="ctr"/>
-            <a:r>
-              <a:rPr lang="ru-RU" dirty="0" smtClean="0">
-                <a:solidFill>
-                  <a:schemeClr val="bg1"/>
-                </a:solidFill>
-              </a:rPr>
-              <a:t>Модель</a:t>
-            </a:r>
-          </a:p>
-          <a:p>
-            <a:pPr algn="ctr"/>
-            <a:r>
-              <a:rPr lang="ru-RU" dirty="0" smtClean="0">
-                <a:solidFill>
-                  <a:schemeClr val="bg1"/>
-                </a:solidFill>
-              </a:rPr>
-              <a:t>видеокамеры</a:t>
-            </a:r>
-            <a:endParaRPr lang="ru-RU" dirty="0">
-              <a:solidFill>
-                <a:schemeClr val="bg1"/>
-              </a:solidFill>
-            </a:endParaRPr>
-          </a:p>
-        </p:txBody>
-      </p:sp>
-      <p:sp>
-        <p:nvSpPr>
-          <p:cNvPr id="10" name="Прямоугольник 9"/>
-          <p:cNvSpPr/>
-          <p:nvPr/>
-        </p:nvSpPr>
-        <p:spPr>
-          <a:xfrm>
-            <a:off x="4355976" y="3645024"/>
-            <a:ext cx="2232248" cy="936104"/>
-          </a:xfrm>
-          <a:prstGeom prst="rect">
-            <a:avLst/>
-          </a:prstGeom>
-        </p:spPr>
-        <p:style>
-          <a:lnRef idx="3">
-            <a:schemeClr val="lt1"/>
-          </a:lnRef>
-          <a:fillRef idx="1">
-            <a:schemeClr val="accent1"/>
-          </a:fillRef>
-          <a:effectRef idx="1">
-            <a:schemeClr val="accent1"/>
-          </a:effectRef>
-          <a:fontRef idx="minor">
-            <a:schemeClr val="lt1"/>
-          </a:fontRef>
-        </p:style>
-        <p:txBody>
-          <a:bodyPr rtlCol="0" anchor="ctr"/>
-          <a:lstStyle/>
-          <a:p>
-            <a:pPr algn="ctr"/>
-            <a:r>
-              <a:rPr lang="ru-RU" dirty="0" smtClean="0">
-                <a:solidFill>
-                  <a:schemeClr val="bg1"/>
-                </a:solidFill>
-              </a:rPr>
-              <a:t>Модель</a:t>
-            </a:r>
-          </a:p>
-          <a:p>
-            <a:pPr algn="ctr"/>
-            <a:r>
-              <a:rPr lang="ru-RU" dirty="0" smtClean="0">
-                <a:solidFill>
-                  <a:schemeClr val="bg1"/>
-                </a:solidFill>
-              </a:rPr>
-              <a:t>системы стабилизации</a:t>
-            </a:r>
-            <a:endParaRPr lang="ru-RU" dirty="0">
-              <a:solidFill>
-                <a:schemeClr val="bg1"/>
-              </a:solidFill>
-            </a:endParaRPr>
-          </a:p>
-        </p:txBody>
-      </p:sp>
-      <p:sp>
-        <p:nvSpPr>
-          <p:cNvPr id="15" name="Прямоугольник 14"/>
-          <p:cNvSpPr/>
-          <p:nvPr/>
-        </p:nvSpPr>
-        <p:spPr>
-          <a:xfrm>
-            <a:off x="611560" y="2852936"/>
-            <a:ext cx="1440160" cy="1440160"/>
-          </a:xfrm>
-          <a:prstGeom prst="rect">
-            <a:avLst/>
-          </a:prstGeom>
-        </p:spPr>
-        <p:style>
-          <a:lnRef idx="3">
-            <a:schemeClr val="lt1"/>
-          </a:lnRef>
-          <a:fillRef idx="1">
-            <a:schemeClr val="accent1"/>
-          </a:fillRef>
-          <a:effectRef idx="1">
-            <a:schemeClr val="accent1"/>
-          </a:effectRef>
-          <a:fontRef idx="minor">
-            <a:schemeClr val="lt1"/>
-          </a:fontRef>
-        </p:style>
-        <p:txBody>
-          <a:bodyPr rtlCol="0" anchor="ctr"/>
-          <a:lstStyle/>
-          <a:p>
-            <a:pPr algn="ctr"/>
-            <a:r>
-              <a:rPr lang="ru-RU" dirty="0" smtClean="0">
-                <a:solidFill>
-                  <a:schemeClr val="bg1"/>
-                </a:solidFill>
-              </a:rPr>
-              <a:t>Телеметрия</a:t>
-            </a:r>
-          </a:p>
-          <a:p>
-            <a:pPr algn="ctr"/>
-            <a:r>
-              <a:rPr lang="ru-RU" dirty="0" smtClean="0">
-                <a:solidFill>
-                  <a:schemeClr val="bg1"/>
-                </a:solidFill>
-              </a:rPr>
-              <a:t>БПЛА</a:t>
-            </a:r>
-            <a:endParaRPr lang="ru-RU" dirty="0">
-              <a:solidFill>
-                <a:schemeClr val="bg1"/>
-              </a:solidFill>
-            </a:endParaRPr>
-          </a:p>
-        </p:txBody>
-      </p:sp>
-      <p:sp>
-        <p:nvSpPr>
-          <p:cNvPr id="16" name="Прямоугольник 15"/>
-          <p:cNvSpPr/>
-          <p:nvPr/>
-        </p:nvSpPr>
-        <p:spPr>
-          <a:xfrm>
-            <a:off x="6660232" y="1340768"/>
-            <a:ext cx="2232248" cy="936104"/>
-          </a:xfrm>
-          <a:prstGeom prst="rect">
-            <a:avLst/>
-          </a:prstGeom>
-        </p:spPr>
-        <p:style>
-          <a:lnRef idx="3">
-            <a:schemeClr val="lt1"/>
-          </a:lnRef>
-          <a:fillRef idx="1">
-            <a:schemeClr val="accent1"/>
-          </a:fillRef>
-          <a:effectRef idx="1">
-            <a:schemeClr val="accent1"/>
-          </a:effectRef>
-          <a:fontRef idx="minor">
-            <a:schemeClr val="lt1"/>
-          </a:fontRef>
-        </p:style>
-        <p:txBody>
-          <a:bodyPr rtlCol="0" anchor="ctr"/>
-          <a:lstStyle/>
-          <a:p>
-            <a:pPr algn="ctr"/>
-            <a:r>
-              <a:rPr lang="ru-RU" dirty="0" smtClean="0">
-                <a:solidFill>
-                  <a:schemeClr val="bg1"/>
-                </a:solidFill>
-              </a:rPr>
-              <a:t>Средства </a:t>
-            </a:r>
-          </a:p>
-          <a:p>
-            <a:pPr algn="ctr"/>
-            <a:r>
-              <a:rPr lang="ru-RU" dirty="0" err="1" smtClean="0">
-                <a:solidFill>
-                  <a:schemeClr val="bg1"/>
-                </a:solidFill>
-              </a:rPr>
-              <a:t>журналирования</a:t>
-            </a:r>
-            <a:r>
-              <a:rPr lang="ru-RU" dirty="0" smtClean="0">
-                <a:solidFill>
-                  <a:schemeClr val="bg1"/>
-                </a:solidFill>
-              </a:rPr>
-              <a:t> </a:t>
-            </a:r>
-          </a:p>
-          <a:p>
-            <a:pPr algn="ctr"/>
-            <a:r>
-              <a:rPr lang="ru-RU" dirty="0" smtClean="0">
-                <a:solidFill>
-                  <a:schemeClr val="bg1"/>
-                </a:solidFill>
-              </a:rPr>
-              <a:t>и анализа</a:t>
-            </a:r>
-            <a:endParaRPr lang="ru-RU" dirty="0">
-              <a:solidFill>
-                <a:schemeClr val="bg1"/>
-              </a:solidFill>
-            </a:endParaRPr>
-          </a:p>
-        </p:txBody>
-      </p:sp>
-      <p:sp>
-        <p:nvSpPr>
-          <p:cNvPr id="17" name="Прямоугольник 16"/>
-          <p:cNvSpPr/>
-          <p:nvPr/>
-        </p:nvSpPr>
-        <p:spPr>
-          <a:xfrm>
-            <a:off x="3131840" y="1340768"/>
-            <a:ext cx="2160240" cy="2016224"/>
-          </a:xfrm>
-          <a:prstGeom prst="rect">
-            <a:avLst/>
-          </a:prstGeom>
-        </p:spPr>
-        <p:style>
-          <a:lnRef idx="3">
-            <a:schemeClr val="lt1"/>
-          </a:lnRef>
-          <a:fillRef idx="1">
-            <a:schemeClr val="accent1"/>
-          </a:fillRef>
-          <a:effectRef idx="1">
-            <a:schemeClr val="accent1"/>
-          </a:effectRef>
-          <a:fontRef idx="minor">
-            <a:schemeClr val="lt1"/>
-          </a:fontRef>
-        </p:style>
-        <p:txBody>
-          <a:bodyPr rtlCol="0" anchor="ctr"/>
-          <a:lstStyle/>
-          <a:p>
-            <a:pPr algn="ctr"/>
-            <a:r>
-              <a:rPr lang="ru-RU" b="1" dirty="0" smtClean="0">
-                <a:solidFill>
-                  <a:schemeClr val="bg1"/>
-                </a:solidFill>
-              </a:rPr>
-              <a:t>Система управления</a:t>
-            </a:r>
-          </a:p>
-          <a:p>
-            <a:r>
-              <a:rPr lang="ru-RU" dirty="0" smtClean="0">
-                <a:solidFill>
-                  <a:schemeClr val="bg1"/>
-                </a:solidFill>
-              </a:rPr>
-              <a:t>	- ручное</a:t>
-            </a:r>
-          </a:p>
-          <a:p>
-            <a:r>
-              <a:rPr lang="ru-RU" dirty="0" smtClean="0">
-                <a:solidFill>
-                  <a:schemeClr val="bg1"/>
-                </a:solidFill>
-              </a:rPr>
-              <a:t>	- авто</a:t>
-            </a:r>
-          </a:p>
-          <a:p>
-            <a:r>
-              <a:rPr lang="ru-RU" dirty="0" smtClean="0">
-                <a:solidFill>
-                  <a:schemeClr val="bg1"/>
-                </a:solidFill>
-              </a:rPr>
-              <a:t>	- групп.</a:t>
-            </a:r>
-            <a:endParaRPr lang="ru-RU" dirty="0">
-              <a:solidFill>
-                <a:schemeClr val="bg1"/>
-              </a:solidFill>
-            </a:endParaRPr>
-          </a:p>
-        </p:txBody>
-      </p:sp>
-      <p:sp>
-        <p:nvSpPr>
-          <p:cNvPr id="41" name="Стрелка вправо 40"/>
-          <p:cNvSpPr/>
-          <p:nvPr/>
-        </p:nvSpPr>
-        <p:spPr>
-          <a:xfrm>
-            <a:off x="2123728" y="2132856"/>
-            <a:ext cx="936104" cy="216024"/>
-          </a:xfrm>
-          <a:prstGeom prst="rightArrow">
-            <a:avLst/>
-          </a:prstGeom>
-        </p:spPr>
-        <p:style>
-          <a:lnRef idx="3">
-            <a:schemeClr val="lt1"/>
-          </a:lnRef>
-          <a:fillRef idx="1">
-            <a:schemeClr val="accent1"/>
-          </a:fillRef>
-          <a:effectRef idx="1">
-            <a:schemeClr val="accent1"/>
-          </a:effectRef>
-          <a:fontRef idx="minor">
-            <a:schemeClr val="lt1"/>
-          </a:fontRef>
-        </p:style>
-        <p:txBody>
-          <a:bodyPr rtlCol="0" anchor="ctr"/>
-          <a:lstStyle/>
-          <a:p>
-            <a:pPr algn="ctr"/>
-            <a:endParaRPr lang="ru-RU"/>
-          </a:p>
-        </p:txBody>
-      </p:sp>
-      <p:sp>
-        <p:nvSpPr>
-          <p:cNvPr id="42" name="Стрелка вправо 41"/>
-          <p:cNvSpPr/>
-          <p:nvPr/>
-        </p:nvSpPr>
-        <p:spPr>
-          <a:xfrm>
-            <a:off x="2123728" y="2996952"/>
-            <a:ext cx="936104" cy="216024"/>
-          </a:xfrm>
-          <a:prstGeom prst="rightArrow">
-            <a:avLst/>
-          </a:prstGeom>
-        </p:spPr>
-        <p:style>
-          <a:lnRef idx="3">
-            <a:schemeClr val="lt1"/>
-          </a:lnRef>
-          <a:fillRef idx="1">
-            <a:schemeClr val="accent1"/>
-          </a:fillRef>
-          <a:effectRef idx="1">
-            <a:schemeClr val="accent1"/>
-          </a:effectRef>
-          <a:fontRef idx="minor">
-            <a:schemeClr val="lt1"/>
-          </a:fontRef>
-        </p:style>
-        <p:txBody>
-          <a:bodyPr rtlCol="0" anchor="ctr"/>
-          <a:lstStyle/>
-          <a:p>
-            <a:pPr algn="ctr"/>
-            <a:endParaRPr lang="ru-RU"/>
-          </a:p>
-        </p:txBody>
-      </p:sp>
-      <p:sp>
-        <p:nvSpPr>
-          <p:cNvPr id="43" name="Стрелка вправо 42"/>
-          <p:cNvSpPr/>
-          <p:nvPr/>
-        </p:nvSpPr>
-        <p:spPr>
-          <a:xfrm>
-            <a:off x="5364088" y="1700808"/>
-            <a:ext cx="1224136" cy="216024"/>
-          </a:xfrm>
-          <a:prstGeom prst="rightArrow">
-            <a:avLst/>
-          </a:prstGeom>
-        </p:spPr>
-        <p:style>
-          <a:lnRef idx="3">
-            <a:schemeClr val="lt1"/>
-          </a:lnRef>
-          <a:fillRef idx="1">
-            <a:schemeClr val="accent1"/>
-          </a:fillRef>
-          <a:effectRef idx="1">
-            <a:schemeClr val="accent1"/>
-          </a:effectRef>
-          <a:fontRef idx="minor">
-            <a:schemeClr val="lt1"/>
-          </a:fontRef>
-        </p:style>
-        <p:txBody>
-          <a:bodyPr rtlCol="0" anchor="ctr"/>
-          <a:lstStyle/>
-          <a:p>
-            <a:pPr algn="ctr"/>
-            <a:endParaRPr lang="ru-RU"/>
-          </a:p>
-        </p:txBody>
-      </p:sp>
-      <p:sp>
-        <p:nvSpPr>
-          <p:cNvPr id="44" name="Двойная стрелка влево/вверх 43"/>
-          <p:cNvSpPr/>
-          <p:nvPr/>
-        </p:nvSpPr>
-        <p:spPr>
-          <a:xfrm rot="16200000">
-            <a:off x="5220072" y="2492896"/>
-            <a:ext cx="1152128" cy="864096"/>
-          </a:xfrm>
-          <a:prstGeom prst="leftUpArrow">
-            <a:avLst>
-              <a:gd name="adj1" fmla="val 11980"/>
-              <a:gd name="adj2" fmla="val 11523"/>
-              <a:gd name="adj3" fmla="val 13020"/>
-            </a:avLst>
-          </a:prstGeom>
-        </p:spPr>
-        <p:style>
-          <a:lnRef idx="3">
-            <a:schemeClr val="lt1"/>
-          </a:lnRef>
-          <a:fillRef idx="1">
-            <a:schemeClr val="accent1"/>
-          </a:fillRef>
-          <a:effectRef idx="1">
-            <a:schemeClr val="accent1"/>
-          </a:effectRef>
-          <a:fontRef idx="minor">
-            <a:schemeClr val="lt1"/>
-          </a:fontRef>
-        </p:style>
-        <p:txBody>
-          <a:bodyPr rtlCol="0" anchor="ctr"/>
-          <a:lstStyle/>
-          <a:p>
-            <a:pPr algn="ctr"/>
-            <a:endParaRPr lang="ru-RU"/>
-          </a:p>
-        </p:txBody>
-      </p:sp>
+            <a:off x="4572000" y="1484784"/>
+            <a:ext cx="2801814" cy="2801814"/>
+          </a:xfrm>
+        </p:spPr>
+      </p:pic>
     </p:spTree>
-    <p:extLst>
-      <p:ext uri="{BB962C8B-B14F-4D97-AF65-F5344CB8AC3E}">
-        <p14:creationId xmlns="" xmlns:p14="http://schemas.microsoft.com/office/powerpoint/2010/main" val="1550165570"/>
-      </p:ext>
-    </p:extLst>
   </p:cSld>
   <p:clrMapOvr>
     <a:masterClrMapping/>
@@ -7720,21 +7235,21 @@
           <a:lstStyle/>
           <a:p>
             <a:r>
-              <a:rPr lang="ru-RU" dirty="0" smtClean="0"/>
-              <a:t>Выбор аппаратной платформы для БПЛА</a:t>
-            </a:r>
-            <a:endParaRPr lang="ru-RU" dirty="0"/>
-          </a:p>
-        </p:txBody>
-      </p:sp>
-      <p:sp>
-        <p:nvSpPr>
-          <p:cNvPr id="3" name="Содержимое 2"/>
-          <p:cNvSpPr>
-            <a:spLocks noGrp="1"/>
-          </p:cNvSpPr>
-          <p:nvPr>
-            <p:ph idx="1"/>
+              <a:rPr lang="ru-RU" sz="3600" dirty="0" smtClean="0"/>
+              <a:t>Система оптического захвата движения (1)</a:t>
+            </a:r>
+            <a:endParaRPr lang="ru-RU" sz="3600" dirty="0"/>
+          </a:p>
+        </p:txBody>
+      </p:sp>
+      <p:sp>
+        <p:nvSpPr>
+          <p:cNvPr id="4" name="Содержимое 3"/>
+          <p:cNvSpPr>
+            <a:spLocks noGrp="1"/>
+          </p:cNvSpPr>
+          <p:nvPr>
+            <p:ph sz="half" idx="1"/>
           </p:nvPr>
         </p:nvSpPr>
         <p:spPr/>
@@ -7744,60 +7259,52 @@
           <a:p>
             <a:r>
               <a:rPr lang="ru-RU" dirty="0" smtClean="0"/>
-              <a:t>Контроллер:</a:t>
-            </a:r>
-            <a:endParaRPr lang="en-US" dirty="0" smtClean="0"/>
-          </a:p>
-          <a:p>
-            <a:pPr lvl="1"/>
-            <a:r>
-              <a:rPr lang="en-US" dirty="0" err="1" smtClean="0"/>
-              <a:t>Arduino</a:t>
-            </a:r>
-            <a:endParaRPr lang="en-US" dirty="0" smtClean="0"/>
-          </a:p>
-          <a:p>
-            <a:pPr lvl="1"/>
-            <a:r>
-              <a:rPr lang="en-US" dirty="0" err="1" smtClean="0"/>
-              <a:t>Netduino</a:t>
-            </a:r>
-            <a:endParaRPr lang="en-US" dirty="0" smtClean="0"/>
-          </a:p>
-          <a:p>
-            <a:r>
-              <a:rPr lang="ru-RU" dirty="0" smtClean="0"/>
-              <a:t>Коммуникационная система</a:t>
-            </a:r>
-            <a:endParaRPr lang="en-US" dirty="0" smtClean="0"/>
-          </a:p>
-          <a:p>
-            <a:pPr lvl="1"/>
-            <a:r>
-              <a:rPr lang="en-US" dirty="0" err="1" smtClean="0"/>
-              <a:t>WiFi</a:t>
-            </a:r>
-            <a:endParaRPr lang="en-US" dirty="0" smtClean="0"/>
-          </a:p>
-          <a:p>
-            <a:pPr lvl="1"/>
-            <a:r>
-              <a:rPr lang="en-US" smtClean="0"/>
-              <a:t>Zig</a:t>
-            </a:r>
-            <a:r>
-              <a:rPr lang="en-US" smtClean="0"/>
-              <a:t>Bee</a:t>
-            </a:r>
-            <a:endParaRPr lang="en-US" dirty="0" smtClean="0"/>
-          </a:p>
-          <a:p>
-            <a:pPr lvl="1"/>
-            <a:r>
-              <a:rPr lang="en-US" dirty="0" smtClean="0"/>
-              <a:t>Bluetooth</a:t>
-            </a:r>
+              <a:t>Необходима высокая точность</a:t>
+            </a:r>
+            <a:endParaRPr lang="ru-RU" dirty="0" smtClean="0"/>
+          </a:p>
+        </p:txBody>
+      </p:sp>
+      <p:sp>
+        <p:nvSpPr>
+          <p:cNvPr id="5" name="Содержимое 4"/>
+          <p:cNvSpPr>
+            <a:spLocks noGrp="1"/>
+          </p:cNvSpPr>
+          <p:nvPr>
+            <p:ph sz="half" idx="2"/>
+          </p:nvPr>
+        </p:nvSpPr>
+        <p:spPr/>
+        <p:txBody>
+          <a:bodyPr/>
+          <a:lstStyle/>
+          <a:p>
             <a:endParaRPr lang="ru-RU" dirty="0"/>
+          </a:p>
+        </p:txBody>
+      </p:sp>
+      <p:sp>
+        <p:nvSpPr>
+          <p:cNvPr id="6" name="Номер слайда 5"/>
+          <p:cNvSpPr>
+            <a:spLocks noGrp="1"/>
+          </p:cNvSpPr>
+          <p:nvPr>
+            <p:ph type="sldNum" sz="quarter" idx="12"/>
+          </p:nvPr>
+        </p:nvSpPr>
+        <p:spPr/>
+        <p:txBody>
+          <a:bodyPr/>
+          <a:lstStyle/>
+          <a:p>
+            <a:fld id="{725C68B6-61C2-468F-89AB-4B9F7531AA68}" type="slidenum">
+              <a:rPr lang="ru-RU" smtClean="0"/>
+              <a:pPr/>
+              <a:t>12</a:t>
+            </a:fld>
+            <a:endParaRPr lang="ru-RU"/>
           </a:p>
         </p:txBody>
       </p:sp>
@@ -7806,6 +7313,13 @@
   <p:clrMapOvr>
     <a:masterClrMapping/>
   </p:clrMapOvr>
+  <p:timing>
+    <p:tnLst>
+      <p:par>
+        <p:cTn id="1" dur="indefinite" restart="never" nodeType="tmRoot"/>
+      </p:par>
+    </p:tnLst>
+  </p:timing>
 </p:sld>
 </file>
 
@@ -7842,46 +7356,116 @@
           <a:lstStyle/>
           <a:p>
             <a:r>
-              <a:rPr lang="ru-RU" sz="2800" dirty="0" smtClean="0"/>
-              <a:t>Модель 4Р-БПЛА как твердого тела с 6 степенями свободы</a:t>
-            </a:r>
-            <a:endParaRPr lang="ru-RU" sz="2800" dirty="0"/>
-          </a:p>
-        </p:txBody>
-      </p:sp>
-      <p:sp>
-        <p:nvSpPr>
-          <p:cNvPr id="3" name="Объект 2"/>
-          <p:cNvSpPr>
-            <a:spLocks noGrp="1"/>
-          </p:cNvSpPr>
-          <p:nvPr>
-            <p:ph sz="quarter" idx="4294967295"/>
+              <a:rPr lang="ru-RU" sz="3600" dirty="0" smtClean="0"/>
+              <a:t>Система оптического захвата движения (2)</a:t>
+            </a:r>
+            <a:endParaRPr lang="ru-RU" sz="3600" dirty="0"/>
+          </a:p>
+        </p:txBody>
+      </p:sp>
+      <p:sp>
+        <p:nvSpPr>
+          <p:cNvPr id="3" name="Содержимое 2"/>
+          <p:cNvSpPr>
+            <a:spLocks noGrp="1"/>
+          </p:cNvSpPr>
+          <p:nvPr>
+            <p:ph sz="half" idx="1"/>
           </p:nvPr>
         </p:nvSpPr>
         <p:spPr>
           <a:xfrm>
-            <a:off x="609600" y="1600200"/>
-            <a:ext cx="7924800" cy="4114800"/>
-          </a:xfrm>
-          <a:prstGeom prst="rect">
-            <a:avLst/>
-          </a:prstGeom>
+            <a:off x="107504" y="2204864"/>
+            <a:ext cx="3315568" cy="4525963"/>
+          </a:xfrm>
         </p:spPr>
         <p:txBody>
           <a:bodyPr/>
           <a:lstStyle/>
           <a:p>
+            <a:r>
+              <a:rPr lang="en-US" dirty="0" err="1" smtClean="0"/>
+              <a:t>Vicon</a:t>
+            </a:r>
+            <a:r>
+              <a:rPr lang="en-US" dirty="0" smtClean="0"/>
+              <a:t> Tracker</a:t>
+            </a:r>
+          </a:p>
+          <a:p>
+            <a:pPr lvl="1"/>
+            <a:r>
+              <a:rPr lang="ru-RU" dirty="0" smtClean="0"/>
+              <a:t>Высокая точность</a:t>
+            </a:r>
+          </a:p>
+          <a:p>
+            <a:pPr lvl="1"/>
+            <a:r>
+              <a:rPr lang="ru-RU" dirty="0" smtClean="0"/>
+              <a:t>Отслеживание твердых тел</a:t>
+            </a:r>
+          </a:p>
+          <a:p>
+            <a:pPr lvl="1"/>
+            <a:r>
+              <a:rPr lang="ru-RU" dirty="0" smtClean="0"/>
+              <a:t>Создание собственных объектов</a:t>
+            </a:r>
+          </a:p>
+          <a:p>
             <a:endParaRPr lang="ru-RU" dirty="0"/>
           </a:p>
         </p:txBody>
       </p:sp>
+      <p:pic>
+        <p:nvPicPr>
+          <p:cNvPr id="5" name="Содержимое 4" descr="tracker-01-lrg.jpg"/>
+          <p:cNvPicPr>
+            <a:picLocks noGrp="1" noChangeAspect="1"/>
+          </p:cNvPicPr>
+          <p:nvPr>
+            <p:ph sz="half" idx="2"/>
+          </p:nvPr>
+        </p:nvPicPr>
+        <p:blipFill>
+          <a:blip r:embed="rId2" cstate="print"/>
+          <a:stretch>
+            <a:fillRect/>
+          </a:stretch>
+        </p:blipFill>
+        <p:spPr>
+          <a:xfrm>
+            <a:off x="3491880" y="2204864"/>
+            <a:ext cx="5328592" cy="3234160"/>
+          </a:xfrm>
+        </p:spPr>
+      </p:pic>
+      <p:sp>
+        <p:nvSpPr>
+          <p:cNvPr id="6" name="Номер слайда 5"/>
+          <p:cNvSpPr>
+            <a:spLocks noGrp="1"/>
+          </p:cNvSpPr>
+          <p:nvPr>
+            <p:ph type="sldNum" sz="quarter" idx="12"/>
+          </p:nvPr>
+        </p:nvSpPr>
+        <p:spPr/>
+        <p:txBody>
+          <a:bodyPr/>
+          <a:lstStyle/>
+          <a:p>
+            <a:fld id="{725C68B6-61C2-468F-89AB-4B9F7531AA68}" type="slidenum">
+              <a:rPr lang="ru-RU" smtClean="0"/>
+              <a:pPr/>
+              <a:t>13</a:t>
+            </a:fld>
+            <a:endParaRPr lang="ru-RU"/>
+          </a:p>
+        </p:txBody>
+      </p:sp>
     </p:spTree>
-    <p:extLst>
-      <p:ext uri="{BB962C8B-B14F-4D97-AF65-F5344CB8AC3E}">
-        <p14:creationId xmlns="" xmlns:p14="http://schemas.microsoft.com/office/powerpoint/2010/main" val="3609528446"/>
-      </p:ext>
-    </p:extLst>
   </p:cSld>
   <p:clrMapOvr>
     <a:masterClrMapping/>
@@ -7929,46 +7513,67 @@
           <a:lstStyle/>
           <a:p>
             <a:r>
-              <a:rPr lang="ru-RU" sz="2800" dirty="0" smtClean="0"/>
-              <a:t>Модель аэродинамического взаимодействия</a:t>
-            </a:r>
-            <a:endParaRPr lang="ru-RU" sz="2800" dirty="0"/>
-          </a:p>
-        </p:txBody>
-      </p:sp>
-      <p:sp>
-        <p:nvSpPr>
-          <p:cNvPr id="3" name="Объект 2"/>
-          <p:cNvSpPr>
-            <a:spLocks noGrp="1"/>
-          </p:cNvSpPr>
-          <p:nvPr>
-            <p:ph sz="quarter" idx="4294967295"/>
-          </p:nvPr>
-        </p:nvSpPr>
+              <a:rPr lang="ru-RU" sz="3600" dirty="0" smtClean="0"/>
+              <a:t>Система оптического захвата движения (3)</a:t>
+            </a:r>
+            <a:endParaRPr lang="ru-RU" sz="3600" dirty="0"/>
+          </a:p>
+        </p:txBody>
+      </p:sp>
+      <p:pic>
+        <p:nvPicPr>
+          <p:cNvPr id="4" name="Quadro-XDS + MoCap + Квадрокоптер.avi">
+            <a:hlinkClick r:id="" action="ppaction://media"/>
+          </p:cNvPr>
+          <p:cNvPicPr>
+            <a:picLocks noGrp="1" noRot="1" noChangeAspect="1"/>
+          </p:cNvPicPr>
+          <p:nvPr>
+            <p:ph idx="1"/>
+            <a:videoFile r:link="rId1"/>
+          </p:nvPr>
+        </p:nvPicPr>
+        <p:blipFill>
+          <a:blip r:embed="rId3" cstate="print"/>
+          <a:stretch>
+            <a:fillRect/>
+          </a:stretch>
+        </p:blipFill>
         <p:spPr>
           <a:xfrm>
-            <a:off x="609600" y="1600200"/>
-            <a:ext cx="7924800" cy="4114800"/>
+            <a:off x="1752600" y="1784350"/>
+            <a:ext cx="6096000" cy="4572000"/>
           </a:xfrm>
           <a:prstGeom prst="rect">
             <a:avLst/>
           </a:prstGeom>
         </p:spPr>
+      </p:pic>
+      <p:sp>
+        <p:nvSpPr>
+          <p:cNvPr id="5" name="Номер слайда 4"/>
+          <p:cNvSpPr>
+            <a:spLocks noGrp="1"/>
+          </p:cNvSpPr>
+          <p:nvPr>
+            <p:ph type="sldNum" sz="quarter" idx="12"/>
+          </p:nvPr>
+        </p:nvSpPr>
+        <p:spPr/>
         <p:txBody>
           <a:bodyPr/>
           <a:lstStyle/>
           <a:p>
+            <a:fld id="{725C68B6-61C2-468F-89AB-4B9F7531AA68}" type="slidenum">
+              <a:rPr lang="ru-RU" smtClean="0"/>
+              <a:pPr/>
+              <a:t>14</a:t>
+            </a:fld>
             <a:endParaRPr lang="ru-RU"/>
           </a:p>
         </p:txBody>
       </p:sp>
     </p:spTree>
-    <p:extLst>
-      <p:ext uri="{BB962C8B-B14F-4D97-AF65-F5344CB8AC3E}">
-        <p14:creationId xmlns="" xmlns:p14="http://schemas.microsoft.com/office/powerpoint/2010/main" val="46958512"/>
-      </p:ext>
-    </p:extLst>
   </p:cSld>
   <p:clrMapOvr>
     <a:masterClrMapping/>
@@ -7976,7 +7581,150 @@
   <p:timing>
     <p:tnLst>
       <p:par>
-        <p:cTn id="1" dur="indefinite" restart="never" nodeType="tmRoot"/>
+        <p:cTn id="1" dur="indefinite" restart="never" nodeType="tmRoot">
+          <p:childTnLst>
+            <p:seq concurrent="1" nextAc="seek">
+              <p:cTn id="2" dur="indefinite" nodeType="mainSeq">
+                <p:childTnLst>
+                  <p:par>
+                    <p:cTn id="3" fill="hold">
+                      <p:stCondLst>
+                        <p:cond delay="indefinite"/>
+                        <p:cond evt="onBegin" delay="0">
+                          <p:tn val="2"/>
+                        </p:cond>
+                      </p:stCondLst>
+                      <p:childTnLst>
+                        <p:par>
+                          <p:cTn id="4" fill="hold">
+                            <p:stCondLst>
+                              <p:cond delay="0"/>
+                            </p:stCondLst>
+                            <p:childTnLst>
+                              <p:par>
+                                <p:cTn id="5" presetID="1" presetClass="mediacall" presetSubtype="0" fill="hold" nodeType="afterEffect">
+                                  <p:stCondLst>
+                                    <p:cond delay="0"/>
+                                  </p:stCondLst>
+                                  <p:childTnLst>
+                                    <p:cmd type="call" cmd="playFrom(0.0)">
+                                      <p:cBhvr>
+                                        <p:cTn id="6" dur="61560" fill="hold"/>
+                                        <p:tgtEl>
+                                          <p:spTgt spid="4"/>
+                                        </p:tgtEl>
+                                      </p:cBhvr>
+                                    </p:cmd>
+                                  </p:childTnLst>
+                                </p:cTn>
+                              </p:par>
+                            </p:childTnLst>
+                          </p:cTn>
+                        </p:par>
+                      </p:childTnLst>
+                    </p:cTn>
+                  </p:par>
+                </p:childTnLst>
+              </p:cTn>
+              <p:prevCondLst>
+                <p:cond evt="onPrev" delay="0">
+                  <p:tgtEl>
+                    <p:sldTgt/>
+                  </p:tgtEl>
+                </p:cond>
+              </p:prevCondLst>
+              <p:nextCondLst>
+                <p:cond evt="onNext" delay="0">
+                  <p:tgtEl>
+                    <p:sldTgt/>
+                  </p:tgtEl>
+                </p:cond>
+              </p:nextCondLst>
+            </p:seq>
+            <p:video>
+              <p:cMediaNode>
+                <p:cTn id="7" fill="hold" display="0">
+                  <p:stCondLst>
+                    <p:cond delay="indefinite"/>
+                  </p:stCondLst>
+                  <p:endCondLst>
+                    <p:cond evt="onNext" delay="0">
+                      <p:tgtEl>
+                        <p:sldTgt/>
+                      </p:tgtEl>
+                    </p:cond>
+                    <p:cond evt="onPrev" delay="0">
+                      <p:tgtEl>
+                        <p:sldTgt/>
+                      </p:tgtEl>
+                    </p:cond>
+                  </p:endCondLst>
+                </p:cTn>
+                <p:tgtEl>
+                  <p:spTgt spid="4"/>
+                </p:tgtEl>
+              </p:cMediaNode>
+            </p:video>
+            <p:seq concurrent="1" nextAc="seek">
+              <p:cTn id="8" restart="whenNotActive" fill="hold" evtFilter="cancelBubble" nodeType="interactiveSeq">
+                <p:stCondLst>
+                  <p:cond evt="onClick" delay="0">
+                    <p:tgtEl>
+                      <p:spTgt spid="4"/>
+                    </p:tgtEl>
+                  </p:cond>
+                </p:stCondLst>
+                <p:endSync evt="end" delay="0">
+                  <p:rtn val="all"/>
+                </p:endSync>
+                <p:childTnLst>
+                  <p:par>
+                    <p:cTn id="9" fill="hold">
+                      <p:stCondLst>
+                        <p:cond delay="0"/>
+                      </p:stCondLst>
+                      <p:childTnLst>
+                        <p:par>
+                          <p:cTn id="10" fill="hold">
+                            <p:stCondLst>
+                              <p:cond delay="0"/>
+                            </p:stCondLst>
+                            <p:childTnLst>
+                              <p:par>
+                                <p:cTn id="11" presetID="2" presetClass="mediacall" presetSubtype="0" fill="hold" nodeType="clickEffect">
+                                  <p:stCondLst>
+                                    <p:cond delay="0"/>
+                                  </p:stCondLst>
+                                  <p:childTnLst>
+                                    <p:cmd type="call" cmd="togglePause">
+                                      <p:cBhvr>
+                                        <p:cTn id="12" dur="1" fill="hold"/>
+                                        <p:tgtEl>
+                                          <p:spTgt spid="4"/>
+                                        </p:tgtEl>
+                                      </p:cBhvr>
+                                    </p:cmd>
+                                  </p:childTnLst>
+                                </p:cTn>
+                              </p:par>
+                            </p:childTnLst>
+                          </p:cTn>
+                        </p:par>
+                      </p:childTnLst>
+                    </p:cTn>
+                  </p:par>
+                </p:childTnLst>
+              </p:cTn>
+              <p:nextCondLst>
+                <p:cond evt="onClick" delay="0">
+                  <p:tgtEl>
+                    <p:spTgt spid="4"/>
+                  </p:tgtEl>
+                </p:cond>
+              </p:nextCondLst>
+            </p:seq>
+          </p:childTnLst>
+        </p:cTn>
       </p:par>
     </p:tnLst>
   </p:timing>
@@ -8016,25 +7764,132 @@
           <a:lstStyle/>
           <a:p>
             <a:r>
+              <a:rPr lang="ru-RU" sz="3600" dirty="0" smtClean="0"/>
+              <a:t>Система управления</a:t>
+            </a:r>
+            <a:endParaRPr lang="ru-RU" sz="3600" dirty="0"/>
+          </a:p>
+        </p:txBody>
+      </p:sp>
+      <p:sp>
+        <p:nvSpPr>
+          <p:cNvPr id="3" name="Содержимое 2"/>
+          <p:cNvSpPr>
+            <a:spLocks noGrp="1"/>
+          </p:cNvSpPr>
+          <p:nvPr>
+            <p:ph sz="half" idx="1"/>
+          </p:nvPr>
+        </p:nvSpPr>
+        <p:spPr>
+          <a:xfrm>
+            <a:off x="107504" y="1772816"/>
+            <a:ext cx="3243560" cy="4466811"/>
+          </a:xfrm>
+        </p:spPr>
+        <p:txBody>
+          <a:bodyPr>
+            <a:normAutofit fontScale="85000" lnSpcReduction="10000"/>
+          </a:bodyPr>
+          <a:lstStyle/>
+          <a:p>
+            <a:r>
               <a:rPr lang="ru-RU" dirty="0" smtClean="0"/>
-              <a:t>Модель аэродинамического </a:t>
-            </a:r>
-            <a:r>
-              <a:rPr lang="ru-RU" dirty="0" err="1" smtClean="0"/>
-              <a:t>движетеля</a:t>
-            </a:r>
-            <a:endParaRPr lang="ru-RU" dirty="0"/>
-          </a:p>
-        </p:txBody>
-      </p:sp>
-      <p:sp>
-        <p:nvSpPr>
-          <p:cNvPr id="3" name="Содержимое 2"/>
-          <p:cNvSpPr>
-            <a:spLocks noGrp="1"/>
-          </p:cNvSpPr>
-          <p:nvPr>
-            <p:ph idx="1"/>
+              <a:t>Ручное</a:t>
+            </a:r>
+          </a:p>
+          <a:p>
+            <a:pPr lvl="1"/>
+            <a:r>
+              <a:rPr lang="ru-RU" dirty="0" smtClean="0"/>
+              <a:t>Клавиатура</a:t>
+            </a:r>
+          </a:p>
+          <a:p>
+            <a:pPr lvl="1"/>
+            <a:r>
+              <a:rPr lang="ru-RU" dirty="0" smtClean="0"/>
+              <a:t>Джойстик </a:t>
+            </a:r>
+            <a:r>
+              <a:rPr lang="en-US" dirty="0" smtClean="0"/>
+              <a:t>XBOX360</a:t>
+            </a:r>
+          </a:p>
+          <a:p>
+            <a:pPr lvl="1"/>
+            <a:r>
+              <a:rPr lang="en-US" dirty="0" smtClean="0"/>
+              <a:t>3D Mouse Space Pilot</a:t>
+            </a:r>
+          </a:p>
+          <a:p>
+            <a:r>
+              <a:rPr lang="ru-RU" dirty="0" smtClean="0"/>
+              <a:t>Автоматическое</a:t>
+            </a:r>
+          </a:p>
+          <a:p>
+            <a:pPr lvl="1"/>
+            <a:r>
+              <a:rPr lang="ru-RU" dirty="0" smtClean="0"/>
+              <a:t>Выполнение различных сценариев</a:t>
+            </a:r>
+          </a:p>
+          <a:p>
+            <a:r>
+              <a:rPr lang="ru-RU" dirty="0" smtClean="0"/>
+              <a:t>Групповое</a:t>
+            </a:r>
+          </a:p>
+          <a:p>
+            <a:pPr lvl="1"/>
+            <a:r>
+              <a:rPr lang="ru-RU" dirty="0" smtClean="0"/>
+              <a:t>Построение формаций</a:t>
+            </a:r>
+          </a:p>
+          <a:p>
+            <a:pPr lvl="1"/>
+            <a:r>
+              <a:rPr lang="ru-RU" dirty="0" smtClean="0"/>
+              <a:t>Выбор лидера</a:t>
+            </a:r>
+            <a:endParaRPr lang="en-US" dirty="0" smtClean="0"/>
+          </a:p>
+        </p:txBody>
+      </p:sp>
+      <p:pic>
+        <p:nvPicPr>
+          <p:cNvPr id="5" name="Содержимое 4" descr="sim.png"/>
+          <p:cNvPicPr>
+            <a:picLocks noGrp="1" noChangeAspect="1"/>
+          </p:cNvPicPr>
+          <p:nvPr>
+            <p:ph sz="half" idx="2"/>
+          </p:nvPr>
+        </p:nvPicPr>
+        <p:blipFill>
+          <a:blip r:embed="rId2" cstate="print"/>
+          <a:stretch>
+            <a:fillRect/>
+          </a:stretch>
+        </p:blipFill>
+        <p:spPr>
+          <a:xfrm>
+            <a:off x="3491880" y="2132856"/>
+            <a:ext cx="5437464" cy="3168352"/>
+          </a:xfrm>
+        </p:spPr>
+      </p:pic>
+      <p:sp>
+        <p:nvSpPr>
+          <p:cNvPr id="6" name="Номер слайда 5"/>
+          <p:cNvSpPr>
+            <a:spLocks noGrp="1"/>
+          </p:cNvSpPr>
+          <p:nvPr>
+            <p:ph type="sldNum" sz="quarter" idx="12"/>
           </p:nvPr>
         </p:nvSpPr>
         <p:spPr/>
@@ -8042,34 +7897,12 @@
           <a:bodyPr/>
           <a:lstStyle/>
           <a:p>
-            <a:r>
-              <a:rPr lang="en-US" dirty="0" smtClean="0"/>
-              <a:t>RPM</a:t>
-            </a:r>
-          </a:p>
-          <a:p>
-            <a:endParaRPr lang="en-US" dirty="0" smtClean="0"/>
-          </a:p>
-          <a:p>
-            <a:r>
-              <a:rPr lang="ru-RU" dirty="0" smtClean="0"/>
-              <a:t>График</a:t>
-            </a:r>
-          </a:p>
-          <a:p>
-            <a:r>
-              <a:rPr lang="ru-RU" dirty="0" smtClean="0"/>
-              <a:t>ШИМ </a:t>
-            </a:r>
-            <a:r>
-              <a:rPr lang="en-US" dirty="0" smtClean="0"/>
-              <a:t>-&gt; </a:t>
-            </a:r>
-            <a:r>
-              <a:rPr lang="ru-RU" dirty="0" smtClean="0"/>
-              <a:t>Тяга</a:t>
-            </a:r>
-            <a:endParaRPr lang="ru-RU" dirty="0"/>
+            <a:fld id="{725C68B6-61C2-468F-89AB-4B9F7531AA68}" type="slidenum">
+              <a:rPr lang="ru-RU" smtClean="0"/>
+              <a:pPr/>
+              <a:t>15</a:t>
+            </a:fld>
+            <a:endParaRPr lang="ru-RU"/>
           </a:p>
         </p:txBody>
       </p:sp>
@@ -8122,15 +7955,7 @@
           <a:p>
             <a:r>
               <a:rPr lang="ru-RU" dirty="0" smtClean="0"/>
-              <a:t>Модель функционирования </a:t>
-            </a:r>
-            <a:r>
-              <a:rPr lang="en-US" dirty="0" smtClean="0"/>
-              <a:t>IMU </a:t>
-            </a:r>
-            <a:r>
-              <a:rPr lang="ru-RU" dirty="0" smtClean="0"/>
-              <a:t>сенсоров</a:t>
+              <a:t>Вопросы?</a:t>
             </a:r>
             <a:endParaRPr lang="ru-RU" dirty="0"/>
           </a:p>
@@ -8151,57 +7976,31 @@
           <a:bodyPr/>
           <a:lstStyle/>
           <a:p>
-            <a:r>
-              <a:rPr lang="ru-RU" dirty="0" smtClean="0"/>
-              <a:t>Типы сенсоров:</a:t>
-            </a:r>
-          </a:p>
-          <a:p>
-            <a:pPr lvl="1"/>
-            <a:r>
-              <a:rPr lang="ru-RU" dirty="0" smtClean="0"/>
-              <a:t>Гироскоп</a:t>
-            </a:r>
-          </a:p>
-          <a:p>
-            <a:pPr lvl="1"/>
-            <a:r>
-              <a:rPr lang="ru-RU" dirty="0" smtClean="0"/>
-              <a:t>Акселерометр</a:t>
-            </a:r>
-          </a:p>
-          <a:p>
-            <a:pPr lvl="1"/>
-            <a:r>
-              <a:rPr lang="ru-RU" dirty="0" smtClean="0"/>
-              <a:t>Барометр</a:t>
-            </a:r>
-          </a:p>
-          <a:p>
-            <a:pPr lvl="1"/>
-            <a:r>
-              <a:rPr lang="ru-RU" dirty="0" smtClean="0"/>
-              <a:t>Магнитометр</a:t>
-            </a:r>
-          </a:p>
-          <a:p>
-            <a:r>
-              <a:rPr lang="ru-RU" dirty="0" smtClean="0"/>
-              <a:t>Разные типы шумов</a:t>
-            </a:r>
-          </a:p>
-          <a:p>
-            <a:r>
-              <a:rPr lang="ru-RU" dirty="0" smtClean="0"/>
-              <a:t>Разрядность</a:t>
-            </a:r>
-          </a:p>
-          <a:p>
-            <a:r>
-              <a:rPr lang="ru-RU" dirty="0" smtClean="0"/>
-              <a:t>Период дискретизации</a:t>
-            </a:r>
-            <a:endParaRPr lang="ru-RU" dirty="0"/>
+            <a:endParaRPr lang="ru-RU"/>
+          </a:p>
+        </p:txBody>
+      </p:sp>
+      <p:sp>
+        <p:nvSpPr>
+          <p:cNvPr id="4" name="Номер слайда 3"/>
+          <p:cNvSpPr>
+            <a:spLocks noGrp="1"/>
+          </p:cNvSpPr>
+          <p:nvPr>
+            <p:ph type="sldNum" sz="quarter" idx="12"/>
+          </p:nvPr>
+        </p:nvSpPr>
+        <p:spPr/>
+        <p:txBody>
+          <a:bodyPr/>
+          <a:lstStyle/>
+          <a:p>
+            <a:fld id="{725C68B6-61C2-468F-89AB-4B9F7531AA68}" type="slidenum">
+              <a:rPr lang="ru-RU" smtClean="0"/>
+              <a:pPr/>
+              <a:t>16</a:t>
+            </a:fld>
+            <a:endParaRPr lang="ru-RU"/>
           </a:p>
         </p:txBody>
       </p:sp>
@@ -8210,246 +8009,13 @@
   <p:clrMapOvr>
     <a:masterClrMapping/>
   </p:clrMapOvr>
-</p:sld>
-</file>
-
-<file path=ppt/slides/slide17.xml><?xml version="1.0" encoding="utf-8"?>
-<p:sld xmlns:a="http://schemas.openxmlformats.org/drawingml/2006/main" xmlns:r="http://schemas.openxmlformats.org/officeDocument/2006/relationships" xmlns:p="http://schemas.openxmlformats.org/presentationml/2006/main">
-  <p:cSld>
-    <p:spTree>
-      <p:nvGrpSpPr>
-        <p:cNvPr id="1" name=""/>
-        <p:cNvGrpSpPr/>
-        <p:nvPr/>
-      </p:nvGrpSpPr>
-      <p:grpSpPr>
-        <a:xfrm>
-          <a:off x="0" y="0"/>
-          <a:ext cx="0" cy="0"/>
-          <a:chOff x="0" y="0"/>
-          <a:chExt cx="0" cy="0"/>
-        </a:xfrm>
-      </p:grpSpPr>
-      <p:sp>
-        <p:nvSpPr>
-          <p:cNvPr id="2" name="Заголовок 1"/>
-          <p:cNvSpPr>
-            <a:spLocks noGrp="1"/>
-          </p:cNvSpPr>
-          <p:nvPr>
-            <p:ph type="title"/>
-          </p:nvPr>
-        </p:nvSpPr>
-        <p:spPr/>
-        <p:txBody>
-          <a:bodyPr/>
-          <a:lstStyle/>
-          <a:p>
-            <a:r>
-              <a:rPr lang="ru-RU" dirty="0" smtClean="0"/>
-              <a:t>Модель видеокамеры</a:t>
-            </a:r>
-            <a:endParaRPr lang="ru-RU" dirty="0"/>
-          </a:p>
-        </p:txBody>
-      </p:sp>
-      <p:sp>
-        <p:nvSpPr>
-          <p:cNvPr id="3" name="Содержимое 2"/>
-          <p:cNvSpPr>
-            <a:spLocks noGrp="1"/>
-          </p:cNvSpPr>
-          <p:nvPr>
-            <p:ph idx="1"/>
-          </p:nvPr>
-        </p:nvSpPr>
-        <p:spPr/>
-        <p:txBody>
-          <a:bodyPr/>
-          <a:lstStyle/>
-          <a:p>
-            <a:r>
-              <a:rPr lang="ru-RU" dirty="0" smtClean="0"/>
-              <a:t>Помехи</a:t>
-            </a:r>
-          </a:p>
-          <a:p>
-            <a:r>
-              <a:rPr lang="ru-RU" dirty="0" smtClean="0"/>
-              <a:t>Блики</a:t>
-            </a:r>
-          </a:p>
-          <a:p>
-            <a:r>
-              <a:rPr lang="en-US" dirty="0" smtClean="0"/>
-              <a:t>HDR </a:t>
-            </a:r>
-            <a:r>
-              <a:rPr lang="ru-RU" dirty="0" smtClean="0"/>
-              <a:t>адаптация</a:t>
-            </a:r>
-          </a:p>
-          <a:p>
-            <a:r>
-              <a:rPr lang="ru-RU" dirty="0" smtClean="0"/>
-              <a:t>Задержки</a:t>
-            </a:r>
-          </a:p>
-          <a:p>
-            <a:r>
-              <a:rPr lang="ru-RU" dirty="0" smtClean="0"/>
-              <a:t>Разные фокусные расстояния</a:t>
-            </a:r>
-          </a:p>
-        </p:txBody>
-      </p:sp>
-    </p:spTree>
-  </p:cSld>
-  <p:clrMapOvr>
-    <a:masterClrMapping/>
-  </p:clrMapOvr>
-</p:sld>
-</file>
-
-<file path=ppt/slides/slide18.xml><?xml version="1.0" encoding="utf-8"?>
-<p:sld xmlns:a="http://schemas.openxmlformats.org/drawingml/2006/main" xmlns:r="http://schemas.openxmlformats.org/officeDocument/2006/relationships" xmlns:p="http://schemas.openxmlformats.org/presentationml/2006/main">
-  <p:cSld>
-    <p:spTree>
-      <p:nvGrpSpPr>
-        <p:cNvPr id="1" name=""/>
-        <p:cNvGrpSpPr/>
-        <p:nvPr/>
-      </p:nvGrpSpPr>
-      <p:grpSpPr>
-        <a:xfrm>
-          <a:off x="0" y="0"/>
-          <a:ext cx="0" cy="0"/>
-          <a:chOff x="0" y="0"/>
-          <a:chExt cx="0" cy="0"/>
-        </a:xfrm>
-      </p:grpSpPr>
-      <p:sp>
-        <p:nvSpPr>
-          <p:cNvPr id="2" name="Заголовок 1"/>
-          <p:cNvSpPr>
-            <a:spLocks noGrp="1"/>
-          </p:cNvSpPr>
-          <p:nvPr>
-            <p:ph type="title"/>
-          </p:nvPr>
-        </p:nvSpPr>
-        <p:spPr/>
-        <p:txBody>
-          <a:bodyPr/>
-          <a:lstStyle/>
-          <a:p>
-            <a:r>
-              <a:rPr lang="ru-RU" dirty="0" smtClean="0"/>
-              <a:t>Модель системы стабилизации</a:t>
-            </a:r>
-            <a:endParaRPr lang="ru-RU" dirty="0"/>
-          </a:p>
-        </p:txBody>
-      </p:sp>
-      <p:sp>
-        <p:nvSpPr>
-          <p:cNvPr id="3" name="Содержимое 2"/>
-          <p:cNvSpPr>
-            <a:spLocks noGrp="1"/>
-          </p:cNvSpPr>
-          <p:nvPr>
-            <p:ph idx="1"/>
-          </p:nvPr>
-        </p:nvSpPr>
-        <p:spPr/>
-        <p:txBody>
-          <a:bodyPr/>
-          <a:lstStyle/>
-          <a:p>
-            <a:endParaRPr lang="ru-RU"/>
-          </a:p>
-        </p:txBody>
-      </p:sp>
-    </p:spTree>
-  </p:cSld>
-  <p:clrMapOvr>
-    <a:masterClrMapping/>
-  </p:clrMapOvr>
-</p:sld>
-</file>
-
-<file path=ppt/slides/slide19.xml><?xml version="1.0" encoding="utf-8"?>
-<p:sld xmlns:a="http://schemas.openxmlformats.org/drawingml/2006/main" xmlns:r="http://schemas.openxmlformats.org/officeDocument/2006/relationships" xmlns:p="http://schemas.openxmlformats.org/presentationml/2006/main">
-  <p:cSld>
-    <p:spTree>
-      <p:nvGrpSpPr>
-        <p:cNvPr id="1" name=""/>
-        <p:cNvGrpSpPr/>
-        <p:nvPr/>
-      </p:nvGrpSpPr>
-      <p:grpSpPr>
-        <a:xfrm>
-          <a:off x="0" y="0"/>
-          <a:ext cx="0" cy="0"/>
-          <a:chOff x="0" y="0"/>
-          <a:chExt cx="0" cy="0"/>
-        </a:xfrm>
-      </p:grpSpPr>
-      <p:sp>
-        <p:nvSpPr>
-          <p:cNvPr id="2" name="Заголовок 1"/>
-          <p:cNvSpPr>
-            <a:spLocks noGrp="1"/>
-          </p:cNvSpPr>
-          <p:nvPr>
-            <p:ph type="title"/>
-          </p:nvPr>
-        </p:nvSpPr>
-        <p:spPr/>
-        <p:txBody>
-          <a:bodyPr/>
-          <a:lstStyle/>
-          <a:p>
-            <a:r>
-              <a:rPr lang="ru-RU" dirty="0" smtClean="0"/>
-              <a:t>Средства </a:t>
-            </a:r>
-            <a:r>
-              <a:rPr lang="ru-RU" dirty="0" err="1" smtClean="0"/>
-              <a:t>журналирования</a:t>
-            </a:r>
-            <a:r>
-              <a:rPr lang="ru-RU" dirty="0" smtClean="0"/>
-              <a:t> и анализа</a:t>
-            </a:r>
-            <a:endParaRPr lang="ru-RU" dirty="0"/>
-          </a:p>
-        </p:txBody>
-      </p:sp>
-      <p:sp>
-        <p:nvSpPr>
-          <p:cNvPr id="3" name="Содержимое 2"/>
-          <p:cNvSpPr>
-            <a:spLocks noGrp="1"/>
-          </p:cNvSpPr>
-          <p:nvPr>
-            <p:ph idx="1"/>
-          </p:nvPr>
-        </p:nvSpPr>
-        <p:spPr/>
-        <p:txBody>
-          <a:bodyPr/>
-          <a:lstStyle/>
-          <a:p>
-            <a:endParaRPr lang="ru-RU"/>
-          </a:p>
-        </p:txBody>
-      </p:sp>
-    </p:spTree>
-  </p:cSld>
-  <p:clrMapOvr>
-    <a:masterClrMapping/>
-  </p:clrMapOvr>
+  <p:timing>
+    <p:tnLst>
+      <p:par>
+        <p:cTn id="1" dur="indefinite" restart="never" nodeType="tmRoot"/>
+      </p:par>
+    </p:tnLst>
+  </p:timing>
 </p:sld>
 </file>
 
@@ -8482,405 +8048,156 @@
         </p:nvSpPr>
         <p:spPr/>
         <p:txBody>
+          <a:bodyPr>
+            <a:normAutofit fontScale="90000"/>
+          </a:bodyPr>
+          <a:lstStyle/>
+          <a:p>
+            <a:r>
+              <a:rPr lang="ru-RU" dirty="0" smtClean="0"/>
+              <a:t>Особенности постановки задачи ВП</a:t>
+            </a:r>
+            <a:r>
+              <a:rPr lang="en-US" dirty="0" smtClean="0"/>
+              <a:t> </a:t>
+            </a:r>
+            <a:r>
+              <a:rPr lang="en-US" dirty="0" err="1" smtClean="0"/>
+              <a:t>QuadroX</a:t>
+            </a:r>
+            <a:r>
+              <a:rPr lang="en-US" dirty="0" smtClean="0"/>
+              <a:t>-DS</a:t>
+            </a:r>
+            <a:r>
+              <a:rPr lang="ru-RU" dirty="0" smtClean="0"/>
+              <a:t> </a:t>
+            </a:r>
+            <a:endParaRPr lang="ru-RU" dirty="0"/>
+          </a:p>
+        </p:txBody>
+      </p:sp>
+      <p:sp>
+        <p:nvSpPr>
+          <p:cNvPr id="3" name="Содержимое 2"/>
+          <p:cNvSpPr>
+            <a:spLocks noGrp="1"/>
+          </p:cNvSpPr>
+          <p:nvPr>
+            <p:ph idx="1"/>
+          </p:nvPr>
+        </p:nvSpPr>
+        <p:spPr/>
+        <p:txBody>
+          <a:bodyPr>
+            <a:normAutofit fontScale="77500" lnSpcReduction="20000"/>
+          </a:bodyPr>
+          <a:lstStyle/>
+          <a:p>
+            <a:r>
+              <a:rPr lang="ru-RU" dirty="0" smtClean="0"/>
+              <a:t>Качественное воспроизведение аэродинамических эффектов взаимодействия групп БПЛА и окружения</a:t>
+            </a:r>
+          </a:p>
+          <a:p>
+            <a:r>
+              <a:rPr lang="ru-RU" dirty="0" smtClean="0"/>
+              <a:t>Моделирование инерциальных, барометрических и магнитометрических датчиков</a:t>
+            </a:r>
+          </a:p>
+          <a:p>
+            <a:r>
+              <a:rPr lang="ru-RU" dirty="0" smtClean="0"/>
+              <a:t>Синтез изображений формируемых камерами БПЛА</a:t>
+            </a:r>
+          </a:p>
+          <a:p>
+            <a:r>
+              <a:rPr lang="ru-RU" dirty="0" smtClean="0"/>
+              <a:t>Варьирование параметров БПЛА с целью поиска оптимальной конфигурации:</a:t>
+            </a:r>
+          </a:p>
+          <a:p>
+            <a:pPr lvl="1"/>
+            <a:r>
+              <a:rPr lang="ru-RU" dirty="0" smtClean="0"/>
+              <a:t>Длина плеча</a:t>
+            </a:r>
+          </a:p>
+          <a:p>
+            <a:pPr lvl="1"/>
+            <a:r>
+              <a:rPr lang="ru-RU" dirty="0" smtClean="0"/>
+              <a:t>Двигатели + </a:t>
+            </a:r>
+            <a:r>
+              <a:rPr lang="en-US" dirty="0" smtClean="0"/>
+              <a:t>ESC</a:t>
+            </a:r>
+            <a:r>
+              <a:rPr lang="ru-RU" dirty="0" smtClean="0"/>
+              <a:t> (по таблицам)</a:t>
+            </a:r>
+            <a:endParaRPr lang="en-US" dirty="0" smtClean="0"/>
+          </a:p>
+          <a:p>
+            <a:pPr lvl="1"/>
+            <a:r>
+              <a:rPr lang="ru-RU" dirty="0" smtClean="0"/>
+              <a:t>Пропеллеры и т.д. (по таблицам + опт. связь </a:t>
+            </a:r>
+            <a:r>
+              <a:rPr lang="en-US" dirty="0" smtClean="0"/>
+              <a:t>c</a:t>
+            </a:r>
+            <a:r>
+              <a:rPr lang="ru-RU" dirty="0" smtClean="0"/>
+              <a:t> пакетами </a:t>
+            </a:r>
+            <a:r>
+              <a:rPr lang="en-US" dirty="0" smtClean="0"/>
+              <a:t>CFD</a:t>
+            </a:r>
+            <a:r>
+              <a:rPr lang="ru-RU" dirty="0" smtClean="0"/>
+              <a:t>)</a:t>
+            </a:r>
+            <a:endParaRPr lang="en-US" dirty="0" smtClean="0"/>
+          </a:p>
+          <a:p>
+            <a:r>
+              <a:rPr lang="ru-RU" dirty="0" smtClean="0"/>
+              <a:t>Выбор окружения для моделирования</a:t>
+            </a:r>
+          </a:p>
+          <a:p>
+            <a:pPr>
+              <a:buNone/>
+            </a:pPr>
+            <a:endParaRPr lang="ru-RU" dirty="0"/>
+          </a:p>
+        </p:txBody>
+      </p:sp>
+      <p:sp>
+        <p:nvSpPr>
+          <p:cNvPr id="4" name="Номер слайда 3"/>
+          <p:cNvSpPr>
+            <a:spLocks noGrp="1"/>
+          </p:cNvSpPr>
+          <p:nvPr>
+            <p:ph type="sldNum" sz="quarter" idx="12"/>
+          </p:nvPr>
+        </p:nvSpPr>
+        <p:spPr/>
+        <p:txBody>
           <a:bodyPr/>
           <a:lstStyle/>
           <a:p>
-            <a:r>
-              <a:rPr lang="ru-RU" dirty="0" smtClean="0"/>
-              <a:t>Задачи</a:t>
-            </a:r>
-            <a:endParaRPr lang="ru-RU" dirty="0"/>
-          </a:p>
-        </p:txBody>
-      </p:sp>
-      <p:sp>
-        <p:nvSpPr>
-          <p:cNvPr id="3" name="Содержимое 2"/>
-          <p:cNvSpPr>
-            <a:spLocks noGrp="1"/>
-          </p:cNvSpPr>
-          <p:nvPr>
-            <p:ph idx="1"/>
-          </p:nvPr>
-        </p:nvSpPr>
-        <p:spPr/>
-        <p:txBody>
-          <a:bodyPr/>
-          <a:lstStyle/>
-          <a:p>
-            <a:r>
-              <a:rPr lang="ru-RU" dirty="0" smtClean="0"/>
-              <a:t>Создание виртуального полигона для исследования динамики 4Р-БПЛА в закрытых помещениях (</a:t>
-            </a:r>
-            <a:r>
-              <a:rPr lang="en-US" dirty="0" err="1" smtClean="0"/>
-              <a:t>Quadro</a:t>
-            </a:r>
-            <a:r>
-              <a:rPr lang="en-US" sz="3600" i="1" dirty="0" err="1" smtClean="0">
-                <a:solidFill>
-                  <a:srgbClr val="FF0000"/>
-                </a:solidFill>
-              </a:rPr>
-              <a:t>X</a:t>
-            </a:r>
-            <a:r>
-              <a:rPr lang="en-US" dirty="0" smtClean="0"/>
-              <a:t>-DS</a:t>
-            </a:r>
-            <a:r>
-              <a:rPr lang="ru-RU" dirty="0" smtClean="0"/>
-              <a:t>)</a:t>
-            </a:r>
-            <a:endParaRPr lang="en-US" dirty="0" smtClean="0"/>
-          </a:p>
-          <a:p>
-            <a:endParaRPr lang="ru-RU" dirty="0" smtClean="0"/>
-          </a:p>
-          <a:p>
-            <a:r>
-              <a:rPr lang="ru-RU" dirty="0" smtClean="0"/>
-              <a:t>Создание комплекса 4Р-БПЛА для реализации задачи навигации в закрытых помещениях (КНЗП)</a:t>
-            </a:r>
-            <a:endParaRPr lang="ru-RU" dirty="0"/>
-          </a:p>
-        </p:txBody>
-      </p:sp>
-    </p:spTree>
-  </p:cSld>
-  <p:clrMapOvr>
-    <a:masterClrMapping/>
-  </p:clrMapOvr>
-  <p:timing>
-    <p:tnLst>
-      <p:par>
-        <p:cTn id="1" dur="indefinite" restart="never" nodeType="tmRoot"/>
-      </p:par>
-    </p:tnLst>
-  </p:timing>
-</p:sld>
-</file>
-
-<file path=ppt/slides/slide20.xml><?xml version="1.0" encoding="utf-8"?>
-<p:sld xmlns:a="http://schemas.openxmlformats.org/drawingml/2006/main" xmlns:r="http://schemas.openxmlformats.org/officeDocument/2006/relationships" xmlns:p="http://schemas.openxmlformats.org/presentationml/2006/main">
-  <p:cSld>
-    <p:spTree>
-      <p:nvGrpSpPr>
-        <p:cNvPr id="1" name=""/>
-        <p:cNvGrpSpPr/>
-        <p:nvPr/>
-      </p:nvGrpSpPr>
-      <p:grpSpPr>
-        <a:xfrm>
-          <a:off x="0" y="0"/>
-          <a:ext cx="0" cy="0"/>
-          <a:chOff x="0" y="0"/>
-          <a:chExt cx="0" cy="0"/>
-        </a:xfrm>
-      </p:grpSpPr>
-      <p:sp>
-        <p:nvSpPr>
-          <p:cNvPr id="2" name="Заголовок 1"/>
-          <p:cNvSpPr>
-            <a:spLocks noGrp="1"/>
-          </p:cNvSpPr>
-          <p:nvPr>
-            <p:ph type="title"/>
-          </p:nvPr>
-        </p:nvSpPr>
-        <p:spPr/>
-        <p:txBody>
-          <a:bodyPr/>
-          <a:lstStyle/>
-          <a:p>
-            <a:r>
-              <a:rPr lang="ru-RU" dirty="0" smtClean="0"/>
-              <a:t>Телеметрия БПЛА</a:t>
-            </a:r>
-            <a:endParaRPr lang="ru-RU" dirty="0"/>
-          </a:p>
-        </p:txBody>
-      </p:sp>
-      <p:sp>
-        <p:nvSpPr>
-          <p:cNvPr id="3" name="Содержимое 2"/>
-          <p:cNvSpPr>
-            <a:spLocks noGrp="1"/>
-          </p:cNvSpPr>
-          <p:nvPr>
-            <p:ph idx="1"/>
-          </p:nvPr>
-        </p:nvSpPr>
-        <p:spPr/>
-        <p:txBody>
-          <a:bodyPr/>
-          <a:lstStyle/>
-          <a:p>
-            <a:endParaRPr lang="ru-RU"/>
-          </a:p>
-        </p:txBody>
-      </p:sp>
-    </p:spTree>
-  </p:cSld>
-  <p:clrMapOvr>
-    <a:masterClrMapping/>
-  </p:clrMapOvr>
-</p:sld>
-</file>
-
-<file path=ppt/slides/slide21.xml><?xml version="1.0" encoding="utf-8"?>
-<p:sld xmlns:a="http://schemas.openxmlformats.org/drawingml/2006/main" xmlns:r="http://schemas.openxmlformats.org/officeDocument/2006/relationships" xmlns:p="http://schemas.openxmlformats.org/presentationml/2006/main">
-  <p:cSld>
-    <p:spTree>
-      <p:nvGrpSpPr>
-        <p:cNvPr id="1" name=""/>
-        <p:cNvGrpSpPr/>
-        <p:nvPr/>
-      </p:nvGrpSpPr>
-      <p:grpSpPr>
-        <a:xfrm>
-          <a:off x="0" y="0"/>
-          <a:ext cx="0" cy="0"/>
-          <a:chOff x="0" y="0"/>
-          <a:chExt cx="0" cy="0"/>
-        </a:xfrm>
-      </p:grpSpPr>
-      <p:sp>
-        <p:nvSpPr>
-          <p:cNvPr id="2" name="Заголовок 1"/>
-          <p:cNvSpPr>
-            <a:spLocks noGrp="1"/>
-          </p:cNvSpPr>
-          <p:nvPr>
-            <p:ph type="title"/>
-          </p:nvPr>
-        </p:nvSpPr>
-        <p:spPr/>
-        <p:txBody>
-          <a:bodyPr/>
-          <a:lstStyle/>
-          <a:p>
-            <a:r>
-              <a:rPr lang="ru-RU" dirty="0" smtClean="0"/>
-              <a:t>Система оптического захвата движения</a:t>
-            </a:r>
-            <a:endParaRPr lang="ru-RU" dirty="0"/>
-          </a:p>
-        </p:txBody>
-      </p:sp>
-      <p:sp>
-        <p:nvSpPr>
-          <p:cNvPr id="3" name="Содержимое 2"/>
-          <p:cNvSpPr>
-            <a:spLocks noGrp="1"/>
-          </p:cNvSpPr>
-          <p:nvPr>
-            <p:ph idx="1"/>
-          </p:nvPr>
-        </p:nvSpPr>
-        <p:spPr/>
-        <p:txBody>
-          <a:bodyPr/>
-          <a:lstStyle/>
-          <a:p>
-            <a:endParaRPr lang="ru-RU"/>
-          </a:p>
-        </p:txBody>
-      </p:sp>
-    </p:spTree>
-  </p:cSld>
-  <p:clrMapOvr>
-    <a:masterClrMapping/>
-  </p:clrMapOvr>
-</p:sld>
-</file>
-
-<file path=ppt/slides/slide22.xml><?xml version="1.0" encoding="utf-8"?>
-<p:sld xmlns:a="http://schemas.openxmlformats.org/drawingml/2006/main" xmlns:r="http://schemas.openxmlformats.org/officeDocument/2006/relationships" xmlns:p="http://schemas.openxmlformats.org/presentationml/2006/main">
-  <p:cSld>
-    <p:spTree>
-      <p:nvGrpSpPr>
-        <p:cNvPr id="1" name=""/>
-        <p:cNvGrpSpPr/>
-        <p:nvPr/>
-      </p:nvGrpSpPr>
-      <p:grpSpPr>
-        <a:xfrm>
-          <a:off x="0" y="0"/>
-          <a:ext cx="0" cy="0"/>
-          <a:chOff x="0" y="0"/>
-          <a:chExt cx="0" cy="0"/>
-        </a:xfrm>
-      </p:grpSpPr>
-      <p:sp>
-        <p:nvSpPr>
-          <p:cNvPr id="2" name="Заголовок 1"/>
-          <p:cNvSpPr>
-            <a:spLocks noGrp="1"/>
-          </p:cNvSpPr>
-          <p:nvPr>
-            <p:ph type="title"/>
-          </p:nvPr>
-        </p:nvSpPr>
-        <p:spPr/>
-        <p:txBody>
-          <a:bodyPr/>
-          <a:lstStyle/>
-          <a:p>
-            <a:r>
-              <a:rPr lang="ru-RU" dirty="0" smtClean="0"/>
-              <a:t>Система управления</a:t>
-            </a:r>
-            <a:endParaRPr lang="ru-RU" dirty="0"/>
-          </a:p>
-        </p:txBody>
-      </p:sp>
-      <p:sp>
-        <p:nvSpPr>
-          <p:cNvPr id="3" name="Содержимое 2"/>
-          <p:cNvSpPr>
-            <a:spLocks noGrp="1"/>
-          </p:cNvSpPr>
-          <p:nvPr>
-            <p:ph idx="1"/>
-          </p:nvPr>
-        </p:nvSpPr>
-        <p:spPr/>
-        <p:txBody>
-          <a:bodyPr>
-            <a:normAutofit/>
-          </a:bodyPr>
-          <a:lstStyle/>
-          <a:p>
-            <a:r>
-              <a:rPr lang="ru-RU" dirty="0" smtClean="0"/>
-              <a:t>Ручное</a:t>
-            </a:r>
-          </a:p>
-          <a:p>
-            <a:pPr lvl="1"/>
-            <a:r>
-              <a:rPr lang="ru-RU" dirty="0" smtClean="0"/>
-              <a:t>Клавиатура</a:t>
-            </a:r>
-          </a:p>
-          <a:p>
-            <a:pPr lvl="1"/>
-            <a:r>
-              <a:rPr lang="ru-RU" dirty="0" smtClean="0"/>
-              <a:t>Джойстик </a:t>
-            </a:r>
-            <a:r>
-              <a:rPr lang="en-US" dirty="0" smtClean="0"/>
-              <a:t>XBOX360</a:t>
-            </a:r>
-          </a:p>
-          <a:p>
-            <a:pPr lvl="1"/>
-            <a:r>
-              <a:rPr lang="en-US" dirty="0" smtClean="0"/>
-              <a:t>3D Mouse Space Pilot</a:t>
-            </a:r>
-          </a:p>
-          <a:p>
-            <a:r>
-              <a:rPr lang="ru-RU" dirty="0" smtClean="0"/>
-              <a:t>Автоматическое</a:t>
-            </a:r>
-          </a:p>
-          <a:p>
-            <a:pPr lvl="1"/>
-            <a:r>
-              <a:rPr lang="ru-RU" dirty="0" smtClean="0"/>
-              <a:t>Выполнение различных сценариев</a:t>
-            </a:r>
-          </a:p>
-          <a:p>
-            <a:r>
-              <a:rPr lang="ru-RU" dirty="0" smtClean="0"/>
-              <a:t>Групповое</a:t>
-            </a:r>
-          </a:p>
-          <a:p>
-            <a:pPr lvl="1"/>
-            <a:r>
-              <a:rPr lang="ru-RU" dirty="0" smtClean="0"/>
-              <a:t>Построение формаций</a:t>
-            </a:r>
-          </a:p>
-          <a:p>
-            <a:pPr lvl="1"/>
-            <a:r>
-              <a:rPr lang="ru-RU" dirty="0" smtClean="0"/>
-              <a:t>Выбор лидера</a:t>
-            </a:r>
-            <a:endParaRPr lang="en-US" dirty="0" smtClean="0"/>
-          </a:p>
-        </p:txBody>
-      </p:sp>
-    </p:spTree>
-  </p:cSld>
-  <p:clrMapOvr>
-    <a:masterClrMapping/>
-  </p:clrMapOvr>
-</p:sld>
-</file>
-
-<file path=ppt/slides/slide23.xml><?xml version="1.0" encoding="utf-8"?>
-<p:sld xmlns:a="http://schemas.openxmlformats.org/drawingml/2006/main" xmlns:r="http://schemas.openxmlformats.org/officeDocument/2006/relationships" xmlns:p="http://schemas.openxmlformats.org/presentationml/2006/main">
-  <p:cSld>
-    <p:spTree>
-      <p:nvGrpSpPr>
-        <p:cNvPr id="1" name=""/>
-        <p:cNvGrpSpPr/>
-        <p:nvPr/>
-      </p:nvGrpSpPr>
-      <p:grpSpPr>
-        <a:xfrm>
-          <a:off x="0" y="0"/>
-          <a:ext cx="0" cy="0"/>
-          <a:chOff x="0" y="0"/>
-          <a:chExt cx="0" cy="0"/>
-        </a:xfrm>
-      </p:grpSpPr>
-      <p:sp>
-        <p:nvSpPr>
-          <p:cNvPr id="2" name="Заголовок 1"/>
-          <p:cNvSpPr>
-            <a:spLocks noGrp="1"/>
-          </p:cNvSpPr>
-          <p:nvPr>
-            <p:ph type="title"/>
-          </p:nvPr>
-        </p:nvSpPr>
-        <p:spPr/>
-        <p:txBody>
-          <a:bodyPr/>
-          <a:lstStyle/>
-          <a:p>
-            <a:r>
-              <a:rPr lang="ru-RU" dirty="0" smtClean="0"/>
-              <a:t>Вопросы?</a:t>
-            </a:r>
-            <a:endParaRPr lang="ru-RU" dirty="0"/>
-          </a:p>
-        </p:txBody>
-      </p:sp>
-      <p:sp>
-        <p:nvSpPr>
-          <p:cNvPr id="3" name="Содержимое 2"/>
-          <p:cNvSpPr>
-            <a:spLocks noGrp="1"/>
-          </p:cNvSpPr>
-          <p:nvPr>
-            <p:ph idx="1"/>
-          </p:nvPr>
-        </p:nvSpPr>
-        <p:spPr/>
-        <p:txBody>
-          <a:bodyPr/>
-          <a:lstStyle/>
-          <a:p>
+            <a:fld id="{725C68B6-61C2-468F-89AB-4B9F7531AA68}" type="slidenum">
+              <a:rPr lang="ru-RU" smtClean="0"/>
+              <a:pPr/>
+              <a:t>2</a:t>
+            </a:fld>
             <a:endParaRPr lang="ru-RU"/>
           </a:p>
         </p:txBody>
@@ -8933,21 +8250,859 @@
           <a:lstStyle/>
           <a:p>
             <a:r>
-              <a:rPr lang="ru-RU" dirty="0" smtClean="0"/>
-              <a:t>Области применения</a:t>
-            </a:r>
-            <a:endParaRPr lang="ru-RU" dirty="0"/>
-          </a:p>
-        </p:txBody>
-      </p:sp>
-      <p:sp>
-        <p:nvSpPr>
-          <p:cNvPr id="3" name="Содержимое 2"/>
-          <p:cNvSpPr>
-            <a:spLocks noGrp="1"/>
-          </p:cNvSpPr>
-          <p:nvPr>
-            <p:ph idx="1"/>
+              <a:rPr lang="ru-RU" sz="3200" dirty="0" smtClean="0"/>
+              <a:t>Архитектура виртуального полигона</a:t>
+            </a:r>
+            <a:endParaRPr lang="ru-RU" sz="3200" dirty="0"/>
+          </a:p>
+        </p:txBody>
+      </p:sp>
+      <p:sp>
+        <p:nvSpPr>
+          <p:cNvPr id="4" name="Прямоугольник 3"/>
+          <p:cNvSpPr/>
+          <p:nvPr/>
+        </p:nvSpPr>
+        <p:spPr>
+          <a:xfrm>
+            <a:off x="4355976" y="5661248"/>
+            <a:ext cx="2232248" cy="936104"/>
+          </a:xfrm>
+          <a:prstGeom prst="rect">
+            <a:avLst/>
+          </a:prstGeom>
+        </p:spPr>
+        <p:style>
+          <a:lnRef idx="3">
+            <a:schemeClr val="lt1"/>
+          </a:lnRef>
+          <a:fillRef idx="1">
+            <a:schemeClr val="accent1"/>
+          </a:fillRef>
+          <a:effectRef idx="1">
+            <a:schemeClr val="accent1"/>
+          </a:effectRef>
+          <a:fontRef idx="minor">
+            <a:schemeClr val="lt1"/>
+          </a:fontRef>
+        </p:style>
+        <p:txBody>
+          <a:bodyPr rtlCol="0" anchor="ctr"/>
+          <a:lstStyle/>
+          <a:p>
+            <a:pPr algn="ctr"/>
+            <a:r>
+              <a:rPr lang="ru-RU" dirty="0" smtClean="0">
+                <a:solidFill>
+                  <a:schemeClr val="bg1"/>
+                </a:solidFill>
+              </a:rPr>
+              <a:t>Модель аэродинамического взаимодействия</a:t>
+            </a:r>
+            <a:endParaRPr lang="ru-RU" dirty="0">
+              <a:solidFill>
+                <a:schemeClr val="bg1"/>
+              </a:solidFill>
+            </a:endParaRPr>
+          </a:p>
+        </p:txBody>
+      </p:sp>
+      <p:sp>
+        <p:nvSpPr>
+          <p:cNvPr id="5" name="Прямоугольник 4"/>
+          <p:cNvSpPr/>
+          <p:nvPr/>
+        </p:nvSpPr>
+        <p:spPr>
+          <a:xfrm>
+            <a:off x="6660232" y="5661248"/>
+            <a:ext cx="2232248" cy="936104"/>
+          </a:xfrm>
+          <a:prstGeom prst="rect">
+            <a:avLst/>
+          </a:prstGeom>
+        </p:spPr>
+        <p:style>
+          <a:lnRef idx="3">
+            <a:schemeClr val="lt1"/>
+          </a:lnRef>
+          <a:fillRef idx="1">
+            <a:schemeClr val="accent1"/>
+          </a:fillRef>
+          <a:effectRef idx="1">
+            <a:schemeClr val="accent1"/>
+          </a:effectRef>
+          <a:fontRef idx="minor">
+            <a:schemeClr val="lt1"/>
+          </a:fontRef>
+        </p:style>
+        <p:txBody>
+          <a:bodyPr rtlCol="0" anchor="ctr"/>
+          <a:lstStyle/>
+          <a:p>
+            <a:pPr algn="ctr"/>
+            <a:r>
+              <a:rPr lang="ru-RU" dirty="0" smtClean="0">
+                <a:solidFill>
+                  <a:schemeClr val="bg1"/>
+                </a:solidFill>
+              </a:rPr>
+              <a:t>Модель </a:t>
+            </a:r>
+            <a:r>
+              <a:rPr lang="ru-RU" dirty="0" err="1" smtClean="0">
+                <a:solidFill>
+                  <a:schemeClr val="bg1"/>
+                </a:solidFill>
+              </a:rPr>
+              <a:t>тв</a:t>
+            </a:r>
+            <a:r>
+              <a:rPr lang="ru-RU" dirty="0" smtClean="0">
+                <a:solidFill>
+                  <a:schemeClr val="bg1"/>
+                </a:solidFill>
+              </a:rPr>
+              <a:t>. тела</a:t>
+            </a:r>
+          </a:p>
+          <a:p>
+            <a:pPr algn="ctr"/>
+            <a:r>
+              <a:rPr lang="ru-RU" dirty="0" smtClean="0">
+                <a:solidFill>
+                  <a:schemeClr val="bg1"/>
+                </a:solidFill>
+              </a:rPr>
+              <a:t>6-</a:t>
+            </a:r>
+            <a:r>
+              <a:rPr lang="en-US" dirty="0" smtClean="0">
+                <a:solidFill>
+                  <a:schemeClr val="bg1"/>
+                </a:solidFill>
+              </a:rPr>
+              <a:t>DOF</a:t>
+            </a:r>
+            <a:endParaRPr lang="ru-RU" dirty="0">
+              <a:solidFill>
+                <a:schemeClr val="bg1"/>
+              </a:solidFill>
+            </a:endParaRPr>
+          </a:p>
+        </p:txBody>
+      </p:sp>
+      <p:sp>
+        <p:nvSpPr>
+          <p:cNvPr id="6" name="Прямоугольник 5"/>
+          <p:cNvSpPr/>
+          <p:nvPr/>
+        </p:nvSpPr>
+        <p:spPr>
+          <a:xfrm>
+            <a:off x="611560" y="1340768"/>
+            <a:ext cx="1440160" cy="1440160"/>
+          </a:xfrm>
+          <a:prstGeom prst="rect">
+            <a:avLst/>
+          </a:prstGeom>
+        </p:spPr>
+        <p:style>
+          <a:lnRef idx="3">
+            <a:schemeClr val="lt1"/>
+          </a:lnRef>
+          <a:fillRef idx="1">
+            <a:schemeClr val="accent1"/>
+          </a:fillRef>
+          <a:effectRef idx="1">
+            <a:schemeClr val="accent1"/>
+          </a:effectRef>
+          <a:fontRef idx="minor">
+            <a:schemeClr val="lt1"/>
+          </a:fontRef>
+        </p:style>
+        <p:txBody>
+          <a:bodyPr rtlCol="0" anchor="ctr"/>
+          <a:lstStyle/>
+          <a:p>
+            <a:pPr algn="ctr"/>
+            <a:r>
+              <a:rPr lang="ru-RU" dirty="0" smtClean="0">
+                <a:solidFill>
+                  <a:schemeClr val="bg1"/>
+                </a:solidFill>
+              </a:rPr>
+              <a:t>Система </a:t>
+            </a:r>
+            <a:r>
+              <a:rPr lang="ru-RU" dirty="0" err="1" smtClean="0">
+                <a:solidFill>
+                  <a:schemeClr val="bg1"/>
+                </a:solidFill>
+              </a:rPr>
+              <a:t>оптическогозахвата</a:t>
+            </a:r>
+            <a:r>
+              <a:rPr lang="ru-RU" dirty="0" smtClean="0">
+                <a:solidFill>
+                  <a:schemeClr val="bg1"/>
+                </a:solidFill>
+              </a:rPr>
+              <a:t> движения</a:t>
+            </a:r>
+            <a:endParaRPr lang="ru-RU" dirty="0">
+              <a:solidFill>
+                <a:schemeClr val="bg1"/>
+              </a:solidFill>
+            </a:endParaRPr>
+          </a:p>
+        </p:txBody>
+      </p:sp>
+      <p:sp>
+        <p:nvSpPr>
+          <p:cNvPr id="7" name="Прямоугольник 6"/>
+          <p:cNvSpPr/>
+          <p:nvPr/>
+        </p:nvSpPr>
+        <p:spPr>
+          <a:xfrm>
+            <a:off x="4355976" y="4653136"/>
+            <a:ext cx="2232248" cy="936104"/>
+          </a:xfrm>
+          <a:prstGeom prst="rect">
+            <a:avLst/>
+          </a:prstGeom>
+        </p:spPr>
+        <p:style>
+          <a:lnRef idx="3">
+            <a:schemeClr val="lt1"/>
+          </a:lnRef>
+          <a:fillRef idx="1">
+            <a:schemeClr val="accent1"/>
+          </a:fillRef>
+          <a:effectRef idx="1">
+            <a:schemeClr val="accent1"/>
+          </a:effectRef>
+          <a:fontRef idx="minor">
+            <a:schemeClr val="lt1"/>
+          </a:fontRef>
+        </p:style>
+        <p:txBody>
+          <a:bodyPr rtlCol="0" anchor="ctr"/>
+          <a:lstStyle/>
+          <a:p>
+            <a:pPr algn="ctr"/>
+            <a:r>
+              <a:rPr lang="ru-RU" dirty="0" smtClean="0">
+                <a:solidFill>
+                  <a:schemeClr val="bg1"/>
+                </a:solidFill>
+              </a:rPr>
+              <a:t>Модель функционирования </a:t>
+            </a:r>
+            <a:r>
+              <a:rPr lang="en-US" dirty="0" smtClean="0">
+                <a:solidFill>
+                  <a:schemeClr val="bg1"/>
+                </a:solidFill>
+              </a:rPr>
+              <a:t>IMU </a:t>
+            </a:r>
+            <a:r>
+              <a:rPr lang="ru-RU" dirty="0" smtClean="0">
+                <a:solidFill>
+                  <a:schemeClr val="bg1"/>
+                </a:solidFill>
+              </a:rPr>
+              <a:t>сенсоров</a:t>
+            </a:r>
+            <a:endParaRPr lang="ru-RU" dirty="0">
+              <a:solidFill>
+                <a:schemeClr val="bg1"/>
+              </a:solidFill>
+            </a:endParaRPr>
+          </a:p>
+        </p:txBody>
+      </p:sp>
+      <p:sp>
+        <p:nvSpPr>
+          <p:cNvPr id="8" name="Прямоугольник 7"/>
+          <p:cNvSpPr/>
+          <p:nvPr/>
+        </p:nvSpPr>
+        <p:spPr>
+          <a:xfrm>
+            <a:off x="6660232" y="4653136"/>
+            <a:ext cx="2232248" cy="936104"/>
+          </a:xfrm>
+          <a:prstGeom prst="rect">
+            <a:avLst/>
+          </a:prstGeom>
+        </p:spPr>
+        <p:style>
+          <a:lnRef idx="3">
+            <a:schemeClr val="lt1"/>
+          </a:lnRef>
+          <a:fillRef idx="1">
+            <a:schemeClr val="accent1"/>
+          </a:fillRef>
+          <a:effectRef idx="1">
+            <a:schemeClr val="accent1"/>
+          </a:effectRef>
+          <a:fontRef idx="minor">
+            <a:schemeClr val="lt1"/>
+          </a:fontRef>
+        </p:style>
+        <p:txBody>
+          <a:bodyPr rtlCol="0" anchor="ctr"/>
+          <a:lstStyle/>
+          <a:p>
+            <a:pPr algn="ctr"/>
+            <a:r>
+              <a:rPr lang="ru-RU" dirty="0" smtClean="0">
+                <a:solidFill>
+                  <a:schemeClr val="bg1"/>
+                </a:solidFill>
+              </a:rPr>
+              <a:t>Модель</a:t>
+            </a:r>
+          </a:p>
+          <a:p>
+            <a:pPr algn="ctr"/>
+            <a:r>
+              <a:rPr lang="ru-RU" dirty="0" smtClean="0">
+                <a:solidFill>
+                  <a:schemeClr val="bg1"/>
+                </a:solidFill>
+              </a:rPr>
+              <a:t>аэродинамического</a:t>
+            </a:r>
+          </a:p>
+          <a:p>
+            <a:pPr algn="ctr"/>
+            <a:r>
+              <a:rPr lang="ru-RU" dirty="0" err="1" smtClean="0">
+                <a:solidFill>
+                  <a:schemeClr val="bg1"/>
+                </a:solidFill>
+              </a:rPr>
+              <a:t>движетеля</a:t>
+            </a:r>
+            <a:endParaRPr lang="ru-RU" dirty="0">
+              <a:solidFill>
+                <a:schemeClr val="bg1"/>
+              </a:solidFill>
+            </a:endParaRPr>
+          </a:p>
+        </p:txBody>
+      </p:sp>
+      <p:sp>
+        <p:nvSpPr>
+          <p:cNvPr id="9" name="Прямоугольник 8"/>
+          <p:cNvSpPr/>
+          <p:nvPr/>
+        </p:nvSpPr>
+        <p:spPr>
+          <a:xfrm>
+            <a:off x="6660232" y="3645024"/>
+            <a:ext cx="2232248" cy="936104"/>
+          </a:xfrm>
+          <a:prstGeom prst="rect">
+            <a:avLst/>
+          </a:prstGeom>
+        </p:spPr>
+        <p:style>
+          <a:lnRef idx="3">
+            <a:schemeClr val="lt1"/>
+          </a:lnRef>
+          <a:fillRef idx="1">
+            <a:schemeClr val="accent1"/>
+          </a:fillRef>
+          <a:effectRef idx="1">
+            <a:schemeClr val="accent1"/>
+          </a:effectRef>
+          <a:fontRef idx="minor">
+            <a:schemeClr val="lt1"/>
+          </a:fontRef>
+        </p:style>
+        <p:txBody>
+          <a:bodyPr rtlCol="0" anchor="ctr"/>
+          <a:lstStyle/>
+          <a:p>
+            <a:pPr algn="ctr"/>
+            <a:r>
+              <a:rPr lang="ru-RU" dirty="0" smtClean="0">
+                <a:solidFill>
+                  <a:schemeClr val="bg1"/>
+                </a:solidFill>
+              </a:rPr>
+              <a:t>Модель</a:t>
+            </a:r>
+          </a:p>
+          <a:p>
+            <a:pPr algn="ctr"/>
+            <a:r>
+              <a:rPr lang="ru-RU" dirty="0" smtClean="0">
+                <a:solidFill>
+                  <a:schemeClr val="bg1"/>
+                </a:solidFill>
+              </a:rPr>
+              <a:t>видеокамеры</a:t>
+            </a:r>
+            <a:endParaRPr lang="ru-RU" dirty="0">
+              <a:solidFill>
+                <a:schemeClr val="bg1"/>
+              </a:solidFill>
+            </a:endParaRPr>
+          </a:p>
+        </p:txBody>
+      </p:sp>
+      <p:sp>
+        <p:nvSpPr>
+          <p:cNvPr id="10" name="Прямоугольник 9"/>
+          <p:cNvSpPr/>
+          <p:nvPr/>
+        </p:nvSpPr>
+        <p:spPr>
+          <a:xfrm>
+            <a:off x="4355976" y="3645024"/>
+            <a:ext cx="2232248" cy="936104"/>
+          </a:xfrm>
+          <a:prstGeom prst="rect">
+            <a:avLst/>
+          </a:prstGeom>
+        </p:spPr>
+        <p:style>
+          <a:lnRef idx="3">
+            <a:schemeClr val="lt1"/>
+          </a:lnRef>
+          <a:fillRef idx="1">
+            <a:schemeClr val="accent1"/>
+          </a:fillRef>
+          <a:effectRef idx="1">
+            <a:schemeClr val="accent1"/>
+          </a:effectRef>
+          <a:fontRef idx="minor">
+            <a:schemeClr val="lt1"/>
+          </a:fontRef>
+        </p:style>
+        <p:txBody>
+          <a:bodyPr rtlCol="0" anchor="ctr"/>
+          <a:lstStyle/>
+          <a:p>
+            <a:pPr algn="ctr"/>
+            <a:r>
+              <a:rPr lang="ru-RU" dirty="0" smtClean="0">
+                <a:solidFill>
+                  <a:schemeClr val="bg1"/>
+                </a:solidFill>
+              </a:rPr>
+              <a:t>Модель</a:t>
+            </a:r>
+          </a:p>
+          <a:p>
+            <a:pPr algn="ctr"/>
+            <a:r>
+              <a:rPr lang="ru-RU" dirty="0" smtClean="0">
+                <a:solidFill>
+                  <a:schemeClr val="bg1"/>
+                </a:solidFill>
+              </a:rPr>
+              <a:t>системы стабилизации</a:t>
+            </a:r>
+            <a:endParaRPr lang="ru-RU" dirty="0">
+              <a:solidFill>
+                <a:schemeClr val="bg1"/>
+              </a:solidFill>
+            </a:endParaRPr>
+          </a:p>
+        </p:txBody>
+      </p:sp>
+      <p:sp>
+        <p:nvSpPr>
+          <p:cNvPr id="15" name="Прямоугольник 14"/>
+          <p:cNvSpPr/>
+          <p:nvPr/>
+        </p:nvSpPr>
+        <p:spPr>
+          <a:xfrm>
+            <a:off x="611560" y="2852936"/>
+            <a:ext cx="1440160" cy="1440160"/>
+          </a:xfrm>
+          <a:prstGeom prst="rect">
+            <a:avLst/>
+          </a:prstGeom>
+        </p:spPr>
+        <p:style>
+          <a:lnRef idx="3">
+            <a:schemeClr val="lt1"/>
+          </a:lnRef>
+          <a:fillRef idx="1">
+            <a:schemeClr val="accent1"/>
+          </a:fillRef>
+          <a:effectRef idx="1">
+            <a:schemeClr val="accent1"/>
+          </a:effectRef>
+          <a:fontRef idx="minor">
+            <a:schemeClr val="lt1"/>
+          </a:fontRef>
+        </p:style>
+        <p:txBody>
+          <a:bodyPr rtlCol="0" anchor="ctr"/>
+          <a:lstStyle/>
+          <a:p>
+            <a:pPr algn="ctr"/>
+            <a:r>
+              <a:rPr lang="ru-RU" dirty="0" smtClean="0">
+                <a:solidFill>
+                  <a:schemeClr val="bg1"/>
+                </a:solidFill>
+              </a:rPr>
+              <a:t>Телеметрия</a:t>
+            </a:r>
+          </a:p>
+          <a:p>
+            <a:pPr algn="ctr"/>
+            <a:r>
+              <a:rPr lang="ru-RU" dirty="0" smtClean="0">
+                <a:solidFill>
+                  <a:schemeClr val="bg1"/>
+                </a:solidFill>
+              </a:rPr>
+              <a:t>БПЛА</a:t>
+            </a:r>
+            <a:endParaRPr lang="ru-RU" dirty="0">
+              <a:solidFill>
+                <a:schemeClr val="bg1"/>
+              </a:solidFill>
+            </a:endParaRPr>
+          </a:p>
+        </p:txBody>
+      </p:sp>
+      <p:sp>
+        <p:nvSpPr>
+          <p:cNvPr id="16" name="Прямоугольник 15"/>
+          <p:cNvSpPr/>
+          <p:nvPr/>
+        </p:nvSpPr>
+        <p:spPr>
+          <a:xfrm>
+            <a:off x="6660232" y="1340768"/>
+            <a:ext cx="2232248" cy="936104"/>
+          </a:xfrm>
+          <a:prstGeom prst="rect">
+            <a:avLst/>
+          </a:prstGeom>
+        </p:spPr>
+        <p:style>
+          <a:lnRef idx="3">
+            <a:schemeClr val="lt1"/>
+          </a:lnRef>
+          <a:fillRef idx="1">
+            <a:schemeClr val="accent1"/>
+          </a:fillRef>
+          <a:effectRef idx="1">
+            <a:schemeClr val="accent1"/>
+          </a:effectRef>
+          <a:fontRef idx="minor">
+            <a:schemeClr val="lt1"/>
+          </a:fontRef>
+        </p:style>
+        <p:txBody>
+          <a:bodyPr rtlCol="0" anchor="ctr"/>
+          <a:lstStyle/>
+          <a:p>
+            <a:pPr algn="ctr"/>
+            <a:r>
+              <a:rPr lang="ru-RU" dirty="0" smtClean="0">
+                <a:solidFill>
+                  <a:schemeClr val="bg1"/>
+                </a:solidFill>
+              </a:rPr>
+              <a:t>Средства </a:t>
+            </a:r>
+          </a:p>
+          <a:p>
+            <a:pPr algn="ctr"/>
+            <a:r>
+              <a:rPr lang="ru-RU" dirty="0" err="1" smtClean="0">
+                <a:solidFill>
+                  <a:schemeClr val="bg1"/>
+                </a:solidFill>
+              </a:rPr>
+              <a:t>журналирования</a:t>
+            </a:r>
+            <a:r>
+              <a:rPr lang="ru-RU" dirty="0" smtClean="0">
+                <a:solidFill>
+                  <a:schemeClr val="bg1"/>
+                </a:solidFill>
+              </a:rPr>
+              <a:t> </a:t>
+            </a:r>
+          </a:p>
+          <a:p>
+            <a:pPr algn="ctr"/>
+            <a:r>
+              <a:rPr lang="ru-RU" dirty="0" smtClean="0">
+                <a:solidFill>
+                  <a:schemeClr val="bg1"/>
+                </a:solidFill>
+              </a:rPr>
+              <a:t>и анализа</a:t>
+            </a:r>
+            <a:endParaRPr lang="ru-RU" dirty="0">
+              <a:solidFill>
+                <a:schemeClr val="bg1"/>
+              </a:solidFill>
+            </a:endParaRPr>
+          </a:p>
+        </p:txBody>
+      </p:sp>
+      <p:sp>
+        <p:nvSpPr>
+          <p:cNvPr id="17" name="Прямоугольник 16"/>
+          <p:cNvSpPr/>
+          <p:nvPr/>
+        </p:nvSpPr>
+        <p:spPr>
+          <a:xfrm>
+            <a:off x="3131840" y="1340768"/>
+            <a:ext cx="2160240" cy="2016224"/>
+          </a:xfrm>
+          <a:prstGeom prst="rect">
+            <a:avLst/>
+          </a:prstGeom>
+        </p:spPr>
+        <p:style>
+          <a:lnRef idx="3">
+            <a:schemeClr val="lt1"/>
+          </a:lnRef>
+          <a:fillRef idx="1">
+            <a:schemeClr val="accent1"/>
+          </a:fillRef>
+          <a:effectRef idx="1">
+            <a:schemeClr val="accent1"/>
+          </a:effectRef>
+          <a:fontRef idx="minor">
+            <a:schemeClr val="lt1"/>
+          </a:fontRef>
+        </p:style>
+        <p:txBody>
+          <a:bodyPr rtlCol="0" anchor="ctr"/>
+          <a:lstStyle/>
+          <a:p>
+            <a:pPr algn="ctr"/>
+            <a:r>
+              <a:rPr lang="ru-RU" b="1" dirty="0" smtClean="0">
+                <a:solidFill>
+                  <a:schemeClr val="bg1"/>
+                </a:solidFill>
+              </a:rPr>
+              <a:t>Система управления</a:t>
+            </a:r>
+          </a:p>
+          <a:p>
+            <a:r>
+              <a:rPr lang="ru-RU" dirty="0" smtClean="0">
+                <a:solidFill>
+                  <a:schemeClr val="bg1"/>
+                </a:solidFill>
+              </a:rPr>
+              <a:t>	- ручное</a:t>
+            </a:r>
+          </a:p>
+          <a:p>
+            <a:r>
+              <a:rPr lang="ru-RU" dirty="0" smtClean="0">
+                <a:solidFill>
+                  <a:schemeClr val="bg1"/>
+                </a:solidFill>
+              </a:rPr>
+              <a:t>	- авто</a:t>
+            </a:r>
+          </a:p>
+          <a:p>
+            <a:r>
+              <a:rPr lang="ru-RU" dirty="0" smtClean="0">
+                <a:solidFill>
+                  <a:schemeClr val="bg1"/>
+                </a:solidFill>
+              </a:rPr>
+              <a:t>	- групп.</a:t>
+            </a:r>
+            <a:endParaRPr lang="ru-RU" dirty="0">
+              <a:solidFill>
+                <a:schemeClr val="bg1"/>
+              </a:solidFill>
+            </a:endParaRPr>
+          </a:p>
+        </p:txBody>
+      </p:sp>
+      <p:sp>
+        <p:nvSpPr>
+          <p:cNvPr id="41" name="Стрелка вправо 40"/>
+          <p:cNvSpPr/>
+          <p:nvPr/>
+        </p:nvSpPr>
+        <p:spPr>
+          <a:xfrm>
+            <a:off x="2123728" y="2132856"/>
+            <a:ext cx="936104" cy="216024"/>
+          </a:xfrm>
+          <a:prstGeom prst="rightArrow">
+            <a:avLst/>
+          </a:prstGeom>
+        </p:spPr>
+        <p:style>
+          <a:lnRef idx="3">
+            <a:schemeClr val="lt1"/>
+          </a:lnRef>
+          <a:fillRef idx="1">
+            <a:schemeClr val="accent1"/>
+          </a:fillRef>
+          <a:effectRef idx="1">
+            <a:schemeClr val="accent1"/>
+          </a:effectRef>
+          <a:fontRef idx="minor">
+            <a:schemeClr val="lt1"/>
+          </a:fontRef>
+        </p:style>
+        <p:txBody>
+          <a:bodyPr rtlCol="0" anchor="ctr"/>
+          <a:lstStyle/>
+          <a:p>
+            <a:pPr algn="ctr"/>
+            <a:endParaRPr lang="ru-RU"/>
+          </a:p>
+        </p:txBody>
+      </p:sp>
+      <p:sp>
+        <p:nvSpPr>
+          <p:cNvPr id="42" name="Стрелка вправо 41"/>
+          <p:cNvSpPr/>
+          <p:nvPr/>
+        </p:nvSpPr>
+        <p:spPr>
+          <a:xfrm>
+            <a:off x="2123728" y="2996952"/>
+            <a:ext cx="936104" cy="216024"/>
+          </a:xfrm>
+          <a:prstGeom prst="rightArrow">
+            <a:avLst/>
+          </a:prstGeom>
+        </p:spPr>
+        <p:style>
+          <a:lnRef idx="3">
+            <a:schemeClr val="lt1"/>
+          </a:lnRef>
+          <a:fillRef idx="1">
+            <a:schemeClr val="accent1"/>
+          </a:fillRef>
+          <a:effectRef idx="1">
+            <a:schemeClr val="accent1"/>
+          </a:effectRef>
+          <a:fontRef idx="minor">
+            <a:schemeClr val="lt1"/>
+          </a:fontRef>
+        </p:style>
+        <p:txBody>
+          <a:bodyPr rtlCol="0" anchor="ctr"/>
+          <a:lstStyle/>
+          <a:p>
+            <a:pPr algn="ctr"/>
+            <a:endParaRPr lang="ru-RU"/>
+          </a:p>
+        </p:txBody>
+      </p:sp>
+      <p:sp>
+        <p:nvSpPr>
+          <p:cNvPr id="43" name="Стрелка вправо 42"/>
+          <p:cNvSpPr/>
+          <p:nvPr/>
+        </p:nvSpPr>
+        <p:spPr>
+          <a:xfrm>
+            <a:off x="5364088" y="1700808"/>
+            <a:ext cx="1224136" cy="216024"/>
+          </a:xfrm>
+          <a:prstGeom prst="rightArrow">
+            <a:avLst/>
+          </a:prstGeom>
+        </p:spPr>
+        <p:style>
+          <a:lnRef idx="3">
+            <a:schemeClr val="lt1"/>
+          </a:lnRef>
+          <a:fillRef idx="1">
+            <a:schemeClr val="accent1"/>
+          </a:fillRef>
+          <a:effectRef idx="1">
+            <a:schemeClr val="accent1"/>
+          </a:effectRef>
+          <a:fontRef idx="minor">
+            <a:schemeClr val="lt1"/>
+          </a:fontRef>
+        </p:style>
+        <p:txBody>
+          <a:bodyPr rtlCol="0" anchor="ctr"/>
+          <a:lstStyle/>
+          <a:p>
+            <a:pPr algn="ctr"/>
+            <a:endParaRPr lang="ru-RU"/>
+          </a:p>
+        </p:txBody>
+      </p:sp>
+      <p:sp>
+        <p:nvSpPr>
+          <p:cNvPr id="44" name="Двойная стрелка влево/вверх 43"/>
+          <p:cNvSpPr/>
+          <p:nvPr/>
+        </p:nvSpPr>
+        <p:spPr>
+          <a:xfrm rot="16200000">
+            <a:off x="5220072" y="2492896"/>
+            <a:ext cx="1152128" cy="864096"/>
+          </a:xfrm>
+          <a:prstGeom prst="leftUpArrow">
+            <a:avLst>
+              <a:gd name="adj1" fmla="val 11980"/>
+              <a:gd name="adj2" fmla="val 11523"/>
+              <a:gd name="adj3" fmla="val 13020"/>
+            </a:avLst>
+          </a:prstGeom>
+        </p:spPr>
+        <p:style>
+          <a:lnRef idx="3">
+            <a:schemeClr val="lt1"/>
+          </a:lnRef>
+          <a:fillRef idx="1">
+            <a:schemeClr val="accent1"/>
+          </a:fillRef>
+          <a:effectRef idx="1">
+            <a:schemeClr val="accent1"/>
+          </a:effectRef>
+          <a:fontRef idx="minor">
+            <a:schemeClr val="lt1"/>
+          </a:fontRef>
+        </p:style>
+        <p:txBody>
+          <a:bodyPr rtlCol="0" anchor="ctr"/>
+          <a:lstStyle/>
+          <a:p>
+            <a:pPr algn="ctr"/>
+            <a:endParaRPr lang="ru-RU"/>
+          </a:p>
+        </p:txBody>
+      </p:sp>
+      <p:sp>
+        <p:nvSpPr>
+          <p:cNvPr id="18" name="Номер слайда 17"/>
+          <p:cNvSpPr>
+            <a:spLocks noGrp="1"/>
+          </p:cNvSpPr>
+          <p:nvPr>
+            <p:ph type="sldNum" sz="quarter" idx="12"/>
           </p:nvPr>
         </p:nvSpPr>
         <p:spPr/>
@@ -8955,69 +9110,21 @@
           <a:bodyPr/>
           <a:lstStyle/>
           <a:p>
-            <a:r>
-              <a:rPr lang="ru-RU" dirty="0" smtClean="0"/>
-              <a:t>Спасательные операции</a:t>
-            </a:r>
-          </a:p>
-          <a:p>
-            <a:pPr lvl="1"/>
-            <a:r>
-              <a:rPr lang="ru-RU" dirty="0" smtClean="0"/>
-              <a:t>В пещерах</a:t>
-            </a:r>
-          </a:p>
-          <a:p>
-            <a:pPr lvl="1"/>
-            <a:r>
-              <a:rPr lang="ru-RU" dirty="0" smtClean="0"/>
-              <a:t>В завалах</a:t>
-            </a:r>
-          </a:p>
-          <a:p>
-            <a:r>
-              <a:rPr lang="ru-RU" dirty="0" smtClean="0"/>
-              <a:t>Мониторинг объектов на предмет:</a:t>
-            </a:r>
-          </a:p>
-          <a:p>
-            <a:pPr lvl="1"/>
-            <a:r>
-              <a:rPr lang="ru-RU" dirty="0" smtClean="0"/>
-              <a:t>Проникновений на охраняемые объекты</a:t>
-            </a:r>
-          </a:p>
-          <a:p>
-            <a:pPr lvl="1"/>
-            <a:r>
-              <a:rPr lang="ru-RU" dirty="0" smtClean="0"/>
-              <a:t>Аварий на опасных объектах</a:t>
-            </a:r>
-          </a:p>
-          <a:p>
-            <a:r>
-              <a:rPr lang="ru-RU" dirty="0" smtClean="0"/>
-              <a:t>Разведывательные операции</a:t>
-            </a:r>
-          </a:p>
-          <a:p>
-            <a:pPr lvl="1"/>
-            <a:endParaRPr lang="ru-RU" dirty="0" smtClean="0"/>
-          </a:p>
-          <a:p>
-            <a:pPr lvl="1"/>
-            <a:endParaRPr lang="ru-RU" dirty="0" smtClean="0"/>
-          </a:p>
-          <a:p>
-            <a:pPr lvl="1"/>
-            <a:endParaRPr lang="ru-RU" dirty="0" smtClean="0"/>
-          </a:p>
-          <a:p>
-            <a:endParaRPr lang="ru-RU" dirty="0"/>
+            <a:fld id="{725C68B6-61C2-468F-89AB-4B9F7531AA68}" type="slidenum">
+              <a:rPr lang="ru-RU" smtClean="0"/>
+              <a:pPr/>
+              <a:t>3</a:t>
+            </a:fld>
+            <a:endParaRPr lang="ru-RU"/>
           </a:p>
         </p:txBody>
       </p:sp>
     </p:spTree>
+    <p:extLst>
+      <p:ext uri="{BB962C8B-B14F-4D97-AF65-F5344CB8AC3E}">
+        <p14:creationId xmlns:p14="http://schemas.microsoft.com/office/powerpoint/2010/main" xmlns="" val="1550165570"/>
+      </p:ext>
+    </p:extLst>
   </p:cSld>
   <p:clrMapOvr>
     <a:masterClrMapping/>
@@ -9061,81 +9168,113 @@
         </p:nvSpPr>
         <p:spPr/>
         <p:txBody>
-          <a:bodyPr>
-            <a:normAutofit fontScale="90000"/>
-          </a:bodyPr>
+          <a:bodyPr/>
           <a:lstStyle/>
           <a:p>
             <a:r>
-              <a:rPr lang="ru-RU" dirty="0" smtClean="0"/>
-              <a:t>Особенности постановки задачи КНЗП</a:t>
+              <a:rPr lang="ru-RU" sz="3600" dirty="0" smtClean="0"/>
+              <a:t>Модель 4Р-БПЛА как твердого тела с 6 степенями свободы</a:t>
+            </a:r>
+            <a:endParaRPr lang="ru-RU" sz="3600" dirty="0"/>
+          </a:p>
+        </p:txBody>
+      </p:sp>
+      <p:sp>
+        <p:nvSpPr>
+          <p:cNvPr id="3" name="Объект 2"/>
+          <p:cNvSpPr>
+            <a:spLocks noGrp="1"/>
+          </p:cNvSpPr>
+          <p:nvPr>
+            <p:ph sz="half" idx="1"/>
+          </p:nvPr>
+        </p:nvSpPr>
+        <p:spPr>
+          <a:xfrm>
+            <a:off x="467544" y="2332037"/>
+            <a:ext cx="4038600" cy="4049291"/>
+          </a:xfrm>
+          <a:prstGeom prst="rect">
+            <a:avLst/>
+          </a:prstGeom>
+        </p:spPr>
+        <p:txBody>
+          <a:bodyPr/>
+          <a:lstStyle/>
+          <a:p>
+            <a:r>
+              <a:rPr lang="en-US" dirty="0" smtClean="0"/>
+              <a:t>BEPU </a:t>
+            </a:r>
+            <a:r>
+              <a:rPr lang="en-US" dirty="0" smtClean="0"/>
+              <a:t>physics</a:t>
+            </a:r>
+            <a:endParaRPr lang="ru-RU" dirty="0" smtClean="0"/>
+          </a:p>
+          <a:p>
+            <a:pPr lvl="1"/>
+            <a:r>
+              <a:rPr lang="en-US" dirty="0" smtClean="0"/>
+              <a:t>CCD</a:t>
             </a:r>
             <a:endParaRPr lang="ru-RU" dirty="0"/>
           </a:p>
         </p:txBody>
       </p:sp>
-      <p:sp>
-        <p:nvSpPr>
-          <p:cNvPr id="3" name="Содержимое 2"/>
-          <p:cNvSpPr>
-            <a:spLocks noGrp="1"/>
-          </p:cNvSpPr>
-          <p:nvPr>
-            <p:ph idx="1"/>
+      <p:pic>
+        <p:nvPicPr>
+          <p:cNvPr id="6" name="Содержимое 5" descr="quad.png"/>
+          <p:cNvPicPr>
+            <a:picLocks noGrp="1" noChangeAspect="1"/>
+          </p:cNvPicPr>
+          <p:nvPr>
+            <p:ph sz="half" idx="2"/>
+          </p:nvPr>
+        </p:nvPicPr>
+        <p:blipFill>
+          <a:blip r:embed="rId2" cstate="print"/>
+          <a:stretch>
+            <a:fillRect/>
+          </a:stretch>
+        </p:blipFill>
+        <p:spPr>
+          <a:xfrm>
+            <a:off x="4656138" y="2829727"/>
+            <a:ext cx="4038600" cy="2406634"/>
+          </a:xfrm>
+        </p:spPr>
+      </p:pic>
+      <p:sp>
+        <p:nvSpPr>
+          <p:cNvPr id="4" name="Номер слайда 3"/>
+          <p:cNvSpPr>
+            <a:spLocks noGrp="1"/>
+          </p:cNvSpPr>
+          <p:nvPr>
+            <p:ph type="sldNum" sz="quarter" idx="12"/>
           </p:nvPr>
         </p:nvSpPr>
         <p:spPr/>
         <p:txBody>
-          <a:bodyPr>
-            <a:noAutofit/>
-          </a:bodyPr>
+          <a:bodyPr/>
           <a:lstStyle/>
           <a:p>
-            <a:r>
-              <a:rPr lang="ru-RU" sz="2400" dirty="0" smtClean="0"/>
-              <a:t>Навигация в заведомо неизвестных и/или изменяющихся помещениях</a:t>
-            </a:r>
-            <a:endParaRPr lang="en-US" sz="2400" dirty="0" smtClean="0"/>
-          </a:p>
-          <a:p>
-            <a:r>
-              <a:rPr lang="ru-RU" sz="2400" dirty="0" smtClean="0"/>
-              <a:t>Сложность передачи прямого радиосигнала в закрытых помещениях</a:t>
-            </a:r>
-            <a:endParaRPr lang="en-US" sz="2400" dirty="0" smtClean="0"/>
-          </a:p>
-          <a:p>
-            <a:r>
-              <a:rPr lang="ru-RU" sz="2400" dirty="0" smtClean="0"/>
-              <a:t>Восстановление трехмерной структуры закрытых помещений</a:t>
-            </a:r>
-            <a:endParaRPr lang="en-US" sz="2400" dirty="0" smtClean="0"/>
-          </a:p>
-          <a:p>
-            <a:r>
-              <a:rPr lang="ru-RU" sz="2400" dirty="0" smtClean="0"/>
-              <a:t>Реализация группового поведения БПЛА в условиях агрессивной среды</a:t>
-            </a:r>
-            <a:endParaRPr lang="en-US" sz="2400" dirty="0" smtClean="0"/>
-          </a:p>
-          <a:p>
-            <a:endParaRPr lang="ru-RU" sz="2400" dirty="0" smtClean="0"/>
-          </a:p>
-          <a:p>
-            <a:endParaRPr lang="ru-RU" sz="2400" dirty="0" smtClean="0"/>
-          </a:p>
-          <a:p>
-            <a:endParaRPr lang="ru-RU" sz="2400" dirty="0" smtClean="0"/>
-          </a:p>
-          <a:p>
-            <a:pPr>
-              <a:buNone/>
-            </a:pPr>
-            <a:endParaRPr lang="ru-RU" sz="2400" dirty="0"/>
+            <a:fld id="{725C68B6-61C2-468F-89AB-4B9F7531AA68}" type="slidenum">
+              <a:rPr lang="ru-RU" smtClean="0"/>
+              <a:pPr/>
+              <a:t>4</a:t>
+            </a:fld>
+            <a:endParaRPr lang="ru-RU"/>
           </a:p>
         </p:txBody>
       </p:sp>
     </p:spTree>
+    <p:extLst>
+      <p:ext uri="{BB962C8B-B14F-4D97-AF65-F5344CB8AC3E}">
+        <p14:creationId xmlns:p14="http://schemas.microsoft.com/office/powerpoint/2010/main" xmlns="" val="3609528446"/>
+      </p:ext>
+    </p:extLst>
   </p:cSld>
   <p:clrMapOvr>
     <a:masterClrMapping/>
@@ -9183,50 +9322,103 @@
           <a:lstStyle/>
           <a:p>
             <a:r>
-              <a:rPr lang="ru-RU" dirty="0" smtClean="0"/>
-              <a:t>Устройство 4Р-БПЛА</a:t>
-            </a:r>
-            <a:endParaRPr lang="ru-RU" dirty="0"/>
-          </a:p>
-        </p:txBody>
-      </p:sp>
-      <p:pic>
-        <p:nvPicPr>
-          <p:cNvPr id="4" name="Содержимое 3" descr="quadrotor.jpg"/>
-          <p:cNvPicPr>
-            <a:picLocks noGrp="1" noChangeAspect="1"/>
-          </p:cNvPicPr>
-          <p:nvPr>
-            <p:ph idx="1"/>
-          </p:nvPr>
-        </p:nvPicPr>
-        <p:blipFill>
-          <a:blip r:embed="rId2" cstate="print"/>
-          <a:stretch>
-            <a:fillRect/>
-          </a:stretch>
-        </p:blipFill>
+              <a:rPr lang="ru-RU" sz="3600" dirty="0" smtClean="0"/>
+              <a:t>Модель аэродинамического взаимодействия</a:t>
+            </a:r>
+            <a:endParaRPr lang="ru-RU" sz="3600" dirty="0"/>
+          </a:p>
+        </p:txBody>
+      </p:sp>
+      <p:sp>
+        <p:nvSpPr>
+          <p:cNvPr id="3" name="Объект 2"/>
+          <p:cNvSpPr>
+            <a:spLocks noGrp="1"/>
+          </p:cNvSpPr>
+          <p:nvPr>
+            <p:ph sz="half" idx="1"/>
+          </p:nvPr>
+        </p:nvSpPr>
         <p:spPr>
-          <a:xfrm>
-            <a:off x="899592" y="1412776"/>
-            <a:ext cx="6964185" cy="4968552"/>
-          </a:xfrm>
           <a:prstGeom prst="rect">
             <a:avLst/>
           </a:prstGeom>
-          <a:ln>
-            <a:noFill/>
-          </a:ln>
-          <a:effectLst>
-            <a:outerShdw blurRad="190500" algn="tl" rotWithShape="0">
-              <a:srgbClr val="000000">
-                <a:alpha val="70000"/>
-              </a:srgbClr>
-            </a:outerShdw>
-          </a:effectLst>
-        </p:spPr>
-      </p:pic>
+        </p:spPr>
+        <p:txBody>
+          <a:bodyPr/>
+          <a:lstStyle/>
+          <a:p>
+            <a:r>
+              <a:rPr lang="ru-RU" dirty="0" smtClean="0"/>
+              <a:t>Решение уравнения </a:t>
+            </a:r>
+            <a:r>
+              <a:rPr lang="ru-RU" dirty="0" err="1" smtClean="0"/>
+              <a:t>Навье-стокса</a:t>
+            </a:r>
+            <a:endParaRPr lang="ru-RU" dirty="0" smtClean="0"/>
+          </a:p>
+          <a:p>
+            <a:r>
+              <a:rPr lang="en-US" dirty="0" smtClean="0"/>
+              <a:t>CUDA</a:t>
+            </a:r>
+            <a:endParaRPr lang="ru-RU" dirty="0" smtClean="0"/>
+          </a:p>
+          <a:p>
+            <a:endParaRPr lang="ru-RU" dirty="0" smtClean="0"/>
+          </a:p>
+        </p:txBody>
+      </p:sp>
+      <p:sp>
+        <p:nvSpPr>
+          <p:cNvPr id="4" name="Содержимое 3"/>
+          <p:cNvSpPr>
+            <a:spLocks noGrp="1"/>
+          </p:cNvSpPr>
+          <p:nvPr>
+            <p:ph sz="half" idx="2"/>
+          </p:nvPr>
+        </p:nvSpPr>
+        <p:spPr/>
+        <p:txBody>
+          <a:bodyPr/>
+          <a:lstStyle/>
+          <a:p>
+            <a:endParaRPr lang="ru-RU" dirty="0"/>
+          </a:p>
+        </p:txBody>
+      </p:sp>
+      <p:sp>
+        <p:nvSpPr>
+          <p:cNvPr id="5" name="Номер слайда 4"/>
+          <p:cNvSpPr>
+            <a:spLocks noGrp="1"/>
+          </p:cNvSpPr>
+          <p:nvPr>
+            <p:ph type="sldNum" sz="quarter" idx="12"/>
+          </p:nvPr>
+        </p:nvSpPr>
+        <p:spPr/>
+        <p:txBody>
+          <a:bodyPr/>
+          <a:lstStyle/>
+          <a:p>
+            <a:fld id="{725C68B6-61C2-468F-89AB-4B9F7531AA68}" type="slidenum">
+              <a:rPr lang="ru-RU" smtClean="0"/>
+              <a:pPr/>
+              <a:t>5</a:t>
+            </a:fld>
+            <a:endParaRPr lang="ru-RU"/>
+          </a:p>
+        </p:txBody>
+      </p:sp>
     </p:spTree>
+    <p:extLst>
+      <p:ext uri="{BB962C8B-B14F-4D97-AF65-F5344CB8AC3E}">
+        <p14:creationId xmlns:p14="http://schemas.microsoft.com/office/powerpoint/2010/main" xmlns="" val="46958512"/>
+      </p:ext>
+    </p:extLst>
   </p:cSld>
   <p:clrMapOvr>
     <a:masterClrMapping/>
@@ -9270,14 +9462,62 @@
         </p:nvSpPr>
         <p:spPr/>
         <p:txBody>
-          <a:bodyPr>
-            <a:normAutofit/>
-          </a:bodyPr>
+          <a:bodyPr/>
           <a:lstStyle/>
           <a:p>
             <a:r>
+              <a:rPr lang="ru-RU" sz="3600" dirty="0" smtClean="0"/>
+              <a:t>Модель аэродинамического </a:t>
+            </a:r>
+            <a:r>
+              <a:rPr lang="ru-RU" sz="3600" dirty="0" err="1" smtClean="0"/>
+              <a:t>движетеля</a:t>
+            </a:r>
+            <a:endParaRPr lang="ru-RU" sz="3600" dirty="0"/>
+          </a:p>
+        </p:txBody>
+      </p:sp>
+      <p:sp>
+        <p:nvSpPr>
+          <p:cNvPr id="3" name="Содержимое 2"/>
+          <p:cNvSpPr>
+            <a:spLocks noGrp="1"/>
+          </p:cNvSpPr>
+          <p:nvPr>
+            <p:ph idx="1"/>
+          </p:nvPr>
+        </p:nvSpPr>
+        <p:spPr/>
+        <p:txBody>
+          <a:bodyPr/>
+          <a:lstStyle/>
+          <a:p>
+            <a:r>
+              <a:rPr lang="en-US" dirty="0" smtClean="0"/>
+              <a:t>RPM</a:t>
+            </a:r>
+          </a:p>
+          <a:p>
+            <a:endParaRPr lang="en-US" dirty="0" smtClean="0"/>
+          </a:p>
+          <a:p>
+            <a:r>
               <a:rPr lang="ru-RU" dirty="0" smtClean="0"/>
-              <a:t>Функциональная схема 4Р-БПЛА</a:t>
+              <a:t>График</a:t>
+            </a:r>
+          </a:p>
+          <a:p>
+            <a:r>
+              <a:rPr lang="ru-RU" dirty="0" smtClean="0"/>
+              <a:t>ШИМ </a:t>
+            </a:r>
+            <a:r>
+              <a:rPr lang="en-US" dirty="0" smtClean="0"/>
+              <a:t>-&gt; </a:t>
+            </a:r>
+            <a:r>
+              <a:rPr lang="ru-RU" dirty="0" smtClean="0"/>
+              <a:t>Тяга</a:t>
             </a:r>
             <a:endParaRPr lang="ru-RU" dirty="0"/>
           </a:p>
@@ -9285,1181 +9525,28 @@
       </p:sp>
       <p:sp>
         <p:nvSpPr>
-          <p:cNvPr id="4" name="Прямоугольник 3"/>
-          <p:cNvSpPr/>
-          <p:nvPr/>
-        </p:nvSpPr>
-        <p:spPr>
-          <a:xfrm>
-            <a:off x="755576" y="1844824"/>
-            <a:ext cx="1008112" cy="1872208"/>
-          </a:xfrm>
-          <a:prstGeom prst="rect">
-            <a:avLst/>
-          </a:prstGeom>
-        </p:spPr>
-        <p:style>
-          <a:lnRef idx="3">
-            <a:schemeClr val="lt1"/>
-          </a:lnRef>
-          <a:fillRef idx="1">
-            <a:schemeClr val="accent1"/>
-          </a:fillRef>
-          <a:effectRef idx="1">
-            <a:schemeClr val="accent1"/>
-          </a:effectRef>
-          <a:fontRef idx="minor">
-            <a:schemeClr val="lt1"/>
-          </a:fontRef>
-        </p:style>
-        <p:txBody>
-          <a:bodyPr rtlCol="0" anchor="ctr"/>
+          <p:cNvPr id="4" name="Номер слайда 3"/>
+          <p:cNvSpPr>
+            <a:spLocks noGrp="1"/>
+          </p:cNvSpPr>
+          <p:nvPr>
+            <p:ph type="sldNum" sz="quarter" idx="12"/>
+          </p:nvPr>
+        </p:nvSpPr>
+        <p:spPr/>
+        <p:txBody>
+          <a:bodyPr/>
           <a:lstStyle/>
           <a:p>
-            <a:pPr algn="ctr"/>
-            <a:r>
-              <a:rPr lang="en-US" sz="2400" dirty="0" smtClean="0">
-                <a:solidFill>
-                  <a:schemeClr val="bg1"/>
-                </a:solidFill>
-              </a:rPr>
-              <a:t>PC</a:t>
-            </a:r>
-            <a:endParaRPr lang="ru-RU" sz="2400" dirty="0">
-              <a:solidFill>
-                <a:schemeClr val="bg1"/>
-              </a:solidFill>
-            </a:endParaRPr>
-          </a:p>
-        </p:txBody>
-      </p:sp>
-      <p:sp>
-        <p:nvSpPr>
-          <p:cNvPr id="5" name="Прямоугольник 4"/>
-          <p:cNvSpPr/>
-          <p:nvPr/>
-        </p:nvSpPr>
-        <p:spPr>
-          <a:xfrm>
-            <a:off x="3923928" y="2780928"/>
-            <a:ext cx="1944216" cy="1080120"/>
-          </a:xfrm>
-          <a:prstGeom prst="rect">
-            <a:avLst/>
-          </a:prstGeom>
-        </p:spPr>
-        <p:style>
-          <a:lnRef idx="3">
-            <a:schemeClr val="lt1"/>
-          </a:lnRef>
-          <a:fillRef idx="1">
-            <a:schemeClr val="accent1"/>
-          </a:fillRef>
-          <a:effectRef idx="1">
-            <a:schemeClr val="accent1"/>
-          </a:effectRef>
-          <a:fontRef idx="minor">
-            <a:schemeClr val="lt1"/>
-          </a:fontRef>
-        </p:style>
-        <p:txBody>
-          <a:bodyPr rtlCol="0" anchor="ctr"/>
-          <a:lstStyle/>
-          <a:p>
-            <a:pPr algn="ctr"/>
-            <a:r>
-              <a:rPr lang="en-US" sz="2400" dirty="0" err="1" smtClean="0">
-                <a:solidFill>
-                  <a:schemeClr val="bg1"/>
-                </a:solidFill>
-              </a:rPr>
-              <a:t>Arduino</a:t>
-            </a:r>
-            <a:endParaRPr lang="ru-RU" sz="2400" dirty="0">
-              <a:solidFill>
-                <a:schemeClr val="bg1"/>
-              </a:solidFill>
-            </a:endParaRPr>
-          </a:p>
-        </p:txBody>
-      </p:sp>
-      <p:sp>
-        <p:nvSpPr>
-          <p:cNvPr id="7" name="Прямоугольник 6"/>
-          <p:cNvSpPr/>
-          <p:nvPr/>
-        </p:nvSpPr>
-        <p:spPr>
-          <a:xfrm>
-            <a:off x="6444208" y="1844824"/>
-            <a:ext cx="1440160" cy="432048"/>
-          </a:xfrm>
-          <a:prstGeom prst="rect">
-            <a:avLst/>
-          </a:prstGeom>
-        </p:spPr>
-        <p:style>
-          <a:lnRef idx="3">
-            <a:schemeClr val="lt1"/>
-          </a:lnRef>
-          <a:fillRef idx="1">
-            <a:schemeClr val="accent1"/>
-          </a:fillRef>
-          <a:effectRef idx="1">
-            <a:schemeClr val="accent1"/>
-          </a:effectRef>
-          <a:fontRef idx="minor">
-            <a:schemeClr val="lt1"/>
-          </a:fontRef>
-        </p:style>
-        <p:txBody>
-          <a:bodyPr rtlCol="0" anchor="ctr"/>
-          <a:lstStyle/>
-          <a:p>
-            <a:pPr algn="ctr"/>
-            <a:r>
-              <a:rPr lang="en-US" sz="1400" dirty="0" smtClean="0">
-                <a:solidFill>
-                  <a:schemeClr val="bg1"/>
-                </a:solidFill>
-              </a:rPr>
-              <a:t>3-axis</a:t>
-            </a:r>
-          </a:p>
-          <a:p>
-            <a:pPr algn="ctr"/>
-            <a:r>
-              <a:rPr lang="en-US" sz="1400" dirty="0" smtClean="0">
-                <a:solidFill>
-                  <a:schemeClr val="bg1"/>
-                </a:solidFill>
-              </a:rPr>
-              <a:t>gyroscope</a:t>
-            </a:r>
-          </a:p>
-        </p:txBody>
-      </p:sp>
-      <p:sp>
-        <p:nvSpPr>
-          <p:cNvPr id="8" name="Прямоугольник 7"/>
-          <p:cNvSpPr/>
-          <p:nvPr/>
-        </p:nvSpPr>
-        <p:spPr>
-          <a:xfrm>
-            <a:off x="6444208" y="2420888"/>
-            <a:ext cx="1440160" cy="432048"/>
-          </a:xfrm>
-          <a:prstGeom prst="rect">
-            <a:avLst/>
-          </a:prstGeom>
-        </p:spPr>
-        <p:style>
-          <a:lnRef idx="3">
-            <a:schemeClr val="lt1"/>
-          </a:lnRef>
-          <a:fillRef idx="1">
-            <a:schemeClr val="accent1"/>
-          </a:fillRef>
-          <a:effectRef idx="1">
-            <a:schemeClr val="accent1"/>
-          </a:effectRef>
-          <a:fontRef idx="minor">
-            <a:schemeClr val="lt1"/>
-          </a:fontRef>
-        </p:style>
-        <p:txBody>
-          <a:bodyPr rtlCol="0" anchor="ctr"/>
-          <a:lstStyle/>
-          <a:p>
-            <a:pPr algn="ctr"/>
-            <a:r>
-              <a:rPr lang="en-US" sz="1400" dirty="0" smtClean="0">
-                <a:solidFill>
-                  <a:schemeClr val="bg1"/>
-                </a:solidFill>
-              </a:rPr>
-              <a:t>3-axis</a:t>
-            </a:r>
-          </a:p>
-          <a:p>
-            <a:pPr algn="ctr"/>
-            <a:r>
-              <a:rPr lang="en-US" sz="1400" dirty="0" smtClean="0">
-                <a:solidFill>
-                  <a:schemeClr val="bg1"/>
-                </a:solidFill>
-              </a:rPr>
-              <a:t>Accelerometer</a:t>
-            </a:r>
-            <a:endParaRPr lang="ru-RU" sz="1400" dirty="0">
-              <a:solidFill>
-                <a:schemeClr val="bg1"/>
-              </a:solidFill>
-            </a:endParaRPr>
-          </a:p>
-        </p:txBody>
-      </p:sp>
-      <p:sp>
-        <p:nvSpPr>
-          <p:cNvPr id="9" name="Прямоугольник 8"/>
-          <p:cNvSpPr/>
-          <p:nvPr/>
-        </p:nvSpPr>
-        <p:spPr>
-          <a:xfrm>
-            <a:off x="6444208" y="2996952"/>
-            <a:ext cx="1440160" cy="432048"/>
-          </a:xfrm>
-          <a:prstGeom prst="rect">
-            <a:avLst/>
-          </a:prstGeom>
-        </p:spPr>
-        <p:style>
-          <a:lnRef idx="3">
-            <a:schemeClr val="lt1"/>
-          </a:lnRef>
-          <a:fillRef idx="1">
-            <a:schemeClr val="accent1"/>
-          </a:fillRef>
-          <a:effectRef idx="1">
-            <a:schemeClr val="accent1"/>
-          </a:effectRef>
-          <a:fontRef idx="minor">
-            <a:schemeClr val="lt1"/>
-          </a:fontRef>
-        </p:style>
-        <p:txBody>
-          <a:bodyPr rtlCol="0" anchor="ctr"/>
-          <a:lstStyle/>
-          <a:p>
-            <a:pPr algn="ctr"/>
-            <a:r>
-              <a:rPr lang="en-US" sz="1400" dirty="0" smtClean="0">
-                <a:solidFill>
-                  <a:schemeClr val="bg1"/>
-                </a:solidFill>
-              </a:rPr>
-              <a:t>Barometer</a:t>
-            </a:r>
-          </a:p>
-        </p:txBody>
-      </p:sp>
-      <p:sp>
-        <p:nvSpPr>
-          <p:cNvPr id="10" name="Прямоугольник 9"/>
-          <p:cNvSpPr/>
-          <p:nvPr/>
-        </p:nvSpPr>
-        <p:spPr>
-          <a:xfrm>
-            <a:off x="6444208" y="3573016"/>
-            <a:ext cx="1440160" cy="432048"/>
-          </a:xfrm>
-          <a:prstGeom prst="rect">
-            <a:avLst/>
-          </a:prstGeom>
-        </p:spPr>
-        <p:style>
-          <a:lnRef idx="3">
-            <a:schemeClr val="lt1"/>
-          </a:lnRef>
-          <a:fillRef idx="1">
-            <a:schemeClr val="accent1"/>
-          </a:fillRef>
-          <a:effectRef idx="1">
-            <a:schemeClr val="accent1"/>
-          </a:effectRef>
-          <a:fontRef idx="minor">
-            <a:schemeClr val="lt1"/>
-          </a:fontRef>
-        </p:style>
-        <p:txBody>
-          <a:bodyPr rtlCol="0" anchor="ctr"/>
-          <a:lstStyle/>
-          <a:p>
-            <a:pPr algn="ctr"/>
-            <a:r>
-              <a:rPr lang="en-US" sz="1400" dirty="0" smtClean="0">
-                <a:solidFill>
-                  <a:schemeClr val="bg1"/>
-                </a:solidFill>
-              </a:rPr>
-              <a:t>Magnetometer</a:t>
-            </a:r>
-          </a:p>
-        </p:txBody>
-      </p:sp>
-      <p:sp>
-        <p:nvSpPr>
-          <p:cNvPr id="11" name="Прямоугольник 10"/>
-          <p:cNvSpPr/>
-          <p:nvPr/>
-        </p:nvSpPr>
-        <p:spPr>
-          <a:xfrm>
-            <a:off x="2555776" y="2060848"/>
-            <a:ext cx="1008112" cy="864096"/>
-          </a:xfrm>
-          <a:prstGeom prst="rect">
-            <a:avLst/>
-          </a:prstGeom>
-        </p:spPr>
-        <p:style>
-          <a:lnRef idx="3">
-            <a:schemeClr val="lt1"/>
-          </a:lnRef>
-          <a:fillRef idx="1">
-            <a:schemeClr val="accent1"/>
-          </a:fillRef>
-          <a:effectRef idx="1">
-            <a:schemeClr val="accent1"/>
-          </a:effectRef>
-          <a:fontRef idx="minor">
-            <a:schemeClr val="lt1"/>
-          </a:fontRef>
-        </p:style>
-        <p:txBody>
-          <a:bodyPr rtlCol="0" anchor="ctr"/>
-          <a:lstStyle/>
-          <a:p>
-            <a:pPr algn="ctr"/>
-            <a:r>
-              <a:rPr lang="en-US" sz="2400" dirty="0" err="1" smtClean="0">
-                <a:solidFill>
-                  <a:schemeClr val="bg1"/>
-                </a:solidFill>
-              </a:rPr>
-              <a:t>XBee</a:t>
-            </a:r>
-            <a:endParaRPr lang="ru-RU" sz="2400" dirty="0">
-              <a:solidFill>
-                <a:schemeClr val="bg1"/>
-              </a:solidFill>
-            </a:endParaRPr>
-          </a:p>
-        </p:txBody>
-      </p:sp>
-      <p:sp>
-        <p:nvSpPr>
-          <p:cNvPr id="12" name="Прямоугольник 11"/>
-          <p:cNvSpPr/>
-          <p:nvPr/>
-        </p:nvSpPr>
-        <p:spPr>
-          <a:xfrm>
-            <a:off x="6444208" y="4301722"/>
-            <a:ext cx="792088" cy="432048"/>
-          </a:xfrm>
-          <a:prstGeom prst="rect">
-            <a:avLst/>
-          </a:prstGeom>
-        </p:spPr>
-        <p:style>
-          <a:lnRef idx="3">
-            <a:schemeClr val="lt1"/>
-          </a:lnRef>
-          <a:fillRef idx="1">
-            <a:schemeClr val="accent1"/>
-          </a:fillRef>
-          <a:effectRef idx="1">
-            <a:schemeClr val="accent1"/>
-          </a:effectRef>
-          <a:fontRef idx="minor">
-            <a:schemeClr val="lt1"/>
-          </a:fontRef>
-        </p:style>
-        <p:txBody>
-          <a:bodyPr rtlCol="0" anchor="ctr"/>
-          <a:lstStyle/>
-          <a:p>
-            <a:pPr algn="ctr"/>
-            <a:r>
-              <a:rPr lang="en-US" sz="1400" dirty="0" smtClean="0">
-                <a:solidFill>
-                  <a:schemeClr val="bg1"/>
-                </a:solidFill>
-              </a:rPr>
-              <a:t>ESC #1</a:t>
-            </a:r>
-          </a:p>
-        </p:txBody>
-      </p:sp>
-      <p:sp>
-        <p:nvSpPr>
-          <p:cNvPr id="13" name="Прямоугольник 12"/>
-          <p:cNvSpPr/>
-          <p:nvPr/>
-        </p:nvSpPr>
-        <p:spPr>
-          <a:xfrm>
-            <a:off x="7380312" y="4293096"/>
-            <a:ext cx="1224136" cy="432048"/>
-          </a:xfrm>
-          <a:prstGeom prst="rect">
-            <a:avLst/>
-          </a:prstGeom>
-        </p:spPr>
-        <p:style>
-          <a:lnRef idx="3">
-            <a:schemeClr val="lt1"/>
-          </a:lnRef>
-          <a:fillRef idx="1">
-            <a:schemeClr val="accent1"/>
-          </a:fillRef>
-          <a:effectRef idx="1">
-            <a:schemeClr val="accent1"/>
-          </a:effectRef>
-          <a:fontRef idx="minor">
-            <a:schemeClr val="lt1"/>
-          </a:fontRef>
-        </p:style>
-        <p:txBody>
-          <a:bodyPr rtlCol="0" anchor="ctr"/>
-          <a:lstStyle/>
-          <a:p>
-            <a:pPr algn="ctr"/>
-            <a:r>
-              <a:rPr lang="en-US" sz="1400" dirty="0" smtClean="0">
-                <a:solidFill>
-                  <a:schemeClr val="bg1"/>
-                </a:solidFill>
-              </a:rPr>
-              <a:t>Brushless Motor</a:t>
-            </a:r>
-          </a:p>
-        </p:txBody>
-      </p:sp>
-      <p:sp>
-        <p:nvSpPr>
-          <p:cNvPr id="14" name="Прямоугольник 13"/>
-          <p:cNvSpPr/>
-          <p:nvPr/>
-        </p:nvSpPr>
-        <p:spPr>
-          <a:xfrm>
-            <a:off x="6444208" y="4869160"/>
-            <a:ext cx="792088" cy="432048"/>
-          </a:xfrm>
-          <a:prstGeom prst="rect">
-            <a:avLst/>
-          </a:prstGeom>
-        </p:spPr>
-        <p:style>
-          <a:lnRef idx="3">
-            <a:schemeClr val="lt1"/>
-          </a:lnRef>
-          <a:fillRef idx="1">
-            <a:schemeClr val="accent1"/>
-          </a:fillRef>
-          <a:effectRef idx="1">
-            <a:schemeClr val="accent1"/>
-          </a:effectRef>
-          <a:fontRef idx="minor">
-            <a:schemeClr val="lt1"/>
-          </a:fontRef>
-        </p:style>
-        <p:txBody>
-          <a:bodyPr rtlCol="0" anchor="ctr"/>
-          <a:lstStyle/>
-          <a:p>
-            <a:pPr algn="ctr"/>
-            <a:r>
-              <a:rPr lang="en-US" sz="1400" dirty="0" smtClean="0">
-                <a:solidFill>
-                  <a:schemeClr val="bg1"/>
-                </a:solidFill>
-              </a:rPr>
-              <a:t>ESC #2</a:t>
-            </a:r>
-          </a:p>
-        </p:txBody>
-      </p:sp>
-      <p:sp>
-        <p:nvSpPr>
-          <p:cNvPr id="15" name="Прямоугольник 14"/>
-          <p:cNvSpPr/>
-          <p:nvPr/>
-        </p:nvSpPr>
-        <p:spPr>
-          <a:xfrm>
-            <a:off x="7380312" y="4860534"/>
-            <a:ext cx="1224136" cy="432048"/>
-          </a:xfrm>
-          <a:prstGeom prst="rect">
-            <a:avLst/>
-          </a:prstGeom>
-        </p:spPr>
-        <p:style>
-          <a:lnRef idx="3">
-            <a:schemeClr val="lt1"/>
-          </a:lnRef>
-          <a:fillRef idx="1">
-            <a:schemeClr val="accent1"/>
-          </a:fillRef>
-          <a:effectRef idx="1">
-            <a:schemeClr val="accent1"/>
-          </a:effectRef>
-          <a:fontRef idx="minor">
-            <a:schemeClr val="lt1"/>
-          </a:fontRef>
-        </p:style>
-        <p:txBody>
-          <a:bodyPr rtlCol="0" anchor="ctr"/>
-          <a:lstStyle/>
-          <a:p>
-            <a:pPr algn="ctr"/>
-            <a:r>
-              <a:rPr lang="en-US" sz="1400" dirty="0" smtClean="0">
-                <a:solidFill>
-                  <a:schemeClr val="bg1"/>
-                </a:solidFill>
-              </a:rPr>
-              <a:t>Brushless Motor</a:t>
-            </a:r>
-          </a:p>
-        </p:txBody>
-      </p:sp>
-      <p:sp>
-        <p:nvSpPr>
-          <p:cNvPr id="16" name="Прямоугольник 15"/>
-          <p:cNvSpPr/>
-          <p:nvPr/>
-        </p:nvSpPr>
-        <p:spPr>
-          <a:xfrm>
-            <a:off x="6444208" y="5445224"/>
-            <a:ext cx="792088" cy="432048"/>
-          </a:xfrm>
-          <a:prstGeom prst="rect">
-            <a:avLst/>
-          </a:prstGeom>
-        </p:spPr>
-        <p:style>
-          <a:lnRef idx="3">
-            <a:schemeClr val="lt1"/>
-          </a:lnRef>
-          <a:fillRef idx="1">
-            <a:schemeClr val="accent1"/>
-          </a:fillRef>
-          <a:effectRef idx="1">
-            <a:schemeClr val="accent1"/>
-          </a:effectRef>
-          <a:fontRef idx="minor">
-            <a:schemeClr val="lt1"/>
-          </a:fontRef>
-        </p:style>
-        <p:txBody>
-          <a:bodyPr rtlCol="0" anchor="ctr"/>
-          <a:lstStyle/>
-          <a:p>
-            <a:pPr algn="ctr"/>
-            <a:r>
-              <a:rPr lang="en-US" sz="1400" dirty="0" smtClean="0">
-                <a:solidFill>
-                  <a:schemeClr val="bg1"/>
-                </a:solidFill>
-              </a:rPr>
-              <a:t>ESC #3</a:t>
-            </a:r>
-          </a:p>
-        </p:txBody>
-      </p:sp>
-      <p:sp>
-        <p:nvSpPr>
-          <p:cNvPr id="17" name="Прямоугольник 16"/>
-          <p:cNvSpPr/>
-          <p:nvPr/>
-        </p:nvSpPr>
-        <p:spPr>
-          <a:xfrm>
-            <a:off x="7380312" y="5436598"/>
-            <a:ext cx="1224136" cy="432048"/>
-          </a:xfrm>
-          <a:prstGeom prst="rect">
-            <a:avLst/>
-          </a:prstGeom>
-        </p:spPr>
-        <p:style>
-          <a:lnRef idx="3">
-            <a:schemeClr val="lt1"/>
-          </a:lnRef>
-          <a:fillRef idx="1">
-            <a:schemeClr val="accent1"/>
-          </a:fillRef>
-          <a:effectRef idx="1">
-            <a:schemeClr val="accent1"/>
-          </a:effectRef>
-          <a:fontRef idx="minor">
-            <a:schemeClr val="lt1"/>
-          </a:fontRef>
-        </p:style>
-        <p:txBody>
-          <a:bodyPr rtlCol="0" anchor="ctr"/>
-          <a:lstStyle/>
-          <a:p>
-            <a:pPr algn="ctr"/>
-            <a:r>
-              <a:rPr lang="en-US" sz="1400" dirty="0" smtClean="0">
-                <a:solidFill>
-                  <a:schemeClr val="bg1"/>
-                </a:solidFill>
-              </a:rPr>
-              <a:t>Brushless Motor</a:t>
-            </a:r>
-          </a:p>
-        </p:txBody>
-      </p:sp>
-      <p:sp>
-        <p:nvSpPr>
-          <p:cNvPr id="18" name="Прямоугольник 17"/>
-          <p:cNvSpPr/>
-          <p:nvPr/>
-        </p:nvSpPr>
-        <p:spPr>
-          <a:xfrm>
-            <a:off x="6444208" y="6021288"/>
-            <a:ext cx="792088" cy="432048"/>
-          </a:xfrm>
-          <a:prstGeom prst="rect">
-            <a:avLst/>
-          </a:prstGeom>
-        </p:spPr>
-        <p:style>
-          <a:lnRef idx="3">
-            <a:schemeClr val="lt1"/>
-          </a:lnRef>
-          <a:fillRef idx="1">
-            <a:schemeClr val="accent1"/>
-          </a:fillRef>
-          <a:effectRef idx="1">
-            <a:schemeClr val="accent1"/>
-          </a:effectRef>
-          <a:fontRef idx="minor">
-            <a:schemeClr val="lt1"/>
-          </a:fontRef>
-        </p:style>
-        <p:txBody>
-          <a:bodyPr rtlCol="0" anchor="ctr"/>
-          <a:lstStyle/>
-          <a:p>
-            <a:pPr algn="ctr"/>
-            <a:r>
-              <a:rPr lang="en-US" sz="1400" dirty="0" smtClean="0">
-                <a:solidFill>
-                  <a:schemeClr val="bg1"/>
-                </a:solidFill>
-              </a:rPr>
-              <a:t>ESC #4</a:t>
-            </a:r>
-          </a:p>
-        </p:txBody>
-      </p:sp>
-      <p:sp>
-        <p:nvSpPr>
-          <p:cNvPr id="19" name="Прямоугольник 18"/>
-          <p:cNvSpPr/>
-          <p:nvPr/>
-        </p:nvSpPr>
-        <p:spPr>
-          <a:xfrm>
-            <a:off x="7380312" y="6012662"/>
-            <a:ext cx="1224136" cy="432048"/>
-          </a:xfrm>
-          <a:prstGeom prst="rect">
-            <a:avLst/>
-          </a:prstGeom>
-        </p:spPr>
-        <p:style>
-          <a:lnRef idx="3">
-            <a:schemeClr val="lt1"/>
-          </a:lnRef>
-          <a:fillRef idx="1">
-            <a:schemeClr val="accent1"/>
-          </a:fillRef>
-          <a:effectRef idx="1">
-            <a:schemeClr val="accent1"/>
-          </a:effectRef>
-          <a:fontRef idx="minor">
-            <a:schemeClr val="lt1"/>
-          </a:fontRef>
-        </p:style>
-        <p:txBody>
-          <a:bodyPr rtlCol="0" anchor="ctr"/>
-          <a:lstStyle/>
-          <a:p>
-            <a:pPr algn="ctr"/>
-            <a:r>
-              <a:rPr lang="en-US" sz="1400" dirty="0" smtClean="0">
-                <a:solidFill>
-                  <a:schemeClr val="bg1"/>
-                </a:solidFill>
-              </a:rPr>
-              <a:t>Brushless Motor</a:t>
-            </a:r>
-          </a:p>
-        </p:txBody>
-      </p:sp>
-      <p:sp>
-        <p:nvSpPr>
-          <p:cNvPr id="20" name="Прямоугольник 19"/>
-          <p:cNvSpPr/>
-          <p:nvPr/>
-        </p:nvSpPr>
-        <p:spPr>
-          <a:xfrm>
-            <a:off x="2051720" y="4653136"/>
-            <a:ext cx="1512168" cy="936104"/>
-          </a:xfrm>
-          <a:prstGeom prst="rect">
-            <a:avLst/>
-          </a:prstGeom>
-        </p:spPr>
-        <p:style>
-          <a:lnRef idx="3">
-            <a:schemeClr val="lt1"/>
-          </a:lnRef>
-          <a:fillRef idx="1">
-            <a:schemeClr val="accent1"/>
-          </a:fillRef>
-          <a:effectRef idx="1">
-            <a:schemeClr val="accent1"/>
-          </a:effectRef>
-          <a:fontRef idx="minor">
-            <a:schemeClr val="lt1"/>
-          </a:fontRef>
-        </p:style>
-        <p:txBody>
-          <a:bodyPr rtlCol="0" anchor="ctr"/>
-          <a:lstStyle/>
-          <a:p>
-            <a:pPr algn="ctr"/>
-            <a:r>
-              <a:rPr lang="en-US" sz="2400" dirty="0" smtClean="0">
-                <a:solidFill>
-                  <a:schemeClr val="bg1"/>
-                </a:solidFill>
-              </a:rPr>
-              <a:t>Camera</a:t>
-            </a:r>
-            <a:endParaRPr lang="ru-RU" sz="2400" dirty="0">
-              <a:solidFill>
-                <a:schemeClr val="bg1"/>
-              </a:solidFill>
-            </a:endParaRPr>
-          </a:p>
-        </p:txBody>
-      </p:sp>
-      <p:cxnSp>
-        <p:nvCxnSpPr>
-          <p:cNvPr id="22" name="Соединительная линия уступом 21"/>
-          <p:cNvCxnSpPr>
-            <a:stCxn id="7" idx="1"/>
-            <a:endCxn id="5" idx="3"/>
-          </p:cNvCxnSpPr>
-          <p:nvPr/>
-        </p:nvCxnSpPr>
-        <p:spPr>
-          <a:xfrm rot="10800000" flipV="1">
-            <a:off x="5868144" y="2060848"/>
-            <a:ext cx="576064" cy="1260140"/>
-          </a:xfrm>
-          <a:prstGeom prst="bentConnector3">
-            <a:avLst>
-              <a:gd name="adj1" fmla="val 50000"/>
-            </a:avLst>
-          </a:prstGeom>
-          <a:ln w="19050">
-            <a:tailEnd type="arrow"/>
-          </a:ln>
-        </p:spPr>
-        <p:style>
-          <a:lnRef idx="1">
-            <a:schemeClr val="accent1"/>
-          </a:lnRef>
-          <a:fillRef idx="0">
-            <a:schemeClr val="accent1"/>
-          </a:fillRef>
-          <a:effectRef idx="0">
-            <a:schemeClr val="accent1"/>
-          </a:effectRef>
-          <a:fontRef idx="minor">
-            <a:schemeClr val="tx1"/>
-          </a:fontRef>
-        </p:style>
-      </p:cxnSp>
-      <p:cxnSp>
-        <p:nvCxnSpPr>
-          <p:cNvPr id="26" name="Соединительная линия уступом 25"/>
-          <p:cNvCxnSpPr>
-            <a:stCxn id="8" idx="1"/>
-            <a:endCxn id="5" idx="3"/>
-          </p:cNvCxnSpPr>
-          <p:nvPr/>
-        </p:nvCxnSpPr>
-        <p:spPr>
-          <a:xfrm rot="10800000" flipV="1">
-            <a:off x="5868144" y="2636912"/>
-            <a:ext cx="576064" cy="684076"/>
-          </a:xfrm>
-          <a:prstGeom prst="bentConnector3">
-            <a:avLst>
-              <a:gd name="adj1" fmla="val 50000"/>
-            </a:avLst>
-          </a:prstGeom>
-          <a:ln w="19050">
-            <a:tailEnd type="arrow"/>
-          </a:ln>
-        </p:spPr>
-        <p:style>
-          <a:lnRef idx="1">
-            <a:schemeClr val="accent1"/>
-          </a:lnRef>
-          <a:fillRef idx="0">
-            <a:schemeClr val="accent1"/>
-          </a:fillRef>
-          <a:effectRef idx="0">
-            <a:schemeClr val="accent1"/>
-          </a:effectRef>
-          <a:fontRef idx="minor">
-            <a:schemeClr val="tx1"/>
-          </a:fontRef>
-        </p:style>
-      </p:cxnSp>
-      <p:cxnSp>
-        <p:nvCxnSpPr>
-          <p:cNvPr id="28" name="Соединительная линия уступом 27"/>
-          <p:cNvCxnSpPr>
-            <a:stCxn id="9" idx="1"/>
-            <a:endCxn id="5" idx="3"/>
-          </p:cNvCxnSpPr>
-          <p:nvPr/>
-        </p:nvCxnSpPr>
-        <p:spPr>
-          <a:xfrm rot="10800000" flipV="1">
-            <a:off x="5868144" y="3212976"/>
-            <a:ext cx="576064" cy="108012"/>
-          </a:xfrm>
-          <a:prstGeom prst="bentConnector3">
-            <a:avLst>
-              <a:gd name="adj1" fmla="val 50000"/>
-            </a:avLst>
-          </a:prstGeom>
-          <a:ln w="19050">
-            <a:tailEnd type="arrow"/>
-          </a:ln>
-        </p:spPr>
-        <p:style>
-          <a:lnRef idx="1">
-            <a:schemeClr val="accent1"/>
-          </a:lnRef>
-          <a:fillRef idx="0">
-            <a:schemeClr val="accent1"/>
-          </a:fillRef>
-          <a:effectRef idx="0">
-            <a:schemeClr val="accent1"/>
-          </a:effectRef>
-          <a:fontRef idx="minor">
-            <a:schemeClr val="tx1"/>
-          </a:fontRef>
-        </p:style>
-      </p:cxnSp>
-      <p:cxnSp>
-        <p:nvCxnSpPr>
-          <p:cNvPr id="30" name="Соединительная линия уступом 29"/>
-          <p:cNvCxnSpPr>
-            <a:stCxn id="10" idx="1"/>
-            <a:endCxn id="5" idx="3"/>
-          </p:cNvCxnSpPr>
-          <p:nvPr/>
-        </p:nvCxnSpPr>
-        <p:spPr>
-          <a:xfrm rot="10800000">
-            <a:off x="5868144" y="3320988"/>
-            <a:ext cx="576064" cy="468052"/>
-          </a:xfrm>
-          <a:prstGeom prst="bentConnector3">
-            <a:avLst>
-              <a:gd name="adj1" fmla="val 50000"/>
-            </a:avLst>
-          </a:prstGeom>
-          <a:ln w="19050">
-            <a:tailEnd type="arrow"/>
-          </a:ln>
-        </p:spPr>
-        <p:style>
-          <a:lnRef idx="1">
-            <a:schemeClr val="accent1"/>
-          </a:lnRef>
-          <a:fillRef idx="0">
-            <a:schemeClr val="accent1"/>
-          </a:fillRef>
-          <a:effectRef idx="0">
-            <a:schemeClr val="accent1"/>
-          </a:effectRef>
-          <a:fontRef idx="minor">
-            <a:schemeClr val="tx1"/>
-          </a:fontRef>
-        </p:style>
-      </p:cxnSp>
-      <p:cxnSp>
-        <p:nvCxnSpPr>
-          <p:cNvPr id="34" name="Shape 33"/>
-          <p:cNvCxnSpPr>
-            <a:stCxn id="5" idx="2"/>
-            <a:endCxn id="12" idx="1"/>
-          </p:cNvCxnSpPr>
-          <p:nvPr/>
-        </p:nvCxnSpPr>
-        <p:spPr>
-          <a:xfrm rot="16200000" flipH="1">
-            <a:off x="5341773" y="3415311"/>
-            <a:ext cx="656698" cy="1548172"/>
-          </a:xfrm>
-          <a:prstGeom prst="bentConnector2">
-            <a:avLst/>
-          </a:prstGeom>
-          <a:ln w="19050">
-            <a:tailEnd type="arrow"/>
-          </a:ln>
-        </p:spPr>
-        <p:style>
-          <a:lnRef idx="1">
-            <a:schemeClr val="accent1"/>
-          </a:lnRef>
-          <a:fillRef idx="0">
-            <a:schemeClr val="accent1"/>
-          </a:fillRef>
-          <a:effectRef idx="0">
-            <a:schemeClr val="accent1"/>
-          </a:effectRef>
-          <a:fontRef idx="minor">
-            <a:schemeClr val="tx1"/>
-          </a:fontRef>
-        </p:style>
-      </p:cxnSp>
-      <p:cxnSp>
-        <p:nvCxnSpPr>
-          <p:cNvPr id="36" name="Shape 35"/>
-          <p:cNvCxnSpPr>
-            <a:stCxn id="5" idx="2"/>
-            <a:endCxn id="14" idx="1"/>
-          </p:cNvCxnSpPr>
-          <p:nvPr/>
-        </p:nvCxnSpPr>
-        <p:spPr>
-          <a:xfrm rot="16200000" flipH="1">
-            <a:off x="5058054" y="3699030"/>
-            <a:ext cx="1224136" cy="1548172"/>
-          </a:xfrm>
-          <a:prstGeom prst="bentConnector2">
-            <a:avLst/>
-          </a:prstGeom>
-          <a:ln w="19050">
-            <a:tailEnd type="arrow"/>
-          </a:ln>
-        </p:spPr>
-        <p:style>
-          <a:lnRef idx="1">
-            <a:schemeClr val="accent1"/>
-          </a:lnRef>
-          <a:fillRef idx="0">
-            <a:schemeClr val="accent1"/>
-          </a:fillRef>
-          <a:effectRef idx="0">
-            <a:schemeClr val="accent1"/>
-          </a:effectRef>
-          <a:fontRef idx="minor">
-            <a:schemeClr val="tx1"/>
-          </a:fontRef>
-        </p:style>
-      </p:cxnSp>
-      <p:cxnSp>
-        <p:nvCxnSpPr>
-          <p:cNvPr id="38" name="Shape 37"/>
-          <p:cNvCxnSpPr>
-            <a:stCxn id="5" idx="2"/>
-            <a:endCxn id="16" idx="1"/>
-          </p:cNvCxnSpPr>
-          <p:nvPr/>
-        </p:nvCxnSpPr>
-        <p:spPr>
-          <a:xfrm rot="16200000" flipH="1">
-            <a:off x="4770022" y="3987062"/>
-            <a:ext cx="1800200" cy="1548172"/>
-          </a:xfrm>
-          <a:prstGeom prst="bentConnector2">
-            <a:avLst/>
-          </a:prstGeom>
-          <a:ln w="19050">
-            <a:tailEnd type="arrow"/>
-          </a:ln>
-        </p:spPr>
-        <p:style>
-          <a:lnRef idx="1">
-            <a:schemeClr val="accent1"/>
-          </a:lnRef>
-          <a:fillRef idx="0">
-            <a:schemeClr val="accent1"/>
-          </a:fillRef>
-          <a:effectRef idx="0">
-            <a:schemeClr val="accent1"/>
-          </a:effectRef>
-          <a:fontRef idx="minor">
-            <a:schemeClr val="tx1"/>
-          </a:fontRef>
-        </p:style>
-      </p:cxnSp>
-      <p:cxnSp>
-        <p:nvCxnSpPr>
-          <p:cNvPr id="40" name="Shape 39"/>
-          <p:cNvCxnSpPr>
-            <a:stCxn id="5" idx="2"/>
-            <a:endCxn id="18" idx="1"/>
-          </p:cNvCxnSpPr>
-          <p:nvPr/>
-        </p:nvCxnSpPr>
-        <p:spPr>
-          <a:xfrm rot="16200000" flipH="1">
-            <a:off x="4481990" y="4275094"/>
-            <a:ext cx="2376264" cy="1548172"/>
-          </a:xfrm>
-          <a:prstGeom prst="bentConnector2">
-            <a:avLst/>
-          </a:prstGeom>
-          <a:ln w="19050">
-            <a:tailEnd type="arrow"/>
-          </a:ln>
-        </p:spPr>
-        <p:style>
-          <a:lnRef idx="1">
-            <a:schemeClr val="accent1"/>
-          </a:lnRef>
-          <a:fillRef idx="0">
-            <a:schemeClr val="accent1"/>
-          </a:fillRef>
-          <a:effectRef idx="0">
-            <a:schemeClr val="accent1"/>
-          </a:effectRef>
-          <a:fontRef idx="minor">
-            <a:schemeClr val="tx1"/>
-          </a:fontRef>
-        </p:style>
-      </p:cxnSp>
-      <p:cxnSp>
-        <p:nvCxnSpPr>
-          <p:cNvPr id="50" name="Соединительная линия уступом 49"/>
-          <p:cNvCxnSpPr>
-            <a:stCxn id="11" idx="3"/>
-            <a:endCxn id="5" idx="0"/>
-          </p:cNvCxnSpPr>
-          <p:nvPr/>
-        </p:nvCxnSpPr>
-        <p:spPr>
-          <a:xfrm>
-            <a:off x="3563888" y="2492896"/>
-            <a:ext cx="1332148" cy="288032"/>
-          </a:xfrm>
-          <a:prstGeom prst="bentConnector2">
-            <a:avLst/>
-          </a:prstGeom>
-          <a:ln w="19050">
-            <a:headEnd type="arrow"/>
-            <a:tailEnd type="arrow"/>
-          </a:ln>
-        </p:spPr>
-        <p:style>
-          <a:lnRef idx="1">
-            <a:schemeClr val="accent1"/>
-          </a:lnRef>
-          <a:fillRef idx="0">
-            <a:schemeClr val="accent1"/>
-          </a:fillRef>
-          <a:effectRef idx="0">
-            <a:schemeClr val="accent1"/>
-          </a:effectRef>
-          <a:fontRef idx="minor">
-            <a:schemeClr val="tx1"/>
-          </a:fontRef>
-        </p:style>
-      </p:cxnSp>
-      <p:cxnSp>
-        <p:nvCxnSpPr>
-          <p:cNvPr id="56" name="Соединительная линия уступом 55"/>
-          <p:cNvCxnSpPr>
-            <a:stCxn id="20" idx="3"/>
-            <a:endCxn id="5" idx="1"/>
-          </p:cNvCxnSpPr>
-          <p:nvPr/>
-        </p:nvCxnSpPr>
-        <p:spPr>
-          <a:xfrm flipV="1">
-            <a:off x="3563888" y="3320988"/>
-            <a:ext cx="360040" cy="1800200"/>
-          </a:xfrm>
-          <a:prstGeom prst="bentConnector3">
-            <a:avLst>
-              <a:gd name="adj1" fmla="val 50000"/>
-            </a:avLst>
-          </a:prstGeom>
-          <a:ln w="19050">
-            <a:tailEnd type="arrow"/>
-          </a:ln>
-        </p:spPr>
-        <p:style>
-          <a:lnRef idx="1">
-            <a:schemeClr val="accent1"/>
-          </a:lnRef>
-          <a:fillRef idx="0">
-            <a:schemeClr val="accent1"/>
-          </a:fillRef>
-          <a:effectRef idx="0">
-            <a:schemeClr val="accent1"/>
-          </a:effectRef>
-          <a:fontRef idx="minor">
-            <a:schemeClr val="tx1"/>
-          </a:fontRef>
-        </p:style>
-      </p:cxnSp>
-      <p:cxnSp>
-        <p:nvCxnSpPr>
-          <p:cNvPr id="129" name="Соединительная линия уступом 128"/>
-          <p:cNvCxnSpPr>
-            <a:stCxn id="4" idx="3"/>
-            <a:endCxn id="11" idx="1"/>
-          </p:cNvCxnSpPr>
-          <p:nvPr/>
-        </p:nvCxnSpPr>
-        <p:spPr>
-          <a:xfrm flipV="1">
-            <a:off x="1763688" y="2492896"/>
-            <a:ext cx="792088" cy="288032"/>
-          </a:xfrm>
-          <a:prstGeom prst="bentConnector3">
-            <a:avLst>
-              <a:gd name="adj1" fmla="val 50000"/>
-            </a:avLst>
-          </a:prstGeom>
-          <a:ln w="19050">
-            <a:headEnd type="arrow"/>
-            <a:tailEnd type="arrow"/>
-          </a:ln>
-        </p:spPr>
-        <p:style>
-          <a:lnRef idx="1">
-            <a:schemeClr val="accent1"/>
-          </a:lnRef>
-          <a:fillRef idx="0">
-            <a:schemeClr val="accent1"/>
-          </a:fillRef>
-          <a:effectRef idx="0">
-            <a:schemeClr val="accent1"/>
-          </a:effectRef>
-          <a:fontRef idx="minor">
-            <a:schemeClr val="tx1"/>
-          </a:fontRef>
-        </p:style>
-      </p:cxnSp>
+            <a:fld id="{725C68B6-61C2-468F-89AB-4B9F7531AA68}" type="slidenum">
+              <a:rPr lang="ru-RU" smtClean="0"/>
+              <a:pPr/>
+              <a:t>6</a:t>
+            </a:fld>
+            <a:endParaRPr lang="ru-RU"/>
+          </a:p>
+        </p:txBody>
+      </p:sp>
     </p:spTree>
   </p:cSld>
   <p:clrMapOvr>
@@ -10507,7 +9594,19 @@
           <a:bodyPr/>
           <a:lstStyle/>
           <a:p>
-            <a:endParaRPr lang="ru-RU"/>
+            <a:r>
+              <a:rPr lang="ru-RU" sz="3600" dirty="0" smtClean="0"/>
+              <a:t>Модель функционирования </a:t>
+            </a:r>
+            <a:r>
+              <a:rPr lang="en-US" sz="3600" dirty="0" smtClean="0"/>
+              <a:t>IMU </a:t>
+            </a:r>
+            <a:r>
+              <a:rPr lang="ru-RU" sz="3600" dirty="0" smtClean="0"/>
+              <a:t>сенсоров</a:t>
+            </a:r>
+            <a:endParaRPr lang="ru-RU" sz="3600" dirty="0"/>
           </a:p>
         </p:txBody>
       </p:sp>
@@ -10526,6 +9625,80 @@
           <a:bodyPr/>
           <a:lstStyle/>
           <a:p>
+            <a:r>
+              <a:rPr lang="ru-RU" dirty="0" smtClean="0"/>
+              <a:t>Типы сенсоров:</a:t>
+            </a:r>
+          </a:p>
+          <a:p>
+            <a:pPr lvl="1"/>
+            <a:r>
+              <a:rPr lang="ru-RU" dirty="0" smtClean="0"/>
+              <a:t>Гироскоп</a:t>
+            </a:r>
+          </a:p>
+          <a:p>
+            <a:pPr lvl="1"/>
+            <a:r>
+              <a:rPr lang="ru-RU" dirty="0" smtClean="0"/>
+              <a:t>Акселерометр</a:t>
+            </a:r>
+          </a:p>
+          <a:p>
+            <a:pPr lvl="1"/>
+            <a:r>
+              <a:rPr lang="ru-RU" dirty="0" smtClean="0"/>
+              <a:t>Барометр</a:t>
+            </a:r>
+          </a:p>
+          <a:p>
+            <a:pPr lvl="1"/>
+            <a:r>
+              <a:rPr lang="ru-RU" dirty="0" smtClean="0"/>
+              <a:t>Магнитометр</a:t>
+            </a:r>
+          </a:p>
+          <a:p>
+            <a:r>
+              <a:rPr lang="ru-RU" dirty="0" smtClean="0"/>
+              <a:t>Разные типы шумов</a:t>
+            </a:r>
+          </a:p>
+          <a:p>
+            <a:r>
+              <a:rPr lang="ru-RU" dirty="0" smtClean="0"/>
+              <a:t>Разрядность</a:t>
+            </a:r>
+          </a:p>
+          <a:p>
+            <a:r>
+              <a:rPr lang="ru-RU" dirty="0" smtClean="0"/>
+              <a:t>Период дискретизации</a:t>
+            </a:r>
+            <a:endParaRPr lang="ru-RU" dirty="0"/>
+          </a:p>
+        </p:txBody>
+      </p:sp>
+      <p:sp>
+        <p:nvSpPr>
+          <p:cNvPr id="4" name="Номер слайда 3"/>
+          <p:cNvSpPr>
+            <a:spLocks noGrp="1"/>
+          </p:cNvSpPr>
+          <p:nvPr>
+            <p:ph type="sldNum" sz="quarter" idx="12"/>
+          </p:nvPr>
+        </p:nvSpPr>
+        <p:spPr/>
+        <p:txBody>
+          <a:bodyPr/>
+          <a:lstStyle/>
+          <a:p>
+            <a:fld id="{725C68B6-61C2-468F-89AB-4B9F7531AA68}" type="slidenum">
+              <a:rPr lang="ru-RU" smtClean="0"/>
+              <a:pPr/>
+              <a:t>7</a:t>
+            </a:fld>
             <a:endParaRPr lang="ru-RU"/>
           </a:p>
         </p:txBody>
@@ -10577,7 +9750,11 @@
           <a:bodyPr/>
           <a:lstStyle/>
           <a:p>
-            <a:endParaRPr lang="ru-RU"/>
+            <a:r>
+              <a:rPr lang="ru-RU" sz="3600" dirty="0" smtClean="0"/>
+              <a:t>Модель видеокамеры</a:t>
+            </a:r>
+            <a:endParaRPr lang="ru-RU" sz="3600" dirty="0"/>
           </a:p>
         </p:txBody>
       </p:sp>
@@ -10596,6 +9773,61 @@
           <a:bodyPr/>
           <a:lstStyle/>
           <a:p>
+            <a:r>
+              <a:rPr lang="ru-RU" dirty="0" smtClean="0"/>
+              <a:t>Помехи</a:t>
+            </a:r>
+          </a:p>
+          <a:p>
+            <a:r>
+              <a:rPr lang="ru-RU" dirty="0" smtClean="0"/>
+              <a:t>Блики</a:t>
+            </a:r>
+          </a:p>
+          <a:p>
+            <a:r>
+              <a:rPr lang="en-US" dirty="0" smtClean="0"/>
+              <a:t>HDR </a:t>
+            </a:r>
+            <a:r>
+              <a:rPr lang="ru-RU" dirty="0" smtClean="0"/>
+              <a:t>адаптация</a:t>
+            </a:r>
+          </a:p>
+          <a:p>
+            <a:r>
+              <a:rPr lang="ru-RU" dirty="0" smtClean="0"/>
+              <a:t>Задержки</a:t>
+            </a:r>
+          </a:p>
+          <a:p>
+            <a:r>
+              <a:rPr lang="ru-RU" dirty="0" smtClean="0"/>
+              <a:t>Разные фокусные расстояния</a:t>
+            </a:r>
+          </a:p>
+        </p:txBody>
+      </p:sp>
+      <p:sp>
+        <p:nvSpPr>
+          <p:cNvPr id="4" name="Номер слайда 3"/>
+          <p:cNvSpPr>
+            <a:spLocks noGrp="1"/>
+          </p:cNvSpPr>
+          <p:nvPr>
+            <p:ph type="sldNum" sz="quarter" idx="12"/>
+          </p:nvPr>
+        </p:nvSpPr>
+        <p:spPr/>
+        <p:txBody>
+          <a:bodyPr/>
+          <a:lstStyle/>
+          <a:p>
+            <a:fld id="{725C68B6-61C2-468F-89AB-4B9F7531AA68}" type="slidenum">
+              <a:rPr lang="ru-RU" smtClean="0"/>
+              <a:pPr/>
+              <a:t>8</a:t>
+            </a:fld>
             <a:endParaRPr lang="ru-RU"/>
           </a:p>
         </p:txBody>
@@ -10634,12 +9866,12 @@
       </p:grpSpPr>
       <p:sp>
         <p:nvSpPr>
-          <p:cNvPr id="4" name="Заголовок 3"/>
-          <p:cNvSpPr>
-            <a:spLocks noGrp="1"/>
-          </p:cNvSpPr>
-          <p:nvPr>
-            <p:ph type="ctrTitle"/>
+          <p:cNvPr id="2" name="Заголовок 1"/>
+          <p:cNvSpPr>
+            <a:spLocks noGrp="1"/>
+          </p:cNvSpPr>
+          <p:nvPr>
+            <p:ph type="title"/>
           </p:nvPr>
         </p:nvSpPr>
         <p:spPr/>
@@ -10648,29 +9880,21 @@
           <a:lstStyle/>
           <a:p>
             <a:r>
-              <a:rPr lang="ru-RU" sz="3600" cap="none" dirty="0" smtClean="0"/>
-              <a:t>Виртуальный полигон для исследования динамики </a:t>
-            </a:r>
-            <a:r>
-              <a:rPr lang="ru-RU" sz="3600" cap="none" dirty="0" err="1" smtClean="0"/>
-              <a:t>четырехроторных</a:t>
-            </a:r>
-            <a:r>
-              <a:rPr lang="ru-RU" sz="3600" cap="none" dirty="0" smtClean="0"/>
-              <a:t> БПЛА</a:t>
-            </a:r>
-            <a:endParaRPr lang="ru-RU" sz="3600" cap="none" dirty="0"/>
-          </a:p>
-        </p:txBody>
-      </p:sp>
-      <p:sp>
-        <p:nvSpPr>
-          <p:cNvPr id="5" name="Подзаголовок 4"/>
-          <p:cNvSpPr>
-            <a:spLocks noGrp="1"/>
-          </p:cNvSpPr>
-          <p:nvPr>
-            <p:ph type="subTitle" idx="1"/>
+              <a:rPr lang="ru-RU" sz="3600" dirty="0" smtClean="0"/>
+              <a:t>Модель системы стабилизации</a:t>
+            </a:r>
+            <a:endParaRPr lang="ru-RU" sz="3600" dirty="0"/>
+          </a:p>
+        </p:txBody>
+      </p:sp>
+      <p:sp>
+        <p:nvSpPr>
+          <p:cNvPr id="6" name="Содержимое 5"/>
+          <p:cNvSpPr>
+            <a:spLocks noGrp="1"/>
+          </p:cNvSpPr>
+          <p:nvPr>
+            <p:ph sz="half" idx="1"/>
           </p:nvPr>
         </p:nvSpPr>
         <p:spPr/>
@@ -10678,22 +9902,189 @@
           <a:bodyPr/>
           <a:lstStyle/>
           <a:p>
-            <a:r>
-              <a:rPr lang="ru-RU" dirty="0" smtClean="0"/>
-              <a:t>Александр </a:t>
-            </a:r>
-            <a:r>
-              <a:rPr lang="ru-RU" dirty="0" err="1" smtClean="0"/>
-              <a:t>Загарских</a:t>
-            </a:r>
-            <a:r>
-              <a:rPr lang="ru-RU" dirty="0" smtClean="0"/>
-              <a:t>, студент СПб НИУ ИТМО</a:t>
-            </a:r>
-            <a:endParaRPr lang="ru-RU" dirty="0"/>
-          </a:p>
-        </p:txBody>
-      </p:sp>
+            <a:endParaRPr lang="ru-RU"/>
+          </a:p>
+        </p:txBody>
+      </p:sp>
+      <p:pic>
+        <p:nvPicPr>
+          <p:cNvPr id="8" name="Содержимое 7" descr="q2.png"/>
+          <p:cNvPicPr>
+            <a:picLocks noGrp="1" noChangeAspect="1"/>
+          </p:cNvPicPr>
+          <p:nvPr>
+            <p:ph sz="half" idx="2"/>
+          </p:nvPr>
+        </p:nvPicPr>
+        <p:blipFill>
+          <a:blip r:embed="rId2" cstate="print"/>
+          <a:stretch>
+            <a:fillRect/>
+          </a:stretch>
+        </p:blipFill>
+        <p:spPr>
+          <a:xfrm rot="958883">
+            <a:off x="4557543" y="3240359"/>
+            <a:ext cx="4831121" cy="3188539"/>
+          </a:xfrm>
+        </p:spPr>
+      </p:pic>
+      <p:sp>
+        <p:nvSpPr>
+          <p:cNvPr id="4" name="Номер слайда 3"/>
+          <p:cNvSpPr>
+            <a:spLocks noGrp="1"/>
+          </p:cNvSpPr>
+          <p:nvPr>
+            <p:ph type="sldNum" sz="quarter" idx="12"/>
+          </p:nvPr>
+        </p:nvSpPr>
+        <p:spPr/>
+        <p:txBody>
+          <a:bodyPr/>
+          <a:lstStyle/>
+          <a:p>
+            <a:fld id="{725C68B6-61C2-468F-89AB-4B9F7531AA68}" type="slidenum">
+              <a:rPr lang="ru-RU" smtClean="0"/>
+              <a:pPr/>
+              <a:t>9</a:t>
+            </a:fld>
+            <a:endParaRPr lang="ru-RU"/>
+          </a:p>
+        </p:txBody>
+      </p:sp>
+      <p:cxnSp>
+        <p:nvCxnSpPr>
+          <p:cNvPr id="10" name="Прямая со стрелкой 9"/>
+          <p:cNvCxnSpPr/>
+          <p:nvPr/>
+        </p:nvCxnSpPr>
+        <p:spPr>
+          <a:xfrm>
+            <a:off x="6372200" y="4365104"/>
+            <a:ext cx="0" cy="864096"/>
+          </a:xfrm>
+          <a:prstGeom prst="straightConnector1">
+            <a:avLst/>
+          </a:prstGeom>
+          <a:ln>
+            <a:tailEnd type="arrow"/>
+          </a:ln>
+        </p:spPr>
+        <p:style>
+          <a:lnRef idx="1">
+            <a:schemeClr val="accent1"/>
+          </a:lnRef>
+          <a:fillRef idx="0">
+            <a:schemeClr val="accent1"/>
+          </a:fillRef>
+          <a:effectRef idx="0">
+            <a:schemeClr val="accent1"/>
+          </a:effectRef>
+          <a:fontRef idx="minor">
+            <a:schemeClr val="tx1"/>
+          </a:fontRef>
+        </p:style>
+      </p:cxnSp>
+      <p:cxnSp>
+        <p:nvCxnSpPr>
+          <p:cNvPr id="13" name="Прямая со стрелкой 12"/>
+          <p:cNvCxnSpPr/>
+          <p:nvPr/>
+        </p:nvCxnSpPr>
+        <p:spPr>
+          <a:xfrm flipV="1">
+            <a:off x="7668344" y="3861048"/>
+            <a:ext cx="0" cy="864096"/>
+          </a:xfrm>
+          <a:prstGeom prst="straightConnector1">
+            <a:avLst/>
+          </a:prstGeom>
+          <a:ln>
+            <a:tailEnd type="arrow"/>
+          </a:ln>
+        </p:spPr>
+        <p:style>
+          <a:lnRef idx="1">
+            <a:schemeClr val="accent1"/>
+          </a:lnRef>
+          <a:fillRef idx="0">
+            <a:schemeClr val="accent1"/>
+          </a:fillRef>
+          <a:effectRef idx="0">
+            <a:schemeClr val="accent1"/>
+          </a:effectRef>
+          <a:fontRef idx="minor">
+            <a:schemeClr val="tx1"/>
+          </a:fontRef>
+        </p:style>
+      </p:cxnSp>
+      <p:cxnSp>
+        <p:nvCxnSpPr>
+          <p:cNvPr id="15" name="Прямая со стрелкой 14"/>
+          <p:cNvCxnSpPr/>
+          <p:nvPr/>
+        </p:nvCxnSpPr>
+        <p:spPr>
+          <a:xfrm flipV="1">
+            <a:off x="7740352" y="4149080"/>
+            <a:ext cx="0" cy="864096"/>
+          </a:xfrm>
+          <a:prstGeom prst="straightConnector1">
+            <a:avLst/>
+          </a:prstGeom>
+          <a:ln>
+            <a:tailEnd type="arrow"/>
+          </a:ln>
+        </p:spPr>
+        <p:style>
+          <a:lnRef idx="1">
+            <a:schemeClr val="accent1"/>
+          </a:lnRef>
+          <a:fillRef idx="0">
+            <a:schemeClr val="accent1"/>
+          </a:fillRef>
+          <a:effectRef idx="0">
+            <a:schemeClr val="accent1"/>
+          </a:effectRef>
+          <a:fontRef idx="minor">
+            <a:schemeClr val="tx1"/>
+          </a:fontRef>
+        </p:style>
+      </p:cxnSp>
+      <p:cxnSp>
+        <p:nvCxnSpPr>
+          <p:cNvPr id="16" name="Прямая со стрелкой 15"/>
+          <p:cNvCxnSpPr/>
+          <p:nvPr/>
+        </p:nvCxnSpPr>
+        <p:spPr>
+          <a:xfrm>
+            <a:off x="6084168" y="4725144"/>
+            <a:ext cx="0" cy="864096"/>
+          </a:xfrm>
+          <a:prstGeom prst="straightConnector1">
+            <a:avLst/>
+          </a:prstGeom>
+          <a:ln>
+            <a:tailEnd type="arrow"/>
+          </a:ln>
+        </p:spPr>
+        <p:style>
+          <a:lnRef idx="1">
+            <a:schemeClr val="accent1"/>
+          </a:lnRef>
+          <a:fillRef idx="0">
+            <a:schemeClr val="accent1"/>
+          </a:fillRef>
+          <a:effectRef idx="0">
+            <a:schemeClr val="accent1"/>
+          </a:effectRef>
+          <a:fontRef idx="minor">
+            <a:schemeClr val="tx1"/>
+          </a:fontRef>
+        </p:style>
+      </p:cxnSp>
     </p:spTree>
   </p:cSld>
   <p:clrMapOvr>
@@ -11034,4 +10425,287 @@
   <a:objectDefaults/>
   <a:extraClrSchemeLst/>
 </a:theme>
+</file>
+
+<file path=ppt/theme/theme2.xml><?xml version="1.0" encoding="utf-8"?>
+<a:theme xmlns:a="http://schemas.openxmlformats.org/drawingml/2006/main" name="Тема Office">
+  <a:themeElements>
+    <a:clrScheme name="Стандартная">
+      <a:dk1>
+        <a:sysClr val="windowText" lastClr="000000"/>
+      </a:dk1>
+      <a:lt1>
+        <a:sysClr val="window" lastClr="FFFFFF"/>
+      </a:lt1>
+      <a:dk2>
+        <a:srgbClr val="1F497D"/>
+      </a:dk2>
+      <a:lt2>
+        <a:srgbClr val="EEECE1"/>
+      </a:lt2>
+      <a:accent1>
+        <a:srgbClr val="4F81BD"/>
+      </a:accent1>
+      <a:accent2>
+        <a:srgbClr val="C0504D"/>
+      </a:accent2>
+      <a:accent3>
+        <a:srgbClr val="9BBB59"/>
+      </a:accent3>
+      <a:accent4>
+        <a:srgbClr val="8064A2"/>
+      </a:accent4>
+      <a:accent5>
+        <a:srgbClr val="4BACC6"/>
+      </a:accent5>
+      <a:accent6>
+        <a:srgbClr val="F79646"/>
+      </a:accent6>
+      <a:hlink>
+        <a:srgbClr val="0000FF"/>
+      </a:hlink>
+      <a:folHlink>
+        <a:srgbClr val="800080"/>
+      </a:folHlink>
+    </a:clrScheme>
+    <a:fontScheme name="Стандартная">
+      <a:majorFont>
+        <a:latin typeface="Calibri"/>
+        <a:ea typeface=""/>
+        <a:cs typeface=""/>
+        <a:font script="Jpan" typeface="ＭＳ Ｐゴシック"/>
+        <a:font script="Hang" typeface="맑은 고딕"/>
+        <a:font script="Hans" typeface="宋体"/>
+        <a:font script="Hant" typeface="新細明體"/>
+        <a:font script="Arab" typeface="Times New Roman"/>
+        <a:font script="Hebr" typeface="Times New Roman"/>
+        <a:font script="Thai" typeface="Angsana New"/>
+        <a:font script="Ethi" typeface="Nyala"/>
+        <a:font script="Beng" typeface="Vrinda"/>
+        <a:font script="Gujr" typeface="Shruti"/>
+        <a:font script="Khmr" typeface="MoolBoran"/>
+        <a:font script="Knda" typeface="Tunga"/>
+        <a:font script="Guru" typeface="Raavi"/>
+        <a:font script="Cans" typeface="Euphemia"/>
+        <a:font script="Cher" typeface="Plantagenet Cherokee"/>
+        <a:font script="Yiii" typeface="Microsoft Yi Baiti"/>
+        <a:font script="Tibt" typeface="Microsoft Himalaya"/>
+        <a:font script="Thaa" typeface="MV Boli"/>
+        <a:font script="Deva" typeface="Mangal"/>
+        <a:font script="Telu" typeface="Gautami"/>
+        <a:font script="Taml" typeface="Latha"/>
+        <a:font script="Syrc" typeface="Estrangelo Edessa"/>
+        <a:font script="Orya" typeface="Kalinga"/>
+        <a:font script="Mlym" typeface="Kartika"/>
+        <a:font script="Laoo" typeface="DokChampa"/>
+        <a:font script="Sinh" typeface="Iskoola Pota"/>
+        <a:font script="Mong" typeface="Mongolian Baiti"/>
+        <a:font script="Viet" typeface="Times New Roman"/>
+        <a:font script="Uigh" typeface="Microsoft Uighur"/>
+      </a:majorFont>
+      <a:minorFont>
+        <a:latin typeface="Calibri"/>
+        <a:ea typeface=""/>
+        <a:cs typeface=""/>
+        <a:font script="Jpan" typeface="ＭＳ Ｐゴシック"/>
+        <a:font script="Hang" typeface="맑은 고딕"/>
+        <a:font script="Hans" typeface="宋体"/>
+        <a:font script="Hant" typeface="新細明體"/>
+        <a:font script="Arab" typeface="Arial"/>
+        <a:font script="Hebr" typeface="Arial"/>
+        <a:font script="Thai" typeface="Cordia New"/>
+        <a:font script="Ethi" typeface="Nyala"/>
+        <a:font script="Beng" typeface="Vrinda"/>
+        <a:font script="Gujr" typeface="Shruti"/>
+        <a:font script="Khmr" typeface="DaunPenh"/>
+        <a:font script="Knda" typeface="Tunga"/>
+        <a:font script="Guru" typeface="Raavi"/>
+        <a:font script="Cans" typeface="Euphemia"/>
+        <a:font script="Cher" typeface="Plantagenet Cherokee"/>
+        <a:font script="Yiii" typeface="Microsoft Yi Baiti"/>
+        <a:font script="Tibt" typeface="Microsoft Himalaya"/>
+        <a:font script="Thaa" typeface="MV Boli"/>
+        <a:font script="Deva" typeface="Mangal"/>
+        <a:font script="Telu" typeface="Gautami"/>
+        <a:font script="Taml" typeface="Latha"/>
+        <a:font script="Syrc" typeface="Estrangelo Edessa"/>
+        <a:font script="Orya" typeface="Kalinga"/>
+        <a:font script="Mlym" typeface="Kartika"/>
+        <a:font script="Laoo" typeface="DokChampa"/>
+        <a:font script="Sinh" typeface="Iskoola Pota"/>
+        <a:font script="Mong" typeface="Mongolian Baiti"/>
+        <a:font script="Viet" typeface="Arial"/>
+        <a:font script="Uigh" typeface="Microsoft Uighur"/>
+      </a:minorFont>
+    </a:fontScheme>
+    <a:fmtScheme name="Стандартная">
+      <a:fillStyleLst>
+        <a:solidFill>
+          <a:schemeClr val="phClr"/>
+        </a:solidFill>
+        <a:gradFill rotWithShape="1">
+          <a:gsLst>
+            <a:gs pos="0">
+              <a:schemeClr val="phClr">
+                <a:tint val="50000"/>
+                <a:satMod val="300000"/>
+              </a:schemeClr>
+            </a:gs>
+            <a:gs pos="35000">
+              <a:schemeClr val="phClr">
+                <a:tint val="37000"/>
+                <a:satMod val="300000"/>
+              </a:schemeClr>
+            </a:gs>
+            <a:gs pos="100000">
+              <a:schemeClr val="phClr">
+                <a:tint val="15000"/>
+                <a:satMod val="350000"/>
+              </a:schemeClr>
+            </a:gs>
+          </a:gsLst>
+          <a:lin ang="16200000" scaled="1"/>
+        </a:gradFill>
+        <a:gradFill rotWithShape="1">
+          <a:gsLst>
+            <a:gs pos="0">
+              <a:schemeClr val="phClr">
+                <a:shade val="51000"/>
+                <a:satMod val="130000"/>
+              </a:schemeClr>
+            </a:gs>
+            <a:gs pos="80000">
+              <a:schemeClr val="phClr">
+                <a:shade val="93000"/>
+                <a:satMod val="130000"/>
+              </a:schemeClr>
+            </a:gs>
+            <a:gs pos="100000">
+              <a:schemeClr val="phClr">
+                <a:shade val="94000"/>
+                <a:satMod val="135000"/>
+              </a:schemeClr>
+            </a:gs>
+          </a:gsLst>
+          <a:lin ang="16200000" scaled="0"/>
+        </a:gradFill>
+      </a:fillStyleLst>
+      <a:lnStyleLst>
+        <a:ln w="9525" cap="flat" cmpd="sng" algn="ctr">
+          <a:solidFill>
+            <a:schemeClr val="phClr">
+              <a:shade val="95000"/>
+              <a:satMod val="105000"/>
+            </a:schemeClr>
+          </a:solidFill>
+          <a:prstDash val="solid"/>
+        </a:ln>
+        <a:ln w="25400" cap="flat" cmpd="sng" algn="ctr">
+          <a:solidFill>
+            <a:schemeClr val="phClr"/>
+          </a:solidFill>
+          <a:prstDash val="solid"/>
+        </a:ln>
+        <a:ln w="38100" cap="flat" cmpd="sng" algn="ctr">
+          <a:solidFill>
+            <a:schemeClr val="phClr"/>
+          </a:solidFill>
+          <a:prstDash val="solid"/>
+        </a:ln>
+      </a:lnStyleLst>
+      <a:effectStyleLst>
+        <a:effectStyle>
+          <a:effectLst>
+            <a:outerShdw blurRad="40000" dist="20000" dir="5400000" rotWithShape="0">
+              <a:srgbClr val="000000">
+                <a:alpha val="38000"/>
+              </a:srgbClr>
+            </a:outerShdw>
+          </a:effectLst>
+        </a:effectStyle>
+        <a:effectStyle>
+          <a:effectLst>
+            <a:outerShdw blurRad="40000" dist="23000" dir="5400000" rotWithShape="0">
+              <a:srgbClr val="000000">
+                <a:alpha val="35000"/>
+              </a:srgbClr>
+            </a:outerShdw>
+          </a:effectLst>
+        </a:effectStyle>
+        <a:effectStyle>
+          <a:effectLst>
+            <a:outerShdw blurRad="40000" dist="23000" dir="5400000" rotWithShape="0">
+              <a:srgbClr val="000000">
+                <a:alpha val="35000"/>
+              </a:srgbClr>
+            </a:outerShdw>
+          </a:effectLst>
+          <a:scene3d>
+            <a:camera prst="orthographicFront">
+              <a:rot lat="0" lon="0" rev="0"/>
+            </a:camera>
+            <a:lightRig rig="threePt" dir="t">
+              <a:rot lat="0" lon="0" rev="1200000"/>
+            </a:lightRig>
+          </a:scene3d>
+          <a:sp3d>
+            <a:bevelT w="63500" h="25400"/>
+          </a:sp3d>
+        </a:effectStyle>
+      </a:effectStyleLst>
+      <a:bgFillStyleLst>
+        <a:solidFill>
+          <a:schemeClr val="phClr"/>
+        </a:solidFill>
+        <a:gradFill rotWithShape="1">
+          <a:gsLst>
+            <a:gs pos="0">
+              <a:schemeClr val="phClr">
+                <a:tint val="40000"/>
+                <a:satMod val="350000"/>
+              </a:schemeClr>
+            </a:gs>
+            <a:gs pos="40000">
+              <a:schemeClr val="phClr">
+                <a:tint val="45000"/>
+                <a:shade val="99000"/>
+                <a:satMod val="350000"/>
+              </a:schemeClr>
+            </a:gs>
+            <a:gs pos="100000">
+              <a:schemeClr val="phClr">
+                <a:shade val="20000"/>
+                <a:satMod val="255000"/>
+              </a:schemeClr>
+            </a:gs>
+          </a:gsLst>
+          <a:path path="circle">
+            <a:fillToRect l="50000" t="-80000" r="50000" b="180000"/>
+          </a:path>
+        </a:gradFill>
+        <a:gradFill rotWithShape="1">
+          <a:gsLst>
+            <a:gs pos="0">
+              <a:schemeClr val="phClr">
+                <a:tint val="80000"/>
+                <a:satMod val="300000"/>
+              </a:schemeClr>
+            </a:gs>
+            <a:gs pos="100000">
+              <a:schemeClr val="phClr">
+                <a:shade val="30000"/>
+                <a:satMod val="200000"/>
+              </a:schemeClr>
+            </a:gs>
+          </a:gsLst>
+          <a:path path="circle">
+            <a:fillToRect l="50000" t="50000" r="50000" b="50000"/>
+          </a:path>
+        </a:gradFill>
+      </a:bgFillStyleLst>
+    </a:fmtScheme>
+  </a:themeElements>
+  <a:objectDefaults/>
+  <a:extraClrSchemeLst/>
+</a:theme>
 </file>
--- a/trunk/Docs/Medias2012.pptx
+++ b/trunk/Docs/Medias2012.pptx
@@ -5,25 +5,22 @@
     <p:sldMasterId id="2147483792" r:id="rId1"/>
   </p:sldMasterIdLst>
   <p:notesMasterIdLst>
-    <p:notesMasterId r:id="rId18"/>
+    <p:notesMasterId r:id="rId15"/>
   </p:notesMasterIdLst>
   <p:sldIdLst>
     <p:sldId id="270" r:id="rId2"/>
-    <p:sldId id="262" r:id="rId3"/>
-    <p:sldId id="274" r:id="rId4"/>
-    <p:sldId id="272" r:id="rId5"/>
-    <p:sldId id="273" r:id="rId6"/>
-    <p:sldId id="268" r:id="rId7"/>
-    <p:sldId id="275" r:id="rId8"/>
-    <p:sldId id="276" r:id="rId9"/>
-    <p:sldId id="277" r:id="rId10"/>
-    <p:sldId id="279" r:id="rId11"/>
-    <p:sldId id="280" r:id="rId12"/>
-    <p:sldId id="281" r:id="rId13"/>
-    <p:sldId id="283" r:id="rId14"/>
-    <p:sldId id="284" r:id="rId15"/>
-    <p:sldId id="282" r:id="rId16"/>
-    <p:sldId id="259" r:id="rId17"/>
+    <p:sldId id="286" r:id="rId3"/>
+    <p:sldId id="262" r:id="rId4"/>
+    <p:sldId id="274" r:id="rId5"/>
+    <p:sldId id="272" r:id="rId6"/>
+    <p:sldId id="275" r:id="rId7"/>
+    <p:sldId id="279" r:id="rId8"/>
+    <p:sldId id="281" r:id="rId9"/>
+    <p:sldId id="283" r:id="rId10"/>
+    <p:sldId id="284" r:id="rId11"/>
+    <p:sldId id="282" r:id="rId12"/>
+    <p:sldId id="285" r:id="rId13"/>
+    <p:sldId id="259" r:id="rId14"/>
   </p:sldIdLst>
   <p:sldSz cx="9144000" cy="6858000" type="screen4x3"/>
   <p:notesSz cx="6858000" cy="9144000"/>
@@ -207,6 +204,7 @@
           <a:p>
             <a:fld id="{D5F21F59-A2F3-40A5-BC70-CC5334A638ED}" type="datetimeFigureOut">
               <a:rPr lang="ru-RU" smtClean="0"/>
+              <a:pPr/>
               <a:t>10.05.2012</a:t>
             </a:fld>
             <a:endParaRPr lang="ru-RU"/>
@@ -368,6 +366,7 @@
           <a:p>
             <a:fld id="{9401EB68-DA19-48A2-B911-6AD702F2F582}" type="slidenum">
               <a:rPr lang="ru-RU" smtClean="0"/>
+              <a:pPr/>
               <a:t>‹#›</a:t>
             </a:fld>
             <a:endParaRPr lang="ru-RU"/>
@@ -472,6 +471,88 @@
 </p:notesMaster>
 </file>
 
+<file path=ppt/notesSlides/notesSlide1.xml><?xml version="1.0" encoding="utf-8"?>
+<p:notes xmlns:a="http://schemas.openxmlformats.org/drawingml/2006/main" xmlns:r="http://schemas.openxmlformats.org/officeDocument/2006/relationships" xmlns:p="http://schemas.openxmlformats.org/presentationml/2006/main">
+  <p:cSld>
+    <p:spTree>
+      <p:nvGrpSpPr>
+        <p:cNvPr id="1" name=""/>
+        <p:cNvGrpSpPr/>
+        <p:nvPr/>
+      </p:nvGrpSpPr>
+      <p:grpSpPr>
+        <a:xfrm>
+          <a:off x="0" y="0"/>
+          <a:ext cx="0" cy="0"/>
+          <a:chOff x="0" y="0"/>
+          <a:chExt cx="0" cy="0"/>
+        </a:xfrm>
+      </p:grpSpPr>
+      <p:sp>
+        <p:nvSpPr>
+          <p:cNvPr id="2" name="Образ слайда 1"/>
+          <p:cNvSpPr>
+            <a:spLocks noGrp="1" noRot="1" noChangeAspect="1"/>
+          </p:cNvSpPr>
+          <p:nvPr>
+            <p:ph type="sldImg"/>
+          </p:nvPr>
+        </p:nvSpPr>
+        <p:spPr/>
+      </p:sp>
+      <p:sp>
+        <p:nvSpPr>
+          <p:cNvPr id="3" name="Заметки 2"/>
+          <p:cNvSpPr>
+            <a:spLocks noGrp="1"/>
+          </p:cNvSpPr>
+          <p:nvPr>
+            <p:ph type="body" idx="1"/>
+          </p:nvPr>
+        </p:nvSpPr>
+        <p:spPr/>
+        <p:txBody>
+          <a:bodyPr>
+            <a:normAutofit/>
+          </a:bodyPr>
+          <a:lstStyle/>
+          <a:p>
+            <a:endParaRPr lang="ru-RU" dirty="0"/>
+          </a:p>
+        </p:txBody>
+      </p:sp>
+      <p:sp>
+        <p:nvSpPr>
+          <p:cNvPr id="4" name="Номер слайда 3"/>
+          <p:cNvSpPr>
+            <a:spLocks noGrp="1"/>
+          </p:cNvSpPr>
+          <p:nvPr>
+            <p:ph type="sldNum" sz="quarter" idx="10"/>
+          </p:nvPr>
+        </p:nvSpPr>
+        <p:spPr/>
+        <p:txBody>
+          <a:bodyPr/>
+          <a:lstStyle/>
+          <a:p>
+            <a:fld id="{9401EB68-DA19-48A2-B911-6AD702F2F582}" type="slidenum">
+              <a:rPr lang="ru-RU" smtClean="0"/>
+              <a:pPr/>
+              <a:t>6</a:t>
+            </a:fld>
+            <a:endParaRPr lang="ru-RU"/>
+          </a:p>
+        </p:txBody>
+      </p:sp>
+    </p:spTree>
+  </p:cSld>
+  <p:clrMapOvr>
+    <a:masterClrMapping/>
+  </p:clrMapOvr>
+</p:notes>
+</file>
+
 <file path=ppt/slideLayouts/slideLayout1.xml><?xml version="1.0" encoding="utf-8"?>
 <p:sldLayout xmlns:a="http://schemas.openxmlformats.org/drawingml/2006/main" xmlns:r="http://schemas.openxmlformats.org/officeDocument/2006/relationships" xmlns:p="http://schemas.openxmlformats.org/presentationml/2006/main" showMasterSp="0" type="title" preserve="1">
   <p:cSld name="Титульный слайд">
@@ -508,6 +589,7 @@
           <a:p>
             <a:fld id="{E2B41AE0-3280-4107-AAF9-23CCED5B6FE9}" type="datetime1">
               <a:rPr lang="ru-RU" smtClean="0"/>
+              <a:pPr/>
               <a:t>10.05.2012</a:t>
             </a:fld>
             <a:endParaRPr lang="ru-RU"/>
@@ -1226,6 +1308,7 @@
           <a:p>
             <a:fld id="{CCCAC9CA-0366-4239-9AE2-8D59776CA729}" type="datetime1">
               <a:rPr lang="ru-RU" smtClean="0"/>
+              <a:pPr/>
               <a:t>10.05.2012</a:t>
             </a:fld>
             <a:endParaRPr lang="ru-RU"/>
@@ -1412,6 +1495,7 @@
           <a:p>
             <a:fld id="{F7958F22-B389-4E3E-A84A-528307C4FDAC}" type="datetime1">
               <a:rPr lang="ru-RU" smtClean="0"/>
+              <a:pPr/>
               <a:t>10.05.2012</a:t>
             </a:fld>
             <a:endParaRPr lang="ru-RU"/>
@@ -1588,6 +1672,7 @@
           <a:p>
             <a:fld id="{D58B9A2A-4767-4501-9E7A-4E4CB04CF059}" type="datetime1">
               <a:rPr lang="ru-RU" smtClean="0"/>
+              <a:pPr/>
               <a:t>10.05.2012</a:t>
             </a:fld>
             <a:endParaRPr lang="ru-RU"/>
@@ -3072,6 +3157,7 @@
           <a:p>
             <a:fld id="{775B9AB2-84D9-4CC2-9EC0-A59D029FBE3E}" type="datetime1">
               <a:rPr lang="ru-RU" smtClean="0"/>
+              <a:pPr/>
               <a:t>10.05.2012</a:t>
             </a:fld>
             <a:endParaRPr lang="ru-RU"/>
@@ -3673,6 +3759,7 @@
           <a:p>
             <a:fld id="{96598D1C-CF83-4A57-B5FA-160DA451E48F}" type="datetime1">
               <a:rPr lang="ru-RU" smtClean="0"/>
+              <a:pPr/>
               <a:t>10.05.2012</a:t>
             </a:fld>
             <a:endParaRPr lang="ru-RU"/>
@@ -4111,6 +4198,7 @@
           <a:p>
             <a:fld id="{24FB2AA9-5C18-4C60-A838-A24BE9549475}" type="datetime1">
               <a:rPr lang="ru-RU" smtClean="0"/>
+              <a:pPr/>
               <a:t>10.05.2012</a:t>
             </a:fld>
             <a:endParaRPr lang="ru-RU"/>
@@ -4673,6 +4761,7 @@
           <a:p>
             <a:fld id="{B67074EE-FDF4-4D72-A4BF-58B3BC26637B}" type="datetime1">
               <a:rPr lang="ru-RU" smtClean="0"/>
+              <a:pPr/>
               <a:t>10.05.2012</a:t>
             </a:fld>
             <a:endParaRPr lang="ru-RU"/>
@@ -4770,6 +4859,7 @@
           <a:p>
             <a:fld id="{97E96698-1C36-4A1A-B25F-A551C7360DBE}" type="datetime1">
               <a:rPr lang="ru-RU" smtClean="0"/>
+              <a:pPr/>
               <a:t>10.05.2012</a:t>
             </a:fld>
             <a:endParaRPr lang="ru-RU"/>
@@ -5025,6 +5115,7 @@
           <a:p>
             <a:fld id="{85AB3C28-C807-466B-82BB-4EBE6B4083B6}" type="datetime1">
               <a:rPr lang="ru-RU" smtClean="0"/>
+              <a:pPr/>
               <a:t>10.05.2012</a:t>
             </a:fld>
             <a:endParaRPr lang="ru-RU"/>
@@ -5747,6 +5838,7 @@
           <a:p>
             <a:fld id="{22A2C5FB-1910-420D-990B-35B474D83D19}" type="datetime1">
               <a:rPr lang="ru-RU" smtClean="0"/>
+              <a:pPr/>
               <a:t>10.05.2012</a:t>
             </a:fld>
             <a:endParaRPr lang="ru-RU"/>
@@ -6421,6 +6513,7 @@
           <a:p>
             <a:fld id="{AAE38AD9-EAA4-4E7E-B4CD-EC1C807156F4}" type="datetime1">
               <a:rPr lang="ru-RU" smtClean="0"/>
+              <a:pPr/>
               <a:t>10.05.2012</a:t>
             </a:fld>
             <a:endParaRPr lang="ru-RU"/>
@@ -6918,105 +7011,7 @@
       </p:grpSpPr>
       <p:sp>
         <p:nvSpPr>
-          <p:cNvPr id="2" name="Заголовок 1"/>
-          <p:cNvSpPr>
-            <a:spLocks noGrp="1"/>
-          </p:cNvSpPr>
-          <p:nvPr>
-            <p:ph type="title"/>
-          </p:nvPr>
-        </p:nvSpPr>
-        <p:spPr/>
-        <p:txBody>
-          <a:bodyPr/>
-          <a:lstStyle/>
-          <a:p>
-            <a:r>
-              <a:rPr lang="ru-RU" sz="3600" dirty="0" smtClean="0"/>
-              <a:t>Средства </a:t>
-            </a:r>
-            <a:r>
-              <a:rPr lang="ru-RU" sz="3600" dirty="0" err="1" smtClean="0"/>
-              <a:t>журналирования</a:t>
-            </a:r>
-            <a:r>
-              <a:rPr lang="ru-RU" sz="3600" dirty="0" smtClean="0"/>
-              <a:t> и анализа</a:t>
-            </a:r>
-            <a:endParaRPr lang="ru-RU" sz="3600" dirty="0"/>
-          </a:p>
-        </p:txBody>
-      </p:sp>
-      <p:sp>
-        <p:nvSpPr>
-          <p:cNvPr id="3" name="Содержимое 2"/>
-          <p:cNvSpPr>
-            <a:spLocks noGrp="1"/>
-          </p:cNvSpPr>
-          <p:nvPr>
-            <p:ph idx="1"/>
-          </p:nvPr>
-        </p:nvSpPr>
-        <p:spPr/>
-        <p:txBody>
-          <a:bodyPr>
-            <a:normAutofit/>
-          </a:bodyPr>
-          <a:lstStyle/>
-          <a:p>
-            <a:r>
-              <a:rPr lang="ru-RU" dirty="0" smtClean="0"/>
-              <a:t>Запись данных в файл для дальнейшей </a:t>
-            </a:r>
-            <a:r>
-              <a:rPr lang="ru-RU" dirty="0" smtClean="0"/>
-              <a:t>обработки в пакетах математического моделирования</a:t>
-            </a:r>
-            <a:endParaRPr lang="ru-RU" dirty="0" smtClean="0"/>
-          </a:p>
-          <a:p>
-            <a:r>
-              <a:rPr lang="ru-RU" dirty="0" smtClean="0"/>
-              <a:t>Вывод графиков в режиме реального времени</a:t>
-            </a:r>
-          </a:p>
-          <a:p>
-            <a:r>
-              <a:rPr lang="ru-RU" dirty="0" smtClean="0"/>
-              <a:t>Индикаторы:</a:t>
-            </a:r>
-          </a:p>
-          <a:p>
-            <a:pPr lvl="1"/>
-            <a:r>
-              <a:rPr lang="ru-RU" dirty="0" smtClean="0"/>
-              <a:t>Крена</a:t>
-            </a:r>
-          </a:p>
-          <a:p>
-            <a:pPr lvl="1"/>
-            <a:r>
-              <a:rPr lang="ru-RU" dirty="0" err="1" smtClean="0"/>
-              <a:t>Тангажа</a:t>
-            </a:r>
-            <a:endParaRPr lang="ru-RU" dirty="0" smtClean="0"/>
-          </a:p>
-          <a:p>
-            <a:pPr lvl="1"/>
-            <a:r>
-              <a:rPr lang="ru-RU" dirty="0" smtClean="0"/>
-              <a:t>Курса</a:t>
-            </a:r>
-          </a:p>
-          <a:p>
-            <a:pPr lvl="1"/>
-            <a:endParaRPr lang="ru-RU" dirty="0"/>
-          </a:p>
-        </p:txBody>
-      </p:sp>
-      <p:sp>
-        <p:nvSpPr>
-          <p:cNvPr id="10" name="Номер слайда 9"/>
+          <p:cNvPr id="5" name="Номер слайда 4"/>
           <p:cNvSpPr>
             <a:spLocks noGrp="1"/>
           </p:cNvSpPr>
@@ -7035,488 +7030,6 @@
               <a:t>10</a:t>
             </a:fld>
             <a:endParaRPr lang="ru-RU"/>
-          </a:p>
-        </p:txBody>
-      </p:sp>
-    </p:spTree>
-  </p:cSld>
-  <p:clrMapOvr>
-    <a:masterClrMapping/>
-  </p:clrMapOvr>
-  <p:timing>
-    <p:tnLst>
-      <p:par>
-        <p:cTn id="1" dur="indefinite" restart="never" nodeType="tmRoot"/>
-      </p:par>
-    </p:tnLst>
-  </p:timing>
-</p:sld>
-</file>
-
-<file path=ppt/slides/slide11.xml><?xml version="1.0" encoding="utf-8"?>
-<p:sld xmlns:a="http://schemas.openxmlformats.org/drawingml/2006/main" xmlns:r="http://schemas.openxmlformats.org/officeDocument/2006/relationships" xmlns:p="http://schemas.openxmlformats.org/presentationml/2006/main">
-  <p:cSld>
-    <p:spTree>
-      <p:nvGrpSpPr>
-        <p:cNvPr id="1" name=""/>
-        <p:cNvGrpSpPr/>
-        <p:nvPr/>
-      </p:nvGrpSpPr>
-      <p:grpSpPr>
-        <a:xfrm>
-          <a:off x="0" y="0"/>
-          <a:ext cx="0" cy="0"/>
-          <a:chOff x="0" y="0"/>
-          <a:chExt cx="0" cy="0"/>
-        </a:xfrm>
-      </p:grpSpPr>
-      <p:sp>
-        <p:nvSpPr>
-          <p:cNvPr id="2" name="Заголовок 1"/>
-          <p:cNvSpPr>
-            <a:spLocks noGrp="1"/>
-          </p:cNvSpPr>
-          <p:nvPr>
-            <p:ph type="title"/>
-          </p:nvPr>
-        </p:nvSpPr>
-        <p:spPr/>
-        <p:txBody>
-          <a:bodyPr/>
-          <a:lstStyle/>
-          <a:p>
-            <a:r>
-              <a:rPr lang="ru-RU" sz="3600" dirty="0" smtClean="0"/>
-              <a:t>Телеметрия БПЛА</a:t>
-            </a:r>
-            <a:endParaRPr lang="ru-RU" sz="3600" dirty="0"/>
-          </a:p>
-        </p:txBody>
-      </p:sp>
-      <p:sp>
-        <p:nvSpPr>
-          <p:cNvPr id="3" name="Содержимое 2"/>
-          <p:cNvSpPr>
-            <a:spLocks noGrp="1"/>
-          </p:cNvSpPr>
-          <p:nvPr>
-            <p:ph sz="half" idx="1"/>
-          </p:nvPr>
-        </p:nvSpPr>
-        <p:spPr/>
-        <p:txBody>
-          <a:bodyPr/>
-          <a:lstStyle/>
-          <a:p>
-            <a:r>
-              <a:rPr lang="ru-RU" dirty="0" smtClean="0"/>
-              <a:t>Акселерометр</a:t>
-            </a:r>
-          </a:p>
-          <a:p>
-            <a:r>
-              <a:rPr lang="ru-RU" dirty="0" smtClean="0"/>
-              <a:t>Гироскоп</a:t>
-            </a:r>
-          </a:p>
-          <a:p>
-            <a:r>
-              <a:rPr lang="ru-RU" dirty="0" smtClean="0"/>
-              <a:t>Барометр</a:t>
-            </a:r>
-          </a:p>
-          <a:p>
-            <a:r>
-              <a:rPr lang="ru-RU" dirty="0" smtClean="0"/>
-              <a:t>Магнитометр</a:t>
-            </a:r>
-          </a:p>
-          <a:p>
-            <a:r>
-              <a:rPr lang="ru-RU" dirty="0" smtClean="0"/>
-              <a:t>Сонар</a:t>
-            </a:r>
-            <a:endParaRPr lang="ru-RU" dirty="0"/>
-          </a:p>
-        </p:txBody>
-      </p:sp>
-      <p:sp>
-        <p:nvSpPr>
-          <p:cNvPr id="4" name="Номер слайда 3"/>
-          <p:cNvSpPr>
-            <a:spLocks noGrp="1"/>
-          </p:cNvSpPr>
-          <p:nvPr>
-            <p:ph type="sldNum" sz="quarter" idx="12"/>
-          </p:nvPr>
-        </p:nvSpPr>
-        <p:spPr/>
-        <p:txBody>
-          <a:bodyPr/>
-          <a:lstStyle/>
-          <a:p>
-            <a:fld id="{725C68B6-61C2-468F-89AB-4B9F7531AA68}" type="slidenum">
-              <a:rPr lang="ru-RU" smtClean="0"/>
-              <a:pPr/>
-              <a:t>11</a:t>
-            </a:fld>
-            <a:endParaRPr lang="ru-RU"/>
-          </a:p>
-        </p:txBody>
-      </p:sp>
-      <p:pic>
-        <p:nvPicPr>
-          <p:cNvPr id="8" name="Содержимое 7" descr="10121-01.jpg"/>
-          <p:cNvPicPr>
-            <a:picLocks noGrp="1" noChangeAspect="1"/>
-          </p:cNvPicPr>
-          <p:nvPr>
-            <p:ph sz="half" idx="2"/>
-          </p:nvPr>
-        </p:nvPicPr>
-        <p:blipFill>
-          <a:blip r:embed="rId2" cstate="print"/>
-          <a:stretch>
-            <a:fillRect/>
-          </a:stretch>
-        </p:blipFill>
-        <p:spPr>
-          <a:xfrm>
-            <a:off x="4572000" y="1484784"/>
-            <a:ext cx="2801814" cy="2801814"/>
-          </a:xfrm>
-        </p:spPr>
-      </p:pic>
-    </p:spTree>
-  </p:cSld>
-  <p:clrMapOvr>
-    <a:masterClrMapping/>
-  </p:clrMapOvr>
-  <p:timing>
-    <p:tnLst>
-      <p:par>
-        <p:cTn id="1" dur="indefinite" restart="never" nodeType="tmRoot"/>
-      </p:par>
-    </p:tnLst>
-  </p:timing>
-</p:sld>
-</file>
-
-<file path=ppt/slides/slide12.xml><?xml version="1.0" encoding="utf-8"?>
-<p:sld xmlns:a="http://schemas.openxmlformats.org/drawingml/2006/main" xmlns:r="http://schemas.openxmlformats.org/officeDocument/2006/relationships" xmlns:p="http://schemas.openxmlformats.org/presentationml/2006/main">
-  <p:cSld>
-    <p:spTree>
-      <p:nvGrpSpPr>
-        <p:cNvPr id="1" name=""/>
-        <p:cNvGrpSpPr/>
-        <p:nvPr/>
-      </p:nvGrpSpPr>
-      <p:grpSpPr>
-        <a:xfrm>
-          <a:off x="0" y="0"/>
-          <a:ext cx="0" cy="0"/>
-          <a:chOff x="0" y="0"/>
-          <a:chExt cx="0" cy="0"/>
-        </a:xfrm>
-      </p:grpSpPr>
-      <p:sp>
-        <p:nvSpPr>
-          <p:cNvPr id="2" name="Заголовок 1"/>
-          <p:cNvSpPr>
-            <a:spLocks noGrp="1"/>
-          </p:cNvSpPr>
-          <p:nvPr>
-            <p:ph type="title"/>
-          </p:nvPr>
-        </p:nvSpPr>
-        <p:spPr/>
-        <p:txBody>
-          <a:bodyPr/>
-          <a:lstStyle/>
-          <a:p>
-            <a:r>
-              <a:rPr lang="ru-RU" sz="3600" dirty="0" smtClean="0"/>
-              <a:t>Система оптического захвата движения (1)</a:t>
-            </a:r>
-            <a:endParaRPr lang="ru-RU" sz="3600" dirty="0"/>
-          </a:p>
-        </p:txBody>
-      </p:sp>
-      <p:sp>
-        <p:nvSpPr>
-          <p:cNvPr id="4" name="Содержимое 3"/>
-          <p:cNvSpPr>
-            <a:spLocks noGrp="1"/>
-          </p:cNvSpPr>
-          <p:nvPr>
-            <p:ph sz="half" idx="1"/>
-          </p:nvPr>
-        </p:nvSpPr>
-        <p:spPr/>
-        <p:txBody>
-          <a:bodyPr/>
-          <a:lstStyle/>
-          <a:p>
-            <a:r>
-              <a:rPr lang="ru-RU" dirty="0" smtClean="0"/>
-              <a:t>Необходима высокая точность</a:t>
-            </a:r>
-            <a:endParaRPr lang="ru-RU" dirty="0" smtClean="0"/>
-          </a:p>
-        </p:txBody>
-      </p:sp>
-      <p:sp>
-        <p:nvSpPr>
-          <p:cNvPr id="5" name="Содержимое 4"/>
-          <p:cNvSpPr>
-            <a:spLocks noGrp="1"/>
-          </p:cNvSpPr>
-          <p:nvPr>
-            <p:ph sz="half" idx="2"/>
-          </p:nvPr>
-        </p:nvSpPr>
-        <p:spPr/>
-        <p:txBody>
-          <a:bodyPr/>
-          <a:lstStyle/>
-          <a:p>
-            <a:endParaRPr lang="ru-RU" dirty="0"/>
-          </a:p>
-        </p:txBody>
-      </p:sp>
-      <p:sp>
-        <p:nvSpPr>
-          <p:cNvPr id="6" name="Номер слайда 5"/>
-          <p:cNvSpPr>
-            <a:spLocks noGrp="1"/>
-          </p:cNvSpPr>
-          <p:nvPr>
-            <p:ph type="sldNum" sz="quarter" idx="12"/>
-          </p:nvPr>
-        </p:nvSpPr>
-        <p:spPr/>
-        <p:txBody>
-          <a:bodyPr/>
-          <a:lstStyle/>
-          <a:p>
-            <a:fld id="{725C68B6-61C2-468F-89AB-4B9F7531AA68}" type="slidenum">
-              <a:rPr lang="ru-RU" smtClean="0"/>
-              <a:pPr/>
-              <a:t>12</a:t>
-            </a:fld>
-            <a:endParaRPr lang="ru-RU"/>
-          </a:p>
-        </p:txBody>
-      </p:sp>
-    </p:spTree>
-  </p:cSld>
-  <p:clrMapOvr>
-    <a:masterClrMapping/>
-  </p:clrMapOvr>
-  <p:timing>
-    <p:tnLst>
-      <p:par>
-        <p:cTn id="1" dur="indefinite" restart="never" nodeType="tmRoot"/>
-      </p:par>
-    </p:tnLst>
-  </p:timing>
-</p:sld>
-</file>
-
-<file path=ppt/slides/slide13.xml><?xml version="1.0" encoding="utf-8"?>
-<p:sld xmlns:a="http://schemas.openxmlformats.org/drawingml/2006/main" xmlns:r="http://schemas.openxmlformats.org/officeDocument/2006/relationships" xmlns:p="http://schemas.openxmlformats.org/presentationml/2006/main">
-  <p:cSld>
-    <p:spTree>
-      <p:nvGrpSpPr>
-        <p:cNvPr id="1" name=""/>
-        <p:cNvGrpSpPr/>
-        <p:nvPr/>
-      </p:nvGrpSpPr>
-      <p:grpSpPr>
-        <a:xfrm>
-          <a:off x="0" y="0"/>
-          <a:ext cx="0" cy="0"/>
-          <a:chOff x="0" y="0"/>
-          <a:chExt cx="0" cy="0"/>
-        </a:xfrm>
-      </p:grpSpPr>
-      <p:sp>
-        <p:nvSpPr>
-          <p:cNvPr id="2" name="Заголовок 1"/>
-          <p:cNvSpPr>
-            <a:spLocks noGrp="1"/>
-          </p:cNvSpPr>
-          <p:nvPr>
-            <p:ph type="title"/>
-          </p:nvPr>
-        </p:nvSpPr>
-        <p:spPr/>
-        <p:txBody>
-          <a:bodyPr/>
-          <a:lstStyle/>
-          <a:p>
-            <a:r>
-              <a:rPr lang="ru-RU" sz="3600" dirty="0" smtClean="0"/>
-              <a:t>Система оптического захвата движения (2)</a:t>
-            </a:r>
-            <a:endParaRPr lang="ru-RU" sz="3600" dirty="0"/>
-          </a:p>
-        </p:txBody>
-      </p:sp>
-      <p:sp>
-        <p:nvSpPr>
-          <p:cNvPr id="3" name="Содержимое 2"/>
-          <p:cNvSpPr>
-            <a:spLocks noGrp="1"/>
-          </p:cNvSpPr>
-          <p:nvPr>
-            <p:ph sz="half" idx="1"/>
-          </p:nvPr>
-        </p:nvSpPr>
-        <p:spPr>
-          <a:xfrm>
-            <a:off x="107504" y="2204864"/>
-            <a:ext cx="3315568" cy="4525963"/>
-          </a:xfrm>
-        </p:spPr>
-        <p:txBody>
-          <a:bodyPr/>
-          <a:lstStyle/>
-          <a:p>
-            <a:r>
-              <a:rPr lang="en-US" dirty="0" err="1" smtClean="0"/>
-              <a:t>Vicon</a:t>
-            </a:r>
-            <a:r>
-              <a:rPr lang="en-US" dirty="0" smtClean="0"/>
-              <a:t> Tracker</a:t>
-            </a:r>
-          </a:p>
-          <a:p>
-            <a:pPr lvl="1"/>
-            <a:r>
-              <a:rPr lang="ru-RU" dirty="0" smtClean="0"/>
-              <a:t>Высокая точность</a:t>
-            </a:r>
-          </a:p>
-          <a:p>
-            <a:pPr lvl="1"/>
-            <a:r>
-              <a:rPr lang="ru-RU" dirty="0" smtClean="0"/>
-              <a:t>Отслеживание твердых тел</a:t>
-            </a:r>
-          </a:p>
-          <a:p>
-            <a:pPr lvl="1"/>
-            <a:r>
-              <a:rPr lang="ru-RU" dirty="0" smtClean="0"/>
-              <a:t>Создание собственных объектов</a:t>
-            </a:r>
-          </a:p>
-          <a:p>
-            <a:endParaRPr lang="ru-RU" dirty="0"/>
-          </a:p>
-        </p:txBody>
-      </p:sp>
-      <p:pic>
-        <p:nvPicPr>
-          <p:cNvPr id="5" name="Содержимое 4" descr="tracker-01-lrg.jpg"/>
-          <p:cNvPicPr>
-            <a:picLocks noGrp="1" noChangeAspect="1"/>
-          </p:cNvPicPr>
-          <p:nvPr>
-            <p:ph sz="half" idx="2"/>
-          </p:nvPr>
-        </p:nvPicPr>
-        <p:blipFill>
-          <a:blip r:embed="rId2" cstate="print"/>
-          <a:stretch>
-            <a:fillRect/>
-          </a:stretch>
-        </p:blipFill>
-        <p:spPr>
-          <a:xfrm>
-            <a:off x="3491880" y="2204864"/>
-            <a:ext cx="5328592" cy="3234160"/>
-          </a:xfrm>
-        </p:spPr>
-      </p:pic>
-      <p:sp>
-        <p:nvSpPr>
-          <p:cNvPr id="6" name="Номер слайда 5"/>
-          <p:cNvSpPr>
-            <a:spLocks noGrp="1"/>
-          </p:cNvSpPr>
-          <p:nvPr>
-            <p:ph type="sldNum" sz="quarter" idx="12"/>
-          </p:nvPr>
-        </p:nvSpPr>
-        <p:spPr/>
-        <p:txBody>
-          <a:bodyPr/>
-          <a:lstStyle/>
-          <a:p>
-            <a:fld id="{725C68B6-61C2-468F-89AB-4B9F7531AA68}" type="slidenum">
-              <a:rPr lang="ru-RU" smtClean="0"/>
-              <a:pPr/>
-              <a:t>13</a:t>
-            </a:fld>
-            <a:endParaRPr lang="ru-RU"/>
-          </a:p>
-        </p:txBody>
-      </p:sp>
-    </p:spTree>
-  </p:cSld>
-  <p:clrMapOvr>
-    <a:masterClrMapping/>
-  </p:clrMapOvr>
-  <p:timing>
-    <p:tnLst>
-      <p:par>
-        <p:cTn id="1" dur="indefinite" restart="never" nodeType="tmRoot"/>
-      </p:par>
-    </p:tnLst>
-  </p:timing>
-</p:sld>
-</file>
-
-<file path=ppt/slides/slide14.xml><?xml version="1.0" encoding="utf-8"?>
-<p:sld xmlns:a="http://schemas.openxmlformats.org/drawingml/2006/main" xmlns:r="http://schemas.openxmlformats.org/officeDocument/2006/relationships" xmlns:p="http://schemas.openxmlformats.org/presentationml/2006/main">
-  <p:cSld>
-    <p:spTree>
-      <p:nvGrpSpPr>
-        <p:cNvPr id="1" name=""/>
-        <p:cNvGrpSpPr/>
-        <p:nvPr/>
-      </p:nvGrpSpPr>
-      <p:grpSpPr>
-        <a:xfrm>
-          <a:off x="0" y="0"/>
-          <a:ext cx="0" cy="0"/>
-          <a:chOff x="0" y="0"/>
-          <a:chExt cx="0" cy="0"/>
-        </a:xfrm>
-      </p:grpSpPr>
-      <p:sp>
-        <p:nvSpPr>
-          <p:cNvPr id="2" name="Заголовок 1"/>
-          <p:cNvSpPr>
-            <a:spLocks noGrp="1"/>
-          </p:cNvSpPr>
-          <p:nvPr>
-            <p:ph type="title"/>
-          </p:nvPr>
-        </p:nvSpPr>
-        <p:spPr/>
-        <p:txBody>
-          <a:bodyPr/>
-          <a:lstStyle/>
-          <a:p>
-            <a:r>
-              <a:rPr lang="ru-RU" sz="3600" dirty="0" smtClean="0"/>
-              <a:t>Система оптического захвата движения (3)</a:t>
-            </a:r>
-            <a:endParaRPr lang="ru-RU" sz="3600" dirty="0"/>
           </a:p>
         </p:txBody>
       </p:sp>
@@ -7529,7 +7042,7 @@
             <a:picLocks noGrp="1" noRot="1" noChangeAspect="1"/>
           </p:cNvPicPr>
           <p:nvPr>
-            <p:ph idx="1"/>
+            <p:ph idx="4294967295"/>
             <a:videoFile r:link="rId1"/>
           </p:nvPr>
         </p:nvPicPr>
@@ -7541,38 +7054,14 @@
         </p:blipFill>
         <p:spPr>
           <a:xfrm>
-            <a:off x="1752600" y="1784350"/>
-            <a:ext cx="6096000" cy="4572000"/>
+            <a:off x="323528" y="188640"/>
+            <a:ext cx="8568952" cy="6426714"/>
           </a:xfrm>
           <a:prstGeom prst="rect">
             <a:avLst/>
           </a:prstGeom>
         </p:spPr>
       </p:pic>
-      <p:sp>
-        <p:nvSpPr>
-          <p:cNvPr id="5" name="Номер слайда 4"/>
-          <p:cNvSpPr>
-            <a:spLocks noGrp="1"/>
-          </p:cNvSpPr>
-          <p:nvPr>
-            <p:ph type="sldNum" sz="quarter" idx="12"/>
-          </p:nvPr>
-        </p:nvSpPr>
-        <p:spPr/>
-        <p:txBody>
-          <a:bodyPr/>
-          <a:lstStyle/>
-          <a:p>
-            <a:fld id="{725C68B6-61C2-468F-89AB-4B9F7531AA68}" type="slidenum">
-              <a:rPr lang="ru-RU" smtClean="0"/>
-              <a:pPr/>
-              <a:t>14</a:t>
-            </a:fld>
-            <a:endParaRPr lang="ru-RU"/>
-          </a:p>
-        </p:txBody>
-      </p:sp>
     </p:spTree>
   </p:cSld>
   <p:clrMapOvr>
@@ -7731,7 +7220,7 @@
 </p:sld>
 </file>
 
-<file path=ppt/slides/slide15.xml><?xml version="1.0" encoding="utf-8"?>
+<file path=ppt/slides/slide11.xml><?xml version="1.0" encoding="utf-8"?>
 <p:sld xmlns:a="http://schemas.openxmlformats.org/drawingml/2006/main" xmlns:r="http://schemas.openxmlformats.org/officeDocument/2006/relationships" xmlns:p="http://schemas.openxmlformats.org/presentationml/2006/main">
   <p:cSld>
     <p:spTree>
@@ -7783,79 +7272,110 @@
         </p:nvSpPr>
         <p:spPr>
           <a:xfrm>
-            <a:off x="107504" y="1772816"/>
-            <a:ext cx="3243560" cy="4466811"/>
+            <a:off x="107504" y="1772817"/>
+            <a:ext cx="3243560" cy="3960440"/>
           </a:xfrm>
         </p:spPr>
         <p:txBody>
           <a:bodyPr>
-            <a:normAutofit fontScale="85000" lnSpcReduction="10000"/>
+            <a:normAutofit/>
           </a:bodyPr>
           <a:lstStyle/>
           <a:p>
             <a:r>
-              <a:rPr lang="ru-RU" dirty="0" smtClean="0"/>
+              <a:rPr lang="ru-RU" sz="2400" dirty="0" smtClean="0">
+                <a:solidFill>
+                  <a:srgbClr val="92D050"/>
+                </a:solidFill>
+              </a:rPr>
               <a:t>Ручное</a:t>
             </a:r>
           </a:p>
           <a:p>
             <a:pPr lvl="1"/>
             <a:r>
-              <a:rPr lang="ru-RU" dirty="0" smtClean="0"/>
+              <a:rPr lang="ru-RU" sz="2000" dirty="0" smtClean="0">
+                <a:solidFill>
+                  <a:srgbClr val="92D050"/>
+                </a:solidFill>
+              </a:rPr>
               <a:t>Клавиатура</a:t>
             </a:r>
           </a:p>
           <a:p>
             <a:pPr lvl="1"/>
             <a:r>
-              <a:rPr lang="ru-RU" dirty="0" smtClean="0"/>
+              <a:rPr lang="ru-RU" sz="2000" dirty="0" smtClean="0">
+                <a:solidFill>
+                  <a:srgbClr val="92D050"/>
+                </a:solidFill>
+              </a:rPr>
               <a:t>Джойстик </a:t>
             </a:r>
             <a:r>
-              <a:rPr lang="en-US" dirty="0" smtClean="0"/>
+              <a:rPr lang="en-US" sz="2000" dirty="0" smtClean="0">
+                <a:solidFill>
+                  <a:srgbClr val="92D050"/>
+                </a:solidFill>
+              </a:rPr>
               <a:t>XBOX360</a:t>
             </a:r>
           </a:p>
           <a:p>
             <a:pPr lvl="1"/>
             <a:r>
-              <a:rPr lang="en-US" dirty="0" smtClean="0"/>
+              <a:rPr lang="en-US" sz="2000" dirty="0" smtClean="0">
+                <a:solidFill>
+                  <a:srgbClr val="92D050"/>
+                </a:solidFill>
+              </a:rPr>
               <a:t>3D Mouse Space Pilot</a:t>
             </a:r>
           </a:p>
           <a:p>
             <a:r>
-              <a:rPr lang="ru-RU" dirty="0" smtClean="0"/>
+              <a:rPr lang="ru-RU" sz="2400" i="1" dirty="0" smtClean="0">
+                <a:solidFill>
+                  <a:srgbClr val="FFFF00"/>
+                </a:solidFill>
+              </a:rPr>
               <a:t>Автоматическое</a:t>
             </a:r>
           </a:p>
           <a:p>
             <a:pPr lvl="1"/>
             <a:r>
-              <a:rPr lang="ru-RU" dirty="0" smtClean="0"/>
-              <a:t>Выполнение различных сценариев</a:t>
-            </a:r>
-          </a:p>
-          <a:p>
-            <a:r>
-              <a:rPr lang="ru-RU" dirty="0" smtClean="0"/>
-              <a:t>Групповое</a:t>
+              <a:rPr lang="ru-RU" sz="2000" i="1" dirty="0" smtClean="0">
+                <a:solidFill>
+                  <a:srgbClr val="FFFF00"/>
+                </a:solidFill>
+              </a:rPr>
+              <a:t>Выполнение различных </a:t>
+            </a:r>
+            <a:r>
+              <a:rPr lang="ru-RU" sz="2000" i="1" dirty="0" smtClean="0">
+                <a:solidFill>
+                  <a:srgbClr val="FFFF00"/>
+                </a:solidFill>
+              </a:rPr>
+              <a:t>сценариев</a:t>
             </a:r>
           </a:p>
           <a:p>
             <a:pPr lvl="1"/>
             <a:r>
-              <a:rPr lang="ru-RU" dirty="0" smtClean="0"/>
-              <a:t>Построение формаций</a:t>
-            </a:r>
-          </a:p>
-          <a:p>
-            <a:pPr lvl="1"/>
-            <a:r>
-              <a:rPr lang="ru-RU" dirty="0" smtClean="0"/>
-              <a:t>Выбор лидера</a:t>
-            </a:r>
-            <a:endParaRPr lang="en-US" dirty="0" smtClean="0"/>
+              <a:rPr lang="ru-RU" sz="2000" i="1" dirty="0" smtClean="0">
+                <a:solidFill>
+                  <a:srgbClr val="FFFF00"/>
+                </a:solidFill>
+              </a:rPr>
+              <a:t>Групповое поведение</a:t>
+            </a:r>
+            <a:endParaRPr lang="ru-RU" sz="2000" i="1" dirty="0" smtClean="0">
+              <a:solidFill>
+                <a:srgbClr val="FFFF00"/>
+              </a:solidFill>
+            </a:endParaRPr>
           </a:p>
         </p:txBody>
       </p:sp>
@@ -7877,7 +7397,7 @@
         </p:blipFill>
         <p:spPr>
           <a:xfrm>
-            <a:off x="3491880" y="2132856"/>
+            <a:off x="3491880" y="1988840"/>
             <a:ext cx="5437464" cy="3168352"/>
           </a:xfrm>
         </p:spPr>
@@ -7900,7 +7420,7 @@
             <a:fld id="{725C68B6-61C2-468F-89AB-4B9F7531AA68}" type="slidenum">
               <a:rPr lang="ru-RU" smtClean="0"/>
               <a:pPr/>
-              <a:t>15</a:t>
+              <a:t>11</a:t>
             </a:fld>
             <a:endParaRPr lang="ru-RU"/>
           </a:p>
@@ -7921,7 +7441,7 @@
 </p:sld>
 </file>
 
-<file path=ppt/slides/slide16.xml><?xml version="1.0" encoding="utf-8"?>
+<file path=ppt/slides/slide12.xml><?xml version="1.0" encoding="utf-8"?>
 <p:sld xmlns:a="http://schemas.openxmlformats.org/drawingml/2006/main" xmlns:r="http://schemas.openxmlformats.org/officeDocument/2006/relationships" xmlns:p="http://schemas.openxmlformats.org/presentationml/2006/main">
   <p:cSld>
     <p:spTree>
@@ -7955,7 +7475,7 @@
           <a:p>
             <a:r>
               <a:rPr lang="ru-RU" dirty="0" smtClean="0"/>
-              <a:t>Вопросы?</a:t>
+              <a:t>Заключение</a:t>
             </a:r>
             <a:endParaRPr lang="ru-RU" dirty="0"/>
           </a:p>
@@ -7971,12 +7491,57 @@
             <p:ph idx="1"/>
           </p:nvPr>
         </p:nvSpPr>
-        <p:spPr/>
-        <p:txBody>
-          <a:bodyPr/>
+        <p:spPr>
+          <a:xfrm>
+            <a:off x="914400" y="1783560"/>
+            <a:ext cx="7772400" cy="4237728"/>
+          </a:xfrm>
+        </p:spPr>
+        <p:txBody>
+          <a:bodyPr>
+            <a:normAutofit/>
+          </a:bodyPr>
           <a:lstStyle/>
           <a:p>
-            <a:endParaRPr lang="ru-RU"/>
+            <a:r>
+              <a:rPr lang="ru-RU" sz="2400" dirty="0" smtClean="0"/>
+              <a:t>Разработана архитектура ВП для изучения динамики 4-х роторных БПЛА в реальном масштабе времени</a:t>
+            </a:r>
+          </a:p>
+          <a:p>
+            <a:r>
+              <a:rPr lang="ru-RU" sz="2400" dirty="0" smtClean="0"/>
+              <a:t>Спроектирован и частично разработан программно-аппаратный комплекс ВП </a:t>
+            </a:r>
+            <a:r>
+              <a:rPr lang="en-US" sz="2400" dirty="0" err="1" smtClean="0"/>
+              <a:t>QuadroX</a:t>
+            </a:r>
+            <a:r>
+              <a:rPr lang="en-US" sz="2400" dirty="0" smtClean="0"/>
+              <a:t>-DS</a:t>
+            </a:r>
+          </a:p>
+          <a:p>
+            <a:r>
+              <a:rPr lang="ru-RU" sz="2400" dirty="0" smtClean="0"/>
+              <a:t>Реализован механизм мониторинга динамики БПЛА посредством:</a:t>
+            </a:r>
+          </a:p>
+          <a:p>
+            <a:pPr lvl="1"/>
+            <a:r>
+              <a:rPr lang="ru-RU" sz="2000" dirty="0" smtClean="0"/>
+              <a:t>Телеметрии сенсоров и результатов работы бортового оборудования</a:t>
+            </a:r>
+          </a:p>
+          <a:p>
+            <a:pPr lvl="1"/>
+            <a:r>
+              <a:rPr lang="ru-RU" sz="2000" dirty="0" smtClean="0"/>
+              <a:t>Системы оптического захвата движения</a:t>
+            </a:r>
+            <a:endParaRPr lang="ru-RU" sz="2000" dirty="0"/>
           </a:p>
         </p:txBody>
       </p:sp>
@@ -7998,7 +7563,86 @@
             <a:fld id="{725C68B6-61C2-468F-89AB-4B9F7531AA68}" type="slidenum">
               <a:rPr lang="ru-RU" smtClean="0"/>
               <a:pPr/>
-              <a:t>16</a:t>
+              <a:t>12</a:t>
+            </a:fld>
+            <a:endParaRPr lang="ru-RU"/>
+          </a:p>
+        </p:txBody>
+      </p:sp>
+    </p:spTree>
+  </p:cSld>
+  <p:clrMapOvr>
+    <a:masterClrMapping/>
+  </p:clrMapOvr>
+  <p:timing>
+    <p:tnLst>
+      <p:par>
+        <p:cTn id="1" dur="indefinite" restart="never" nodeType="tmRoot"/>
+      </p:par>
+    </p:tnLst>
+  </p:timing>
+</p:sld>
+</file>
+
+<file path=ppt/slides/slide13.xml><?xml version="1.0" encoding="utf-8"?>
+<p:sld xmlns:a="http://schemas.openxmlformats.org/drawingml/2006/main" xmlns:r="http://schemas.openxmlformats.org/officeDocument/2006/relationships" xmlns:p="http://schemas.openxmlformats.org/presentationml/2006/main">
+  <p:cSld>
+    <p:spTree>
+      <p:nvGrpSpPr>
+        <p:cNvPr id="1" name=""/>
+        <p:cNvGrpSpPr/>
+        <p:nvPr/>
+      </p:nvGrpSpPr>
+      <p:grpSpPr>
+        <a:xfrm>
+          <a:off x="0" y="0"/>
+          <a:ext cx="0" cy="0"/>
+          <a:chOff x="0" y="0"/>
+          <a:chExt cx="0" cy="0"/>
+        </a:xfrm>
+      </p:grpSpPr>
+      <p:sp>
+        <p:nvSpPr>
+          <p:cNvPr id="2" name="Заголовок 1"/>
+          <p:cNvSpPr>
+            <a:spLocks noGrp="1"/>
+          </p:cNvSpPr>
+          <p:nvPr>
+            <p:ph type="title"/>
+          </p:nvPr>
+        </p:nvSpPr>
+        <p:spPr/>
+        <p:txBody>
+          <a:bodyPr/>
+          <a:lstStyle/>
+          <a:p>
+            <a:r>
+              <a:rPr lang="ru-RU" dirty="0" smtClean="0"/>
+              <a:t>Вопросы?</a:t>
+            </a:r>
+            <a:endParaRPr lang="ru-RU" dirty="0"/>
+          </a:p>
+        </p:txBody>
+      </p:sp>
+      <p:sp>
+        <p:nvSpPr>
+          <p:cNvPr id="4" name="Номер слайда 3"/>
+          <p:cNvSpPr>
+            <a:spLocks noGrp="1"/>
+          </p:cNvSpPr>
+          <p:nvPr>
+            <p:ph type="sldNum" sz="quarter" idx="12"/>
+          </p:nvPr>
+        </p:nvSpPr>
+        <p:spPr/>
+        <p:txBody>
+          <a:bodyPr/>
+          <a:lstStyle/>
+          <a:p>
+            <a:fld id="{725C68B6-61C2-468F-89AB-4B9F7531AA68}" type="slidenum">
+              <a:rPr lang="ru-RU" smtClean="0"/>
+              <a:pPr/>
+              <a:t>13</a:t>
             </a:fld>
             <a:endParaRPr lang="ru-RU"/>
           </a:p>
@@ -8048,133 +7692,80 @@
         </p:nvSpPr>
         <p:spPr/>
         <p:txBody>
+          <a:bodyPr/>
+          <a:lstStyle/>
+          <a:p>
+            <a:r>
+              <a:rPr lang="ru-RU" dirty="0" smtClean="0"/>
+              <a:t>Мотивация</a:t>
+            </a:r>
+            <a:r>
+              <a:rPr lang="en-US" dirty="0" smtClean="0"/>
+              <a:t> </a:t>
+            </a:r>
+            <a:r>
+              <a:rPr lang="ru-RU" dirty="0" smtClean="0"/>
+              <a:t>создания ВП</a:t>
+            </a:r>
+            <a:endParaRPr lang="ru-RU" dirty="0"/>
+          </a:p>
+        </p:txBody>
+      </p:sp>
+      <p:sp>
+        <p:nvSpPr>
+          <p:cNvPr id="3" name="Содержимое 2"/>
+          <p:cNvSpPr>
+            <a:spLocks noGrp="1"/>
+          </p:cNvSpPr>
+          <p:nvPr>
+            <p:ph idx="1"/>
+          </p:nvPr>
+        </p:nvSpPr>
+        <p:spPr/>
+        <p:txBody>
           <a:bodyPr>
-            <a:normAutofit fontScale="90000"/>
+            <a:normAutofit fontScale="92500" lnSpcReduction="20000"/>
           </a:bodyPr>
           <a:lstStyle/>
           <a:p>
             <a:r>
-              <a:rPr lang="ru-RU" dirty="0" smtClean="0"/>
-              <a:t>Особенности постановки задачи ВП</a:t>
-            </a:r>
-            <a:r>
-              <a:rPr lang="en-US" dirty="0" smtClean="0"/>
-              <a:t> </a:t>
-            </a:r>
-            <a:r>
-              <a:rPr lang="en-US" dirty="0" err="1" smtClean="0"/>
-              <a:t>QuadroX</a:t>
-            </a:r>
-            <a:r>
-              <a:rPr lang="en-US" dirty="0" smtClean="0"/>
-              <a:t>-DS</a:t>
-            </a:r>
-            <a:r>
-              <a:rPr lang="ru-RU" dirty="0" smtClean="0"/>
-              <a:t> </a:t>
-            </a:r>
-            <a:endParaRPr lang="ru-RU" dirty="0"/>
-          </a:p>
-        </p:txBody>
-      </p:sp>
-      <p:sp>
-        <p:nvSpPr>
-          <p:cNvPr id="3" name="Содержимое 2"/>
-          <p:cNvSpPr>
-            <a:spLocks noGrp="1"/>
-          </p:cNvSpPr>
-          <p:nvPr>
-            <p:ph idx="1"/>
-          </p:nvPr>
-        </p:nvSpPr>
-        <p:spPr/>
-        <p:txBody>
-          <a:bodyPr>
-            <a:normAutofit fontScale="77500" lnSpcReduction="20000"/>
-          </a:bodyPr>
-          <a:lstStyle/>
-          <a:p>
-            <a:r>
-              <a:rPr lang="ru-RU" dirty="0" smtClean="0"/>
-              <a:t>Качественное воспроизведение аэродинамических эффектов взаимодействия групп БПЛА и окружения</a:t>
-            </a:r>
-          </a:p>
-          <a:p>
-            <a:r>
-              <a:rPr lang="ru-RU" dirty="0" smtClean="0"/>
-              <a:t>Моделирование инерциальных, барометрических и магнитометрических датчиков</a:t>
-            </a:r>
-          </a:p>
-          <a:p>
-            <a:r>
-              <a:rPr lang="ru-RU" dirty="0" smtClean="0"/>
-              <a:t>Синтез изображений формируемых камерами БПЛА</a:t>
-            </a:r>
-          </a:p>
-          <a:p>
-            <a:r>
-              <a:rPr lang="ru-RU" dirty="0" smtClean="0"/>
-              <a:t>Варьирование параметров БПЛА с целью поиска оптимальной конфигурации:</a:t>
-            </a:r>
-          </a:p>
-          <a:p>
-            <a:pPr lvl="1"/>
-            <a:r>
-              <a:rPr lang="ru-RU" dirty="0" smtClean="0"/>
-              <a:t>Длина плеча</a:t>
-            </a:r>
-          </a:p>
-          <a:p>
-            <a:pPr lvl="1"/>
-            <a:r>
-              <a:rPr lang="ru-RU" dirty="0" smtClean="0"/>
-              <a:t>Двигатели + </a:t>
-            </a:r>
-            <a:r>
-              <a:rPr lang="en-US" dirty="0" smtClean="0"/>
-              <a:t>ESC</a:t>
-            </a:r>
-            <a:r>
-              <a:rPr lang="ru-RU" dirty="0" smtClean="0"/>
-              <a:t> (по таблицам)</a:t>
-            </a:r>
-            <a:endParaRPr lang="en-US" dirty="0" smtClean="0"/>
-          </a:p>
-          <a:p>
-            <a:pPr lvl="1"/>
-            <a:r>
-              <a:rPr lang="ru-RU" dirty="0" smtClean="0"/>
-              <a:t>Пропеллеры и т.д. (по таблицам + опт. связь </a:t>
-            </a:r>
-            <a:r>
-              <a:rPr lang="en-US" dirty="0" smtClean="0"/>
-              <a:t>c</a:t>
-            </a:r>
-            <a:r>
-              <a:rPr lang="ru-RU" dirty="0" smtClean="0"/>
-              <a:t> пакетами </a:t>
-            </a:r>
-            <a:r>
-              <a:rPr lang="en-US" dirty="0" smtClean="0"/>
-              <a:t>CFD</a:t>
-            </a:r>
-            <a:r>
-              <a:rPr lang="ru-RU" dirty="0" smtClean="0"/>
-              <a:t>)</a:t>
-            </a:r>
-            <a:endParaRPr lang="en-US" dirty="0" smtClean="0"/>
-          </a:p>
-          <a:p>
-            <a:r>
-              <a:rPr lang="ru-RU" dirty="0" smtClean="0"/>
-              <a:t>Выбор окружения для моделирования</a:t>
-            </a:r>
-          </a:p>
-          <a:p>
-            <a:pPr>
+              <a:rPr lang="ru-RU" sz="2800" dirty="0" smtClean="0"/>
+              <a:t>Наличие реального объекта и/или объектов в должном количестве</a:t>
+            </a:r>
+          </a:p>
+          <a:p>
+            <a:endParaRPr lang="ru-RU" sz="2800" dirty="0" smtClean="0"/>
+          </a:p>
+          <a:p>
+            <a:r>
+              <a:rPr lang="ru-RU" sz="2800" dirty="0" smtClean="0"/>
+              <a:t>Износ оборудования </a:t>
+            </a:r>
+          </a:p>
+          <a:p>
+            <a:endParaRPr lang="ru-RU" sz="2800" dirty="0" smtClean="0"/>
+          </a:p>
+          <a:p>
+            <a:r>
+              <a:rPr lang="ru-RU" sz="2800" dirty="0" smtClean="0"/>
+              <a:t>Стоимость ошибки на реальном объекте может быть весьма высока</a:t>
+            </a:r>
+          </a:p>
+          <a:p>
+            <a:pPr lvl="1">
               <a:buNone/>
             </a:pPr>
-            <a:endParaRPr lang="ru-RU" dirty="0"/>
+            <a:endParaRPr lang="ru-RU" sz="2400" dirty="0" smtClean="0"/>
+          </a:p>
+          <a:p>
+            <a:r>
+              <a:rPr lang="ru-RU" sz="2800" dirty="0" smtClean="0"/>
+              <a:t>Эксперимент на реальном объекте требует времени на подготовку  и развертывание эксперимента, а также на приведение объектов в исходное состояние на каждой итерации</a:t>
+            </a:r>
+          </a:p>
+          <a:p>
+            <a:pPr lvl="1"/>
+            <a:endParaRPr lang="ru-RU" sz="2400" dirty="0" smtClean="0"/>
           </a:p>
         </p:txBody>
       </p:sp>
@@ -8246,858 +7837,156 @@
         </p:nvSpPr>
         <p:spPr/>
         <p:txBody>
-          <a:bodyPr/>
+          <a:bodyPr>
+            <a:normAutofit fontScale="90000"/>
+          </a:bodyPr>
           <a:lstStyle/>
           <a:p>
             <a:r>
-              <a:rPr lang="ru-RU" sz="3200" dirty="0" smtClean="0"/>
-              <a:t>Архитектура виртуального полигона</a:t>
-            </a:r>
-            <a:endParaRPr lang="ru-RU" sz="3200" dirty="0"/>
-          </a:p>
-        </p:txBody>
-      </p:sp>
-      <p:sp>
-        <p:nvSpPr>
-          <p:cNvPr id="4" name="Прямоугольник 3"/>
-          <p:cNvSpPr/>
-          <p:nvPr/>
-        </p:nvSpPr>
-        <p:spPr>
-          <a:xfrm>
-            <a:off x="4355976" y="5661248"/>
-            <a:ext cx="2232248" cy="936104"/>
-          </a:xfrm>
-          <a:prstGeom prst="rect">
-            <a:avLst/>
-          </a:prstGeom>
-        </p:spPr>
-        <p:style>
-          <a:lnRef idx="3">
-            <a:schemeClr val="lt1"/>
-          </a:lnRef>
-          <a:fillRef idx="1">
-            <a:schemeClr val="accent1"/>
-          </a:fillRef>
-          <a:effectRef idx="1">
-            <a:schemeClr val="accent1"/>
-          </a:effectRef>
-          <a:fontRef idx="minor">
-            <a:schemeClr val="lt1"/>
-          </a:fontRef>
-        </p:style>
-        <p:txBody>
-          <a:bodyPr rtlCol="0" anchor="ctr"/>
+              <a:rPr lang="ru-RU" dirty="0" smtClean="0"/>
+              <a:t>Особенности постановки задачи ВП</a:t>
+            </a:r>
+            <a:r>
+              <a:rPr lang="en-US" dirty="0" smtClean="0"/>
+              <a:t> </a:t>
+            </a:r>
+            <a:r>
+              <a:rPr lang="en-US" dirty="0" err="1" smtClean="0"/>
+              <a:t>QuadroX</a:t>
+            </a:r>
+            <a:r>
+              <a:rPr lang="en-US" dirty="0" smtClean="0"/>
+              <a:t>-DS</a:t>
+            </a:r>
+            <a:r>
+              <a:rPr lang="ru-RU" dirty="0" smtClean="0"/>
+              <a:t> </a:t>
+            </a:r>
+            <a:endParaRPr lang="ru-RU" dirty="0"/>
+          </a:p>
+        </p:txBody>
+      </p:sp>
+      <p:sp>
+        <p:nvSpPr>
+          <p:cNvPr id="3" name="Содержимое 2"/>
+          <p:cNvSpPr>
+            <a:spLocks noGrp="1"/>
+          </p:cNvSpPr>
+          <p:nvPr>
+            <p:ph idx="1"/>
+          </p:nvPr>
+        </p:nvSpPr>
+        <p:spPr/>
+        <p:txBody>
+          <a:bodyPr>
+            <a:normAutofit fontScale="77500" lnSpcReduction="20000"/>
+          </a:bodyPr>
           <a:lstStyle/>
           <a:p>
-            <a:pPr algn="ctr"/>
-            <a:r>
-              <a:rPr lang="ru-RU" dirty="0" smtClean="0">
-                <a:solidFill>
-                  <a:schemeClr val="bg1"/>
-                </a:solidFill>
-              </a:rPr>
-              <a:t>Модель аэродинамического взаимодействия</a:t>
-            </a:r>
-            <a:endParaRPr lang="ru-RU" dirty="0">
-              <a:solidFill>
-                <a:schemeClr val="bg1"/>
-              </a:solidFill>
-            </a:endParaRPr>
-          </a:p>
-        </p:txBody>
-      </p:sp>
-      <p:sp>
-        <p:nvSpPr>
-          <p:cNvPr id="5" name="Прямоугольник 4"/>
-          <p:cNvSpPr/>
-          <p:nvPr/>
-        </p:nvSpPr>
-        <p:spPr>
-          <a:xfrm>
-            <a:off x="6660232" y="5661248"/>
-            <a:ext cx="2232248" cy="936104"/>
-          </a:xfrm>
-          <a:prstGeom prst="rect">
-            <a:avLst/>
-          </a:prstGeom>
-        </p:spPr>
-        <p:style>
-          <a:lnRef idx="3">
-            <a:schemeClr val="lt1"/>
-          </a:lnRef>
-          <a:fillRef idx="1">
-            <a:schemeClr val="accent1"/>
-          </a:fillRef>
-          <a:effectRef idx="1">
-            <a:schemeClr val="accent1"/>
-          </a:effectRef>
-          <a:fontRef idx="minor">
-            <a:schemeClr val="lt1"/>
-          </a:fontRef>
-        </p:style>
-        <p:txBody>
-          <a:bodyPr rtlCol="0" anchor="ctr"/>
-          <a:lstStyle/>
-          <a:p>
-            <a:pPr algn="ctr"/>
-            <a:r>
-              <a:rPr lang="ru-RU" dirty="0" smtClean="0">
-                <a:solidFill>
-                  <a:schemeClr val="bg1"/>
-                </a:solidFill>
-              </a:rPr>
-              <a:t>Модель </a:t>
-            </a:r>
-            <a:r>
-              <a:rPr lang="ru-RU" dirty="0" err="1" smtClean="0">
-                <a:solidFill>
-                  <a:schemeClr val="bg1"/>
-                </a:solidFill>
-              </a:rPr>
-              <a:t>тв</a:t>
-            </a:r>
-            <a:r>
-              <a:rPr lang="ru-RU" dirty="0" smtClean="0">
-                <a:solidFill>
-                  <a:schemeClr val="bg1"/>
-                </a:solidFill>
-              </a:rPr>
-              <a:t>. тела</a:t>
-            </a:r>
-          </a:p>
-          <a:p>
-            <a:pPr algn="ctr"/>
-            <a:r>
-              <a:rPr lang="ru-RU" dirty="0" smtClean="0">
-                <a:solidFill>
-                  <a:schemeClr val="bg1"/>
-                </a:solidFill>
-              </a:rPr>
-              <a:t>6-</a:t>
-            </a:r>
-            <a:r>
-              <a:rPr lang="en-US" dirty="0" smtClean="0">
-                <a:solidFill>
-                  <a:schemeClr val="bg1"/>
-                </a:solidFill>
-              </a:rPr>
-              <a:t>DOF</a:t>
-            </a:r>
-            <a:endParaRPr lang="ru-RU" dirty="0">
-              <a:solidFill>
-                <a:schemeClr val="bg1"/>
-              </a:solidFill>
-            </a:endParaRPr>
-          </a:p>
-        </p:txBody>
-      </p:sp>
-      <p:sp>
-        <p:nvSpPr>
-          <p:cNvPr id="6" name="Прямоугольник 5"/>
-          <p:cNvSpPr/>
-          <p:nvPr/>
-        </p:nvSpPr>
-        <p:spPr>
-          <a:xfrm>
-            <a:off x="611560" y="1340768"/>
-            <a:ext cx="1440160" cy="1440160"/>
-          </a:xfrm>
-          <a:prstGeom prst="rect">
-            <a:avLst/>
-          </a:prstGeom>
-        </p:spPr>
-        <p:style>
-          <a:lnRef idx="3">
-            <a:schemeClr val="lt1"/>
-          </a:lnRef>
-          <a:fillRef idx="1">
-            <a:schemeClr val="accent1"/>
-          </a:fillRef>
-          <a:effectRef idx="1">
-            <a:schemeClr val="accent1"/>
-          </a:effectRef>
-          <a:fontRef idx="minor">
-            <a:schemeClr val="lt1"/>
-          </a:fontRef>
-        </p:style>
-        <p:txBody>
-          <a:bodyPr rtlCol="0" anchor="ctr"/>
-          <a:lstStyle/>
-          <a:p>
-            <a:pPr algn="ctr"/>
-            <a:r>
-              <a:rPr lang="ru-RU" dirty="0" smtClean="0">
-                <a:solidFill>
-                  <a:schemeClr val="bg1"/>
-                </a:solidFill>
-              </a:rPr>
-              <a:t>Система </a:t>
-            </a:r>
-            <a:r>
-              <a:rPr lang="ru-RU" dirty="0" err="1" smtClean="0">
-                <a:solidFill>
-                  <a:schemeClr val="bg1"/>
-                </a:solidFill>
-              </a:rPr>
-              <a:t>оптическогозахвата</a:t>
-            </a:r>
-            <a:r>
-              <a:rPr lang="ru-RU" dirty="0" smtClean="0">
-                <a:solidFill>
-                  <a:schemeClr val="bg1"/>
-                </a:solidFill>
-              </a:rPr>
-              <a:t> движения</a:t>
-            </a:r>
-            <a:endParaRPr lang="ru-RU" dirty="0">
-              <a:solidFill>
-                <a:schemeClr val="bg1"/>
-              </a:solidFill>
-            </a:endParaRPr>
-          </a:p>
-        </p:txBody>
-      </p:sp>
-      <p:sp>
-        <p:nvSpPr>
-          <p:cNvPr id="7" name="Прямоугольник 6"/>
-          <p:cNvSpPr/>
-          <p:nvPr/>
-        </p:nvSpPr>
-        <p:spPr>
-          <a:xfrm>
-            <a:off x="4355976" y="4653136"/>
-            <a:ext cx="2232248" cy="936104"/>
-          </a:xfrm>
-          <a:prstGeom prst="rect">
-            <a:avLst/>
-          </a:prstGeom>
-        </p:spPr>
-        <p:style>
-          <a:lnRef idx="3">
-            <a:schemeClr val="lt1"/>
-          </a:lnRef>
-          <a:fillRef idx="1">
-            <a:schemeClr val="accent1"/>
-          </a:fillRef>
-          <a:effectRef idx="1">
-            <a:schemeClr val="accent1"/>
-          </a:effectRef>
-          <a:fontRef idx="minor">
-            <a:schemeClr val="lt1"/>
-          </a:fontRef>
-        </p:style>
-        <p:txBody>
-          <a:bodyPr rtlCol="0" anchor="ctr"/>
-          <a:lstStyle/>
-          <a:p>
-            <a:pPr algn="ctr"/>
-            <a:r>
-              <a:rPr lang="ru-RU" dirty="0" smtClean="0">
-                <a:solidFill>
-                  <a:schemeClr val="bg1"/>
-                </a:solidFill>
-              </a:rPr>
-              <a:t>Модель функционирования </a:t>
-            </a:r>
-            <a:r>
-              <a:rPr lang="en-US" dirty="0" smtClean="0">
-                <a:solidFill>
-                  <a:schemeClr val="bg1"/>
-                </a:solidFill>
-              </a:rPr>
-              <a:t>IMU </a:t>
-            </a:r>
-            <a:r>
-              <a:rPr lang="ru-RU" dirty="0" smtClean="0">
-                <a:solidFill>
-                  <a:schemeClr val="bg1"/>
-                </a:solidFill>
-              </a:rPr>
-              <a:t>сенсоров</a:t>
-            </a:r>
-            <a:endParaRPr lang="ru-RU" dirty="0">
-              <a:solidFill>
-                <a:schemeClr val="bg1"/>
-              </a:solidFill>
-            </a:endParaRPr>
-          </a:p>
-        </p:txBody>
-      </p:sp>
-      <p:sp>
-        <p:nvSpPr>
-          <p:cNvPr id="8" name="Прямоугольник 7"/>
-          <p:cNvSpPr/>
-          <p:nvPr/>
-        </p:nvSpPr>
-        <p:spPr>
-          <a:xfrm>
-            <a:off x="6660232" y="4653136"/>
-            <a:ext cx="2232248" cy="936104"/>
-          </a:xfrm>
-          <a:prstGeom prst="rect">
-            <a:avLst/>
-          </a:prstGeom>
-        </p:spPr>
-        <p:style>
-          <a:lnRef idx="3">
-            <a:schemeClr val="lt1"/>
-          </a:lnRef>
-          <a:fillRef idx="1">
-            <a:schemeClr val="accent1"/>
-          </a:fillRef>
-          <a:effectRef idx="1">
-            <a:schemeClr val="accent1"/>
-          </a:effectRef>
-          <a:fontRef idx="minor">
-            <a:schemeClr val="lt1"/>
-          </a:fontRef>
-        </p:style>
-        <p:txBody>
-          <a:bodyPr rtlCol="0" anchor="ctr"/>
-          <a:lstStyle/>
-          <a:p>
-            <a:pPr algn="ctr"/>
-            <a:r>
-              <a:rPr lang="ru-RU" dirty="0" smtClean="0">
-                <a:solidFill>
-                  <a:schemeClr val="bg1"/>
-                </a:solidFill>
-              </a:rPr>
-              <a:t>Модель</a:t>
-            </a:r>
-          </a:p>
-          <a:p>
-            <a:pPr algn="ctr"/>
-            <a:r>
-              <a:rPr lang="ru-RU" dirty="0" smtClean="0">
-                <a:solidFill>
-                  <a:schemeClr val="bg1"/>
-                </a:solidFill>
-              </a:rPr>
-              <a:t>аэродинамического</a:t>
-            </a:r>
-          </a:p>
-          <a:p>
-            <a:pPr algn="ctr"/>
-            <a:r>
-              <a:rPr lang="ru-RU" dirty="0" err="1" smtClean="0">
-                <a:solidFill>
-                  <a:schemeClr val="bg1"/>
-                </a:solidFill>
-              </a:rPr>
-              <a:t>движетеля</a:t>
-            </a:r>
-            <a:endParaRPr lang="ru-RU" dirty="0">
-              <a:solidFill>
-                <a:schemeClr val="bg1"/>
-              </a:solidFill>
-            </a:endParaRPr>
-          </a:p>
-        </p:txBody>
-      </p:sp>
-      <p:sp>
-        <p:nvSpPr>
-          <p:cNvPr id="9" name="Прямоугольник 8"/>
-          <p:cNvSpPr/>
-          <p:nvPr/>
-        </p:nvSpPr>
-        <p:spPr>
-          <a:xfrm>
-            <a:off x="6660232" y="3645024"/>
-            <a:ext cx="2232248" cy="936104"/>
-          </a:xfrm>
-          <a:prstGeom prst="rect">
-            <a:avLst/>
-          </a:prstGeom>
-        </p:spPr>
-        <p:style>
-          <a:lnRef idx="3">
-            <a:schemeClr val="lt1"/>
-          </a:lnRef>
-          <a:fillRef idx="1">
-            <a:schemeClr val="accent1"/>
-          </a:fillRef>
-          <a:effectRef idx="1">
-            <a:schemeClr val="accent1"/>
-          </a:effectRef>
-          <a:fontRef idx="minor">
-            <a:schemeClr val="lt1"/>
-          </a:fontRef>
-        </p:style>
-        <p:txBody>
-          <a:bodyPr rtlCol="0" anchor="ctr"/>
-          <a:lstStyle/>
-          <a:p>
-            <a:pPr algn="ctr"/>
-            <a:r>
-              <a:rPr lang="ru-RU" dirty="0" smtClean="0">
-                <a:solidFill>
-                  <a:schemeClr val="bg1"/>
-                </a:solidFill>
-              </a:rPr>
-              <a:t>Модель</a:t>
-            </a:r>
-          </a:p>
-          <a:p>
-            <a:pPr algn="ctr"/>
-            <a:r>
-              <a:rPr lang="ru-RU" dirty="0" smtClean="0">
-                <a:solidFill>
-                  <a:schemeClr val="bg1"/>
-                </a:solidFill>
-              </a:rPr>
-              <a:t>видеокамеры</a:t>
-            </a:r>
-            <a:endParaRPr lang="ru-RU" dirty="0">
-              <a:solidFill>
-                <a:schemeClr val="bg1"/>
-              </a:solidFill>
-            </a:endParaRPr>
-          </a:p>
-        </p:txBody>
-      </p:sp>
-      <p:sp>
-        <p:nvSpPr>
-          <p:cNvPr id="10" name="Прямоугольник 9"/>
-          <p:cNvSpPr/>
-          <p:nvPr/>
-        </p:nvSpPr>
-        <p:spPr>
-          <a:xfrm>
-            <a:off x="4355976" y="3645024"/>
-            <a:ext cx="2232248" cy="936104"/>
-          </a:xfrm>
-          <a:prstGeom prst="rect">
-            <a:avLst/>
-          </a:prstGeom>
-        </p:spPr>
-        <p:style>
-          <a:lnRef idx="3">
-            <a:schemeClr val="lt1"/>
-          </a:lnRef>
-          <a:fillRef idx="1">
-            <a:schemeClr val="accent1"/>
-          </a:fillRef>
-          <a:effectRef idx="1">
-            <a:schemeClr val="accent1"/>
-          </a:effectRef>
-          <a:fontRef idx="minor">
-            <a:schemeClr val="lt1"/>
-          </a:fontRef>
-        </p:style>
-        <p:txBody>
-          <a:bodyPr rtlCol="0" anchor="ctr"/>
-          <a:lstStyle/>
-          <a:p>
-            <a:pPr algn="ctr"/>
-            <a:r>
-              <a:rPr lang="ru-RU" dirty="0" smtClean="0">
-                <a:solidFill>
-                  <a:schemeClr val="bg1"/>
-                </a:solidFill>
-              </a:rPr>
-              <a:t>Модель</a:t>
-            </a:r>
-          </a:p>
-          <a:p>
-            <a:pPr algn="ctr"/>
-            <a:r>
-              <a:rPr lang="ru-RU" dirty="0" smtClean="0">
-                <a:solidFill>
-                  <a:schemeClr val="bg1"/>
-                </a:solidFill>
-              </a:rPr>
-              <a:t>системы стабилизации</a:t>
-            </a:r>
-            <a:endParaRPr lang="ru-RU" dirty="0">
-              <a:solidFill>
-                <a:schemeClr val="bg1"/>
-              </a:solidFill>
-            </a:endParaRPr>
-          </a:p>
-        </p:txBody>
-      </p:sp>
-      <p:sp>
-        <p:nvSpPr>
-          <p:cNvPr id="15" name="Прямоугольник 14"/>
-          <p:cNvSpPr/>
-          <p:nvPr/>
-        </p:nvSpPr>
-        <p:spPr>
-          <a:xfrm>
-            <a:off x="611560" y="2852936"/>
-            <a:ext cx="1440160" cy="1440160"/>
-          </a:xfrm>
-          <a:prstGeom prst="rect">
-            <a:avLst/>
-          </a:prstGeom>
-        </p:spPr>
-        <p:style>
-          <a:lnRef idx="3">
-            <a:schemeClr val="lt1"/>
-          </a:lnRef>
-          <a:fillRef idx="1">
-            <a:schemeClr val="accent1"/>
-          </a:fillRef>
-          <a:effectRef idx="1">
-            <a:schemeClr val="accent1"/>
-          </a:effectRef>
-          <a:fontRef idx="minor">
-            <a:schemeClr val="lt1"/>
-          </a:fontRef>
-        </p:style>
-        <p:txBody>
-          <a:bodyPr rtlCol="0" anchor="ctr"/>
-          <a:lstStyle/>
-          <a:p>
-            <a:pPr algn="ctr"/>
-            <a:r>
-              <a:rPr lang="ru-RU" dirty="0" smtClean="0">
-                <a:solidFill>
-                  <a:schemeClr val="bg1"/>
-                </a:solidFill>
-              </a:rPr>
-              <a:t>Телеметрия</a:t>
-            </a:r>
-          </a:p>
-          <a:p>
-            <a:pPr algn="ctr"/>
-            <a:r>
-              <a:rPr lang="ru-RU" dirty="0" smtClean="0">
-                <a:solidFill>
-                  <a:schemeClr val="bg1"/>
-                </a:solidFill>
-              </a:rPr>
-              <a:t>БПЛА</a:t>
-            </a:r>
-            <a:endParaRPr lang="ru-RU" dirty="0">
-              <a:solidFill>
-                <a:schemeClr val="bg1"/>
-              </a:solidFill>
-            </a:endParaRPr>
-          </a:p>
-        </p:txBody>
-      </p:sp>
-      <p:sp>
-        <p:nvSpPr>
-          <p:cNvPr id="16" name="Прямоугольник 15"/>
-          <p:cNvSpPr/>
-          <p:nvPr/>
-        </p:nvSpPr>
-        <p:spPr>
-          <a:xfrm>
-            <a:off x="6660232" y="1340768"/>
-            <a:ext cx="2232248" cy="936104"/>
-          </a:xfrm>
-          <a:prstGeom prst="rect">
-            <a:avLst/>
-          </a:prstGeom>
-        </p:spPr>
-        <p:style>
-          <a:lnRef idx="3">
-            <a:schemeClr val="lt1"/>
-          </a:lnRef>
-          <a:fillRef idx="1">
-            <a:schemeClr val="accent1"/>
-          </a:fillRef>
-          <a:effectRef idx="1">
-            <a:schemeClr val="accent1"/>
-          </a:effectRef>
-          <a:fontRef idx="minor">
-            <a:schemeClr val="lt1"/>
-          </a:fontRef>
-        </p:style>
-        <p:txBody>
-          <a:bodyPr rtlCol="0" anchor="ctr"/>
-          <a:lstStyle/>
-          <a:p>
-            <a:pPr algn="ctr"/>
-            <a:r>
-              <a:rPr lang="ru-RU" dirty="0" smtClean="0">
-                <a:solidFill>
-                  <a:schemeClr val="bg1"/>
-                </a:solidFill>
-              </a:rPr>
-              <a:t>Средства </a:t>
-            </a:r>
-          </a:p>
-          <a:p>
-            <a:pPr algn="ctr"/>
-            <a:r>
-              <a:rPr lang="ru-RU" dirty="0" err="1" smtClean="0">
-                <a:solidFill>
-                  <a:schemeClr val="bg1"/>
-                </a:solidFill>
-              </a:rPr>
-              <a:t>журналирования</a:t>
-            </a:r>
-            <a:r>
-              <a:rPr lang="ru-RU" dirty="0" smtClean="0">
-                <a:solidFill>
-                  <a:schemeClr val="bg1"/>
-                </a:solidFill>
-              </a:rPr>
-              <a:t> </a:t>
-            </a:r>
-          </a:p>
-          <a:p>
-            <a:pPr algn="ctr"/>
-            <a:r>
-              <a:rPr lang="ru-RU" dirty="0" smtClean="0">
-                <a:solidFill>
-                  <a:schemeClr val="bg1"/>
-                </a:solidFill>
-              </a:rPr>
-              <a:t>и анализа</a:t>
-            </a:r>
-            <a:endParaRPr lang="ru-RU" dirty="0">
-              <a:solidFill>
-                <a:schemeClr val="bg1"/>
-              </a:solidFill>
-            </a:endParaRPr>
-          </a:p>
-        </p:txBody>
-      </p:sp>
-      <p:sp>
-        <p:nvSpPr>
-          <p:cNvPr id="17" name="Прямоугольник 16"/>
-          <p:cNvSpPr/>
-          <p:nvPr/>
-        </p:nvSpPr>
-        <p:spPr>
-          <a:xfrm>
-            <a:off x="3131840" y="1340768"/>
-            <a:ext cx="2160240" cy="2016224"/>
-          </a:xfrm>
-          <a:prstGeom prst="rect">
-            <a:avLst/>
-          </a:prstGeom>
-        </p:spPr>
-        <p:style>
-          <a:lnRef idx="3">
-            <a:schemeClr val="lt1"/>
-          </a:lnRef>
-          <a:fillRef idx="1">
-            <a:schemeClr val="accent1"/>
-          </a:fillRef>
-          <a:effectRef idx="1">
-            <a:schemeClr val="accent1"/>
-          </a:effectRef>
-          <a:fontRef idx="minor">
-            <a:schemeClr val="lt1"/>
-          </a:fontRef>
-        </p:style>
-        <p:txBody>
-          <a:bodyPr rtlCol="0" anchor="ctr"/>
-          <a:lstStyle/>
-          <a:p>
-            <a:pPr algn="ctr"/>
-            <a:r>
-              <a:rPr lang="ru-RU" b="1" dirty="0" smtClean="0">
-                <a:solidFill>
-                  <a:schemeClr val="bg1"/>
-                </a:solidFill>
-              </a:rPr>
-              <a:t>Система управления</a:t>
-            </a:r>
-          </a:p>
-          <a:p>
-            <a:r>
-              <a:rPr lang="ru-RU" dirty="0" smtClean="0">
-                <a:solidFill>
-                  <a:schemeClr val="bg1"/>
-                </a:solidFill>
-              </a:rPr>
-              <a:t>	- ручное</a:t>
-            </a:r>
-          </a:p>
-          <a:p>
-            <a:r>
-              <a:rPr lang="ru-RU" dirty="0" smtClean="0">
-                <a:solidFill>
-                  <a:schemeClr val="bg1"/>
-                </a:solidFill>
-              </a:rPr>
-              <a:t>	- авто</a:t>
-            </a:r>
-          </a:p>
-          <a:p>
-            <a:r>
-              <a:rPr lang="ru-RU" dirty="0" smtClean="0">
-                <a:solidFill>
-                  <a:schemeClr val="bg1"/>
-                </a:solidFill>
-              </a:rPr>
-              <a:t>	- групп.</a:t>
-            </a:r>
-            <a:endParaRPr lang="ru-RU" dirty="0">
-              <a:solidFill>
-                <a:schemeClr val="bg1"/>
-              </a:solidFill>
-            </a:endParaRPr>
-          </a:p>
-        </p:txBody>
-      </p:sp>
-      <p:sp>
-        <p:nvSpPr>
-          <p:cNvPr id="41" name="Стрелка вправо 40"/>
-          <p:cNvSpPr/>
-          <p:nvPr/>
-        </p:nvSpPr>
-        <p:spPr>
-          <a:xfrm>
-            <a:off x="2123728" y="2132856"/>
-            <a:ext cx="936104" cy="216024"/>
-          </a:xfrm>
-          <a:prstGeom prst="rightArrow">
-            <a:avLst/>
-          </a:prstGeom>
-        </p:spPr>
-        <p:style>
-          <a:lnRef idx="3">
-            <a:schemeClr val="lt1"/>
-          </a:lnRef>
-          <a:fillRef idx="1">
-            <a:schemeClr val="accent1"/>
-          </a:fillRef>
-          <a:effectRef idx="1">
-            <a:schemeClr val="accent1"/>
-          </a:effectRef>
-          <a:fontRef idx="minor">
-            <a:schemeClr val="lt1"/>
-          </a:fontRef>
-        </p:style>
-        <p:txBody>
-          <a:bodyPr rtlCol="0" anchor="ctr"/>
-          <a:lstStyle/>
-          <a:p>
-            <a:pPr algn="ctr"/>
-            <a:endParaRPr lang="ru-RU"/>
-          </a:p>
-        </p:txBody>
-      </p:sp>
-      <p:sp>
-        <p:nvSpPr>
-          <p:cNvPr id="42" name="Стрелка вправо 41"/>
-          <p:cNvSpPr/>
-          <p:nvPr/>
-        </p:nvSpPr>
-        <p:spPr>
-          <a:xfrm>
-            <a:off x="2123728" y="2996952"/>
-            <a:ext cx="936104" cy="216024"/>
-          </a:xfrm>
-          <a:prstGeom prst="rightArrow">
-            <a:avLst/>
-          </a:prstGeom>
-        </p:spPr>
-        <p:style>
-          <a:lnRef idx="3">
-            <a:schemeClr val="lt1"/>
-          </a:lnRef>
-          <a:fillRef idx="1">
-            <a:schemeClr val="accent1"/>
-          </a:fillRef>
-          <a:effectRef idx="1">
-            <a:schemeClr val="accent1"/>
-          </a:effectRef>
-          <a:fontRef idx="minor">
-            <a:schemeClr val="lt1"/>
-          </a:fontRef>
-        </p:style>
-        <p:txBody>
-          <a:bodyPr rtlCol="0" anchor="ctr"/>
-          <a:lstStyle/>
-          <a:p>
-            <a:pPr algn="ctr"/>
-            <a:endParaRPr lang="ru-RU"/>
-          </a:p>
-        </p:txBody>
-      </p:sp>
-      <p:sp>
-        <p:nvSpPr>
-          <p:cNvPr id="43" name="Стрелка вправо 42"/>
-          <p:cNvSpPr/>
-          <p:nvPr/>
-        </p:nvSpPr>
-        <p:spPr>
-          <a:xfrm>
-            <a:off x="5364088" y="1700808"/>
-            <a:ext cx="1224136" cy="216024"/>
-          </a:xfrm>
-          <a:prstGeom prst="rightArrow">
-            <a:avLst/>
-          </a:prstGeom>
-        </p:spPr>
-        <p:style>
-          <a:lnRef idx="3">
-            <a:schemeClr val="lt1"/>
-          </a:lnRef>
-          <a:fillRef idx="1">
-            <a:schemeClr val="accent1"/>
-          </a:fillRef>
-          <a:effectRef idx="1">
-            <a:schemeClr val="accent1"/>
-          </a:effectRef>
-          <a:fontRef idx="minor">
-            <a:schemeClr val="lt1"/>
-          </a:fontRef>
-        </p:style>
-        <p:txBody>
-          <a:bodyPr rtlCol="0" anchor="ctr"/>
-          <a:lstStyle/>
-          <a:p>
-            <a:pPr algn="ctr"/>
-            <a:endParaRPr lang="ru-RU"/>
-          </a:p>
-        </p:txBody>
-      </p:sp>
-      <p:sp>
-        <p:nvSpPr>
-          <p:cNvPr id="44" name="Двойная стрелка влево/вверх 43"/>
-          <p:cNvSpPr/>
-          <p:nvPr/>
-        </p:nvSpPr>
-        <p:spPr>
-          <a:xfrm rot="16200000">
-            <a:off x="5220072" y="2492896"/>
-            <a:ext cx="1152128" cy="864096"/>
-          </a:xfrm>
-          <a:prstGeom prst="leftUpArrow">
-            <a:avLst>
-              <a:gd name="adj1" fmla="val 11980"/>
-              <a:gd name="adj2" fmla="val 11523"/>
-              <a:gd name="adj3" fmla="val 13020"/>
-            </a:avLst>
-          </a:prstGeom>
-        </p:spPr>
-        <p:style>
-          <a:lnRef idx="3">
-            <a:schemeClr val="lt1"/>
-          </a:lnRef>
-          <a:fillRef idx="1">
-            <a:schemeClr val="accent1"/>
-          </a:fillRef>
-          <a:effectRef idx="1">
-            <a:schemeClr val="accent1"/>
-          </a:effectRef>
-          <a:fontRef idx="minor">
-            <a:schemeClr val="lt1"/>
-          </a:fontRef>
-        </p:style>
-        <p:txBody>
-          <a:bodyPr rtlCol="0" anchor="ctr"/>
-          <a:lstStyle/>
-          <a:p>
-            <a:pPr algn="ctr"/>
-            <a:endParaRPr lang="ru-RU"/>
-          </a:p>
-        </p:txBody>
-      </p:sp>
-      <p:sp>
-        <p:nvSpPr>
-          <p:cNvPr id="18" name="Номер слайда 17"/>
+            <a:r>
+              <a:rPr lang="ru-RU" dirty="0" smtClean="0"/>
+              <a:t>Качественное воспроизведение аэродинамических эффектов взаимодействия групп БПЛА и окружения</a:t>
+            </a:r>
+          </a:p>
+          <a:p>
+            <a:r>
+              <a:rPr lang="ru-RU" dirty="0" smtClean="0"/>
+              <a:t>Моделирование инерциальных, барометрических и магнитометрических датчиков</a:t>
+            </a:r>
+          </a:p>
+          <a:p>
+            <a:r>
+              <a:rPr lang="ru-RU" dirty="0" smtClean="0"/>
+              <a:t>Синтез изображений формируемых камерами БПЛА</a:t>
+            </a:r>
+          </a:p>
+          <a:p>
+            <a:r>
+              <a:rPr lang="ru-RU" dirty="0" smtClean="0"/>
+              <a:t>Варьирование параметров БПЛА с целью поиска оптимальной конфигурации:</a:t>
+            </a:r>
+          </a:p>
+          <a:p>
+            <a:pPr lvl="1"/>
+            <a:r>
+              <a:rPr lang="ru-RU" dirty="0" smtClean="0"/>
+              <a:t>Длина плеча</a:t>
+            </a:r>
+          </a:p>
+          <a:p>
+            <a:pPr lvl="1"/>
+            <a:r>
+              <a:rPr lang="ru-RU" dirty="0" smtClean="0"/>
+              <a:t>Двигатели + </a:t>
+            </a:r>
+            <a:r>
+              <a:rPr lang="en-US" dirty="0" smtClean="0"/>
+              <a:t>ESC</a:t>
+            </a:r>
+            <a:r>
+              <a:rPr lang="ru-RU" dirty="0" smtClean="0"/>
+              <a:t> (по таблицам)</a:t>
+            </a:r>
+            <a:endParaRPr lang="en-US" dirty="0" smtClean="0"/>
+          </a:p>
+          <a:p>
+            <a:pPr lvl="1"/>
+            <a:r>
+              <a:rPr lang="ru-RU" dirty="0" smtClean="0"/>
+              <a:t>Пропеллеры и т.д. (по таблицам + опт. связь </a:t>
+            </a:r>
+            <a:r>
+              <a:rPr lang="en-US" dirty="0" smtClean="0"/>
+              <a:t>c</a:t>
+            </a:r>
+            <a:r>
+              <a:rPr lang="ru-RU" dirty="0" smtClean="0"/>
+              <a:t> пакетами </a:t>
+            </a:r>
+            <a:r>
+              <a:rPr lang="en-US" dirty="0" smtClean="0"/>
+              <a:t>CFD</a:t>
+            </a:r>
+            <a:r>
+              <a:rPr lang="ru-RU" dirty="0" smtClean="0"/>
+              <a:t>)</a:t>
+            </a:r>
+            <a:endParaRPr lang="en-US" dirty="0" smtClean="0"/>
+          </a:p>
+          <a:p>
+            <a:r>
+              <a:rPr lang="ru-RU" dirty="0" smtClean="0"/>
+              <a:t>Выбор окружения для </a:t>
+            </a:r>
+            <a:r>
+              <a:rPr lang="ru-RU" dirty="0" smtClean="0"/>
+              <a:t>моделирования</a:t>
+            </a:r>
+          </a:p>
+          <a:p>
+            <a:r>
+              <a:rPr lang="ru-RU" dirty="0" smtClean="0"/>
+              <a:t>Сопряжение с реальным объектом БПЛА</a:t>
+            </a:r>
+          </a:p>
+          <a:p>
+            <a:r>
+              <a:rPr lang="ru-RU" dirty="0" smtClean="0"/>
+              <a:t>Расчет в реальном масштабе времени</a:t>
+            </a:r>
+            <a:endParaRPr lang="ru-RU" dirty="0" smtClean="0"/>
+          </a:p>
+          <a:p>
+            <a:pPr>
+              <a:buNone/>
+            </a:pPr>
+            <a:endParaRPr lang="ru-RU" dirty="0"/>
+          </a:p>
+        </p:txBody>
+      </p:sp>
+      <p:sp>
+        <p:nvSpPr>
+          <p:cNvPr id="4" name="Номер слайда 3"/>
           <p:cNvSpPr>
             <a:spLocks noGrp="1"/>
           </p:cNvSpPr>
@@ -9120,11 +8009,6 @@
         </p:txBody>
       </p:sp>
     </p:spTree>
-    <p:extLst>
-      <p:ext uri="{BB962C8B-B14F-4D97-AF65-F5344CB8AC3E}">
-        <p14:creationId xmlns:p14="http://schemas.microsoft.com/office/powerpoint/2010/main" xmlns="" val="1550165570"/>
-      </p:ext>
-    </p:extLst>
   </p:cSld>
   <p:clrMapOvr>
     <a:masterClrMapping/>
@@ -9172,82 +8056,791 @@
           <a:lstStyle/>
           <a:p>
             <a:r>
-              <a:rPr lang="ru-RU" sz="3600" dirty="0" smtClean="0"/>
-              <a:t>Модель 4Р-БПЛА как твердого тела с 6 степенями свободы</a:t>
-            </a:r>
-            <a:endParaRPr lang="ru-RU" sz="3600" dirty="0"/>
-          </a:p>
-        </p:txBody>
-      </p:sp>
-      <p:sp>
-        <p:nvSpPr>
-          <p:cNvPr id="3" name="Объект 2"/>
-          <p:cNvSpPr>
-            <a:spLocks noGrp="1"/>
-          </p:cNvSpPr>
-          <p:nvPr>
-            <p:ph sz="half" idx="1"/>
-          </p:nvPr>
+              <a:rPr lang="ru-RU" sz="3200" dirty="0" smtClean="0"/>
+              <a:t>Архитектура виртуального полигона</a:t>
+            </a:r>
+            <a:endParaRPr lang="ru-RU" sz="3200" dirty="0"/>
+          </a:p>
+        </p:txBody>
+      </p:sp>
+      <p:sp>
+        <p:nvSpPr>
+          <p:cNvPr id="4" name="Прямоугольник 3"/>
+          <p:cNvSpPr/>
+          <p:nvPr/>
         </p:nvSpPr>
         <p:spPr>
           <a:xfrm>
-            <a:off x="467544" y="2332037"/>
-            <a:ext cx="4038600" cy="4049291"/>
+            <a:off x="4355976" y="5157192"/>
+            <a:ext cx="2232248" cy="1440160"/>
           </a:xfrm>
           <a:prstGeom prst="rect">
             <a:avLst/>
           </a:prstGeom>
         </p:spPr>
-        <p:txBody>
-          <a:bodyPr/>
+        <p:style>
+          <a:lnRef idx="3">
+            <a:schemeClr val="lt1"/>
+          </a:lnRef>
+          <a:fillRef idx="1">
+            <a:schemeClr val="accent1"/>
+          </a:fillRef>
+          <a:effectRef idx="1">
+            <a:schemeClr val="accent1"/>
+          </a:effectRef>
+          <a:fontRef idx="minor">
+            <a:schemeClr val="lt1"/>
+          </a:fontRef>
+        </p:style>
+        <p:txBody>
+          <a:bodyPr rtlCol="0" anchor="ctr"/>
           <a:lstStyle/>
           <a:p>
-            <a:r>
-              <a:rPr lang="en-US" dirty="0" smtClean="0"/>
-              <a:t>BEPU </a:t>
-            </a:r>
-            <a:r>
-              <a:rPr lang="en-US" dirty="0" smtClean="0"/>
-              <a:t>physics</a:t>
-            </a:r>
-            <a:endParaRPr lang="ru-RU" dirty="0" smtClean="0"/>
-          </a:p>
-          <a:p>
-            <a:pPr lvl="1"/>
-            <a:r>
-              <a:rPr lang="en-US" dirty="0" smtClean="0"/>
-              <a:t>CCD</a:t>
-            </a:r>
-            <a:endParaRPr lang="ru-RU" dirty="0"/>
-          </a:p>
-        </p:txBody>
-      </p:sp>
-      <p:pic>
-        <p:nvPicPr>
-          <p:cNvPr id="6" name="Содержимое 5" descr="quad.png"/>
-          <p:cNvPicPr>
-            <a:picLocks noGrp="1" noChangeAspect="1"/>
-          </p:cNvPicPr>
-          <p:nvPr>
-            <p:ph sz="half" idx="2"/>
-          </p:nvPr>
-        </p:nvPicPr>
-        <p:blipFill>
-          <a:blip r:embed="rId2" cstate="print"/>
-          <a:stretch>
-            <a:fillRect/>
-          </a:stretch>
-        </p:blipFill>
+            <a:pPr algn="ctr"/>
+            <a:r>
+              <a:rPr lang="ru-RU" dirty="0" smtClean="0">
+                <a:solidFill>
+                  <a:schemeClr val="bg1"/>
+                </a:solidFill>
+              </a:rPr>
+              <a:t>Модель аэродинамического взаимодействия</a:t>
+            </a:r>
+            <a:endParaRPr lang="ru-RU" dirty="0">
+              <a:solidFill>
+                <a:schemeClr val="bg1"/>
+              </a:solidFill>
+            </a:endParaRPr>
+          </a:p>
+        </p:txBody>
+      </p:sp>
+      <p:sp>
+        <p:nvSpPr>
+          <p:cNvPr id="5" name="Прямоугольник 4"/>
+          <p:cNvSpPr/>
+          <p:nvPr/>
+        </p:nvSpPr>
         <p:spPr>
           <a:xfrm>
-            <a:off x="4656138" y="2829727"/>
-            <a:ext cx="4038600" cy="2406634"/>
-          </a:xfrm>
-        </p:spPr>
-      </p:pic>
-      <p:sp>
-        <p:nvSpPr>
-          <p:cNvPr id="4" name="Номер слайда 3"/>
+            <a:off x="6660232" y="5661248"/>
+            <a:ext cx="2232248" cy="936104"/>
+          </a:xfrm>
+          <a:prstGeom prst="rect">
+            <a:avLst/>
+          </a:prstGeom>
+        </p:spPr>
+        <p:style>
+          <a:lnRef idx="3">
+            <a:schemeClr val="lt1"/>
+          </a:lnRef>
+          <a:fillRef idx="1">
+            <a:schemeClr val="accent1"/>
+          </a:fillRef>
+          <a:effectRef idx="1">
+            <a:schemeClr val="accent1"/>
+          </a:effectRef>
+          <a:fontRef idx="minor">
+            <a:schemeClr val="lt1"/>
+          </a:fontRef>
+        </p:style>
+        <p:txBody>
+          <a:bodyPr rtlCol="0" anchor="ctr"/>
+          <a:lstStyle/>
+          <a:p>
+            <a:pPr algn="ctr"/>
+            <a:r>
+              <a:rPr lang="ru-RU" dirty="0" smtClean="0">
+                <a:solidFill>
+                  <a:schemeClr val="bg1"/>
+                </a:solidFill>
+              </a:rPr>
+              <a:t>Модель </a:t>
+            </a:r>
+            <a:r>
+              <a:rPr lang="ru-RU" dirty="0" err="1" smtClean="0">
+                <a:solidFill>
+                  <a:schemeClr val="bg1"/>
+                </a:solidFill>
+              </a:rPr>
+              <a:t>тв</a:t>
+            </a:r>
+            <a:r>
+              <a:rPr lang="ru-RU" dirty="0" smtClean="0">
+                <a:solidFill>
+                  <a:schemeClr val="bg1"/>
+                </a:solidFill>
+              </a:rPr>
+              <a:t>. тела</a:t>
+            </a:r>
+          </a:p>
+          <a:p>
+            <a:pPr algn="ctr"/>
+            <a:r>
+              <a:rPr lang="ru-RU" dirty="0" smtClean="0">
+                <a:solidFill>
+                  <a:schemeClr val="bg1"/>
+                </a:solidFill>
+              </a:rPr>
+              <a:t>6-</a:t>
+            </a:r>
+            <a:r>
+              <a:rPr lang="en-US" dirty="0" smtClean="0">
+                <a:solidFill>
+                  <a:schemeClr val="bg1"/>
+                </a:solidFill>
+              </a:rPr>
+              <a:t>DOF</a:t>
+            </a:r>
+            <a:endParaRPr lang="ru-RU" dirty="0">
+              <a:solidFill>
+                <a:schemeClr val="bg1"/>
+              </a:solidFill>
+            </a:endParaRPr>
+          </a:p>
+        </p:txBody>
+      </p:sp>
+      <p:sp>
+        <p:nvSpPr>
+          <p:cNvPr id="6" name="Прямоугольник 5"/>
+          <p:cNvSpPr/>
+          <p:nvPr/>
+        </p:nvSpPr>
+        <p:spPr>
+          <a:xfrm>
+            <a:off x="611560" y="1340768"/>
+            <a:ext cx="1440160" cy="1440160"/>
+          </a:xfrm>
+          <a:prstGeom prst="rect">
+            <a:avLst/>
+          </a:prstGeom>
+        </p:spPr>
+        <p:style>
+          <a:lnRef idx="3">
+            <a:schemeClr val="lt1"/>
+          </a:lnRef>
+          <a:fillRef idx="1">
+            <a:schemeClr val="accent1"/>
+          </a:fillRef>
+          <a:effectRef idx="1">
+            <a:schemeClr val="accent1"/>
+          </a:effectRef>
+          <a:fontRef idx="minor">
+            <a:schemeClr val="lt1"/>
+          </a:fontRef>
+        </p:style>
+        <p:txBody>
+          <a:bodyPr rtlCol="0" anchor="ctr"/>
+          <a:lstStyle/>
+          <a:p>
+            <a:pPr algn="ctr"/>
+            <a:r>
+              <a:rPr lang="ru-RU" dirty="0" smtClean="0">
+                <a:solidFill>
+                  <a:schemeClr val="bg1"/>
+                </a:solidFill>
+              </a:rPr>
+              <a:t>Система </a:t>
+            </a:r>
+            <a:r>
+              <a:rPr lang="ru-RU" dirty="0" err="1" smtClean="0">
+                <a:solidFill>
+                  <a:schemeClr val="bg1"/>
+                </a:solidFill>
+              </a:rPr>
+              <a:t>оптическогозахвата</a:t>
+            </a:r>
+            <a:r>
+              <a:rPr lang="ru-RU" dirty="0" smtClean="0">
+                <a:solidFill>
+                  <a:schemeClr val="bg1"/>
+                </a:solidFill>
+              </a:rPr>
+              <a:t> движения</a:t>
+            </a:r>
+            <a:endParaRPr lang="ru-RU" dirty="0">
+              <a:solidFill>
+                <a:schemeClr val="bg1"/>
+              </a:solidFill>
+            </a:endParaRPr>
+          </a:p>
+        </p:txBody>
+      </p:sp>
+      <p:sp>
+        <p:nvSpPr>
+          <p:cNvPr id="7" name="Прямоугольник 6"/>
+          <p:cNvSpPr/>
+          <p:nvPr/>
+        </p:nvSpPr>
+        <p:spPr>
+          <a:xfrm>
+            <a:off x="4355976" y="3645024"/>
+            <a:ext cx="2232248" cy="1440160"/>
+          </a:xfrm>
+          <a:prstGeom prst="rect">
+            <a:avLst/>
+          </a:prstGeom>
+        </p:spPr>
+        <p:style>
+          <a:lnRef idx="3">
+            <a:schemeClr val="lt1"/>
+          </a:lnRef>
+          <a:fillRef idx="1">
+            <a:schemeClr val="accent1"/>
+          </a:fillRef>
+          <a:effectRef idx="1">
+            <a:schemeClr val="accent1"/>
+          </a:effectRef>
+          <a:fontRef idx="minor">
+            <a:schemeClr val="lt1"/>
+          </a:fontRef>
+        </p:style>
+        <p:txBody>
+          <a:bodyPr rtlCol="0" anchor="ctr"/>
+          <a:lstStyle/>
+          <a:p>
+            <a:pPr algn="ctr"/>
+            <a:r>
+              <a:rPr lang="ru-RU" dirty="0" smtClean="0">
+                <a:solidFill>
+                  <a:schemeClr val="bg1"/>
+                </a:solidFill>
+              </a:rPr>
+              <a:t>Модель функционирования </a:t>
+            </a:r>
+            <a:r>
+              <a:rPr lang="en-US" dirty="0" smtClean="0">
+                <a:solidFill>
+                  <a:schemeClr val="bg1"/>
+                </a:solidFill>
+              </a:rPr>
+              <a:t>IMU </a:t>
+            </a:r>
+            <a:r>
+              <a:rPr lang="ru-RU" dirty="0" smtClean="0">
+                <a:solidFill>
+                  <a:schemeClr val="bg1"/>
+                </a:solidFill>
+              </a:rPr>
+              <a:t>сенсоров</a:t>
+            </a:r>
+            <a:endParaRPr lang="ru-RU" dirty="0">
+              <a:solidFill>
+                <a:schemeClr val="bg1"/>
+              </a:solidFill>
+            </a:endParaRPr>
+          </a:p>
+        </p:txBody>
+      </p:sp>
+      <p:sp>
+        <p:nvSpPr>
+          <p:cNvPr id="8" name="Прямоугольник 7"/>
+          <p:cNvSpPr/>
+          <p:nvPr/>
+        </p:nvSpPr>
+        <p:spPr>
+          <a:xfrm>
+            <a:off x="6660232" y="4653136"/>
+            <a:ext cx="2232248" cy="936104"/>
+          </a:xfrm>
+          <a:prstGeom prst="rect">
+            <a:avLst/>
+          </a:prstGeom>
+        </p:spPr>
+        <p:style>
+          <a:lnRef idx="3">
+            <a:schemeClr val="lt1"/>
+          </a:lnRef>
+          <a:fillRef idx="1">
+            <a:schemeClr val="accent1"/>
+          </a:fillRef>
+          <a:effectRef idx="1">
+            <a:schemeClr val="accent1"/>
+          </a:effectRef>
+          <a:fontRef idx="minor">
+            <a:schemeClr val="lt1"/>
+          </a:fontRef>
+        </p:style>
+        <p:txBody>
+          <a:bodyPr rtlCol="0" anchor="ctr"/>
+          <a:lstStyle/>
+          <a:p>
+            <a:pPr algn="ctr"/>
+            <a:r>
+              <a:rPr lang="ru-RU" dirty="0" smtClean="0">
+                <a:solidFill>
+                  <a:schemeClr val="bg1"/>
+                </a:solidFill>
+              </a:rPr>
+              <a:t>Модель</a:t>
+            </a:r>
+          </a:p>
+          <a:p>
+            <a:pPr algn="ctr"/>
+            <a:r>
+              <a:rPr lang="ru-RU" dirty="0" smtClean="0">
+                <a:solidFill>
+                  <a:schemeClr val="bg1"/>
+                </a:solidFill>
+              </a:rPr>
+              <a:t>аэродинамического</a:t>
+            </a:r>
+          </a:p>
+          <a:p>
+            <a:pPr algn="ctr"/>
+            <a:r>
+              <a:rPr lang="ru-RU" dirty="0" err="1" smtClean="0">
+                <a:solidFill>
+                  <a:schemeClr val="bg1"/>
+                </a:solidFill>
+              </a:rPr>
+              <a:t>движетеля</a:t>
+            </a:r>
+            <a:endParaRPr lang="ru-RU" dirty="0">
+              <a:solidFill>
+                <a:schemeClr val="bg1"/>
+              </a:solidFill>
+            </a:endParaRPr>
+          </a:p>
+        </p:txBody>
+      </p:sp>
+      <p:sp>
+        <p:nvSpPr>
+          <p:cNvPr id="9" name="Прямоугольник 8"/>
+          <p:cNvSpPr/>
+          <p:nvPr/>
+        </p:nvSpPr>
+        <p:spPr>
+          <a:xfrm>
+            <a:off x="6660232" y="3645024"/>
+            <a:ext cx="2232248" cy="936104"/>
+          </a:xfrm>
+          <a:prstGeom prst="rect">
+            <a:avLst/>
+          </a:prstGeom>
+        </p:spPr>
+        <p:style>
+          <a:lnRef idx="3">
+            <a:schemeClr val="lt1"/>
+          </a:lnRef>
+          <a:fillRef idx="1">
+            <a:schemeClr val="accent1"/>
+          </a:fillRef>
+          <a:effectRef idx="1">
+            <a:schemeClr val="accent1"/>
+          </a:effectRef>
+          <a:fontRef idx="minor">
+            <a:schemeClr val="lt1"/>
+          </a:fontRef>
+        </p:style>
+        <p:txBody>
+          <a:bodyPr rtlCol="0" anchor="ctr"/>
+          <a:lstStyle/>
+          <a:p>
+            <a:pPr algn="ctr"/>
+            <a:r>
+              <a:rPr lang="ru-RU" dirty="0" smtClean="0">
+                <a:solidFill>
+                  <a:schemeClr val="bg1"/>
+                </a:solidFill>
+              </a:rPr>
+              <a:t>Модель</a:t>
+            </a:r>
+          </a:p>
+          <a:p>
+            <a:pPr algn="ctr"/>
+            <a:r>
+              <a:rPr lang="ru-RU" dirty="0" smtClean="0">
+                <a:solidFill>
+                  <a:schemeClr val="bg1"/>
+                </a:solidFill>
+              </a:rPr>
+              <a:t>видеокамеры</a:t>
+            </a:r>
+            <a:endParaRPr lang="ru-RU" dirty="0">
+              <a:solidFill>
+                <a:schemeClr val="bg1"/>
+              </a:solidFill>
+            </a:endParaRPr>
+          </a:p>
+        </p:txBody>
+      </p:sp>
+      <p:sp>
+        <p:nvSpPr>
+          <p:cNvPr id="15" name="Прямоугольник 14"/>
+          <p:cNvSpPr/>
+          <p:nvPr/>
+        </p:nvSpPr>
+        <p:spPr>
+          <a:xfrm>
+            <a:off x="611560" y="2852936"/>
+            <a:ext cx="1440160" cy="1440160"/>
+          </a:xfrm>
+          <a:prstGeom prst="rect">
+            <a:avLst/>
+          </a:prstGeom>
+        </p:spPr>
+        <p:style>
+          <a:lnRef idx="3">
+            <a:schemeClr val="lt1"/>
+          </a:lnRef>
+          <a:fillRef idx="1">
+            <a:schemeClr val="accent1"/>
+          </a:fillRef>
+          <a:effectRef idx="1">
+            <a:schemeClr val="accent1"/>
+          </a:effectRef>
+          <a:fontRef idx="minor">
+            <a:schemeClr val="lt1"/>
+          </a:fontRef>
+        </p:style>
+        <p:txBody>
+          <a:bodyPr rtlCol="0" anchor="ctr"/>
+          <a:lstStyle/>
+          <a:p>
+            <a:pPr algn="ctr"/>
+            <a:r>
+              <a:rPr lang="ru-RU" dirty="0" smtClean="0">
+                <a:solidFill>
+                  <a:schemeClr val="bg1"/>
+                </a:solidFill>
+              </a:rPr>
+              <a:t>Телеметрия</a:t>
+            </a:r>
+          </a:p>
+          <a:p>
+            <a:pPr algn="ctr"/>
+            <a:r>
+              <a:rPr lang="ru-RU" dirty="0" smtClean="0">
+                <a:solidFill>
+                  <a:schemeClr val="bg1"/>
+                </a:solidFill>
+              </a:rPr>
+              <a:t>БПЛА</a:t>
+            </a:r>
+            <a:endParaRPr lang="ru-RU" dirty="0">
+              <a:solidFill>
+                <a:schemeClr val="bg1"/>
+              </a:solidFill>
+            </a:endParaRPr>
+          </a:p>
+        </p:txBody>
+      </p:sp>
+      <p:sp>
+        <p:nvSpPr>
+          <p:cNvPr id="16" name="Прямоугольник 15"/>
+          <p:cNvSpPr/>
+          <p:nvPr/>
+        </p:nvSpPr>
+        <p:spPr>
+          <a:xfrm>
+            <a:off x="6660232" y="1340768"/>
+            <a:ext cx="2232248" cy="936104"/>
+          </a:xfrm>
+          <a:prstGeom prst="rect">
+            <a:avLst/>
+          </a:prstGeom>
+        </p:spPr>
+        <p:style>
+          <a:lnRef idx="3">
+            <a:schemeClr val="lt1"/>
+          </a:lnRef>
+          <a:fillRef idx="1">
+            <a:schemeClr val="accent1"/>
+          </a:fillRef>
+          <a:effectRef idx="1">
+            <a:schemeClr val="accent1"/>
+          </a:effectRef>
+          <a:fontRef idx="minor">
+            <a:schemeClr val="lt1"/>
+          </a:fontRef>
+        </p:style>
+        <p:txBody>
+          <a:bodyPr rtlCol="0" anchor="ctr"/>
+          <a:lstStyle/>
+          <a:p>
+            <a:pPr algn="ctr"/>
+            <a:r>
+              <a:rPr lang="ru-RU" dirty="0" smtClean="0">
+                <a:solidFill>
+                  <a:schemeClr val="bg1"/>
+                </a:solidFill>
+              </a:rPr>
+              <a:t>Средства </a:t>
+            </a:r>
+          </a:p>
+          <a:p>
+            <a:pPr algn="ctr"/>
+            <a:r>
+              <a:rPr lang="ru-RU" dirty="0" err="1" smtClean="0">
+                <a:solidFill>
+                  <a:schemeClr val="bg1"/>
+                </a:solidFill>
+              </a:rPr>
+              <a:t>журналирования</a:t>
+            </a:r>
+            <a:r>
+              <a:rPr lang="ru-RU" dirty="0" smtClean="0">
+                <a:solidFill>
+                  <a:schemeClr val="bg1"/>
+                </a:solidFill>
+              </a:rPr>
+              <a:t> </a:t>
+            </a:r>
+          </a:p>
+          <a:p>
+            <a:pPr algn="ctr"/>
+            <a:r>
+              <a:rPr lang="ru-RU" dirty="0" smtClean="0">
+                <a:solidFill>
+                  <a:schemeClr val="bg1"/>
+                </a:solidFill>
+              </a:rPr>
+              <a:t>и анализа</a:t>
+            </a:r>
+            <a:endParaRPr lang="ru-RU" dirty="0">
+              <a:solidFill>
+                <a:schemeClr val="bg1"/>
+              </a:solidFill>
+            </a:endParaRPr>
+          </a:p>
+        </p:txBody>
+      </p:sp>
+      <p:sp>
+        <p:nvSpPr>
+          <p:cNvPr id="17" name="Прямоугольник 16"/>
+          <p:cNvSpPr/>
+          <p:nvPr/>
+        </p:nvSpPr>
+        <p:spPr>
+          <a:xfrm>
+            <a:off x="3131840" y="1340768"/>
+            <a:ext cx="2160240" cy="2016224"/>
+          </a:xfrm>
+          <a:prstGeom prst="rect">
+            <a:avLst/>
+          </a:prstGeom>
+        </p:spPr>
+        <p:style>
+          <a:lnRef idx="3">
+            <a:schemeClr val="lt1"/>
+          </a:lnRef>
+          <a:fillRef idx="1">
+            <a:schemeClr val="accent1"/>
+          </a:fillRef>
+          <a:effectRef idx="1">
+            <a:schemeClr val="accent1"/>
+          </a:effectRef>
+          <a:fontRef idx="minor">
+            <a:schemeClr val="lt1"/>
+          </a:fontRef>
+        </p:style>
+        <p:txBody>
+          <a:bodyPr rtlCol="0" anchor="ctr"/>
+          <a:lstStyle/>
+          <a:p>
+            <a:pPr algn="ctr"/>
+            <a:r>
+              <a:rPr lang="ru-RU" b="1" dirty="0" smtClean="0">
+                <a:solidFill>
+                  <a:schemeClr val="bg1"/>
+                </a:solidFill>
+              </a:rPr>
+              <a:t>Система управления</a:t>
+            </a:r>
+          </a:p>
+          <a:p>
+            <a:r>
+              <a:rPr lang="ru-RU" dirty="0" smtClean="0">
+                <a:solidFill>
+                  <a:schemeClr val="bg1"/>
+                </a:solidFill>
+              </a:rPr>
+              <a:t>	- ручное</a:t>
+            </a:r>
+          </a:p>
+          <a:p>
+            <a:r>
+              <a:rPr lang="ru-RU" dirty="0" smtClean="0">
+                <a:solidFill>
+                  <a:schemeClr val="bg1"/>
+                </a:solidFill>
+              </a:rPr>
+              <a:t>	- </a:t>
+            </a:r>
+            <a:r>
+              <a:rPr lang="ru-RU" dirty="0" smtClean="0">
+                <a:solidFill>
+                  <a:schemeClr val="bg1"/>
+                </a:solidFill>
+              </a:rPr>
+              <a:t>авто</a:t>
+            </a:r>
+            <a:endParaRPr lang="ru-RU" dirty="0" smtClean="0">
+              <a:solidFill>
+                <a:schemeClr val="bg1"/>
+              </a:solidFill>
+            </a:endParaRPr>
+          </a:p>
+        </p:txBody>
+      </p:sp>
+      <p:sp>
+        <p:nvSpPr>
+          <p:cNvPr id="41" name="Стрелка вправо 40"/>
+          <p:cNvSpPr/>
+          <p:nvPr/>
+        </p:nvSpPr>
+        <p:spPr>
+          <a:xfrm>
+            <a:off x="2123728" y="2132856"/>
+            <a:ext cx="936104" cy="216024"/>
+          </a:xfrm>
+          <a:prstGeom prst="rightArrow">
+            <a:avLst/>
+          </a:prstGeom>
+        </p:spPr>
+        <p:style>
+          <a:lnRef idx="3">
+            <a:schemeClr val="lt1"/>
+          </a:lnRef>
+          <a:fillRef idx="1">
+            <a:schemeClr val="accent1"/>
+          </a:fillRef>
+          <a:effectRef idx="1">
+            <a:schemeClr val="accent1"/>
+          </a:effectRef>
+          <a:fontRef idx="minor">
+            <a:schemeClr val="lt1"/>
+          </a:fontRef>
+        </p:style>
+        <p:txBody>
+          <a:bodyPr rtlCol="0" anchor="ctr"/>
+          <a:lstStyle/>
+          <a:p>
+            <a:pPr algn="ctr"/>
+            <a:endParaRPr lang="ru-RU"/>
+          </a:p>
+        </p:txBody>
+      </p:sp>
+      <p:sp>
+        <p:nvSpPr>
+          <p:cNvPr id="42" name="Стрелка вправо 41"/>
+          <p:cNvSpPr/>
+          <p:nvPr/>
+        </p:nvSpPr>
+        <p:spPr>
+          <a:xfrm>
+            <a:off x="2123728" y="2996952"/>
+            <a:ext cx="936104" cy="216024"/>
+          </a:xfrm>
+          <a:prstGeom prst="rightArrow">
+            <a:avLst/>
+          </a:prstGeom>
+        </p:spPr>
+        <p:style>
+          <a:lnRef idx="3">
+            <a:schemeClr val="lt1"/>
+          </a:lnRef>
+          <a:fillRef idx="1">
+            <a:schemeClr val="accent1"/>
+          </a:fillRef>
+          <a:effectRef idx="1">
+            <a:schemeClr val="accent1"/>
+          </a:effectRef>
+          <a:fontRef idx="minor">
+            <a:schemeClr val="lt1"/>
+          </a:fontRef>
+        </p:style>
+        <p:txBody>
+          <a:bodyPr rtlCol="0" anchor="ctr"/>
+          <a:lstStyle/>
+          <a:p>
+            <a:pPr algn="ctr"/>
+            <a:endParaRPr lang="ru-RU"/>
+          </a:p>
+        </p:txBody>
+      </p:sp>
+      <p:sp>
+        <p:nvSpPr>
+          <p:cNvPr id="43" name="Стрелка вправо 42"/>
+          <p:cNvSpPr/>
+          <p:nvPr/>
+        </p:nvSpPr>
+        <p:spPr>
+          <a:xfrm>
+            <a:off x="5364088" y="1700808"/>
+            <a:ext cx="1224136" cy="216024"/>
+          </a:xfrm>
+          <a:prstGeom prst="rightArrow">
+            <a:avLst/>
+          </a:prstGeom>
+        </p:spPr>
+        <p:style>
+          <a:lnRef idx="3">
+            <a:schemeClr val="lt1"/>
+          </a:lnRef>
+          <a:fillRef idx="1">
+            <a:schemeClr val="accent1"/>
+          </a:fillRef>
+          <a:effectRef idx="1">
+            <a:schemeClr val="accent1"/>
+          </a:effectRef>
+          <a:fontRef idx="minor">
+            <a:schemeClr val="lt1"/>
+          </a:fontRef>
+        </p:style>
+        <p:txBody>
+          <a:bodyPr rtlCol="0" anchor="ctr"/>
+          <a:lstStyle/>
+          <a:p>
+            <a:pPr algn="ctr"/>
+            <a:endParaRPr lang="ru-RU"/>
+          </a:p>
+        </p:txBody>
+      </p:sp>
+      <p:sp>
+        <p:nvSpPr>
+          <p:cNvPr id="44" name="Двойная стрелка влево/вверх 43"/>
+          <p:cNvSpPr/>
+          <p:nvPr/>
+        </p:nvSpPr>
+        <p:spPr>
+          <a:xfrm rot="16200000">
+            <a:off x="5220072" y="2492896"/>
+            <a:ext cx="1152128" cy="864096"/>
+          </a:xfrm>
+          <a:prstGeom prst="leftUpArrow">
+            <a:avLst>
+              <a:gd name="adj1" fmla="val 11980"/>
+              <a:gd name="adj2" fmla="val 11523"/>
+              <a:gd name="adj3" fmla="val 13020"/>
+            </a:avLst>
+          </a:prstGeom>
+        </p:spPr>
+        <p:style>
+          <a:lnRef idx="3">
+            <a:schemeClr val="lt1"/>
+          </a:lnRef>
+          <a:fillRef idx="1">
+            <a:schemeClr val="accent1"/>
+          </a:fillRef>
+          <a:effectRef idx="1">
+            <a:schemeClr val="accent1"/>
+          </a:effectRef>
+          <a:fontRef idx="minor">
+            <a:schemeClr val="lt1"/>
+          </a:fontRef>
+        </p:style>
+        <p:txBody>
+          <a:bodyPr rtlCol="0" anchor="ctr"/>
+          <a:lstStyle/>
+          <a:p>
+            <a:pPr algn="ctr"/>
+            <a:endParaRPr lang="ru-RU"/>
+          </a:p>
+        </p:txBody>
+      </p:sp>
+      <p:sp>
+        <p:nvSpPr>
+          <p:cNvPr id="18" name="Номер слайда 17"/>
           <p:cNvSpPr>
             <a:spLocks noGrp="1"/>
           </p:cNvSpPr>
@@ -9272,7 +8865,7 @@
     </p:spTree>
     <p:extLst>
       <p:ext uri="{BB962C8B-B14F-4D97-AF65-F5344CB8AC3E}">
-        <p14:creationId xmlns:p14="http://schemas.microsoft.com/office/powerpoint/2010/main" xmlns="" val="3609528446"/>
+        <p14:creationId xmlns="" xmlns:p14="http://schemas.microsoft.com/office/powerpoint/2010/main" val="1550165570"/>
       </p:ext>
     </p:extLst>
   </p:cSld>
@@ -9323,7 +8916,7 @@
           <a:p>
             <a:r>
               <a:rPr lang="ru-RU" sz="3600" dirty="0" smtClean="0"/>
-              <a:t>Модель аэродинамического взаимодействия</a:t>
+              <a:t>Физическая подсистема</a:t>
             </a:r>
             <a:endParaRPr lang="ru-RU" sz="3600" dirty="0"/>
           </a:p>
@@ -9331,67 +8924,7 @@
       </p:sp>
       <p:sp>
         <p:nvSpPr>
-          <p:cNvPr id="3" name="Объект 2"/>
-          <p:cNvSpPr>
-            <a:spLocks noGrp="1"/>
-          </p:cNvSpPr>
-          <p:nvPr>
-            <p:ph sz="half" idx="1"/>
-          </p:nvPr>
-        </p:nvSpPr>
-        <p:spPr>
-          <a:prstGeom prst="rect">
-            <a:avLst/>
-          </a:prstGeom>
-        </p:spPr>
-        <p:txBody>
-          <a:bodyPr/>
-          <a:lstStyle/>
-          <a:p>
-            <a:r>
-              <a:rPr lang="ru-RU" dirty="0" smtClean="0"/>
-              <a:t>Решение уравнения </a:t>
-            </a:r>
-            <a:r>
-              <a:rPr lang="ru-RU" dirty="0" err="1" smtClean="0"/>
-              <a:t>Навье-стокса</a:t>
-            </a:r>
-            <a:endParaRPr lang="ru-RU" dirty="0" smtClean="0"/>
-          </a:p>
-          <a:p>
-            <a:r>
-              <a:rPr lang="en-US" dirty="0" smtClean="0"/>
-              <a:t>CUDA</a:t>
-            </a:r>
-            <a:endParaRPr lang="ru-RU" dirty="0" smtClean="0"/>
-          </a:p>
-          <a:p>
-            <a:endParaRPr lang="ru-RU" dirty="0" smtClean="0"/>
-          </a:p>
-        </p:txBody>
-      </p:sp>
-      <p:sp>
-        <p:nvSpPr>
-          <p:cNvPr id="4" name="Содержимое 3"/>
-          <p:cNvSpPr>
-            <a:spLocks noGrp="1"/>
-          </p:cNvSpPr>
-          <p:nvPr>
-            <p:ph sz="half" idx="2"/>
-          </p:nvPr>
-        </p:nvSpPr>
-        <p:spPr/>
-        <p:txBody>
-          <a:bodyPr/>
-          <a:lstStyle/>
-          <a:p>
-            <a:endParaRPr lang="ru-RU" dirty="0"/>
-          </a:p>
-        </p:txBody>
-      </p:sp>
-      <p:sp>
-        <p:nvSpPr>
-          <p:cNvPr id="5" name="Номер слайда 4"/>
+          <p:cNvPr id="4" name="Номер слайда 3"/>
           <p:cNvSpPr>
             <a:spLocks noGrp="1"/>
           </p:cNvSpPr>
@@ -9413,10 +8946,186 @@
           </a:p>
         </p:txBody>
       </p:sp>
+      <p:sp>
+        <p:nvSpPr>
+          <p:cNvPr id="12" name="Содержимое 11"/>
+          <p:cNvSpPr>
+            <a:spLocks noGrp="1"/>
+          </p:cNvSpPr>
+          <p:nvPr>
+            <p:ph sz="half" idx="1"/>
+          </p:nvPr>
+        </p:nvSpPr>
+        <p:spPr>
+          <a:xfrm>
+            <a:off x="467544" y="1340769"/>
+            <a:ext cx="3672408" cy="2376264"/>
+          </a:xfrm>
+        </p:spPr>
+        <p:txBody>
+          <a:bodyPr>
+            <a:normAutofit fontScale="77500" lnSpcReduction="20000"/>
+          </a:bodyPr>
+          <a:lstStyle/>
+          <a:p>
+            <a:r>
+              <a:rPr lang="ru-RU" dirty="0" smtClean="0"/>
+              <a:t>Модель </a:t>
+            </a:r>
+            <a:r>
+              <a:rPr lang="ru-RU" dirty="0" err="1" smtClean="0"/>
+              <a:t>тв</a:t>
+            </a:r>
+            <a:r>
+              <a:rPr lang="ru-RU" dirty="0" smtClean="0"/>
+              <a:t>. Тела</a:t>
+            </a:r>
+          </a:p>
+          <a:p>
+            <a:pPr lvl="1"/>
+            <a:r>
+              <a:rPr lang="en-US" dirty="0" smtClean="0"/>
+              <a:t>CCD</a:t>
+            </a:r>
+          </a:p>
+          <a:p>
+            <a:pPr lvl="1"/>
+            <a:r>
+              <a:rPr lang="en-US" dirty="0" smtClean="0"/>
+              <a:t>6-DOF Rigid body</a:t>
+            </a:r>
+            <a:endParaRPr lang="ru-RU" dirty="0" smtClean="0"/>
+          </a:p>
+          <a:p>
+            <a:r>
+              <a:rPr lang="ru-RU" dirty="0" err="1" smtClean="0"/>
+              <a:t>Движетель</a:t>
+            </a:r>
+            <a:r>
+              <a:rPr lang="ru-RU" dirty="0" smtClean="0"/>
+              <a:t>:</a:t>
+            </a:r>
+          </a:p>
+          <a:p>
+            <a:pPr lvl="1"/>
+            <a:r>
+              <a:rPr lang="ru-RU" dirty="0" smtClean="0"/>
+              <a:t>По таблицам производителей</a:t>
+            </a:r>
+          </a:p>
+          <a:p>
+            <a:pPr lvl="1"/>
+            <a:r>
+              <a:rPr lang="ru-RU" dirty="0" smtClean="0"/>
+              <a:t>По эмпирическим формулам</a:t>
+            </a:r>
+            <a:endParaRPr lang="en-US" dirty="0" smtClean="0"/>
+          </a:p>
+          <a:p>
+            <a:endParaRPr lang="ru-RU" dirty="0"/>
+          </a:p>
+        </p:txBody>
+      </p:sp>
+      <p:sp>
+        <p:nvSpPr>
+          <p:cNvPr id="13" name="Содержимое 12"/>
+          <p:cNvSpPr>
+            <a:spLocks noGrp="1"/>
+          </p:cNvSpPr>
+          <p:nvPr>
+            <p:ph sz="half" idx="2"/>
+          </p:nvPr>
+        </p:nvSpPr>
+        <p:spPr>
+          <a:xfrm>
+            <a:off x="4427984" y="1340769"/>
+            <a:ext cx="4269160" cy="1368151"/>
+          </a:xfrm>
+        </p:spPr>
+        <p:txBody>
+          <a:bodyPr>
+            <a:noAutofit/>
+          </a:bodyPr>
+          <a:lstStyle/>
+          <a:p>
+            <a:r>
+              <a:rPr lang="ru-RU" sz="2000" dirty="0" smtClean="0"/>
+              <a:t>Решение уравнения </a:t>
+            </a:r>
+            <a:r>
+              <a:rPr lang="ru-RU" sz="2000" dirty="0" err="1" smtClean="0"/>
+              <a:t>Навье-Стокса</a:t>
+            </a:r>
+            <a:r>
+              <a:rPr lang="ru-RU" sz="2000" dirty="0" smtClean="0"/>
+              <a:t> – расчет вихрей создаваемых пропеллерами</a:t>
+            </a:r>
+          </a:p>
+          <a:p>
+            <a:r>
+              <a:rPr lang="ru-RU" sz="2000" dirty="0" smtClean="0"/>
+              <a:t>Расчет пропеллеров по эмпирическим формулам в заданном локальном потоке</a:t>
+            </a:r>
+            <a:endParaRPr lang="ru-RU" sz="2000" dirty="0"/>
+          </a:p>
+        </p:txBody>
+      </p:sp>
+      <p:pic>
+        <p:nvPicPr>
+          <p:cNvPr id="14" name="Содержимое 5" descr="quad.png"/>
+          <p:cNvPicPr>
+            <a:picLocks noChangeAspect="1"/>
+          </p:cNvPicPr>
+          <p:nvPr/>
+        </p:nvPicPr>
+        <p:blipFill>
+          <a:blip r:embed="rId3" cstate="print"/>
+          <a:stretch>
+            <a:fillRect/>
+          </a:stretch>
+        </p:blipFill>
+        <p:spPr>
+          <a:xfrm>
+            <a:off x="467544" y="3976887"/>
+            <a:ext cx="3672408" cy="2188417"/>
+          </a:xfrm>
+          <a:prstGeom prst="rect">
+            <a:avLst/>
+          </a:prstGeom>
+        </p:spPr>
+      </p:pic>
+      <p:pic>
+        <p:nvPicPr>
+          <p:cNvPr id="15" name="CFDTest 2012-05-10 21-18-26-80.avi">
+            <a:hlinkClick r:id="" action="ppaction://media"/>
+          </p:cNvPr>
+          <p:cNvPicPr>
+            <a:picLocks noRot="1" noChangeAspect="1"/>
+          </p:cNvPicPr>
+          <p:nvPr>
+            <a:videoFile r:link="rId1"/>
+          </p:nvPr>
+        </p:nvPicPr>
+        <p:blipFill>
+          <a:blip r:embed="rId4" cstate="print"/>
+          <a:stretch>
+            <a:fillRect/>
+          </a:stretch>
+        </p:blipFill>
+        <p:spPr>
+          <a:xfrm>
+            <a:off x="4644008" y="3717032"/>
+            <a:ext cx="4038600" cy="3028950"/>
+          </a:xfrm>
+          <a:prstGeom prst="rect">
+            <a:avLst/>
+          </a:prstGeom>
+        </p:spPr>
+      </p:pic>
     </p:spTree>
     <p:extLst>
       <p:ext uri="{BB962C8B-B14F-4D97-AF65-F5344CB8AC3E}">
-        <p14:creationId xmlns:p14="http://schemas.microsoft.com/office/powerpoint/2010/main" xmlns="" val="46958512"/>
+        <p14:creationId xmlns="" xmlns:p14="http://schemas.microsoft.com/office/powerpoint/2010/main" val="3609528446"/>
       </p:ext>
     </p:extLst>
   </p:cSld>
@@ -9426,7 +9135,150 @@
   <p:timing>
     <p:tnLst>
       <p:par>
-        <p:cTn id="1" dur="indefinite" restart="never" nodeType="tmRoot"/>
+        <p:cTn id="1" dur="indefinite" restart="never" nodeType="tmRoot">
+          <p:childTnLst>
+            <p:seq concurrent="1" nextAc="seek">
+              <p:cTn id="2" dur="indefinite" nodeType="mainSeq">
+                <p:childTnLst>
+                  <p:par>
+                    <p:cTn id="3" fill="hold">
+                      <p:stCondLst>
+                        <p:cond delay="indefinite"/>
+                        <p:cond evt="onBegin" delay="0">
+                          <p:tn val="2"/>
+                        </p:cond>
+                      </p:stCondLst>
+                      <p:childTnLst>
+                        <p:par>
+                          <p:cTn id="4" fill="hold">
+                            <p:stCondLst>
+                              <p:cond delay="0"/>
+                            </p:stCondLst>
+                            <p:childTnLst>
+                              <p:par>
+                                <p:cTn id="5" presetID="1" presetClass="mediacall" presetSubtype="0" fill="hold" nodeType="afterEffect">
+                                  <p:stCondLst>
+                                    <p:cond delay="0"/>
+                                  </p:stCondLst>
+                                  <p:childTnLst>
+                                    <p:cmd type="call" cmd="playFrom(0.0)">
+                                      <p:cBhvr>
+                                        <p:cTn id="6" dur="23467" fill="hold"/>
+                                        <p:tgtEl>
+                                          <p:spTgt spid="15"/>
+                                        </p:tgtEl>
+                                      </p:cBhvr>
+                                    </p:cmd>
+                                  </p:childTnLst>
+                                </p:cTn>
+                              </p:par>
+                            </p:childTnLst>
+                          </p:cTn>
+                        </p:par>
+                      </p:childTnLst>
+                    </p:cTn>
+                  </p:par>
+                </p:childTnLst>
+              </p:cTn>
+              <p:prevCondLst>
+                <p:cond evt="onPrev" delay="0">
+                  <p:tgtEl>
+                    <p:sldTgt/>
+                  </p:tgtEl>
+                </p:cond>
+              </p:prevCondLst>
+              <p:nextCondLst>
+                <p:cond evt="onNext" delay="0">
+                  <p:tgtEl>
+                    <p:sldTgt/>
+                  </p:tgtEl>
+                </p:cond>
+              </p:nextCondLst>
+            </p:seq>
+            <p:seq concurrent="1" nextAc="seek">
+              <p:cTn id="7" restart="whenNotActive" fill="hold" evtFilter="cancelBubble" nodeType="interactiveSeq">
+                <p:stCondLst>
+                  <p:cond evt="onClick" delay="0">
+                    <p:tgtEl>
+                      <p:spTgt spid="15"/>
+                    </p:tgtEl>
+                  </p:cond>
+                </p:stCondLst>
+                <p:endSync evt="end" delay="0">
+                  <p:rtn val="all"/>
+                </p:endSync>
+                <p:childTnLst>
+                  <p:par>
+                    <p:cTn id="8" fill="hold">
+                      <p:stCondLst>
+                        <p:cond delay="0"/>
+                      </p:stCondLst>
+                      <p:childTnLst>
+                        <p:par>
+                          <p:cTn id="9" fill="hold">
+                            <p:stCondLst>
+                              <p:cond delay="0"/>
+                            </p:stCondLst>
+                            <p:childTnLst>
+                              <p:par>
+                                <p:cTn id="10" presetID="2" presetClass="mediacall" presetSubtype="0" fill="hold" nodeType="clickEffect">
+                                  <p:stCondLst>
+                                    <p:cond delay="0"/>
+                                  </p:stCondLst>
+                                  <p:childTnLst>
+                                    <p:cmd type="call" cmd="togglePause">
+                                      <p:cBhvr>
+                                        <p:cTn id="11" dur="1" fill="hold"/>
+                                        <p:tgtEl>
+                                          <p:spTgt spid="15"/>
+                                        </p:tgtEl>
+                                      </p:cBhvr>
+                                    </p:cmd>
+                                  </p:childTnLst>
+                                </p:cTn>
+                              </p:par>
+                            </p:childTnLst>
+                          </p:cTn>
+                        </p:par>
+                      </p:childTnLst>
+                    </p:cTn>
+                  </p:par>
+                </p:childTnLst>
+              </p:cTn>
+              <p:nextCondLst>
+                <p:cond evt="onClick" delay="0">
+                  <p:tgtEl>
+                    <p:spTgt spid="15"/>
+                  </p:tgtEl>
+                </p:cond>
+              </p:nextCondLst>
+            </p:seq>
+            <p:video>
+              <p:cMediaNode>
+                <p:cTn id="12" repeatCount="indefinite" fill="hold" display="0">
+                  <p:stCondLst>
+                    <p:cond delay="indefinite"/>
+                  </p:stCondLst>
+                  <p:endCondLst>
+                    <p:cond evt="onNext" delay="0">
+                      <p:tgtEl>
+                        <p:sldTgt/>
+                      </p:tgtEl>
+                    </p:cond>
+                    <p:cond evt="onPrev" delay="0">
+                      <p:tgtEl>
+                        <p:sldTgt/>
+                      </p:tgtEl>
+                    </p:cond>
+                  </p:endCondLst>
+                </p:cTn>
+                <p:tgtEl>
+                  <p:spTgt spid="15"/>
+                </p:tgtEl>
+              </p:cMediaNode>
+            </p:video>
+          </p:childTnLst>
+        </p:cTn>
       </p:par>
     </p:tnLst>
   </p:timing>
@@ -9466,14 +9318,14 @@
           <a:lstStyle/>
           <a:p>
             <a:r>
-              <a:rPr lang="ru-RU" sz="3600" dirty="0" smtClean="0"/>
-              <a:t>Модель аэродинамического </a:t>
-            </a:r>
-            <a:r>
-              <a:rPr lang="ru-RU" sz="3600" dirty="0" err="1" smtClean="0"/>
-              <a:t>движетеля</a:t>
-            </a:r>
-            <a:endParaRPr lang="ru-RU" sz="3600" dirty="0"/>
+              <a:rPr lang="ru-RU" sz="2800" dirty="0" smtClean="0"/>
+              <a:t>Модель функционирования </a:t>
+            </a:r>
+            <a:r>
+              <a:rPr lang="ru-RU" sz="2800" dirty="0" smtClean="0"/>
+              <a:t>бортового оборудования</a:t>
+            </a:r>
+            <a:endParaRPr lang="ru-RU" sz="2800" dirty="0"/>
           </a:p>
         </p:txBody>
       </p:sp>
@@ -9484,7 +9336,93 @@
             <a:spLocks noGrp="1"/>
           </p:cNvSpPr>
           <p:nvPr>
-            <p:ph idx="1"/>
+            <p:ph sz="half" idx="1"/>
+          </p:nvPr>
+        </p:nvSpPr>
+        <p:spPr/>
+        <p:txBody>
+          <a:bodyPr>
+            <a:normAutofit/>
+          </a:bodyPr>
+          <a:lstStyle/>
+          <a:p>
+            <a:pPr>
+              <a:buNone/>
+            </a:pPr>
+            <a:r>
+              <a:rPr lang="ru-RU" sz="2400" b="1" u="sng" dirty="0" smtClean="0"/>
+              <a:t>Сенсоры</a:t>
+            </a:r>
+            <a:endParaRPr lang="ru-RU" sz="2400" b="1" u="sng" dirty="0" smtClean="0"/>
+          </a:p>
+          <a:p>
+            <a:r>
+              <a:rPr lang="ru-RU" sz="2400" dirty="0" smtClean="0"/>
+              <a:t>Типы </a:t>
+            </a:r>
+            <a:r>
+              <a:rPr lang="ru-RU" sz="2400" dirty="0" smtClean="0"/>
+              <a:t>сенсоров:</a:t>
+            </a:r>
+          </a:p>
+          <a:p>
+            <a:pPr lvl="1"/>
+            <a:r>
+              <a:rPr lang="ru-RU" sz="2000" dirty="0" smtClean="0"/>
+              <a:t>Гироскоп</a:t>
+            </a:r>
+          </a:p>
+          <a:p>
+            <a:pPr lvl="1"/>
+            <a:r>
+              <a:rPr lang="ru-RU" sz="2000" dirty="0" smtClean="0"/>
+              <a:t>Акселерометр</a:t>
+            </a:r>
+          </a:p>
+          <a:p>
+            <a:pPr lvl="1"/>
+            <a:r>
+              <a:rPr lang="ru-RU" sz="2000" dirty="0" smtClean="0"/>
+              <a:t>Барометр</a:t>
+            </a:r>
+          </a:p>
+          <a:p>
+            <a:pPr lvl="1"/>
+            <a:r>
+              <a:rPr lang="ru-RU" sz="2000" dirty="0" smtClean="0"/>
+              <a:t>Магнитометр</a:t>
+            </a:r>
+          </a:p>
+          <a:p>
+            <a:r>
+              <a:rPr lang="ru-RU" sz="2400" dirty="0" smtClean="0"/>
+              <a:t>Шум</a:t>
+            </a:r>
+            <a:endParaRPr lang="ru-RU" sz="2400" dirty="0" smtClean="0"/>
+          </a:p>
+          <a:p>
+            <a:r>
+              <a:rPr lang="ru-RU" sz="2400" dirty="0" smtClean="0"/>
+              <a:t>Разрядность</a:t>
+            </a:r>
+          </a:p>
+          <a:p>
+            <a:r>
+              <a:rPr lang="ru-RU" sz="2400" dirty="0" smtClean="0"/>
+              <a:t>Период дискретизации</a:t>
+            </a:r>
+            <a:endParaRPr lang="ru-RU" sz="2400" dirty="0"/>
+          </a:p>
+        </p:txBody>
+      </p:sp>
+      <p:sp>
+        <p:nvSpPr>
+          <p:cNvPr id="5" name="Содержимое 4"/>
+          <p:cNvSpPr>
+            <a:spLocks noGrp="1"/>
+          </p:cNvSpPr>
+          <p:nvPr>
+            <p:ph sz="half" idx="2"/>
           </p:nvPr>
         </p:nvSpPr>
         <p:spPr/>
@@ -9492,33 +9430,58 @@
           <a:bodyPr/>
           <a:lstStyle/>
           <a:p>
-            <a:r>
-              <a:rPr lang="en-US" dirty="0" smtClean="0"/>
-              <a:t>RPM</a:t>
-            </a:r>
-          </a:p>
-          <a:p>
-            <a:endParaRPr lang="en-US" dirty="0" smtClean="0"/>
-          </a:p>
-          <a:p>
-            <a:r>
-              <a:rPr lang="ru-RU" dirty="0" smtClean="0"/>
-              <a:t>График</a:t>
-            </a:r>
-          </a:p>
-          <a:p>
-            <a:r>
-              <a:rPr lang="ru-RU" dirty="0" smtClean="0"/>
-              <a:t>ШИМ </a:t>
-            </a:r>
-            <a:r>
-              <a:rPr lang="en-US" dirty="0" smtClean="0"/>
-              <a:t>-&gt; </a:t>
-            </a:r>
-            <a:r>
-              <a:rPr lang="ru-RU" dirty="0" smtClean="0"/>
-              <a:t>Тяга</a:t>
-            </a:r>
+            <a:pPr>
+              <a:buNone/>
+            </a:pPr>
+            <a:r>
+              <a:rPr lang="ru-RU" sz="2400" b="1" u="sng" dirty="0" smtClean="0"/>
+              <a:t>Камера</a:t>
+            </a:r>
+          </a:p>
+          <a:p>
+            <a:r>
+              <a:rPr lang="ru-RU" sz="2400" dirty="0" smtClean="0"/>
+              <a:t>Помехи и шум</a:t>
+            </a:r>
+            <a:endParaRPr lang="ru-RU" sz="2400" dirty="0" smtClean="0"/>
+          </a:p>
+          <a:p>
+            <a:r>
+              <a:rPr lang="ru-RU" sz="2400" dirty="0" smtClean="0"/>
+              <a:t>Блики в линзах</a:t>
+            </a:r>
+            <a:endParaRPr lang="ru-RU" sz="2400" dirty="0" smtClean="0"/>
+          </a:p>
+          <a:p>
+            <a:r>
+              <a:rPr lang="en-US" sz="2400" dirty="0" smtClean="0"/>
+              <a:t>HDR</a:t>
+            </a:r>
+            <a:endParaRPr lang="ru-RU" sz="2400" dirty="0" smtClean="0"/>
+          </a:p>
+          <a:p>
+            <a:r>
+              <a:rPr lang="ru-RU" sz="2400" dirty="0" smtClean="0"/>
+              <a:t>Задержки </a:t>
+            </a:r>
+            <a:r>
+              <a:rPr lang="ru-RU" sz="2400" dirty="0" err="1" smtClean="0"/>
+              <a:t>видеопотока</a:t>
+            </a:r>
+            <a:endParaRPr lang="ru-RU" sz="2400" dirty="0" smtClean="0"/>
+          </a:p>
+          <a:p>
+            <a:r>
+              <a:rPr lang="ru-RU" sz="2400" dirty="0" smtClean="0"/>
+              <a:t>Разные фокусные </a:t>
+            </a:r>
+            <a:r>
+              <a:rPr lang="ru-RU" sz="2400" dirty="0" smtClean="0"/>
+              <a:t>расстояния и различные оптические искажения</a:t>
+            </a:r>
+            <a:endParaRPr lang="ru-RU" sz="2400" dirty="0" smtClean="0"/>
+          </a:p>
+          <a:p>
             <a:endParaRPr lang="ru-RU" dirty="0"/>
           </a:p>
         </p:txBody>
@@ -9596,15 +9559,11 @@
           <a:p>
             <a:r>
               <a:rPr lang="ru-RU" sz="3600" dirty="0" smtClean="0"/>
-              <a:t>Модель функционирования </a:t>
-            </a:r>
-            <a:r>
-              <a:rPr lang="en-US" sz="3600" dirty="0" smtClean="0"/>
-              <a:t>IMU </a:t>
+              <a:t>Средства </a:t>
             </a:r>
             <a:r>
               <a:rPr lang="ru-RU" sz="3600" dirty="0" smtClean="0"/>
-              <a:t>сенсоров</a:t>
+              <a:t>анализа динамики БПЛА</a:t>
             </a:r>
             <a:endParaRPr lang="ru-RU" sz="3600" dirty="0"/>
           </a:p>
@@ -9617,71 +9576,154 @@
             <a:spLocks noGrp="1"/>
           </p:cNvSpPr>
           <p:nvPr>
-            <p:ph idx="1"/>
+            <p:ph sz="half" idx="1"/>
           </p:nvPr>
         </p:nvSpPr>
         <p:spPr/>
         <p:txBody>
-          <a:bodyPr/>
+          <a:bodyPr>
+            <a:normAutofit/>
+          </a:bodyPr>
           <a:lstStyle/>
           <a:p>
             <a:r>
-              <a:rPr lang="ru-RU" dirty="0" smtClean="0"/>
-              <a:t>Типы сенсоров:</a:t>
+              <a:rPr lang="ru-RU" sz="2400" dirty="0" smtClean="0"/>
+              <a:t>Телеметрия «сырых» данных:</a:t>
             </a:r>
           </a:p>
           <a:p>
             <a:pPr lvl="1"/>
             <a:r>
-              <a:rPr lang="ru-RU" dirty="0" smtClean="0"/>
+              <a:rPr lang="ru-RU" sz="2000" dirty="0" smtClean="0"/>
+              <a:t>Акселерометр</a:t>
+            </a:r>
+            <a:endParaRPr lang="ru-RU" sz="2000" dirty="0" smtClean="0"/>
+          </a:p>
+          <a:p>
+            <a:pPr lvl="1"/>
+            <a:r>
+              <a:rPr lang="ru-RU" sz="2000" dirty="0" smtClean="0"/>
               <a:t>Гироскоп</a:t>
             </a:r>
           </a:p>
           <a:p>
             <a:pPr lvl="1"/>
             <a:r>
-              <a:rPr lang="ru-RU" dirty="0" smtClean="0"/>
-              <a:t>Акселерометр</a:t>
+              <a:rPr lang="ru-RU" sz="2000" dirty="0" smtClean="0"/>
+              <a:t>Барометр</a:t>
             </a:r>
           </a:p>
           <a:p>
             <a:pPr lvl="1"/>
             <a:r>
-              <a:rPr lang="ru-RU" dirty="0" smtClean="0"/>
-              <a:t>Барометр</a:t>
+              <a:rPr lang="ru-RU" sz="2000" dirty="0" smtClean="0"/>
+              <a:t>Магнитометр</a:t>
             </a:r>
           </a:p>
           <a:p>
             <a:pPr lvl="1"/>
             <a:r>
-              <a:rPr lang="ru-RU" dirty="0" smtClean="0"/>
-              <a:t>Магнитометр</a:t>
-            </a:r>
-          </a:p>
-          <a:p>
-            <a:r>
-              <a:rPr lang="ru-RU" dirty="0" smtClean="0"/>
-              <a:t>Разные типы шумов</a:t>
-            </a:r>
-          </a:p>
-          <a:p>
-            <a:r>
-              <a:rPr lang="ru-RU" dirty="0" smtClean="0"/>
-              <a:t>Разрядность</a:t>
-            </a:r>
-          </a:p>
-          <a:p>
-            <a:r>
-              <a:rPr lang="ru-RU" dirty="0" smtClean="0"/>
-              <a:t>Период дискретизации</a:t>
-            </a:r>
-            <a:endParaRPr lang="ru-RU" dirty="0"/>
-          </a:p>
-        </p:txBody>
-      </p:sp>
-      <p:sp>
-        <p:nvSpPr>
-          <p:cNvPr id="4" name="Номер слайда 3"/>
+              <a:rPr lang="ru-RU" sz="2000" dirty="0" smtClean="0"/>
+              <a:t>Сонар</a:t>
+            </a:r>
+          </a:p>
+          <a:p>
+            <a:r>
+              <a:rPr lang="ru-RU" sz="2400" dirty="0" smtClean="0"/>
+              <a:t>Телеметрия  расчетных данных:</a:t>
+            </a:r>
+          </a:p>
+          <a:p>
+            <a:pPr lvl="1"/>
+            <a:r>
+              <a:rPr lang="ru-RU" sz="2000" dirty="0" smtClean="0"/>
+              <a:t>Результаты интегрирования</a:t>
+            </a:r>
+          </a:p>
+          <a:p>
+            <a:pPr lvl="1"/>
+            <a:r>
+              <a:rPr lang="ru-RU" sz="2000" dirty="0" err="1" smtClean="0"/>
+              <a:t>Управлящие</a:t>
+            </a:r>
+            <a:r>
+              <a:rPr lang="ru-RU" sz="2000" dirty="0" smtClean="0"/>
+              <a:t> сигналы (ШИМ на ЭКС)</a:t>
+            </a:r>
+          </a:p>
+          <a:p>
+            <a:pPr lvl="1"/>
+            <a:endParaRPr lang="ru-RU" sz="2000" dirty="0" smtClean="0"/>
+          </a:p>
+          <a:p>
+            <a:pPr lvl="1"/>
+            <a:endParaRPr lang="ru-RU" sz="2000" dirty="0" smtClean="0"/>
+          </a:p>
+          <a:p>
+            <a:pPr lvl="1"/>
+            <a:endParaRPr lang="ru-RU" sz="2000" dirty="0"/>
+          </a:p>
+        </p:txBody>
+      </p:sp>
+      <p:sp>
+        <p:nvSpPr>
+          <p:cNvPr id="5" name="Содержимое 4"/>
+          <p:cNvSpPr>
+            <a:spLocks noGrp="1"/>
+          </p:cNvSpPr>
+          <p:nvPr>
+            <p:ph sz="half" idx="2"/>
+          </p:nvPr>
+        </p:nvSpPr>
+        <p:spPr/>
+        <p:txBody>
+          <a:bodyPr>
+            <a:normAutofit/>
+          </a:bodyPr>
+          <a:lstStyle/>
+          <a:p>
+            <a:r>
+              <a:rPr lang="ru-RU" sz="2400" dirty="0" smtClean="0"/>
+              <a:t>Запись данных в файл для дальнейшей обработки в пакетах математического моделирования</a:t>
+            </a:r>
+          </a:p>
+          <a:p>
+            <a:r>
+              <a:rPr lang="ru-RU" sz="2400" dirty="0" smtClean="0"/>
+              <a:t>Отображение графиков разных характеристик в режиме реального </a:t>
+            </a:r>
+            <a:r>
+              <a:rPr lang="ru-RU" sz="2400" dirty="0" smtClean="0"/>
+              <a:t>времени</a:t>
+            </a:r>
+          </a:p>
+          <a:p>
+            <a:endParaRPr lang="ru-RU" sz="2400" dirty="0" smtClean="0"/>
+          </a:p>
+          <a:p>
+            <a:pPr algn="r">
+              <a:buNone/>
+            </a:pPr>
+            <a:r>
+              <a:rPr lang="en-US" sz="2400" b="1" i="1" dirty="0" smtClean="0"/>
+              <a:t>Motion Capture </a:t>
+            </a:r>
+            <a:r>
+              <a:rPr lang="en-US" sz="2400" b="1" i="1" dirty="0" smtClean="0">
+                <a:sym typeface="Wingdings" pitchFamily="2" charset="2"/>
+              </a:rPr>
+              <a:t></a:t>
+            </a:r>
+            <a:endParaRPr lang="ru-RU" sz="2400" b="1" i="1" dirty="0" smtClean="0"/>
+          </a:p>
+          <a:p>
+            <a:endParaRPr lang="ru-RU" sz="2000" dirty="0"/>
+          </a:p>
+        </p:txBody>
+      </p:sp>
+      <p:sp>
+        <p:nvSpPr>
+          <p:cNvPr id="10" name="Номер слайда 9"/>
           <p:cNvSpPr>
             <a:spLocks noGrp="1"/>
           </p:cNvSpPr>
@@ -9752,7 +9794,7 @@
           <a:p>
             <a:r>
               <a:rPr lang="ru-RU" sz="3600" dirty="0" smtClean="0"/>
-              <a:t>Модель видеокамеры</a:t>
+              <a:t>Система оптического захвата движения (1)</a:t>
             </a:r>
             <a:endParaRPr lang="ru-RU" sz="3600" dirty="0"/>
           </a:p>
@@ -9760,57 +9802,159 @@
       </p:sp>
       <p:sp>
         <p:nvSpPr>
-          <p:cNvPr id="3" name="Содержимое 2"/>
+          <p:cNvPr id="4" name="Содержимое 3"/>
           <p:cNvSpPr>
             <a:spLocks noGrp="1"/>
           </p:cNvSpPr>
           <p:nvPr>
-            <p:ph idx="1"/>
+            <p:ph sz="half" idx="1"/>
           </p:nvPr>
         </p:nvSpPr>
         <p:spPr/>
         <p:txBody>
-          <a:bodyPr/>
+          <a:bodyPr>
+            <a:normAutofit fontScale="70000" lnSpcReduction="20000"/>
+          </a:bodyPr>
           <a:lstStyle/>
           <a:p>
             <a:r>
-              <a:rPr lang="ru-RU" dirty="0" smtClean="0"/>
-              <a:t>Помехи</a:t>
-            </a:r>
-          </a:p>
-          <a:p>
-            <a:r>
-              <a:rPr lang="ru-RU" dirty="0" smtClean="0"/>
-              <a:t>Блики</a:t>
-            </a:r>
-          </a:p>
-          <a:p>
-            <a:r>
-              <a:rPr lang="en-US" dirty="0" smtClean="0"/>
-              <a:t>HDR </a:t>
-            </a:r>
-            <a:r>
-              <a:rPr lang="ru-RU" dirty="0" smtClean="0"/>
-              <a:t>адаптация</a:t>
-            </a:r>
-          </a:p>
-          <a:p>
-            <a:r>
-              <a:rPr lang="ru-RU" dirty="0" smtClean="0"/>
-              <a:t>Задержки</a:t>
-            </a:r>
-          </a:p>
-          <a:p>
-            <a:r>
-              <a:rPr lang="ru-RU" dirty="0" smtClean="0"/>
-              <a:t>Разные фокусные расстояния</a:t>
-            </a:r>
-          </a:p>
-        </p:txBody>
-      </p:sp>
-      <p:sp>
-        <p:nvSpPr>
-          <p:cNvPr id="4" name="Номер слайда 3"/>
+              <a:rPr lang="ru-RU" dirty="0" smtClean="0">
+                <a:solidFill>
+                  <a:srgbClr val="FF0000"/>
+                </a:solidFill>
+              </a:rPr>
+              <a:t>Бортовая система навигации всегда подвержена накапливающейся ошибке</a:t>
+            </a:r>
+          </a:p>
+          <a:p>
+            <a:r>
+              <a:rPr lang="en-US" dirty="0" smtClean="0">
+                <a:solidFill>
+                  <a:srgbClr val="FF0000"/>
+                </a:solidFill>
+                <a:sym typeface="Wingdings" pitchFamily="2" charset="2"/>
+              </a:rPr>
+              <a:t></a:t>
+            </a:r>
+            <a:r>
+              <a:rPr lang="ru-RU" dirty="0" smtClean="0">
+                <a:solidFill>
+                  <a:srgbClr val="FF0000"/>
+                </a:solidFill>
+              </a:rPr>
+              <a:t>Необходим стационарный инструмент </a:t>
+            </a:r>
+            <a:r>
+              <a:rPr lang="ru-RU" dirty="0" err="1" smtClean="0">
+                <a:solidFill>
+                  <a:srgbClr val="FF0000"/>
+                </a:solidFill>
+              </a:rPr>
+              <a:t>трэкинга</a:t>
+            </a:r>
+            <a:endParaRPr lang="ru-RU" dirty="0" smtClean="0">
+              <a:solidFill>
+                <a:srgbClr val="FF0000"/>
+              </a:solidFill>
+            </a:endParaRPr>
+          </a:p>
+          <a:p>
+            <a:r>
+              <a:rPr lang="ru-RU" dirty="0" smtClean="0">
+                <a:solidFill>
+                  <a:srgbClr val="92D050"/>
+                </a:solidFill>
+              </a:rPr>
+              <a:t>Оптическая система захвата движения:</a:t>
+            </a:r>
+          </a:p>
+          <a:p>
+            <a:pPr lvl="1"/>
+            <a:r>
+              <a:rPr lang="ru-RU" dirty="0" smtClean="0">
+                <a:solidFill>
+                  <a:srgbClr val="92D050"/>
+                </a:solidFill>
+              </a:rPr>
+              <a:t>Несколько ИК камер с подсветкой</a:t>
+            </a:r>
+          </a:p>
+          <a:p>
+            <a:pPr lvl="1"/>
+            <a:r>
+              <a:rPr lang="ru-RU" dirty="0" smtClean="0">
+                <a:solidFill>
+                  <a:srgbClr val="92D050"/>
+                </a:solidFill>
+              </a:rPr>
+              <a:t>Маркеры на БПЛА</a:t>
+            </a:r>
+          </a:p>
+          <a:p>
+            <a:r>
+              <a:rPr lang="ru-RU" dirty="0" smtClean="0">
+                <a:solidFill>
+                  <a:srgbClr val="92D050"/>
+                </a:solidFill>
+              </a:rPr>
+              <a:t>Применение:</a:t>
+            </a:r>
+          </a:p>
+          <a:p>
+            <a:pPr lvl="1"/>
+            <a:r>
+              <a:rPr lang="ru-RU" dirty="0" smtClean="0">
+                <a:solidFill>
+                  <a:srgbClr val="92D050"/>
+                </a:solidFill>
+              </a:rPr>
+              <a:t>Отладка бортовой СУ</a:t>
+            </a:r>
+          </a:p>
+          <a:p>
+            <a:pPr lvl="1"/>
+            <a:r>
+              <a:rPr lang="ru-RU" dirty="0" smtClean="0">
+                <a:solidFill>
+                  <a:srgbClr val="92D050"/>
+                </a:solidFill>
+              </a:rPr>
+              <a:t>Автоматизированная посадка на базе</a:t>
+            </a:r>
+            <a:endParaRPr lang="ru-RU" dirty="0" smtClean="0">
+              <a:solidFill>
+                <a:srgbClr val="92D050"/>
+              </a:solidFill>
+            </a:endParaRPr>
+          </a:p>
+        </p:txBody>
+      </p:sp>
+      <p:pic>
+        <p:nvPicPr>
+          <p:cNvPr id="7" name="Содержимое 6" descr="quadrotor.jpg"/>
+          <p:cNvPicPr>
+            <a:picLocks noGrp="1" noChangeAspect="1"/>
+          </p:cNvPicPr>
+          <p:nvPr>
+            <p:ph sz="half" idx="2"/>
+          </p:nvPr>
+        </p:nvPicPr>
+        <p:blipFill>
+          <a:blip r:embed="rId2" cstate="print"/>
+          <a:stretch>
+            <a:fillRect/>
+          </a:stretch>
+        </p:blipFill>
+        <p:spPr>
+          <a:xfrm>
+            <a:off x="4644008" y="1844824"/>
+            <a:ext cx="4038600" cy="2881313"/>
+          </a:xfrm>
+        </p:spPr>
+      </p:pic>
+      <p:sp>
+        <p:nvSpPr>
+          <p:cNvPr id="6" name="Номер слайда 5"/>
           <p:cNvSpPr>
             <a:spLocks noGrp="1"/>
           </p:cNvSpPr>
@@ -9880,16 +10024,16 @@
           <a:lstStyle/>
           <a:p>
             <a:r>
-              <a:rPr lang="ru-RU" sz="3600" dirty="0" smtClean="0"/>
-              <a:t>Модель системы стабилизации</a:t>
-            </a:r>
-            <a:endParaRPr lang="ru-RU" sz="3600" dirty="0"/>
-          </a:p>
-        </p:txBody>
-      </p:sp>
-      <p:sp>
-        <p:nvSpPr>
-          <p:cNvPr id="6" name="Содержимое 5"/>
+              <a:rPr lang="ru-RU" sz="2800" dirty="0" smtClean="0"/>
+              <a:t>Система оптического захвата движения (2)</a:t>
+            </a:r>
+            <a:endParaRPr lang="ru-RU" sz="2800" dirty="0"/>
+          </a:p>
+        </p:txBody>
+      </p:sp>
+      <p:sp>
+        <p:nvSpPr>
+          <p:cNvPr id="3" name="Содержимое 2"/>
           <p:cNvSpPr>
             <a:spLocks noGrp="1"/>
           </p:cNvSpPr>
@@ -9897,18 +10041,100 @@
             <p:ph sz="half" idx="1"/>
           </p:nvPr>
         </p:nvSpPr>
-        <p:spPr/>
-        <p:txBody>
-          <a:bodyPr/>
+        <p:spPr>
+          <a:xfrm>
+            <a:off x="323528" y="1628800"/>
+            <a:ext cx="3744416" cy="4525963"/>
+          </a:xfrm>
+        </p:spPr>
+        <p:txBody>
+          <a:bodyPr>
+            <a:normAutofit fontScale="85000" lnSpcReduction="10000"/>
+          </a:bodyPr>
           <a:lstStyle/>
           <a:p>
-            <a:endParaRPr lang="ru-RU"/>
+            <a:r>
+              <a:rPr lang="en-US" dirty="0" err="1" smtClean="0"/>
+              <a:t>Vicon</a:t>
+            </a:r>
+            <a:r>
+              <a:rPr lang="en-US" dirty="0" smtClean="0"/>
+              <a:t> </a:t>
+            </a:r>
+            <a:r>
+              <a:rPr lang="en-US" dirty="0" smtClean="0"/>
+              <a:t>Bonita </a:t>
+            </a:r>
+            <a:r>
+              <a:rPr lang="en-US" dirty="0" smtClean="0"/>
+              <a:t>X8</a:t>
+            </a:r>
+          </a:p>
+          <a:p>
+            <a:r>
+              <a:rPr lang="en-US" dirty="0" err="1" smtClean="0"/>
+              <a:t>Vicon</a:t>
+            </a:r>
+            <a:r>
+              <a:rPr lang="en-US" dirty="0" smtClean="0"/>
+              <a:t> Tracker</a:t>
+            </a:r>
+            <a:endParaRPr lang="en-US" dirty="0" smtClean="0"/>
+          </a:p>
+          <a:p>
+            <a:pPr lvl="1"/>
+            <a:endParaRPr lang="en-US" dirty="0" smtClean="0"/>
+          </a:p>
+          <a:p>
+            <a:pPr lvl="1"/>
+            <a:r>
+              <a:rPr lang="ru-RU" dirty="0" smtClean="0"/>
+              <a:t>Высокая точность</a:t>
+            </a:r>
+            <a:r>
+              <a:rPr lang="en-US" dirty="0" smtClean="0"/>
+              <a:t> </a:t>
+            </a:r>
+            <a:r>
+              <a:rPr lang="ru-RU" dirty="0" smtClean="0"/>
+              <a:t>отслеживания движения </a:t>
+            </a:r>
+            <a:r>
+              <a:rPr lang="ru-RU" dirty="0" smtClean="0"/>
+              <a:t>твердых тел</a:t>
+            </a:r>
+          </a:p>
+          <a:p>
+            <a:pPr lvl="1"/>
+            <a:r>
+              <a:rPr lang="ru-RU" dirty="0" smtClean="0"/>
+              <a:t>Возможность отслеживания нескольких твердых тел и их идентификация</a:t>
+            </a:r>
+          </a:p>
+          <a:p>
+            <a:pPr lvl="1"/>
+            <a:r>
+              <a:rPr lang="en-US" dirty="0" err="1" smtClean="0"/>
+              <a:t>Vicon</a:t>
+            </a:r>
+            <a:r>
+              <a:rPr lang="en-US" dirty="0" smtClean="0"/>
+              <a:t> Tracker </a:t>
+            </a:r>
+            <a:r>
+              <a:rPr lang="ru-RU" dirty="0" smtClean="0"/>
+              <a:t>выступает как сервер, доступный другим программам</a:t>
+            </a:r>
+            <a:endParaRPr lang="ru-RU" dirty="0" smtClean="0"/>
+          </a:p>
+          <a:p>
+            <a:endParaRPr lang="ru-RU" dirty="0"/>
           </a:p>
         </p:txBody>
       </p:sp>
       <p:pic>
         <p:nvPicPr>
-          <p:cNvPr id="8" name="Содержимое 7" descr="q2.png"/>
+          <p:cNvPr id="5" name="Содержимое 4" descr="tracker-01-lrg.jpg"/>
           <p:cNvPicPr>
             <a:picLocks noGrp="1" noChangeAspect="1"/>
           </p:cNvPicPr>
@@ -9923,15 +10149,15 @@
           </a:stretch>
         </p:blipFill>
         <p:spPr>
-          <a:xfrm rot="958883">
-            <a:off x="4557543" y="3240359"/>
-            <a:ext cx="4831121" cy="3188539"/>
+          <a:xfrm>
+            <a:off x="4716016" y="3789040"/>
+            <a:ext cx="3677845" cy="2232248"/>
           </a:xfrm>
         </p:spPr>
       </p:pic>
       <p:sp>
         <p:nvSpPr>
-          <p:cNvPr id="4" name="Номер слайда 3"/>
+          <p:cNvPr id="6" name="Номер слайда 5"/>
           <p:cNvSpPr>
             <a:spLocks noGrp="1"/>
           </p:cNvSpPr>
@@ -9953,138 +10179,31 @@
           </a:p>
         </p:txBody>
       </p:sp>
-      <p:cxnSp>
-        <p:nvCxnSpPr>
-          <p:cNvPr id="10" name="Прямая со стрелкой 9"/>
-          <p:cNvCxnSpPr/>
+      <p:pic>
+        <p:nvPicPr>
+          <p:cNvPr id="7" name="Рисунок 6" descr="bonita.jpeg"/>
+          <p:cNvPicPr>
+            <a:picLocks noChangeAspect="1"/>
+          </p:cNvPicPr>
           <p:nvPr/>
-        </p:nvCxnSpPr>
+        </p:nvPicPr>
+        <p:blipFill>
+          <a:blip r:embed="rId3" cstate="print"/>
+          <a:srcRect l="27935" t="9051" r="23207" b="30050"/>
+          <a:stretch>
+            <a:fillRect/>
+          </a:stretch>
+        </p:blipFill>
         <p:spPr>
           <a:xfrm>
-            <a:off x="6372200" y="4365104"/>
-            <a:ext cx="0" cy="864096"/>
-          </a:xfrm>
-          <a:prstGeom prst="straightConnector1">
+            <a:off x="6012160" y="1412776"/>
+            <a:ext cx="2376264" cy="2222957"/>
+          </a:xfrm>
+          <a:prstGeom prst="rect">
             <a:avLst/>
           </a:prstGeom>
-          <a:ln>
-            <a:tailEnd type="arrow"/>
-          </a:ln>
-        </p:spPr>
-        <p:style>
-          <a:lnRef idx="1">
-            <a:schemeClr val="accent1"/>
-          </a:lnRef>
-          <a:fillRef idx="0">
-            <a:schemeClr val="accent1"/>
-          </a:fillRef>
-          <a:effectRef idx="0">
-            <a:schemeClr val="accent1"/>
-          </a:effectRef>
-          <a:fontRef idx="minor">
-            <a:schemeClr val="tx1"/>
-          </a:fontRef>
-        </p:style>
-      </p:cxnSp>
-      <p:cxnSp>
-        <p:nvCxnSpPr>
-          <p:cNvPr id="13" name="Прямая со стрелкой 12"/>
-          <p:cNvCxnSpPr/>
-          <p:nvPr/>
-        </p:nvCxnSpPr>
-        <p:spPr>
-          <a:xfrm flipV="1">
-            <a:off x="7668344" y="3861048"/>
-            <a:ext cx="0" cy="864096"/>
-          </a:xfrm>
-          <a:prstGeom prst="straightConnector1">
-            <a:avLst/>
-          </a:prstGeom>
-          <a:ln>
-            <a:tailEnd type="arrow"/>
-          </a:ln>
-        </p:spPr>
-        <p:style>
-          <a:lnRef idx="1">
-            <a:schemeClr val="accent1"/>
-          </a:lnRef>
-          <a:fillRef idx="0">
-            <a:schemeClr val="accent1"/>
-          </a:fillRef>
-          <a:effectRef idx="0">
-            <a:schemeClr val="accent1"/>
-          </a:effectRef>
-          <a:fontRef idx="minor">
-            <a:schemeClr val="tx1"/>
-          </a:fontRef>
-        </p:style>
-      </p:cxnSp>
-      <p:cxnSp>
-        <p:nvCxnSpPr>
-          <p:cNvPr id="15" name="Прямая со стрелкой 14"/>
-          <p:cNvCxnSpPr/>
-          <p:nvPr/>
-        </p:nvCxnSpPr>
-        <p:spPr>
-          <a:xfrm flipV="1">
-            <a:off x="7740352" y="4149080"/>
-            <a:ext cx="0" cy="864096"/>
-          </a:xfrm>
-          <a:prstGeom prst="straightConnector1">
-            <a:avLst/>
-          </a:prstGeom>
-          <a:ln>
-            <a:tailEnd type="arrow"/>
-          </a:ln>
-        </p:spPr>
-        <p:style>
-          <a:lnRef idx="1">
-            <a:schemeClr val="accent1"/>
-          </a:lnRef>
-          <a:fillRef idx="0">
-            <a:schemeClr val="accent1"/>
-          </a:fillRef>
-          <a:effectRef idx="0">
-            <a:schemeClr val="accent1"/>
-          </a:effectRef>
-          <a:fontRef idx="minor">
-            <a:schemeClr val="tx1"/>
-          </a:fontRef>
-        </p:style>
-      </p:cxnSp>
-      <p:cxnSp>
-        <p:nvCxnSpPr>
-          <p:cNvPr id="16" name="Прямая со стрелкой 15"/>
-          <p:cNvCxnSpPr/>
-          <p:nvPr/>
-        </p:nvCxnSpPr>
-        <p:spPr>
-          <a:xfrm>
-            <a:off x="6084168" y="4725144"/>
-            <a:ext cx="0" cy="864096"/>
-          </a:xfrm>
-          <a:prstGeom prst="straightConnector1">
-            <a:avLst/>
-          </a:prstGeom>
-          <a:ln>
-            <a:tailEnd type="arrow"/>
-          </a:ln>
-        </p:spPr>
-        <p:style>
-          <a:lnRef idx="1">
-            <a:schemeClr val="accent1"/>
-          </a:lnRef>
-          <a:fillRef idx="0">
-            <a:schemeClr val="accent1"/>
-          </a:fillRef>
-          <a:effectRef idx="0">
-            <a:schemeClr val="accent1"/>
-          </a:effectRef>
-          <a:fontRef idx="minor">
-            <a:schemeClr val="tx1"/>
-          </a:fontRef>
-        </p:style>
-      </p:cxnSp>
+        </p:spPr>
+      </p:pic>
     </p:spTree>
   </p:cSld>
   <p:clrMapOvr>

--- a/trunk/Docs/Medias2012.pptx
+++ b/trunk/Docs/Medias2012.pptx
@@ -2,7 +2,7 @@
 <file path=ppt/presentation.xml><?xml version="1.0" encoding="utf-8"?>
 <p:presentation xmlns:a="http://schemas.openxmlformats.org/drawingml/2006/main" xmlns:r="http://schemas.openxmlformats.org/officeDocument/2006/relationships" xmlns:p="http://schemas.openxmlformats.org/presentationml/2006/main" saveSubsetFonts="1">
   <p:sldMasterIdLst>
-    <p:sldMasterId id="2147483792" r:id="rId1"/>
+    <p:sldMasterId id="2147483816" r:id="rId1"/>
   </p:sldMasterIdLst>
   <p:notesMasterIdLst>
     <p:notesMasterId r:id="rId15"/>
@@ -205,7 +205,7 @@
             <a:fld id="{D5F21F59-A2F3-40A5-BC70-CC5334A638ED}" type="datetimeFigureOut">
               <a:rPr lang="ru-RU" smtClean="0"/>
               <a:pPr/>
-              <a:t>10.05.2012</a:t>
+              <a:t>11.05.2012</a:t>
             </a:fld>
             <a:endParaRPr lang="ru-RU"/>
           </a:p>
@@ -554,7 +554,7 @@
 </file>
 
 <file path=ppt/slideLayouts/slideLayout1.xml><?xml version="1.0" encoding="utf-8"?>
-<p:sldLayout xmlns:a="http://schemas.openxmlformats.org/drawingml/2006/main" xmlns:r="http://schemas.openxmlformats.org/officeDocument/2006/relationships" xmlns:p="http://schemas.openxmlformats.org/presentationml/2006/main" showMasterSp="0" type="title" preserve="1">
+<p:sldLayout xmlns:a="http://schemas.openxmlformats.org/drawingml/2006/main" xmlns:r="http://schemas.openxmlformats.org/officeDocument/2006/relationships" xmlns:p="http://schemas.openxmlformats.org/presentationml/2006/main" type="title" preserve="1">
   <p:cSld name="Титульный слайд">
     <p:spTree>
       <p:nvGrpSpPr>
@@ -572,25 +572,170 @@
       </p:grpSpPr>
       <p:sp>
         <p:nvSpPr>
-          <p:cNvPr id="28" name="Дата 27"/>
-          <p:cNvSpPr>
-            <a:spLocks noGrp="1"/>
-          </p:cNvSpPr>
-          <p:nvPr>
-            <p:ph type="dt" sz="half" idx="10"/>
-          </p:nvPr>
-        </p:nvSpPr>
-        <p:spPr/>
+          <p:cNvPr id="2" name="Заголовок 1"/>
+          <p:cNvSpPr>
+            <a:spLocks noGrp="1"/>
+          </p:cNvSpPr>
+          <p:nvPr>
+            <p:ph type="ctrTitle"/>
+          </p:nvPr>
+        </p:nvSpPr>
+        <p:spPr>
+          <a:xfrm>
+            <a:off x="685800" y="2130425"/>
+            <a:ext cx="7772400" cy="1470025"/>
+          </a:xfrm>
+        </p:spPr>
+        <p:txBody>
+          <a:bodyPr/>
+          <a:lstStyle/>
+          <a:p>
+            <a:r>
+              <a:rPr lang="ru-RU" smtClean="0"/>
+              <a:t>Образец заголовка</a:t>
+            </a:r>
+            <a:endParaRPr lang="ru-RU"/>
+          </a:p>
+        </p:txBody>
+      </p:sp>
+      <p:sp>
+        <p:nvSpPr>
+          <p:cNvPr id="3" name="Подзаголовок 2"/>
+          <p:cNvSpPr>
+            <a:spLocks noGrp="1"/>
+          </p:cNvSpPr>
+          <p:nvPr>
+            <p:ph type="subTitle" idx="1"/>
+          </p:nvPr>
+        </p:nvSpPr>
+        <p:spPr>
+          <a:xfrm>
+            <a:off x="1371600" y="3886200"/>
+            <a:ext cx="6400800" cy="1752600"/>
+          </a:xfrm>
+        </p:spPr>
         <p:txBody>
           <a:bodyPr/>
           <a:lstStyle>
-            <a:extLst/>
+            <a:lvl1pPr marL="0" indent="0" algn="ctr">
+              <a:buNone/>
+              <a:defRPr>
+                <a:solidFill>
+                  <a:schemeClr val="tx1">
+                    <a:tint val="75000"/>
+                  </a:schemeClr>
+                </a:solidFill>
+              </a:defRPr>
+            </a:lvl1pPr>
+            <a:lvl2pPr marL="457200" indent="0" algn="ctr">
+              <a:buNone/>
+              <a:defRPr>
+                <a:solidFill>
+                  <a:schemeClr val="tx1">
+                    <a:tint val="75000"/>
+                  </a:schemeClr>
+                </a:solidFill>
+              </a:defRPr>
+            </a:lvl2pPr>
+            <a:lvl3pPr marL="914400" indent="0" algn="ctr">
+              <a:buNone/>
+              <a:defRPr>
+                <a:solidFill>
+                  <a:schemeClr val="tx1">
+                    <a:tint val="75000"/>
+                  </a:schemeClr>
+                </a:solidFill>
+              </a:defRPr>
+            </a:lvl3pPr>
+            <a:lvl4pPr marL="1371600" indent="0" algn="ctr">
+              <a:buNone/>
+              <a:defRPr>
+                <a:solidFill>
+                  <a:schemeClr val="tx1">
+                    <a:tint val="75000"/>
+                  </a:schemeClr>
+                </a:solidFill>
+              </a:defRPr>
+            </a:lvl4pPr>
+            <a:lvl5pPr marL="1828800" indent="0" algn="ctr">
+              <a:buNone/>
+              <a:defRPr>
+                <a:solidFill>
+                  <a:schemeClr val="tx1">
+                    <a:tint val="75000"/>
+                  </a:schemeClr>
+                </a:solidFill>
+              </a:defRPr>
+            </a:lvl5pPr>
+            <a:lvl6pPr marL="2286000" indent="0" algn="ctr">
+              <a:buNone/>
+              <a:defRPr>
+                <a:solidFill>
+                  <a:schemeClr val="tx1">
+                    <a:tint val="75000"/>
+                  </a:schemeClr>
+                </a:solidFill>
+              </a:defRPr>
+            </a:lvl6pPr>
+            <a:lvl7pPr marL="2743200" indent="0" algn="ctr">
+              <a:buNone/>
+              <a:defRPr>
+                <a:solidFill>
+                  <a:schemeClr val="tx1">
+                    <a:tint val="75000"/>
+                  </a:schemeClr>
+                </a:solidFill>
+              </a:defRPr>
+            </a:lvl7pPr>
+            <a:lvl8pPr marL="3200400" indent="0" algn="ctr">
+              <a:buNone/>
+              <a:defRPr>
+                <a:solidFill>
+                  <a:schemeClr val="tx1">
+                    <a:tint val="75000"/>
+                  </a:schemeClr>
+                </a:solidFill>
+              </a:defRPr>
+            </a:lvl8pPr>
+            <a:lvl9pPr marL="3657600" indent="0" algn="ctr">
+              <a:buNone/>
+              <a:defRPr>
+                <a:solidFill>
+                  <a:schemeClr val="tx1">
+                    <a:tint val="75000"/>
+                  </a:schemeClr>
+                </a:solidFill>
+              </a:defRPr>
+            </a:lvl9pPr>
           </a:lstStyle>
           <a:p>
+            <a:r>
+              <a:rPr lang="ru-RU" smtClean="0"/>
+              <a:t>Образец подзаголовка</a:t>
+            </a:r>
+            <a:endParaRPr lang="ru-RU"/>
+          </a:p>
+        </p:txBody>
+      </p:sp>
+      <p:sp>
+        <p:nvSpPr>
+          <p:cNvPr id="4" name="Дата 3"/>
+          <p:cNvSpPr>
+            <a:spLocks noGrp="1"/>
+          </p:cNvSpPr>
+          <p:nvPr>
+            <p:ph type="dt" sz="half" idx="10"/>
+          </p:nvPr>
+        </p:nvSpPr>
+        <p:spPr/>
+        <p:txBody>
+          <a:bodyPr/>
+          <a:lstStyle/>
+          <a:p>
             <a:fld id="{E2B41AE0-3280-4107-AAF9-23CCED5B6FE9}" type="datetime1">
               <a:rPr lang="ru-RU" smtClean="0"/>
               <a:pPr/>
-              <a:t>10.05.2012</a:t>
+              <a:t>11.05.2012</a:t>
             </a:fld>
             <a:endParaRPr lang="ru-RU"/>
           </a:p>
@@ -598,7 +743,7 @@
       </p:sp>
       <p:sp>
         <p:nvSpPr>
-          <p:cNvPr id="17" name="Нижний колонтитул 16"/>
+          <p:cNvPr id="5" name="Нижний колонтитул 4"/>
           <p:cNvSpPr>
             <a:spLocks noGrp="1"/>
           </p:cNvSpPr>
@@ -609,9 +754,7 @@
         <p:spPr/>
         <p:txBody>
           <a:bodyPr/>
-          <a:lstStyle>
-            <a:extLst/>
-          </a:lstStyle>
+          <a:lstStyle/>
           <a:p>
             <a:endParaRPr lang="ru-RU"/>
           </a:p>
@@ -619,7 +762,7 @@
       </p:sp>
       <p:sp>
         <p:nvSpPr>
-          <p:cNvPr id="29" name="Номер слайда 28"/>
+          <p:cNvPr id="6" name="Номер слайда 5"/>
           <p:cNvSpPr>
             <a:spLocks noGrp="1"/>
           </p:cNvSpPr>
@@ -630,9 +773,7 @@
         <p:spPr/>
         <p:txBody>
           <a:bodyPr/>
-          <a:lstStyle>
-            <a:extLst/>
-          </a:lstStyle>
+          <a:lstStyle/>
           <a:p>
             <a:fld id="{725C68B6-61C2-468F-89AB-4B9F7531AA68}" type="slidenum">
               <a:rPr lang="ru-RU" smtClean="0"/>
@@ -640,548 +781,6 @@
               <a:t>‹#›</a:t>
             </a:fld>
             <a:endParaRPr lang="ru-RU"/>
-          </a:p>
-        </p:txBody>
-      </p:sp>
-      <p:sp>
-        <p:nvSpPr>
-          <p:cNvPr id="32" name="Прямоугольник 31"/>
-          <p:cNvSpPr/>
-          <p:nvPr/>
-        </p:nvSpPr>
-        <p:spPr>
-          <a:xfrm>
-            <a:off x="0" y="-1"/>
-            <a:ext cx="365760" cy="6854456"/>
-          </a:xfrm>
-          <a:prstGeom prst="rect">
-            <a:avLst/>
-          </a:prstGeom>
-          <a:solidFill>
-            <a:srgbClr val="FFFFFF">
-              <a:alpha val="100000"/>
-            </a:srgbClr>
-          </a:solidFill>
-          <a:ln w="50800" cap="rnd" cmpd="dbl" algn="ctr">
-            <a:noFill/>
-            <a:prstDash val="solid"/>
-          </a:ln>
-          <a:effectLst/>
-        </p:spPr>
-        <p:style>
-          <a:lnRef idx="3">
-            <a:schemeClr val="lt1"/>
-          </a:lnRef>
-          <a:fillRef idx="1">
-            <a:schemeClr val="accent1"/>
-          </a:fillRef>
-          <a:effectRef idx="1">
-            <a:schemeClr val="accent1"/>
-          </a:effectRef>
-          <a:fontRef idx="minor">
-            <a:schemeClr val="lt1"/>
-          </a:fontRef>
-        </p:style>
-        <p:txBody>
-          <a:bodyPr anchor="ctr"/>
-          <a:lstStyle>
-            <a:extLst/>
-          </a:lstStyle>
-          <a:p>
-            <a:pPr algn="ctr" eaLnBrk="1" latinLnBrk="0" hangingPunct="1"/>
-            <a:endParaRPr kumimoji="0" lang="en-US"/>
-          </a:p>
-        </p:txBody>
-      </p:sp>
-      <p:sp>
-        <p:nvSpPr>
-          <p:cNvPr id="39" name="Прямоугольник 38"/>
-          <p:cNvSpPr/>
-          <p:nvPr/>
-        </p:nvSpPr>
-        <p:spPr>
-          <a:xfrm>
-            <a:off x="309558" y="680477"/>
-            <a:ext cx="45720" cy="365760"/>
-          </a:xfrm>
-          <a:prstGeom prst="rect">
-            <a:avLst/>
-          </a:prstGeom>
-          <a:solidFill>
-            <a:srgbClr val="000000"/>
-          </a:solidFill>
-          <a:ln w="50800" cap="rnd" cmpd="thickThin" algn="ctr">
-            <a:noFill/>
-            <a:prstDash val="solid"/>
-          </a:ln>
-          <a:effectLst/>
-        </p:spPr>
-        <p:style>
-          <a:lnRef idx="3">
-            <a:schemeClr val="lt1"/>
-          </a:lnRef>
-          <a:fillRef idx="1">
-            <a:schemeClr val="accent1"/>
-          </a:fillRef>
-          <a:effectRef idx="1">
-            <a:schemeClr val="accent1"/>
-          </a:effectRef>
-          <a:fontRef idx="minor">
-            <a:schemeClr val="lt1"/>
-          </a:fontRef>
-        </p:style>
-        <p:txBody>
-          <a:bodyPr anchor="ctr"/>
-          <a:lstStyle>
-            <a:extLst/>
-          </a:lstStyle>
-          <a:p>
-            <a:pPr algn="ctr" eaLnBrk="1" latinLnBrk="0" hangingPunct="1"/>
-            <a:endParaRPr kumimoji="0" lang="en-US" dirty="0"/>
-          </a:p>
-        </p:txBody>
-      </p:sp>
-      <p:sp>
-        <p:nvSpPr>
-          <p:cNvPr id="40" name="Прямоугольник 39"/>
-          <p:cNvSpPr/>
-          <p:nvPr/>
-        </p:nvSpPr>
-        <p:spPr>
-          <a:xfrm>
-            <a:off x="269073" y="680477"/>
-            <a:ext cx="27432" cy="365760"/>
-          </a:xfrm>
-          <a:prstGeom prst="rect">
-            <a:avLst/>
-          </a:prstGeom>
-          <a:solidFill>
-            <a:srgbClr val="000000"/>
-          </a:solidFill>
-          <a:ln w="50800" cap="rnd" cmpd="thickThin" algn="ctr">
-            <a:noFill/>
-            <a:prstDash val="solid"/>
-          </a:ln>
-          <a:effectLst/>
-        </p:spPr>
-        <p:style>
-          <a:lnRef idx="3">
-            <a:schemeClr val="lt1"/>
-          </a:lnRef>
-          <a:fillRef idx="1">
-            <a:schemeClr val="accent1"/>
-          </a:fillRef>
-          <a:effectRef idx="1">
-            <a:schemeClr val="accent1"/>
-          </a:effectRef>
-          <a:fontRef idx="minor">
-            <a:schemeClr val="lt1"/>
-          </a:fontRef>
-        </p:style>
-        <p:txBody>
-          <a:bodyPr anchor="ctr"/>
-          <a:lstStyle>
-            <a:extLst/>
-          </a:lstStyle>
-          <a:p>
-            <a:pPr algn="ctr" eaLnBrk="1" latinLnBrk="0" hangingPunct="1"/>
-            <a:endParaRPr kumimoji="0" lang="en-US" dirty="0"/>
-          </a:p>
-        </p:txBody>
-      </p:sp>
-      <p:sp>
-        <p:nvSpPr>
-          <p:cNvPr id="41" name="Прямоугольник 40"/>
-          <p:cNvSpPr/>
-          <p:nvPr/>
-        </p:nvSpPr>
-        <p:spPr>
-          <a:xfrm>
-            <a:off x="250020" y="680477"/>
-            <a:ext cx="9144" cy="365760"/>
-          </a:xfrm>
-          <a:prstGeom prst="rect">
-            <a:avLst/>
-          </a:prstGeom>
-          <a:solidFill>
-            <a:srgbClr val="000000"/>
-          </a:solidFill>
-          <a:ln w="50800" cap="rnd" cmpd="thickThin" algn="ctr">
-            <a:noFill/>
-            <a:prstDash val="solid"/>
-          </a:ln>
-          <a:effectLst/>
-        </p:spPr>
-        <p:style>
-          <a:lnRef idx="3">
-            <a:schemeClr val="lt1"/>
-          </a:lnRef>
-          <a:fillRef idx="1">
-            <a:schemeClr val="accent1"/>
-          </a:fillRef>
-          <a:effectRef idx="1">
-            <a:schemeClr val="accent1"/>
-          </a:effectRef>
-          <a:fontRef idx="minor">
-            <a:schemeClr val="lt1"/>
-          </a:fontRef>
-        </p:style>
-        <p:txBody>
-          <a:bodyPr anchor="ctr"/>
-          <a:lstStyle>
-            <a:extLst/>
-          </a:lstStyle>
-          <a:p>
-            <a:pPr algn="ctr" eaLnBrk="1" latinLnBrk="0" hangingPunct="1"/>
-            <a:endParaRPr kumimoji="0" lang="en-US"/>
-          </a:p>
-        </p:txBody>
-      </p:sp>
-      <p:sp>
-        <p:nvSpPr>
-          <p:cNvPr id="42" name="Прямоугольник 41"/>
-          <p:cNvSpPr/>
-          <p:nvPr/>
-        </p:nvSpPr>
-        <p:spPr>
-          <a:xfrm>
-            <a:off x="221768" y="680477"/>
-            <a:ext cx="9144" cy="365760"/>
-          </a:xfrm>
-          <a:prstGeom prst="rect">
-            <a:avLst/>
-          </a:prstGeom>
-          <a:solidFill>
-            <a:srgbClr val="000000"/>
-          </a:solidFill>
-          <a:ln w="50800" cap="rnd" cmpd="thickThin" algn="ctr">
-            <a:noFill/>
-            <a:prstDash val="solid"/>
-          </a:ln>
-          <a:effectLst/>
-        </p:spPr>
-        <p:style>
-          <a:lnRef idx="3">
-            <a:schemeClr val="lt1"/>
-          </a:lnRef>
-          <a:fillRef idx="1">
-            <a:schemeClr val="accent1"/>
-          </a:fillRef>
-          <a:effectRef idx="1">
-            <a:schemeClr val="accent1"/>
-          </a:effectRef>
-          <a:fontRef idx="minor">
-            <a:schemeClr val="lt1"/>
-          </a:fontRef>
-        </p:style>
-        <p:txBody>
-          <a:bodyPr anchor="ctr"/>
-          <a:lstStyle>
-            <a:extLst/>
-          </a:lstStyle>
-          <a:p>
-            <a:pPr algn="ctr" eaLnBrk="1" latinLnBrk="0" hangingPunct="1"/>
-            <a:endParaRPr kumimoji="0" lang="en-US" dirty="0"/>
-          </a:p>
-        </p:txBody>
-      </p:sp>
-      <p:sp>
-        <p:nvSpPr>
-          <p:cNvPr id="8" name="Заголовок 7"/>
-          <p:cNvSpPr>
-            <a:spLocks noGrp="1"/>
-          </p:cNvSpPr>
-          <p:nvPr>
-            <p:ph type="ctrTitle"/>
-          </p:nvPr>
-        </p:nvSpPr>
-        <p:spPr>
-          <a:xfrm>
-            <a:off x="914400" y="4343400"/>
-            <a:ext cx="7772400" cy="1975104"/>
-          </a:xfrm>
-        </p:spPr>
-        <p:txBody>
-          <a:bodyPr/>
-          <a:lstStyle>
-            <a:lvl1pPr marR="9144" algn="l">
-              <a:defRPr sz="4000" b="1" cap="all" spc="0" baseline="0">
-                <a:effectLst>
-                  <a:reflection blurRad="12700" stA="34000" endA="740" endPos="53000" dir="5400000" sy="-100000" algn="bl" rotWithShape="0"/>
-                </a:effectLst>
-              </a:defRPr>
-            </a:lvl1pPr>
-            <a:extLst/>
-          </a:lstStyle>
-          <a:p>
-            <a:r>
-              <a:rPr kumimoji="0" lang="ru-RU" smtClean="0"/>
-              <a:t>Образец заголовка</a:t>
-            </a:r>
-            <a:endParaRPr kumimoji="0" lang="en-US"/>
-          </a:p>
-        </p:txBody>
-      </p:sp>
-      <p:sp>
-        <p:nvSpPr>
-          <p:cNvPr id="9" name="Подзаголовок 8"/>
-          <p:cNvSpPr>
-            <a:spLocks noGrp="1"/>
-          </p:cNvSpPr>
-          <p:nvPr>
-            <p:ph type="subTitle" idx="1"/>
-          </p:nvPr>
-        </p:nvSpPr>
-        <p:spPr>
-          <a:xfrm>
-            <a:off x="914400" y="2834640"/>
-            <a:ext cx="7772400" cy="1508760"/>
-          </a:xfrm>
-        </p:spPr>
-        <p:txBody>
-          <a:bodyPr lIns="100584" tIns="45720" anchor="b"/>
-          <a:lstStyle>
-            <a:lvl1pPr marL="0" indent="0" algn="l">
-              <a:spcBef>
-                <a:spcPts val="0"/>
-              </a:spcBef>
-              <a:buNone/>
-              <a:defRPr sz="2000">
-                <a:solidFill>
-                  <a:schemeClr val="tx1"/>
-                </a:solidFill>
-              </a:defRPr>
-            </a:lvl1pPr>
-            <a:lvl2pPr marL="457200" indent="0" algn="ctr">
-              <a:buNone/>
-            </a:lvl2pPr>
-            <a:lvl3pPr marL="914400" indent="0" algn="ctr">
-              <a:buNone/>
-            </a:lvl3pPr>
-            <a:lvl4pPr marL="1371600" indent="0" algn="ctr">
-              <a:buNone/>
-            </a:lvl4pPr>
-            <a:lvl5pPr marL="1828800" indent="0" algn="ctr">
-              <a:buNone/>
-            </a:lvl5pPr>
-            <a:lvl6pPr marL="2286000" indent="0" algn="ctr">
-              <a:buNone/>
-            </a:lvl6pPr>
-            <a:lvl7pPr marL="2743200" indent="0" algn="ctr">
-              <a:buNone/>
-            </a:lvl7pPr>
-            <a:lvl8pPr marL="3200400" indent="0" algn="ctr">
-              <a:buNone/>
-            </a:lvl8pPr>
-            <a:lvl9pPr marL="3657600" indent="0" algn="ctr">
-              <a:buNone/>
-            </a:lvl9pPr>
-            <a:extLst/>
-          </a:lstStyle>
-          <a:p>
-            <a:r>
-              <a:rPr kumimoji="0" lang="ru-RU" smtClean="0"/>
-              <a:t>Образец подзаголовка</a:t>
-            </a:r>
-            <a:endParaRPr kumimoji="0" lang="en-US"/>
-          </a:p>
-        </p:txBody>
-      </p:sp>
-      <p:sp>
-        <p:nvSpPr>
-          <p:cNvPr id="56" name="Прямоугольник 55"/>
-          <p:cNvSpPr/>
-          <p:nvPr/>
-        </p:nvSpPr>
-        <p:spPr>
-          <a:xfrm>
-            <a:off x="255291" y="5047394"/>
-            <a:ext cx="73152" cy="1691640"/>
-          </a:xfrm>
-          <a:prstGeom prst="rect">
-            <a:avLst/>
-          </a:prstGeom>
-          <a:solidFill>
-            <a:schemeClr val="accent2">
-              <a:alpha val="100000"/>
-            </a:schemeClr>
-          </a:solidFill>
-          <a:ln w="50800" cap="rnd" cmpd="dbl" algn="ctr">
-            <a:noFill/>
-            <a:prstDash val="solid"/>
-          </a:ln>
-          <a:effectLst/>
-        </p:spPr>
-        <p:style>
-          <a:lnRef idx="3">
-            <a:schemeClr val="lt1"/>
-          </a:lnRef>
-          <a:fillRef idx="1">
-            <a:schemeClr val="accent1"/>
-          </a:fillRef>
-          <a:effectRef idx="1">
-            <a:schemeClr val="accent1"/>
-          </a:effectRef>
-          <a:fontRef idx="minor">
-            <a:schemeClr val="lt1"/>
-          </a:fontRef>
-        </p:style>
-        <p:txBody>
-          <a:bodyPr anchor="ctr"/>
-          <a:lstStyle>
-            <a:extLst/>
-          </a:lstStyle>
-          <a:p>
-            <a:pPr algn="ctr" eaLnBrk="1" latinLnBrk="0" hangingPunct="1"/>
-            <a:endParaRPr kumimoji="0" lang="en-US"/>
-          </a:p>
-        </p:txBody>
-      </p:sp>
-      <p:sp>
-        <p:nvSpPr>
-          <p:cNvPr id="65" name="Прямоугольник 64"/>
-          <p:cNvSpPr/>
-          <p:nvPr/>
-        </p:nvSpPr>
-        <p:spPr>
-          <a:xfrm>
-            <a:off x="255291" y="4796819"/>
-            <a:ext cx="73152" cy="228600"/>
-          </a:xfrm>
-          <a:prstGeom prst="rect">
-            <a:avLst/>
-          </a:prstGeom>
-          <a:solidFill>
-            <a:schemeClr val="accent3">
-              <a:alpha val="100000"/>
-            </a:schemeClr>
-          </a:solidFill>
-          <a:ln w="50800" cap="rnd" cmpd="dbl" algn="ctr">
-            <a:noFill/>
-            <a:prstDash val="solid"/>
-          </a:ln>
-          <a:effectLst/>
-        </p:spPr>
-        <p:style>
-          <a:lnRef idx="3">
-            <a:schemeClr val="lt1"/>
-          </a:lnRef>
-          <a:fillRef idx="1">
-            <a:schemeClr val="accent1"/>
-          </a:fillRef>
-          <a:effectRef idx="1">
-            <a:schemeClr val="accent1"/>
-          </a:effectRef>
-          <a:fontRef idx="minor">
-            <a:schemeClr val="lt1"/>
-          </a:fontRef>
-        </p:style>
-        <p:txBody>
-          <a:bodyPr anchor="ctr"/>
-          <a:lstStyle>
-            <a:extLst/>
-          </a:lstStyle>
-          <a:p>
-            <a:pPr algn="ctr" eaLnBrk="1" latinLnBrk="0" hangingPunct="1"/>
-            <a:endParaRPr kumimoji="0" lang="en-US"/>
-          </a:p>
-        </p:txBody>
-      </p:sp>
-      <p:sp>
-        <p:nvSpPr>
-          <p:cNvPr id="66" name="Прямоугольник 65"/>
-          <p:cNvSpPr/>
-          <p:nvPr/>
-        </p:nvSpPr>
-        <p:spPr>
-          <a:xfrm>
-            <a:off x="255291" y="4637685"/>
-            <a:ext cx="73152" cy="137160"/>
-          </a:xfrm>
-          <a:prstGeom prst="rect">
-            <a:avLst/>
-          </a:prstGeom>
-          <a:solidFill>
-            <a:schemeClr val="bg2"/>
-          </a:solidFill>
-          <a:ln w="50800" cap="rnd" cmpd="dbl" algn="ctr">
-            <a:noFill/>
-            <a:prstDash val="solid"/>
-          </a:ln>
-          <a:effectLst/>
-        </p:spPr>
-        <p:style>
-          <a:lnRef idx="3">
-            <a:schemeClr val="lt1"/>
-          </a:lnRef>
-          <a:fillRef idx="1">
-            <a:schemeClr val="accent1"/>
-          </a:fillRef>
-          <a:effectRef idx="1">
-            <a:schemeClr val="accent1"/>
-          </a:effectRef>
-          <a:fontRef idx="minor">
-            <a:schemeClr val="lt1"/>
-          </a:fontRef>
-        </p:style>
-        <p:txBody>
-          <a:bodyPr anchor="ctr"/>
-          <a:lstStyle>
-            <a:extLst/>
-          </a:lstStyle>
-          <a:p>
-            <a:pPr algn="ctr" eaLnBrk="1" latinLnBrk="0" hangingPunct="1"/>
-            <a:endParaRPr kumimoji="0" lang="en-US"/>
-          </a:p>
-        </p:txBody>
-      </p:sp>
-      <p:sp>
-        <p:nvSpPr>
-          <p:cNvPr id="67" name="Прямоугольник 66"/>
-          <p:cNvSpPr/>
-          <p:nvPr/>
-        </p:nvSpPr>
-        <p:spPr>
-          <a:xfrm>
-            <a:off x="255291" y="4542559"/>
-            <a:ext cx="73152" cy="73152"/>
-          </a:xfrm>
-          <a:prstGeom prst="rect">
-            <a:avLst/>
-          </a:prstGeom>
-          <a:solidFill>
-            <a:schemeClr val="accent2">
-              <a:alpha val="100000"/>
-            </a:schemeClr>
-          </a:solidFill>
-          <a:ln w="50800" cap="rnd" cmpd="dbl" algn="ctr">
-            <a:noFill/>
-            <a:prstDash val="solid"/>
-          </a:ln>
-          <a:effectLst/>
-        </p:spPr>
-        <p:style>
-          <a:lnRef idx="3">
-            <a:schemeClr val="lt1"/>
-          </a:lnRef>
-          <a:fillRef idx="1">
-            <a:schemeClr val="accent1"/>
-          </a:fillRef>
-          <a:effectRef idx="1">
-            <a:schemeClr val="accent1"/>
-          </a:effectRef>
-          <a:fontRef idx="minor">
-            <a:schemeClr val="lt1"/>
-          </a:fontRef>
-        </p:style>
-        <p:txBody>
-          <a:bodyPr anchor="ctr"/>
-          <a:lstStyle>
-            <a:extLst/>
-          </a:lstStyle>
-          <a:p>
-            <a:pPr algn="ctr" eaLnBrk="1" latinLnBrk="0" hangingPunct="1"/>
-            <a:endParaRPr kumimoji="0" lang="en-US" dirty="0"/>
           </a:p>
         </p:txBody>
       </p:sp>
@@ -1223,15 +822,13 @@
         <p:spPr/>
         <p:txBody>
           <a:bodyPr/>
-          <a:lstStyle>
-            <a:extLst/>
-          </a:lstStyle>
-          <a:p>
-            <a:r>
-              <a:rPr kumimoji="0" lang="ru-RU" smtClean="0"/>
+          <a:lstStyle/>
+          <a:p>
+            <a:r>
+              <a:rPr lang="ru-RU" smtClean="0"/>
               <a:t>Образец заголовка</a:t>
             </a:r>
-            <a:endParaRPr kumimoji="0" lang="en-US"/>
+            <a:endParaRPr lang="ru-RU"/>
           </a:p>
         </p:txBody>
       </p:sp>
@@ -1248,44 +845,42 @@
         <p:spPr/>
         <p:txBody>
           <a:bodyPr vert="eaVert"/>
-          <a:lstStyle>
-            <a:extLst/>
-          </a:lstStyle>
-          <a:p>
-            <a:pPr lvl="0" eaLnBrk="1" latinLnBrk="0" hangingPunct="1"/>
+          <a:lstStyle/>
+          <a:p>
+            <a:pPr lvl="0"/>
             <a:r>
               <a:rPr lang="ru-RU" smtClean="0"/>
               <a:t>Образец текста</a:t>
             </a:r>
           </a:p>
           <a:p>
-            <a:pPr lvl="1" eaLnBrk="1" latinLnBrk="0" hangingPunct="1"/>
+            <a:pPr lvl="1"/>
             <a:r>
               <a:rPr lang="ru-RU" smtClean="0"/>
               <a:t>Второй уровень</a:t>
             </a:r>
           </a:p>
           <a:p>
-            <a:pPr lvl="2" eaLnBrk="1" latinLnBrk="0" hangingPunct="1"/>
+            <a:pPr lvl="2"/>
             <a:r>
               <a:rPr lang="ru-RU" smtClean="0"/>
               <a:t>Третий уровень</a:t>
             </a:r>
           </a:p>
           <a:p>
-            <a:pPr lvl="3" eaLnBrk="1" latinLnBrk="0" hangingPunct="1"/>
+            <a:pPr lvl="3"/>
             <a:r>
               <a:rPr lang="ru-RU" smtClean="0"/>
               <a:t>Четвертый уровень</a:t>
             </a:r>
           </a:p>
           <a:p>
-            <a:pPr lvl="4" eaLnBrk="1" latinLnBrk="0" hangingPunct="1"/>
+            <a:pPr lvl="4"/>
             <a:r>
               <a:rPr lang="ru-RU" smtClean="0"/>
               <a:t>Пятый уровень</a:t>
             </a:r>
-            <a:endParaRPr kumimoji="0" lang="en-US"/>
+            <a:endParaRPr lang="ru-RU"/>
           </a:p>
         </p:txBody>
       </p:sp>
@@ -1302,14 +897,12 @@
         <p:spPr/>
         <p:txBody>
           <a:bodyPr/>
-          <a:lstStyle>
-            <a:extLst/>
-          </a:lstStyle>
+          <a:lstStyle/>
           <a:p>
             <a:fld id="{CCCAC9CA-0366-4239-9AE2-8D59776CA729}" type="datetime1">
               <a:rPr lang="ru-RU" smtClean="0"/>
               <a:pPr/>
-              <a:t>10.05.2012</a:t>
+              <a:t>11.05.2012</a:t>
             </a:fld>
             <a:endParaRPr lang="ru-RU"/>
           </a:p>
@@ -1328,9 +921,7 @@
         <p:spPr/>
         <p:txBody>
           <a:bodyPr/>
-          <a:lstStyle>
-            <a:extLst/>
-          </a:lstStyle>
+          <a:lstStyle/>
           <a:p>
             <a:endParaRPr lang="ru-RU"/>
           </a:p>
@@ -1349,9 +940,7 @@
         <p:spPr/>
         <p:txBody>
           <a:bodyPr/>
-          <a:lstStyle>
-            <a:extLst/>
-          </a:lstStyle>
+          <a:lstStyle/>
           <a:p>
             <a:fld id="{725C68B6-61C2-468F-89AB-4B9F7531AA68}" type="slidenum">
               <a:rPr lang="ru-RU" smtClean="0"/>
@@ -1399,21 +988,19 @@
         </p:nvSpPr>
         <p:spPr>
           <a:xfrm>
-            <a:off x="6629400" y="274639"/>
-            <a:ext cx="1981200" cy="5851525"/>
+            <a:off x="6629400" y="274638"/>
+            <a:ext cx="2057400" cy="5851525"/>
           </a:xfrm>
         </p:spPr>
         <p:txBody>
-          <a:bodyPr vert="eaVert" anchor="ctr"/>
-          <a:lstStyle>
-            <a:extLst/>
-          </a:lstStyle>
-          <a:p>
-            <a:r>
-              <a:rPr kumimoji="0" lang="ru-RU" smtClean="0"/>
+          <a:bodyPr vert="eaVert"/>
+          <a:lstStyle/>
+          <a:p>
+            <a:r>
+              <a:rPr lang="ru-RU" smtClean="0"/>
               <a:t>Образец заголовка</a:t>
             </a:r>
-            <a:endParaRPr kumimoji="0" lang="en-US"/>
+            <a:endParaRPr lang="ru-RU"/>
           </a:p>
         </p:txBody>
       </p:sp>
@@ -1429,50 +1016,48 @@
         </p:nvSpPr>
         <p:spPr>
           <a:xfrm>
-            <a:off x="609600" y="274639"/>
-            <a:ext cx="5867400" cy="5851525"/>
+            <a:off x="457200" y="274638"/>
+            <a:ext cx="6019800" cy="5851525"/>
           </a:xfrm>
         </p:spPr>
         <p:txBody>
           <a:bodyPr vert="eaVert"/>
-          <a:lstStyle>
-            <a:extLst/>
-          </a:lstStyle>
-          <a:p>
-            <a:pPr lvl="0" eaLnBrk="1" latinLnBrk="0" hangingPunct="1"/>
+          <a:lstStyle/>
+          <a:p>
+            <a:pPr lvl="0"/>
             <a:r>
               <a:rPr lang="ru-RU" smtClean="0"/>
               <a:t>Образец текста</a:t>
             </a:r>
           </a:p>
           <a:p>
-            <a:pPr lvl="1" eaLnBrk="1" latinLnBrk="0" hangingPunct="1"/>
+            <a:pPr lvl="1"/>
             <a:r>
               <a:rPr lang="ru-RU" smtClean="0"/>
               <a:t>Второй уровень</a:t>
             </a:r>
           </a:p>
           <a:p>
-            <a:pPr lvl="2" eaLnBrk="1" latinLnBrk="0" hangingPunct="1"/>
+            <a:pPr lvl="2"/>
             <a:r>
               <a:rPr lang="ru-RU" smtClean="0"/>
               <a:t>Третий уровень</a:t>
             </a:r>
           </a:p>
           <a:p>
-            <a:pPr lvl="3" eaLnBrk="1" latinLnBrk="0" hangingPunct="1"/>
+            <a:pPr lvl="3"/>
             <a:r>
               <a:rPr lang="ru-RU" smtClean="0"/>
               <a:t>Четвертый уровень</a:t>
             </a:r>
           </a:p>
           <a:p>
-            <a:pPr lvl="4" eaLnBrk="1" latinLnBrk="0" hangingPunct="1"/>
+            <a:pPr lvl="4"/>
             <a:r>
               <a:rPr lang="ru-RU" smtClean="0"/>
               <a:t>Пятый уровень</a:t>
             </a:r>
-            <a:endParaRPr kumimoji="0" lang="en-US"/>
+            <a:endParaRPr lang="ru-RU"/>
           </a:p>
         </p:txBody>
       </p:sp>
@@ -1489,14 +1074,12 @@
         <p:spPr/>
         <p:txBody>
           <a:bodyPr/>
-          <a:lstStyle>
-            <a:extLst/>
-          </a:lstStyle>
+          <a:lstStyle/>
           <a:p>
             <a:fld id="{F7958F22-B389-4E3E-A84A-528307C4FDAC}" type="datetime1">
               <a:rPr lang="ru-RU" smtClean="0"/>
               <a:pPr/>
-              <a:t>10.05.2012</a:t>
+              <a:t>11.05.2012</a:t>
             </a:fld>
             <a:endParaRPr lang="ru-RU"/>
           </a:p>
@@ -1515,9 +1098,7 @@
         <p:spPr/>
         <p:txBody>
           <a:bodyPr/>
-          <a:lstStyle>
-            <a:extLst/>
-          </a:lstStyle>
+          <a:lstStyle/>
           <a:p>
             <a:endParaRPr lang="ru-RU"/>
           </a:p>
@@ -1536,9 +1117,7 @@
         <p:spPr/>
         <p:txBody>
           <a:bodyPr/>
-          <a:lstStyle>
-            <a:extLst/>
-          </a:lstStyle>
+          <a:lstStyle/>
           <a:p>
             <a:fld id="{725C68B6-61C2-468F-89AB-4B9F7531AA68}" type="slidenum">
               <a:rPr lang="ru-RU" smtClean="0"/>
@@ -1587,15 +1166,13 @@
         <p:spPr/>
         <p:txBody>
           <a:bodyPr/>
-          <a:lstStyle>
-            <a:extLst/>
-          </a:lstStyle>
-          <a:p>
-            <a:r>
-              <a:rPr kumimoji="0" lang="ru-RU" smtClean="0"/>
+          <a:lstStyle/>
+          <a:p>
+            <a:r>
+              <a:rPr lang="ru-RU" smtClean="0"/>
               <a:t>Образец заголовка</a:t>
             </a:r>
-            <a:endParaRPr kumimoji="0" lang="en-US"/>
+            <a:endParaRPr lang="ru-RU"/>
           </a:p>
         </p:txBody>
       </p:sp>
@@ -1612,44 +1189,42 @@
         <p:spPr/>
         <p:txBody>
           <a:bodyPr/>
-          <a:lstStyle>
-            <a:extLst/>
-          </a:lstStyle>
-          <a:p>
-            <a:pPr lvl="0" eaLnBrk="1" latinLnBrk="0" hangingPunct="1"/>
+          <a:lstStyle/>
+          <a:p>
+            <a:pPr lvl="0"/>
             <a:r>
               <a:rPr lang="ru-RU" smtClean="0"/>
               <a:t>Образец текста</a:t>
             </a:r>
           </a:p>
           <a:p>
-            <a:pPr lvl="1" eaLnBrk="1" latinLnBrk="0" hangingPunct="1"/>
+            <a:pPr lvl="1"/>
             <a:r>
               <a:rPr lang="ru-RU" smtClean="0"/>
               <a:t>Второй уровень</a:t>
             </a:r>
           </a:p>
           <a:p>
-            <a:pPr lvl="2" eaLnBrk="1" latinLnBrk="0" hangingPunct="1"/>
+            <a:pPr lvl="2"/>
             <a:r>
               <a:rPr lang="ru-RU" smtClean="0"/>
               <a:t>Третий уровень</a:t>
             </a:r>
           </a:p>
           <a:p>
-            <a:pPr lvl="3" eaLnBrk="1" latinLnBrk="0" hangingPunct="1"/>
+            <a:pPr lvl="3"/>
             <a:r>
               <a:rPr lang="ru-RU" smtClean="0"/>
               <a:t>Четвертый уровень</a:t>
             </a:r>
           </a:p>
           <a:p>
-            <a:pPr lvl="4" eaLnBrk="1" latinLnBrk="0" hangingPunct="1"/>
+            <a:pPr lvl="4"/>
             <a:r>
               <a:rPr lang="ru-RU" smtClean="0"/>
               <a:t>Пятый уровень</a:t>
             </a:r>
-            <a:endParaRPr kumimoji="0" lang="en-US"/>
+            <a:endParaRPr lang="ru-RU"/>
           </a:p>
         </p:txBody>
       </p:sp>
@@ -1666,14 +1241,12 @@
         <p:spPr/>
         <p:txBody>
           <a:bodyPr/>
-          <a:lstStyle>
-            <a:extLst/>
-          </a:lstStyle>
+          <a:lstStyle/>
           <a:p>
             <a:fld id="{D58B9A2A-4767-4501-9E7A-4E4CB04CF059}" type="datetime1">
               <a:rPr lang="ru-RU" smtClean="0"/>
               <a:pPr/>
-              <a:t>10.05.2012</a:t>
+              <a:t>11.05.2012</a:t>
             </a:fld>
             <a:endParaRPr lang="ru-RU"/>
           </a:p>
@@ -1692,9 +1265,7 @@
         <p:spPr/>
         <p:txBody>
           <a:bodyPr/>
-          <a:lstStyle>
-            <a:extLst/>
-          </a:lstStyle>
+          <a:lstStyle/>
           <a:p>
             <a:endParaRPr lang="ru-RU"/>
           </a:p>
@@ -1713,9 +1284,7 @@
         <p:spPr/>
         <p:txBody>
           <a:bodyPr/>
-          <a:lstStyle>
-            <a:extLst/>
-          </a:lstStyle>
+          <a:lstStyle/>
           <a:p>
             <a:fld id="{725C68B6-61C2-468F-89AB-4B9F7531AA68}" type="slidenum">
               <a:rPr lang="ru-RU" smtClean="0"/>
@@ -1753,1331 +1322,56 @@
       </p:grpSpPr>
       <p:sp>
         <p:nvSpPr>
-          <p:cNvPr id="14" name="Полилиния 13"/>
-          <p:cNvSpPr>
-            <a:spLocks/>
-          </p:cNvSpPr>
-          <p:nvPr/>
-        </p:nvSpPr>
-        <p:spPr bwMode="auto">
-          <a:xfrm>
-            <a:off x="4828952" y="1073888"/>
-            <a:ext cx="4322136" cy="5791200"/>
-          </a:xfrm>
-          <a:custGeom>
-            <a:avLst>
-              <a:gd name="A1" fmla="val 0"/>
-              <a:gd name="A2" fmla="val 0"/>
-              <a:gd name="A3" fmla="val 0"/>
-              <a:gd name="A4" fmla="val 0"/>
-              <a:gd name="A5" fmla="val 0"/>
-              <a:gd name="A6" fmla="val 0"/>
-              <a:gd name="A7" fmla="val 0"/>
-              <a:gd name="A8" fmla="val 0"/>
-            </a:avLst>
-            <a:gdLst/>
-            <a:ahLst/>
-            <a:cxnLst>
-              <a:cxn ang="0">
-                <a:pos x="0" y="3648"/>
-              </a:cxn>
-              <a:cxn ang="0">
-                <a:pos x="720" y="2016"/>
-              </a:cxn>
-              <a:cxn ang="0">
-                <a:pos x="2736" y="0"/>
-              </a:cxn>
-              <a:cxn ang="0">
-                <a:pos x="2736" y="96"/>
-              </a:cxn>
-              <a:cxn ang="0">
-                <a:pos x="744" y="2038"/>
-              </a:cxn>
-              <a:cxn ang="0">
-                <a:pos x="48" y="3648"/>
-              </a:cxn>
-              <a:cxn ang="0">
-                <a:pos x="0" y="3648"/>
-              </a:cxn>
-            </a:cxnLst>
-            <a:rect l="0" t="0" r="0" b="0"/>
-            <a:pathLst>
-              <a:path w="2736" h="3648">
-                <a:moveTo>
-                  <a:pt x="0" y="3648"/>
-                </a:moveTo>
-                <a:lnTo>
-                  <a:pt x="720" y="2016"/>
-                </a:lnTo>
-                <a:lnTo>
-                  <a:pt x="2736" y="672"/>
-                </a:lnTo>
-                <a:lnTo>
-                  <a:pt x="2736" y="720"/>
-                </a:lnTo>
-                <a:lnTo>
-                  <a:pt x="744" y="2038"/>
-                </a:lnTo>
-                <a:lnTo>
-                  <a:pt x="48" y="3648"/>
-                </a:lnTo>
-                <a:lnTo>
-                  <a:pt x="48" y="3648"/>
-                </a:lnTo>
-                <a:close/>
-              </a:path>
-            </a:pathLst>
-          </a:custGeom>
-          <a:noFill/>
-          <a:ln w="3175" cap="flat" cmpd="sng" algn="ctr">
-            <a:solidFill>
-              <a:schemeClr val="accent2">
-                <a:alpha val="53000"/>
-              </a:schemeClr>
-            </a:solidFill>
-            <a:prstDash val="solid"/>
-            <a:round/>
-            <a:headEnd type="none" w="med" len="med"/>
-            <a:tailEnd type="none" w="med" len="med"/>
-          </a:ln>
-          <a:effectLst/>
-        </p:spPr>
-        <p:txBody>
-          <a:bodyPr vert="horz" wrap="square" lIns="91440" tIns="45720" rIns="91440" bIns="45720" anchor="t" compatLnSpc="1"/>
-          <a:lstStyle>
-            <a:extLst/>
-          </a:lstStyle>
-          <a:p>
-            <a:endParaRPr kumimoji="0" lang="en-US"/>
-          </a:p>
-        </p:txBody>
-      </p:sp>
-      <p:sp>
-        <p:nvSpPr>
-          <p:cNvPr id="15" name="Полилиния 14"/>
-          <p:cNvSpPr>
-            <a:spLocks/>
-          </p:cNvSpPr>
-          <p:nvPr/>
-        </p:nvSpPr>
-        <p:spPr bwMode="auto">
-          <a:xfrm>
-            <a:off x="373966" y="0"/>
-            <a:ext cx="5514536" cy="6615332"/>
-          </a:xfrm>
-          <a:custGeom>
-            <a:avLst>
-              <a:gd name="A1" fmla="val 0"/>
-              <a:gd name="A2" fmla="val 0"/>
-              <a:gd name="A3" fmla="val 0"/>
-              <a:gd name="A4" fmla="val 0"/>
-              <a:gd name="A5" fmla="val 0"/>
-              <a:gd name="A6" fmla="val 0"/>
-              <a:gd name="A7" fmla="val 0"/>
-              <a:gd name="A8" fmla="val 0"/>
-            </a:avLst>
-            <a:gdLst/>
-            <a:ahLst/>
-            <a:cxnLst>
-              <a:cxn ang="0">
-                <a:pos x="0" y="4080"/>
-              </a:cxn>
-              <a:cxn ang="0">
-                <a:pos x="0" y="4128"/>
-              </a:cxn>
-              <a:cxn ang="0">
-                <a:pos x="3504" y="2640"/>
-              </a:cxn>
-              <a:cxn ang="0">
-                <a:pos x="2880" y="0"/>
-              </a:cxn>
-              <a:cxn ang="0">
-                <a:pos x="2832" y="0"/>
-              </a:cxn>
-              <a:cxn ang="0">
-                <a:pos x="3465" y="2619"/>
-              </a:cxn>
-              <a:cxn ang="0">
-                <a:pos x="0" y="4080"/>
-              </a:cxn>
-            </a:cxnLst>
-            <a:rect l="0" t="0" r="0" b="0"/>
-            <a:pathLst>
-              <a:path w="3504" h="4128">
-                <a:moveTo>
-                  <a:pt x="0" y="4080"/>
-                </a:moveTo>
-                <a:lnTo>
-                  <a:pt x="0" y="4128"/>
-                </a:lnTo>
-                <a:lnTo>
-                  <a:pt x="3504" y="2640"/>
-                </a:lnTo>
-                <a:lnTo>
-                  <a:pt x="2880" y="0"/>
-                </a:lnTo>
-                <a:lnTo>
-                  <a:pt x="2832" y="0"/>
-                </a:lnTo>
-                <a:lnTo>
-                  <a:pt x="3465" y="2619"/>
-                </a:lnTo>
-                <a:lnTo>
-                  <a:pt x="0" y="4080"/>
-                </a:lnTo>
-                <a:close/>
-              </a:path>
-            </a:pathLst>
-          </a:custGeom>
-          <a:noFill/>
-          <a:ln w="3175" cap="flat" cmpd="sng" algn="ctr">
-            <a:solidFill>
-              <a:schemeClr val="accent2">
-                <a:alpha val="53000"/>
-              </a:schemeClr>
-            </a:solidFill>
-            <a:prstDash val="solid"/>
-            <a:round/>
-            <a:headEnd type="none" w="med" len="med"/>
-            <a:tailEnd type="none" w="med" len="med"/>
-          </a:ln>
-          <a:effectLst/>
-        </p:spPr>
-        <p:txBody>
-          <a:bodyPr vert="horz" wrap="square" lIns="91440" tIns="45720" rIns="91440" bIns="45720" anchor="t" compatLnSpc="1"/>
-          <a:lstStyle>
-            <a:extLst/>
-          </a:lstStyle>
-          <a:p>
-            <a:endParaRPr kumimoji="0" lang="en-US"/>
-          </a:p>
-        </p:txBody>
-      </p:sp>
-      <p:sp>
-        <p:nvSpPr>
-          <p:cNvPr id="13" name="Полилиния 12"/>
-          <p:cNvSpPr>
-            <a:spLocks/>
-          </p:cNvSpPr>
-          <p:nvPr/>
-        </p:nvSpPr>
-        <p:spPr bwMode="auto">
-          <a:xfrm rot="5236414">
-            <a:off x="4462128" y="1483600"/>
-            <a:ext cx="4114800" cy="1188720"/>
-          </a:xfrm>
-          <a:custGeom>
-            <a:avLst>
-              <a:gd name="A1" fmla="val 0"/>
-              <a:gd name="A2" fmla="val 0"/>
-              <a:gd name="A3" fmla="val 0"/>
-              <a:gd name="A4" fmla="val 0"/>
-              <a:gd name="A5" fmla="val 0"/>
-              <a:gd name="A6" fmla="val 0"/>
-              <a:gd name="A7" fmla="val 0"/>
-              <a:gd name="A8" fmla="val 0"/>
-            </a:avLst>
-            <a:gdLst/>
-            <a:ahLst/>
-            <a:cxnLst>
-              <a:cxn ang="0">
-                <a:pos x="0" y="0"/>
-              </a:cxn>
-              <a:cxn ang="0">
-                <a:pos x="3552" y="1344"/>
-              </a:cxn>
-              <a:cxn ang="0">
-                <a:pos x="0" y="48"/>
-              </a:cxn>
-              <a:cxn ang="0">
-                <a:pos x="0" y="0"/>
-              </a:cxn>
-            </a:cxnLst>
-            <a:rect l="0" t="0" r="0" b="0"/>
-            <a:pathLst>
-              <a:path w="3552" h="1344">
-                <a:moveTo>
-                  <a:pt x="0" y="0"/>
-                </a:moveTo>
-                <a:lnTo>
-                  <a:pt x="3552" y="1344"/>
-                </a:lnTo>
-                <a:lnTo>
-                  <a:pt x="0" y="48"/>
-                </a:lnTo>
-                <a:lnTo>
-                  <a:pt x="0" y="0"/>
-                </a:lnTo>
-                <a:close/>
-              </a:path>
-            </a:pathLst>
-          </a:custGeom>
-          <a:solidFill>
-            <a:schemeClr val="bg2">
-              <a:tint val="95000"/>
-              <a:satMod val="180000"/>
-              <a:alpha val="30000"/>
-            </a:schemeClr>
-          </a:solidFill>
-          <a:ln w="9525" cap="flat" cmpd="sng" algn="ctr">
-            <a:noFill/>
-            <a:prstDash val="solid"/>
-            <a:round/>
-            <a:headEnd type="none" w="med" len="med"/>
-            <a:tailEnd type="none" w="med" len="med"/>
-          </a:ln>
-          <a:effectLst/>
-        </p:spPr>
-        <p:txBody>
-          <a:bodyPr vert="horz" wrap="square" lIns="91440" tIns="45720" rIns="91440" bIns="45720" anchor="t" compatLnSpc="1"/>
-          <a:lstStyle>
-            <a:extLst/>
-          </a:lstStyle>
-          <a:p>
-            <a:endParaRPr kumimoji="0" lang="en-US"/>
-          </a:p>
-        </p:txBody>
-      </p:sp>
-      <p:sp>
-        <p:nvSpPr>
-          <p:cNvPr id="16" name="Полилиния 15"/>
-          <p:cNvSpPr>
-            <a:spLocks/>
-          </p:cNvSpPr>
-          <p:nvPr/>
-        </p:nvSpPr>
-        <p:spPr bwMode="auto">
-          <a:xfrm>
-            <a:off x="5943600" y="0"/>
-            <a:ext cx="2743200" cy="4267200"/>
-          </a:xfrm>
-          <a:custGeom>
-            <a:avLst>
-              <a:gd name="A1" fmla="val 0"/>
-              <a:gd name="A2" fmla="val 0"/>
-              <a:gd name="A3" fmla="val 0"/>
-              <a:gd name="A4" fmla="val 0"/>
-              <a:gd name="A5" fmla="val 0"/>
-              <a:gd name="A6" fmla="val 0"/>
-              <a:gd name="A7" fmla="val 0"/>
-              <a:gd name="A8" fmla="val 0"/>
-            </a:avLst>
-            <a:gdLst/>
-            <a:ahLst/>
-            <a:cxnLst>
-              <a:cxn ang="0">
-                <a:pos x="1104" y="0"/>
-              </a:cxn>
-              <a:cxn ang="0">
-                <a:pos x="1728" y="0"/>
-              </a:cxn>
-              <a:cxn ang="0">
-                <a:pos x="0" y="2688"/>
-              </a:cxn>
-              <a:cxn ang="0">
-                <a:pos x="1104" y="0"/>
-              </a:cxn>
-            </a:cxnLst>
-            <a:rect l="0" t="0" r="0" b="0"/>
-            <a:pathLst>
-              <a:path w="1728" h="2688">
-                <a:moveTo>
-                  <a:pt x="1104" y="0"/>
-                </a:moveTo>
-                <a:lnTo>
-                  <a:pt x="1728" y="0"/>
-                </a:lnTo>
-                <a:lnTo>
-                  <a:pt x="0" y="2688"/>
-                </a:lnTo>
-                <a:lnTo>
-                  <a:pt x="1104" y="0"/>
-                </a:lnTo>
-                <a:close/>
-              </a:path>
-            </a:pathLst>
-          </a:custGeom>
-          <a:solidFill>
-            <a:schemeClr val="bg2">
-              <a:tint val="95000"/>
-              <a:satMod val="200000"/>
-              <a:alpha val="30000"/>
-            </a:schemeClr>
-          </a:solidFill>
-          <a:ln w="9525" cap="flat" cmpd="sng" algn="ctr">
-            <a:noFill/>
-            <a:prstDash val="solid"/>
-            <a:round/>
-            <a:headEnd type="none" w="med" len="med"/>
-            <a:tailEnd type="none" w="med" len="med"/>
-          </a:ln>
-          <a:effectLst/>
-        </p:spPr>
-        <p:txBody>
-          <a:bodyPr vert="horz" wrap="square" lIns="91440" tIns="45720" rIns="91440" bIns="45720" anchor="t" compatLnSpc="1"/>
-          <a:lstStyle>
-            <a:extLst/>
-          </a:lstStyle>
-          <a:p>
-            <a:endParaRPr kumimoji="0" lang="en-US"/>
-          </a:p>
-        </p:txBody>
-      </p:sp>
-      <p:sp>
-        <p:nvSpPr>
-          <p:cNvPr id="17" name="Полилиния 16"/>
-          <p:cNvSpPr>
-            <a:spLocks/>
-          </p:cNvSpPr>
-          <p:nvPr/>
-        </p:nvSpPr>
-        <p:spPr bwMode="auto">
-          <a:xfrm>
-            <a:off x="5943600" y="4267200"/>
-            <a:ext cx="3200400" cy="1143000"/>
-          </a:xfrm>
-          <a:custGeom>
-            <a:avLst>
-              <a:gd name="A1" fmla="val 0"/>
-              <a:gd name="A2" fmla="val 0"/>
-              <a:gd name="A3" fmla="val 0"/>
-              <a:gd name="A4" fmla="val 0"/>
-              <a:gd name="A5" fmla="val 0"/>
-              <a:gd name="A6" fmla="val 0"/>
-              <a:gd name="A7" fmla="val 0"/>
-              <a:gd name="A8" fmla="val 0"/>
-            </a:avLst>
-            <a:gdLst/>
-            <a:ahLst/>
-            <a:cxnLst>
-              <a:cxn ang="0">
-                <a:pos x="0" y="0"/>
-              </a:cxn>
-              <a:cxn ang="0">
-                <a:pos x="2016" y="240"/>
-              </a:cxn>
-              <a:cxn ang="0">
-                <a:pos x="2016" y="720"/>
-              </a:cxn>
-              <a:cxn ang="0">
-                <a:pos x="0" y="0"/>
-              </a:cxn>
-            </a:cxnLst>
-            <a:rect l="0" t="0" r="0" b="0"/>
-            <a:pathLst>
-              <a:path w="2016" h="720">
-                <a:moveTo>
-                  <a:pt x="0" y="0"/>
-                </a:moveTo>
-                <a:lnTo>
-                  <a:pt x="2016" y="240"/>
-                </a:lnTo>
-                <a:lnTo>
-                  <a:pt x="2016" y="720"/>
-                </a:lnTo>
-                <a:lnTo>
-                  <a:pt x="0" y="0"/>
-                </a:lnTo>
-                <a:close/>
-              </a:path>
-            </a:pathLst>
-          </a:custGeom>
-          <a:solidFill>
-            <a:schemeClr val="bg2">
-              <a:tint val="95000"/>
-              <a:satMod val="200000"/>
-              <a:alpha val="30000"/>
-            </a:schemeClr>
-          </a:solidFill>
-          <a:ln w="9525" cap="flat" cmpd="sng" algn="ctr">
-            <a:noFill/>
-            <a:prstDash val="solid"/>
-            <a:round/>
-            <a:headEnd type="none" w="med" len="med"/>
-            <a:tailEnd type="none" w="med" len="med"/>
-          </a:ln>
-          <a:effectLst/>
-        </p:spPr>
-        <p:txBody>
-          <a:bodyPr vert="horz" wrap="square" lIns="91440" tIns="45720" rIns="91440" bIns="45720" anchor="t" compatLnSpc="1"/>
-          <a:lstStyle>
-            <a:extLst/>
-          </a:lstStyle>
-          <a:p>
-            <a:endParaRPr kumimoji="0" lang="en-US"/>
-          </a:p>
-        </p:txBody>
-      </p:sp>
-      <p:sp>
-        <p:nvSpPr>
-          <p:cNvPr id="18" name="Полилиния 17"/>
-          <p:cNvSpPr>
-            <a:spLocks/>
-          </p:cNvSpPr>
-          <p:nvPr/>
-        </p:nvSpPr>
-        <p:spPr bwMode="auto">
-          <a:xfrm>
-            <a:off x="5943600" y="0"/>
-            <a:ext cx="1371600" cy="4267200"/>
-          </a:xfrm>
-          <a:custGeom>
-            <a:avLst>
-              <a:gd name="A1" fmla="val 0"/>
-              <a:gd name="A2" fmla="val 0"/>
-              <a:gd name="A3" fmla="val 0"/>
-              <a:gd name="A4" fmla="val 0"/>
-              <a:gd name="A5" fmla="val 0"/>
-              <a:gd name="A6" fmla="val 0"/>
-              <a:gd name="A7" fmla="val 0"/>
-              <a:gd name="A8" fmla="val 0"/>
-            </a:avLst>
-            <a:gdLst/>
-            <a:ahLst/>
-            <a:cxnLst>
-              <a:cxn ang="0">
-                <a:pos x="864" y="0"/>
-              </a:cxn>
-              <a:cxn ang="0">
-                <a:pos x="0" y="2688"/>
-              </a:cxn>
-              <a:cxn ang="0">
-                <a:pos x="768" y="0"/>
-              </a:cxn>
-              <a:cxn ang="0">
-                <a:pos x="864" y="0"/>
-              </a:cxn>
-            </a:cxnLst>
-            <a:rect l="0" t="0" r="0" b="0"/>
-            <a:pathLst>
-              <a:path w="864" h="2688">
-                <a:moveTo>
-                  <a:pt x="864" y="0"/>
-                </a:moveTo>
-                <a:lnTo>
-                  <a:pt x="0" y="2688"/>
-                </a:lnTo>
-                <a:lnTo>
-                  <a:pt x="768" y="0"/>
-                </a:lnTo>
-                <a:lnTo>
-                  <a:pt x="864" y="0"/>
-                </a:lnTo>
-                <a:close/>
-              </a:path>
-            </a:pathLst>
-          </a:custGeom>
-          <a:solidFill>
-            <a:schemeClr val="bg2">
-              <a:tint val="95000"/>
-              <a:satMod val="200000"/>
-              <a:alpha val="30000"/>
-            </a:schemeClr>
-          </a:solidFill>
-          <a:ln w="9525" cap="flat" cmpd="sng" algn="ctr">
-            <a:noFill/>
-            <a:prstDash val="solid"/>
-            <a:round/>
-            <a:headEnd type="none" w="med" len="med"/>
-            <a:tailEnd type="none" w="med" len="med"/>
-          </a:ln>
-          <a:effectLst/>
-        </p:spPr>
-        <p:txBody>
-          <a:bodyPr vert="horz" wrap="square" lIns="91440" tIns="45720" rIns="91440" bIns="45720" anchor="t" compatLnSpc="1"/>
-          <a:lstStyle>
-            <a:extLst/>
-          </a:lstStyle>
-          <a:p>
-            <a:endParaRPr kumimoji="0" lang="en-US"/>
-          </a:p>
-        </p:txBody>
-      </p:sp>
-      <p:sp>
-        <p:nvSpPr>
-          <p:cNvPr id="19" name="Полилиния 18"/>
-          <p:cNvSpPr>
-            <a:spLocks/>
-          </p:cNvSpPr>
-          <p:nvPr/>
-        </p:nvSpPr>
-        <p:spPr bwMode="auto">
-          <a:xfrm>
-            <a:off x="5948363" y="4246563"/>
-            <a:ext cx="2090737" cy="2611437"/>
-          </a:xfrm>
-          <a:custGeom>
-            <a:avLst>
-              <a:gd name="A1" fmla="val 0"/>
-              <a:gd name="A2" fmla="val 0"/>
-              <a:gd name="A3" fmla="val 0"/>
-              <a:gd name="A4" fmla="val 0"/>
-              <a:gd name="A5" fmla="val 0"/>
-              <a:gd name="A6" fmla="val 0"/>
-              <a:gd name="A7" fmla="val 0"/>
-              <a:gd name="A8" fmla="val 0"/>
-            </a:avLst>
-            <a:gdLst/>
-            <a:ahLst/>
-            <a:cxnLst>
-              <a:cxn ang="0">
-                <a:pos x="1071" y="1645"/>
-              </a:cxn>
-              <a:cxn ang="0">
-                <a:pos x="1317" y="1645"/>
-              </a:cxn>
-              <a:cxn ang="0">
-                <a:pos x="0" y="0"/>
-              </a:cxn>
-              <a:cxn ang="0">
-                <a:pos x="1071" y="1645"/>
-              </a:cxn>
-            </a:cxnLst>
-            <a:rect l="0" t="0" r="0" b="0"/>
-            <a:pathLst>
-              <a:path w="1317" h="1645">
-                <a:moveTo>
-                  <a:pt x="1071" y="1645"/>
-                </a:moveTo>
-                <a:lnTo>
-                  <a:pt x="1317" y="1645"/>
-                </a:lnTo>
-                <a:lnTo>
-                  <a:pt x="0" y="0"/>
-                </a:lnTo>
-                <a:lnTo>
-                  <a:pt x="1071" y="1645"/>
-                </a:lnTo>
-                <a:close/>
-              </a:path>
-            </a:pathLst>
-          </a:custGeom>
-          <a:solidFill>
-            <a:schemeClr val="bg2">
-              <a:tint val="95000"/>
-              <a:satMod val="200000"/>
-              <a:alpha val="30000"/>
-            </a:schemeClr>
-          </a:solidFill>
-          <a:ln w="9525" cap="flat" cmpd="sng" algn="ctr">
-            <a:noFill/>
-            <a:prstDash val="solid"/>
-            <a:round/>
-            <a:headEnd type="none" w="med" len="med"/>
-            <a:tailEnd type="none" w="med" len="med"/>
-          </a:ln>
-          <a:effectLst/>
-        </p:spPr>
-        <p:txBody>
-          <a:bodyPr vert="horz" wrap="square" lIns="91440" tIns="45720" rIns="91440" bIns="45720" anchor="t" compatLnSpc="1"/>
-          <a:lstStyle>
-            <a:extLst/>
-          </a:lstStyle>
-          <a:p>
-            <a:endParaRPr kumimoji="0" lang="en-US"/>
-          </a:p>
-        </p:txBody>
-      </p:sp>
-      <p:sp>
-        <p:nvSpPr>
-          <p:cNvPr id="20" name="Полилиния 19"/>
-          <p:cNvSpPr>
-            <a:spLocks/>
-          </p:cNvSpPr>
-          <p:nvPr/>
-        </p:nvSpPr>
-        <p:spPr bwMode="auto">
-          <a:xfrm>
-            <a:off x="5943600" y="4267200"/>
-            <a:ext cx="1600200" cy="2590800"/>
-          </a:xfrm>
-          <a:custGeom>
-            <a:avLst>
-              <a:gd name="A1" fmla="val 0"/>
-              <a:gd name="A2" fmla="val 0"/>
-              <a:gd name="A3" fmla="val 0"/>
-              <a:gd name="A4" fmla="val 0"/>
-              <a:gd name="A5" fmla="val 0"/>
-              <a:gd name="A6" fmla="val 0"/>
-              <a:gd name="A7" fmla="val 0"/>
-              <a:gd name="A8" fmla="val 0"/>
-            </a:avLst>
-            <a:gdLst/>
-            <a:ahLst/>
-            <a:cxnLst>
-              <a:cxn ang="0">
-                <a:pos x="1008" y="1632"/>
-              </a:cxn>
-              <a:cxn ang="0">
-                <a:pos x="0" y="0"/>
-              </a:cxn>
-              <a:cxn ang="0">
-                <a:pos x="960" y="1632"/>
-              </a:cxn>
-              <a:cxn ang="0">
-                <a:pos x="1008" y="1632"/>
-              </a:cxn>
-            </a:cxnLst>
-            <a:rect l="0" t="0" r="0" b="0"/>
-            <a:pathLst>
-              <a:path w="1008" h="1632">
-                <a:moveTo>
-                  <a:pt x="1008" y="1632"/>
-                </a:moveTo>
-                <a:lnTo>
-                  <a:pt x="0" y="0"/>
-                </a:lnTo>
-                <a:lnTo>
-                  <a:pt x="960" y="1632"/>
-                </a:lnTo>
-                <a:lnTo>
-                  <a:pt x="1008" y="1632"/>
-                </a:lnTo>
-                <a:close/>
-              </a:path>
-            </a:pathLst>
-          </a:custGeom>
-          <a:solidFill>
-            <a:schemeClr val="bg2">
-              <a:tint val="95000"/>
-              <a:satMod val="200000"/>
-              <a:alpha val="30000"/>
-            </a:schemeClr>
-          </a:solidFill>
-          <a:ln w="9525" cap="flat" cmpd="sng" algn="ctr">
-            <a:noFill/>
-            <a:prstDash val="solid"/>
-            <a:round/>
-            <a:headEnd type="none" w="med" len="med"/>
-            <a:tailEnd type="none" w="med" len="med"/>
-          </a:ln>
-          <a:effectLst/>
-        </p:spPr>
-        <p:txBody>
-          <a:bodyPr vert="horz" wrap="square" lIns="91440" tIns="45720" rIns="91440" bIns="45720" anchor="t" compatLnSpc="1"/>
-          <a:lstStyle>
-            <a:extLst/>
-          </a:lstStyle>
-          <a:p>
-            <a:endParaRPr kumimoji="0" lang="en-US"/>
-          </a:p>
-        </p:txBody>
-      </p:sp>
-      <p:sp>
-        <p:nvSpPr>
-          <p:cNvPr id="21" name="Полилиния 20"/>
-          <p:cNvSpPr>
-            <a:spLocks/>
-          </p:cNvSpPr>
-          <p:nvPr/>
-        </p:nvSpPr>
-        <p:spPr bwMode="auto">
-          <a:xfrm>
-            <a:off x="5943600" y="1371600"/>
-            <a:ext cx="3200400" cy="2895600"/>
-          </a:xfrm>
-          <a:custGeom>
-            <a:avLst>
-              <a:gd name="A1" fmla="val 0"/>
-              <a:gd name="A2" fmla="val 0"/>
-              <a:gd name="A3" fmla="val 0"/>
-              <a:gd name="A4" fmla="val 0"/>
-              <a:gd name="A5" fmla="val 0"/>
-              <a:gd name="A6" fmla="val 0"/>
-              <a:gd name="A7" fmla="val 0"/>
-              <a:gd name="A8" fmla="val 0"/>
-            </a:avLst>
-            <a:gdLst/>
-            <a:ahLst/>
-            <a:cxnLst>
-              <a:cxn ang="0">
-                <a:pos x="2016" y="0"/>
-              </a:cxn>
-              <a:cxn ang="0">
-                <a:pos x="2016" y="144"/>
-              </a:cxn>
-              <a:cxn ang="0">
-                <a:pos x="0" y="1824"/>
-              </a:cxn>
-              <a:cxn ang="0">
-                <a:pos x="2016" y="0"/>
-              </a:cxn>
-            </a:cxnLst>
-            <a:rect l="0" t="0" r="0" b="0"/>
-            <a:pathLst>
-              <a:path w="2016" h="1824">
-                <a:moveTo>
-                  <a:pt x="2016" y="0"/>
-                </a:moveTo>
-                <a:lnTo>
-                  <a:pt x="2016" y="144"/>
-                </a:lnTo>
-                <a:lnTo>
-                  <a:pt x="0" y="1824"/>
-                </a:lnTo>
-                <a:lnTo>
-                  <a:pt x="2016" y="0"/>
-                </a:lnTo>
-                <a:close/>
-              </a:path>
-            </a:pathLst>
-          </a:custGeom>
-          <a:solidFill>
-            <a:schemeClr val="bg2">
-              <a:tint val="95000"/>
-              <a:satMod val="200000"/>
-              <a:alpha val="30000"/>
-            </a:schemeClr>
-          </a:solidFill>
-          <a:ln w="9525" cap="flat" cmpd="sng" algn="ctr">
-            <a:noFill/>
-            <a:prstDash val="solid"/>
-            <a:round/>
-            <a:headEnd type="none" w="med" len="med"/>
-            <a:tailEnd type="none" w="med" len="med"/>
-          </a:ln>
-          <a:effectLst/>
-        </p:spPr>
-        <p:txBody>
-          <a:bodyPr vert="horz" wrap="square" lIns="91440" tIns="45720" rIns="91440" bIns="45720" anchor="t" compatLnSpc="1"/>
-          <a:lstStyle>
-            <a:extLst/>
-          </a:lstStyle>
-          <a:p>
-            <a:endParaRPr kumimoji="0" lang="en-US"/>
-          </a:p>
-        </p:txBody>
-      </p:sp>
-      <p:sp>
-        <p:nvSpPr>
-          <p:cNvPr id="22" name="Полилиния 21"/>
-          <p:cNvSpPr>
-            <a:spLocks/>
-          </p:cNvSpPr>
-          <p:nvPr/>
-        </p:nvSpPr>
-        <p:spPr bwMode="auto">
-          <a:xfrm>
-            <a:off x="5943600" y="1752600"/>
-            <a:ext cx="3200400" cy="2514600"/>
-          </a:xfrm>
-          <a:custGeom>
-            <a:avLst>
-              <a:gd name="A1" fmla="val 0"/>
-              <a:gd name="A2" fmla="val 0"/>
-              <a:gd name="A3" fmla="val 0"/>
-              <a:gd name="A4" fmla="val 0"/>
-              <a:gd name="A5" fmla="val 0"/>
-              <a:gd name="A6" fmla="val 0"/>
-              <a:gd name="A7" fmla="val 0"/>
-              <a:gd name="A8" fmla="val 0"/>
-            </a:avLst>
-            <a:gdLst/>
-            <a:ahLst/>
-            <a:cxnLst>
-              <a:cxn ang="0">
-                <a:pos x="2016" y="0"/>
-              </a:cxn>
-              <a:cxn ang="0">
-                <a:pos x="0" y="1584"/>
-              </a:cxn>
-              <a:cxn ang="0">
-                <a:pos x="2016" y="48"/>
-              </a:cxn>
-              <a:cxn ang="0">
-                <a:pos x="2016" y="0"/>
-              </a:cxn>
-            </a:cxnLst>
-            <a:rect l="0" t="0" r="0" b="0"/>
-            <a:pathLst>
-              <a:path w="2016" h="1584">
-                <a:moveTo>
-                  <a:pt x="2016" y="0"/>
-                </a:moveTo>
-                <a:lnTo>
-                  <a:pt x="0" y="1584"/>
-                </a:lnTo>
-                <a:lnTo>
-                  <a:pt x="2016" y="48"/>
-                </a:lnTo>
-                <a:lnTo>
-                  <a:pt x="2016" y="0"/>
-                </a:lnTo>
-                <a:close/>
-              </a:path>
-            </a:pathLst>
-          </a:custGeom>
-          <a:solidFill>
-            <a:schemeClr val="bg2">
-              <a:tint val="95000"/>
-              <a:satMod val="200000"/>
-              <a:alpha val="30000"/>
-            </a:schemeClr>
-          </a:solidFill>
-          <a:ln w="9525" cap="flat" cmpd="sng" algn="ctr">
-            <a:noFill/>
-            <a:prstDash val="solid"/>
-            <a:round/>
-            <a:headEnd type="none" w="med" len="med"/>
-            <a:tailEnd type="none" w="med" len="med"/>
-          </a:ln>
-          <a:effectLst/>
-        </p:spPr>
-        <p:txBody>
-          <a:bodyPr vert="horz" wrap="square" lIns="91440" tIns="45720" rIns="91440" bIns="45720" anchor="t" compatLnSpc="1"/>
-          <a:lstStyle>
-            <a:extLst/>
-          </a:lstStyle>
-          <a:p>
-            <a:endParaRPr kumimoji="0" lang="en-US"/>
-          </a:p>
-        </p:txBody>
-      </p:sp>
-      <p:sp>
-        <p:nvSpPr>
-          <p:cNvPr id="23" name="Полилиния 22"/>
-          <p:cNvSpPr>
-            <a:spLocks/>
-          </p:cNvSpPr>
-          <p:nvPr/>
-        </p:nvSpPr>
-        <p:spPr bwMode="auto">
-          <a:xfrm>
-            <a:off x="990600" y="4267200"/>
-            <a:ext cx="4953000" cy="2590800"/>
-          </a:xfrm>
-          <a:custGeom>
-            <a:avLst>
-              <a:gd name="A1" fmla="val 0"/>
-              <a:gd name="A2" fmla="val 0"/>
-              <a:gd name="A3" fmla="val 0"/>
-              <a:gd name="A4" fmla="val 0"/>
-              <a:gd name="A5" fmla="val 0"/>
-              <a:gd name="A6" fmla="val 0"/>
-              <a:gd name="A7" fmla="val 0"/>
-              <a:gd name="A8" fmla="val 0"/>
-            </a:avLst>
-            <a:gdLst/>
-            <a:ahLst/>
-            <a:cxnLst>
-              <a:cxn ang="0">
-                <a:pos x="0" y="1632"/>
-              </a:cxn>
-              <a:cxn ang="0">
-                <a:pos x="3120" y="0"/>
-              </a:cxn>
-              <a:cxn ang="0">
-                <a:pos x="1056" y="1632"/>
-              </a:cxn>
-              <a:cxn ang="0">
-                <a:pos x="0" y="1632"/>
-              </a:cxn>
-            </a:cxnLst>
-            <a:rect l="0" t="0" r="0" b="0"/>
-            <a:pathLst>
-              <a:path w="3120" h="1632">
-                <a:moveTo>
-                  <a:pt x="0" y="1632"/>
-                </a:moveTo>
-                <a:lnTo>
-                  <a:pt x="3120" y="0"/>
-                </a:lnTo>
-                <a:lnTo>
-                  <a:pt x="1056" y="1632"/>
-                </a:lnTo>
-                <a:lnTo>
-                  <a:pt x="0" y="1632"/>
-                </a:lnTo>
-                <a:close/>
-              </a:path>
-            </a:pathLst>
-          </a:custGeom>
-          <a:solidFill>
-            <a:schemeClr val="bg2">
-              <a:tint val="95000"/>
-              <a:satMod val="200000"/>
-              <a:alpha val="30000"/>
-            </a:schemeClr>
-          </a:solidFill>
-          <a:ln w="9525" cap="flat" cmpd="sng" algn="ctr">
-            <a:noFill/>
-            <a:prstDash val="solid"/>
-            <a:round/>
-            <a:headEnd type="none" w="med" len="med"/>
-            <a:tailEnd type="none" w="med" len="med"/>
-          </a:ln>
-          <a:effectLst/>
-        </p:spPr>
-        <p:txBody>
-          <a:bodyPr vert="horz" wrap="square" lIns="91440" tIns="45720" rIns="91440" bIns="45720" anchor="t" compatLnSpc="1"/>
-          <a:lstStyle>
-            <a:extLst/>
-          </a:lstStyle>
-          <a:p>
-            <a:endParaRPr kumimoji="0" lang="en-US"/>
-          </a:p>
-        </p:txBody>
-      </p:sp>
-      <p:sp>
-        <p:nvSpPr>
-          <p:cNvPr id="24" name="Полилиния 23"/>
-          <p:cNvSpPr>
-            <a:spLocks/>
-          </p:cNvSpPr>
-          <p:nvPr/>
-        </p:nvSpPr>
-        <p:spPr bwMode="auto">
-          <a:xfrm>
-            <a:off x="533400" y="4267200"/>
-            <a:ext cx="5334000" cy="2590800"/>
-          </a:xfrm>
-          <a:custGeom>
-            <a:avLst>
-              <a:gd name="A1" fmla="val 0"/>
-              <a:gd name="A2" fmla="val 0"/>
-              <a:gd name="A3" fmla="val 0"/>
-              <a:gd name="A4" fmla="val 0"/>
-              <a:gd name="A5" fmla="val 0"/>
-              <a:gd name="A6" fmla="val 0"/>
-              <a:gd name="A7" fmla="val 0"/>
-              <a:gd name="A8" fmla="val 0"/>
-            </a:avLst>
-            <a:gdLst/>
-            <a:ahLst/>
-            <a:cxnLst>
-              <a:cxn ang="0">
-                <a:pos x="0" y="1632"/>
-              </a:cxn>
-              <a:cxn ang="0">
-                <a:pos x="3360" y="0"/>
-              </a:cxn>
-              <a:cxn ang="0">
-                <a:pos x="144" y="1632"/>
-              </a:cxn>
-              <a:cxn ang="0">
-                <a:pos x="0" y="1632"/>
-              </a:cxn>
-            </a:cxnLst>
-            <a:rect l="0" t="0" r="0" b="0"/>
-            <a:pathLst>
-              <a:path w="3360" h="1632">
-                <a:moveTo>
-                  <a:pt x="0" y="1632"/>
-                </a:moveTo>
-                <a:lnTo>
-                  <a:pt x="3360" y="0"/>
-                </a:lnTo>
-                <a:lnTo>
-                  <a:pt x="144" y="1632"/>
-                </a:lnTo>
-                <a:lnTo>
-                  <a:pt x="0" y="1632"/>
-                </a:lnTo>
-                <a:close/>
-              </a:path>
-            </a:pathLst>
-          </a:custGeom>
-          <a:solidFill>
-            <a:schemeClr val="bg2">
-              <a:tint val="95000"/>
-              <a:satMod val="200000"/>
-              <a:alpha val="30000"/>
-            </a:schemeClr>
-          </a:solidFill>
-          <a:ln w="9525" cap="flat" cmpd="sng" algn="ctr">
-            <a:noFill/>
-            <a:prstDash val="solid"/>
-            <a:round/>
-            <a:headEnd type="none" w="med" len="med"/>
-            <a:tailEnd type="none" w="med" len="med"/>
-          </a:ln>
-          <a:effectLst/>
-        </p:spPr>
-        <p:txBody>
-          <a:bodyPr vert="horz" wrap="square" lIns="91440" tIns="45720" rIns="91440" bIns="45720" anchor="t" compatLnSpc="1"/>
-          <a:lstStyle>
-            <a:extLst/>
-          </a:lstStyle>
-          <a:p>
-            <a:endParaRPr kumimoji="0" lang="en-US"/>
-          </a:p>
-        </p:txBody>
-      </p:sp>
-      <p:sp>
-        <p:nvSpPr>
-          <p:cNvPr id="25" name="Полилиния 24"/>
-          <p:cNvSpPr>
-            <a:spLocks/>
-          </p:cNvSpPr>
-          <p:nvPr/>
-        </p:nvSpPr>
-        <p:spPr bwMode="auto">
-          <a:xfrm>
-            <a:off x="366824" y="2438400"/>
-            <a:ext cx="5638800" cy="1828800"/>
-          </a:xfrm>
-          <a:custGeom>
-            <a:avLst>
-              <a:gd name="A1" fmla="val 0"/>
-              <a:gd name="A2" fmla="val 0"/>
-              <a:gd name="A3" fmla="val 0"/>
-              <a:gd name="A4" fmla="val 0"/>
-              <a:gd name="A5" fmla="val 0"/>
-              <a:gd name="A6" fmla="val 0"/>
-              <a:gd name="A7" fmla="val 0"/>
-              <a:gd name="A8" fmla="val 0"/>
-            </a:avLst>
-            <a:gdLst/>
-            <a:ahLst/>
-            <a:cxnLst>
-              <a:cxn ang="0">
-                <a:pos x="0" y="0"/>
-              </a:cxn>
-              <a:cxn ang="0">
-                <a:pos x="3552" y="1152"/>
-              </a:cxn>
-              <a:cxn ang="0">
-                <a:pos x="0" y="384"/>
-              </a:cxn>
-              <a:cxn ang="0">
-                <a:pos x="0" y="0"/>
-              </a:cxn>
-            </a:cxnLst>
-            <a:rect l="0" t="0" r="0" b="0"/>
-            <a:pathLst>
-              <a:path w="3552" h="1152">
-                <a:moveTo>
-                  <a:pt x="0" y="0"/>
-                </a:moveTo>
-                <a:lnTo>
-                  <a:pt x="3504" y="1152"/>
-                </a:lnTo>
-                <a:lnTo>
-                  <a:pt x="0" y="384"/>
-                </a:lnTo>
-                <a:lnTo>
-                  <a:pt x="0" y="0"/>
-                </a:lnTo>
-                <a:close/>
-              </a:path>
-            </a:pathLst>
-          </a:custGeom>
-          <a:solidFill>
-            <a:schemeClr val="bg2">
-              <a:tint val="95000"/>
-              <a:satMod val="200000"/>
-              <a:alpha val="30000"/>
-            </a:schemeClr>
-          </a:solidFill>
-          <a:ln w="9525" cap="flat" cmpd="sng" algn="ctr">
-            <a:noFill/>
-            <a:prstDash val="solid"/>
-            <a:round/>
-            <a:headEnd type="none" w="med" len="med"/>
-            <a:tailEnd type="none" w="med" len="med"/>
-          </a:ln>
-          <a:effectLst/>
-        </p:spPr>
-        <p:txBody>
-          <a:bodyPr vert="horz" wrap="square" lIns="91440" tIns="45720" rIns="91440" bIns="45720" anchor="t" compatLnSpc="1"/>
-          <a:lstStyle>
-            <a:extLst/>
-          </a:lstStyle>
-          <a:p>
-            <a:endParaRPr kumimoji="0" lang="en-US"/>
-          </a:p>
-        </p:txBody>
-      </p:sp>
-      <p:sp>
-        <p:nvSpPr>
-          <p:cNvPr id="26" name="Полилиния 25"/>
-          <p:cNvSpPr>
-            <a:spLocks/>
-          </p:cNvSpPr>
-          <p:nvPr/>
-        </p:nvSpPr>
-        <p:spPr bwMode="auto">
-          <a:xfrm>
-            <a:off x="366824" y="2133600"/>
-            <a:ext cx="5638800" cy="2133600"/>
-          </a:xfrm>
-          <a:custGeom>
-            <a:avLst>
-              <a:gd name="A1" fmla="val 0"/>
-              <a:gd name="A2" fmla="val 0"/>
-              <a:gd name="A3" fmla="val 0"/>
-              <a:gd name="A4" fmla="val 0"/>
-              <a:gd name="A5" fmla="val 0"/>
-              <a:gd name="A6" fmla="val 0"/>
-              <a:gd name="A7" fmla="val 0"/>
-              <a:gd name="A8" fmla="val 0"/>
-            </a:avLst>
-            <a:gdLst/>
-            <a:ahLst/>
-            <a:cxnLst>
-              <a:cxn ang="0">
-                <a:pos x="0" y="0"/>
-              </a:cxn>
-              <a:cxn ang="0">
-                <a:pos x="3552" y="1344"/>
-              </a:cxn>
-              <a:cxn ang="0">
-                <a:pos x="0" y="48"/>
-              </a:cxn>
-              <a:cxn ang="0">
-                <a:pos x="0" y="0"/>
-              </a:cxn>
-            </a:cxnLst>
-            <a:rect l="0" t="0" r="0" b="0"/>
-            <a:pathLst>
-              <a:path w="3552" h="1344">
-                <a:moveTo>
-                  <a:pt x="0" y="0"/>
-                </a:moveTo>
-                <a:lnTo>
-                  <a:pt x="3552" y="1344"/>
-                </a:lnTo>
-                <a:lnTo>
-                  <a:pt x="0" y="48"/>
-                </a:lnTo>
-                <a:lnTo>
-                  <a:pt x="0" y="0"/>
-                </a:lnTo>
-                <a:close/>
-              </a:path>
-            </a:pathLst>
-          </a:custGeom>
-          <a:solidFill>
-            <a:schemeClr val="bg2">
-              <a:tint val="95000"/>
-              <a:satMod val="200000"/>
-              <a:alpha val="30000"/>
-            </a:schemeClr>
-          </a:solidFill>
-          <a:ln w="9525" cap="flat" cmpd="sng" algn="ctr">
-            <a:noFill/>
-            <a:prstDash val="solid"/>
-            <a:round/>
-            <a:headEnd type="none" w="med" len="med"/>
-            <a:tailEnd type="none" w="med" len="med"/>
-          </a:ln>
-          <a:effectLst/>
-        </p:spPr>
-        <p:txBody>
-          <a:bodyPr vert="horz" wrap="square" lIns="91440" tIns="45720" rIns="91440" bIns="45720" anchor="t" compatLnSpc="1"/>
-          <a:lstStyle>
-            <a:extLst/>
-          </a:lstStyle>
-          <a:p>
-            <a:endParaRPr kumimoji="0" lang="en-US"/>
-          </a:p>
-        </p:txBody>
-      </p:sp>
-      <p:sp>
-        <p:nvSpPr>
-          <p:cNvPr id="27" name="Полилиния 26"/>
-          <p:cNvSpPr>
-            <a:spLocks/>
-          </p:cNvSpPr>
-          <p:nvPr/>
-        </p:nvSpPr>
-        <p:spPr bwMode="auto">
-          <a:xfrm>
-            <a:off x="4572000" y="4267200"/>
-            <a:ext cx="1371600" cy="2590800"/>
-          </a:xfrm>
-          <a:custGeom>
-            <a:avLst>
-              <a:gd name="A1" fmla="val 0"/>
-              <a:gd name="A2" fmla="val 0"/>
-              <a:gd name="A3" fmla="val 0"/>
-              <a:gd name="A4" fmla="val 0"/>
-              <a:gd name="A5" fmla="val 0"/>
-              <a:gd name="A6" fmla="val 0"/>
-              <a:gd name="A7" fmla="val 0"/>
-              <a:gd name="A8" fmla="val 0"/>
-            </a:avLst>
-            <a:gdLst/>
-            <a:ahLst/>
-            <a:cxnLst>
-              <a:cxn ang="0">
-                <a:pos x="0" y="1632"/>
-              </a:cxn>
-              <a:cxn ang="0">
-                <a:pos x="96" y="1632"/>
-              </a:cxn>
-              <a:cxn ang="0">
-                <a:pos x="864" y="0"/>
-              </a:cxn>
-              <a:cxn ang="0">
-                <a:pos x="0" y="1632"/>
-              </a:cxn>
-            </a:cxnLst>
-            <a:rect l="0" t="0" r="0" b="0"/>
-            <a:pathLst>
-              <a:path w="864" h="1632">
-                <a:moveTo>
-                  <a:pt x="0" y="1632"/>
-                </a:moveTo>
-                <a:lnTo>
-                  <a:pt x="96" y="1632"/>
-                </a:lnTo>
-                <a:lnTo>
-                  <a:pt x="864" y="0"/>
-                </a:lnTo>
-                <a:lnTo>
-                  <a:pt x="0" y="1632"/>
-                </a:lnTo>
-                <a:close/>
-              </a:path>
-            </a:pathLst>
-          </a:custGeom>
-          <a:solidFill>
-            <a:schemeClr val="bg2">
-              <a:tint val="95000"/>
-              <a:satMod val="180000"/>
-              <a:alpha val="30000"/>
-            </a:schemeClr>
-          </a:solidFill>
-          <a:ln w="9525" cap="flat" cmpd="sng" algn="ctr">
-            <a:noFill/>
-            <a:prstDash val="solid"/>
-            <a:round/>
-            <a:headEnd type="none" w="med" len="med"/>
-            <a:tailEnd type="none" w="med" len="med"/>
-          </a:ln>
-          <a:effectLst/>
-        </p:spPr>
-        <p:txBody>
-          <a:bodyPr vert="horz" wrap="square" lIns="91440" tIns="45720" rIns="91440" bIns="45720" anchor="t" compatLnSpc="1"/>
-          <a:lstStyle>
-            <a:extLst/>
-          </a:lstStyle>
-          <a:p>
-            <a:endParaRPr kumimoji="0" lang="en-US"/>
-          </a:p>
-        </p:txBody>
-      </p:sp>
-      <p:sp>
-        <p:nvSpPr>
-          <p:cNvPr id="3" name="Текст 2"/>
-          <p:cNvSpPr>
-            <a:spLocks noGrp="1"/>
-          </p:cNvSpPr>
-          <p:nvPr>
-            <p:ph type="body" idx="1"/>
+          <p:cNvPr id="2" name="Заголовок 1"/>
+          <p:cNvSpPr>
+            <a:spLocks noGrp="1"/>
+          </p:cNvSpPr>
+          <p:nvPr>
+            <p:ph type="title"/>
           </p:nvPr>
         </p:nvSpPr>
         <p:spPr>
           <a:xfrm>
-            <a:off x="706902" y="1351672"/>
-            <a:ext cx="5718048" cy="977486"/>
+            <a:off x="722313" y="4406900"/>
+            <a:ext cx="7772400" cy="1362075"/>
           </a:xfrm>
         </p:spPr>
         <p:txBody>
-          <a:bodyPr lIns="82296" tIns="45720" bIns="0" anchor="t"/>
+          <a:bodyPr anchor="t"/>
           <a:lstStyle>
-            <a:lvl1pPr marL="54864" indent="0">
+            <a:lvl1pPr algn="l">
+              <a:defRPr sz="4000" b="1" cap="all"/>
+            </a:lvl1pPr>
+          </a:lstStyle>
+          <a:p>
+            <a:r>
+              <a:rPr lang="ru-RU" smtClean="0"/>
+              <a:t>Образец заголовка</a:t>
+            </a:r>
+            <a:endParaRPr lang="ru-RU"/>
+          </a:p>
+        </p:txBody>
+      </p:sp>
+      <p:sp>
+        <p:nvSpPr>
+          <p:cNvPr id="3" name="Текст 2"/>
+          <p:cNvSpPr>
+            <a:spLocks noGrp="1"/>
+          </p:cNvSpPr>
+          <p:nvPr>
+            <p:ph type="body" idx="1"/>
+          </p:nvPr>
+        </p:nvSpPr>
+        <p:spPr>
+          <a:xfrm>
+            <a:off x="722313" y="2906713"/>
+            <a:ext cx="7772400" cy="1500187"/>
+          </a:xfrm>
+        </p:spPr>
+        <p:txBody>
+          <a:bodyPr anchor="b"/>
+          <a:lstStyle>
+            <a:lvl1pPr marL="0" indent="0">
               <a:buNone/>
               <a:defRPr sz="2000">
                 <a:solidFill>
@@ -3087,7 +1381,7 @@
                 </a:solidFill>
               </a:defRPr>
             </a:lvl1pPr>
-            <a:lvl2pPr>
+            <a:lvl2pPr marL="457200" indent="0">
               <a:buNone/>
               <a:defRPr sz="1800">
                 <a:solidFill>
@@ -3097,7 +1391,7 @@
                 </a:solidFill>
               </a:defRPr>
             </a:lvl2pPr>
-            <a:lvl3pPr>
+            <a:lvl3pPr marL="914400" indent="0">
               <a:buNone/>
               <a:defRPr sz="1600">
                 <a:solidFill>
@@ -3107,7 +1401,7 @@
                 </a:solidFill>
               </a:defRPr>
             </a:lvl3pPr>
-            <a:lvl4pPr>
+            <a:lvl4pPr marL="1371600" indent="0">
               <a:buNone/>
               <a:defRPr sz="1400">
                 <a:solidFill>
@@ -3117,7 +1411,7 @@
                 </a:solidFill>
               </a:defRPr>
             </a:lvl4pPr>
-            <a:lvl5pPr>
+            <a:lvl5pPr marL="1828800" indent="0">
               <a:buNone/>
               <a:defRPr sz="1400">
                 <a:solidFill>
@@ -3127,12 +1421,51 @@
                 </a:solidFill>
               </a:defRPr>
             </a:lvl5pPr>
-            <a:extLst/>
+            <a:lvl6pPr marL="2286000" indent="0">
+              <a:buNone/>
+              <a:defRPr sz="1400">
+                <a:solidFill>
+                  <a:schemeClr val="tx1">
+                    <a:tint val="75000"/>
+                  </a:schemeClr>
+                </a:solidFill>
+              </a:defRPr>
+            </a:lvl6pPr>
+            <a:lvl7pPr marL="2743200" indent="0">
+              <a:buNone/>
+              <a:defRPr sz="1400">
+                <a:solidFill>
+                  <a:schemeClr val="tx1">
+                    <a:tint val="75000"/>
+                  </a:schemeClr>
+                </a:solidFill>
+              </a:defRPr>
+            </a:lvl7pPr>
+            <a:lvl8pPr marL="3200400" indent="0">
+              <a:buNone/>
+              <a:defRPr sz="1400">
+                <a:solidFill>
+                  <a:schemeClr val="tx1">
+                    <a:tint val="75000"/>
+                  </a:schemeClr>
+                </a:solidFill>
+              </a:defRPr>
+            </a:lvl8pPr>
+            <a:lvl9pPr marL="3657600" indent="0">
+              <a:buNone/>
+              <a:defRPr sz="1400">
+                <a:solidFill>
+                  <a:schemeClr val="tx1">
+                    <a:tint val="75000"/>
+                  </a:schemeClr>
+                </a:solidFill>
+              </a:defRPr>
+            </a:lvl9pPr>
           </a:lstStyle>
           <a:p>
-            <a:pPr lvl="0" eaLnBrk="1" latinLnBrk="0" hangingPunct="1"/>
-            <a:r>
-              <a:rPr kumimoji="0" lang="ru-RU" smtClean="0"/>
+            <a:pPr lvl="0"/>
+            <a:r>
+              <a:rPr lang="ru-RU" smtClean="0"/>
               <a:t>Образец текста</a:t>
             </a:r>
           </a:p>
@@ -3151,14 +1484,12 @@
         <p:spPr/>
         <p:txBody>
           <a:bodyPr/>
-          <a:lstStyle>
-            <a:extLst/>
-          </a:lstStyle>
+          <a:lstStyle/>
           <a:p>
             <a:fld id="{775B9AB2-84D9-4CC2-9EC0-A59D029FBE3E}" type="datetime1">
               <a:rPr lang="ru-RU" smtClean="0"/>
               <a:pPr/>
-              <a:t>10.05.2012</a:t>
+              <a:t>11.05.2012</a:t>
             </a:fld>
             <a:endParaRPr lang="ru-RU"/>
           </a:p>
@@ -3177,9 +1508,7 @@
         <p:spPr/>
         <p:txBody>
           <a:bodyPr/>
-          <a:lstStyle>
-            <a:extLst/>
-          </a:lstStyle>
+          <a:lstStyle/>
           <a:p>
             <a:endParaRPr lang="ru-RU"/>
           </a:p>
@@ -3198,9 +1527,7 @@
         <p:spPr/>
         <p:txBody>
           <a:bodyPr/>
-          <a:lstStyle>
-            <a:extLst/>
-          </a:lstStyle>
+          <a:lstStyle/>
           <a:p>
             <a:fld id="{725C68B6-61C2-468F-89AB-4B9F7531AA68}" type="slidenum">
               <a:rPr lang="ru-RU" smtClean="0"/>
@@ -3208,332 +1535,6 @@
               <a:t>‹#›</a:t>
             </a:fld>
             <a:endParaRPr lang="ru-RU"/>
-          </a:p>
-        </p:txBody>
-      </p:sp>
-      <p:sp>
-        <p:nvSpPr>
-          <p:cNvPr id="7" name="Прямоугольник 6"/>
-          <p:cNvSpPr/>
-          <p:nvPr/>
-        </p:nvSpPr>
-        <p:spPr>
-          <a:xfrm>
-            <a:off x="363160" y="402264"/>
-            <a:ext cx="8503920" cy="886265"/>
-          </a:xfrm>
-          <a:prstGeom prst="rect">
-            <a:avLst/>
-          </a:prstGeom>
-          <a:solidFill>
-            <a:schemeClr val="bg2">
-              <a:tint val="95000"/>
-              <a:satMod val="180000"/>
-              <a:alpha val="40000"/>
-            </a:schemeClr>
-          </a:solidFill>
-          <a:ln w="50800" cap="rnd" cmpd="dbl" algn="ctr">
-            <a:noFill/>
-            <a:prstDash val="solid"/>
-          </a:ln>
-          <a:effectLst/>
-        </p:spPr>
-        <p:style>
-          <a:lnRef idx="3">
-            <a:schemeClr val="lt1"/>
-          </a:lnRef>
-          <a:fillRef idx="1">
-            <a:schemeClr val="accent1"/>
-          </a:fillRef>
-          <a:effectRef idx="1">
-            <a:schemeClr val="accent1"/>
-          </a:effectRef>
-          <a:fontRef idx="minor">
-            <a:schemeClr val="lt1"/>
-          </a:fontRef>
-        </p:style>
-        <p:txBody>
-          <a:bodyPr anchor="ctr"/>
-          <a:lstStyle>
-            <a:extLst/>
-          </a:lstStyle>
-          <a:p>
-            <a:pPr algn="ctr" eaLnBrk="1" latinLnBrk="0" hangingPunct="1"/>
-            <a:endParaRPr kumimoji="0" lang="en-US"/>
-          </a:p>
-        </p:txBody>
-      </p:sp>
-      <p:sp>
-        <p:nvSpPr>
-          <p:cNvPr id="2" name="Заголовок 1"/>
-          <p:cNvSpPr>
-            <a:spLocks noGrp="1"/>
-          </p:cNvSpPr>
-          <p:nvPr>
-            <p:ph type="title"/>
-          </p:nvPr>
-        </p:nvSpPr>
-        <p:spPr>
-          <a:xfrm>
-            <a:off x="706902" y="512064"/>
-            <a:ext cx="8156448" cy="777240"/>
-          </a:xfrm>
-        </p:spPr>
-        <p:txBody>
-          <a:bodyPr tIns="64008"/>
-          <a:lstStyle>
-            <a:lvl1pPr algn="l">
-              <a:buNone/>
-              <a:defRPr sz="3800" b="0" cap="none" spc="-150" baseline="0"/>
-            </a:lvl1pPr>
-            <a:extLst/>
-          </a:lstStyle>
-          <a:p>
-            <a:r>
-              <a:rPr kumimoji="0" lang="ru-RU" smtClean="0"/>
-              <a:t>Образец заголовка</a:t>
-            </a:r>
-            <a:endParaRPr kumimoji="0" lang="en-US"/>
-          </a:p>
-        </p:txBody>
-      </p:sp>
-      <p:sp>
-        <p:nvSpPr>
-          <p:cNvPr id="8" name="Прямоугольник 7"/>
-          <p:cNvSpPr/>
-          <p:nvPr/>
-        </p:nvSpPr>
-        <p:spPr>
-          <a:xfrm flipH="1">
-            <a:off x="371538" y="680477"/>
-            <a:ext cx="27432" cy="365760"/>
-          </a:xfrm>
-          <a:prstGeom prst="rect">
-            <a:avLst/>
-          </a:prstGeom>
-          <a:solidFill>
-            <a:srgbClr val="000000"/>
-          </a:solidFill>
-          <a:ln w="50800" cap="rnd" cmpd="thickThin" algn="ctr">
-            <a:noFill/>
-            <a:prstDash val="solid"/>
-          </a:ln>
-          <a:effectLst/>
-        </p:spPr>
-        <p:style>
-          <a:lnRef idx="3">
-            <a:schemeClr val="lt1"/>
-          </a:lnRef>
-          <a:fillRef idx="1">
-            <a:schemeClr val="accent1"/>
-          </a:fillRef>
-          <a:effectRef idx="1">
-            <a:schemeClr val="accent1"/>
-          </a:effectRef>
-          <a:fontRef idx="minor">
-            <a:schemeClr val="lt1"/>
-          </a:fontRef>
-        </p:style>
-        <p:txBody>
-          <a:bodyPr anchor="ctr"/>
-          <a:lstStyle>
-            <a:extLst/>
-          </a:lstStyle>
-          <a:p>
-            <a:pPr algn="ctr" eaLnBrk="1" latinLnBrk="0" hangingPunct="1"/>
-            <a:endParaRPr kumimoji="0" lang="en-US" dirty="0"/>
-          </a:p>
-        </p:txBody>
-      </p:sp>
-      <p:sp>
-        <p:nvSpPr>
-          <p:cNvPr id="9" name="Прямоугольник 8"/>
-          <p:cNvSpPr/>
-          <p:nvPr/>
-        </p:nvSpPr>
-        <p:spPr>
-          <a:xfrm flipH="1">
-            <a:off x="411109" y="680477"/>
-            <a:ext cx="27432" cy="365760"/>
-          </a:xfrm>
-          <a:prstGeom prst="rect">
-            <a:avLst/>
-          </a:prstGeom>
-          <a:solidFill>
-            <a:srgbClr val="000000"/>
-          </a:solidFill>
-          <a:ln w="50800" cap="rnd" cmpd="thickThin" algn="ctr">
-            <a:noFill/>
-            <a:prstDash val="solid"/>
-          </a:ln>
-          <a:effectLst/>
-        </p:spPr>
-        <p:style>
-          <a:lnRef idx="3">
-            <a:schemeClr val="lt1"/>
-          </a:lnRef>
-          <a:fillRef idx="1">
-            <a:schemeClr val="accent1"/>
-          </a:fillRef>
-          <a:effectRef idx="1">
-            <a:schemeClr val="accent1"/>
-          </a:effectRef>
-          <a:fontRef idx="minor">
-            <a:schemeClr val="lt1"/>
-          </a:fontRef>
-        </p:style>
-        <p:txBody>
-          <a:bodyPr anchor="ctr"/>
-          <a:lstStyle>
-            <a:extLst/>
-          </a:lstStyle>
-          <a:p>
-            <a:pPr algn="ctr" eaLnBrk="1" latinLnBrk="0" hangingPunct="1"/>
-            <a:endParaRPr kumimoji="0" lang="en-US" dirty="0"/>
-          </a:p>
-        </p:txBody>
-      </p:sp>
-      <p:sp>
-        <p:nvSpPr>
-          <p:cNvPr id="10" name="Прямоугольник 9"/>
-          <p:cNvSpPr/>
-          <p:nvPr/>
-        </p:nvSpPr>
-        <p:spPr>
-          <a:xfrm flipH="1">
-            <a:off x="448450" y="680477"/>
-            <a:ext cx="9144" cy="365760"/>
-          </a:xfrm>
-          <a:prstGeom prst="rect">
-            <a:avLst/>
-          </a:prstGeom>
-          <a:solidFill>
-            <a:srgbClr val="000000"/>
-          </a:solidFill>
-          <a:ln w="50800" cap="rnd" cmpd="thickThin" algn="ctr">
-            <a:noFill/>
-            <a:prstDash val="solid"/>
-          </a:ln>
-          <a:effectLst/>
-        </p:spPr>
-        <p:style>
-          <a:lnRef idx="3">
-            <a:schemeClr val="lt1"/>
-          </a:lnRef>
-          <a:fillRef idx="1">
-            <a:schemeClr val="accent1"/>
-          </a:fillRef>
-          <a:effectRef idx="1">
-            <a:schemeClr val="accent1"/>
-          </a:effectRef>
-          <a:fontRef idx="minor">
-            <a:schemeClr val="lt1"/>
-          </a:fontRef>
-        </p:style>
-        <p:txBody>
-          <a:bodyPr anchor="ctr"/>
-          <a:lstStyle>
-            <a:extLst/>
-          </a:lstStyle>
-          <a:p>
-            <a:pPr algn="ctr" eaLnBrk="1" latinLnBrk="0" hangingPunct="1"/>
-            <a:endParaRPr kumimoji="0" lang="en-US"/>
-          </a:p>
-        </p:txBody>
-      </p:sp>
-      <p:sp>
-        <p:nvSpPr>
-          <p:cNvPr id="11" name="Прямоугольник 10"/>
-          <p:cNvSpPr/>
-          <p:nvPr/>
-        </p:nvSpPr>
-        <p:spPr>
-          <a:xfrm flipH="1">
-            <a:off x="476702" y="680477"/>
-            <a:ext cx="9144" cy="365760"/>
-          </a:xfrm>
-          <a:prstGeom prst="rect">
-            <a:avLst/>
-          </a:prstGeom>
-          <a:solidFill>
-            <a:srgbClr val="000000"/>
-          </a:solidFill>
-          <a:ln w="50800" cap="rnd" cmpd="thickThin" algn="ctr">
-            <a:noFill/>
-            <a:prstDash val="solid"/>
-          </a:ln>
-          <a:effectLst/>
-        </p:spPr>
-        <p:style>
-          <a:lnRef idx="3">
-            <a:schemeClr val="lt1"/>
-          </a:lnRef>
-          <a:fillRef idx="1">
-            <a:schemeClr val="accent1"/>
-          </a:fillRef>
-          <a:effectRef idx="1">
-            <a:schemeClr val="accent1"/>
-          </a:effectRef>
-          <a:fontRef idx="minor">
-            <a:schemeClr val="lt1"/>
-          </a:fontRef>
-        </p:style>
-        <p:txBody>
-          <a:bodyPr anchor="ctr"/>
-          <a:lstStyle>
-            <a:extLst/>
-          </a:lstStyle>
-          <a:p>
-            <a:pPr algn="ctr" eaLnBrk="1" latinLnBrk="0" hangingPunct="1"/>
-            <a:endParaRPr kumimoji="0" lang="en-US" dirty="0"/>
-          </a:p>
-        </p:txBody>
-      </p:sp>
-      <p:sp>
-        <p:nvSpPr>
-          <p:cNvPr id="12" name="Прямоугольник 11"/>
-          <p:cNvSpPr/>
-          <p:nvPr/>
-        </p:nvSpPr>
-        <p:spPr>
-          <a:xfrm>
-            <a:off x="500478" y="680477"/>
-            <a:ext cx="36576" cy="365760"/>
-          </a:xfrm>
-          <a:prstGeom prst="rect">
-            <a:avLst/>
-          </a:prstGeom>
-          <a:solidFill>
-            <a:srgbClr val="000000"/>
-          </a:solidFill>
-          <a:ln w="50800" cap="rnd" cmpd="thickThin" algn="ctr">
-            <a:noFill/>
-            <a:prstDash val="solid"/>
-          </a:ln>
-          <a:effectLst/>
-        </p:spPr>
-        <p:style>
-          <a:lnRef idx="3">
-            <a:schemeClr val="lt1"/>
-          </a:lnRef>
-          <a:fillRef idx="1">
-            <a:schemeClr val="accent1"/>
-          </a:fillRef>
-          <a:effectRef idx="1">
-            <a:schemeClr val="accent1"/>
-          </a:effectRef>
-          <a:fontRef idx="minor">
-            <a:schemeClr val="lt1"/>
-          </a:fontRef>
-        </p:style>
-        <p:txBody>
-          <a:bodyPr anchor="ctr"/>
-          <a:lstStyle>
-            <a:extLst/>
-          </a:lstStyle>
-          <a:p>
-            <a:pPr algn="ctr" eaLnBrk="1" latinLnBrk="0" hangingPunct="1"/>
-            <a:endParaRPr kumimoji="0" lang="en-US" dirty="0"/>
           </a:p>
         </p:txBody>
       </p:sp>
@@ -3546,7 +1547,7 @@
 </file>
 
 <file path=ppt/slideLayouts/slideLayout4.xml><?xml version="1.0" encoding="utf-8"?>
-<p:sldLayout xmlns:a="http://schemas.openxmlformats.org/drawingml/2006/main" xmlns:r="http://schemas.openxmlformats.org/officeDocument/2006/relationships" xmlns:p="http://schemas.openxmlformats.org/presentationml/2006/main" showMasterSp="0" type="twoObj" preserve="1">
+<p:sldLayout xmlns:a="http://schemas.openxmlformats.org/drawingml/2006/main" xmlns:r="http://schemas.openxmlformats.org/officeDocument/2006/relationships" xmlns:p="http://schemas.openxmlformats.org/presentationml/2006/main" type="twoObj" preserve="1">
   <p:cSld name="Два объекта">
     <p:spTree>
       <p:nvGrpSpPr>
@@ -3572,39 +1573,32 @@
             <p:ph type="title"/>
           </p:nvPr>
         </p:nvSpPr>
+        <p:spPr/>
+        <p:txBody>
+          <a:bodyPr/>
+          <a:lstStyle/>
+          <a:p>
+            <a:r>
+              <a:rPr lang="ru-RU" smtClean="0"/>
+              <a:t>Образец заголовка</a:t>
+            </a:r>
+            <a:endParaRPr lang="ru-RU"/>
+          </a:p>
+        </p:txBody>
+      </p:sp>
+      <p:sp>
+        <p:nvSpPr>
+          <p:cNvPr id="3" name="Содержимое 2"/>
+          <p:cNvSpPr>
+            <a:spLocks noGrp="1"/>
+          </p:cNvSpPr>
+          <p:nvPr>
+            <p:ph sz="half" idx="1"/>
+          </p:nvPr>
+        </p:nvSpPr>
         <p:spPr>
           <a:xfrm>
-            <a:off x="457200" y="512064"/>
-            <a:ext cx="8229600" cy="914400"/>
-          </a:xfrm>
-        </p:spPr>
-        <p:txBody>
-          <a:bodyPr/>
-          <a:lstStyle>
-            <a:extLst/>
-          </a:lstStyle>
-          <a:p>
-            <a:r>
-              <a:rPr kumimoji="0" lang="ru-RU" smtClean="0"/>
-              <a:t>Образец заголовка</a:t>
-            </a:r>
-            <a:endParaRPr kumimoji="0" lang="en-US"/>
-          </a:p>
-        </p:txBody>
-      </p:sp>
-      <p:sp>
-        <p:nvSpPr>
-          <p:cNvPr id="3" name="Содержимое 2"/>
-          <p:cNvSpPr>
-            <a:spLocks noGrp="1"/>
-          </p:cNvSpPr>
-          <p:nvPr>
-            <p:ph sz="half" idx="1"/>
-          </p:nvPr>
-        </p:nvSpPr>
-        <p:spPr>
-          <a:xfrm>
-            <a:off x="464344" y="1770501"/>
+            <a:off x="457200" y="1600200"/>
             <a:ext cx="4038600" cy="4525963"/>
           </a:xfrm>
         </p:spPr>
@@ -3626,43 +1620,54 @@
             <a:lvl5pPr>
               <a:defRPr sz="1800"/>
             </a:lvl5pPr>
-            <a:extLst/>
+            <a:lvl6pPr>
+              <a:defRPr sz="1800"/>
+            </a:lvl6pPr>
+            <a:lvl7pPr>
+              <a:defRPr sz="1800"/>
+            </a:lvl7pPr>
+            <a:lvl8pPr>
+              <a:defRPr sz="1800"/>
+            </a:lvl8pPr>
+            <a:lvl9pPr>
+              <a:defRPr sz="1800"/>
+            </a:lvl9pPr>
           </a:lstStyle>
           <a:p>
-            <a:pPr lvl="0" eaLnBrk="1" latinLnBrk="0" hangingPunct="1"/>
+            <a:pPr lvl="0"/>
             <a:r>
               <a:rPr lang="ru-RU" smtClean="0"/>
               <a:t>Образец текста</a:t>
             </a:r>
           </a:p>
           <a:p>
-            <a:pPr lvl="1" eaLnBrk="1" latinLnBrk="0" hangingPunct="1"/>
+            <a:pPr lvl="1"/>
             <a:r>
               <a:rPr lang="ru-RU" smtClean="0"/>
               <a:t>Второй уровень</a:t>
             </a:r>
           </a:p>
           <a:p>
-            <a:pPr lvl="2" eaLnBrk="1" latinLnBrk="0" hangingPunct="1"/>
+            <a:pPr lvl="2"/>
             <a:r>
               <a:rPr lang="ru-RU" smtClean="0"/>
               <a:t>Третий уровень</a:t>
             </a:r>
           </a:p>
           <a:p>
-            <a:pPr lvl="3" eaLnBrk="1" latinLnBrk="0" hangingPunct="1"/>
+            <a:pPr lvl="3"/>
             <a:r>
               <a:rPr lang="ru-RU" smtClean="0"/>
               <a:t>Четвертый уровень</a:t>
             </a:r>
           </a:p>
           <a:p>
-            <a:pPr lvl="4" eaLnBrk="1" latinLnBrk="0" hangingPunct="1"/>
+            <a:pPr lvl="4"/>
             <a:r>
               <a:rPr lang="ru-RU" smtClean="0"/>
               <a:t>Пятый уровень</a:t>
             </a:r>
-            <a:endParaRPr kumimoji="0" lang="en-US"/>
+            <a:endParaRPr lang="ru-RU"/>
           </a:p>
         </p:txBody>
       </p:sp>
@@ -3678,7 +1683,7 @@
         </p:nvSpPr>
         <p:spPr>
           <a:xfrm>
-            <a:off x="4655344" y="1770501"/>
+            <a:off x="4648200" y="1600200"/>
             <a:ext cx="4038600" cy="4525963"/>
           </a:xfrm>
         </p:spPr>
@@ -3700,43 +1705,54 @@
             <a:lvl5pPr>
               <a:defRPr sz="1800"/>
             </a:lvl5pPr>
-            <a:extLst/>
+            <a:lvl6pPr>
+              <a:defRPr sz="1800"/>
+            </a:lvl6pPr>
+            <a:lvl7pPr>
+              <a:defRPr sz="1800"/>
+            </a:lvl7pPr>
+            <a:lvl8pPr>
+              <a:defRPr sz="1800"/>
+            </a:lvl8pPr>
+            <a:lvl9pPr>
+              <a:defRPr sz="1800"/>
+            </a:lvl9pPr>
           </a:lstStyle>
           <a:p>
-            <a:pPr lvl="0" eaLnBrk="1" latinLnBrk="0" hangingPunct="1"/>
+            <a:pPr lvl="0"/>
             <a:r>
               <a:rPr lang="ru-RU" smtClean="0"/>
               <a:t>Образец текста</a:t>
             </a:r>
           </a:p>
           <a:p>
-            <a:pPr lvl="1" eaLnBrk="1" latinLnBrk="0" hangingPunct="1"/>
+            <a:pPr lvl="1"/>
             <a:r>
               <a:rPr lang="ru-RU" smtClean="0"/>
               <a:t>Второй уровень</a:t>
             </a:r>
           </a:p>
           <a:p>
-            <a:pPr lvl="2" eaLnBrk="1" latinLnBrk="0" hangingPunct="1"/>
+            <a:pPr lvl="2"/>
             <a:r>
               <a:rPr lang="ru-RU" smtClean="0"/>
               <a:t>Третий уровень</a:t>
             </a:r>
           </a:p>
           <a:p>
-            <a:pPr lvl="3" eaLnBrk="1" latinLnBrk="0" hangingPunct="1"/>
+            <a:pPr lvl="3"/>
             <a:r>
               <a:rPr lang="ru-RU" smtClean="0"/>
               <a:t>Четвертый уровень</a:t>
             </a:r>
           </a:p>
           <a:p>
-            <a:pPr lvl="4" eaLnBrk="1" latinLnBrk="0" hangingPunct="1"/>
+            <a:pPr lvl="4"/>
             <a:r>
               <a:rPr lang="ru-RU" smtClean="0"/>
               <a:t>Пятый уровень</a:t>
             </a:r>
-            <a:endParaRPr kumimoji="0" lang="en-US"/>
+            <a:endParaRPr lang="ru-RU"/>
           </a:p>
         </p:txBody>
       </p:sp>
@@ -3753,14 +1769,12 @@
         <p:spPr/>
         <p:txBody>
           <a:bodyPr/>
-          <a:lstStyle>
-            <a:extLst/>
-          </a:lstStyle>
+          <a:lstStyle/>
           <a:p>
             <a:fld id="{96598D1C-CF83-4A57-B5FA-160DA451E48F}" type="datetime1">
               <a:rPr lang="ru-RU" smtClean="0"/>
               <a:pPr/>
-              <a:t>10.05.2012</a:t>
+              <a:t>11.05.2012</a:t>
             </a:fld>
             <a:endParaRPr lang="ru-RU"/>
           </a:p>
@@ -3779,9 +1793,7 @@
         <p:spPr/>
         <p:txBody>
           <a:bodyPr/>
-          <a:lstStyle>
-            <a:extLst/>
-          </a:lstStyle>
+          <a:lstStyle/>
           <a:p>
             <a:endParaRPr lang="ru-RU"/>
           </a:p>
@@ -3800,9 +1812,7 @@
         <p:spPr/>
         <p:txBody>
           <a:bodyPr/>
-          <a:lstStyle>
-            <a:extLst/>
-          </a:lstStyle>
+          <a:lstStyle/>
           <a:p>
             <a:fld id="{725C68B6-61C2-468F-89AB-4B9F7531AA68}" type="slidenum">
               <a:rPr lang="ru-RU" smtClean="0"/>
@@ -3822,7 +1832,7 @@
 </file>
 
 <file path=ppt/slideLayouts/slideLayout5.xml><?xml version="1.0" encoding="utf-8"?>
-<p:sldLayout xmlns:a="http://schemas.openxmlformats.org/drawingml/2006/main" xmlns:r="http://schemas.openxmlformats.org/officeDocument/2006/relationships" xmlns:p="http://schemas.openxmlformats.org/presentationml/2006/main" showMasterSp="0" type="twoTxTwoObj" preserve="1">
+<p:sldLayout xmlns:a="http://schemas.openxmlformats.org/drawingml/2006/main" xmlns:r="http://schemas.openxmlformats.org/officeDocument/2006/relationships" xmlns:p="http://schemas.openxmlformats.org/presentationml/2006/main" type="twoTxTwoObj" preserve="1">
   <p:cSld name="Сравнение">
     <p:spTree>
       <p:nvGrpSpPr>
@@ -3840,138 +1850,91 @@
       </p:grpSpPr>
       <p:sp>
         <p:nvSpPr>
-          <p:cNvPr id="25" name="Прямоугольник 24"/>
-          <p:cNvSpPr/>
-          <p:nvPr/>
+          <p:cNvPr id="2" name="Заголовок 1"/>
+          <p:cNvSpPr>
+            <a:spLocks noGrp="1"/>
+          </p:cNvSpPr>
+          <p:nvPr>
+            <p:ph type="title"/>
+          </p:nvPr>
+        </p:nvSpPr>
+        <p:spPr/>
+        <p:txBody>
+          <a:bodyPr/>
+          <a:lstStyle>
+            <a:lvl1pPr>
+              <a:defRPr/>
+            </a:lvl1pPr>
+          </a:lstStyle>
+          <a:p>
+            <a:r>
+              <a:rPr lang="ru-RU" smtClean="0"/>
+              <a:t>Образец заголовка</a:t>
+            </a:r>
+            <a:endParaRPr lang="ru-RU"/>
+          </a:p>
+        </p:txBody>
+      </p:sp>
+      <p:sp>
+        <p:nvSpPr>
+          <p:cNvPr id="3" name="Текст 2"/>
+          <p:cNvSpPr>
+            <a:spLocks noGrp="1"/>
+          </p:cNvSpPr>
+          <p:nvPr>
+            <p:ph type="body" idx="1"/>
+          </p:nvPr>
         </p:nvSpPr>
         <p:spPr>
           <a:xfrm>
-            <a:off x="0" y="402265"/>
-            <a:ext cx="8867080" cy="886265"/>
-          </a:xfrm>
-          <a:prstGeom prst="rect">
-            <a:avLst/>
-          </a:prstGeom>
-          <a:solidFill>
-            <a:schemeClr val="bg2">
-              <a:tint val="95000"/>
-              <a:satMod val="180000"/>
-              <a:alpha val="40000"/>
-            </a:schemeClr>
-          </a:solidFill>
-          <a:ln w="50800" cap="rnd" cmpd="dbl" algn="ctr">
-            <a:noFill/>
-            <a:prstDash val="solid"/>
-          </a:ln>
-          <a:effectLst/>
-        </p:spPr>
-        <p:style>
-          <a:lnRef idx="3">
-            <a:schemeClr val="lt1"/>
-          </a:lnRef>
-          <a:fillRef idx="1">
-            <a:schemeClr val="accent1"/>
-          </a:fillRef>
-          <a:effectRef idx="1">
-            <a:schemeClr val="accent1"/>
-          </a:effectRef>
-          <a:fontRef idx="minor">
-            <a:schemeClr val="lt1"/>
-          </a:fontRef>
-        </p:style>
-        <p:txBody>
-          <a:bodyPr anchor="ctr"/>
-          <a:lstStyle>
-            <a:extLst/>
-          </a:lstStyle>
-          <a:p>
-            <a:pPr algn="ctr" eaLnBrk="1" latinLnBrk="0" hangingPunct="1"/>
-            <a:endParaRPr kumimoji="0" lang="en-US"/>
-          </a:p>
-        </p:txBody>
-      </p:sp>
-      <p:sp>
-        <p:nvSpPr>
-          <p:cNvPr id="2" name="Заголовок 1"/>
-          <p:cNvSpPr>
-            <a:spLocks noGrp="1"/>
-          </p:cNvSpPr>
-          <p:nvPr>
-            <p:ph type="title"/>
-          </p:nvPr>
-        </p:nvSpPr>
-        <p:spPr>
-          <a:xfrm>
-            <a:off x="504824" y="512064"/>
-            <a:ext cx="7772400" cy="914400"/>
-          </a:xfrm>
-        </p:spPr>
-        <p:txBody>
-          <a:bodyPr anchor="t"/>
-          <a:lstStyle>
-            <a:lvl1pPr>
-              <a:defRPr sz="4000"/>
-            </a:lvl1pPr>
-            <a:extLst/>
-          </a:lstStyle>
-          <a:p>
-            <a:r>
-              <a:rPr kumimoji="0" lang="ru-RU" smtClean="0"/>
-              <a:t>Образец заголовка</a:t>
-            </a:r>
-            <a:endParaRPr kumimoji="0" lang="en-US"/>
-          </a:p>
-        </p:txBody>
-      </p:sp>
-      <p:sp>
-        <p:nvSpPr>
-          <p:cNvPr id="3" name="Текст 2"/>
-          <p:cNvSpPr>
-            <a:spLocks noGrp="1"/>
-          </p:cNvSpPr>
-          <p:nvPr>
-            <p:ph type="body" idx="1"/>
-          </p:nvPr>
-        </p:nvSpPr>
-        <p:spPr>
-          <a:xfrm>
-            <a:off x="457200" y="1809750"/>
+            <a:off x="457200" y="1535113"/>
             <a:ext cx="4040188" cy="639762"/>
           </a:xfrm>
         </p:spPr>
         <p:txBody>
-          <a:bodyPr anchor="ctr"/>
+          <a:bodyPr anchor="b"/>
           <a:lstStyle>
-            <a:lvl1pPr marL="73152" indent="0" algn="l">
+            <a:lvl1pPr marL="0" indent="0">
               <a:buNone/>
-              <a:defRPr sz="2400" b="1">
-                <a:solidFill>
-                  <a:schemeClr val="accent2"/>
-                </a:solidFill>
-              </a:defRPr>
+              <a:defRPr sz="2400" b="1"/>
             </a:lvl1pPr>
-            <a:lvl2pPr>
+            <a:lvl2pPr marL="457200" indent="0">
               <a:buNone/>
               <a:defRPr sz="2000" b="1"/>
             </a:lvl2pPr>
-            <a:lvl3pPr>
+            <a:lvl3pPr marL="914400" indent="0">
               <a:buNone/>
               <a:defRPr sz="1800" b="1"/>
             </a:lvl3pPr>
-            <a:lvl4pPr>
+            <a:lvl4pPr marL="1371600" indent="0">
               <a:buNone/>
               <a:defRPr sz="1600" b="1"/>
             </a:lvl4pPr>
-            <a:lvl5pPr>
+            <a:lvl5pPr marL="1828800" indent="0">
               <a:buNone/>
               <a:defRPr sz="1600" b="1"/>
             </a:lvl5pPr>
-            <a:extLst/>
+            <a:lvl6pPr marL="2286000" indent="0">
+              <a:buNone/>
+              <a:defRPr sz="1600" b="1"/>
+            </a:lvl6pPr>
+            <a:lvl7pPr marL="2743200" indent="0">
+              <a:buNone/>
+              <a:defRPr sz="1600" b="1"/>
+            </a:lvl7pPr>
+            <a:lvl8pPr marL="3200400" indent="0">
+              <a:buNone/>
+              <a:defRPr sz="1600" b="1"/>
+            </a:lvl8pPr>
+            <a:lvl9pPr marL="3657600" indent="0">
+              <a:buNone/>
+              <a:defRPr sz="1600" b="1"/>
+            </a:lvl9pPr>
           </a:lstStyle>
           <a:p>
-            <a:pPr lvl="0" eaLnBrk="1" latinLnBrk="0" hangingPunct="1"/>
-            <a:r>
-              <a:rPr kumimoji="0" lang="ru-RU" smtClean="0"/>
+            <a:pPr lvl="0"/>
+            <a:r>
+              <a:rPr lang="ru-RU" smtClean="0"/>
               <a:t>Образец текста</a:t>
             </a:r>
           </a:p>
@@ -3979,72 +1942,18 @@
       </p:sp>
       <p:sp>
         <p:nvSpPr>
-          <p:cNvPr id="4" name="Текст 3"/>
-          <p:cNvSpPr>
-            <a:spLocks noGrp="1"/>
-          </p:cNvSpPr>
-          <p:nvPr>
-            <p:ph type="body" sz="half" idx="3"/>
+          <p:cNvPr id="4" name="Содержимое 3"/>
+          <p:cNvSpPr>
+            <a:spLocks noGrp="1"/>
+          </p:cNvSpPr>
+          <p:nvPr>
+            <p:ph sz="half" idx="2"/>
           </p:nvPr>
         </p:nvSpPr>
         <p:spPr>
           <a:xfrm>
-            <a:off x="4645025" y="1809750"/>
-            <a:ext cx="4041775" cy="639762"/>
-          </a:xfrm>
-        </p:spPr>
-        <p:txBody>
-          <a:bodyPr anchor="ctr"/>
-          <a:lstStyle>
-            <a:lvl1pPr marL="73152" indent="0">
-              <a:buNone/>
-              <a:defRPr sz="2400" b="1">
-                <a:solidFill>
-                  <a:schemeClr val="accent2"/>
-                </a:solidFill>
-              </a:defRPr>
-            </a:lvl1pPr>
-            <a:lvl2pPr>
-              <a:buNone/>
-              <a:defRPr sz="2000" b="1"/>
-            </a:lvl2pPr>
-            <a:lvl3pPr>
-              <a:buNone/>
-              <a:defRPr sz="1800" b="1"/>
-            </a:lvl3pPr>
-            <a:lvl4pPr>
-              <a:buNone/>
-              <a:defRPr sz="1600" b="1"/>
-            </a:lvl4pPr>
-            <a:lvl5pPr>
-              <a:buNone/>
-              <a:defRPr sz="1600" b="1"/>
-            </a:lvl5pPr>
-            <a:extLst/>
-          </a:lstStyle>
-          <a:p>
-            <a:pPr lvl="0" eaLnBrk="1" latinLnBrk="0" hangingPunct="1"/>
-            <a:r>
-              <a:rPr kumimoji="0" lang="ru-RU" smtClean="0"/>
-              <a:t>Образец текста</a:t>
-            </a:r>
-          </a:p>
-        </p:txBody>
-      </p:sp>
-      <p:sp>
-        <p:nvSpPr>
-          <p:cNvPr id="5" name="Содержимое 4"/>
-          <p:cNvSpPr>
-            <a:spLocks noGrp="1"/>
-          </p:cNvSpPr>
-          <p:nvPr>
-            <p:ph sz="quarter" idx="2"/>
-          </p:nvPr>
-        </p:nvSpPr>
-        <p:spPr>
-          <a:xfrm>
-            <a:off x="457200" y="2459037"/>
-            <a:ext cx="4040188" cy="3959352"/>
+            <a:off x="457200" y="2174875"/>
+            <a:ext cx="4040188" cy="3951288"/>
           </a:xfrm>
         </p:spPr>
         <p:txBody>
@@ -4065,60 +1974,136 @@
             <a:lvl5pPr>
               <a:defRPr sz="1600"/>
             </a:lvl5pPr>
-            <a:extLst/>
+            <a:lvl6pPr>
+              <a:defRPr sz="1600"/>
+            </a:lvl6pPr>
+            <a:lvl7pPr>
+              <a:defRPr sz="1600"/>
+            </a:lvl7pPr>
+            <a:lvl8pPr>
+              <a:defRPr sz="1600"/>
+            </a:lvl8pPr>
+            <a:lvl9pPr>
+              <a:defRPr sz="1600"/>
+            </a:lvl9pPr>
           </a:lstStyle>
           <a:p>
-            <a:pPr lvl="0" eaLnBrk="1" latinLnBrk="0" hangingPunct="1"/>
+            <a:pPr lvl="0"/>
             <a:r>
               <a:rPr lang="ru-RU" smtClean="0"/>
               <a:t>Образец текста</a:t>
             </a:r>
           </a:p>
           <a:p>
-            <a:pPr lvl="1" eaLnBrk="1" latinLnBrk="0" hangingPunct="1"/>
+            <a:pPr lvl="1"/>
             <a:r>
               <a:rPr lang="ru-RU" smtClean="0"/>
               <a:t>Второй уровень</a:t>
             </a:r>
           </a:p>
           <a:p>
-            <a:pPr lvl="2" eaLnBrk="1" latinLnBrk="0" hangingPunct="1"/>
+            <a:pPr lvl="2"/>
             <a:r>
               <a:rPr lang="ru-RU" smtClean="0"/>
               <a:t>Третий уровень</a:t>
             </a:r>
           </a:p>
           <a:p>
-            <a:pPr lvl="3" eaLnBrk="1" latinLnBrk="0" hangingPunct="1"/>
+            <a:pPr lvl="3"/>
             <a:r>
               <a:rPr lang="ru-RU" smtClean="0"/>
               <a:t>Четвертый уровень</a:t>
             </a:r>
           </a:p>
           <a:p>
-            <a:pPr lvl="4" eaLnBrk="1" latinLnBrk="0" hangingPunct="1"/>
+            <a:pPr lvl="4"/>
             <a:r>
               <a:rPr lang="ru-RU" smtClean="0"/>
               <a:t>Пятый уровень</a:t>
             </a:r>
-            <a:endParaRPr kumimoji="0" lang="en-US"/>
-          </a:p>
-        </p:txBody>
-      </p:sp>
-      <p:sp>
-        <p:nvSpPr>
-          <p:cNvPr id="6" name="Содержимое 5"/>
-          <p:cNvSpPr>
-            <a:spLocks noGrp="1"/>
-          </p:cNvSpPr>
-          <p:nvPr>
-            <p:ph sz="quarter" idx="4"/>
+            <a:endParaRPr lang="ru-RU"/>
+          </a:p>
+        </p:txBody>
+      </p:sp>
+      <p:sp>
+        <p:nvSpPr>
+          <p:cNvPr id="5" name="Текст 4"/>
+          <p:cNvSpPr>
+            <a:spLocks noGrp="1"/>
+          </p:cNvSpPr>
+          <p:nvPr>
+            <p:ph type="body" sz="quarter" idx="3"/>
           </p:nvPr>
         </p:nvSpPr>
         <p:spPr>
           <a:xfrm>
-            <a:off x="4645025" y="2459037"/>
-            <a:ext cx="4041775" cy="3959352"/>
+            <a:off x="4645025" y="1535113"/>
+            <a:ext cx="4041775" cy="639762"/>
+          </a:xfrm>
+        </p:spPr>
+        <p:txBody>
+          <a:bodyPr anchor="b"/>
+          <a:lstStyle>
+            <a:lvl1pPr marL="0" indent="0">
+              <a:buNone/>
+              <a:defRPr sz="2400" b="1"/>
+            </a:lvl1pPr>
+            <a:lvl2pPr marL="457200" indent="0">
+              <a:buNone/>
+              <a:defRPr sz="2000" b="1"/>
+            </a:lvl2pPr>
+            <a:lvl3pPr marL="914400" indent="0">
+              <a:buNone/>
+              <a:defRPr sz="1800" b="1"/>
+            </a:lvl3pPr>
+            <a:lvl4pPr marL="1371600" indent="0">
+              <a:buNone/>
+              <a:defRPr sz="1600" b="1"/>
+            </a:lvl4pPr>
+            <a:lvl5pPr marL="1828800" indent="0">
+              <a:buNone/>
+              <a:defRPr sz="1600" b="1"/>
+            </a:lvl5pPr>
+            <a:lvl6pPr marL="2286000" indent="0">
+              <a:buNone/>
+              <a:defRPr sz="1600" b="1"/>
+            </a:lvl6pPr>
+            <a:lvl7pPr marL="2743200" indent="0">
+              <a:buNone/>
+              <a:defRPr sz="1600" b="1"/>
+            </a:lvl7pPr>
+            <a:lvl8pPr marL="3200400" indent="0">
+              <a:buNone/>
+              <a:defRPr sz="1600" b="1"/>
+            </a:lvl8pPr>
+            <a:lvl9pPr marL="3657600" indent="0">
+              <a:buNone/>
+              <a:defRPr sz="1600" b="1"/>
+            </a:lvl9pPr>
+          </a:lstStyle>
+          <a:p>
+            <a:pPr lvl="0"/>
+            <a:r>
+              <a:rPr lang="ru-RU" smtClean="0"/>
+              <a:t>Образец текста</a:t>
+            </a:r>
+          </a:p>
+        </p:txBody>
+      </p:sp>
+      <p:sp>
+        <p:nvSpPr>
+          <p:cNvPr id="6" name="Содержимое 5"/>
+          <p:cNvSpPr>
+            <a:spLocks noGrp="1"/>
+          </p:cNvSpPr>
+          <p:nvPr>
+            <p:ph sz="quarter" idx="4"/>
+          </p:nvPr>
+        </p:nvSpPr>
+        <p:spPr>
+          <a:xfrm>
+            <a:off x="4645025" y="2174875"/>
+            <a:ext cx="4041775" cy="3951288"/>
           </a:xfrm>
         </p:spPr>
         <p:txBody>
@@ -4139,43 +2124,54 @@
             <a:lvl5pPr>
               <a:defRPr sz="1600"/>
             </a:lvl5pPr>
-            <a:extLst/>
+            <a:lvl6pPr>
+              <a:defRPr sz="1600"/>
+            </a:lvl6pPr>
+            <a:lvl7pPr>
+              <a:defRPr sz="1600"/>
+            </a:lvl7pPr>
+            <a:lvl8pPr>
+              <a:defRPr sz="1600"/>
+            </a:lvl8pPr>
+            <a:lvl9pPr>
+              <a:defRPr sz="1600"/>
+            </a:lvl9pPr>
           </a:lstStyle>
           <a:p>
-            <a:pPr lvl="0" eaLnBrk="1" latinLnBrk="0" hangingPunct="1"/>
+            <a:pPr lvl="0"/>
             <a:r>
               <a:rPr lang="ru-RU" smtClean="0"/>
               <a:t>Образец текста</a:t>
             </a:r>
           </a:p>
           <a:p>
-            <a:pPr lvl="1" eaLnBrk="1" latinLnBrk="0" hangingPunct="1"/>
+            <a:pPr lvl="1"/>
             <a:r>
               <a:rPr lang="ru-RU" smtClean="0"/>
               <a:t>Второй уровень</a:t>
             </a:r>
           </a:p>
           <a:p>
-            <a:pPr lvl="2" eaLnBrk="1" latinLnBrk="0" hangingPunct="1"/>
+            <a:pPr lvl="2"/>
             <a:r>
               <a:rPr lang="ru-RU" smtClean="0"/>
               <a:t>Третий уровень</a:t>
             </a:r>
           </a:p>
           <a:p>
-            <a:pPr lvl="3" eaLnBrk="1" latinLnBrk="0" hangingPunct="1"/>
+            <a:pPr lvl="3"/>
             <a:r>
               <a:rPr lang="ru-RU" smtClean="0"/>
               <a:t>Четвертый уровень</a:t>
             </a:r>
           </a:p>
           <a:p>
-            <a:pPr lvl="4" eaLnBrk="1" latinLnBrk="0" hangingPunct="1"/>
+            <a:pPr lvl="4"/>
             <a:r>
               <a:rPr lang="ru-RU" smtClean="0"/>
               <a:t>Пятый уровень</a:t>
             </a:r>
-            <a:endParaRPr kumimoji="0" lang="en-US"/>
+            <a:endParaRPr lang="ru-RU"/>
           </a:p>
         </p:txBody>
       </p:sp>
@@ -4192,14 +2188,12 @@
         <p:spPr/>
         <p:txBody>
           <a:bodyPr/>
-          <a:lstStyle>
-            <a:extLst/>
-          </a:lstStyle>
+          <a:lstStyle/>
           <a:p>
             <a:fld id="{24FB2AA9-5C18-4C60-A838-A24BE9549475}" type="datetime1">
               <a:rPr lang="ru-RU" smtClean="0"/>
               <a:pPr/>
-              <a:t>10.05.2012</a:t>
+              <a:t>11.05.2012</a:t>
             </a:fld>
             <a:endParaRPr lang="ru-RU"/>
           </a:p>
@@ -4218,9 +2212,7 @@
         <p:spPr/>
         <p:txBody>
           <a:bodyPr/>
-          <a:lstStyle>
-            <a:extLst/>
-          </a:lstStyle>
+          <a:lstStyle/>
           <a:p>
             <a:endParaRPr lang="ru-RU"/>
           </a:p>
@@ -4239,9 +2231,7 @@
         <p:spPr/>
         <p:txBody>
           <a:bodyPr/>
-          <a:lstStyle>
-            <a:extLst/>
-          </a:lstStyle>
+          <a:lstStyle/>
           <a:p>
             <a:fld id="{725C68B6-61C2-468F-89AB-4B9F7531AA68}" type="slidenum">
               <a:rPr lang="ru-RU" smtClean="0"/>
@@ -4249,438 +2239,6 @@
               <a:t>‹#›</a:t>
             </a:fld>
             <a:endParaRPr lang="ru-RU"/>
-          </a:p>
-        </p:txBody>
-      </p:sp>
-      <p:sp>
-        <p:nvSpPr>
-          <p:cNvPr id="16" name="Прямоугольник 15"/>
-          <p:cNvSpPr/>
-          <p:nvPr/>
-        </p:nvSpPr>
-        <p:spPr>
-          <a:xfrm>
-            <a:off x="87790" y="680477"/>
-            <a:ext cx="45720" cy="365760"/>
-          </a:xfrm>
-          <a:prstGeom prst="rect">
-            <a:avLst/>
-          </a:prstGeom>
-          <a:solidFill>
-            <a:schemeClr val="bg2"/>
-          </a:solidFill>
-          <a:ln w="50800" cap="rnd" cmpd="thickThin" algn="ctr">
-            <a:noFill/>
-            <a:prstDash val="solid"/>
-          </a:ln>
-          <a:effectLst/>
-        </p:spPr>
-        <p:style>
-          <a:lnRef idx="3">
-            <a:schemeClr val="lt1"/>
-          </a:lnRef>
-          <a:fillRef idx="1">
-            <a:schemeClr val="accent1"/>
-          </a:fillRef>
-          <a:effectRef idx="1">
-            <a:schemeClr val="accent1"/>
-          </a:effectRef>
-          <a:fontRef idx="minor">
-            <a:schemeClr val="lt1"/>
-          </a:fontRef>
-        </p:style>
-        <p:txBody>
-          <a:bodyPr anchor="ctr"/>
-          <a:lstStyle>
-            <a:extLst/>
-          </a:lstStyle>
-          <a:p>
-            <a:pPr algn="ctr" eaLnBrk="1" latinLnBrk="0" hangingPunct="1"/>
-            <a:endParaRPr kumimoji="0" lang="en-US" dirty="0"/>
-          </a:p>
-        </p:txBody>
-      </p:sp>
-      <p:sp>
-        <p:nvSpPr>
-          <p:cNvPr id="17" name="Прямоугольник 16"/>
-          <p:cNvSpPr/>
-          <p:nvPr/>
-        </p:nvSpPr>
-        <p:spPr>
-          <a:xfrm>
-            <a:off x="47305" y="680477"/>
-            <a:ext cx="27432" cy="365760"/>
-          </a:xfrm>
-          <a:prstGeom prst="rect">
-            <a:avLst/>
-          </a:prstGeom>
-          <a:solidFill>
-            <a:schemeClr val="bg2"/>
-          </a:solidFill>
-          <a:ln w="50800" cap="rnd" cmpd="thickThin" algn="ctr">
-            <a:noFill/>
-            <a:prstDash val="solid"/>
-          </a:ln>
-          <a:effectLst/>
-        </p:spPr>
-        <p:style>
-          <a:lnRef idx="3">
-            <a:schemeClr val="lt1"/>
-          </a:lnRef>
-          <a:fillRef idx="1">
-            <a:schemeClr val="accent1"/>
-          </a:fillRef>
-          <a:effectRef idx="1">
-            <a:schemeClr val="accent1"/>
-          </a:effectRef>
-          <a:fontRef idx="minor">
-            <a:schemeClr val="lt1"/>
-          </a:fontRef>
-        </p:style>
-        <p:txBody>
-          <a:bodyPr anchor="ctr"/>
-          <a:lstStyle>
-            <a:extLst/>
-          </a:lstStyle>
-          <a:p>
-            <a:pPr algn="ctr" eaLnBrk="1" latinLnBrk="0" hangingPunct="1"/>
-            <a:endParaRPr kumimoji="0" lang="en-US" dirty="0"/>
-          </a:p>
-        </p:txBody>
-      </p:sp>
-      <p:sp>
-        <p:nvSpPr>
-          <p:cNvPr id="18" name="Прямоугольник 17"/>
-          <p:cNvSpPr/>
-          <p:nvPr/>
-        </p:nvSpPr>
-        <p:spPr>
-          <a:xfrm>
-            <a:off x="28252" y="680477"/>
-            <a:ext cx="9144" cy="365760"/>
-          </a:xfrm>
-          <a:prstGeom prst="rect">
-            <a:avLst/>
-          </a:prstGeom>
-          <a:solidFill>
-            <a:schemeClr val="bg2"/>
-          </a:solidFill>
-          <a:ln w="50800" cap="rnd" cmpd="thickThin" algn="ctr">
-            <a:noFill/>
-            <a:prstDash val="solid"/>
-          </a:ln>
-          <a:effectLst/>
-        </p:spPr>
-        <p:style>
-          <a:lnRef idx="3">
-            <a:schemeClr val="lt1"/>
-          </a:lnRef>
-          <a:fillRef idx="1">
-            <a:schemeClr val="accent1"/>
-          </a:fillRef>
-          <a:effectRef idx="1">
-            <a:schemeClr val="accent1"/>
-          </a:effectRef>
-          <a:fontRef idx="minor">
-            <a:schemeClr val="lt1"/>
-          </a:fontRef>
-        </p:style>
-        <p:txBody>
-          <a:bodyPr anchor="ctr"/>
-          <a:lstStyle>
-            <a:extLst/>
-          </a:lstStyle>
-          <a:p>
-            <a:pPr algn="ctr" eaLnBrk="1" latinLnBrk="0" hangingPunct="1"/>
-            <a:endParaRPr kumimoji="0" lang="en-US"/>
-          </a:p>
-        </p:txBody>
-      </p:sp>
-      <p:sp>
-        <p:nvSpPr>
-          <p:cNvPr id="19" name="Прямоугольник 18"/>
-          <p:cNvSpPr/>
-          <p:nvPr/>
-        </p:nvSpPr>
-        <p:spPr>
-          <a:xfrm>
-            <a:off x="0" y="680477"/>
-            <a:ext cx="9144" cy="365760"/>
-          </a:xfrm>
-          <a:prstGeom prst="rect">
-            <a:avLst/>
-          </a:prstGeom>
-          <a:solidFill>
-            <a:schemeClr val="bg2"/>
-          </a:solidFill>
-          <a:ln w="50800" cap="rnd" cmpd="thickThin" algn="ctr">
-            <a:noFill/>
-            <a:prstDash val="solid"/>
-          </a:ln>
-          <a:effectLst/>
-        </p:spPr>
-        <p:style>
-          <a:lnRef idx="3">
-            <a:schemeClr val="lt1"/>
-          </a:lnRef>
-          <a:fillRef idx="1">
-            <a:schemeClr val="accent1"/>
-          </a:fillRef>
-          <a:effectRef idx="1">
-            <a:schemeClr val="accent1"/>
-          </a:effectRef>
-          <a:fontRef idx="minor">
-            <a:schemeClr val="lt1"/>
-          </a:fontRef>
-        </p:style>
-        <p:txBody>
-          <a:bodyPr anchor="ctr"/>
-          <a:lstStyle>
-            <a:extLst/>
-          </a:lstStyle>
-          <a:p>
-            <a:pPr algn="ctr" eaLnBrk="1" latinLnBrk="0" hangingPunct="1"/>
-            <a:endParaRPr kumimoji="0" lang="en-US" dirty="0"/>
-          </a:p>
-        </p:txBody>
-      </p:sp>
-      <p:sp>
-        <p:nvSpPr>
-          <p:cNvPr id="20" name="Прямоугольник 19"/>
-          <p:cNvSpPr/>
-          <p:nvPr/>
-        </p:nvSpPr>
-        <p:spPr>
-          <a:xfrm flipH="1">
-            <a:off x="149770" y="680477"/>
-            <a:ext cx="27432" cy="365760"/>
-          </a:xfrm>
-          <a:prstGeom prst="rect">
-            <a:avLst/>
-          </a:prstGeom>
-          <a:solidFill>
-            <a:schemeClr val="bg2"/>
-          </a:solidFill>
-          <a:ln w="50800" cap="rnd" cmpd="thickThin" algn="ctr">
-            <a:noFill/>
-            <a:prstDash val="solid"/>
-          </a:ln>
-          <a:effectLst/>
-        </p:spPr>
-        <p:style>
-          <a:lnRef idx="3">
-            <a:schemeClr val="lt1"/>
-          </a:lnRef>
-          <a:fillRef idx="1">
-            <a:schemeClr val="accent1"/>
-          </a:fillRef>
-          <a:effectRef idx="1">
-            <a:schemeClr val="accent1"/>
-          </a:effectRef>
-          <a:fontRef idx="minor">
-            <a:schemeClr val="lt1"/>
-          </a:fontRef>
-        </p:style>
-        <p:txBody>
-          <a:bodyPr anchor="ctr"/>
-          <a:lstStyle>
-            <a:extLst/>
-          </a:lstStyle>
-          <a:p>
-            <a:pPr algn="ctr" eaLnBrk="1" latinLnBrk="0" hangingPunct="1"/>
-            <a:endParaRPr kumimoji="0" lang="en-US" dirty="0"/>
-          </a:p>
-        </p:txBody>
-      </p:sp>
-      <p:sp>
-        <p:nvSpPr>
-          <p:cNvPr id="21" name="Прямоугольник 20"/>
-          <p:cNvSpPr/>
-          <p:nvPr/>
-        </p:nvSpPr>
-        <p:spPr>
-          <a:xfrm flipH="1">
-            <a:off x="189341" y="680477"/>
-            <a:ext cx="27432" cy="365760"/>
-          </a:xfrm>
-          <a:prstGeom prst="rect">
-            <a:avLst/>
-          </a:prstGeom>
-          <a:solidFill>
-            <a:schemeClr val="bg2"/>
-          </a:solidFill>
-          <a:ln w="50800" cap="rnd" cmpd="thickThin" algn="ctr">
-            <a:noFill/>
-            <a:prstDash val="solid"/>
-          </a:ln>
-          <a:effectLst/>
-        </p:spPr>
-        <p:style>
-          <a:lnRef idx="3">
-            <a:schemeClr val="lt1"/>
-          </a:lnRef>
-          <a:fillRef idx="1">
-            <a:schemeClr val="accent1"/>
-          </a:fillRef>
-          <a:effectRef idx="1">
-            <a:schemeClr val="accent1"/>
-          </a:effectRef>
-          <a:fontRef idx="minor">
-            <a:schemeClr val="lt1"/>
-          </a:fontRef>
-        </p:style>
-        <p:txBody>
-          <a:bodyPr anchor="ctr"/>
-          <a:lstStyle>
-            <a:extLst/>
-          </a:lstStyle>
-          <a:p>
-            <a:pPr algn="ctr" eaLnBrk="1" latinLnBrk="0" hangingPunct="1"/>
-            <a:endParaRPr kumimoji="0" lang="en-US" dirty="0"/>
-          </a:p>
-        </p:txBody>
-      </p:sp>
-      <p:sp>
-        <p:nvSpPr>
-          <p:cNvPr id="22" name="Прямоугольник 21"/>
-          <p:cNvSpPr/>
-          <p:nvPr/>
-        </p:nvSpPr>
-        <p:spPr>
-          <a:xfrm flipH="1">
-            <a:off x="226682" y="680477"/>
-            <a:ext cx="9144" cy="365760"/>
-          </a:xfrm>
-          <a:prstGeom prst="rect">
-            <a:avLst/>
-          </a:prstGeom>
-          <a:solidFill>
-            <a:schemeClr val="bg2"/>
-          </a:solidFill>
-          <a:ln w="50800" cap="rnd" cmpd="thickThin" algn="ctr">
-            <a:noFill/>
-            <a:prstDash val="solid"/>
-          </a:ln>
-          <a:effectLst/>
-        </p:spPr>
-        <p:style>
-          <a:lnRef idx="3">
-            <a:schemeClr val="lt1"/>
-          </a:lnRef>
-          <a:fillRef idx="1">
-            <a:schemeClr val="accent1"/>
-          </a:fillRef>
-          <a:effectRef idx="1">
-            <a:schemeClr val="accent1"/>
-          </a:effectRef>
-          <a:fontRef idx="minor">
-            <a:schemeClr val="lt1"/>
-          </a:fontRef>
-        </p:style>
-        <p:txBody>
-          <a:bodyPr anchor="ctr"/>
-          <a:lstStyle>
-            <a:extLst/>
-          </a:lstStyle>
-          <a:p>
-            <a:pPr algn="ctr" eaLnBrk="1" latinLnBrk="0" hangingPunct="1"/>
-            <a:endParaRPr kumimoji="0" lang="en-US"/>
-          </a:p>
-        </p:txBody>
-      </p:sp>
-      <p:sp>
-        <p:nvSpPr>
-          <p:cNvPr id="29" name="Прямоугольник 28"/>
-          <p:cNvSpPr/>
-          <p:nvPr/>
-        </p:nvSpPr>
-        <p:spPr>
-          <a:xfrm flipH="1">
-            <a:off x="254934" y="680477"/>
-            <a:ext cx="9144" cy="365760"/>
-          </a:xfrm>
-          <a:prstGeom prst="rect">
-            <a:avLst/>
-          </a:prstGeom>
-          <a:solidFill>
-            <a:schemeClr val="bg2"/>
-          </a:solidFill>
-          <a:ln w="50800" cap="rnd" cmpd="thickThin" algn="ctr">
-            <a:noFill/>
-            <a:prstDash val="solid"/>
-          </a:ln>
-          <a:effectLst/>
-        </p:spPr>
-        <p:style>
-          <a:lnRef idx="3">
-            <a:schemeClr val="lt1"/>
-          </a:lnRef>
-          <a:fillRef idx="1">
-            <a:schemeClr val="accent1"/>
-          </a:fillRef>
-          <a:effectRef idx="1">
-            <a:schemeClr val="accent1"/>
-          </a:effectRef>
-          <a:fontRef idx="minor">
-            <a:schemeClr val="lt1"/>
-          </a:fontRef>
-        </p:style>
-        <p:txBody>
-          <a:bodyPr anchor="ctr"/>
-          <a:lstStyle>
-            <a:extLst/>
-          </a:lstStyle>
-          <a:p>
-            <a:pPr algn="ctr" eaLnBrk="1" latinLnBrk="0" hangingPunct="1"/>
-            <a:endParaRPr kumimoji="0" lang="en-US" dirty="0"/>
-          </a:p>
-        </p:txBody>
-      </p:sp>
-      <p:sp>
-        <p:nvSpPr>
-          <p:cNvPr id="30" name="Прямоугольник 29"/>
-          <p:cNvSpPr/>
-          <p:nvPr/>
-        </p:nvSpPr>
-        <p:spPr>
-          <a:xfrm>
-            <a:off x="278710" y="680477"/>
-            <a:ext cx="36576" cy="365760"/>
-          </a:xfrm>
-          <a:prstGeom prst="rect">
-            <a:avLst/>
-          </a:prstGeom>
-          <a:solidFill>
-            <a:schemeClr val="bg2"/>
-          </a:solidFill>
-          <a:ln w="50800" cap="rnd" cmpd="thickThin" algn="ctr">
-            <a:noFill/>
-            <a:prstDash val="solid"/>
-          </a:ln>
-          <a:effectLst/>
-        </p:spPr>
-        <p:style>
-          <a:lnRef idx="3">
-            <a:schemeClr val="lt1"/>
-          </a:lnRef>
-          <a:fillRef idx="1">
-            <a:schemeClr val="accent1"/>
-          </a:fillRef>
-          <a:effectRef idx="1">
-            <a:schemeClr val="accent1"/>
-          </a:effectRef>
-          <a:fontRef idx="minor">
-            <a:schemeClr val="lt1"/>
-          </a:fontRef>
-        </p:style>
-        <p:txBody>
-          <a:bodyPr anchor="ctr"/>
-          <a:lstStyle>
-            <a:extLst/>
-          </a:lstStyle>
-          <a:p>
-            <a:pPr algn="ctr" eaLnBrk="1" latinLnBrk="0" hangingPunct="1"/>
-            <a:endParaRPr kumimoji="0" lang="en-US" dirty="0"/>
           </a:p>
         </p:txBody>
       </p:sp>
@@ -4719,26 +2277,16 @@
             <p:ph type="title"/>
           </p:nvPr>
         </p:nvSpPr>
-        <p:spPr>
-          <a:xfrm>
-            <a:off x="914400" y="512064"/>
-            <a:ext cx="7772400" cy="914400"/>
-          </a:xfrm>
-        </p:spPr>
+        <p:spPr/>
         <p:txBody>
           <a:bodyPr/>
-          <a:lstStyle>
-            <a:lvl1pPr>
-              <a:defRPr sz="4000" cap="none" baseline="0"/>
-            </a:lvl1pPr>
-            <a:extLst/>
-          </a:lstStyle>
-          <a:p>
-            <a:r>
-              <a:rPr kumimoji="0" lang="ru-RU" smtClean="0"/>
+          <a:lstStyle/>
+          <a:p>
+            <a:r>
+              <a:rPr lang="ru-RU" smtClean="0"/>
               <a:t>Образец заголовка</a:t>
             </a:r>
-            <a:endParaRPr kumimoji="0" lang="en-US"/>
+            <a:endParaRPr lang="ru-RU"/>
           </a:p>
         </p:txBody>
       </p:sp>
@@ -4755,14 +2303,12 @@
         <p:spPr/>
         <p:txBody>
           <a:bodyPr/>
-          <a:lstStyle>
-            <a:extLst/>
-          </a:lstStyle>
+          <a:lstStyle/>
           <a:p>
             <a:fld id="{B67074EE-FDF4-4D72-A4BF-58B3BC26637B}" type="datetime1">
               <a:rPr lang="ru-RU" smtClean="0"/>
               <a:pPr/>
-              <a:t>10.05.2012</a:t>
+              <a:t>11.05.2012</a:t>
             </a:fld>
             <a:endParaRPr lang="ru-RU"/>
           </a:p>
@@ -4781,9 +2327,7 @@
         <p:spPr/>
         <p:txBody>
           <a:bodyPr/>
-          <a:lstStyle>
-            <a:extLst/>
-          </a:lstStyle>
+          <a:lstStyle/>
           <a:p>
             <a:endParaRPr lang="ru-RU"/>
           </a:p>
@@ -4802,9 +2346,7 @@
         <p:spPr/>
         <p:txBody>
           <a:bodyPr/>
-          <a:lstStyle>
-            <a:extLst/>
-          </a:lstStyle>
+          <a:lstStyle/>
           <a:p>
             <a:fld id="{725C68B6-61C2-468F-89AB-4B9F7531AA68}" type="slidenum">
               <a:rPr lang="ru-RU" smtClean="0"/>
@@ -4824,7 +2366,7 @@
 </file>
 
 <file path=ppt/slideLayouts/slideLayout7.xml><?xml version="1.0" encoding="utf-8"?>
-<p:sldLayout xmlns:a="http://schemas.openxmlformats.org/drawingml/2006/main" xmlns:r="http://schemas.openxmlformats.org/officeDocument/2006/relationships" xmlns:p="http://schemas.openxmlformats.org/presentationml/2006/main" showMasterSp="0" type="blank" preserve="1">
+<p:sldLayout xmlns:a="http://schemas.openxmlformats.org/drawingml/2006/main" xmlns:r="http://schemas.openxmlformats.org/officeDocument/2006/relationships" xmlns:p="http://schemas.openxmlformats.org/presentationml/2006/main" type="blank" preserve="1">
   <p:cSld name="Пустой слайд">
     <p:spTree>
       <p:nvGrpSpPr>
@@ -4853,14 +2395,12 @@
         <p:spPr/>
         <p:txBody>
           <a:bodyPr/>
-          <a:lstStyle>
-            <a:extLst/>
-          </a:lstStyle>
+          <a:lstStyle/>
           <a:p>
             <a:fld id="{97E96698-1C36-4A1A-B25F-A551C7360DBE}" type="datetime1">
               <a:rPr lang="ru-RU" smtClean="0"/>
               <a:pPr/>
-              <a:t>10.05.2012</a:t>
+              <a:t>11.05.2012</a:t>
             </a:fld>
             <a:endParaRPr lang="ru-RU"/>
           </a:p>
@@ -4879,9 +2419,7 @@
         <p:spPr/>
         <p:txBody>
           <a:bodyPr/>
-          <a:lstStyle>
-            <a:extLst/>
-          </a:lstStyle>
+          <a:lstStyle/>
           <a:p>
             <a:endParaRPr lang="ru-RU"/>
           </a:p>
@@ -4900,9 +2438,7 @@
         <p:spPr/>
         <p:txBody>
           <a:bodyPr/>
-          <a:lstStyle>
-            <a:extLst/>
-          </a:lstStyle>
+          <a:lstStyle/>
           <a:p>
             <a:fld id="{725C68B6-61C2-468F-89AB-4B9F7531AA68}" type="slidenum">
               <a:rPr lang="ru-RU" smtClean="0"/>
@@ -4950,92 +2486,40 @@
         </p:nvSpPr>
         <p:spPr>
           <a:xfrm>
-            <a:off x="685800" y="273050"/>
-            <a:ext cx="8229600" cy="1162050"/>
+            <a:off x="457200" y="273050"/>
+            <a:ext cx="3008313" cy="1162050"/>
           </a:xfrm>
         </p:spPr>
         <p:txBody>
-          <a:bodyPr anchor="ctr"/>
+          <a:bodyPr anchor="b"/>
           <a:lstStyle>
             <a:lvl1pPr algn="l">
-              <a:buNone/>
-              <a:defRPr sz="3600" b="0"/>
+              <a:defRPr sz="2000" b="1"/>
             </a:lvl1pPr>
-            <a:extLst/>
           </a:lstStyle>
           <a:p>
             <a:r>
-              <a:rPr kumimoji="0" lang="ru-RU" smtClean="0"/>
+              <a:rPr lang="ru-RU" smtClean="0"/>
               <a:t>Образец заголовка</a:t>
             </a:r>
-            <a:endParaRPr kumimoji="0" lang="en-US"/>
-          </a:p>
-        </p:txBody>
-      </p:sp>
-      <p:sp>
-        <p:nvSpPr>
-          <p:cNvPr id="3" name="Текст 2"/>
-          <p:cNvSpPr>
-            <a:spLocks noGrp="1"/>
-          </p:cNvSpPr>
-          <p:nvPr>
-            <p:ph type="body" idx="2"/>
+            <a:endParaRPr lang="ru-RU"/>
+          </a:p>
+        </p:txBody>
+      </p:sp>
+      <p:sp>
+        <p:nvSpPr>
+          <p:cNvPr id="3" name="Содержимое 2"/>
+          <p:cNvSpPr>
+            <a:spLocks noGrp="1"/>
+          </p:cNvSpPr>
+          <p:nvPr>
+            <p:ph idx="1"/>
           </p:nvPr>
         </p:nvSpPr>
         <p:spPr>
           <a:xfrm>
-            <a:off x="685800" y="1435100"/>
-            <a:ext cx="2514600" cy="4572000"/>
-          </a:xfrm>
-        </p:spPr>
-        <p:txBody>
-          <a:bodyPr/>
-          <a:lstStyle>
-            <a:lvl1pPr marL="54864" indent="0">
-              <a:buNone/>
-              <a:defRPr sz="1800"/>
-            </a:lvl1pPr>
-            <a:lvl2pPr>
-              <a:buNone/>
-              <a:defRPr sz="1200"/>
-            </a:lvl2pPr>
-            <a:lvl3pPr>
-              <a:buNone/>
-              <a:defRPr sz="1000"/>
-            </a:lvl3pPr>
-            <a:lvl4pPr>
-              <a:buNone/>
-              <a:defRPr sz="900"/>
-            </a:lvl4pPr>
-            <a:lvl5pPr>
-              <a:buNone/>
-              <a:defRPr sz="900"/>
-            </a:lvl5pPr>
-            <a:extLst/>
-          </a:lstStyle>
-          <a:p>
-            <a:pPr lvl="0" eaLnBrk="1" latinLnBrk="0" hangingPunct="1"/>
-            <a:r>
-              <a:rPr kumimoji="0" lang="ru-RU" smtClean="0"/>
-              <a:t>Образец текста</a:t>
-            </a:r>
-          </a:p>
-        </p:txBody>
-      </p:sp>
-      <p:sp>
-        <p:nvSpPr>
-          <p:cNvPr id="4" name="Содержимое 3"/>
-          <p:cNvSpPr>
-            <a:spLocks noGrp="1"/>
-          </p:cNvSpPr>
-          <p:nvPr>
-            <p:ph sz="half" idx="1"/>
-          </p:nvPr>
-        </p:nvSpPr>
-        <p:spPr>
-          <a:xfrm>
-            <a:off x="3429000" y="1435100"/>
-            <a:ext cx="5486400" cy="4572000"/>
+            <a:off x="3575050" y="273050"/>
+            <a:ext cx="5111750" cy="5853113"/>
           </a:xfrm>
         </p:spPr>
         <p:txBody>
@@ -5056,67 +2540,141 @@
             <a:lvl5pPr>
               <a:defRPr sz="2000"/>
             </a:lvl5pPr>
-            <a:extLst/>
+            <a:lvl6pPr>
+              <a:defRPr sz="2000"/>
+            </a:lvl6pPr>
+            <a:lvl7pPr>
+              <a:defRPr sz="2000"/>
+            </a:lvl7pPr>
+            <a:lvl8pPr>
+              <a:defRPr sz="2000"/>
+            </a:lvl8pPr>
+            <a:lvl9pPr>
+              <a:defRPr sz="2000"/>
+            </a:lvl9pPr>
           </a:lstStyle>
           <a:p>
-            <a:pPr lvl="0" eaLnBrk="1" latinLnBrk="0" hangingPunct="1"/>
+            <a:pPr lvl="0"/>
             <a:r>
               <a:rPr lang="ru-RU" smtClean="0"/>
               <a:t>Образец текста</a:t>
             </a:r>
           </a:p>
           <a:p>
-            <a:pPr lvl="1" eaLnBrk="1" latinLnBrk="0" hangingPunct="1"/>
+            <a:pPr lvl="1"/>
             <a:r>
               <a:rPr lang="ru-RU" smtClean="0"/>
               <a:t>Второй уровень</a:t>
             </a:r>
           </a:p>
           <a:p>
-            <a:pPr lvl="2" eaLnBrk="1" latinLnBrk="0" hangingPunct="1"/>
+            <a:pPr lvl="2"/>
             <a:r>
               <a:rPr lang="ru-RU" smtClean="0"/>
               <a:t>Третий уровень</a:t>
             </a:r>
           </a:p>
           <a:p>
-            <a:pPr lvl="3" eaLnBrk="1" latinLnBrk="0" hangingPunct="1"/>
+            <a:pPr lvl="3"/>
             <a:r>
               <a:rPr lang="ru-RU" smtClean="0"/>
               <a:t>Четвертый уровень</a:t>
             </a:r>
           </a:p>
           <a:p>
-            <a:pPr lvl="4" eaLnBrk="1" latinLnBrk="0" hangingPunct="1"/>
+            <a:pPr lvl="4"/>
             <a:r>
               <a:rPr lang="ru-RU" smtClean="0"/>
               <a:t>Пятый уровень</a:t>
             </a:r>
-            <a:endParaRPr kumimoji="0" lang="en-US"/>
-          </a:p>
-        </p:txBody>
-      </p:sp>
-      <p:sp>
-        <p:nvSpPr>
-          <p:cNvPr id="5" name="Дата 4"/>
-          <p:cNvSpPr>
-            <a:spLocks noGrp="1"/>
-          </p:cNvSpPr>
-          <p:nvPr>
-            <p:ph type="dt" sz="half" idx="10"/>
-          </p:nvPr>
-        </p:nvSpPr>
-        <p:spPr/>
+            <a:endParaRPr lang="ru-RU"/>
+          </a:p>
+        </p:txBody>
+      </p:sp>
+      <p:sp>
+        <p:nvSpPr>
+          <p:cNvPr id="4" name="Текст 3"/>
+          <p:cNvSpPr>
+            <a:spLocks noGrp="1"/>
+          </p:cNvSpPr>
+          <p:nvPr>
+            <p:ph type="body" sz="half" idx="2"/>
+          </p:nvPr>
+        </p:nvSpPr>
+        <p:spPr>
+          <a:xfrm>
+            <a:off x="457200" y="1435100"/>
+            <a:ext cx="3008313" cy="4691063"/>
+          </a:xfrm>
+        </p:spPr>
         <p:txBody>
           <a:bodyPr/>
           <a:lstStyle>
-            <a:extLst/>
+            <a:lvl1pPr marL="0" indent="0">
+              <a:buNone/>
+              <a:defRPr sz="1400"/>
+            </a:lvl1pPr>
+            <a:lvl2pPr marL="457200" indent="0">
+              <a:buNone/>
+              <a:defRPr sz="1200"/>
+            </a:lvl2pPr>
+            <a:lvl3pPr marL="914400" indent="0">
+              <a:buNone/>
+              <a:defRPr sz="1000"/>
+            </a:lvl3pPr>
+            <a:lvl4pPr marL="1371600" indent="0">
+              <a:buNone/>
+              <a:defRPr sz="900"/>
+            </a:lvl4pPr>
+            <a:lvl5pPr marL="1828800" indent="0">
+              <a:buNone/>
+              <a:defRPr sz="900"/>
+            </a:lvl5pPr>
+            <a:lvl6pPr marL="2286000" indent="0">
+              <a:buNone/>
+              <a:defRPr sz="900"/>
+            </a:lvl6pPr>
+            <a:lvl7pPr marL="2743200" indent="0">
+              <a:buNone/>
+              <a:defRPr sz="900"/>
+            </a:lvl7pPr>
+            <a:lvl8pPr marL="3200400" indent="0">
+              <a:buNone/>
+              <a:defRPr sz="900"/>
+            </a:lvl8pPr>
+            <a:lvl9pPr marL="3657600" indent="0">
+              <a:buNone/>
+              <a:defRPr sz="900"/>
+            </a:lvl9pPr>
           </a:lstStyle>
           <a:p>
+            <a:pPr lvl="0"/>
+            <a:r>
+              <a:rPr lang="ru-RU" smtClean="0"/>
+              <a:t>Образец текста</a:t>
+            </a:r>
+          </a:p>
+        </p:txBody>
+      </p:sp>
+      <p:sp>
+        <p:nvSpPr>
+          <p:cNvPr id="5" name="Дата 4"/>
+          <p:cNvSpPr>
+            <a:spLocks noGrp="1"/>
+          </p:cNvSpPr>
+          <p:nvPr>
+            <p:ph type="dt" sz="half" idx="10"/>
+          </p:nvPr>
+        </p:nvSpPr>
+        <p:spPr/>
+        <p:txBody>
+          <a:bodyPr/>
+          <a:lstStyle/>
+          <a:p>
             <a:fld id="{85AB3C28-C807-466B-82BB-4EBE6B4083B6}" type="datetime1">
               <a:rPr lang="ru-RU" smtClean="0"/>
               <a:pPr/>
-              <a:t>10.05.2012</a:t>
+              <a:t>11.05.2012</a:t>
             </a:fld>
             <a:endParaRPr lang="ru-RU"/>
           </a:p>
@@ -5135,9 +2693,7 @@
         <p:spPr/>
         <p:txBody>
           <a:bodyPr/>
-          <a:lstStyle>
-            <a:extLst/>
-          </a:lstStyle>
+          <a:lstStyle/>
           <a:p>
             <a:endParaRPr lang="ru-RU"/>
           </a:p>
@@ -5156,9 +2712,7 @@
         <p:spPr/>
         <p:txBody>
           <a:bodyPr/>
-          <a:lstStyle>
-            <a:extLst/>
-          </a:lstStyle>
+          <a:lstStyle/>
           <a:p>
             <a:fld id="{725C68B6-61C2-468F-89AB-4B9F7531AA68}" type="slidenum">
               <a:rPr lang="ru-RU" smtClean="0"/>
@@ -5196,261 +2750,33 @@
       </p:grpSpPr>
       <p:sp>
         <p:nvSpPr>
-          <p:cNvPr id="8" name="Прямоугольник 7"/>
-          <p:cNvSpPr/>
-          <p:nvPr/>
+          <p:cNvPr id="2" name="Заголовок 1"/>
+          <p:cNvSpPr>
+            <a:spLocks noGrp="1"/>
+          </p:cNvSpPr>
+          <p:nvPr>
+            <p:ph type="title"/>
+          </p:nvPr>
         </p:nvSpPr>
         <p:spPr>
           <a:xfrm>
-            <a:off x="368032" y="0"/>
-            <a:ext cx="8778240" cy="1878037"/>
-          </a:xfrm>
-          <a:prstGeom prst="rect">
-            <a:avLst/>
-          </a:prstGeom>
-          <a:solidFill>
-            <a:srgbClr val="000000">
-              <a:alpha val="100000"/>
-            </a:srgbClr>
-          </a:solidFill>
-          <a:ln w="50800" cap="rnd" cmpd="dbl" algn="ctr">
-            <a:noFill/>
-            <a:prstDash val="solid"/>
-          </a:ln>
-          <a:effectLst/>
-        </p:spPr>
-        <p:style>
-          <a:lnRef idx="3">
-            <a:schemeClr val="lt1"/>
-          </a:lnRef>
-          <a:fillRef idx="1">
-            <a:schemeClr val="accent1"/>
-          </a:fillRef>
-          <a:effectRef idx="1">
-            <a:schemeClr val="accent1"/>
-          </a:effectRef>
-          <a:fontRef idx="minor">
-            <a:schemeClr val="lt1"/>
-          </a:fontRef>
-        </p:style>
-        <p:txBody>
-          <a:bodyPr anchor="ctr"/>
-          <a:lstStyle>
-            <a:extLst/>
-          </a:lstStyle>
-          <a:p>
-            <a:pPr algn="ctr" eaLnBrk="1" latinLnBrk="0" hangingPunct="1"/>
-            <a:endParaRPr kumimoji="0" lang="en-US"/>
-          </a:p>
-        </p:txBody>
-      </p:sp>
-      <p:cxnSp>
-        <p:nvCxnSpPr>
-          <p:cNvPr id="9" name="Прямая соединительная линия 8"/>
-          <p:cNvCxnSpPr/>
-          <p:nvPr/>
-        </p:nvCxnSpPr>
-        <p:spPr>
-          <a:xfrm flipV="1">
-            <a:off x="363195" y="1885028"/>
-            <a:ext cx="8782622" cy="0"/>
-          </a:xfrm>
-          <a:prstGeom prst="line">
-            <a:avLst/>
-          </a:prstGeom>
-          <a:noFill/>
-          <a:ln w="19050" cap="flat" cmpd="sng" algn="ctr">
-            <a:solidFill>
-              <a:srgbClr val="FFFFFF">
-                <a:alpha val="100000"/>
-              </a:srgbClr>
-            </a:solidFill>
-            <a:prstDash val="solid"/>
-            <a:miter lim="800000"/>
-          </a:ln>
-          <a:effectLst/>
-        </p:spPr>
-        <p:style>
-          <a:lnRef idx="2">
-            <a:schemeClr val="accent1"/>
-          </a:lnRef>
-          <a:fillRef idx="0">
-            <a:schemeClr val="accent1"/>
-          </a:fillRef>
-          <a:effectRef idx="1">
-            <a:schemeClr val="accent1"/>
-          </a:effectRef>
-          <a:fontRef idx="minor">
-            <a:schemeClr val="tx1"/>
-          </a:fontRef>
-        </p:style>
-      </p:cxnSp>
-      <p:grpSp>
-        <p:nvGrpSpPr>
-          <p:cNvPr id="10" name="Группа 9"/>
-          <p:cNvGrpSpPr/>
-          <p:nvPr/>
-        </p:nvGrpSpPr>
-        <p:grpSpPr>
-          <a:xfrm rot="5400000">
-            <a:off x="8514581" y="1219200"/>
-            <a:ext cx="132763" cy="128466"/>
-            <a:chOff x="6668087" y="1297746"/>
-            <a:chExt cx="161840" cy="156602"/>
-          </a:xfrm>
-        </p:grpSpPr>
-        <p:cxnSp>
-          <p:nvCxnSpPr>
-            <p:cNvPr id="15" name="Прямая соединительная линия 14"/>
-            <p:cNvCxnSpPr/>
-            <p:nvPr/>
-          </p:nvCxnSpPr>
-          <p:spPr>
-            <a:xfrm rot="16200000">
-              <a:off x="6664064" y="1301769"/>
-              <a:ext cx="88509" cy="80463"/>
-            </a:xfrm>
-            <a:prstGeom prst="line">
-              <a:avLst/>
-            </a:prstGeom>
-            <a:noFill/>
-            <a:ln w="25400" cap="rnd" cmpd="sng" algn="ctr">
-              <a:solidFill>
-                <a:srgbClr val="FFFFFF">
-                  <a:alpha val="100000"/>
-                </a:srgbClr>
-              </a:solidFill>
-              <a:prstDash val="solid"/>
-            </a:ln>
-            <a:effectLst/>
-          </p:spPr>
-          <p:style>
-            <a:lnRef idx="2">
-              <a:schemeClr val="accent1"/>
-            </a:lnRef>
-            <a:fillRef idx="0">
-              <a:schemeClr val="accent1"/>
-            </a:fillRef>
-            <a:effectRef idx="1">
-              <a:schemeClr val="accent1"/>
-            </a:effectRef>
-            <a:fontRef idx="minor">
-              <a:schemeClr val="tx1"/>
-            </a:fontRef>
-          </p:style>
-        </p:cxnSp>
-        <p:cxnSp>
-          <p:nvCxnSpPr>
-            <p:cNvPr id="16" name="Прямая соединительная линия 15"/>
-            <p:cNvCxnSpPr/>
-            <p:nvPr/>
-          </p:nvCxnSpPr>
-          <p:spPr>
-            <a:xfrm rot="16200000" flipV="1">
-              <a:off x="6685888" y="1391257"/>
-              <a:ext cx="125755" cy="427"/>
-            </a:xfrm>
-            <a:prstGeom prst="line">
-              <a:avLst/>
-            </a:prstGeom>
-            <a:noFill/>
-            <a:ln w="25400" cap="rnd" cmpd="sng" algn="ctr">
-              <a:solidFill>
-                <a:srgbClr val="FFFFFF">
-                  <a:alpha val="100000"/>
-                </a:srgbClr>
-              </a:solidFill>
-              <a:prstDash val="solid"/>
-            </a:ln>
-            <a:effectLst/>
-          </p:spPr>
-          <p:style>
-            <a:lnRef idx="2">
-              <a:schemeClr val="accent1"/>
-            </a:lnRef>
-            <a:fillRef idx="0">
-              <a:schemeClr val="accent1"/>
-            </a:fillRef>
-            <a:effectRef idx="1">
-              <a:schemeClr val="accent1"/>
-            </a:effectRef>
-            <a:fontRef idx="minor">
-              <a:schemeClr val="tx1"/>
-            </a:fontRef>
-          </p:style>
-        </p:cxnSp>
-        <p:cxnSp>
-          <p:nvCxnSpPr>
-            <p:cNvPr id="17" name="Прямая соединительная линия 16"/>
-            <p:cNvCxnSpPr/>
-            <p:nvPr/>
-          </p:nvCxnSpPr>
-          <p:spPr>
-            <a:xfrm rot="5400000" flipH="1">
-              <a:off x="6744524" y="1300853"/>
-              <a:ext cx="88509" cy="82296"/>
-            </a:xfrm>
-            <a:prstGeom prst="line">
-              <a:avLst/>
-            </a:prstGeom>
-            <a:noFill/>
-            <a:ln w="25400" cap="rnd" cmpd="sng" algn="ctr">
-              <a:solidFill>
-                <a:srgbClr val="FFFFFF">
-                  <a:alpha val="100000"/>
-                </a:srgbClr>
-              </a:solidFill>
-              <a:prstDash val="solid"/>
-            </a:ln>
-            <a:effectLst/>
-          </p:spPr>
-          <p:style>
-            <a:lnRef idx="2">
-              <a:schemeClr val="accent1"/>
-            </a:lnRef>
-            <a:fillRef idx="0">
-              <a:schemeClr val="accent1"/>
-            </a:fillRef>
-            <a:effectRef idx="1">
-              <a:schemeClr val="accent1"/>
-            </a:effectRef>
-            <a:fontRef idx="minor">
-              <a:schemeClr val="tx1"/>
-            </a:fontRef>
-          </p:style>
-        </p:cxnSp>
-      </p:grpSp>
-      <p:sp>
-        <p:nvSpPr>
-          <p:cNvPr id="2" name="Заголовок 1"/>
-          <p:cNvSpPr>
-            <a:spLocks noGrp="1"/>
-          </p:cNvSpPr>
-          <p:nvPr>
-            <p:ph type="title"/>
-          </p:nvPr>
-        </p:nvSpPr>
-        <p:spPr bwMode="grayWhite">
-          <a:xfrm>
-            <a:off x="914400" y="441251"/>
-            <a:ext cx="6858000" cy="701749"/>
+            <a:off x="1792288" y="4800600"/>
+            <a:ext cx="5486400" cy="566738"/>
           </a:xfrm>
         </p:spPr>
         <p:txBody>
           <a:bodyPr anchor="b"/>
           <a:lstStyle>
             <a:lvl1pPr algn="l">
-              <a:buNone/>
-              <a:defRPr sz="2100" b="0"/>
+              <a:defRPr sz="2000" b="1"/>
             </a:lvl1pPr>
-            <a:extLst/>
           </a:lstStyle>
           <a:p>
             <a:r>
-              <a:rPr kumimoji="0" lang="ru-RU" smtClean="0"/>
+              <a:rPr lang="ru-RU" smtClean="0"/>
               <a:t>Образец заголовка</a:t>
             </a:r>
-            <a:endParaRPr kumimoji="0" lang="en-US"/>
+            <a:endParaRPr lang="ru-RU"/>
           </a:p>
         </p:txBody>
       </p:sp>
@@ -5466,12 +2792,9 @@
         </p:nvSpPr>
         <p:spPr>
           <a:xfrm>
-            <a:off x="368032" y="1893781"/>
-            <a:ext cx="8778240" cy="4960144"/>
+            <a:off x="1792288" y="612775"/>
+            <a:ext cx="5486400" cy="4114800"/>
           </a:xfrm>
-          <a:solidFill>
-            <a:schemeClr val="bg2"/>
-          </a:solidFill>
         </p:spPr>
         <p:txBody>
           <a:bodyPr/>
@@ -5480,14 +2803,41 @@
               <a:buNone/>
               <a:defRPr sz="3200"/>
             </a:lvl1pPr>
-            <a:extLst/>
+            <a:lvl2pPr marL="457200" indent="0">
+              <a:buNone/>
+              <a:defRPr sz="2800"/>
+            </a:lvl2pPr>
+            <a:lvl3pPr marL="914400" indent="0">
+              <a:buNone/>
+              <a:defRPr sz="2400"/>
+            </a:lvl3pPr>
+            <a:lvl4pPr marL="1371600" indent="0">
+              <a:buNone/>
+              <a:defRPr sz="2000"/>
+            </a:lvl4pPr>
+            <a:lvl5pPr marL="1828800" indent="0">
+              <a:buNone/>
+              <a:defRPr sz="2000"/>
+            </a:lvl5pPr>
+            <a:lvl6pPr marL="2286000" indent="0">
+              <a:buNone/>
+              <a:defRPr sz="2000"/>
+            </a:lvl6pPr>
+            <a:lvl7pPr marL="2743200" indent="0">
+              <a:buNone/>
+              <a:defRPr sz="2000"/>
+            </a:lvl7pPr>
+            <a:lvl8pPr marL="3200400" indent="0">
+              <a:buNone/>
+              <a:defRPr sz="2000"/>
+            </a:lvl8pPr>
+            <a:lvl9pPr marL="3657600" indent="0">
+              <a:buNone/>
+              <a:defRPr sz="2000"/>
+            </a:lvl9pPr>
           </a:lstStyle>
           <a:p>
-            <a:r>
-              <a:rPr kumimoji="0" lang="ru-RU" smtClean="0"/>
-              <a:t>Вставка рисунка</a:t>
-            </a:r>
-            <a:endParaRPr kumimoji="0" lang="en-US"/>
+            <a:endParaRPr lang="ru-RU"/>
           </a:p>
         </p:txBody>
       </p:sp>
@@ -5501,319 +2851,61 @@
             <p:ph type="body" sz="half" idx="2"/>
           </p:nvPr>
         </p:nvSpPr>
-        <p:spPr bwMode="grayWhite">
+        <p:spPr>
           <a:xfrm>
-            <a:off x="914400" y="1150144"/>
-            <a:ext cx="6858000" cy="685800"/>
+            <a:off x="1792288" y="5367338"/>
+            <a:ext cx="5486400" cy="804862"/>
           </a:xfrm>
         </p:spPr>
         <p:txBody>
           <a:bodyPr/>
           <a:lstStyle>
-            <a:lvl1pPr marL="27432" indent="0">
-              <a:spcBef>
-                <a:spcPts val="0"/>
-              </a:spcBef>
+            <a:lvl1pPr marL="0" indent="0">
               <a:buNone/>
-              <a:defRPr sz="1400">
-                <a:solidFill>
-                  <a:srgbClr val="FFFFFF"/>
-                </a:solidFill>
-              </a:defRPr>
+              <a:defRPr sz="1400"/>
             </a:lvl1pPr>
-            <a:lvl2pPr>
+            <a:lvl2pPr marL="457200" indent="0">
+              <a:buNone/>
               <a:defRPr sz="1200"/>
             </a:lvl2pPr>
-            <a:lvl3pPr>
+            <a:lvl3pPr marL="914400" indent="0">
+              <a:buNone/>
               <a:defRPr sz="1000"/>
             </a:lvl3pPr>
-            <a:lvl4pPr>
+            <a:lvl4pPr marL="1371600" indent="0">
+              <a:buNone/>
               <a:defRPr sz="900"/>
             </a:lvl4pPr>
-            <a:lvl5pPr>
+            <a:lvl5pPr marL="1828800" indent="0">
+              <a:buNone/>
               <a:defRPr sz="900"/>
             </a:lvl5pPr>
-            <a:extLst/>
+            <a:lvl6pPr marL="2286000" indent="0">
+              <a:buNone/>
+              <a:defRPr sz="900"/>
+            </a:lvl6pPr>
+            <a:lvl7pPr marL="2743200" indent="0">
+              <a:buNone/>
+              <a:defRPr sz="900"/>
+            </a:lvl7pPr>
+            <a:lvl8pPr marL="3200400" indent="0">
+              <a:buNone/>
+              <a:defRPr sz="900"/>
+            </a:lvl8pPr>
+            <a:lvl9pPr marL="3657600" indent="0">
+              <a:buNone/>
+              <a:defRPr sz="900"/>
+            </a:lvl9pPr>
           </a:lstStyle>
           <a:p>
-            <a:pPr lvl="0" eaLnBrk="1" latinLnBrk="0" hangingPunct="1"/>
-            <a:r>
-              <a:rPr kumimoji="0" lang="ru-RU" smtClean="0"/>
+            <a:pPr lvl="0"/>
+            <a:r>
+              <a:rPr lang="ru-RU" smtClean="0"/>
               <a:t>Образец текста</a:t>
             </a:r>
           </a:p>
         </p:txBody>
       </p:sp>
-      <p:grpSp>
-        <p:nvGrpSpPr>
-          <p:cNvPr id="14" name="Группа 13"/>
-          <p:cNvGrpSpPr/>
-          <p:nvPr/>
-        </p:nvGrpSpPr>
-        <p:grpSpPr>
-          <a:xfrm rot="5400000">
-            <a:off x="8666981" y="1371600"/>
-            <a:ext cx="132763" cy="128466"/>
-            <a:chOff x="6668087" y="1297746"/>
-            <a:chExt cx="161840" cy="156602"/>
-          </a:xfrm>
-        </p:grpSpPr>
-        <p:cxnSp>
-          <p:nvCxnSpPr>
-            <p:cNvPr id="11" name="Прямая соединительная линия 10"/>
-            <p:cNvCxnSpPr/>
-            <p:nvPr/>
-          </p:nvCxnSpPr>
-          <p:spPr>
-            <a:xfrm rot="16200000">
-              <a:off x="6664064" y="1301769"/>
-              <a:ext cx="88509" cy="80463"/>
-            </a:xfrm>
-            <a:prstGeom prst="line">
-              <a:avLst/>
-            </a:prstGeom>
-            <a:noFill/>
-            <a:ln w="25400" cap="rnd" cmpd="sng" algn="ctr">
-              <a:solidFill>
-                <a:srgbClr val="FFFFFF">
-                  <a:alpha val="100000"/>
-                </a:srgbClr>
-              </a:solidFill>
-              <a:prstDash val="solid"/>
-            </a:ln>
-            <a:effectLst/>
-          </p:spPr>
-          <p:style>
-            <a:lnRef idx="2">
-              <a:schemeClr val="accent1"/>
-            </a:lnRef>
-            <a:fillRef idx="0">
-              <a:schemeClr val="accent1"/>
-            </a:fillRef>
-            <a:effectRef idx="1">
-              <a:schemeClr val="accent1"/>
-            </a:effectRef>
-            <a:fontRef idx="minor">
-              <a:schemeClr val="tx1"/>
-            </a:fontRef>
-          </p:style>
-        </p:cxnSp>
-        <p:cxnSp>
-          <p:nvCxnSpPr>
-            <p:cNvPr id="12" name="Прямая соединительная линия 11"/>
-            <p:cNvCxnSpPr/>
-            <p:nvPr/>
-          </p:nvCxnSpPr>
-          <p:spPr>
-            <a:xfrm rot="16200000" flipV="1">
-              <a:off x="6685888" y="1391257"/>
-              <a:ext cx="125755" cy="427"/>
-            </a:xfrm>
-            <a:prstGeom prst="line">
-              <a:avLst/>
-            </a:prstGeom>
-            <a:noFill/>
-            <a:ln w="25400" cap="rnd" cmpd="sng" algn="ctr">
-              <a:solidFill>
-                <a:srgbClr val="FFFFFF">
-                  <a:alpha val="100000"/>
-                </a:srgbClr>
-              </a:solidFill>
-              <a:prstDash val="solid"/>
-            </a:ln>
-            <a:effectLst/>
-          </p:spPr>
-          <p:style>
-            <a:lnRef idx="2">
-              <a:schemeClr val="accent1"/>
-            </a:lnRef>
-            <a:fillRef idx="0">
-              <a:schemeClr val="accent1"/>
-            </a:fillRef>
-            <a:effectRef idx="1">
-              <a:schemeClr val="accent1"/>
-            </a:effectRef>
-            <a:fontRef idx="minor">
-              <a:schemeClr val="tx1"/>
-            </a:fontRef>
-          </p:style>
-        </p:cxnSp>
-        <p:cxnSp>
-          <p:nvCxnSpPr>
-            <p:cNvPr id="13" name="Прямая соединительная линия 12"/>
-            <p:cNvCxnSpPr/>
-            <p:nvPr/>
-          </p:nvCxnSpPr>
-          <p:spPr>
-            <a:xfrm rot="5400000" flipH="1">
-              <a:off x="6744524" y="1300853"/>
-              <a:ext cx="88509" cy="82296"/>
-            </a:xfrm>
-            <a:prstGeom prst="line">
-              <a:avLst/>
-            </a:prstGeom>
-            <a:noFill/>
-            <a:ln w="25400" cap="rnd" cmpd="sng" algn="ctr">
-              <a:solidFill>
-                <a:srgbClr val="FFFFFF">
-                  <a:alpha val="100000"/>
-                </a:srgbClr>
-              </a:solidFill>
-              <a:prstDash val="solid"/>
-            </a:ln>
-            <a:effectLst/>
-          </p:spPr>
-          <p:style>
-            <a:lnRef idx="2">
-              <a:schemeClr val="accent1"/>
-            </a:lnRef>
-            <a:fillRef idx="0">
-              <a:schemeClr val="accent1"/>
-            </a:fillRef>
-            <a:effectRef idx="1">
-              <a:schemeClr val="accent1"/>
-            </a:effectRef>
-            <a:fontRef idx="minor">
-              <a:schemeClr val="tx1"/>
-            </a:fontRef>
-          </p:style>
-        </p:cxnSp>
-      </p:grpSp>
-      <p:grpSp>
-        <p:nvGrpSpPr>
-          <p:cNvPr id="18" name="Группа 17"/>
-          <p:cNvGrpSpPr/>
-          <p:nvPr/>
-        </p:nvGrpSpPr>
-        <p:grpSpPr>
-          <a:xfrm rot="5400000">
-            <a:off x="8320088" y="1474763"/>
-            <a:ext cx="132763" cy="128466"/>
-            <a:chOff x="6668087" y="1297746"/>
-            <a:chExt cx="161840" cy="156602"/>
-          </a:xfrm>
-        </p:grpSpPr>
-        <p:cxnSp>
-          <p:nvCxnSpPr>
-            <p:cNvPr id="19" name="Прямая соединительная линия 18"/>
-            <p:cNvCxnSpPr/>
-            <p:nvPr/>
-          </p:nvCxnSpPr>
-          <p:spPr>
-            <a:xfrm rot="16200000">
-              <a:off x="6664064" y="1301769"/>
-              <a:ext cx="88509" cy="80463"/>
-            </a:xfrm>
-            <a:prstGeom prst="line">
-              <a:avLst/>
-            </a:prstGeom>
-            <a:noFill/>
-            <a:ln w="25400" cap="rnd" cmpd="sng" algn="ctr">
-              <a:solidFill>
-                <a:srgbClr val="FFFFFF">
-                  <a:alpha val="100000"/>
-                </a:srgbClr>
-              </a:solidFill>
-              <a:prstDash val="solid"/>
-            </a:ln>
-            <a:effectLst/>
-          </p:spPr>
-          <p:style>
-            <a:lnRef idx="2">
-              <a:schemeClr val="accent1"/>
-            </a:lnRef>
-            <a:fillRef idx="0">
-              <a:schemeClr val="accent1"/>
-            </a:fillRef>
-            <a:effectRef idx="1">
-              <a:schemeClr val="accent1"/>
-            </a:effectRef>
-            <a:fontRef idx="minor">
-              <a:schemeClr val="tx1"/>
-            </a:fontRef>
-          </p:style>
-        </p:cxnSp>
-        <p:cxnSp>
-          <p:nvCxnSpPr>
-            <p:cNvPr id="20" name="Прямая соединительная линия 19"/>
-            <p:cNvCxnSpPr/>
-            <p:nvPr/>
-          </p:nvCxnSpPr>
-          <p:spPr>
-            <a:xfrm rot="16200000" flipV="1">
-              <a:off x="6685888" y="1391257"/>
-              <a:ext cx="125755" cy="427"/>
-            </a:xfrm>
-            <a:prstGeom prst="line">
-              <a:avLst/>
-            </a:prstGeom>
-            <a:noFill/>
-            <a:ln w="25400" cap="rnd" cmpd="sng" algn="ctr">
-              <a:solidFill>
-                <a:srgbClr val="FFFFFF">
-                  <a:alpha val="100000"/>
-                </a:srgbClr>
-              </a:solidFill>
-              <a:prstDash val="solid"/>
-            </a:ln>
-            <a:effectLst/>
-          </p:spPr>
-          <p:style>
-            <a:lnRef idx="2">
-              <a:schemeClr val="accent1"/>
-            </a:lnRef>
-            <a:fillRef idx="0">
-              <a:schemeClr val="accent1"/>
-            </a:fillRef>
-            <a:effectRef idx="1">
-              <a:schemeClr val="accent1"/>
-            </a:effectRef>
-            <a:fontRef idx="minor">
-              <a:schemeClr val="tx1"/>
-            </a:fontRef>
-          </p:style>
-        </p:cxnSp>
-        <p:cxnSp>
-          <p:nvCxnSpPr>
-            <p:cNvPr id="21" name="Прямая соединительная линия 20"/>
-            <p:cNvCxnSpPr/>
-            <p:nvPr/>
-          </p:nvCxnSpPr>
-          <p:spPr>
-            <a:xfrm rot="5400000" flipH="1">
-              <a:off x="6744524" y="1300853"/>
-              <a:ext cx="88509" cy="82296"/>
-            </a:xfrm>
-            <a:prstGeom prst="line">
-              <a:avLst/>
-            </a:prstGeom>
-            <a:noFill/>
-            <a:ln w="25400" cap="rnd" cmpd="sng" algn="ctr">
-              <a:solidFill>
-                <a:srgbClr val="FFFFFF">
-                  <a:alpha val="100000"/>
-                </a:srgbClr>
-              </a:solidFill>
-              <a:prstDash val="solid"/>
-            </a:ln>
-            <a:effectLst/>
-          </p:spPr>
-          <p:style>
-            <a:lnRef idx="2">
-              <a:schemeClr val="accent1"/>
-            </a:lnRef>
-            <a:fillRef idx="0">
-              <a:schemeClr val="accent1"/>
-            </a:fillRef>
-            <a:effectRef idx="1">
-              <a:schemeClr val="accent1"/>
-            </a:effectRef>
-            <a:fontRef idx="minor">
-              <a:schemeClr val="tx1"/>
-            </a:fontRef>
-          </p:style>
-        </p:cxnSp>
-      </p:grpSp>
       <p:sp>
         <p:nvSpPr>
           <p:cNvPr id="5" name="Дата 4"/>
@@ -5824,22 +2916,15 @@
             <p:ph type="dt" sz="half" idx="10"/>
           </p:nvPr>
         </p:nvSpPr>
-        <p:spPr>
-          <a:xfrm>
-            <a:off x="6477000" y="55499"/>
-            <a:ext cx="2133600" cy="365125"/>
-          </a:xfrm>
-        </p:spPr>
+        <p:spPr/>
         <p:txBody>
           <a:bodyPr/>
-          <a:lstStyle>
-            <a:extLst/>
-          </a:lstStyle>
+          <a:lstStyle/>
           <a:p>
             <a:fld id="{22A2C5FB-1910-420D-990B-35B474D83D19}" type="datetime1">
               <a:rPr lang="ru-RU" smtClean="0"/>
               <a:pPr/>
-              <a:t>10.05.2012</a:t>
+              <a:t>11.05.2012</a:t>
             </a:fld>
             <a:endParaRPr lang="ru-RU"/>
           </a:p>
@@ -5855,17 +2940,10 @@
             <p:ph type="ftr" sz="quarter" idx="11"/>
           </p:nvPr>
         </p:nvSpPr>
-        <p:spPr>
-          <a:xfrm>
-            <a:off x="914400" y="55499"/>
-            <a:ext cx="5562600" cy="365125"/>
-          </a:xfrm>
-        </p:spPr>
+        <p:spPr/>
         <p:txBody>
           <a:bodyPr/>
-          <a:lstStyle>
-            <a:extLst/>
-          </a:lstStyle>
+          <a:lstStyle/>
           <a:p>
             <a:endParaRPr lang="ru-RU"/>
           </a:p>
@@ -5881,17 +2959,10 @@
             <p:ph type="sldNum" sz="quarter" idx="12"/>
           </p:nvPr>
         </p:nvSpPr>
-        <p:spPr>
-          <a:xfrm>
-            <a:off x="8610600" y="55499"/>
-            <a:ext cx="457200" cy="365125"/>
-          </a:xfrm>
-        </p:spPr>
+        <p:spPr/>
         <p:txBody>
           <a:bodyPr/>
-          <a:lstStyle>
-            <a:extLst/>
-          </a:lstStyle>
+          <a:lstStyle/>
           <a:p>
             <a:fld id="{725C68B6-61C2-468F-89AB-4B9F7531AA68}" type="slidenum">
               <a:rPr lang="ru-RU" smtClean="0"/>
@@ -5914,9 +2985,18 @@
 <p:sldMaster xmlns:a="http://schemas.openxmlformats.org/drawingml/2006/main" xmlns:r="http://schemas.openxmlformats.org/officeDocument/2006/relationships" xmlns:p="http://schemas.openxmlformats.org/presentationml/2006/main">
   <p:cSld>
     <p:bg>
-      <p:bgRef idx="1002">
-        <a:schemeClr val="bg2"/>
-      </p:bgRef>
+      <p:bgPr>
+        <a:blipFill dpi="0" rotWithShape="1">
+          <a:blip r:embed="rId13" cstate="print">
+            <a:lum/>
+          </a:blip>
+          <a:srcRect/>
+          <a:stretch>
+            <a:fillRect t="-1000" b="-1000"/>
+          </a:stretch>
+        </a:blipFill>
+        <a:effectLst/>
+      </p:bgPr>
     </p:bg>
     <p:spTree>
       <p:nvGrpSpPr>
@@ -5934,490 +3014,40 @@
       </p:grpSpPr>
       <p:sp>
         <p:nvSpPr>
-          <p:cNvPr id="7" name="Прямоугольник 6"/>
-          <p:cNvSpPr/>
-          <p:nvPr/>
+          <p:cNvPr id="2" name="Заголовок 1"/>
+          <p:cNvSpPr>
+            <a:spLocks noGrp="1"/>
+          </p:cNvSpPr>
+          <p:nvPr>
+            <p:ph type="title"/>
+          </p:nvPr>
         </p:nvSpPr>
         <p:spPr>
           <a:xfrm>
-            <a:off x="0" y="-1"/>
-            <a:ext cx="365760" cy="6854456"/>
-          </a:xfrm>
-          <a:prstGeom prst="rect">
-            <a:avLst/>
-          </a:prstGeom>
-          <a:solidFill>
-            <a:srgbClr val="FFFFFF">
-              <a:alpha val="100000"/>
-            </a:srgbClr>
-          </a:solidFill>
-          <a:ln w="50800" cap="rnd" cmpd="dbl" algn="ctr">
-            <a:noFill/>
-            <a:prstDash val="solid"/>
-          </a:ln>
-          <a:effectLst/>
-        </p:spPr>
-        <p:style>
-          <a:lnRef idx="3">
-            <a:schemeClr val="lt1"/>
-          </a:lnRef>
-          <a:fillRef idx="1">
-            <a:schemeClr val="accent1"/>
-          </a:fillRef>
-          <a:effectRef idx="1">
-            <a:schemeClr val="accent1"/>
-          </a:effectRef>
-          <a:fontRef idx="minor">
-            <a:schemeClr val="lt1"/>
-          </a:fontRef>
-        </p:style>
-        <p:txBody>
-          <a:bodyPr anchor="ctr"/>
-          <a:lstStyle>
-            <a:extLst/>
-          </a:lstStyle>
-          <a:p>
-            <a:pPr algn="ctr" eaLnBrk="1" latinLnBrk="0" hangingPunct="1"/>
-            <a:endParaRPr kumimoji="0" lang="en-US"/>
-          </a:p>
-        </p:txBody>
-      </p:sp>
-      <p:sp>
-        <p:nvSpPr>
-          <p:cNvPr id="8" name="Прямоугольник 7"/>
-          <p:cNvSpPr/>
-          <p:nvPr/>
-        </p:nvSpPr>
-        <p:spPr>
-          <a:xfrm>
-            <a:off x="255291" y="5047394"/>
-            <a:ext cx="73152" cy="1691640"/>
-          </a:xfrm>
-          <a:prstGeom prst="rect">
-            <a:avLst/>
-          </a:prstGeom>
-          <a:solidFill>
-            <a:schemeClr val="accent2">
-              <a:alpha val="100000"/>
-            </a:schemeClr>
-          </a:solidFill>
-          <a:ln w="50800" cap="rnd" cmpd="dbl" algn="ctr">
-            <a:noFill/>
-            <a:prstDash val="solid"/>
-          </a:ln>
-          <a:effectLst/>
-        </p:spPr>
-        <p:style>
-          <a:lnRef idx="3">
-            <a:schemeClr val="lt1"/>
-          </a:lnRef>
-          <a:fillRef idx="1">
-            <a:schemeClr val="accent1"/>
-          </a:fillRef>
-          <a:effectRef idx="1">
-            <a:schemeClr val="accent1"/>
-          </a:effectRef>
-          <a:fontRef idx="minor">
-            <a:schemeClr val="lt1"/>
-          </a:fontRef>
-        </p:style>
-        <p:txBody>
-          <a:bodyPr anchor="ctr"/>
-          <a:lstStyle>
-            <a:extLst/>
-          </a:lstStyle>
-          <a:p>
-            <a:pPr algn="ctr" eaLnBrk="1" latinLnBrk="0" hangingPunct="1"/>
-            <a:endParaRPr kumimoji="0" lang="en-US"/>
-          </a:p>
-        </p:txBody>
-      </p:sp>
-      <p:sp>
-        <p:nvSpPr>
-          <p:cNvPr id="9" name="Прямоугольник 8"/>
-          <p:cNvSpPr/>
-          <p:nvPr/>
-        </p:nvSpPr>
-        <p:spPr>
-          <a:xfrm>
-            <a:off x="255291" y="4796819"/>
-            <a:ext cx="73152" cy="228600"/>
-          </a:xfrm>
-          <a:prstGeom prst="rect">
-            <a:avLst/>
-          </a:prstGeom>
-          <a:solidFill>
-            <a:schemeClr val="accent3">
-              <a:alpha val="100000"/>
-            </a:schemeClr>
-          </a:solidFill>
-          <a:ln w="50800" cap="rnd" cmpd="dbl" algn="ctr">
-            <a:noFill/>
-            <a:prstDash val="solid"/>
-          </a:ln>
-          <a:effectLst/>
-        </p:spPr>
-        <p:style>
-          <a:lnRef idx="3">
-            <a:schemeClr val="lt1"/>
-          </a:lnRef>
-          <a:fillRef idx="1">
-            <a:schemeClr val="accent1"/>
-          </a:fillRef>
-          <a:effectRef idx="1">
-            <a:schemeClr val="accent1"/>
-          </a:effectRef>
-          <a:fontRef idx="minor">
-            <a:schemeClr val="lt1"/>
-          </a:fontRef>
-        </p:style>
-        <p:txBody>
-          <a:bodyPr anchor="ctr"/>
-          <a:lstStyle>
-            <a:extLst/>
-          </a:lstStyle>
-          <a:p>
-            <a:pPr algn="ctr" eaLnBrk="1" latinLnBrk="0" hangingPunct="1"/>
-            <a:endParaRPr kumimoji="0" lang="en-US"/>
-          </a:p>
-        </p:txBody>
-      </p:sp>
-      <p:sp>
-        <p:nvSpPr>
-          <p:cNvPr id="10" name="Прямоугольник 9"/>
-          <p:cNvSpPr/>
-          <p:nvPr/>
-        </p:nvSpPr>
-        <p:spPr>
-          <a:xfrm>
-            <a:off x="255291" y="4637685"/>
-            <a:ext cx="73152" cy="137160"/>
-          </a:xfrm>
-          <a:prstGeom prst="rect">
-            <a:avLst/>
-          </a:prstGeom>
-          <a:solidFill>
-            <a:schemeClr val="bg2"/>
-          </a:solidFill>
-          <a:ln w="50800" cap="rnd" cmpd="dbl" algn="ctr">
-            <a:noFill/>
-            <a:prstDash val="solid"/>
-          </a:ln>
-          <a:effectLst/>
-        </p:spPr>
-        <p:style>
-          <a:lnRef idx="3">
-            <a:schemeClr val="lt1"/>
-          </a:lnRef>
-          <a:fillRef idx="1">
-            <a:schemeClr val="accent1"/>
-          </a:fillRef>
-          <a:effectRef idx="1">
-            <a:schemeClr val="accent1"/>
-          </a:effectRef>
-          <a:fontRef idx="minor">
-            <a:schemeClr val="lt1"/>
-          </a:fontRef>
-        </p:style>
-        <p:txBody>
-          <a:bodyPr anchor="ctr"/>
-          <a:lstStyle>
-            <a:extLst/>
-          </a:lstStyle>
-          <a:p>
-            <a:pPr algn="ctr" eaLnBrk="1" latinLnBrk="0" hangingPunct="1"/>
-            <a:endParaRPr kumimoji="0" lang="en-US"/>
-          </a:p>
-        </p:txBody>
-      </p:sp>
-      <p:sp>
-        <p:nvSpPr>
-          <p:cNvPr id="11" name="Прямоугольник 10"/>
-          <p:cNvSpPr/>
-          <p:nvPr/>
-        </p:nvSpPr>
-        <p:spPr>
-          <a:xfrm>
-            <a:off x="255291" y="4542559"/>
-            <a:ext cx="73152" cy="73152"/>
-          </a:xfrm>
-          <a:prstGeom prst="rect">
-            <a:avLst/>
-          </a:prstGeom>
-          <a:solidFill>
-            <a:schemeClr val="accent2">
-              <a:alpha val="100000"/>
-            </a:schemeClr>
-          </a:solidFill>
-          <a:ln w="50800" cap="rnd" cmpd="dbl" algn="ctr">
-            <a:noFill/>
-            <a:prstDash val="solid"/>
-          </a:ln>
-          <a:effectLst/>
-        </p:spPr>
-        <p:style>
-          <a:lnRef idx="3">
-            <a:schemeClr val="lt1"/>
-          </a:lnRef>
-          <a:fillRef idx="1">
-            <a:schemeClr val="accent1"/>
-          </a:fillRef>
-          <a:effectRef idx="1">
-            <a:schemeClr val="accent1"/>
-          </a:effectRef>
-          <a:fontRef idx="minor">
-            <a:schemeClr val="lt1"/>
-          </a:fontRef>
-        </p:style>
-        <p:txBody>
-          <a:bodyPr anchor="ctr"/>
-          <a:lstStyle>
-            <a:extLst/>
-          </a:lstStyle>
-          <a:p>
-            <a:pPr algn="ctr" eaLnBrk="1" latinLnBrk="0" hangingPunct="1"/>
-            <a:endParaRPr kumimoji="0" lang="en-US" dirty="0"/>
-          </a:p>
-        </p:txBody>
-      </p:sp>
-      <p:sp>
-        <p:nvSpPr>
-          <p:cNvPr id="12" name="Прямоугольник 11"/>
-          <p:cNvSpPr/>
-          <p:nvPr/>
-        </p:nvSpPr>
-        <p:spPr>
-          <a:xfrm>
-            <a:off x="309558" y="680477"/>
-            <a:ext cx="45720" cy="365760"/>
-          </a:xfrm>
-          <a:prstGeom prst="rect">
-            <a:avLst/>
-          </a:prstGeom>
-          <a:solidFill>
-            <a:srgbClr val="000000">
-              <a:alpha val="100000"/>
-            </a:srgbClr>
-          </a:solidFill>
-          <a:ln w="50800" cap="rnd" cmpd="thickThin" algn="ctr">
-            <a:noFill/>
-            <a:prstDash val="solid"/>
-          </a:ln>
-          <a:effectLst/>
-        </p:spPr>
-        <p:style>
-          <a:lnRef idx="3">
-            <a:schemeClr val="lt1"/>
-          </a:lnRef>
-          <a:fillRef idx="1">
-            <a:schemeClr val="accent1"/>
-          </a:fillRef>
-          <a:effectRef idx="1">
-            <a:schemeClr val="accent1"/>
-          </a:effectRef>
-          <a:fontRef idx="minor">
-            <a:schemeClr val="lt1"/>
-          </a:fontRef>
-        </p:style>
-        <p:txBody>
-          <a:bodyPr anchor="ctr"/>
-          <a:lstStyle>
-            <a:extLst/>
-          </a:lstStyle>
-          <a:p>
-            <a:pPr algn="ctr" eaLnBrk="1" latinLnBrk="0" hangingPunct="1"/>
-            <a:endParaRPr kumimoji="0" lang="en-US" dirty="0"/>
-          </a:p>
-        </p:txBody>
-      </p:sp>
-      <p:sp>
-        <p:nvSpPr>
-          <p:cNvPr id="15" name="Прямоугольник 14"/>
-          <p:cNvSpPr/>
-          <p:nvPr/>
-        </p:nvSpPr>
-        <p:spPr>
-          <a:xfrm>
-            <a:off x="269073" y="680477"/>
-            <a:ext cx="27432" cy="365760"/>
-          </a:xfrm>
-          <a:prstGeom prst="rect">
-            <a:avLst/>
-          </a:prstGeom>
-          <a:solidFill>
-            <a:srgbClr val="000000">
-              <a:alpha val="100000"/>
-            </a:srgbClr>
-          </a:solidFill>
-          <a:ln w="50800" cap="rnd" cmpd="thickThin" algn="ctr">
-            <a:noFill/>
-            <a:prstDash val="solid"/>
-          </a:ln>
-          <a:effectLst/>
-        </p:spPr>
-        <p:style>
-          <a:lnRef idx="3">
-            <a:schemeClr val="lt1"/>
-          </a:lnRef>
-          <a:fillRef idx="1">
-            <a:schemeClr val="accent1"/>
-          </a:fillRef>
-          <a:effectRef idx="1">
-            <a:schemeClr val="accent1"/>
-          </a:effectRef>
-          <a:fontRef idx="minor">
-            <a:schemeClr val="lt1"/>
-          </a:fontRef>
-        </p:style>
-        <p:txBody>
-          <a:bodyPr anchor="ctr"/>
-          <a:lstStyle>
-            <a:extLst/>
-          </a:lstStyle>
-          <a:p>
-            <a:pPr algn="ctr" eaLnBrk="1" latinLnBrk="0" hangingPunct="1"/>
-            <a:endParaRPr kumimoji="0" lang="en-US" dirty="0"/>
-          </a:p>
-        </p:txBody>
-      </p:sp>
-      <p:sp>
-        <p:nvSpPr>
-          <p:cNvPr id="16" name="Прямоугольник 15"/>
-          <p:cNvSpPr/>
-          <p:nvPr/>
-        </p:nvSpPr>
-        <p:spPr>
-          <a:xfrm>
-            <a:off x="250020" y="680477"/>
-            <a:ext cx="9144" cy="365760"/>
-          </a:xfrm>
-          <a:prstGeom prst="rect">
-            <a:avLst/>
-          </a:prstGeom>
-          <a:solidFill>
-            <a:srgbClr val="000000">
-              <a:alpha val="100000"/>
-            </a:srgbClr>
-          </a:solidFill>
-          <a:ln w="50800" cap="rnd" cmpd="thickThin" algn="ctr">
-            <a:noFill/>
-            <a:prstDash val="solid"/>
-          </a:ln>
-          <a:effectLst/>
-        </p:spPr>
-        <p:style>
-          <a:lnRef idx="3">
-            <a:schemeClr val="lt1"/>
-          </a:lnRef>
-          <a:fillRef idx="1">
-            <a:schemeClr val="accent1"/>
-          </a:fillRef>
-          <a:effectRef idx="1">
-            <a:schemeClr val="accent1"/>
-          </a:effectRef>
-          <a:fontRef idx="minor">
-            <a:schemeClr val="lt1"/>
-          </a:fontRef>
-        </p:style>
-        <p:txBody>
-          <a:bodyPr anchor="ctr"/>
-          <a:lstStyle>
-            <a:extLst/>
-          </a:lstStyle>
-          <a:p>
-            <a:pPr algn="ctr" eaLnBrk="1" latinLnBrk="0" hangingPunct="1"/>
-            <a:endParaRPr kumimoji="0" lang="en-US"/>
-          </a:p>
-        </p:txBody>
-      </p:sp>
-      <p:sp>
-        <p:nvSpPr>
-          <p:cNvPr id="17" name="Прямоугольник 16"/>
-          <p:cNvSpPr/>
-          <p:nvPr/>
-        </p:nvSpPr>
-        <p:spPr>
-          <a:xfrm>
-            <a:off x="221768" y="680477"/>
-            <a:ext cx="9144" cy="365760"/>
-          </a:xfrm>
-          <a:prstGeom prst="rect">
-            <a:avLst/>
-          </a:prstGeom>
-          <a:solidFill>
-            <a:srgbClr val="000000">
-              <a:alpha val="100000"/>
-            </a:srgbClr>
-          </a:solidFill>
-          <a:ln w="50800" cap="rnd" cmpd="thickThin" algn="ctr">
-            <a:noFill/>
-            <a:prstDash val="solid"/>
-          </a:ln>
-          <a:effectLst/>
-        </p:spPr>
-        <p:style>
-          <a:lnRef idx="3">
-            <a:schemeClr val="lt1"/>
-          </a:lnRef>
-          <a:fillRef idx="1">
-            <a:schemeClr val="accent1"/>
-          </a:fillRef>
-          <a:effectRef idx="1">
-            <a:schemeClr val="accent1"/>
-          </a:effectRef>
-          <a:fontRef idx="minor">
-            <a:schemeClr val="lt1"/>
-          </a:fontRef>
-        </p:style>
-        <p:txBody>
-          <a:bodyPr anchor="ctr"/>
-          <a:lstStyle>
-            <a:extLst/>
-          </a:lstStyle>
-          <a:p>
-            <a:pPr algn="ctr" eaLnBrk="1" latinLnBrk="0" hangingPunct="1"/>
-            <a:endParaRPr kumimoji="0" lang="en-US" dirty="0"/>
-          </a:p>
-        </p:txBody>
-      </p:sp>
-      <p:sp>
-        <p:nvSpPr>
-          <p:cNvPr id="22" name="Заголовок 21"/>
-          <p:cNvSpPr>
-            <a:spLocks noGrp="1"/>
-          </p:cNvSpPr>
-          <p:nvPr>
-            <p:ph type="title"/>
-          </p:nvPr>
-        </p:nvSpPr>
-        <p:spPr>
-          <a:xfrm>
-            <a:off x="914400" y="512064"/>
-            <a:ext cx="7772400" cy="914400"/>
+            <a:off x="457200" y="274638"/>
+            <a:ext cx="8229600" cy="1143000"/>
           </a:xfrm>
           <a:prstGeom prst="rect">
             <a:avLst/>
           </a:prstGeom>
         </p:spPr>
         <p:txBody>
-          <a:bodyPr vert="horz" anchor="t">
-            <a:noAutofit/>
+          <a:bodyPr vert="horz" lIns="91440" tIns="45720" rIns="91440" bIns="45720" rtlCol="0" anchor="ctr">
+            <a:normAutofit/>
           </a:bodyPr>
-          <a:lstStyle>
-            <a:extLst/>
-          </a:lstStyle>
-          <a:p>
-            <a:r>
-              <a:rPr kumimoji="0" lang="ru-RU" smtClean="0"/>
+          <a:lstStyle/>
+          <a:p>
+            <a:r>
+              <a:rPr lang="ru-RU" smtClean="0"/>
               <a:t>Образец заголовка</a:t>
             </a:r>
-            <a:endParaRPr kumimoji="0" lang="en-US"/>
-          </a:p>
-        </p:txBody>
-      </p:sp>
-      <p:sp>
-        <p:nvSpPr>
-          <p:cNvPr id="13" name="Текст 12"/>
+            <a:endParaRPr lang="ru-RU"/>
+          </a:p>
+        </p:txBody>
+      </p:sp>
+      <p:sp>
+        <p:nvSpPr>
+          <p:cNvPr id="3" name="Текст 2"/>
           <p:cNvSpPr>
             <a:spLocks noGrp="1"/>
           </p:cNvSpPr>
@@ -6427,61 +3057,59 @@
         </p:nvSpPr>
         <p:spPr>
           <a:xfrm>
-            <a:off x="914400" y="1783560"/>
-            <a:ext cx="7772400" cy="4572000"/>
+            <a:off x="457200" y="1600200"/>
+            <a:ext cx="8229600" cy="4525963"/>
           </a:xfrm>
           <a:prstGeom prst="rect">
             <a:avLst/>
           </a:prstGeom>
         </p:spPr>
         <p:txBody>
-          <a:bodyPr vert="horz">
+          <a:bodyPr vert="horz" lIns="91440" tIns="45720" rIns="91440" bIns="45720" rtlCol="0">
             <a:normAutofit/>
           </a:bodyPr>
-          <a:lstStyle>
-            <a:extLst/>
-          </a:lstStyle>
-          <a:p>
-            <a:pPr lvl="0" eaLnBrk="1" latinLnBrk="0" hangingPunct="1"/>
-            <a:r>
-              <a:rPr kumimoji="0" lang="ru-RU" smtClean="0"/>
+          <a:lstStyle/>
+          <a:p>
+            <a:pPr lvl="0"/>
+            <a:r>
+              <a:rPr lang="ru-RU" smtClean="0"/>
               <a:t>Образец текста</a:t>
             </a:r>
           </a:p>
           <a:p>
-            <a:pPr lvl="1" eaLnBrk="1" latinLnBrk="0" hangingPunct="1"/>
-            <a:r>
-              <a:rPr kumimoji="0" lang="ru-RU" smtClean="0"/>
+            <a:pPr lvl="1"/>
+            <a:r>
+              <a:rPr lang="ru-RU" smtClean="0"/>
               <a:t>Второй уровень</a:t>
             </a:r>
           </a:p>
           <a:p>
-            <a:pPr lvl="2" eaLnBrk="1" latinLnBrk="0" hangingPunct="1"/>
-            <a:r>
-              <a:rPr kumimoji="0" lang="ru-RU" smtClean="0"/>
+            <a:pPr lvl="2"/>
+            <a:r>
+              <a:rPr lang="ru-RU" smtClean="0"/>
               <a:t>Третий уровень</a:t>
             </a:r>
           </a:p>
           <a:p>
-            <a:pPr lvl="3" eaLnBrk="1" latinLnBrk="0" hangingPunct="1"/>
-            <a:r>
-              <a:rPr kumimoji="0" lang="ru-RU" smtClean="0"/>
+            <a:pPr lvl="3"/>
+            <a:r>
+              <a:rPr lang="ru-RU" smtClean="0"/>
               <a:t>Четвертый уровень</a:t>
             </a:r>
           </a:p>
           <a:p>
-            <a:pPr lvl="4" eaLnBrk="1" latinLnBrk="0" hangingPunct="1"/>
-            <a:r>
-              <a:rPr kumimoji="0" lang="ru-RU" smtClean="0"/>
+            <a:pPr lvl="4"/>
+            <a:r>
+              <a:rPr lang="ru-RU" smtClean="0"/>
               <a:t>Пятый уровень</a:t>
             </a:r>
-            <a:endParaRPr kumimoji="0" lang="en-US"/>
-          </a:p>
-        </p:txBody>
-      </p:sp>
-      <p:sp>
-        <p:nvSpPr>
-          <p:cNvPr id="14" name="Дата 13"/>
+            <a:endParaRPr lang="ru-RU"/>
+          </a:p>
+        </p:txBody>
+      </p:sp>
+      <p:sp>
+        <p:nvSpPr>
+          <p:cNvPr id="4" name="Дата 3"/>
           <p:cNvSpPr>
             <a:spLocks noGrp="1"/>
           </p:cNvSpPr>
@@ -6491,7 +3119,7 @@
         </p:nvSpPr>
         <p:spPr>
           <a:xfrm>
-            <a:off x="6477000" y="6416675"/>
+            <a:off x="457200" y="6356350"/>
             <a:ext cx="2133600" cy="365125"/>
           </a:xfrm>
           <a:prstGeom prst="rect">
@@ -6499,22 +3127,23 @@
           </a:prstGeom>
         </p:spPr>
         <p:txBody>
-          <a:bodyPr vert="horz" anchor="b"/>
+          <a:bodyPr vert="horz" lIns="91440" tIns="45720" rIns="91440" bIns="45720" rtlCol="0" anchor="ctr"/>
           <a:lstStyle>
-            <a:lvl1pPr algn="l" eaLnBrk="1" latinLnBrk="0" hangingPunct="1">
-              <a:defRPr kumimoji="0" sz="1100">
-                <a:solidFill>
-                  <a:schemeClr val="tx2"/>
+            <a:lvl1pPr algn="l">
+              <a:defRPr sz="1200">
+                <a:solidFill>
+                  <a:schemeClr val="tx1">
+                    <a:tint val="75000"/>
+                  </a:schemeClr>
                 </a:solidFill>
               </a:defRPr>
             </a:lvl1pPr>
-            <a:extLst/>
           </a:lstStyle>
           <a:p>
             <a:fld id="{AAE38AD9-EAA4-4E7E-B4CD-EC1C807156F4}" type="datetime1">
               <a:rPr lang="ru-RU" smtClean="0"/>
               <a:pPr/>
-              <a:t>10.05.2012</a:t>
+              <a:t>11.05.2012</a:t>
             </a:fld>
             <a:endParaRPr lang="ru-RU"/>
           </a:p>
@@ -6522,7 +3151,7 @@
       </p:sp>
       <p:sp>
         <p:nvSpPr>
-          <p:cNvPr id="3" name="Нижний колонтитул 2"/>
+          <p:cNvPr id="5" name="Нижний колонтитул 4"/>
           <p:cNvSpPr>
             <a:spLocks noGrp="1"/>
           </p:cNvSpPr>
@@ -6532,24 +3161,25 @@
         </p:nvSpPr>
         <p:spPr>
           <a:xfrm>
-            <a:off x="914400" y="6416675"/>
-            <a:ext cx="5562600" cy="365125"/>
+            <a:off x="3124200" y="6356350"/>
+            <a:ext cx="2895600" cy="365125"/>
           </a:xfrm>
           <a:prstGeom prst="rect">
             <a:avLst/>
           </a:prstGeom>
         </p:spPr>
         <p:txBody>
-          <a:bodyPr vert="horz" anchor="b"/>
+          <a:bodyPr vert="horz" lIns="91440" tIns="45720" rIns="91440" bIns="45720" rtlCol="0" anchor="ctr"/>
           <a:lstStyle>
-            <a:lvl1pPr algn="r" eaLnBrk="1" latinLnBrk="0" hangingPunct="1">
-              <a:defRPr kumimoji="0" sz="1100">
-                <a:solidFill>
-                  <a:schemeClr val="tx2"/>
+            <a:lvl1pPr algn="ctr">
+              <a:defRPr sz="1200">
+                <a:solidFill>
+                  <a:schemeClr val="tx1">
+                    <a:tint val="75000"/>
+                  </a:schemeClr>
                 </a:solidFill>
               </a:defRPr>
             </a:lvl1pPr>
-            <a:extLst/>
           </a:lstStyle>
           <a:p>
             <a:endParaRPr lang="ru-RU"/>
@@ -6558,7 +3188,7 @@
       </p:sp>
       <p:sp>
         <p:nvSpPr>
-          <p:cNvPr id="23" name="Номер слайда 22"/>
+          <p:cNvPr id="6" name="Номер слайда 5"/>
           <p:cNvSpPr>
             <a:spLocks noGrp="1"/>
           </p:cNvSpPr>
@@ -6568,24 +3198,25 @@
         </p:nvSpPr>
         <p:spPr>
           <a:xfrm>
-            <a:off x="8610600" y="6416675"/>
-            <a:ext cx="457200" cy="365125"/>
+            <a:off x="6553200" y="6356350"/>
+            <a:ext cx="2133600" cy="365125"/>
           </a:xfrm>
           <a:prstGeom prst="rect">
             <a:avLst/>
           </a:prstGeom>
         </p:spPr>
         <p:txBody>
-          <a:bodyPr vert="horz" anchor="b"/>
+          <a:bodyPr vert="horz" lIns="91440" tIns="45720" rIns="91440" bIns="45720" rtlCol="0" anchor="ctr"/>
           <a:lstStyle>
-            <a:lvl1pPr algn="l" eaLnBrk="1" latinLnBrk="0" hangingPunct="1">
-              <a:defRPr kumimoji="0" sz="1200">
-                <a:solidFill>
-                  <a:schemeClr val="tx2"/>
+            <a:lvl1pPr algn="r">
+              <a:defRPr sz="1200">
+                <a:solidFill>
+                  <a:schemeClr val="tx1">
+                    <a:tint val="75000"/>
+                  </a:schemeClr>
                 </a:solidFill>
               </a:defRPr>
             </a:lvl1pPr>
-            <a:extLst/>
           </a:lstStyle>
           <a:p>
             <a:fld id="{725C68B6-61C2-468F-89AB-4B9F7531AA68}" type="slidenum">
@@ -6599,53 +3230,46 @@
       </p:sp>
     </p:spTree>
   </p:cSld>
-  <p:clrMap bg1="dk1" tx1="lt1" bg2="dk2" tx2="lt2" accent1="accent1" accent2="accent2" accent3="accent3" accent4="accent4" accent5="accent5" accent6="accent6" hlink="hlink" folHlink="folHlink"/>
+  <p:clrMap bg1="lt1" tx1="dk1" bg2="lt2" tx2="dk2" accent1="accent1" accent2="accent2" accent3="accent3" accent4="accent4" accent5="accent5" accent6="accent6" hlink="hlink" folHlink="folHlink"/>
   <p:sldLayoutIdLst>
-    <p:sldLayoutId id="2147483793" r:id="rId1"/>
-    <p:sldLayoutId id="2147483794" r:id="rId2"/>
-    <p:sldLayoutId id="2147483795" r:id="rId3"/>
-    <p:sldLayoutId id="2147483796" r:id="rId4"/>
-    <p:sldLayoutId id="2147483797" r:id="rId5"/>
-    <p:sldLayoutId id="2147483798" r:id="rId6"/>
-    <p:sldLayoutId id="2147483799" r:id="rId7"/>
-    <p:sldLayoutId id="2147483800" r:id="rId8"/>
-    <p:sldLayoutId id="2147483801" r:id="rId9"/>
-    <p:sldLayoutId id="2147483802" r:id="rId10"/>
-    <p:sldLayoutId id="2147483803" r:id="rId11"/>
+    <p:sldLayoutId id="2147483817" r:id="rId1"/>
+    <p:sldLayoutId id="2147483818" r:id="rId2"/>
+    <p:sldLayoutId id="2147483819" r:id="rId3"/>
+    <p:sldLayoutId id="2147483820" r:id="rId4"/>
+    <p:sldLayoutId id="2147483821" r:id="rId5"/>
+    <p:sldLayoutId id="2147483822" r:id="rId6"/>
+    <p:sldLayoutId id="2147483823" r:id="rId7"/>
+    <p:sldLayoutId id="2147483824" r:id="rId8"/>
+    <p:sldLayoutId id="2147483825" r:id="rId9"/>
+    <p:sldLayoutId id="2147483826" r:id="rId10"/>
+    <p:sldLayoutId id="2147483827" r:id="rId11"/>
   </p:sldLayoutIdLst>
   <p:hf hdr="0" ftr="0" dt="0"/>
   <p:txStyles>
     <p:titleStyle>
-      <a:lvl1pPr algn="l" rtl="0" eaLnBrk="1" latinLnBrk="0" hangingPunct="1">
+      <a:lvl1pPr algn="ctr" defTabSz="914400" rtl="0" eaLnBrk="1" latinLnBrk="0" hangingPunct="1">
         <a:spcBef>
           <a:spcPct val="0"/>
         </a:spcBef>
         <a:buNone/>
-        <a:defRPr kumimoji="0" sz="4000" kern="1200" spc="-100" baseline="0">
+        <a:defRPr sz="4400" kern="1200">
           <a:solidFill>
-            <a:schemeClr val="tx2">
-              <a:satMod val="200000"/>
-            </a:schemeClr>
+            <a:schemeClr val="tx1"/>
           </a:solidFill>
           <a:latin typeface="+mj-lt"/>
           <a:ea typeface="+mj-ea"/>
           <a:cs typeface="+mj-cs"/>
         </a:defRPr>
       </a:lvl1pPr>
-      <a:extLst/>
     </p:titleStyle>
     <p:bodyStyle>
-      <a:lvl1pPr marL="411480" indent="-342900" algn="l" rtl="0" eaLnBrk="1" latinLnBrk="0" hangingPunct="1">
+      <a:lvl1pPr marL="342900" indent="-342900" algn="l" defTabSz="914400" rtl="0" eaLnBrk="1" latinLnBrk="0" hangingPunct="1">
         <a:spcBef>
-          <a:spcPts val="700"/>
+          <a:spcPct val="20000"/>
         </a:spcBef>
-        <a:buClr>
-          <a:schemeClr val="tx2"/>
-        </a:buClr>
-        <a:buSzPct val="95000"/>
-        <a:buFont typeface="Wingdings"/>
-        <a:buChar char=""/>
-        <a:defRPr kumimoji="0" sz="3000" kern="1200">
+        <a:buFont typeface="Arial" pitchFamily="34" charset="0"/>
+        <a:buChar char="•"/>
+        <a:defRPr sz="3200" kern="1200">
           <a:solidFill>
             <a:schemeClr val="tx1"/>
           </a:solidFill>
@@ -6654,17 +3278,13 @@
           <a:cs typeface="+mn-cs"/>
         </a:defRPr>
       </a:lvl1pPr>
-      <a:lvl2pPr marL="740664" indent="-285750" algn="l" rtl="0" eaLnBrk="1" latinLnBrk="0" hangingPunct="1">
+      <a:lvl2pPr marL="742950" indent="-285750" algn="l" defTabSz="914400" rtl="0" eaLnBrk="1" latinLnBrk="0" hangingPunct="1">
         <a:spcBef>
           <a:spcPct val="20000"/>
         </a:spcBef>
-        <a:buClr>
-          <a:schemeClr val="accent2"/>
-        </a:buClr>
-        <a:buSzPct val="90000"/>
-        <a:buFont typeface="Wingdings"/>
-        <a:buChar char=""/>
-        <a:defRPr kumimoji="0" sz="2600" kern="1200">
+        <a:buFont typeface="Arial" pitchFamily="34" charset="0"/>
+        <a:buChar char="–"/>
+        <a:defRPr sz="2800" kern="1200">
           <a:solidFill>
             <a:schemeClr val="tx1"/>
           </a:solidFill>
@@ -6673,16 +3293,13 @@
           <a:cs typeface="+mn-cs"/>
         </a:defRPr>
       </a:lvl2pPr>
-      <a:lvl3pPr marL="996696" indent="-228600" algn="l" rtl="0" eaLnBrk="1" latinLnBrk="0" hangingPunct="1">
+      <a:lvl3pPr marL="1143000" indent="-228600" algn="l" defTabSz="914400" rtl="0" eaLnBrk="1" latinLnBrk="0" hangingPunct="1">
         <a:spcBef>
           <a:spcPct val="20000"/>
         </a:spcBef>
-        <a:buClr>
-          <a:schemeClr val="accent2"/>
-        </a:buClr>
-        <a:buFont typeface="Wingdings 2"/>
-        <a:buChar char=""/>
-        <a:defRPr kumimoji="0" sz="2400" kern="1200">
+        <a:buFont typeface="Arial" pitchFamily="34" charset="0"/>
+        <a:buChar char="•"/>
+        <a:defRPr sz="2400" kern="1200">
           <a:solidFill>
             <a:schemeClr val="tx1"/>
           </a:solidFill>
@@ -6691,16 +3308,13 @@
           <a:cs typeface="+mn-cs"/>
         </a:defRPr>
       </a:lvl3pPr>
-      <a:lvl4pPr marL="1261872" indent="-228600" algn="l" rtl="0" eaLnBrk="1" latinLnBrk="0" hangingPunct="1">
+      <a:lvl4pPr marL="1600200" indent="-228600" algn="l" defTabSz="914400" rtl="0" eaLnBrk="1" latinLnBrk="0" hangingPunct="1">
         <a:spcBef>
           <a:spcPct val="20000"/>
         </a:spcBef>
-        <a:buClr>
-          <a:schemeClr val="accent3"/>
-        </a:buClr>
-        <a:buFont typeface="Wingdings 3"/>
-        <a:buChar char=""/>
-        <a:defRPr kumimoji="0" sz="2200" kern="1200">
+        <a:buFont typeface="Arial" pitchFamily="34" charset="0"/>
+        <a:buChar char="–"/>
+        <a:defRPr sz="2000" kern="1200">
           <a:solidFill>
             <a:schemeClr val="tx1"/>
           </a:solidFill>
@@ -6709,16 +3323,13 @@
           <a:cs typeface="+mn-cs"/>
         </a:defRPr>
       </a:lvl4pPr>
-      <a:lvl5pPr marL="1481328" indent="-210312" algn="l" rtl="0" eaLnBrk="1" latinLnBrk="0" hangingPunct="1">
+      <a:lvl5pPr marL="2057400" indent="-228600" algn="l" defTabSz="914400" rtl="0" eaLnBrk="1" latinLnBrk="0" hangingPunct="1">
         <a:spcBef>
           <a:spcPct val="20000"/>
         </a:spcBef>
-        <a:buClr>
-          <a:schemeClr val="accent3"/>
-        </a:buClr>
-        <a:buFont typeface="Wingdings 2"/>
-        <a:buChar char=""/>
-        <a:defRPr kumimoji="0" sz="2000" kern="1200">
+        <a:buFont typeface="Arial" pitchFamily="34" charset="0"/>
+        <a:buChar char="»"/>
+        <a:defRPr sz="2000" kern="1200">
           <a:solidFill>
             <a:schemeClr val="tx1"/>
           </a:solidFill>
@@ -6727,16 +3338,13 @@
           <a:cs typeface="+mn-cs"/>
         </a:defRPr>
       </a:lvl5pPr>
-      <a:lvl6pPr marL="1709928" indent="-210312" algn="l" rtl="0" eaLnBrk="1" latinLnBrk="0" hangingPunct="1">
+      <a:lvl6pPr marL="2514600" indent="-228600" algn="l" defTabSz="914400" rtl="0" eaLnBrk="1" latinLnBrk="0" hangingPunct="1">
         <a:spcBef>
           <a:spcPct val="20000"/>
         </a:spcBef>
-        <a:buClr>
-          <a:schemeClr val="accent3"/>
-        </a:buClr>
-        <a:buFont typeface="Wingdings 2"/>
-        <a:buChar char=""/>
-        <a:defRPr kumimoji="0" sz="1800" kern="1200">
+        <a:buFont typeface="Arial" pitchFamily="34" charset="0"/>
+        <a:buChar char="•"/>
+        <a:defRPr sz="2000" kern="1200">
           <a:solidFill>
             <a:schemeClr val="tx1"/>
           </a:solidFill>
@@ -6745,16 +3353,13 @@
           <a:cs typeface="+mn-cs"/>
         </a:defRPr>
       </a:lvl6pPr>
-      <a:lvl7pPr marL="1901952" indent="-182880" algn="l" rtl="0" eaLnBrk="1" latinLnBrk="0" hangingPunct="1">
+      <a:lvl7pPr marL="2971800" indent="-228600" algn="l" defTabSz="914400" rtl="0" eaLnBrk="1" latinLnBrk="0" hangingPunct="1">
         <a:spcBef>
           <a:spcPct val="20000"/>
         </a:spcBef>
-        <a:buClr>
-          <a:schemeClr val="accent4"/>
-        </a:buClr>
-        <a:buFont typeface="Wingdings 2"/>
-        <a:buChar char=""/>
-        <a:defRPr kumimoji="0" sz="1600" kern="1200">
+        <a:buFont typeface="Arial" pitchFamily="34" charset="0"/>
+        <a:buChar char="•"/>
+        <a:defRPr sz="2000" kern="1200">
           <a:solidFill>
             <a:schemeClr val="tx1"/>
           </a:solidFill>
@@ -6763,16 +3368,13 @@
           <a:cs typeface="+mn-cs"/>
         </a:defRPr>
       </a:lvl7pPr>
-      <a:lvl8pPr marL="2093976" indent="-182880" algn="l" rtl="0" eaLnBrk="1" latinLnBrk="0" hangingPunct="1">
+      <a:lvl8pPr marL="3429000" indent="-228600" algn="l" defTabSz="914400" rtl="0" eaLnBrk="1" latinLnBrk="0" hangingPunct="1">
         <a:spcBef>
           <a:spcPct val="20000"/>
         </a:spcBef>
-        <a:buClr>
-          <a:schemeClr val="accent4"/>
-        </a:buClr>
-        <a:buFont typeface="Wingdings 2"/>
-        <a:buChar char=""/>
-        <a:defRPr kumimoji="0" sz="1600" kern="1200">
+        <a:buFont typeface="Arial" pitchFamily="34" charset="0"/>
+        <a:buChar char="•"/>
+        <a:defRPr sz="2000" kern="1200">
           <a:solidFill>
             <a:schemeClr val="tx1"/>
           </a:solidFill>
@@ -6781,16 +3383,13 @@
           <a:cs typeface="+mn-cs"/>
         </a:defRPr>
       </a:lvl8pPr>
-      <a:lvl9pPr marL="2286000" indent="-182880" algn="l" rtl="0" eaLnBrk="1" latinLnBrk="0" hangingPunct="1">
+      <a:lvl9pPr marL="3886200" indent="-228600" algn="l" defTabSz="914400" rtl="0" eaLnBrk="1" latinLnBrk="0" hangingPunct="1">
         <a:spcBef>
           <a:spcPct val="20000"/>
         </a:spcBef>
-        <a:buClr>
-          <a:schemeClr val="accent4"/>
-        </a:buClr>
-        <a:buFont typeface="Wingdings 2"/>
-        <a:buChar char=""/>
-        <a:defRPr kumimoji="0" sz="1600" kern="1200">
+        <a:buFont typeface="Arial" pitchFamily="34" charset="0"/>
+        <a:buChar char="•"/>
+        <a:defRPr sz="2000" kern="1200">
           <a:solidFill>
             <a:schemeClr val="tx1"/>
           </a:solidFill>
@@ -6799,11 +3398,13 @@
           <a:cs typeface="+mn-cs"/>
         </a:defRPr>
       </a:lvl9pPr>
-      <a:extLst/>
     </p:bodyStyle>
     <p:otherStyle>
-      <a:lvl1pPr marL="0" algn="l" rtl="0" eaLnBrk="1" latinLnBrk="0" hangingPunct="1">
-        <a:defRPr kumimoji="0" kern="1200">
+      <a:defPPr>
+        <a:defRPr lang="ru-RU"/>
+      </a:defPPr>
+      <a:lvl1pPr marL="0" algn="l" defTabSz="914400" rtl="0" eaLnBrk="1" latinLnBrk="0" hangingPunct="1">
+        <a:defRPr sz="1800" kern="1200">
           <a:solidFill>
             <a:schemeClr val="tx1"/>
           </a:solidFill>
@@ -6812,8 +3413,8 @@
           <a:cs typeface="+mn-cs"/>
         </a:defRPr>
       </a:lvl1pPr>
-      <a:lvl2pPr marL="457200" algn="l" rtl="0" eaLnBrk="1" latinLnBrk="0" hangingPunct="1">
-        <a:defRPr kumimoji="0" kern="1200">
+      <a:lvl2pPr marL="457200" algn="l" defTabSz="914400" rtl="0" eaLnBrk="1" latinLnBrk="0" hangingPunct="1">
+        <a:defRPr sz="1800" kern="1200">
           <a:solidFill>
             <a:schemeClr val="tx1"/>
           </a:solidFill>
@@ -6822,8 +3423,8 @@
           <a:cs typeface="+mn-cs"/>
         </a:defRPr>
       </a:lvl2pPr>
-      <a:lvl3pPr marL="914400" algn="l" rtl="0" eaLnBrk="1" latinLnBrk="0" hangingPunct="1">
-        <a:defRPr kumimoji="0" kern="1200">
+      <a:lvl3pPr marL="914400" algn="l" defTabSz="914400" rtl="0" eaLnBrk="1" latinLnBrk="0" hangingPunct="1">
+        <a:defRPr sz="1800" kern="1200">
           <a:solidFill>
             <a:schemeClr val="tx1"/>
           </a:solidFill>
@@ -6832,8 +3433,8 @@
           <a:cs typeface="+mn-cs"/>
         </a:defRPr>
       </a:lvl3pPr>
-      <a:lvl4pPr marL="1371600" algn="l" rtl="0" eaLnBrk="1" latinLnBrk="0" hangingPunct="1">
-        <a:defRPr kumimoji="0" kern="1200">
+      <a:lvl4pPr marL="1371600" algn="l" defTabSz="914400" rtl="0" eaLnBrk="1" latinLnBrk="0" hangingPunct="1">
+        <a:defRPr sz="1800" kern="1200">
           <a:solidFill>
             <a:schemeClr val="tx1"/>
           </a:solidFill>
@@ -6842,8 +3443,8 @@
           <a:cs typeface="+mn-cs"/>
         </a:defRPr>
       </a:lvl4pPr>
-      <a:lvl5pPr marL="1828800" algn="l" rtl="0" eaLnBrk="1" latinLnBrk="0" hangingPunct="1">
-        <a:defRPr kumimoji="0" kern="1200">
+      <a:lvl5pPr marL="1828800" algn="l" defTabSz="914400" rtl="0" eaLnBrk="1" latinLnBrk="0" hangingPunct="1">
+        <a:defRPr sz="1800" kern="1200">
           <a:solidFill>
             <a:schemeClr val="tx1"/>
           </a:solidFill>
@@ -6852,8 +3453,8 @@
           <a:cs typeface="+mn-cs"/>
         </a:defRPr>
       </a:lvl5pPr>
-      <a:lvl6pPr marL="2286000" algn="l" rtl="0" eaLnBrk="1" latinLnBrk="0" hangingPunct="1">
-        <a:defRPr kumimoji="0" kern="1200">
+      <a:lvl6pPr marL="2286000" algn="l" defTabSz="914400" rtl="0" eaLnBrk="1" latinLnBrk="0" hangingPunct="1">
+        <a:defRPr sz="1800" kern="1200">
           <a:solidFill>
             <a:schemeClr val="tx1"/>
           </a:solidFill>
@@ -6862,8 +3463,8 @@
           <a:cs typeface="+mn-cs"/>
         </a:defRPr>
       </a:lvl6pPr>
-      <a:lvl7pPr marL="2743200" algn="l" rtl="0" eaLnBrk="1" latinLnBrk="0" hangingPunct="1">
-        <a:defRPr kumimoji="0" kern="1200">
+      <a:lvl7pPr marL="2743200" algn="l" defTabSz="914400" rtl="0" eaLnBrk="1" latinLnBrk="0" hangingPunct="1">
+        <a:defRPr sz="1800" kern="1200">
           <a:solidFill>
             <a:schemeClr val="tx1"/>
           </a:solidFill>
@@ -6872,8 +3473,8 @@
           <a:cs typeface="+mn-cs"/>
         </a:defRPr>
       </a:lvl7pPr>
-      <a:lvl8pPr marL="3200400" algn="l" rtl="0" eaLnBrk="1" latinLnBrk="0" hangingPunct="1">
-        <a:defRPr kumimoji="0" kern="1200">
+      <a:lvl8pPr marL="3200400" algn="l" defTabSz="914400" rtl="0" eaLnBrk="1" latinLnBrk="0" hangingPunct="1">
+        <a:defRPr sz="1800" kern="1200">
           <a:solidFill>
             <a:schemeClr val="tx1"/>
           </a:solidFill>
@@ -6882,8 +3483,8 @@
           <a:cs typeface="+mn-cs"/>
         </a:defRPr>
       </a:lvl8pPr>
-      <a:lvl9pPr marL="3657600" algn="l" rtl="0" eaLnBrk="1" latinLnBrk="0" hangingPunct="1">
-        <a:defRPr kumimoji="0" kern="1200">
+      <a:lvl9pPr marL="3657600" algn="l" defTabSz="914400" rtl="0" eaLnBrk="1" latinLnBrk="0" hangingPunct="1">
+        <a:defRPr sz="1800" kern="1200">
           <a:solidFill>
             <a:schemeClr val="tx1"/>
           </a:solidFill>
@@ -6892,7 +3493,6 @@
           <a:cs typeface="+mn-cs"/>
         </a:defRPr>
       </a:lvl9pPr>
-      <a:extLst/>
     </p:otherStyle>
   </p:txStyles>
 </p:sldMaster>
@@ -6925,9 +3525,28 @@
             <p:ph type="ctrTitle"/>
           </p:nvPr>
         </p:nvSpPr>
-        <p:spPr/>
-        <p:txBody>
-          <a:bodyPr/>
+        <p:spPr>
+          <a:xfrm>
+            <a:off x="685800" y="2202433"/>
+            <a:ext cx="7772400" cy="1470025"/>
+          </a:xfrm>
+          <a:solidFill>
+            <a:srgbClr val="000000">
+              <a:alpha val="69804"/>
+            </a:srgbClr>
+          </a:solidFill>
+          <a:ln>
+            <a:solidFill>
+              <a:srgbClr val="000000">
+                <a:alpha val="69804"/>
+              </a:srgbClr>
+            </a:solidFill>
+          </a:ln>
+        </p:spPr>
+        <p:txBody>
+          <a:bodyPr>
+            <a:normAutofit fontScale="90000"/>
+          </a:bodyPr>
           <a:lstStyle/>
           <a:p>
             <a:r>
@@ -6956,24 +3575,54 @@
             <p:ph type="subTitle" idx="1"/>
           </p:nvPr>
         </p:nvSpPr>
-        <p:spPr/>
-        <p:txBody>
-          <a:bodyPr/>
-          <a:lstStyle/>
-          <a:p>
-            <a:r>
-              <a:rPr lang="ru-RU" dirty="0" smtClean="0"/>
+        <p:spPr>
+          <a:xfrm>
+            <a:off x="1371600" y="4509120"/>
+            <a:ext cx="6400800" cy="936104"/>
+          </a:xfrm>
+          <a:solidFill>
+            <a:srgbClr val="000000">
+              <a:alpha val="69804"/>
+            </a:srgbClr>
+          </a:solidFill>
+          <a:ln>
+            <a:solidFill>
+              <a:srgbClr val="000000">
+                <a:alpha val="69804"/>
+              </a:srgbClr>
+            </a:solidFill>
+          </a:ln>
+        </p:spPr>
+        <p:txBody>
+          <a:bodyPr>
+            <a:normAutofit/>
+          </a:bodyPr>
+          <a:lstStyle/>
+          <a:p>
+            <a:r>
+              <a:rPr lang="ru-RU" sz="2400" dirty="0" smtClean="0"/>
               <a:t>Александр </a:t>
             </a:r>
             <a:r>
-              <a:rPr lang="ru-RU" dirty="0" err="1" smtClean="0"/>
+              <a:rPr lang="ru-RU" sz="2400" dirty="0" err="1" smtClean="0"/>
               <a:t>Загарских</a:t>
             </a:r>
             <a:r>
-              <a:rPr lang="ru-RU" dirty="0" smtClean="0"/>
-              <a:t>, студент СПб НИУ ИТМО</a:t>
-            </a:r>
-            <a:endParaRPr lang="ru-RU" dirty="0"/>
+              <a:rPr lang="ru-RU" sz="2400" dirty="0" smtClean="0"/>
+              <a:t>, </a:t>
+            </a:r>
+            <a:endParaRPr lang="ru-RU" sz="2400" dirty="0" smtClean="0"/>
+          </a:p>
+          <a:p>
+            <a:r>
+              <a:rPr lang="ru-RU" sz="2400" dirty="0" smtClean="0"/>
+              <a:t>студент </a:t>
+            </a:r>
+            <a:r>
+              <a:rPr lang="ru-RU" sz="2400" dirty="0" smtClean="0"/>
+              <a:t>СПб НИУ ИТМО</a:t>
+            </a:r>
+            <a:endParaRPr lang="ru-RU" sz="2400" dirty="0"/>
           </a:p>
         </p:txBody>
       </p:sp>
@@ -7054,8 +3703,8 @@
         </p:blipFill>
         <p:spPr>
           <a:xfrm>
-            <a:off x="323528" y="188640"/>
-            <a:ext cx="8568952" cy="6426714"/>
+            <a:off x="0" y="0"/>
+            <a:ext cx="9145129" cy="6858000"/>
           </a:xfrm>
           <a:prstGeom prst="rect">
             <a:avLst/>
@@ -7272,9 +3921,14 @@
         </p:nvSpPr>
         <p:spPr>
           <a:xfrm>
-            <a:off x="107504" y="1772817"/>
-            <a:ext cx="3243560" cy="3960440"/>
+            <a:off x="251520" y="1484784"/>
+            <a:ext cx="4104456" cy="4608512"/>
           </a:xfrm>
+          <a:solidFill>
+            <a:srgbClr val="000000">
+              <a:alpha val="70000"/>
+            </a:srgbClr>
+          </a:solidFill>
         </p:spPr>
         <p:txBody>
           <a:bodyPr>
@@ -7285,7 +3939,7 @@
             <a:r>
               <a:rPr lang="ru-RU" sz="2400" dirty="0" smtClean="0">
                 <a:solidFill>
-                  <a:srgbClr val="92D050"/>
+                  <a:schemeClr val="bg1"/>
                 </a:solidFill>
               </a:rPr>
               <a:t>Ручное</a:t>
@@ -7296,7 +3950,7 @@
             <a:r>
               <a:rPr lang="ru-RU" sz="2000" dirty="0" smtClean="0">
                 <a:solidFill>
-                  <a:srgbClr val="92D050"/>
+                  <a:srgbClr val="80FF80"/>
                 </a:solidFill>
               </a:rPr>
               <a:t>Клавиатура</a:t>
@@ -7307,7 +3961,7 @@
             <a:r>
               <a:rPr lang="ru-RU" sz="2000" dirty="0" smtClean="0">
                 <a:solidFill>
-                  <a:srgbClr val="92D050"/>
+                  <a:srgbClr val="80FF80"/>
                 </a:solidFill>
               </a:rPr>
               <a:t>Джойстик </a:t>
@@ -7315,18 +3969,39 @@
             <a:r>
               <a:rPr lang="en-US" sz="2000" dirty="0" smtClean="0">
                 <a:solidFill>
-                  <a:srgbClr val="92D050"/>
+                  <a:srgbClr val="80FF80"/>
                 </a:solidFill>
               </a:rPr>
-              <a:t>XBOX360</a:t>
-            </a:r>
+              <a:t> X</a:t>
+            </a:r>
+            <a:r>
+              <a:rPr lang="en-US" sz="2000" dirty="0" smtClean="0">
+                <a:solidFill>
+                  <a:srgbClr val="80FF80"/>
+                </a:solidFill>
+              </a:rPr>
+              <a:t>box </a:t>
+            </a:r>
+            <a:r>
+              <a:rPr lang="en-US" sz="2000" dirty="0" smtClean="0">
+                <a:solidFill>
+                  <a:srgbClr val="80FF80"/>
+                </a:solidFill>
+              </a:rPr>
+              <a:t>360</a:t>
+            </a:r>
+            <a:endParaRPr lang="en-US" sz="2000" dirty="0" smtClean="0">
+              <a:solidFill>
+                <a:srgbClr val="80FF80"/>
+              </a:solidFill>
+            </a:endParaRPr>
           </a:p>
           <a:p>
             <a:pPr lvl="1"/>
             <a:r>
               <a:rPr lang="en-US" sz="2000" dirty="0" smtClean="0">
                 <a:solidFill>
-                  <a:srgbClr val="92D050"/>
+                  <a:srgbClr val="80FF80"/>
                 </a:solidFill>
               </a:rPr>
               <a:t>3D Mouse Space Pilot</a:t>
@@ -7336,7 +4011,7 @@
             <a:r>
               <a:rPr lang="ru-RU" sz="2400" i="1" dirty="0" smtClean="0">
                 <a:solidFill>
-                  <a:srgbClr val="FFFF00"/>
+                  <a:schemeClr val="bg1"/>
                 </a:solidFill>
               </a:rPr>
               <a:t>Автоматическое</a:t>
@@ -7347,33 +4022,87 @@
             <a:r>
               <a:rPr lang="ru-RU" sz="2000" i="1" dirty="0" smtClean="0">
                 <a:solidFill>
-                  <a:srgbClr val="FFFF00"/>
+                  <a:srgbClr val="80FF80"/>
                 </a:solidFill>
               </a:rPr>
-              <a:t>Выполнение различных </a:t>
+              <a:t>Выполнение </a:t>
             </a:r>
             <a:r>
               <a:rPr lang="ru-RU" sz="2000" i="1" dirty="0" smtClean="0">
                 <a:solidFill>
-                  <a:srgbClr val="FFFF00"/>
+                  <a:srgbClr val="80FF80"/>
                 </a:solidFill>
               </a:rPr>
               <a:t>сценариев</a:t>
             </a:r>
+            <a:endParaRPr lang="en-US" sz="2000" i="1" dirty="0" smtClean="0">
+              <a:solidFill>
+                <a:srgbClr val="80FF80"/>
+              </a:solidFill>
+            </a:endParaRPr>
+          </a:p>
+          <a:p>
+            <a:pPr lvl="2"/>
+            <a:r>
+              <a:rPr lang="ru-RU" sz="1600" i="1" dirty="0" smtClean="0">
+                <a:solidFill>
+                  <a:srgbClr val="80FF80"/>
+                </a:solidFill>
+              </a:rPr>
+              <a:t>Обход опорных точек</a:t>
+            </a:r>
+          </a:p>
+          <a:p>
+            <a:pPr lvl="2"/>
+            <a:endParaRPr lang="ru-RU" sz="1600" i="1" dirty="0" smtClean="0">
+              <a:solidFill>
+                <a:srgbClr val="80FF80"/>
+              </a:solidFill>
+            </a:endParaRPr>
           </a:p>
           <a:p>
             <a:pPr lvl="1"/>
             <a:r>
               <a:rPr lang="ru-RU" sz="2000" i="1" dirty="0" smtClean="0">
                 <a:solidFill>
-                  <a:srgbClr val="FFFF00"/>
+                  <a:srgbClr val="80FF80"/>
                 </a:solidFill>
               </a:rPr>
-              <a:t>Групповое поведение</a:t>
-            </a:r>
-            <a:endParaRPr lang="ru-RU" sz="2000" i="1" dirty="0" smtClean="0">
+              <a:t>Групповое </a:t>
+            </a:r>
+            <a:r>
+              <a:rPr lang="ru-RU" sz="2000" i="1" dirty="0" smtClean="0">
+                <a:solidFill>
+                  <a:srgbClr val="80FF80"/>
+                </a:solidFill>
+              </a:rPr>
+              <a:t>поведение</a:t>
+            </a:r>
+          </a:p>
+          <a:p>
+            <a:pPr lvl="2"/>
+            <a:r>
+              <a:rPr lang="ru-RU" sz="1600" i="1" dirty="0" smtClean="0">
+                <a:solidFill>
+                  <a:srgbClr val="80FF80"/>
+                </a:solidFill>
+              </a:rPr>
+              <a:t>Удержание строя</a:t>
+            </a:r>
+          </a:p>
+          <a:p>
+            <a:pPr lvl="2"/>
+            <a:r>
+              <a:rPr lang="ru-RU" sz="1600" i="1" dirty="0" smtClean="0">
+                <a:solidFill>
+                  <a:srgbClr val="80FF80"/>
+                </a:solidFill>
+              </a:rPr>
+              <a:t>Перестроение при потере БПЛА</a:t>
+            </a:r>
+            <a:endParaRPr lang="ru-RU" sz="1600" i="1" dirty="0" smtClean="0">
               <a:solidFill>
-                <a:srgbClr val="FFFF00"/>
+                <a:srgbClr val="80FF80"/>
               </a:solidFill>
             </a:endParaRPr>
           </a:p>
@@ -7390,16 +4119,49 @@
           </p:nvPr>
         </p:nvPicPr>
         <p:blipFill>
-          <a:blip r:embed="rId2" cstate="print"/>
+          <a:blip r:embed="rId2" cstate="print">
+            <a:clrChange>
+              <a:clrFrom>
+                <a:srgbClr val="442288"/>
+              </a:clrFrom>
+              <a:clrTo>
+                <a:srgbClr val="442288">
+                  <a:alpha val="0"/>
+                </a:srgbClr>
+              </a:clrTo>
+            </a:clrChange>
+          </a:blip>
           <a:stretch>
             <a:fillRect/>
           </a:stretch>
         </p:blipFill>
         <p:spPr>
           <a:xfrm>
-            <a:off x="3491880" y="1988840"/>
-            <a:ext cx="5437464" cy="3168352"/>
+            <a:off x="5004048" y="1484784"/>
+            <a:ext cx="3820244" cy="2226015"/>
           </a:xfrm>
+          <a:gradFill>
+            <a:gsLst>
+              <a:gs pos="0">
+                <a:srgbClr val="000000"/>
+              </a:gs>
+              <a:gs pos="50000">
+                <a:srgbClr val="203854"/>
+              </a:gs>
+              <a:gs pos="100000">
+                <a:schemeClr val="accent1">
+                  <a:tint val="23500"/>
+                  <a:satMod val="160000"/>
+                </a:schemeClr>
+              </a:gs>
+            </a:gsLst>
+            <a:lin ang="5400000" scaled="0"/>
+          </a:gradFill>
+          <a:ln>
+            <a:solidFill>
+              <a:schemeClr val="bg1"/>
+            </a:solidFill>
+          </a:ln>
         </p:spPr>
       </p:pic>
       <p:sp>
@@ -7426,6 +4188,58 @@
           </a:p>
         </p:txBody>
       </p:sp>
+      <p:pic>
+        <p:nvPicPr>
+          <p:cNvPr id="7" name="Рисунок 6" descr="sim2.png"/>
+          <p:cNvPicPr>
+            <a:picLocks noChangeAspect="1"/>
+          </p:cNvPicPr>
+          <p:nvPr/>
+        </p:nvPicPr>
+        <p:blipFill>
+          <a:blip r:embed="rId3" cstate="print">
+            <a:clrChange>
+              <a:clrFrom>
+                <a:srgbClr val="442288"/>
+              </a:clrFrom>
+              <a:clrTo>
+                <a:srgbClr val="442288">
+                  <a:alpha val="0"/>
+                </a:srgbClr>
+              </a:clrTo>
+            </a:clrChange>
+          </a:blip>
+          <a:stretch>
+            <a:fillRect/>
+          </a:stretch>
+        </p:blipFill>
+        <p:spPr>
+          <a:xfrm>
+            <a:off x="5004048" y="3861048"/>
+            <a:ext cx="3839876" cy="2245853"/>
+          </a:xfrm>
+          <a:prstGeom prst="rect">
+            <a:avLst/>
+          </a:prstGeom>
+          <a:gradFill>
+            <a:gsLst>
+              <a:gs pos="0">
+                <a:srgbClr val="000000"/>
+              </a:gs>
+              <a:gs pos="50000">
+                <a:srgbClr val="203854"/>
+              </a:gs>
+              <a:gs pos="100000">
+                <a:schemeClr val="accent1">
+                  <a:tint val="23500"/>
+                  <a:satMod val="160000"/>
+                </a:schemeClr>
+              </a:gs>
+            </a:gsLst>
+            <a:lin ang="5400000" scaled="0"/>
+          </a:gradFill>
+        </p:spPr>
+      </p:pic>
     </p:spTree>
   </p:cSld>
   <p:clrMapOvr>
@@ -7492,10 +4306,11 @@
           </p:nvPr>
         </p:nvSpPr>
         <p:spPr>
-          <a:xfrm>
-            <a:off x="914400" y="1783560"/>
-            <a:ext cx="7772400" cy="4237728"/>
-          </a:xfrm>
+          <a:solidFill>
+            <a:srgbClr val="000000">
+              <a:alpha val="69804"/>
+            </a:srgbClr>
+          </a:solidFill>
         </p:spPr>
         <p:txBody>
           <a:bodyPr>
@@ -7721,7 +4536,20 @@
             <p:ph idx="1"/>
           </p:nvPr>
         </p:nvSpPr>
-        <p:spPr/>
+        <p:spPr>
+          <a:solidFill>
+            <a:srgbClr val="000000">
+              <a:alpha val="69804"/>
+            </a:srgbClr>
+          </a:solidFill>
+          <a:ln>
+            <a:solidFill>
+              <a:srgbClr val="000000">
+                <a:alpha val="69804"/>
+              </a:srgbClr>
+            </a:solidFill>
+          </a:ln>
+        </p:spPr>
         <p:txBody>
           <a:bodyPr>
             <a:normAutofit fontScale="92500" lnSpcReduction="20000"/>
@@ -7876,10 +4704,16 @@
             <p:ph idx="1"/>
           </p:nvPr>
         </p:nvSpPr>
-        <p:spPr/>
+        <p:spPr>
+          <a:solidFill>
+            <a:srgbClr val="000000">
+              <a:alpha val="69804"/>
+            </a:srgbClr>
+          </a:solidFill>
+        </p:spPr>
         <p:txBody>
           <a:bodyPr>
-            <a:normAutofit fontScale="77500" lnSpcReduction="20000"/>
+            <a:normAutofit fontScale="70000" lnSpcReduction="20000"/>
           </a:bodyPr>
           <a:lstStyle/>
           <a:p>
@@ -7956,11 +4790,7 @@
           <a:p>
             <a:r>
               <a:rPr lang="ru-RU" dirty="0" smtClean="0"/>
-              <a:t>Выбор окружения для </a:t>
-            </a:r>
-            <a:r>
-              <a:rPr lang="ru-RU" dirty="0" smtClean="0"/>
-              <a:t>моделирования</a:t>
+              <a:t>Выбор окружения для моделирования</a:t>
             </a:r>
           </a:p>
           <a:p>
@@ -7974,7 +4804,6 @@
               <a:rPr lang="ru-RU" dirty="0" smtClean="0"/>
               <a:t>Расчет в реальном масштабе времени</a:t>
             </a:r>
-            <a:endParaRPr lang="ru-RU" dirty="0" smtClean="0"/>
           </a:p>
           <a:p>
             <a:pPr>
@@ -8004,7 +4833,7 @@
               <a:pPr/>
               <a:t>3</a:t>
             </a:fld>
-            <a:endParaRPr lang="ru-RU"/>
+            <a:endParaRPr lang="ru-RU" dirty="0"/>
           </a:p>
         </p:txBody>
       </p:sp>
@@ -8042,41 +4871,128 @@
       </p:grpSpPr>
       <p:sp>
         <p:nvSpPr>
-          <p:cNvPr id="2" name="Заголовок 1"/>
-          <p:cNvSpPr>
-            <a:spLocks noGrp="1"/>
-          </p:cNvSpPr>
-          <p:nvPr>
-            <p:ph type="title"/>
-          </p:nvPr>
-        </p:nvSpPr>
-        <p:spPr/>
-        <p:txBody>
-          <a:bodyPr/>
-          <a:lstStyle/>
-          <a:p>
-            <a:r>
-              <a:rPr lang="ru-RU" sz="3200" dirty="0" smtClean="0"/>
-              <a:t>Архитектура виртуального полигона</a:t>
-            </a:r>
-            <a:endParaRPr lang="ru-RU" sz="3200" dirty="0"/>
-          </a:p>
-        </p:txBody>
-      </p:sp>
-      <p:sp>
-        <p:nvSpPr>
-          <p:cNvPr id="4" name="Прямоугольник 3"/>
+          <p:cNvPr id="25" name="Прямоугольник 24"/>
           <p:cNvSpPr/>
           <p:nvPr/>
         </p:nvSpPr>
         <p:spPr>
           <a:xfrm>
-            <a:off x="4355976" y="5157192"/>
-            <a:ext cx="2232248" cy="1440160"/>
+            <a:off x="107504" y="1484784"/>
+            <a:ext cx="8856984" cy="4680520"/>
           </a:xfrm>
           <a:prstGeom prst="rect">
             <a:avLst/>
           </a:prstGeom>
+          <a:solidFill>
+            <a:srgbClr val="000000">
+              <a:alpha val="70000"/>
+            </a:srgbClr>
+          </a:solidFill>
+          <a:ln>
+            <a:noFill/>
+          </a:ln>
+        </p:spPr>
+        <p:style>
+          <a:lnRef idx="2">
+            <a:schemeClr val="accent1">
+              <a:shade val="50000"/>
+            </a:schemeClr>
+          </a:lnRef>
+          <a:fillRef idx="1">
+            <a:schemeClr val="accent1"/>
+          </a:fillRef>
+          <a:effectRef idx="0">
+            <a:schemeClr val="accent1"/>
+          </a:effectRef>
+          <a:fontRef idx="minor">
+            <a:schemeClr val="lt1"/>
+          </a:fontRef>
+        </p:style>
+        <p:txBody>
+          <a:bodyPr rtlCol="0" anchor="ctr"/>
+          <a:lstStyle/>
+          <a:p>
+            <a:pPr algn="ctr"/>
+            <a:endParaRPr lang="ru-RU" dirty="0">
+              <a:solidFill>
+                <a:srgbClr val="000000"/>
+              </a:solidFill>
+            </a:endParaRPr>
+          </a:p>
+        </p:txBody>
+      </p:sp>
+      <p:sp>
+        <p:nvSpPr>
+          <p:cNvPr id="2" name="Заголовок 1"/>
+          <p:cNvSpPr>
+            <a:spLocks noGrp="1"/>
+          </p:cNvSpPr>
+          <p:nvPr>
+            <p:ph type="title"/>
+          </p:nvPr>
+        </p:nvSpPr>
+        <p:spPr/>
+        <p:txBody>
+          <a:bodyPr/>
+          <a:lstStyle/>
+          <a:p>
+            <a:r>
+              <a:rPr lang="ru-RU" sz="3200" dirty="0" smtClean="0"/>
+              <a:t>Архитектура виртуального полигона</a:t>
+            </a:r>
+            <a:endParaRPr lang="ru-RU" sz="3200" dirty="0"/>
+          </a:p>
+        </p:txBody>
+      </p:sp>
+      <p:sp>
+        <p:nvSpPr>
+          <p:cNvPr id="18" name="Номер слайда 17"/>
+          <p:cNvSpPr>
+            <a:spLocks noGrp="1"/>
+          </p:cNvSpPr>
+          <p:nvPr>
+            <p:ph type="sldNum" sz="quarter" idx="12"/>
+          </p:nvPr>
+        </p:nvSpPr>
+        <p:spPr/>
+        <p:txBody>
+          <a:bodyPr/>
+          <a:lstStyle/>
+          <a:p>
+            <a:fld id="{725C68B6-61C2-468F-89AB-4B9F7531AA68}" type="slidenum">
+              <a:rPr lang="ru-RU" smtClean="0"/>
+              <a:pPr/>
+              <a:t>4</a:t>
+            </a:fld>
+            <a:endParaRPr lang="ru-RU"/>
+          </a:p>
+        </p:txBody>
+      </p:sp>
+      <p:sp>
+        <p:nvSpPr>
+          <p:cNvPr id="4" name="Прямоугольник 3"/>
+          <p:cNvSpPr/>
+          <p:nvPr/>
+        </p:nvSpPr>
+        <p:spPr>
+          <a:xfrm>
+            <a:off x="4067944" y="4877051"/>
+            <a:ext cx="2232248" cy="1144237"/>
+          </a:xfrm>
+          <a:prstGeom prst="rect">
+            <a:avLst/>
+          </a:prstGeom>
+          <a:solidFill>
+            <a:schemeClr val="accent4">
+              <a:lumMod val="75000"/>
+              <a:alpha val="69804"/>
+            </a:schemeClr>
+          </a:solidFill>
+          <a:ln w="12700">
+            <a:solidFill>
+              <a:schemeClr val="bg1"/>
+            </a:solidFill>
+          </a:ln>
         </p:spPr>
         <p:style>
           <a:lnRef idx="3">
@@ -8098,14 +5014,14 @@
           <a:p>
             <a:pPr algn="ctr"/>
             <a:r>
-              <a:rPr lang="ru-RU" dirty="0" smtClean="0">
+              <a:rPr lang="ru-RU" sz="1600" dirty="0" smtClean="0">
                 <a:solidFill>
                   <a:schemeClr val="bg1"/>
                 </a:solidFill>
               </a:rPr>
               <a:t>Модель аэродинамического взаимодействия</a:t>
             </a:r>
-            <a:endParaRPr lang="ru-RU" dirty="0">
+            <a:endParaRPr lang="ru-RU" sz="1600" dirty="0">
               <a:solidFill>
                 <a:schemeClr val="bg1"/>
               </a:solidFill>
@@ -8121,12 +5037,23 @@
         </p:nvSpPr>
         <p:spPr>
           <a:xfrm>
-            <a:off x="6660232" y="5661248"/>
-            <a:ext cx="2232248" cy="936104"/>
+            <a:off x="6372200" y="5277534"/>
+            <a:ext cx="2232248" cy="743754"/>
           </a:xfrm>
           <a:prstGeom prst="rect">
             <a:avLst/>
           </a:prstGeom>
+          <a:solidFill>
+            <a:schemeClr val="accent4">
+              <a:lumMod val="75000"/>
+              <a:alpha val="69804"/>
+            </a:schemeClr>
+          </a:solidFill>
+          <a:ln w="12700">
+            <a:solidFill>
+              <a:schemeClr val="bg1"/>
+            </a:solidFill>
+          </a:ln>
         </p:spPr>
         <p:style>
           <a:lnRef idx="3">
@@ -8148,7 +5075,7 @@
           <a:p>
             <a:pPr algn="ctr"/>
             <a:r>
-              <a:rPr lang="ru-RU" dirty="0" smtClean="0">
+              <a:rPr lang="ru-RU" sz="1600" dirty="0" smtClean="0">
                 <a:solidFill>
                   <a:schemeClr val="bg1"/>
                 </a:solidFill>
@@ -8156,7 +5083,7 @@
               <a:t>Модель </a:t>
             </a:r>
             <a:r>
-              <a:rPr lang="ru-RU" dirty="0" err="1" smtClean="0">
+              <a:rPr lang="ru-RU" sz="1600" dirty="0" err="1" smtClean="0">
                 <a:solidFill>
                   <a:schemeClr val="bg1"/>
                 </a:solidFill>
@@ -8164,7 +5091,7 @@
               <a:t>тв</a:t>
             </a:r>
             <a:r>
-              <a:rPr lang="ru-RU" dirty="0" smtClean="0">
+              <a:rPr lang="ru-RU" sz="1600" dirty="0" smtClean="0">
                 <a:solidFill>
                   <a:schemeClr val="bg1"/>
                 </a:solidFill>
@@ -8175,7 +5102,7 @@
           <a:p>
             <a:pPr algn="ctr"/>
             <a:r>
-              <a:rPr lang="ru-RU" dirty="0" smtClean="0">
+              <a:rPr lang="ru-RU" sz="1600" dirty="0" smtClean="0">
                 <a:solidFill>
                   <a:schemeClr val="bg1"/>
                 </a:solidFill>
@@ -8183,14 +5110,14 @@
               <a:t>6-</a:t>
             </a:r>
             <a:r>
-              <a:rPr lang="en-US" dirty="0" smtClean="0">
+              <a:rPr lang="en-US" sz="1600" dirty="0" smtClean="0">
                 <a:solidFill>
                   <a:schemeClr val="bg1"/>
                 </a:solidFill>
               </a:rPr>
               <a:t>DOF</a:t>
             </a:r>
-            <a:endParaRPr lang="ru-RU" dirty="0">
+            <a:endParaRPr lang="ru-RU" sz="1600" dirty="0">
               <a:solidFill>
                 <a:schemeClr val="bg1"/>
               </a:solidFill>
@@ -8206,12 +5133,23 @@
         </p:nvSpPr>
         <p:spPr>
           <a:xfrm>
-            <a:off x="611560" y="1340768"/>
-            <a:ext cx="1440160" cy="1440160"/>
+            <a:off x="251520" y="1628800"/>
+            <a:ext cx="1584176" cy="1288253"/>
           </a:xfrm>
           <a:prstGeom prst="rect">
             <a:avLst/>
           </a:prstGeom>
+          <a:solidFill>
+            <a:schemeClr val="accent4">
+              <a:lumMod val="50000"/>
+              <a:alpha val="69804"/>
+            </a:schemeClr>
+          </a:solidFill>
+          <a:ln w="12700">
+            <a:solidFill>
+              <a:schemeClr val="bg1"/>
+            </a:solidFill>
+          </a:ln>
         </p:spPr>
         <p:style>
           <a:lnRef idx="3">
@@ -8241,20 +5179,31 @@
               <a:t>Система </a:t>
             </a:r>
             <a:r>
-              <a:rPr lang="ru-RU" dirty="0" err="1" smtClean="0">
+              <a:rPr lang="ru-RU" dirty="0" smtClean="0">
                 <a:solidFill>
                   <a:schemeClr val="bg1"/>
                 </a:solidFill>
               </a:rPr>
-              <a:t>оптическогозахвата</a:t>
-            </a:r>
+              <a:t>оптического</a:t>
+            </a:r>
+          </a:p>
+          <a:p>
+            <a:pPr algn="ctr"/>
             <a:r>
               <a:rPr lang="ru-RU" dirty="0" smtClean="0">
                 <a:solidFill>
                   <a:schemeClr val="bg1"/>
                 </a:solidFill>
               </a:rPr>
-              <a:t> движения</a:t>
+              <a:t>захвата </a:t>
+            </a:r>
+            <a:r>
+              <a:rPr lang="ru-RU" dirty="0" smtClean="0">
+                <a:solidFill>
+                  <a:schemeClr val="bg1"/>
+                </a:solidFill>
+              </a:rPr>
+              <a:t>движения</a:t>
             </a:r>
             <a:endParaRPr lang="ru-RU" dirty="0">
               <a:solidFill>
@@ -8272,12 +5221,23 @@
         </p:nvSpPr>
         <p:spPr>
           <a:xfrm>
-            <a:off x="4355976" y="3645024"/>
-            <a:ext cx="2232248" cy="1440160"/>
+            <a:off x="4067944" y="3675603"/>
+            <a:ext cx="2232248" cy="1144237"/>
           </a:xfrm>
           <a:prstGeom prst="rect">
             <a:avLst/>
           </a:prstGeom>
+          <a:solidFill>
+            <a:schemeClr val="accent4">
+              <a:lumMod val="75000"/>
+              <a:alpha val="69804"/>
+            </a:schemeClr>
+          </a:solidFill>
+          <a:ln w="12700">
+            <a:solidFill>
+              <a:schemeClr val="bg1"/>
+            </a:solidFill>
+          </a:ln>
         </p:spPr>
         <p:style>
           <a:lnRef idx="3">
@@ -8299,7 +5259,7 @@
           <a:p>
             <a:pPr algn="ctr"/>
             <a:r>
-              <a:rPr lang="ru-RU" dirty="0" smtClean="0">
+              <a:rPr lang="ru-RU" sz="1600" dirty="0" smtClean="0">
                 <a:solidFill>
                   <a:schemeClr val="bg1"/>
                 </a:solidFill>
@@ -8307,7 +5267,7 @@
               <a:t>Модель функционирования </a:t>
             </a:r>
             <a:r>
-              <a:rPr lang="en-US" dirty="0" smtClean="0">
+              <a:rPr lang="en-US" sz="1600" dirty="0" smtClean="0">
                 <a:solidFill>
                   <a:schemeClr val="bg1"/>
                 </a:solidFill>
@@ -8315,14 +5275,14 @@
               <a:t>IMU </a:t>
             </a:r>
             <a:r>
-              <a:rPr lang="ru-RU" dirty="0" smtClean="0">
+              <a:rPr lang="ru-RU" sz="1600" dirty="0" smtClean="0">
                 <a:solidFill>
                   <a:schemeClr val="bg1"/>
                 </a:solidFill>
               </a:rPr>
               <a:t>сенсоров</a:t>
             </a:r>
-            <a:endParaRPr lang="ru-RU" dirty="0">
+            <a:endParaRPr lang="ru-RU" sz="1600" dirty="0">
               <a:solidFill>
                 <a:schemeClr val="bg1"/>
               </a:solidFill>
@@ -8338,12 +5298,23 @@
         </p:nvSpPr>
         <p:spPr>
           <a:xfrm>
-            <a:off x="6660232" y="4653136"/>
-            <a:ext cx="2232248" cy="936104"/>
+            <a:off x="6372200" y="4476568"/>
+            <a:ext cx="2232248" cy="743754"/>
           </a:xfrm>
           <a:prstGeom prst="rect">
             <a:avLst/>
           </a:prstGeom>
+          <a:solidFill>
+            <a:schemeClr val="accent4">
+              <a:lumMod val="75000"/>
+              <a:alpha val="69804"/>
+            </a:schemeClr>
+          </a:solidFill>
+          <a:ln w="12700">
+            <a:solidFill>
+              <a:schemeClr val="bg1"/>
+            </a:solidFill>
+          </a:ln>
         </p:spPr>
         <p:style>
           <a:lnRef idx="3">
@@ -8365,7 +5336,7 @@
           <a:p>
             <a:pPr algn="ctr"/>
             <a:r>
-              <a:rPr lang="ru-RU" dirty="0" smtClean="0">
+              <a:rPr lang="ru-RU" sz="1600" dirty="0" smtClean="0">
                 <a:solidFill>
                   <a:schemeClr val="bg1"/>
                 </a:solidFill>
@@ -8376,7 +5347,7 @@
           <a:p>
             <a:pPr algn="ctr"/>
             <a:r>
-              <a:rPr lang="ru-RU" dirty="0" smtClean="0">
+              <a:rPr lang="ru-RU" sz="1600" dirty="0" smtClean="0">
                 <a:solidFill>
                   <a:schemeClr val="bg1"/>
                 </a:solidFill>
@@ -8387,14 +5358,14 @@
           <a:p>
             <a:pPr algn="ctr"/>
             <a:r>
-              <a:rPr lang="ru-RU" dirty="0" err="1" smtClean="0">
+              <a:rPr lang="ru-RU" sz="1600" dirty="0" err="1" smtClean="0">
                 <a:solidFill>
                   <a:schemeClr val="bg1"/>
                 </a:solidFill>
               </a:rPr>
               <a:t>движетеля</a:t>
             </a:r>
-            <a:endParaRPr lang="ru-RU" dirty="0">
+            <a:endParaRPr lang="ru-RU" sz="1600" dirty="0">
               <a:solidFill>
                 <a:schemeClr val="bg1"/>
               </a:solidFill>
@@ -8410,12 +5381,23 @@
         </p:nvSpPr>
         <p:spPr>
           <a:xfrm>
-            <a:off x="6660232" y="3645024"/>
-            <a:ext cx="2232248" cy="936104"/>
+            <a:off x="6372200" y="3675603"/>
+            <a:ext cx="2232248" cy="743754"/>
           </a:xfrm>
           <a:prstGeom prst="rect">
             <a:avLst/>
           </a:prstGeom>
+          <a:solidFill>
+            <a:schemeClr val="accent4">
+              <a:lumMod val="75000"/>
+              <a:alpha val="69804"/>
+            </a:schemeClr>
+          </a:solidFill>
+          <a:ln w="12700">
+            <a:solidFill>
+              <a:schemeClr val="bg1"/>
+            </a:solidFill>
+          </a:ln>
         </p:spPr>
         <p:style>
           <a:lnRef idx="3">
@@ -8437,7 +5419,7 @@
           <a:p>
             <a:pPr algn="ctr"/>
             <a:r>
-              <a:rPr lang="ru-RU" dirty="0" smtClean="0">
+              <a:rPr lang="ru-RU" sz="1600" dirty="0" smtClean="0">
                 <a:solidFill>
                   <a:schemeClr val="bg1"/>
                 </a:solidFill>
@@ -8448,14 +5430,14 @@
           <a:p>
             <a:pPr algn="ctr"/>
             <a:r>
-              <a:rPr lang="ru-RU" dirty="0" smtClean="0">
+              <a:rPr lang="ru-RU" sz="1600" dirty="0" smtClean="0">
                 <a:solidFill>
                   <a:schemeClr val="bg1"/>
                 </a:solidFill>
               </a:rPr>
               <a:t>видеокамеры</a:t>
             </a:r>
-            <a:endParaRPr lang="ru-RU" dirty="0">
+            <a:endParaRPr lang="ru-RU" sz="1600" dirty="0">
               <a:solidFill>
                 <a:schemeClr val="bg1"/>
               </a:solidFill>
@@ -8471,12 +5453,23 @@
         </p:nvSpPr>
         <p:spPr>
           <a:xfrm>
-            <a:off x="611560" y="2852936"/>
-            <a:ext cx="1440160" cy="1440160"/>
+            <a:off x="251520" y="3068960"/>
+            <a:ext cx="1584176" cy="2448272"/>
           </a:xfrm>
           <a:prstGeom prst="rect">
             <a:avLst/>
           </a:prstGeom>
+          <a:solidFill>
+            <a:schemeClr val="accent4">
+              <a:lumMod val="50000"/>
+              <a:alpha val="69804"/>
+            </a:schemeClr>
+          </a:solidFill>
+          <a:ln w="12700">
+            <a:solidFill>
+              <a:schemeClr val="bg1"/>
+            </a:solidFill>
+          </a:ln>
         </p:spPr>
         <p:style>
           <a:lnRef idx="3">
@@ -8516,6 +5509,49 @@
               </a:rPr>
               <a:t>БПЛА</a:t>
             </a:r>
+          </a:p>
+          <a:p>
+            <a:pPr algn="ctr"/>
+            <a:endParaRPr lang="ru-RU" dirty="0" smtClean="0">
+              <a:solidFill>
+                <a:schemeClr val="bg1"/>
+              </a:solidFill>
+            </a:endParaRPr>
+          </a:p>
+          <a:p>
+            <a:pPr algn="ctr"/>
+            <a:endParaRPr lang="ru-RU" dirty="0" smtClean="0">
+              <a:solidFill>
+                <a:schemeClr val="bg1"/>
+              </a:solidFill>
+            </a:endParaRPr>
+          </a:p>
+          <a:p>
+            <a:pPr algn="ctr"/>
+            <a:endParaRPr lang="ru-RU" dirty="0" smtClean="0">
+              <a:solidFill>
+                <a:schemeClr val="bg1"/>
+              </a:solidFill>
+            </a:endParaRPr>
+          </a:p>
+          <a:p>
+            <a:pPr algn="ctr"/>
+            <a:endParaRPr lang="ru-RU" dirty="0" smtClean="0">
+              <a:solidFill>
+                <a:schemeClr val="bg1"/>
+              </a:solidFill>
+            </a:endParaRPr>
+          </a:p>
+          <a:p>
+            <a:pPr algn="ctr"/>
+            <a:endParaRPr lang="ru-RU" dirty="0" smtClean="0">
+              <a:solidFill>
+                <a:schemeClr val="bg1"/>
+              </a:solidFill>
+            </a:endParaRPr>
+          </a:p>
+          <a:p>
+            <a:pPr algn="ctr"/>
             <a:endParaRPr lang="ru-RU" dirty="0">
               <a:solidFill>
                 <a:schemeClr val="bg1"/>
@@ -8532,12 +5568,23 @@
         </p:nvSpPr>
         <p:spPr>
           <a:xfrm>
-            <a:off x="6660232" y="1340768"/>
-            <a:ext cx="2232248" cy="936104"/>
+            <a:off x="6372200" y="1700808"/>
+            <a:ext cx="2232248" cy="1080120"/>
           </a:xfrm>
           <a:prstGeom prst="rect">
             <a:avLst/>
           </a:prstGeom>
+          <a:solidFill>
+            <a:schemeClr val="accent5">
+              <a:lumMod val="75000"/>
+              <a:alpha val="69804"/>
+            </a:schemeClr>
+          </a:solidFill>
+          <a:ln w="12700">
+            <a:solidFill>
+              <a:schemeClr val="bg1"/>
+            </a:solidFill>
+          </a:ln>
         </p:spPr>
         <p:style>
           <a:lnRef idx="3">
@@ -8612,12 +5659,23 @@
         </p:nvSpPr>
         <p:spPr>
           <a:xfrm>
-            <a:off x="3131840" y="1340768"/>
-            <a:ext cx="2160240" cy="2016224"/>
+            <a:off x="2843808" y="1844824"/>
+            <a:ext cx="2160240" cy="1601931"/>
           </a:xfrm>
           <a:prstGeom prst="rect">
             <a:avLst/>
           </a:prstGeom>
+          <a:solidFill>
+            <a:schemeClr val="accent2">
+              <a:lumMod val="50000"/>
+              <a:alpha val="69804"/>
+            </a:schemeClr>
+          </a:solidFill>
+          <a:ln w="12700">
+            <a:solidFill>
+              <a:schemeClr val="bg1"/>
+            </a:solidFill>
+          </a:ln>
         </p:spPr>
         <p:style>
           <a:lnRef idx="3">
@@ -8664,38 +5722,39 @@
                   <a:schemeClr val="bg1"/>
                 </a:solidFill>
               </a:rPr>
-              <a:t>	- </a:t>
-            </a:r>
-            <a:r>
-              <a:rPr lang="ru-RU" dirty="0" smtClean="0">
-                <a:solidFill>
-                  <a:schemeClr val="bg1"/>
-                </a:solidFill>
-              </a:rPr>
-              <a:t>авто</a:t>
-            </a:r>
-            <a:endParaRPr lang="ru-RU" dirty="0" smtClean="0">
-              <a:solidFill>
-                <a:schemeClr val="bg1"/>
-              </a:solidFill>
-            </a:endParaRPr>
-          </a:p>
-        </p:txBody>
-      </p:sp>
-      <p:sp>
-        <p:nvSpPr>
-          <p:cNvPr id="41" name="Стрелка вправо 40"/>
+              <a:t>	- авто</a:t>
+            </a:r>
+          </a:p>
+        </p:txBody>
+      </p:sp>
+      <p:sp>
+        <p:nvSpPr>
+          <p:cNvPr id="44" name="Двойная стрелка влево/вверх 43"/>
           <p:cNvSpPr/>
           <p:nvPr/>
         </p:nvSpPr>
         <p:spPr>
-          <a:xfrm>
-            <a:off x="2123728" y="2132856"/>
-            <a:ext cx="936104" cy="216024"/>
+          <a:xfrm rot="16200000">
+            <a:off x="5050409" y="2671436"/>
+            <a:ext cx="915389" cy="864096"/>
           </a:xfrm>
-          <a:prstGeom prst="rightArrow">
-            <a:avLst/>
+          <a:prstGeom prst="leftUpArrow">
+            <a:avLst>
+              <a:gd name="adj1" fmla="val 23046"/>
+              <a:gd name="adj2" fmla="val 18688"/>
+              <a:gd name="adj3" fmla="val 21839"/>
+            </a:avLst>
           </a:prstGeom>
+          <a:solidFill>
+            <a:srgbClr val="000000">
+              <a:alpha val="69804"/>
+            </a:srgbClr>
+          </a:solidFill>
+          <a:ln w="12700">
+            <a:solidFill>
+              <a:srgbClr val="80FF80"/>
+            </a:solidFill>
+          </a:ln>
         </p:spPr>
         <p:style>
           <a:lnRef idx="3">
@@ -8722,18 +5781,81 @@
       </p:sp>
       <p:sp>
         <p:nvSpPr>
-          <p:cNvPr id="42" name="Стрелка вправо 41"/>
+          <p:cNvPr id="20" name="Стрелка углом вверх 19"/>
           <p:cNvSpPr/>
           <p:nvPr/>
         </p:nvSpPr>
         <p:spPr>
+          <a:xfrm rot="5400000" flipV="1">
+            <a:off x="2339752" y="3212976"/>
+            <a:ext cx="792088" cy="1512168"/>
+          </a:xfrm>
+          <a:prstGeom prst="bentUpArrow">
+            <a:avLst>
+              <a:gd name="adj1" fmla="val 19488"/>
+              <a:gd name="adj2" fmla="val 25000"/>
+              <a:gd name="adj3" fmla="val 23898"/>
+            </a:avLst>
+          </a:prstGeom>
+          <a:solidFill>
+            <a:srgbClr val="000000"/>
+          </a:solidFill>
+          <a:ln w="19050">
+            <a:solidFill>
+              <a:srgbClr val="80FF80"/>
+            </a:solidFill>
+            <a:prstDash val="dash"/>
+          </a:ln>
+        </p:spPr>
+        <p:style>
+          <a:lnRef idx="2">
+            <a:schemeClr val="accent1">
+              <a:shade val="50000"/>
+            </a:schemeClr>
+          </a:lnRef>
+          <a:fillRef idx="1">
+            <a:schemeClr val="accent1"/>
+          </a:fillRef>
+          <a:effectRef idx="0">
+            <a:schemeClr val="accent1"/>
+          </a:effectRef>
+          <a:fontRef idx="minor">
+            <a:schemeClr val="lt1"/>
+          </a:fontRef>
+        </p:style>
+        <p:txBody>
+          <a:bodyPr rtlCol="0" anchor="ctr"/>
+          <a:lstStyle/>
+          <a:p>
+            <a:pPr algn="ctr"/>
+            <a:endParaRPr lang="ru-RU"/>
+          </a:p>
+        </p:txBody>
+      </p:sp>
+      <p:sp>
+        <p:nvSpPr>
+          <p:cNvPr id="21" name="Стрелка вправо 20"/>
+          <p:cNvSpPr/>
+          <p:nvPr/>
+        </p:nvSpPr>
+        <p:spPr>
           <a:xfrm>
-            <a:off x="2123728" y="2996952"/>
-            <a:ext cx="936104" cy="216024"/>
+            <a:off x="1979712" y="2204864"/>
+            <a:ext cx="792088" cy="315652"/>
           </a:xfrm>
           <a:prstGeom prst="rightArrow">
             <a:avLst/>
           </a:prstGeom>
+          <a:solidFill>
+            <a:srgbClr val="000000">
+              <a:alpha val="69804"/>
+            </a:srgbClr>
+          </a:solidFill>
+          <a:ln w="12700">
+            <a:solidFill>
+              <a:srgbClr val="80FF80"/>
+            </a:solidFill>
+          </a:ln>
         </p:spPr>
         <p:style>
           <a:lnRef idx="3">
@@ -8760,18 +5882,28 @@
       </p:sp>
       <p:sp>
         <p:nvSpPr>
-          <p:cNvPr id="43" name="Стрелка вправо 42"/>
+          <p:cNvPr id="22" name="Стрелка вправо 21"/>
           <p:cNvSpPr/>
           <p:nvPr/>
         </p:nvSpPr>
         <p:spPr>
           <a:xfrm>
-            <a:off x="5364088" y="1700808"/>
-            <a:ext cx="1224136" cy="216024"/>
+            <a:off x="1979712" y="3140968"/>
+            <a:ext cx="792088" cy="315652"/>
           </a:xfrm>
           <a:prstGeom prst="rightArrow">
             <a:avLst/>
           </a:prstGeom>
+          <a:solidFill>
+            <a:srgbClr val="000000">
+              <a:alpha val="69804"/>
+            </a:srgbClr>
+          </a:solidFill>
+          <a:ln w="12700">
+            <a:solidFill>
+              <a:srgbClr val="80FF80"/>
+            </a:solidFill>
+          </a:ln>
         </p:spPr>
         <p:style>
           <a:lnRef idx="3">
@@ -8798,22 +5930,28 @@
       </p:sp>
       <p:sp>
         <p:nvSpPr>
-          <p:cNvPr id="44" name="Двойная стрелка влево/вверх 43"/>
+          <p:cNvPr id="23" name="Стрелка вправо 22"/>
           <p:cNvSpPr/>
           <p:nvPr/>
         </p:nvSpPr>
         <p:spPr>
-          <a:xfrm rot="16200000">
-            <a:off x="5220072" y="2492896"/>
-            <a:ext cx="1152128" cy="864096"/>
+          <a:xfrm>
+            <a:off x="5076056" y="2132856"/>
+            <a:ext cx="1224136" cy="315652"/>
           </a:xfrm>
-          <a:prstGeom prst="leftUpArrow">
-            <a:avLst>
-              <a:gd name="adj1" fmla="val 11980"/>
-              <a:gd name="adj2" fmla="val 11523"/>
-              <a:gd name="adj3" fmla="val 13020"/>
-            </a:avLst>
+          <a:prstGeom prst="rightArrow">
+            <a:avLst/>
           </a:prstGeom>
+          <a:solidFill>
+            <a:srgbClr val="000000">
+              <a:alpha val="69804"/>
+            </a:srgbClr>
+          </a:solidFill>
+          <a:ln w="12700">
+            <a:solidFill>
+              <a:srgbClr val="80FF80"/>
+            </a:solidFill>
+          </a:ln>
         </p:spPr>
         <p:style>
           <a:lnRef idx="3">
@@ -8838,34 +5976,87 @@
           </a:p>
         </p:txBody>
       </p:sp>
-      <p:sp>
-        <p:nvSpPr>
-          <p:cNvPr id="18" name="Номер слайда 17"/>
-          <p:cNvSpPr>
-            <a:spLocks noGrp="1"/>
-          </p:cNvSpPr>
-          <p:nvPr>
-            <p:ph type="sldNum" sz="quarter" idx="12"/>
-          </p:nvPr>
-        </p:nvSpPr>
-        <p:spPr/>
-        <p:txBody>
-          <a:bodyPr/>
-          <a:lstStyle/>
-          <a:p>
-            <a:fld id="{725C68B6-61C2-468F-89AB-4B9F7531AA68}" type="slidenum">
-              <a:rPr lang="ru-RU" smtClean="0"/>
-              <a:pPr/>
-              <a:t>4</a:t>
-            </a:fld>
-            <a:endParaRPr lang="ru-RU"/>
+      <p:pic>
+        <p:nvPicPr>
+          <p:cNvPr id="24" name="Рисунок 23" descr="quadrotor.png"/>
+          <p:cNvPicPr>
+            <a:picLocks noChangeAspect="1"/>
+          </p:cNvPicPr>
+          <p:nvPr/>
+        </p:nvPicPr>
+        <p:blipFill>
+          <a:blip r:embed="rId2" cstate="print"/>
+          <a:stretch>
+            <a:fillRect/>
+          </a:stretch>
+        </p:blipFill>
+        <p:spPr>
+          <a:xfrm>
+            <a:off x="352231" y="4003984"/>
+            <a:ext cx="1411457" cy="1009192"/>
+          </a:xfrm>
+          <a:prstGeom prst="rect">
+            <a:avLst/>
+          </a:prstGeom>
+        </p:spPr>
+      </p:pic>
+      <p:sp>
+        <p:nvSpPr>
+          <p:cNvPr id="30" name="Двойная стрелка влево/вправо 29"/>
+          <p:cNvSpPr/>
+          <p:nvPr/>
+        </p:nvSpPr>
+        <p:spPr>
+          <a:xfrm rot="572842">
+            <a:off x="1972860" y="4578819"/>
+            <a:ext cx="1945634" cy="680630"/>
+          </a:xfrm>
+          <a:prstGeom prst="leftRightArrow">
+            <a:avLst/>
+          </a:prstGeom>
+          <a:solidFill>
+            <a:srgbClr val="000000"/>
+          </a:solidFill>
+          <a:ln>
+            <a:solidFill>
+              <a:srgbClr val="FF8080"/>
+            </a:solidFill>
+            <a:prstDash val="sysDash"/>
+          </a:ln>
+        </p:spPr>
+        <p:style>
+          <a:lnRef idx="2">
+            <a:schemeClr val="accent1">
+              <a:shade val="50000"/>
+            </a:schemeClr>
+          </a:lnRef>
+          <a:fillRef idx="1">
+            <a:schemeClr val="accent1"/>
+          </a:fillRef>
+          <a:effectRef idx="0">
+            <a:schemeClr val="accent1"/>
+          </a:effectRef>
+          <a:fontRef idx="minor">
+            <a:schemeClr val="lt1"/>
+          </a:fontRef>
+        </p:style>
+        <p:txBody>
+          <a:bodyPr rtlCol="0" anchor="ctr"/>
+          <a:lstStyle/>
+          <a:p>
+            <a:pPr algn="ctr"/>
+            <a:r>
+              <a:rPr lang="ru-RU" sz="2000" dirty="0" smtClean="0"/>
+              <a:t>Модель</a:t>
+            </a:r>
+            <a:endParaRPr lang="ru-RU" sz="2000" dirty="0"/>
           </a:p>
         </p:txBody>
       </p:sp>
     </p:spTree>
     <p:extLst>
       <p:ext uri="{BB962C8B-B14F-4D97-AF65-F5344CB8AC3E}">
-        <p14:creationId xmlns="" xmlns:p14="http://schemas.microsoft.com/office/powerpoint/2010/main" val="1550165570"/>
+        <p14:creationId xmlns:p14="http://schemas.microsoft.com/office/powerpoint/2010/main" xmlns="" val="1550165570"/>
       </p:ext>
     </p:extLst>
   </p:cSld>
@@ -8911,14 +6102,195 @@
         </p:nvSpPr>
         <p:spPr/>
         <p:txBody>
-          <a:bodyPr/>
+          <a:bodyPr>
+            <a:normAutofit fontScale="90000"/>
+          </a:bodyPr>
           <a:lstStyle/>
           <a:p>
             <a:r>
               <a:rPr lang="ru-RU" sz="3600" dirty="0" smtClean="0"/>
-              <a:t>Физическая подсистема</a:t>
+              <a:t>Физическая </a:t>
+            </a:r>
+            <a:r>
+              <a:rPr lang="ru-RU" sz="3600" dirty="0" smtClean="0"/>
+              <a:t>подсистема</a:t>
+            </a:r>
+            <a:r>
+              <a:rPr lang="en-US" sz="3600" dirty="0" smtClean="0"/>
+              <a:t> (</a:t>
+            </a:r>
+            <a:r>
+              <a:rPr lang="ru-RU" sz="3600" dirty="0" smtClean="0"/>
+              <a:t>реальное время</a:t>
+            </a:r>
+            <a:r>
+              <a:rPr lang="en-US" sz="3600" dirty="0" smtClean="0"/>
+              <a:t>)</a:t>
             </a:r>
             <a:endParaRPr lang="ru-RU" sz="3600" dirty="0"/>
+          </a:p>
+        </p:txBody>
+      </p:sp>
+      <p:sp>
+        <p:nvSpPr>
+          <p:cNvPr id="12" name="Содержимое 11"/>
+          <p:cNvSpPr>
+            <a:spLocks noGrp="1"/>
+          </p:cNvSpPr>
+          <p:nvPr>
+            <p:ph sz="half" idx="1"/>
+          </p:nvPr>
+        </p:nvSpPr>
+        <p:spPr>
+          <a:xfrm>
+            <a:off x="467544" y="1484784"/>
+            <a:ext cx="3672408" cy="2376264"/>
+          </a:xfrm>
+          <a:solidFill>
+            <a:srgbClr val="000000">
+              <a:alpha val="69804"/>
+            </a:srgbClr>
+          </a:solidFill>
+        </p:spPr>
+        <p:txBody>
+          <a:bodyPr>
+            <a:normAutofit fontScale="77500" lnSpcReduction="20000"/>
+          </a:bodyPr>
+          <a:lstStyle/>
+          <a:p>
+            <a:r>
+              <a:rPr lang="ru-RU" dirty="0" smtClean="0"/>
+              <a:t>Модель </a:t>
+            </a:r>
+            <a:r>
+              <a:rPr lang="ru-RU" dirty="0" err="1" smtClean="0"/>
+              <a:t>тв</a:t>
+            </a:r>
+            <a:r>
+              <a:rPr lang="ru-RU" dirty="0" smtClean="0"/>
+              <a:t>. Тела</a:t>
+            </a:r>
+          </a:p>
+          <a:p>
+            <a:pPr lvl="1"/>
+            <a:r>
+              <a:rPr lang="en-US" dirty="0" smtClean="0">
+                <a:solidFill>
+                  <a:srgbClr val="80FF80"/>
+                </a:solidFill>
+              </a:rPr>
+              <a:t>CCD</a:t>
+            </a:r>
+          </a:p>
+          <a:p>
+            <a:pPr lvl="1"/>
+            <a:r>
+              <a:rPr lang="en-US" dirty="0" smtClean="0">
+                <a:solidFill>
+                  <a:srgbClr val="80FF80"/>
+                </a:solidFill>
+              </a:rPr>
+              <a:t>6-DOF Rigid body</a:t>
+            </a:r>
+            <a:endParaRPr lang="ru-RU" dirty="0" smtClean="0">
+              <a:solidFill>
+                <a:srgbClr val="80FF80"/>
+              </a:solidFill>
+            </a:endParaRPr>
+          </a:p>
+          <a:p>
+            <a:r>
+              <a:rPr lang="ru-RU" dirty="0" smtClean="0"/>
+              <a:t>Двигатели:</a:t>
+            </a:r>
+            <a:endParaRPr lang="ru-RU" dirty="0" smtClean="0"/>
+          </a:p>
+          <a:p>
+            <a:pPr lvl="1"/>
+            <a:r>
+              <a:rPr lang="ru-RU" dirty="0" smtClean="0">
+                <a:solidFill>
+                  <a:srgbClr val="80FF80"/>
+                </a:solidFill>
+              </a:rPr>
+              <a:t>По таблицам производителей</a:t>
+            </a:r>
+          </a:p>
+          <a:p>
+            <a:pPr lvl="1"/>
+            <a:r>
+              <a:rPr lang="ru-RU" dirty="0" smtClean="0">
+                <a:solidFill>
+                  <a:srgbClr val="80FF80"/>
+                </a:solidFill>
+              </a:rPr>
+              <a:t>По эмпирическим формулам</a:t>
+            </a:r>
+            <a:endParaRPr lang="en-US" dirty="0" smtClean="0">
+              <a:solidFill>
+                <a:srgbClr val="80FF80"/>
+              </a:solidFill>
+            </a:endParaRPr>
+          </a:p>
+          <a:p>
+            <a:endParaRPr lang="ru-RU" dirty="0"/>
+          </a:p>
+        </p:txBody>
+      </p:sp>
+      <p:sp>
+        <p:nvSpPr>
+          <p:cNvPr id="13" name="Содержимое 12"/>
+          <p:cNvSpPr>
+            <a:spLocks noGrp="1"/>
+          </p:cNvSpPr>
+          <p:nvPr>
+            <p:ph sz="half" idx="2"/>
+          </p:nvPr>
+        </p:nvSpPr>
+        <p:spPr>
+          <a:xfrm>
+            <a:off x="4644008" y="1484784"/>
+            <a:ext cx="4053136" cy="1800200"/>
+          </a:xfrm>
+          <a:solidFill>
+            <a:srgbClr val="000000">
+              <a:alpha val="69804"/>
+            </a:srgbClr>
+          </a:solidFill>
+        </p:spPr>
+        <p:txBody>
+          <a:bodyPr>
+            <a:noAutofit/>
+          </a:bodyPr>
+          <a:lstStyle/>
+          <a:p>
+            <a:r>
+              <a:rPr lang="ru-RU" sz="1800" dirty="0" smtClean="0"/>
+              <a:t>Решение уравнения </a:t>
+            </a:r>
+            <a:r>
+              <a:rPr lang="ru-RU" sz="1800" dirty="0" err="1" smtClean="0"/>
+              <a:t>Навье-Стокса</a:t>
+            </a:r>
+            <a:r>
+              <a:rPr lang="ru-RU" sz="1800" dirty="0" smtClean="0"/>
+              <a:t> – </a:t>
+            </a:r>
+            <a:r>
+              <a:rPr lang="ru-RU" sz="1800" dirty="0" smtClean="0">
+                <a:solidFill>
+                  <a:srgbClr val="80FF80"/>
+                </a:solidFill>
+              </a:rPr>
+              <a:t>расчет вихрей создаваемых пропеллерами</a:t>
+            </a:r>
+          </a:p>
+          <a:p>
+            <a:r>
+              <a:rPr lang="ru-RU" sz="1800" dirty="0" smtClean="0"/>
+              <a:t>Расчет пропеллеров по эмпирическим формулам в заданном локальном потоке</a:t>
+            </a:r>
+            <a:endParaRPr lang="ru-RU" sz="1800" dirty="0"/>
           </a:p>
         </p:txBody>
       </p:sp>
@@ -8943,130 +6315,6 @@
               <a:t>5</a:t>
             </a:fld>
             <a:endParaRPr lang="ru-RU"/>
-          </a:p>
-        </p:txBody>
-      </p:sp>
-      <p:sp>
-        <p:nvSpPr>
-          <p:cNvPr id="12" name="Содержимое 11"/>
-          <p:cNvSpPr>
-            <a:spLocks noGrp="1"/>
-          </p:cNvSpPr>
-          <p:nvPr>
-            <p:ph sz="half" idx="1"/>
-          </p:nvPr>
-        </p:nvSpPr>
-        <p:spPr>
-          <a:xfrm>
-            <a:off x="467544" y="1340769"/>
-            <a:ext cx="3672408" cy="2376264"/>
-          </a:xfrm>
-        </p:spPr>
-        <p:txBody>
-          <a:bodyPr>
-            <a:normAutofit fontScale="77500" lnSpcReduction="20000"/>
-          </a:bodyPr>
-          <a:lstStyle/>
-          <a:p>
-            <a:r>
-              <a:rPr lang="ru-RU" dirty="0" smtClean="0"/>
-              <a:t>Модель </a:t>
-            </a:r>
-            <a:r>
-              <a:rPr lang="ru-RU" dirty="0" err="1" smtClean="0"/>
-              <a:t>тв</a:t>
-            </a:r>
-            <a:r>
-              <a:rPr lang="ru-RU" dirty="0" smtClean="0"/>
-              <a:t>. Тела</a:t>
-            </a:r>
-          </a:p>
-          <a:p>
-            <a:pPr lvl="1"/>
-            <a:r>
-              <a:rPr lang="en-US" dirty="0" smtClean="0"/>
-              <a:t>CCD</a:t>
-            </a:r>
-          </a:p>
-          <a:p>
-            <a:pPr lvl="1"/>
-            <a:r>
-              <a:rPr lang="en-US" dirty="0" smtClean="0"/>
-              <a:t>6-DOF Rigid body</a:t>
-            </a:r>
-            <a:endParaRPr lang="ru-RU" dirty="0" smtClean="0"/>
-          </a:p>
-          <a:p>
-            <a:r>
-              <a:rPr lang="ru-RU" dirty="0" err="1" smtClean="0"/>
-              <a:t>Движетель</a:t>
-            </a:r>
-            <a:r>
-              <a:rPr lang="ru-RU" dirty="0" smtClean="0"/>
-              <a:t>:</a:t>
-            </a:r>
-          </a:p>
-          <a:p>
-            <a:pPr lvl="1"/>
-            <a:r>
-              <a:rPr lang="ru-RU" dirty="0" smtClean="0"/>
-              <a:t>По таблицам производителей</a:t>
-            </a:r>
-          </a:p>
-          <a:p>
-            <a:pPr lvl="1"/>
-            <a:r>
-              <a:rPr lang="ru-RU" dirty="0" smtClean="0"/>
-              <a:t>По эмпирическим формулам</a:t>
-            </a:r>
-            <a:endParaRPr lang="en-US" dirty="0" smtClean="0"/>
-          </a:p>
-          <a:p>
-            <a:endParaRPr lang="ru-RU" dirty="0"/>
-          </a:p>
-        </p:txBody>
-      </p:sp>
-      <p:sp>
-        <p:nvSpPr>
-          <p:cNvPr id="13" name="Содержимое 12"/>
-          <p:cNvSpPr>
-            <a:spLocks noGrp="1"/>
-          </p:cNvSpPr>
-          <p:nvPr>
-            <p:ph sz="half" idx="2"/>
-          </p:nvPr>
-        </p:nvSpPr>
-        <p:spPr>
-          <a:xfrm>
-            <a:off x="4427984" y="1340769"/>
-            <a:ext cx="4269160" cy="1368151"/>
-          </a:xfrm>
-        </p:spPr>
-        <p:txBody>
-          <a:bodyPr>
-            <a:noAutofit/>
-          </a:bodyPr>
-          <a:lstStyle/>
-          <a:p>
-            <a:r>
-              <a:rPr lang="ru-RU" sz="2000" dirty="0" smtClean="0"/>
-              <a:t>Решение уравнения </a:t>
-            </a:r>
-            <a:r>
-              <a:rPr lang="ru-RU" sz="2000" dirty="0" err="1" smtClean="0"/>
-              <a:t>Навье-Стокса</a:t>
-            </a:r>
-            <a:r>
-              <a:rPr lang="ru-RU" sz="2000" dirty="0" smtClean="0"/>
-              <a:t> – расчет вихрей создаваемых пропеллерами</a:t>
-            </a:r>
-          </a:p>
-          <a:p>
-            <a:r>
-              <a:rPr lang="ru-RU" sz="2000" dirty="0" smtClean="0"/>
-              <a:t>Расчет пропеллеров по эмпирическим формулам в заданном локальном потоке</a:t>
-            </a:r>
-            <a:endParaRPr lang="ru-RU" sz="2000" dirty="0"/>
           </a:p>
         </p:txBody>
       </p:sp>
@@ -9092,6 +6340,11 @@
           <a:prstGeom prst="rect">
             <a:avLst/>
           </a:prstGeom>
+          <a:ln>
+            <a:solidFill>
+              <a:schemeClr val="bg1"/>
+            </a:solidFill>
+          </a:ln>
         </p:spPr>
       </p:pic>
       <p:pic>
@@ -9114,18 +6367,23 @@
         </p:blipFill>
         <p:spPr>
           <a:xfrm>
-            <a:off x="4644008" y="3717032"/>
+            <a:off x="4644008" y="3424386"/>
             <a:ext cx="4038600" cy="3028950"/>
           </a:xfrm>
           <a:prstGeom prst="rect">
             <a:avLst/>
           </a:prstGeom>
+          <a:ln>
+            <a:solidFill>
+              <a:schemeClr val="bg1"/>
+            </a:solidFill>
+          </a:ln>
         </p:spPr>
       </p:pic>
     </p:spTree>
     <p:extLst>
       <p:ext uri="{BB962C8B-B14F-4D97-AF65-F5344CB8AC3E}">
-        <p14:creationId xmlns="" xmlns:p14="http://schemas.microsoft.com/office/powerpoint/2010/main" val="3609528446"/>
+        <p14:creationId xmlns:p14="http://schemas.microsoft.com/office/powerpoint/2010/main" xmlns="" val="3609528446"/>
       </p:ext>
     </p:extLst>
   </p:cSld>
@@ -9319,11 +6577,7 @@
           <a:p>
             <a:r>
               <a:rPr lang="ru-RU" sz="2800" dirty="0" smtClean="0"/>
-              <a:t>Модель функционирования </a:t>
-            </a:r>
-            <a:r>
-              <a:rPr lang="ru-RU" sz="2800" dirty="0" smtClean="0"/>
-              <a:t>бортового оборудования</a:t>
+              <a:t>Модель функционирования бортового оборудования</a:t>
             </a:r>
             <a:endParaRPr lang="ru-RU" sz="2800" dirty="0"/>
           </a:p>
@@ -9339,7 +6593,13 @@
             <p:ph sz="half" idx="1"/>
           </p:nvPr>
         </p:nvSpPr>
-        <p:spPr/>
+        <p:spPr>
+          <a:solidFill>
+            <a:srgbClr val="000000">
+              <a:alpha val="69804"/>
+            </a:srgbClr>
+          </a:solidFill>
+        </p:spPr>
         <p:txBody>
           <a:bodyPr>
             <a:normAutofit/>
@@ -9353,43 +6613,54 @@
               <a:rPr lang="ru-RU" sz="2400" b="1" u="sng" dirty="0" smtClean="0"/>
               <a:t>Сенсоры</a:t>
             </a:r>
-            <a:endParaRPr lang="ru-RU" sz="2400" b="1" u="sng" dirty="0" smtClean="0"/>
           </a:p>
           <a:p>
             <a:r>
               <a:rPr lang="ru-RU" sz="2400" dirty="0" smtClean="0"/>
-              <a:t>Типы </a:t>
-            </a:r>
-            <a:r>
-              <a:rPr lang="ru-RU" sz="2400" dirty="0" smtClean="0"/>
-              <a:t>сенсоров:</a:t>
+              <a:t>Типы сенсоров:</a:t>
             </a:r>
           </a:p>
           <a:p>
             <a:pPr lvl="1"/>
             <a:r>
-              <a:rPr lang="ru-RU" sz="2000" dirty="0" smtClean="0"/>
+              <a:rPr lang="ru-RU" sz="2000" dirty="0" smtClean="0">
+                <a:solidFill>
+                  <a:srgbClr val="80FF80"/>
+                </a:solidFill>
+              </a:rPr>
               <a:t>Гироскоп</a:t>
             </a:r>
           </a:p>
           <a:p>
             <a:pPr lvl="1"/>
             <a:r>
-              <a:rPr lang="ru-RU" sz="2000" dirty="0" smtClean="0"/>
+              <a:rPr lang="ru-RU" sz="2000" dirty="0" smtClean="0">
+                <a:solidFill>
+                  <a:srgbClr val="80FF80"/>
+                </a:solidFill>
+              </a:rPr>
               <a:t>Акселерометр</a:t>
             </a:r>
           </a:p>
           <a:p>
             <a:pPr lvl="1"/>
             <a:r>
-              <a:rPr lang="ru-RU" sz="2000" dirty="0" smtClean="0"/>
+              <a:rPr lang="ru-RU" sz="2000" dirty="0" smtClean="0">
+                <a:solidFill>
+                  <a:srgbClr val="80FF80"/>
+                </a:solidFill>
+              </a:rPr>
               <a:t>Барометр</a:t>
             </a:r>
           </a:p>
           <a:p>
             <a:pPr lvl="1"/>
             <a:r>
-              <a:rPr lang="ru-RU" sz="2000" dirty="0" smtClean="0"/>
+              <a:rPr lang="ru-RU" sz="2000" dirty="0" smtClean="0">
+                <a:solidFill>
+                  <a:srgbClr val="80FF80"/>
+                </a:solidFill>
+              </a:rPr>
               <a:t>Магнитометр</a:t>
             </a:r>
           </a:p>
@@ -9398,7 +6669,6 @@
               <a:rPr lang="ru-RU" sz="2400" dirty="0" smtClean="0"/>
               <a:t>Шум</a:t>
             </a:r>
-            <a:endParaRPr lang="ru-RU" sz="2400" dirty="0" smtClean="0"/>
           </a:p>
           <a:p>
             <a:r>
@@ -9425,7 +6695,13 @@
             <p:ph sz="half" idx="2"/>
           </p:nvPr>
         </p:nvSpPr>
-        <p:spPr/>
+        <p:spPr>
+          <a:solidFill>
+            <a:srgbClr val="000000">
+              <a:alpha val="69804"/>
+            </a:srgbClr>
+          </a:solidFill>
+        </p:spPr>
         <p:txBody>
           <a:bodyPr/>
           <a:lstStyle/>
@@ -9443,14 +6719,12 @@
               <a:rPr lang="ru-RU" sz="2400" dirty="0" smtClean="0"/>
               <a:t>Помехи и шум</a:t>
             </a:r>
-            <a:endParaRPr lang="ru-RU" sz="2400" dirty="0" smtClean="0"/>
           </a:p>
           <a:p>
             <a:r>
               <a:rPr lang="ru-RU" sz="2400" dirty="0" smtClean="0"/>
               <a:t>Блики в линзах</a:t>
             </a:r>
-            <a:endParaRPr lang="ru-RU" sz="2400" dirty="0" smtClean="0"/>
           </a:p>
           <a:p>
             <a:r>
@@ -9473,13 +6747,8 @@
           <a:p>
             <a:r>
               <a:rPr lang="ru-RU" sz="2400" dirty="0" smtClean="0"/>
-              <a:t>Разные фокусные </a:t>
-            </a:r>
-            <a:r>
-              <a:rPr lang="ru-RU" sz="2400" dirty="0" smtClean="0"/>
-              <a:t>расстояния и различные оптические искажения</a:t>
-            </a:r>
-            <a:endParaRPr lang="ru-RU" sz="2400" dirty="0" smtClean="0"/>
+              <a:t>Разные фокусные расстояния и различные оптические искажения</a:t>
+            </a:r>
           </a:p>
           <a:p>
             <a:endParaRPr lang="ru-RU" dirty="0"/>
@@ -9559,11 +6828,7 @@
           <a:p>
             <a:r>
               <a:rPr lang="ru-RU" sz="3600" dirty="0" smtClean="0"/>
-              <a:t>Средства </a:t>
-            </a:r>
-            <a:r>
-              <a:rPr lang="ru-RU" sz="3600" dirty="0" smtClean="0"/>
-              <a:t>анализа динамики БПЛА</a:t>
+              <a:t>Средства анализа динамики БПЛА</a:t>
             </a:r>
             <a:endParaRPr lang="ru-RU" sz="3600" dirty="0"/>
           </a:p>
@@ -9579,7 +6844,18 @@
             <p:ph sz="half" idx="1"/>
           </p:nvPr>
         </p:nvSpPr>
-        <p:spPr/>
+        <p:spPr>
+          <a:solidFill>
+            <a:srgbClr val="000000"/>
+          </a:solidFill>
+          <a:ln>
+            <a:solidFill>
+              <a:srgbClr val="000000">
+                <a:alpha val="69804"/>
+              </a:srgbClr>
+            </a:solidFill>
+          </a:ln>
+        </p:spPr>
         <p:txBody>
           <a:bodyPr>
             <a:normAutofit/>
@@ -9594,36 +6870,55 @@
           <a:p>
             <a:pPr lvl="1"/>
             <a:r>
-              <a:rPr lang="ru-RU" sz="2000" dirty="0" smtClean="0"/>
+              <a:rPr lang="ru-RU" sz="2000" dirty="0" smtClean="0">
+                <a:solidFill>
+                  <a:srgbClr val="80FF80"/>
+                </a:solidFill>
+              </a:rPr>
               <a:t>Акселерометр</a:t>
             </a:r>
-            <a:endParaRPr lang="ru-RU" sz="2000" dirty="0" smtClean="0"/>
           </a:p>
           <a:p>
             <a:pPr lvl="1"/>
             <a:r>
-              <a:rPr lang="ru-RU" sz="2000" dirty="0" smtClean="0"/>
+              <a:rPr lang="ru-RU" sz="2000" dirty="0" smtClean="0">
+                <a:solidFill>
+                  <a:srgbClr val="80FF80"/>
+                </a:solidFill>
+              </a:rPr>
               <a:t>Гироскоп</a:t>
             </a:r>
           </a:p>
           <a:p>
             <a:pPr lvl="1"/>
             <a:r>
-              <a:rPr lang="ru-RU" sz="2000" dirty="0" smtClean="0"/>
+              <a:rPr lang="ru-RU" sz="2000" dirty="0" smtClean="0">
+                <a:solidFill>
+                  <a:srgbClr val="80FF80"/>
+                </a:solidFill>
+              </a:rPr>
               <a:t>Барометр</a:t>
             </a:r>
           </a:p>
           <a:p>
             <a:pPr lvl="1"/>
             <a:r>
-              <a:rPr lang="ru-RU" sz="2000" dirty="0" smtClean="0"/>
+              <a:rPr lang="ru-RU" sz="2000" dirty="0" smtClean="0">
+                <a:solidFill>
+                  <a:srgbClr val="80FF80"/>
+                </a:solidFill>
+              </a:rPr>
               <a:t>Магнитометр</a:t>
             </a:r>
           </a:p>
           <a:p>
             <a:pPr lvl="1"/>
             <a:r>
-              <a:rPr lang="ru-RU" sz="2000" dirty="0" smtClean="0"/>
+              <a:rPr lang="ru-RU" sz="2000" dirty="0" smtClean="0">
+                <a:solidFill>
+                  <a:srgbClr val="80FF80"/>
+                </a:solidFill>
+              </a:rPr>
               <a:t>Сонар</a:t>
             </a:r>
           </a:p>
@@ -9636,18 +6931,30 @@
           <a:p>
             <a:pPr lvl="1"/>
             <a:r>
-              <a:rPr lang="ru-RU" sz="2000" dirty="0" smtClean="0"/>
+              <a:rPr lang="ru-RU" sz="2000" dirty="0" smtClean="0">
+                <a:solidFill>
+                  <a:srgbClr val="80FF80"/>
+                </a:solidFill>
+              </a:rPr>
               <a:t>Результаты интегрирования</a:t>
             </a:r>
           </a:p>
           <a:p>
             <a:pPr lvl="1"/>
             <a:r>
-              <a:rPr lang="ru-RU" sz="2000" dirty="0" err="1" smtClean="0"/>
+              <a:rPr lang="ru-RU" sz="2000" dirty="0" err="1" smtClean="0">
+                <a:solidFill>
+                  <a:srgbClr val="80FF80"/>
+                </a:solidFill>
+              </a:rPr>
               <a:t>Управлящие</a:t>
             </a:r>
             <a:r>
-              <a:rPr lang="ru-RU" sz="2000" dirty="0" smtClean="0"/>
+              <a:rPr lang="ru-RU" sz="2000" dirty="0" smtClean="0">
+                <a:solidFill>
+                  <a:srgbClr val="80FF80"/>
+                </a:solidFill>
+              </a:rPr>
               <a:t> сигналы (ШИМ на ЭКС)</a:t>
             </a:r>
           </a:p>
@@ -9675,7 +6982,20 @@
             <p:ph sz="half" idx="2"/>
           </p:nvPr>
         </p:nvSpPr>
-        <p:spPr/>
+        <p:spPr>
+          <a:solidFill>
+            <a:srgbClr val="000000">
+              <a:alpha val="69804"/>
+            </a:srgbClr>
+          </a:solidFill>
+          <a:ln>
+            <a:solidFill>
+              <a:srgbClr val="000000">
+                <a:alpha val="69804"/>
+              </a:srgbClr>
+            </a:solidFill>
+          </a:ln>
+        </p:spPr>
         <p:txBody>
           <a:bodyPr>
             <a:normAutofit/>
@@ -9690,11 +7010,7 @@
           <a:p>
             <a:r>
               <a:rPr lang="ru-RU" sz="2400" dirty="0" smtClean="0"/>
-              <a:t>Отображение графиков разных характеристик в режиме реального </a:t>
-            </a:r>
-            <a:r>
-              <a:rPr lang="ru-RU" sz="2400" dirty="0" smtClean="0"/>
-              <a:t>времени</a:t>
+              <a:t>Отображение графиков разных характеристик в режиме реального времени</a:t>
             </a:r>
           </a:p>
           <a:p>
@@ -9705,16 +7021,27 @@
               <a:buNone/>
             </a:pPr>
             <a:r>
-              <a:rPr lang="en-US" sz="2400" b="1" i="1" dirty="0" smtClean="0"/>
+              <a:rPr lang="en-US" sz="2400" b="1" i="1" dirty="0" smtClean="0">
+                <a:solidFill>
+                  <a:srgbClr val="4F81BD"/>
+                </a:solidFill>
+              </a:rPr>
               <a:t>Motion Capture </a:t>
             </a:r>
             <a:r>
               <a:rPr lang="en-US" sz="2400" b="1" i="1" dirty="0" smtClean="0">
+                <a:solidFill>
+                  <a:srgbClr val="4F81BD"/>
+                </a:solidFill>
                 <a:sym typeface="Wingdings" pitchFamily="2" charset="2"/>
               </a:rPr>
               <a:t></a:t>
             </a:r>
-            <a:endParaRPr lang="ru-RU" sz="2400" b="1" i="1" dirty="0" smtClean="0"/>
+            <a:endParaRPr lang="ru-RU" sz="2400" b="1" i="1" dirty="0" smtClean="0">
+              <a:solidFill>
+                <a:srgbClr val="4F81BD"/>
+              </a:solidFill>
+            </a:endParaRPr>
           </a:p>
           <a:p>
             <a:endParaRPr lang="ru-RU" sz="2000" dirty="0"/>
@@ -9741,7 +7068,7 @@
               <a:pPr/>
               <a:t>7</a:t>
             </a:fld>
-            <a:endParaRPr lang="ru-RU"/>
+            <a:endParaRPr lang="ru-RU" dirty="0"/>
           </a:p>
         </p:txBody>
       </p:sp>
@@ -9789,7 +7116,9 @@
         </p:nvSpPr>
         <p:spPr/>
         <p:txBody>
-          <a:bodyPr/>
+          <a:bodyPr>
+            <a:normAutofit fontScale="90000"/>
+          </a:bodyPr>
           <a:lstStyle/>
           <a:p>
             <a:r>
@@ -9810,7 +7139,13 @@
             <p:ph sz="half" idx="1"/>
           </p:nvPr>
         </p:nvSpPr>
-        <p:spPr/>
+        <p:spPr>
+          <a:solidFill>
+            <a:srgbClr val="000000">
+              <a:alpha val="69804"/>
+            </a:srgbClr>
+          </a:solidFill>
+        </p:spPr>
         <p:txBody>
           <a:bodyPr>
             <a:normAutofit fontScale="70000" lnSpcReduction="20000"/>
@@ -9820,7 +7155,7 @@
             <a:r>
               <a:rPr lang="ru-RU" dirty="0" smtClean="0">
                 <a:solidFill>
-                  <a:srgbClr val="FF0000"/>
+                  <a:srgbClr val="FF8080"/>
                 </a:solidFill>
               </a:rPr>
               <a:t>Бортовая система навигации всегда подвержена накапливающейся ошибке</a:t>
@@ -9830,7 +7165,7 @@
             <a:r>
               <a:rPr lang="en-US" dirty="0" smtClean="0">
                 <a:solidFill>
-                  <a:srgbClr val="FF0000"/>
+                  <a:schemeClr val="bg1"/>
                 </a:solidFill>
                 <a:sym typeface="Wingdings" pitchFamily="2" charset="2"/>
               </a:rPr>
@@ -9839,7 +7174,7 @@
             <a:r>
               <a:rPr lang="ru-RU" dirty="0" smtClean="0">
                 <a:solidFill>
-                  <a:srgbClr val="FF0000"/>
+                  <a:schemeClr val="bg1"/>
                 </a:solidFill>
               </a:rPr>
               <a:t>Необходим стационарный инструмент </a:t>
@@ -9847,18 +7182,25 @@
             <a:r>
               <a:rPr lang="ru-RU" dirty="0" err="1" smtClean="0">
                 <a:solidFill>
-                  <a:srgbClr val="FF0000"/>
+                  <a:schemeClr val="bg1"/>
                 </a:solidFill>
               </a:rPr>
               <a:t>трэкинга</a:t>
             </a:r>
             <a:endParaRPr lang="ru-RU" dirty="0" smtClean="0">
               <a:solidFill>
-                <a:srgbClr val="FF0000"/>
+                <a:schemeClr val="bg1"/>
               </a:solidFill>
             </a:endParaRPr>
           </a:p>
           <a:p>
+            <a:endParaRPr lang="ru-RU" dirty="0" smtClean="0">
+              <a:solidFill>
+                <a:schemeClr val="bg1"/>
+              </a:solidFill>
+            </a:endParaRPr>
+          </a:p>
+          <a:p>
             <a:r>
               <a:rPr lang="ru-RU" dirty="0" smtClean="0">
                 <a:solidFill>
@@ -9919,7 +7261,26 @@
                   <a:srgbClr val="92D050"/>
                 </a:solidFill>
               </a:rPr>
-              <a:t>Автоматизированная посадка на базе</a:t>
+              <a:t>Автоматизированная посадка на </a:t>
+            </a:r>
+            <a:r>
+              <a:rPr lang="ru-RU" dirty="0" smtClean="0">
+                <a:solidFill>
+                  <a:srgbClr val="92D050"/>
+                </a:solidFill>
+              </a:rPr>
+              <a:t>базе</a:t>
+            </a:r>
+          </a:p>
+          <a:p>
+            <a:pPr lvl="1"/>
+            <a:r>
+              <a:rPr lang="ru-RU" dirty="0" smtClean="0">
+                <a:solidFill>
+                  <a:srgbClr val="92D050"/>
+                </a:solidFill>
+              </a:rPr>
+              <a:t>Калибровка</a:t>
             </a:r>
             <a:endParaRPr lang="ru-RU" dirty="0" smtClean="0">
               <a:solidFill>
@@ -9947,7 +7308,7 @@
         </p:blipFill>
         <p:spPr>
           <a:xfrm>
-            <a:off x="4644008" y="1844824"/>
+            <a:off x="4716016" y="1628800"/>
             <a:ext cx="4038600" cy="2881313"/>
           </a:xfrm>
         </p:spPr>
@@ -10044,12 +7405,17 @@
         <p:spPr>
           <a:xfrm>
             <a:off x="323528" y="1628800"/>
-            <a:ext cx="3744416" cy="4525963"/>
+            <a:ext cx="4104456" cy="4525963"/>
           </a:xfrm>
+          <a:solidFill>
+            <a:srgbClr val="000000">
+              <a:alpha val="69804"/>
+            </a:srgbClr>
+          </a:solidFill>
         </p:spPr>
         <p:txBody>
           <a:bodyPr>
-            <a:normAutofit fontScale="85000" lnSpcReduction="10000"/>
+            <a:normAutofit fontScale="92500" lnSpcReduction="10000"/>
           </a:bodyPr>
           <a:lstStyle/>
           <a:p>
@@ -10059,15 +7425,7 @@
             </a:r>
             <a:r>
               <a:rPr lang="en-US" dirty="0" smtClean="0"/>
-              <a:t> </a:t>
-            </a:r>
-            <a:r>
-              <a:rPr lang="en-US" dirty="0" smtClean="0"/>
-              <a:t>Bonita </a:t>
-            </a:r>
-            <a:r>
-              <a:rPr lang="en-US" dirty="0" smtClean="0"/>
-              <a:t>X8</a:t>
+              <a:t> Bonita X8</a:t>
             </a:r>
           </a:p>
           <a:p>
@@ -10079,7 +7437,6 @@
               <a:rPr lang="en-US" dirty="0" smtClean="0"/>
               <a:t> Tracker</a:t>
             </a:r>
-            <a:endParaRPr lang="en-US" dirty="0" smtClean="0"/>
           </a:p>
           <a:p>
             <a:pPr lvl="1"/>
@@ -10097,11 +7454,7 @@
             </a:r>
             <a:r>
               <a:rPr lang="ru-RU" dirty="0" smtClean="0"/>
-              <a:t>отслеживания движения </a:t>
-            </a:r>
-            <a:r>
-              <a:rPr lang="ru-RU" dirty="0" smtClean="0"/>
-              <a:t>твердых тел</a:t>
+              <a:t>отслеживания движения твердых тел</a:t>
             </a:r>
           </a:p>
           <a:p>
@@ -10125,7 +7478,6 @@
               <a:rPr lang="ru-RU" dirty="0" smtClean="0"/>
               <a:t>выступает как сервер, доступный другим программам</a:t>
             </a:r>
-            <a:endParaRPr lang="ru-RU" dirty="0" smtClean="0"/>
           </a:p>
           <a:p>
             <a:endParaRPr lang="ru-RU" dirty="0"/>
@@ -10144,14 +7496,15 @@
         </p:nvPicPr>
         <p:blipFill>
           <a:blip r:embed="rId2" cstate="print"/>
+          <a:srcRect t="1810"/>
           <a:stretch>
             <a:fillRect/>
           </a:stretch>
         </p:blipFill>
         <p:spPr>
           <a:xfrm>
-            <a:off x="4716016" y="3789040"/>
-            <a:ext cx="3677845" cy="2232248"/>
+            <a:off x="5148064" y="3861048"/>
+            <a:ext cx="3750568" cy="2235181"/>
           </a:xfrm>
         </p:spPr>
       </p:pic>
@@ -10181,27 +7534,43 @@
       </p:sp>
       <p:pic>
         <p:nvPicPr>
-          <p:cNvPr id="7" name="Рисунок 6" descr="bonita.jpeg"/>
+          <p:cNvPr id="8" name="Рисунок 7" descr="bonitapressimage2.png"/>
           <p:cNvPicPr>
             <a:picLocks noChangeAspect="1"/>
           </p:cNvPicPr>
           <p:nvPr/>
         </p:nvPicPr>
         <p:blipFill>
-          <a:blip r:embed="rId3" cstate="print"/>
-          <a:srcRect l="27935" t="9051" r="23207" b="30050"/>
+          <a:blip r:embed="rId3" cstate="print">
+            <a:clrChange>
+              <a:clrFrom>
+                <a:srgbClr val="000000"/>
+              </a:clrFrom>
+              <a:clrTo>
+                <a:srgbClr val="000000">
+                  <a:alpha val="0"/>
+                </a:srgbClr>
+              </a:clrTo>
+            </a:clrChange>
+          </a:blip>
+          <a:srcRect l="13333" r="18339"/>
           <a:stretch>
             <a:fillRect/>
           </a:stretch>
         </p:blipFill>
         <p:spPr>
           <a:xfrm>
-            <a:off x="6012160" y="1412776"/>
-            <a:ext cx="2376264" cy="2222957"/>
+            <a:off x="5148064" y="1556792"/>
+            <a:ext cx="3744416" cy="2160240"/>
           </a:xfrm>
           <a:prstGeom prst="rect">
             <a:avLst/>
           </a:prstGeom>
+          <a:solidFill>
+            <a:srgbClr val="000000">
+              <a:alpha val="83000"/>
+            </a:srgbClr>
+          </a:solidFill>
         </p:spPr>
       </p:pic>
     </p:spTree>
@@ -10220,117 +7589,59 @@
 </file>
 
 <file path=ppt/theme/theme1.xml><?xml version="1.0" encoding="utf-8"?>
-<a:theme xmlns:a="http://schemas.openxmlformats.org/drawingml/2006/main" name="Метро">
+<a:theme xmlns:a="http://schemas.openxmlformats.org/drawingml/2006/main" name="Тема Office">
   <a:themeElements>
-    <a:clrScheme name="Метро">
+    <a:clrScheme name="Другая 2">
       <a:dk1>
-        <a:sysClr val="windowText" lastClr="000000"/>
+        <a:srgbClr val="FFFFFF"/>
       </a:dk1>
       <a:lt1>
         <a:sysClr val="window" lastClr="FFFFFF"/>
       </a:lt1>
       <a:dk2>
-        <a:srgbClr val="4E5B6F"/>
+        <a:srgbClr val="FFFFFF"/>
       </a:dk2>
       <a:lt2>
-        <a:srgbClr val="D6ECFF"/>
+        <a:srgbClr val="EEECE1"/>
       </a:lt2>
       <a:accent1>
-        <a:srgbClr val="7FD13B"/>
+        <a:srgbClr val="4F81BD"/>
       </a:accent1>
       <a:accent2>
-        <a:srgbClr val="EA157A"/>
+        <a:srgbClr val="C0504D"/>
       </a:accent2>
       <a:accent3>
-        <a:srgbClr val="FEB80A"/>
+        <a:srgbClr val="9BBB59"/>
       </a:accent3>
       <a:accent4>
-        <a:srgbClr val="00ADDC"/>
+        <a:srgbClr val="8064A2"/>
       </a:accent4>
       <a:accent5>
-        <a:srgbClr val="738AC8"/>
+        <a:srgbClr val="4BACC6"/>
       </a:accent5>
       <a:accent6>
-        <a:srgbClr val="1AB39F"/>
+        <a:srgbClr val="F79646"/>
       </a:accent6>
       <a:hlink>
-        <a:srgbClr val="EB8803"/>
+        <a:srgbClr val="0000FF"/>
       </a:hlink>
       <a:folHlink>
-        <a:srgbClr val="5F7791"/>
+        <a:srgbClr val="800080"/>
       </a:folHlink>
     </a:clrScheme>
-    <a:fontScheme name="Метро">
+    <a:fontScheme name="Gothic">
       <a:majorFont>
-        <a:latin typeface="Consolas"/>
+        <a:latin typeface="Franklin Gothic Book"/>
         <a:ea typeface=""/>
         <a:cs typeface=""/>
-        <a:font script="Jpan" typeface="HG丸ｺﾞｼｯｸM-PRO"/>
-        <a:font script="Hang" typeface="HY중고딕"/>
-        <a:font script="Hans" typeface="华文楷体"/>
-        <a:font script="Hant" typeface="新細明體"/>
-        <a:font script="Arab" typeface="Tahoma"/>
-        <a:font script="Hebr" typeface="Levenim MT"/>
-        <a:font script="Thai" typeface="DilleniaUPC"/>
-        <a:font script="Ethi" typeface="Nyala"/>
-        <a:font script="Beng" typeface="Vrinda"/>
-        <a:font script="Gujr" typeface="Shruti"/>
-        <a:font script="Khmr" typeface="DaunPenh"/>
-        <a:font script="Knda" typeface="Tunga"/>
-        <a:font script="Guru" typeface="Raavi"/>
-        <a:font script="Cans" typeface="Euphemia"/>
-        <a:font script="Cher" typeface="Plantagenet Cherokee"/>
-        <a:font script="Yiii" typeface="Microsoft Yi Baiti"/>
-        <a:font script="Tibt" typeface="Microsoft Himalaya"/>
-        <a:font script="Thaa" typeface="MV Boli"/>
-        <a:font script="Deva" typeface="Mangal"/>
-        <a:font script="Telu" typeface="Gautami"/>
-        <a:font script="Taml" typeface="Latha"/>
-        <a:font script="Syrc" typeface="Estrangelo Edessa"/>
-        <a:font script="Orya" typeface="Kalinga"/>
-        <a:font script="Mlym" typeface="Kartika"/>
-        <a:font script="Laoo" typeface="DokChampa"/>
-        <a:font script="Sinh" typeface="Iskoola Pota"/>
-        <a:font script="Mong" typeface="Mongolian Baiti"/>
-        <a:font script="Viet" typeface="Tahoma"/>
-        <a:font script="Uigh" typeface="Microsoft Uighur"/>
       </a:majorFont>
       <a:minorFont>
-        <a:latin typeface="Corbel"/>
+        <a:latin typeface="Franklin Gothic Book"/>
         <a:ea typeface=""/>
         <a:cs typeface=""/>
-        <a:font script="Jpan" typeface="HGｺﾞｼｯｸM"/>
-        <a:font script="Hang" typeface="맑은 고딕"/>
-        <a:font script="Hans" typeface="宋体"/>
-        <a:font script="Hant" typeface="新細明體"/>
-        <a:font script="Arab" typeface="Tahoma"/>
-        <a:font script="Hebr" typeface="Miriam"/>
-        <a:font script="Thai" typeface="DilleniaUPC"/>
-        <a:font script="Ethi" typeface="Nyala"/>
-        <a:font script="Beng" typeface="Vrinda"/>
-        <a:font script="Gujr" typeface="Shruti"/>
-        <a:font script="Khmr" typeface="DaunPenh"/>
-        <a:font script="Knda" typeface="Tunga"/>
-        <a:font script="Guru" typeface="Raavi"/>
-        <a:font script="Cans" typeface="Euphemia"/>
-        <a:font script="Cher" typeface="Plantagenet Cherokee"/>
-        <a:font script="Yiii" typeface="Microsoft Yi Baiti"/>
-        <a:font script="Tibt" typeface="Microsoft Himalaya"/>
-        <a:font script="Thaa" typeface="MV Boli"/>
-        <a:font script="Deva" typeface="Mangal"/>
-        <a:font script="Telu" typeface="Gautami"/>
-        <a:font script="Taml" typeface="Latha"/>
-        <a:font script="Syrc" typeface="Estrangelo Edessa"/>
-        <a:font script="Orya" typeface="Kalinga"/>
-        <a:font script="Mlym" typeface="Kartika"/>
-        <a:font script="Laoo" typeface="DokChampa"/>
-        <a:font script="Sinh" typeface="Iskoola Pota"/>
-        <a:font script="Mong" typeface="Mongolian Baiti"/>
-        <a:font script="Viet" typeface="Tahoma"/>
-        <a:font script="Uigh" typeface="Microsoft Uighur"/>
       </a:minorFont>
     </a:fontScheme>
-    <a:fmtScheme name="Метро">
+    <a:fmtScheme name="Стандартная">
       <a:fillStyleLst>
         <a:solidFill>
           <a:schemeClr val="phClr"/>
@@ -10339,89 +7650,60 @@
           <a:gsLst>
             <a:gs pos="0">
               <a:schemeClr val="phClr">
-                <a:tint val="25000"/>
-                <a:satMod val="125000"/>
+                <a:tint val="50000"/>
+                <a:satMod val="300000"/>
               </a:schemeClr>
             </a:gs>
-            <a:gs pos="40000">
+            <a:gs pos="35000">
               <a:schemeClr val="phClr">
-                <a:tint val="55000"/>
+                <a:tint val="37000"/>
+                <a:satMod val="300000"/>
+              </a:schemeClr>
+            </a:gs>
+            <a:gs pos="100000">
+              <a:schemeClr val="phClr">
+                <a:tint val="15000"/>
+                <a:satMod val="350000"/>
+              </a:schemeClr>
+            </a:gs>
+          </a:gsLst>
+          <a:lin ang="16200000" scaled="1"/>
+        </a:gradFill>
+        <a:gradFill rotWithShape="1">
+          <a:gsLst>
+            <a:gs pos="0">
+              <a:schemeClr val="phClr">
+                <a:shade val="51000"/>
                 <a:satMod val="130000"/>
               </a:schemeClr>
             </a:gs>
-            <a:gs pos="50000">
+            <a:gs pos="80000">
               <a:schemeClr val="phClr">
-                <a:tint val="59000"/>
-                <a:satMod val="130000"/>
-              </a:schemeClr>
-            </a:gs>
-            <a:gs pos="65000">
-              <a:schemeClr val="phClr">
-                <a:tint val="55000"/>
+                <a:shade val="93000"/>
                 <a:satMod val="130000"/>
               </a:schemeClr>
             </a:gs>
             <a:gs pos="100000">
               <a:schemeClr val="phClr">
-                <a:tint val="20000"/>
-                <a:satMod val="125000"/>
+                <a:shade val="94000"/>
+                <a:satMod val="135000"/>
               </a:schemeClr>
             </a:gs>
           </a:gsLst>
-          <a:lin ang="5400000" scaled="0"/>
-        </a:gradFill>
-        <a:gradFill rotWithShape="1">
-          <a:gsLst>
-            <a:gs pos="0">
-              <a:schemeClr val="phClr">
-                <a:tint val="48000"/>
-                <a:satMod val="138000"/>
-              </a:schemeClr>
-            </a:gs>
-            <a:gs pos="25000">
-              <a:schemeClr val="phClr">
-                <a:tint val="85000"/>
-              </a:schemeClr>
-            </a:gs>
-            <a:gs pos="40000">
-              <a:schemeClr val="phClr">
-                <a:tint val="92000"/>
-              </a:schemeClr>
-            </a:gs>
-            <a:gs pos="50000">
-              <a:schemeClr val="phClr">
-                <a:tint val="93000"/>
-              </a:schemeClr>
-            </a:gs>
-            <a:gs pos="60000">
-              <a:schemeClr val="phClr">
-                <a:tint val="92000"/>
-              </a:schemeClr>
-            </a:gs>
-            <a:gs pos="75000">
-              <a:schemeClr val="phClr">
-                <a:tint val="83000"/>
-                <a:satMod val="108000"/>
-              </a:schemeClr>
-            </a:gs>
-            <a:gs pos="100000">
-              <a:schemeClr val="phClr">
-                <a:tint val="48000"/>
-                <a:satMod val="150000"/>
-              </a:schemeClr>
-            </a:gs>
-          </a:gsLst>
-          <a:lin ang="5400000" scaled="0"/>
+          <a:lin ang="16200000" scaled="0"/>
         </a:gradFill>
       </a:fillStyleLst>
       <a:lnStyleLst>
-        <a:ln w="12000" cap="flat" cmpd="sng" algn="ctr">
+        <a:ln w="9525" cap="flat" cmpd="sng" algn="ctr">
           <a:solidFill>
-            <a:schemeClr val="phClr"/>
+            <a:schemeClr val="phClr">
+              <a:shade val="95000"/>
+              <a:satMod val="105000"/>
+            </a:schemeClr>
           </a:solidFill>
           <a:prstDash val="solid"/>
         </a:ln>
-        <a:ln w="19050" cap="flat" cmpd="sng" algn="ctr">
+        <a:ln w="25400" cap="flat" cmpd="sng" algn="ctr">
           <a:solidFill>
             <a:schemeClr val="phClr"/>
           </a:solidFill>
@@ -10437,62 +7719,40 @@
       <a:effectStyleLst>
         <a:effectStyle>
           <a:effectLst>
-            <a:glow rad="63500">
-              <a:schemeClr val="phClr">
-                <a:alpha val="45000"/>
-                <a:satMod val="120000"/>
-              </a:schemeClr>
-            </a:glow>
+            <a:outerShdw blurRad="40000" dist="20000" dir="5400000" rotWithShape="0">
+              <a:srgbClr val="000000">
+                <a:alpha val="38000"/>
+              </a:srgbClr>
+            </a:outerShdw>
           </a:effectLst>
         </a:effectStyle>
         <a:effectStyle>
           <a:effectLst>
-            <a:glow rad="63500">
-              <a:schemeClr val="phClr">
-                <a:alpha val="45000"/>
-                <a:satMod val="120000"/>
-              </a:schemeClr>
-            </a:glow>
+            <a:outerShdw blurRad="40000" dist="23000" dir="5400000" rotWithShape="0">
+              <a:srgbClr val="000000">
+                <a:alpha val="35000"/>
+              </a:srgbClr>
+            </a:outerShdw>
+          </a:effectLst>
+        </a:effectStyle>
+        <a:effectStyle>
+          <a:effectLst>
+            <a:outerShdw blurRad="40000" dist="23000" dir="5400000" rotWithShape="0">
+              <a:srgbClr val="000000">
+                <a:alpha val="35000"/>
+              </a:srgbClr>
+            </a:outerShdw>
           </a:effectLst>
           <a:scene3d>
-            <a:camera prst="orthographicFront" fov="0">
+            <a:camera prst="orthographicFront">
               <a:rot lat="0" lon="0" rev="0"/>
             </a:camera>
-            <a:lightRig rig="brightRoom" dir="tl">
-              <a:rot lat="0" lon="0" rev="8700000"/>
+            <a:lightRig rig="threePt" dir="t">
+              <a:rot lat="0" lon="0" rev="1200000"/>
             </a:lightRig>
           </a:scene3d>
           <a:sp3d>
-            <a:bevelT w="0" h="0"/>
-            <a:contourClr>
-              <a:schemeClr val="phClr">
-                <a:tint val="70000"/>
-              </a:schemeClr>
-            </a:contourClr>
-          </a:sp3d>
-        </a:effectStyle>
-        <a:effectStyle>
-          <a:effectLst>
-            <a:glow rad="101500">
-              <a:schemeClr val="phClr">
-                <a:alpha val="42000"/>
-                <a:satMod val="120000"/>
-              </a:schemeClr>
-            </a:glow>
-          </a:effectLst>
-          <a:scene3d>
-            <a:camera prst="orthographicFront" fov="0">
-              <a:rot lat="0" lon="0" rev="0"/>
-            </a:camera>
-            <a:lightRig rig="glow" dir="t">
-              <a:rot lat="0" lon="0" rev="4800000"/>
-            </a:lightRig>
-          </a:scene3d>
-          <a:sp3d prstMaterial="powder">
-            <a:bevelT w="50800" h="50800"/>
-            <a:contourClr>
-              <a:schemeClr val="phClr"/>
-            </a:contourClr>
+            <a:bevelT w="63500" h="25400"/>
           </a:sp3d>
         </a:effectStyle>
       </a:effectStyleLst>
@@ -10503,41 +7763,48 @@
         <a:gradFill rotWithShape="1">
           <a:gsLst>
             <a:gs pos="0">
-              <a:schemeClr val="bg1">
-                <a:shade val="100000"/>
-                <a:satMod val="150000"/>
+              <a:schemeClr val="phClr">
+                <a:tint val="40000"/>
+                <a:satMod val="350000"/>
               </a:schemeClr>
             </a:gs>
-            <a:gs pos="65000">
-              <a:schemeClr val="bg1">
-                <a:shade val="90000"/>
-                <a:satMod val="375000"/>
+            <a:gs pos="40000">
+              <a:schemeClr val="phClr">
+                <a:tint val="45000"/>
+                <a:shade val="99000"/>
+                <a:satMod val="350000"/>
               </a:schemeClr>
             </a:gs>
             <a:gs pos="100000">
               <a:schemeClr val="phClr">
-                <a:tint val="88000"/>
-                <a:satMod val="400000"/>
+                <a:shade val="20000"/>
+                <a:satMod val="255000"/>
               </a:schemeClr>
             </a:gs>
           </a:gsLst>
-          <a:lin ang="5400000" scaled="0"/>
+          <a:path path="circle">
+            <a:fillToRect l="50000" t="-80000" r="50000" b="180000"/>
+          </a:path>
         </a:gradFill>
-        <a:blipFill>
-          <a:blip xmlns:r="http://schemas.openxmlformats.org/officeDocument/2006/relationships" r:embed="rId1">
-            <a:duotone>
+        <a:gradFill rotWithShape="1">
+          <a:gsLst>
+            <a:gs pos="0">
               <a:schemeClr val="phClr">
-                <a:shade val="40000"/>
-                <a:satMod val="180000"/>
+                <a:tint val="80000"/>
+                <a:satMod val="300000"/>
               </a:schemeClr>
+            </a:gs>
+            <a:gs pos="100000">
               <a:schemeClr val="phClr">
-                <a:tint val="90000"/>
+                <a:shade val="30000"/>
                 <a:satMod val="200000"/>
               </a:schemeClr>
-            </a:duotone>
-          </a:blip>
-          <a:tile tx="0" ty="0" sx="80000" sy="80000" flip="none" algn="tl"/>
-        </a:blipFill>
+            </a:gs>
+          </a:gsLst>
+          <a:path path="circle">
+            <a:fillToRect l="50000" t="50000" r="50000" b="50000"/>
+          </a:path>
+        </a:gradFill>
       </a:bgFillStyleLst>
     </a:fmtScheme>
   </a:themeElements>

--- a/trunk/Docs/Medias2012.pptx
+++ b/trunk/Docs/Medias2012.pptx
@@ -3611,16 +3611,11 @@
               <a:rPr lang="ru-RU" sz="2400" dirty="0" smtClean="0"/>
               <a:t>, </a:t>
             </a:r>
-            <a:endParaRPr lang="ru-RU" sz="2400" dirty="0" smtClean="0"/>
           </a:p>
           <a:p>
             <a:r>
               <a:rPr lang="ru-RU" sz="2400" dirty="0" smtClean="0"/>
-              <a:t>студент </a:t>
-            </a:r>
-            <a:r>
-              <a:rPr lang="ru-RU" sz="2400" dirty="0" smtClean="0"/>
-              <a:t>СПб НИУ ИТМО</a:t>
+              <a:t>студент СПб НИУ ИТМО</a:t>
             </a:r>
             <a:endParaRPr lang="ru-RU" sz="2400" dirty="0"/>
           </a:p>
@@ -3972,29 +3967,8 @@
                   <a:srgbClr val="80FF80"/>
                 </a:solidFill>
               </a:rPr>
-              <a:t> X</a:t>
-            </a:r>
-            <a:r>
-              <a:rPr lang="en-US" sz="2000" dirty="0" smtClean="0">
-                <a:solidFill>
-                  <a:srgbClr val="80FF80"/>
-                </a:solidFill>
-              </a:rPr>
-              <a:t>box </a:t>
-            </a:r>
-            <a:r>
-              <a:rPr lang="en-US" sz="2000" dirty="0" smtClean="0">
-                <a:solidFill>
-                  <a:srgbClr val="80FF80"/>
-                </a:solidFill>
-              </a:rPr>
-              <a:t>360</a:t>
-            </a:r>
-            <a:endParaRPr lang="en-US" sz="2000" dirty="0" smtClean="0">
-              <a:solidFill>
-                <a:srgbClr val="80FF80"/>
-              </a:solidFill>
-            </a:endParaRPr>
+              <a:t> Xbox 360</a:t>
+            </a:r>
           </a:p>
           <a:p>
             <a:pPr lvl="1"/>
@@ -4025,15 +3999,7 @@
                   <a:srgbClr val="80FF80"/>
                 </a:solidFill>
               </a:rPr>
-              <a:t>Выполнение </a:t>
-            </a:r>
-            <a:r>
-              <a:rPr lang="ru-RU" sz="2000" i="1" dirty="0" smtClean="0">
-                <a:solidFill>
-                  <a:srgbClr val="80FF80"/>
-                </a:solidFill>
-              </a:rPr>
-              <a:t>сценариев</a:t>
+              <a:t>Выполнение сценариев</a:t>
             </a:r>
             <a:endParaRPr lang="en-US" sz="2000" i="1" dirty="0" smtClean="0">
               <a:solidFill>
@@ -4049,11 +4015,27 @@
                   <a:srgbClr val="80FF80"/>
                 </a:solidFill>
               </a:rPr>
-              <a:t>Обход опорных точек</a:t>
+              <a:t>Обход опорных </a:t>
+            </a:r>
+            <a:r>
+              <a:rPr lang="ru-RU" sz="1600" i="1" dirty="0" smtClean="0">
+                <a:solidFill>
+                  <a:srgbClr val="80FF80"/>
+                </a:solidFill>
+              </a:rPr>
+              <a:t>точек</a:t>
             </a:r>
           </a:p>
           <a:p>
             <a:pPr lvl="2"/>
+            <a:r>
+              <a:rPr lang="ru-RU" sz="1600" i="1" dirty="0" smtClean="0">
+                <a:solidFill>
+                  <a:srgbClr val="80FF80"/>
+                </a:solidFill>
+              </a:rPr>
+              <a:t>Фигуры высшего пилотажа</a:t>
+            </a:r>
             <a:endParaRPr lang="ru-RU" sz="1600" i="1" dirty="0" smtClean="0">
               <a:solidFill>
                 <a:srgbClr val="80FF80"/>
@@ -4100,11 +4082,6 @@
               </a:rPr>
               <a:t>Перестроение при потере БПЛА</a:t>
             </a:r>
-            <a:endParaRPr lang="ru-RU" sz="1600" i="1" dirty="0" smtClean="0">
-              <a:solidFill>
-                <a:srgbClr val="80FF80"/>
-              </a:solidFill>
-            </a:endParaRPr>
           </a:p>
         </p:txBody>
       </p:sp>
@@ -4663,34 +4640,39 @@
             <p:ph type="title"/>
           </p:nvPr>
         </p:nvSpPr>
-        <p:spPr/>
+        <p:spPr>
+          <a:xfrm>
+            <a:off x="179512" y="274638"/>
+            <a:ext cx="8856984" cy="1143000"/>
+          </a:xfrm>
+        </p:spPr>
         <p:txBody>
           <a:bodyPr>
-            <a:normAutofit fontScale="90000"/>
+            <a:noAutofit/>
           </a:bodyPr>
           <a:lstStyle/>
           <a:p>
             <a:r>
-              <a:rPr lang="ru-RU" dirty="0" smtClean="0"/>
+              <a:rPr lang="ru-RU" sz="3200" dirty="0" smtClean="0"/>
               <a:t>Особенности постановки задачи ВП</a:t>
             </a:r>
             <a:r>
-              <a:rPr lang="en-US" dirty="0" smtClean="0"/>
+              <a:rPr lang="en-US" sz="3200" dirty="0" smtClean="0"/>
               <a:t> </a:t>
             </a:r>
             <a:r>
-              <a:rPr lang="en-US" dirty="0" err="1" smtClean="0"/>
+              <a:rPr lang="en-US" sz="3200" dirty="0" err="1" smtClean="0"/>
               <a:t>QuadroX</a:t>
             </a:r>
             <a:r>
-              <a:rPr lang="en-US" dirty="0" smtClean="0"/>
+              <a:rPr lang="en-US" sz="3200" dirty="0" smtClean="0"/>
               <a:t>-DS</a:t>
             </a:r>
             <a:r>
-              <a:rPr lang="ru-RU" dirty="0" smtClean="0"/>
+              <a:rPr lang="ru-RU" sz="3200" dirty="0" smtClean="0"/>
               <a:t> </a:t>
             </a:r>
-            <a:endParaRPr lang="ru-RU" dirty="0"/>
+            <a:endParaRPr lang="ru-RU" sz="3200" dirty="0"/>
           </a:p>
         </p:txBody>
       </p:sp>
@@ -5176,34 +5158,18 @@
                   <a:schemeClr val="bg1"/>
                 </a:solidFill>
               </a:rPr>
-              <a:t>Система </a:t>
-            </a:r>
+              <a:t>Система оптического</a:t>
+            </a:r>
+          </a:p>
+          <a:p>
+            <a:pPr algn="ctr"/>
             <a:r>
               <a:rPr lang="ru-RU" dirty="0" smtClean="0">
                 <a:solidFill>
                   <a:schemeClr val="bg1"/>
                 </a:solidFill>
               </a:rPr>
-              <a:t>оптического</a:t>
-            </a:r>
-          </a:p>
-          <a:p>
-            <a:pPr algn="ctr"/>
-            <a:r>
-              <a:rPr lang="ru-RU" dirty="0" smtClean="0">
-                <a:solidFill>
-                  <a:schemeClr val="bg1"/>
-                </a:solidFill>
-              </a:rPr>
-              <a:t>захвата </a:t>
-            </a:r>
-            <a:r>
-              <a:rPr lang="ru-RU" dirty="0" smtClean="0">
-                <a:solidFill>
-                  <a:schemeClr val="bg1"/>
-                </a:solidFill>
-              </a:rPr>
-              <a:t>движения</a:t>
+              <a:t>захвата движения</a:t>
             </a:r>
             <a:endParaRPr lang="ru-RU" dirty="0">
               <a:solidFill>
@@ -5358,12 +5324,12 @@
           <a:p>
             <a:pPr algn="ctr"/>
             <a:r>
-              <a:rPr lang="ru-RU" sz="1600" dirty="0" err="1" smtClean="0">
+              <a:rPr lang="ru-RU" sz="1600" dirty="0" smtClean="0">
                 <a:solidFill>
                   <a:schemeClr val="bg1"/>
                 </a:solidFill>
               </a:rPr>
-              <a:t>движетеля</a:t>
+              <a:t>движителя</a:t>
             </a:r>
             <a:endParaRPr lang="ru-RU" sz="1600" dirty="0">
               <a:solidFill>
@@ -6056,7 +6022,7 @@
     </p:spTree>
     <p:extLst>
       <p:ext uri="{BB962C8B-B14F-4D97-AF65-F5344CB8AC3E}">
-        <p14:creationId xmlns:p14="http://schemas.microsoft.com/office/powerpoint/2010/main" xmlns="" val="1550165570"/>
+        <p14:creationId xmlns="" xmlns:p14="http://schemas.microsoft.com/office/powerpoint/2010/main" val="1550165570"/>
       </p:ext>
     </p:extLst>
   </p:cSld>
@@ -6109,11 +6075,7 @@
           <a:p>
             <a:r>
               <a:rPr lang="ru-RU" sz="3600" dirty="0" smtClean="0"/>
-              <a:t>Физическая </a:t>
-            </a:r>
-            <a:r>
-              <a:rPr lang="ru-RU" sz="3600" dirty="0" smtClean="0"/>
-              <a:t>подсистема</a:t>
+              <a:t>Физическая подсистема</a:t>
             </a:r>
             <a:r>
               <a:rPr lang="en-US" sz="3600" dirty="0" smtClean="0"/>
@@ -6203,7 +6165,6 @@
               <a:rPr lang="ru-RU" dirty="0" smtClean="0"/>
               <a:t>Двигатели:</a:t>
             </a:r>
-            <a:endParaRPr lang="ru-RU" dirty="0" smtClean="0"/>
           </a:p>
           <a:p>
             <a:pPr lvl="1"/>
@@ -6383,7 +6344,7 @@
     </p:spTree>
     <p:extLst>
       <p:ext uri="{BB962C8B-B14F-4D97-AF65-F5344CB8AC3E}">
-        <p14:creationId xmlns:p14="http://schemas.microsoft.com/office/powerpoint/2010/main" xmlns="" val="3609528446"/>
+        <p14:creationId xmlns="" xmlns:p14="http://schemas.microsoft.com/office/powerpoint/2010/main" val="3609528446"/>
       </p:ext>
     </p:extLst>
   </p:cSld>
@@ -6942,12 +6903,12 @@
           <a:p>
             <a:pPr lvl="1"/>
             <a:r>
-              <a:rPr lang="ru-RU" sz="2000" dirty="0" err="1" smtClean="0">
+              <a:rPr lang="ru-RU" sz="2000" dirty="0" smtClean="0">
                 <a:solidFill>
                   <a:srgbClr val="80FF80"/>
                 </a:solidFill>
               </a:rPr>
-              <a:t>Управлящие</a:t>
+              <a:t>Управляющие </a:t>
             </a:r>
             <a:r>
               <a:rPr lang="ru-RU" sz="2000" dirty="0" smtClean="0">
@@ -6955,7 +6916,7 @@
                   <a:srgbClr val="80FF80"/>
                 </a:solidFill>
               </a:rPr>
-              <a:t> сигналы (ШИМ на ЭКС)</a:t>
+              <a:t>сигналы (ШИМ на ЭКС)</a:t>
             </a:r>
           </a:p>
           <a:p>
@@ -7177,7 +7138,23 @@
                   <a:schemeClr val="bg1"/>
                 </a:solidFill>
               </a:rPr>
-              <a:t>Необходим стационарный инструмент </a:t>
+              <a:t>Необходим </a:t>
+            </a:r>
+            <a:r>
+              <a:rPr lang="ru-RU" dirty="0" smtClean="0">
+                <a:solidFill>
+                  <a:schemeClr val="bg1"/>
+                </a:solidFill>
+              </a:rPr>
+              <a:t> внешний стационарный </a:t>
+            </a:r>
+            <a:r>
+              <a:rPr lang="ru-RU" dirty="0" smtClean="0">
+                <a:solidFill>
+                  <a:schemeClr val="bg1"/>
+                </a:solidFill>
+              </a:rPr>
+              <a:t>инструмент </a:t>
             </a:r>
             <a:r>
               <a:rPr lang="ru-RU" dirty="0" err="1" smtClean="0">
@@ -7261,7 +7238,38 @@
                   <a:srgbClr val="92D050"/>
                 </a:solidFill>
               </a:rPr>
-              <a:t>Автоматизированная посадка на </a:t>
+              <a:t>Автоматизированная </a:t>
+            </a:r>
+            <a:r>
+              <a:rPr lang="ru-RU" smtClean="0">
+                <a:solidFill>
+                  <a:srgbClr val="92D050"/>
+                </a:solidFill>
+              </a:rPr>
+              <a:t>посадка </a:t>
+            </a:r>
+            <a:r>
+              <a:rPr lang="ru-RU" smtClean="0">
+                <a:solidFill>
+                  <a:srgbClr val="92D050"/>
+                </a:solidFill>
+              </a:rPr>
+              <a:t/>
+            </a:r>
+            <a:br>
+              <a:rPr lang="ru-RU" smtClean="0">
+                <a:solidFill>
+                  <a:srgbClr val="92D050"/>
+                </a:solidFill>
+              </a:rPr>
+            </a:br>
+            <a:r>
+              <a:rPr lang="ru-RU" smtClean="0">
+                <a:solidFill>
+                  <a:srgbClr val="92D050"/>
+                </a:solidFill>
+              </a:rPr>
+              <a:t>на </a:t>
             </a:r>
             <a:r>
               <a:rPr lang="ru-RU" dirty="0" smtClean="0">
@@ -7282,11 +7290,6 @@
               </a:rPr>
               <a:t>Калибровка</a:t>
             </a:r>
-            <a:endParaRPr lang="ru-RU" dirty="0" smtClean="0">
-              <a:solidFill>
-                <a:srgbClr val="92D050"/>
-              </a:solidFill>
-            </a:endParaRPr>
           </a:p>
         </p:txBody>
       </p:sp>
